--- a/Präsentation/Pyduino_Präsentation.pptx
+++ b/Präsentation/Pyduino_Präsentation.pptx
@@ -6,8 +6,20 @@
   </p:sldMasterIdLst>
   <p:sldIdLst>
     <p:sldId id="256" r:id="rId2"/>
-    <p:sldId id="257" r:id="rId3"/>
-    <p:sldId id="258" r:id="rId4"/>
+    <p:sldId id="270" r:id="rId3"/>
+    <p:sldId id="257" r:id="rId4"/>
+    <p:sldId id="258" r:id="rId5"/>
+    <p:sldId id="259" r:id="rId6"/>
+    <p:sldId id="264" r:id="rId7"/>
+    <p:sldId id="260" r:id="rId8"/>
+    <p:sldId id="263" r:id="rId9"/>
+    <p:sldId id="261" r:id="rId10"/>
+    <p:sldId id="262" r:id="rId11"/>
+    <p:sldId id="265" r:id="rId12"/>
+    <p:sldId id="266" r:id="rId13"/>
+    <p:sldId id="267" r:id="rId14"/>
+    <p:sldId id="268" r:id="rId15"/>
+    <p:sldId id="269" r:id="rId16"/>
   </p:sldIdLst>
   <p:sldSz cx="12192000" cy="6858000"/>
   <p:notesSz cx="6858000" cy="9144000"/>
@@ -106,6 +118,11 @@
       </a:defRPr>
     </a:lvl9pPr>
   </p:defaultTextStyle>
+  <p:extLst>
+    <p:ext uri="{EFAFB233-063F-42B5-8137-9DF3F51BA10A}">
+      <p15:sldGuideLst xmlns:p15="http://schemas.microsoft.com/office/powerpoint/2012/main"/>
+    </p:ext>
+  </p:extLst>
 </p:presentation>
 </file>
 
@@ -256,7 +273,7 @@
           <a:p>
             <a:fld id="{57C2ADC8-E08E-42BC-8B3F-BEE8B0D2554E}" type="datetimeFigureOut">
               <a:rPr lang="de-DE" smtClean="0"/>
-              <a:t>25.02.2023</a:t>
+              <a:t>26.02.2023</a:t>
             </a:fld>
             <a:endParaRPr lang="de-DE"/>
           </a:p>
@@ -454,7 +471,7 @@
           <a:p>
             <a:fld id="{57C2ADC8-E08E-42BC-8B3F-BEE8B0D2554E}" type="datetimeFigureOut">
               <a:rPr lang="de-DE" smtClean="0"/>
-              <a:t>25.02.2023</a:t>
+              <a:t>26.02.2023</a:t>
             </a:fld>
             <a:endParaRPr lang="de-DE"/>
           </a:p>
@@ -662,7 +679,7 @@
           <a:p>
             <a:fld id="{57C2ADC8-E08E-42BC-8B3F-BEE8B0D2554E}" type="datetimeFigureOut">
               <a:rPr lang="de-DE" smtClean="0"/>
-              <a:t>25.02.2023</a:t>
+              <a:t>26.02.2023</a:t>
             </a:fld>
             <a:endParaRPr lang="de-DE"/>
           </a:p>
@@ -860,7 +877,7 @@
           <a:p>
             <a:fld id="{57C2ADC8-E08E-42BC-8B3F-BEE8B0D2554E}" type="datetimeFigureOut">
               <a:rPr lang="de-DE" smtClean="0"/>
-              <a:t>25.02.2023</a:t>
+              <a:t>26.02.2023</a:t>
             </a:fld>
             <a:endParaRPr lang="de-DE"/>
           </a:p>
@@ -1135,7 +1152,7 @@
           <a:p>
             <a:fld id="{57C2ADC8-E08E-42BC-8B3F-BEE8B0D2554E}" type="datetimeFigureOut">
               <a:rPr lang="de-DE" smtClean="0"/>
-              <a:t>25.02.2023</a:t>
+              <a:t>26.02.2023</a:t>
             </a:fld>
             <a:endParaRPr lang="de-DE"/>
           </a:p>
@@ -1400,7 +1417,7 @@
           <a:p>
             <a:fld id="{57C2ADC8-E08E-42BC-8B3F-BEE8B0D2554E}" type="datetimeFigureOut">
               <a:rPr lang="de-DE" smtClean="0"/>
-              <a:t>25.02.2023</a:t>
+              <a:t>26.02.2023</a:t>
             </a:fld>
             <a:endParaRPr lang="de-DE"/>
           </a:p>
@@ -1812,7 +1829,7 @@
           <a:p>
             <a:fld id="{57C2ADC8-E08E-42BC-8B3F-BEE8B0D2554E}" type="datetimeFigureOut">
               <a:rPr lang="de-DE" smtClean="0"/>
-              <a:t>25.02.2023</a:t>
+              <a:t>26.02.2023</a:t>
             </a:fld>
             <a:endParaRPr lang="de-DE"/>
           </a:p>
@@ -1953,7 +1970,7 @@
           <a:p>
             <a:fld id="{57C2ADC8-E08E-42BC-8B3F-BEE8B0D2554E}" type="datetimeFigureOut">
               <a:rPr lang="de-DE" smtClean="0"/>
-              <a:t>25.02.2023</a:t>
+              <a:t>26.02.2023</a:t>
             </a:fld>
             <a:endParaRPr lang="de-DE"/>
           </a:p>
@@ -2066,7 +2083,7 @@
           <a:p>
             <a:fld id="{57C2ADC8-E08E-42BC-8B3F-BEE8B0D2554E}" type="datetimeFigureOut">
               <a:rPr lang="de-DE" smtClean="0"/>
-              <a:t>25.02.2023</a:t>
+              <a:t>26.02.2023</a:t>
             </a:fld>
             <a:endParaRPr lang="de-DE"/>
           </a:p>
@@ -2377,7 +2394,7 @@
           <a:p>
             <a:fld id="{57C2ADC8-E08E-42BC-8B3F-BEE8B0D2554E}" type="datetimeFigureOut">
               <a:rPr lang="de-DE" smtClean="0"/>
-              <a:t>25.02.2023</a:t>
+              <a:t>26.02.2023</a:t>
             </a:fld>
             <a:endParaRPr lang="de-DE"/>
           </a:p>
@@ -2665,7 +2682,7 @@
           <a:p>
             <a:fld id="{57C2ADC8-E08E-42BC-8B3F-BEE8B0D2554E}" type="datetimeFigureOut">
               <a:rPr lang="de-DE" smtClean="0"/>
-              <a:t>25.02.2023</a:t>
+              <a:t>26.02.2023</a:t>
             </a:fld>
             <a:endParaRPr lang="de-DE"/>
           </a:p>
@@ -2906,7 +2923,7 @@
           <a:p>
             <a:fld id="{57C2ADC8-E08E-42BC-8B3F-BEE8B0D2554E}" type="datetimeFigureOut">
               <a:rPr lang="de-DE" smtClean="0"/>
-              <a:t>25.02.2023</a:t>
+              <a:t>26.02.2023</a:t>
             </a:fld>
             <a:endParaRPr lang="de-DE"/>
           </a:p>
@@ -3344,7 +3361,10 @@
           <a:bodyPr/>
           <a:lstStyle/>
           <a:p>
-            <a:endParaRPr lang="de-DE" dirty="0"/>
+            <a:r>
+              <a:rPr lang="de-DE" dirty="0"/>
+              <a:t>Pyduino</a:t>
+            </a:r>
           </a:p>
         </p:txBody>
       </p:sp>
@@ -3369,7 +3389,7 @@
           <a:bodyPr/>
           <a:lstStyle/>
           <a:p>
-            <a:endParaRPr lang="de-DE"/>
+            <a:endParaRPr lang="de-DE" dirty="0"/>
           </a:p>
         </p:txBody>
       </p:sp>
@@ -3386,7 +3406,7 @@
 </p:sld>
 </file>
 
-<file path=ppt/slides/slide2.xml><?xml version="1.0" encoding="utf-8"?>
+<file path=ppt/slides/slide10.xml><?xml version="1.0" encoding="utf-8"?>
 <p:sld xmlns:a="http://schemas.openxmlformats.org/drawingml/2006/main" xmlns:r="http://schemas.openxmlformats.org/officeDocument/2006/relationships" xmlns:p="http://schemas.openxmlformats.org/presentationml/2006/main">
   <p:cSld>
     <p:spTree>
@@ -3405,39 +3425,1183 @@
       </p:grpSpPr>
       <p:sp>
         <p:nvSpPr>
-          <p:cNvPr id="2" name="Titel 1">
-            <a:extLst>
-              <a:ext uri="{FF2B5EF4-FFF2-40B4-BE49-F238E27FC236}">
-                <a16:creationId xmlns:a16="http://schemas.microsoft.com/office/drawing/2014/main" id="{58E05B99-798C-C0FF-4C3F-5386AF78CBD5}"/>
-              </a:ext>
-            </a:extLst>
-          </p:cNvPr>
-          <p:cNvSpPr>
-            <a:spLocks noGrp="1"/>
-          </p:cNvSpPr>
-          <p:nvPr>
-            <p:ph type="title"/>
-          </p:nvPr>
-        </p:nvSpPr>
-        <p:spPr/>
-        <p:txBody>
-          <a:bodyPr/>
-          <a:lstStyle/>
-          <a:p>
+          <p:cNvPr id="4" name="Rechteck: abgerundete Ecken 3">
+            <a:extLst>
+              <a:ext uri="{FF2B5EF4-FFF2-40B4-BE49-F238E27FC236}">
+                <a16:creationId xmlns:a16="http://schemas.microsoft.com/office/drawing/2014/main" id="{A78B71E2-0ACC-D372-09CC-F48A502EBC0F}"/>
+              </a:ext>
+            </a:extLst>
+          </p:cNvPr>
+          <p:cNvSpPr/>
+          <p:nvPr/>
+        </p:nvSpPr>
+        <p:spPr>
+          <a:xfrm>
+            <a:off x="1618827" y="1801705"/>
+            <a:ext cx="3205421" cy="633114"/>
+          </a:xfrm>
+          <a:prstGeom prst="roundRect">
+            <a:avLst/>
+          </a:prstGeom>
+          <a:noFill/>
+          <a:ln w="38100">
+            <a:solidFill>
+              <a:schemeClr val="tx1"/>
+            </a:solidFill>
+          </a:ln>
+        </p:spPr>
+        <p:style>
+          <a:lnRef idx="2">
+            <a:schemeClr val="accent1">
+              <a:shade val="50000"/>
+            </a:schemeClr>
+          </a:lnRef>
+          <a:fillRef idx="1">
+            <a:schemeClr val="accent1"/>
+          </a:fillRef>
+          <a:effectRef idx="0">
+            <a:schemeClr val="accent1"/>
+          </a:effectRef>
+          <a:fontRef idx="minor">
+            <a:schemeClr val="lt1"/>
+          </a:fontRef>
+        </p:style>
+        <p:txBody>
+          <a:bodyPr rtlCol="0" anchor="ctr"/>
+          <a:lstStyle/>
+          <a:p>
+            <a:pPr algn="ctr"/>
+            <a:r>
+              <a:rPr lang="de-DE" dirty="0" err="1">
+                <a:solidFill>
+                  <a:schemeClr val="tx1"/>
+                </a:solidFill>
+              </a:rPr>
+              <a:t>ResponseStartCharacter</a:t>
+            </a:r>
             <a:r>
               <a:rPr lang="de-DE" dirty="0" err="1"/>
-              <a:t>Tokenizer</a:t>
+              <a:t>S</a:t>
             </a:r>
             <a:endParaRPr lang="de-DE" dirty="0"/>
+          </a:p>
+        </p:txBody>
+      </p:sp>
+      <p:sp>
+        <p:nvSpPr>
+          <p:cNvPr id="5" name="Rechteck: abgerundete Ecken 4">
+            <a:extLst>
+              <a:ext uri="{FF2B5EF4-FFF2-40B4-BE49-F238E27FC236}">
+                <a16:creationId xmlns:a16="http://schemas.microsoft.com/office/drawing/2014/main" id="{6261D5BD-C9A7-405E-15E6-42C3AFA6857C}"/>
+              </a:ext>
+            </a:extLst>
+          </p:cNvPr>
+          <p:cNvSpPr/>
+          <p:nvPr/>
+        </p:nvSpPr>
+        <p:spPr>
+          <a:xfrm>
+            <a:off x="489636" y="1801706"/>
+            <a:ext cx="878577" cy="633113"/>
+          </a:xfrm>
+          <a:prstGeom prst="roundRect">
+            <a:avLst/>
+          </a:prstGeom>
+          <a:noFill/>
+          <a:ln w="38100">
+            <a:solidFill>
+              <a:schemeClr val="tx1"/>
+            </a:solidFill>
+          </a:ln>
+        </p:spPr>
+        <p:style>
+          <a:lnRef idx="2">
+            <a:schemeClr val="accent1">
+              <a:shade val="50000"/>
+            </a:schemeClr>
+          </a:lnRef>
+          <a:fillRef idx="1">
+            <a:schemeClr val="accent1"/>
+          </a:fillRef>
+          <a:effectRef idx="0">
+            <a:schemeClr val="accent1"/>
+          </a:effectRef>
+          <a:fontRef idx="minor">
+            <a:schemeClr val="lt1"/>
+          </a:fontRef>
+        </p:style>
+        <p:txBody>
+          <a:bodyPr rtlCol="0" anchor="ctr"/>
+          <a:lstStyle/>
+          <a:p>
+            <a:pPr algn="ctr"/>
+            <a:r>
+              <a:rPr lang="de-DE" sz="3200" dirty="0">
+                <a:solidFill>
+                  <a:schemeClr val="tx1"/>
+                </a:solidFill>
+              </a:rPr>
+              <a:t>1</a:t>
+            </a:r>
+          </a:p>
+        </p:txBody>
+      </p:sp>
+      <p:sp>
+        <p:nvSpPr>
+          <p:cNvPr id="6" name="Rechteck: abgerundete Ecken 5">
+            <a:extLst>
+              <a:ext uri="{FF2B5EF4-FFF2-40B4-BE49-F238E27FC236}">
+                <a16:creationId xmlns:a16="http://schemas.microsoft.com/office/drawing/2014/main" id="{9D3A0BBD-69F6-68E4-F6C0-68B64B5C8878}"/>
+              </a:ext>
+            </a:extLst>
+          </p:cNvPr>
+          <p:cNvSpPr/>
+          <p:nvPr/>
+        </p:nvSpPr>
+        <p:spPr>
+          <a:xfrm>
+            <a:off x="1618825" y="2691001"/>
+            <a:ext cx="3205421" cy="633114"/>
+          </a:xfrm>
+          <a:prstGeom prst="roundRect">
+            <a:avLst/>
+          </a:prstGeom>
+          <a:noFill/>
+          <a:ln w="38100">
+            <a:solidFill>
+              <a:schemeClr val="tx1"/>
+            </a:solidFill>
+          </a:ln>
+        </p:spPr>
+        <p:style>
+          <a:lnRef idx="2">
+            <a:schemeClr val="accent1">
+              <a:shade val="50000"/>
+            </a:schemeClr>
+          </a:lnRef>
+          <a:fillRef idx="1">
+            <a:schemeClr val="accent1"/>
+          </a:fillRef>
+          <a:effectRef idx="0">
+            <a:schemeClr val="accent1"/>
+          </a:effectRef>
+          <a:fontRef idx="minor">
+            <a:schemeClr val="lt1"/>
+          </a:fontRef>
+        </p:style>
+        <p:txBody>
+          <a:bodyPr rtlCol="0" anchor="ctr"/>
+          <a:lstStyle/>
+          <a:p>
+            <a:pPr algn="ctr"/>
+            <a:r>
+              <a:rPr lang="de-DE" dirty="0">
+                <a:solidFill>
+                  <a:schemeClr val="tx1"/>
+                </a:solidFill>
+              </a:rPr>
+              <a:t>Request ID</a:t>
+            </a:r>
+            <a:endParaRPr lang="de-DE" dirty="0"/>
+          </a:p>
+        </p:txBody>
+      </p:sp>
+      <p:sp>
+        <p:nvSpPr>
+          <p:cNvPr id="7" name="Rechteck: abgerundete Ecken 6">
+            <a:extLst>
+              <a:ext uri="{FF2B5EF4-FFF2-40B4-BE49-F238E27FC236}">
+                <a16:creationId xmlns:a16="http://schemas.microsoft.com/office/drawing/2014/main" id="{323A2A98-2CBD-F760-F0AF-1C386931691A}"/>
+              </a:ext>
+            </a:extLst>
+          </p:cNvPr>
+          <p:cNvSpPr/>
+          <p:nvPr/>
+        </p:nvSpPr>
+        <p:spPr>
+          <a:xfrm>
+            <a:off x="489634" y="2691002"/>
+            <a:ext cx="878577" cy="633113"/>
+          </a:xfrm>
+          <a:prstGeom prst="roundRect">
+            <a:avLst/>
+          </a:prstGeom>
+          <a:noFill/>
+          <a:ln w="38100">
+            <a:solidFill>
+              <a:schemeClr val="tx1"/>
+            </a:solidFill>
+          </a:ln>
+        </p:spPr>
+        <p:style>
+          <a:lnRef idx="2">
+            <a:schemeClr val="accent1">
+              <a:shade val="50000"/>
+            </a:schemeClr>
+          </a:lnRef>
+          <a:fillRef idx="1">
+            <a:schemeClr val="accent1"/>
+          </a:fillRef>
+          <a:effectRef idx="0">
+            <a:schemeClr val="accent1"/>
+          </a:effectRef>
+          <a:fontRef idx="minor">
+            <a:schemeClr val="lt1"/>
+          </a:fontRef>
+        </p:style>
+        <p:txBody>
+          <a:bodyPr rtlCol="0" anchor="ctr"/>
+          <a:lstStyle/>
+          <a:p>
+            <a:pPr algn="ctr"/>
+            <a:r>
+              <a:rPr lang="de-DE" sz="3200" dirty="0">
+                <a:solidFill>
+                  <a:schemeClr val="tx1"/>
+                </a:solidFill>
+              </a:rPr>
+              <a:t>1</a:t>
+            </a:r>
+          </a:p>
+        </p:txBody>
+      </p:sp>
+      <p:sp>
+        <p:nvSpPr>
+          <p:cNvPr id="8" name="Rechteck: abgerundete Ecken 7">
+            <a:extLst>
+              <a:ext uri="{FF2B5EF4-FFF2-40B4-BE49-F238E27FC236}">
+                <a16:creationId xmlns:a16="http://schemas.microsoft.com/office/drawing/2014/main" id="{AFFED479-E31A-C40C-C461-87E25167C518}"/>
+              </a:ext>
+            </a:extLst>
+          </p:cNvPr>
+          <p:cNvSpPr/>
+          <p:nvPr/>
+        </p:nvSpPr>
+        <p:spPr>
+          <a:xfrm>
+            <a:off x="1618825" y="3580297"/>
+            <a:ext cx="3205421" cy="633114"/>
+          </a:xfrm>
+          <a:prstGeom prst="roundRect">
+            <a:avLst/>
+          </a:prstGeom>
+          <a:noFill/>
+          <a:ln w="38100">
+            <a:solidFill>
+              <a:schemeClr val="tx1"/>
+            </a:solidFill>
+          </a:ln>
+        </p:spPr>
+        <p:style>
+          <a:lnRef idx="2">
+            <a:schemeClr val="accent1">
+              <a:shade val="50000"/>
+            </a:schemeClr>
+          </a:lnRef>
+          <a:fillRef idx="1">
+            <a:schemeClr val="accent1"/>
+          </a:fillRef>
+          <a:effectRef idx="0">
+            <a:schemeClr val="accent1"/>
+          </a:effectRef>
+          <a:fontRef idx="minor">
+            <a:schemeClr val="lt1"/>
+          </a:fontRef>
+        </p:style>
+        <p:txBody>
+          <a:bodyPr rtlCol="0" anchor="ctr"/>
+          <a:lstStyle/>
+          <a:p>
+            <a:pPr algn="ctr"/>
+            <a:r>
+              <a:rPr lang="de-DE" dirty="0">
+                <a:solidFill>
+                  <a:schemeClr val="tx1"/>
+                </a:solidFill>
+              </a:rPr>
+              <a:t>Response Size (in </a:t>
+            </a:r>
+            <a:r>
+              <a:rPr lang="de-DE" dirty="0" err="1">
+                <a:solidFill>
+                  <a:schemeClr val="tx1"/>
+                </a:solidFill>
+              </a:rPr>
+              <a:t>bytes</a:t>
+            </a:r>
+            <a:r>
+              <a:rPr lang="de-DE" dirty="0">
+                <a:solidFill>
+                  <a:schemeClr val="tx1"/>
+                </a:solidFill>
+              </a:rPr>
+              <a:t>)</a:t>
+            </a:r>
+            <a:endParaRPr lang="de-DE" dirty="0"/>
+          </a:p>
+        </p:txBody>
+      </p:sp>
+      <p:sp>
+        <p:nvSpPr>
+          <p:cNvPr id="9" name="Rechteck: abgerundete Ecken 8">
+            <a:extLst>
+              <a:ext uri="{FF2B5EF4-FFF2-40B4-BE49-F238E27FC236}">
+                <a16:creationId xmlns:a16="http://schemas.microsoft.com/office/drawing/2014/main" id="{8687227A-7EF6-E404-4BB6-BF2640FEDD3E}"/>
+              </a:ext>
+            </a:extLst>
+          </p:cNvPr>
+          <p:cNvSpPr/>
+          <p:nvPr/>
+        </p:nvSpPr>
+        <p:spPr>
+          <a:xfrm>
+            <a:off x="489634" y="3580298"/>
+            <a:ext cx="878577" cy="633113"/>
+          </a:xfrm>
+          <a:prstGeom prst="roundRect">
+            <a:avLst/>
+          </a:prstGeom>
+          <a:noFill/>
+          <a:ln w="38100">
+            <a:solidFill>
+              <a:schemeClr val="tx1"/>
+            </a:solidFill>
+          </a:ln>
+        </p:spPr>
+        <p:style>
+          <a:lnRef idx="2">
+            <a:schemeClr val="accent1">
+              <a:shade val="50000"/>
+            </a:schemeClr>
+          </a:lnRef>
+          <a:fillRef idx="1">
+            <a:schemeClr val="accent1"/>
+          </a:fillRef>
+          <a:effectRef idx="0">
+            <a:schemeClr val="accent1"/>
+          </a:effectRef>
+          <a:fontRef idx="minor">
+            <a:schemeClr val="lt1"/>
+          </a:fontRef>
+        </p:style>
+        <p:txBody>
+          <a:bodyPr rtlCol="0" anchor="ctr"/>
+          <a:lstStyle/>
+          <a:p>
+            <a:pPr algn="ctr"/>
+            <a:r>
+              <a:rPr lang="de-DE" sz="3200" dirty="0">
+                <a:solidFill>
+                  <a:schemeClr val="tx1"/>
+                </a:solidFill>
+              </a:rPr>
+              <a:t>1</a:t>
+            </a:r>
+          </a:p>
+        </p:txBody>
+      </p:sp>
+      <p:sp>
+        <p:nvSpPr>
+          <p:cNvPr id="12" name="Rechteck: abgerundete Ecken 11">
+            <a:extLst>
+              <a:ext uri="{FF2B5EF4-FFF2-40B4-BE49-F238E27FC236}">
+                <a16:creationId xmlns:a16="http://schemas.microsoft.com/office/drawing/2014/main" id="{E2FA0AE1-6AAE-33B8-9F96-D2C57D7FBCCE}"/>
+              </a:ext>
+            </a:extLst>
+          </p:cNvPr>
+          <p:cNvSpPr/>
+          <p:nvPr/>
+        </p:nvSpPr>
+        <p:spPr>
+          <a:xfrm>
+            <a:off x="1618825" y="4469593"/>
+            <a:ext cx="3205421" cy="633114"/>
+          </a:xfrm>
+          <a:prstGeom prst="roundRect">
+            <a:avLst/>
+          </a:prstGeom>
+          <a:noFill/>
+          <a:ln w="38100">
+            <a:solidFill>
+              <a:schemeClr val="tx1"/>
+            </a:solidFill>
+          </a:ln>
+        </p:spPr>
+        <p:style>
+          <a:lnRef idx="2">
+            <a:schemeClr val="accent1">
+              <a:shade val="50000"/>
+            </a:schemeClr>
+          </a:lnRef>
+          <a:fillRef idx="1">
+            <a:schemeClr val="accent1"/>
+          </a:fillRef>
+          <a:effectRef idx="0">
+            <a:schemeClr val="accent1"/>
+          </a:effectRef>
+          <a:fontRef idx="minor">
+            <a:schemeClr val="lt1"/>
+          </a:fontRef>
+        </p:style>
+        <p:txBody>
+          <a:bodyPr rtlCol="0" anchor="ctr"/>
+          <a:lstStyle/>
+          <a:p>
+            <a:pPr algn="ctr"/>
+            <a:r>
+              <a:rPr lang="de-DE" dirty="0" err="1">
+                <a:solidFill>
+                  <a:schemeClr val="tx1"/>
+                </a:solidFill>
+              </a:rPr>
+              <a:t>Respose</a:t>
+            </a:r>
+            <a:endParaRPr lang="de-DE" dirty="0"/>
+          </a:p>
+        </p:txBody>
+      </p:sp>
+      <p:sp>
+        <p:nvSpPr>
+          <p:cNvPr id="13" name="Rechteck: abgerundete Ecken 12">
+            <a:extLst>
+              <a:ext uri="{FF2B5EF4-FFF2-40B4-BE49-F238E27FC236}">
+                <a16:creationId xmlns:a16="http://schemas.microsoft.com/office/drawing/2014/main" id="{337C0DAB-D27F-F86C-2F7B-B0ABE610F25A}"/>
+              </a:ext>
+            </a:extLst>
+          </p:cNvPr>
+          <p:cNvSpPr/>
+          <p:nvPr/>
+        </p:nvSpPr>
+        <p:spPr>
+          <a:xfrm>
+            <a:off x="489636" y="4469594"/>
+            <a:ext cx="878578" cy="633113"/>
+          </a:xfrm>
+          <a:prstGeom prst="roundRect">
+            <a:avLst>
+              <a:gd name="adj" fmla="val 17737"/>
+            </a:avLst>
+          </a:prstGeom>
+          <a:noFill/>
+          <a:ln w="38100">
+            <a:solidFill>
+              <a:schemeClr val="tx1"/>
+            </a:solidFill>
+          </a:ln>
+        </p:spPr>
+        <p:style>
+          <a:lnRef idx="2">
+            <a:schemeClr val="accent1">
+              <a:shade val="50000"/>
+            </a:schemeClr>
+          </a:lnRef>
+          <a:fillRef idx="1">
+            <a:schemeClr val="accent1"/>
+          </a:fillRef>
+          <a:effectRef idx="0">
+            <a:schemeClr val="accent1"/>
+          </a:effectRef>
+          <a:fontRef idx="minor">
+            <a:schemeClr val="lt1"/>
+          </a:fontRef>
+        </p:style>
+        <p:txBody>
+          <a:bodyPr rtlCol="0" anchor="ctr"/>
+          <a:lstStyle/>
+          <a:p>
+            <a:pPr algn="ctr"/>
+            <a:r>
+              <a:rPr lang="de-DE" sz="2200" dirty="0">
+                <a:solidFill>
+                  <a:schemeClr val="tx1"/>
+                </a:solidFill>
+              </a:rPr>
+              <a:t>Value Size</a:t>
+            </a:r>
+          </a:p>
+        </p:txBody>
+      </p:sp>
+      <p:sp>
+        <p:nvSpPr>
+          <p:cNvPr id="14" name="Rechteck: abgerundete Ecken 13">
+            <a:extLst>
+              <a:ext uri="{FF2B5EF4-FFF2-40B4-BE49-F238E27FC236}">
+                <a16:creationId xmlns:a16="http://schemas.microsoft.com/office/drawing/2014/main" id="{B708E0CD-20C1-0CF0-C545-6F84643679B8}"/>
+              </a:ext>
+            </a:extLst>
+          </p:cNvPr>
+          <p:cNvSpPr/>
+          <p:nvPr/>
+        </p:nvSpPr>
+        <p:spPr>
+          <a:xfrm>
+            <a:off x="1618825" y="5358889"/>
+            <a:ext cx="3205422" cy="633114"/>
+          </a:xfrm>
+          <a:prstGeom prst="roundRect">
+            <a:avLst/>
+          </a:prstGeom>
+          <a:noFill/>
+          <a:ln w="38100">
+            <a:solidFill>
+              <a:schemeClr val="tx1"/>
+            </a:solidFill>
+          </a:ln>
+        </p:spPr>
+        <p:style>
+          <a:lnRef idx="2">
+            <a:schemeClr val="accent1">
+              <a:shade val="50000"/>
+            </a:schemeClr>
+          </a:lnRef>
+          <a:fillRef idx="1">
+            <a:schemeClr val="accent1"/>
+          </a:fillRef>
+          <a:effectRef idx="0">
+            <a:schemeClr val="accent1"/>
+          </a:effectRef>
+          <a:fontRef idx="minor">
+            <a:schemeClr val="lt1"/>
+          </a:fontRef>
+        </p:style>
+        <p:txBody>
+          <a:bodyPr rtlCol="0" anchor="ctr"/>
+          <a:lstStyle/>
+          <a:p>
+            <a:pPr algn="ctr"/>
+            <a:r>
+              <a:rPr lang="de-DE" dirty="0" err="1">
+                <a:solidFill>
+                  <a:schemeClr val="tx1"/>
+                </a:solidFill>
+              </a:rPr>
+              <a:t>ResponseEndCharacter</a:t>
+            </a:r>
+            <a:r>
+              <a:rPr lang="de-DE" dirty="0" err="1"/>
+              <a:t>S</a:t>
+            </a:r>
+            <a:endParaRPr lang="de-DE" dirty="0"/>
+          </a:p>
+        </p:txBody>
+      </p:sp>
+      <p:sp>
+        <p:nvSpPr>
+          <p:cNvPr id="15" name="Rechteck: abgerundete Ecken 14">
+            <a:extLst>
+              <a:ext uri="{FF2B5EF4-FFF2-40B4-BE49-F238E27FC236}">
+                <a16:creationId xmlns:a16="http://schemas.microsoft.com/office/drawing/2014/main" id="{B3CF6E63-C75C-6F5B-B401-BDA0A00EB6D0}"/>
+              </a:ext>
+            </a:extLst>
+          </p:cNvPr>
+          <p:cNvSpPr/>
+          <p:nvPr/>
+        </p:nvSpPr>
+        <p:spPr>
+          <a:xfrm>
+            <a:off x="489636" y="5358889"/>
+            <a:ext cx="878577" cy="633113"/>
+          </a:xfrm>
+          <a:prstGeom prst="roundRect">
+            <a:avLst/>
+          </a:prstGeom>
+          <a:noFill/>
+          <a:ln w="38100">
+            <a:solidFill>
+              <a:schemeClr val="tx1"/>
+            </a:solidFill>
+          </a:ln>
+        </p:spPr>
+        <p:style>
+          <a:lnRef idx="2">
+            <a:schemeClr val="accent1">
+              <a:shade val="50000"/>
+            </a:schemeClr>
+          </a:lnRef>
+          <a:fillRef idx="1">
+            <a:schemeClr val="accent1"/>
+          </a:fillRef>
+          <a:effectRef idx="0">
+            <a:schemeClr val="accent1"/>
+          </a:effectRef>
+          <a:fontRef idx="minor">
+            <a:schemeClr val="lt1"/>
+          </a:fontRef>
+        </p:style>
+        <p:txBody>
+          <a:bodyPr rtlCol="0" anchor="ctr"/>
+          <a:lstStyle/>
+          <a:p>
+            <a:pPr algn="ctr"/>
+            <a:r>
+              <a:rPr lang="de-DE" sz="3200" dirty="0">
+                <a:solidFill>
+                  <a:schemeClr val="tx1"/>
+                </a:solidFill>
+              </a:rPr>
+              <a:t>1</a:t>
+            </a:r>
+          </a:p>
+        </p:txBody>
+      </p:sp>
+      <p:sp>
+        <p:nvSpPr>
+          <p:cNvPr id="24" name="Rechteck: abgerundete Ecken 23">
+            <a:extLst>
+              <a:ext uri="{FF2B5EF4-FFF2-40B4-BE49-F238E27FC236}">
+                <a16:creationId xmlns:a16="http://schemas.microsoft.com/office/drawing/2014/main" id="{9CFA5687-7749-F3AF-6379-5992264E4DDE}"/>
+              </a:ext>
+            </a:extLst>
+          </p:cNvPr>
+          <p:cNvSpPr/>
+          <p:nvPr/>
+        </p:nvSpPr>
+        <p:spPr>
+          <a:xfrm>
+            <a:off x="411742" y="906872"/>
+            <a:ext cx="1034364" cy="633114"/>
+          </a:xfrm>
+          <a:prstGeom prst="roundRect">
+            <a:avLst/>
+          </a:prstGeom>
+          <a:noFill/>
+          <a:ln w="38100">
+            <a:solidFill>
+              <a:schemeClr val="tx1"/>
+            </a:solidFill>
+          </a:ln>
+        </p:spPr>
+        <p:style>
+          <a:lnRef idx="2">
+            <a:schemeClr val="accent1">
+              <a:shade val="50000"/>
+            </a:schemeClr>
+          </a:lnRef>
+          <a:fillRef idx="1">
+            <a:schemeClr val="accent1"/>
+          </a:fillRef>
+          <a:effectRef idx="0">
+            <a:schemeClr val="accent1"/>
+          </a:effectRef>
+          <a:fontRef idx="minor">
+            <a:schemeClr val="lt1"/>
+          </a:fontRef>
+        </p:style>
+        <p:txBody>
+          <a:bodyPr rtlCol="0" anchor="ctr"/>
+          <a:lstStyle/>
+          <a:p>
+            <a:pPr algn="ctr"/>
+            <a:r>
+              <a:rPr lang="de-DE" dirty="0">
+                <a:solidFill>
+                  <a:schemeClr val="tx1"/>
+                </a:solidFill>
+              </a:rPr>
+              <a:t>Größe in Bytes</a:t>
+            </a:r>
+            <a:endParaRPr lang="de-DE" dirty="0"/>
+          </a:p>
+        </p:txBody>
+      </p:sp>
+      <p:sp>
+        <p:nvSpPr>
+          <p:cNvPr id="27" name="Rechteck: abgerundete Ecken 26">
+            <a:extLst>
+              <a:ext uri="{FF2B5EF4-FFF2-40B4-BE49-F238E27FC236}">
+                <a16:creationId xmlns:a16="http://schemas.microsoft.com/office/drawing/2014/main" id="{99CA01E8-7BAB-2B01-2F2D-8E641058B9C4}"/>
+              </a:ext>
+            </a:extLst>
+          </p:cNvPr>
+          <p:cNvSpPr/>
+          <p:nvPr/>
+        </p:nvSpPr>
+        <p:spPr>
+          <a:xfrm>
+            <a:off x="2534042" y="906872"/>
+            <a:ext cx="1374987" cy="633114"/>
+          </a:xfrm>
+          <a:prstGeom prst="roundRect">
+            <a:avLst/>
+          </a:prstGeom>
+          <a:noFill/>
+          <a:ln w="38100">
+            <a:solidFill>
+              <a:schemeClr val="tx1"/>
+            </a:solidFill>
+          </a:ln>
+        </p:spPr>
+        <p:style>
+          <a:lnRef idx="2">
+            <a:schemeClr val="accent1">
+              <a:shade val="50000"/>
+            </a:schemeClr>
+          </a:lnRef>
+          <a:fillRef idx="1">
+            <a:schemeClr val="accent1"/>
+          </a:fillRef>
+          <a:effectRef idx="0">
+            <a:schemeClr val="accent1"/>
+          </a:effectRef>
+          <a:fontRef idx="minor">
+            <a:schemeClr val="lt1"/>
+          </a:fontRef>
+        </p:style>
+        <p:txBody>
+          <a:bodyPr rtlCol="0" anchor="ctr"/>
+          <a:lstStyle/>
+          <a:p>
+            <a:pPr algn="ctr"/>
+            <a:r>
+              <a:rPr lang="de-DE" dirty="0">
+                <a:solidFill>
+                  <a:schemeClr val="tx1"/>
+                </a:solidFill>
+              </a:rPr>
+              <a:t>Antwort</a:t>
+            </a:r>
+            <a:endParaRPr lang="de-DE" dirty="0"/>
+          </a:p>
+        </p:txBody>
+      </p:sp>
+      <p:sp>
+        <p:nvSpPr>
+          <p:cNvPr id="34" name="Rechteck: abgerundete Ecken 33">
+            <a:extLst>
+              <a:ext uri="{FF2B5EF4-FFF2-40B4-BE49-F238E27FC236}">
+                <a16:creationId xmlns:a16="http://schemas.microsoft.com/office/drawing/2014/main" id="{972F04B0-44CB-C7BC-D2EE-77B99E944CB1}"/>
+              </a:ext>
+            </a:extLst>
+          </p:cNvPr>
+          <p:cNvSpPr/>
+          <p:nvPr/>
+        </p:nvSpPr>
+        <p:spPr>
+          <a:xfrm>
+            <a:off x="5508432" y="906872"/>
+            <a:ext cx="1847881" cy="633114"/>
+          </a:xfrm>
+          <a:prstGeom prst="roundRect">
+            <a:avLst/>
+          </a:prstGeom>
+          <a:noFill/>
+          <a:ln w="38100">
+            <a:solidFill>
+              <a:schemeClr val="tx1"/>
+            </a:solidFill>
+          </a:ln>
+        </p:spPr>
+        <p:style>
+          <a:lnRef idx="2">
+            <a:schemeClr val="accent1">
+              <a:shade val="50000"/>
+            </a:schemeClr>
+          </a:lnRef>
+          <a:fillRef idx="1">
+            <a:schemeClr val="accent1"/>
+          </a:fillRef>
+          <a:effectRef idx="0">
+            <a:schemeClr val="accent1"/>
+          </a:effectRef>
+          <a:fontRef idx="minor">
+            <a:schemeClr val="lt1"/>
+          </a:fontRef>
+        </p:style>
+        <p:txBody>
+          <a:bodyPr rtlCol="0" anchor="ctr"/>
+          <a:lstStyle/>
+          <a:p>
+            <a:pPr algn="ctr"/>
+            <a:r>
+              <a:rPr lang="de-DE" dirty="0" err="1">
+                <a:solidFill>
+                  <a:schemeClr val="tx1"/>
+                </a:solidFill>
+              </a:rPr>
+              <a:t>Anwort</a:t>
+            </a:r>
+            <a:r>
+              <a:rPr lang="de-DE" dirty="0">
+                <a:solidFill>
+                  <a:schemeClr val="tx1"/>
+                </a:solidFill>
+              </a:rPr>
+              <a:t> auf den Funktionsaufruf</a:t>
+            </a:r>
+            <a:endParaRPr lang="de-DE" dirty="0"/>
+          </a:p>
+        </p:txBody>
+      </p:sp>
+      <p:sp>
+        <p:nvSpPr>
+          <p:cNvPr id="35" name="Rechteck: abgerundete Ecken 34">
+            <a:extLst>
+              <a:ext uri="{FF2B5EF4-FFF2-40B4-BE49-F238E27FC236}">
+                <a16:creationId xmlns:a16="http://schemas.microsoft.com/office/drawing/2014/main" id="{46B6CE22-3E02-3D72-9033-5E812CF1271B}"/>
+              </a:ext>
+            </a:extLst>
+          </p:cNvPr>
+          <p:cNvSpPr/>
+          <p:nvPr/>
+        </p:nvSpPr>
+        <p:spPr>
+          <a:xfrm>
+            <a:off x="5744881" y="1801705"/>
+            <a:ext cx="1374987" cy="633113"/>
+          </a:xfrm>
+          <a:prstGeom prst="roundRect">
+            <a:avLst/>
+          </a:prstGeom>
+          <a:noFill/>
+          <a:ln w="38100">
+            <a:solidFill>
+              <a:schemeClr val="tx1"/>
+            </a:solidFill>
+          </a:ln>
+        </p:spPr>
+        <p:style>
+          <a:lnRef idx="2">
+            <a:schemeClr val="accent1">
+              <a:shade val="50000"/>
+            </a:schemeClr>
+          </a:lnRef>
+          <a:fillRef idx="1">
+            <a:schemeClr val="accent1"/>
+          </a:fillRef>
+          <a:effectRef idx="0">
+            <a:schemeClr val="accent1"/>
+          </a:effectRef>
+          <a:fontRef idx="minor">
+            <a:schemeClr val="lt1"/>
+          </a:fontRef>
+        </p:style>
+        <p:txBody>
+          <a:bodyPr rtlCol="0" anchor="ctr"/>
+          <a:lstStyle/>
+          <a:p>
+            <a:pPr algn="ctr"/>
+            <a:r>
+              <a:rPr lang="de-DE" sz="3000" dirty="0">
+                <a:solidFill>
+                  <a:schemeClr val="tx1"/>
+                </a:solidFill>
+              </a:rPr>
+              <a:t>? (63)</a:t>
+            </a:r>
+          </a:p>
+        </p:txBody>
+      </p:sp>
+      <p:sp>
+        <p:nvSpPr>
+          <p:cNvPr id="36" name="Rechteck: abgerundete Ecken 35">
+            <a:extLst>
+              <a:ext uri="{FF2B5EF4-FFF2-40B4-BE49-F238E27FC236}">
+                <a16:creationId xmlns:a16="http://schemas.microsoft.com/office/drawing/2014/main" id="{E9DF7C98-A498-AA96-9E23-723063895460}"/>
+              </a:ext>
+            </a:extLst>
+          </p:cNvPr>
+          <p:cNvSpPr/>
+          <p:nvPr/>
+        </p:nvSpPr>
+        <p:spPr>
+          <a:xfrm>
+            <a:off x="5744880" y="2693174"/>
+            <a:ext cx="1374987" cy="633113"/>
+          </a:xfrm>
+          <a:prstGeom prst="roundRect">
+            <a:avLst/>
+          </a:prstGeom>
+          <a:noFill/>
+          <a:ln w="38100">
+            <a:solidFill>
+              <a:schemeClr val="tx1"/>
+            </a:solidFill>
+          </a:ln>
+        </p:spPr>
+        <p:style>
+          <a:lnRef idx="2">
+            <a:schemeClr val="accent1">
+              <a:shade val="50000"/>
+            </a:schemeClr>
+          </a:lnRef>
+          <a:fillRef idx="1">
+            <a:schemeClr val="accent1"/>
+          </a:fillRef>
+          <a:effectRef idx="0">
+            <a:schemeClr val="accent1"/>
+          </a:effectRef>
+          <a:fontRef idx="minor">
+            <a:schemeClr val="lt1"/>
+          </a:fontRef>
+        </p:style>
+        <p:txBody>
+          <a:bodyPr rtlCol="0" anchor="ctr"/>
+          <a:lstStyle/>
+          <a:p>
+            <a:pPr algn="ctr"/>
+            <a:r>
+              <a:rPr lang="de-DE" sz="3000" dirty="0">
+                <a:solidFill>
+                  <a:schemeClr val="tx1"/>
+                </a:solidFill>
+              </a:rPr>
+              <a:t>☺ (1)</a:t>
+            </a:r>
+          </a:p>
+        </p:txBody>
+      </p:sp>
+      <p:sp>
+        <p:nvSpPr>
+          <p:cNvPr id="37" name="Rechteck: abgerundete Ecken 36">
+            <a:extLst>
+              <a:ext uri="{FF2B5EF4-FFF2-40B4-BE49-F238E27FC236}">
+                <a16:creationId xmlns:a16="http://schemas.microsoft.com/office/drawing/2014/main" id="{016C40B4-F327-EEE1-3145-2885F452F514}"/>
+              </a:ext>
+            </a:extLst>
+          </p:cNvPr>
+          <p:cNvSpPr/>
+          <p:nvPr/>
+        </p:nvSpPr>
+        <p:spPr>
+          <a:xfrm>
+            <a:off x="5744880" y="3588006"/>
+            <a:ext cx="1374987" cy="633113"/>
+          </a:xfrm>
+          <a:prstGeom prst="roundRect">
+            <a:avLst/>
+          </a:prstGeom>
+          <a:noFill/>
+          <a:ln w="38100">
+            <a:solidFill>
+              <a:schemeClr val="tx1"/>
+            </a:solidFill>
+          </a:ln>
+        </p:spPr>
+        <p:style>
+          <a:lnRef idx="2">
+            <a:schemeClr val="accent1">
+              <a:shade val="50000"/>
+            </a:schemeClr>
+          </a:lnRef>
+          <a:fillRef idx="1">
+            <a:schemeClr val="accent1"/>
+          </a:fillRef>
+          <a:effectRef idx="0">
+            <a:schemeClr val="accent1"/>
+          </a:effectRef>
+          <a:fontRef idx="minor">
+            <a:schemeClr val="lt1"/>
+          </a:fontRef>
+        </p:style>
+        <p:txBody>
+          <a:bodyPr rtlCol="0" anchor="ctr"/>
+          <a:lstStyle/>
+          <a:p>
+            <a:pPr algn="ctr"/>
+            <a:r>
+              <a:rPr lang="de-DE" sz="3000" dirty="0">
+                <a:solidFill>
+                  <a:schemeClr val="tx1"/>
+                </a:solidFill>
+              </a:rPr>
+              <a:t>♦ (4)</a:t>
+            </a:r>
+          </a:p>
+        </p:txBody>
+      </p:sp>
+      <p:sp>
+        <p:nvSpPr>
+          <p:cNvPr id="2" name="Rechteck: abgerundete Ecken 1">
+            <a:extLst>
+              <a:ext uri="{FF2B5EF4-FFF2-40B4-BE49-F238E27FC236}">
+                <a16:creationId xmlns:a16="http://schemas.microsoft.com/office/drawing/2014/main" id="{3C73CDCF-0C6B-8BBC-A0A6-9BE50E5526A4}"/>
+              </a:ext>
+            </a:extLst>
+          </p:cNvPr>
+          <p:cNvSpPr/>
+          <p:nvPr/>
+        </p:nvSpPr>
+        <p:spPr>
+          <a:xfrm>
+            <a:off x="5733783" y="4469594"/>
+            <a:ext cx="3298458" cy="633113"/>
+          </a:xfrm>
+          <a:prstGeom prst="roundRect">
+            <a:avLst>
+              <a:gd name="adj" fmla="val 13457"/>
+            </a:avLst>
+          </a:prstGeom>
+          <a:noFill/>
+          <a:ln w="38100">
+            <a:solidFill>
+              <a:schemeClr val="tx1"/>
+            </a:solidFill>
+          </a:ln>
+        </p:spPr>
+        <p:style>
+          <a:lnRef idx="2">
+            <a:schemeClr val="accent1">
+              <a:shade val="50000"/>
+            </a:schemeClr>
+          </a:lnRef>
+          <a:fillRef idx="1">
+            <a:schemeClr val="accent1"/>
+          </a:fillRef>
+          <a:effectRef idx="0">
+            <a:schemeClr val="accent1"/>
+          </a:effectRef>
+          <a:fontRef idx="minor">
+            <a:schemeClr val="lt1"/>
+          </a:fontRef>
+        </p:style>
+        <p:txBody>
+          <a:bodyPr rtlCol="0" anchor="ctr"/>
+          <a:lstStyle/>
+          <a:p>
+            <a:pPr algn="ctr"/>
+            <a:r>
+              <a:rPr lang="de-DE" sz="3000" dirty="0">
+                <a:solidFill>
+                  <a:schemeClr val="tx1"/>
+                </a:solidFill>
+              </a:rPr>
+              <a:t>(20) (174) (41) (62)</a:t>
+            </a:r>
+          </a:p>
+        </p:txBody>
+      </p:sp>
+      <p:sp>
+        <p:nvSpPr>
+          <p:cNvPr id="3" name="Rechteck: abgerundete Ecken 2">
+            <a:extLst>
+              <a:ext uri="{FF2B5EF4-FFF2-40B4-BE49-F238E27FC236}">
+                <a16:creationId xmlns:a16="http://schemas.microsoft.com/office/drawing/2014/main" id="{4B959154-A804-1283-A863-B575C6D47F76}"/>
+              </a:ext>
+            </a:extLst>
+          </p:cNvPr>
+          <p:cNvSpPr/>
+          <p:nvPr/>
+        </p:nvSpPr>
+        <p:spPr>
+          <a:xfrm>
+            <a:off x="5744880" y="5358889"/>
+            <a:ext cx="1374987" cy="633113"/>
+          </a:xfrm>
+          <a:prstGeom prst="roundRect">
+            <a:avLst/>
+          </a:prstGeom>
+          <a:noFill/>
+          <a:ln w="38100">
+            <a:solidFill>
+              <a:schemeClr val="tx1"/>
+            </a:solidFill>
+          </a:ln>
+        </p:spPr>
+        <p:style>
+          <a:lnRef idx="2">
+            <a:schemeClr val="accent1">
+              <a:shade val="50000"/>
+            </a:schemeClr>
+          </a:lnRef>
+          <a:fillRef idx="1">
+            <a:schemeClr val="accent1"/>
+          </a:fillRef>
+          <a:effectRef idx="0">
+            <a:schemeClr val="accent1"/>
+          </a:effectRef>
+          <a:fontRef idx="minor">
+            <a:schemeClr val="lt1"/>
+          </a:fontRef>
+        </p:style>
+        <p:txBody>
+          <a:bodyPr rtlCol="0" anchor="ctr"/>
+          <a:lstStyle/>
+          <a:p>
+            <a:pPr algn="ctr"/>
+            <a:r>
+              <a:rPr lang="de-DE" sz="3000" dirty="0">
+                <a:solidFill>
+                  <a:schemeClr val="tx1"/>
+                </a:solidFill>
+              </a:rPr>
+              <a:t>&gt; (62)</a:t>
+            </a:r>
           </a:p>
         </p:txBody>
       </p:sp>
       <p:pic>
         <p:nvPicPr>
-          <p:cNvPr id="9" name="Inhaltsplatzhalter 8">
-            <a:extLst>
-              <a:ext uri="{FF2B5EF4-FFF2-40B4-BE49-F238E27FC236}">
-                <a16:creationId xmlns:a16="http://schemas.microsoft.com/office/drawing/2014/main" id="{62DAEE0F-4FB3-7EE7-5D66-ACF3A35CC233}"/>
+          <p:cNvPr id="18" name="Grafik 17">
+            <a:extLst>
+              <a:ext uri="{FF2B5EF4-FFF2-40B4-BE49-F238E27FC236}">
+                <a16:creationId xmlns:a16="http://schemas.microsoft.com/office/drawing/2014/main" id="{89508751-645B-FF46-8486-1F6C5E83FFCE}"/>
+              </a:ext>
+            </a:extLst>
+          </p:cNvPr>
+          <p:cNvPicPr>
+            <a:picLocks noChangeAspect="1"/>
+          </p:cNvPicPr>
+          <p:nvPr/>
+        </p:nvPicPr>
+        <p:blipFill rotWithShape="1">
+          <a:blip r:embed="rId2"/>
+          <a:srcRect r="6975"/>
+          <a:stretch/>
+        </p:blipFill>
+        <p:spPr>
+          <a:xfrm>
+            <a:off x="7451706" y="641226"/>
+            <a:ext cx="4412504" cy="3587183"/>
+          </a:xfrm>
+          <a:prstGeom prst="rect">
+            <a:avLst/>
+          </a:prstGeom>
+        </p:spPr>
+      </p:pic>
+    </p:spTree>
+    <p:extLst>
+      <p:ext uri="{BB962C8B-B14F-4D97-AF65-F5344CB8AC3E}">
+        <p14:creationId xmlns:p14="http://schemas.microsoft.com/office/powerpoint/2010/main" val="1693353005"/>
+      </p:ext>
+    </p:extLst>
+  </p:cSld>
+  <p:clrMapOvr>
+    <a:masterClrMapping/>
+  </p:clrMapOvr>
+</p:sld>
+</file>
+
+<file path=ppt/slides/slide11.xml><?xml version="1.0" encoding="utf-8"?>
+<p:sld xmlns:a="http://schemas.openxmlformats.org/drawingml/2006/main" xmlns:r="http://schemas.openxmlformats.org/officeDocument/2006/relationships" xmlns:p="http://schemas.openxmlformats.org/presentationml/2006/main">
+  <p:cSld>
+    <p:bg>
+      <p:bgPr>
+        <a:solidFill>
+          <a:srgbClr val="2B2B2B"/>
+        </a:solidFill>
+        <a:effectLst/>
+      </p:bgPr>
+    </p:bg>
+    <p:spTree>
+      <p:nvGrpSpPr>
+        <p:cNvPr id="1" name=""/>
+        <p:cNvGrpSpPr/>
+        <p:nvPr/>
+      </p:nvGrpSpPr>
+      <p:grpSpPr>
+        <a:xfrm>
+          <a:off x="0" y="0"/>
+          <a:ext cx="0" cy="0"/>
+          <a:chOff x="0" y="0"/>
+          <a:chExt cx="0" cy="0"/>
+        </a:xfrm>
+      </p:grpSpPr>
+      <p:pic>
+        <p:nvPicPr>
+          <p:cNvPr id="5" name="Inhaltsplatzhalter 4">
+            <a:extLst>
+              <a:ext uri="{FF2B5EF4-FFF2-40B4-BE49-F238E27FC236}">
+                <a16:creationId xmlns:a16="http://schemas.microsoft.com/office/drawing/2014/main" id="{218136B5-0ED7-44B9-19DF-4855B492F8BB}"/>
               </a:ext>
             </a:extLst>
           </p:cNvPr>
@@ -3449,31 +4613,570 @@
           </p:nvPr>
         </p:nvPicPr>
         <p:blipFill>
-          <a:blip r:embed="rId2">
-            <a:extLst>
-              <a:ext uri="{28A0092B-C50C-407E-A947-70E740481C1C}">
-                <a14:useLocalDpi xmlns:a14="http://schemas.microsoft.com/office/drawing/2010/main" val="0"/>
-              </a:ext>
-              <a:ext uri="{96DAC541-7B7A-43D3-8B79-37D633B846F1}">
-                <asvg:svgBlip xmlns:asvg="http://schemas.microsoft.com/office/drawing/2016/SVG/main" r:embed="rId3"/>
-              </a:ext>
-            </a:extLst>
-          </a:blip>
+          <a:blip r:embed="rId2"/>
           <a:stretch>
             <a:fillRect/>
           </a:stretch>
         </p:blipFill>
         <p:spPr>
           <a:xfrm>
-            <a:off x="1001663" y="0"/>
-            <a:ext cx="10188673" cy="6795387"/>
+            <a:off x="1213250" y="0"/>
+            <a:ext cx="4930163" cy="6906574"/>
           </a:xfrm>
         </p:spPr>
       </p:pic>
     </p:spTree>
     <p:extLst>
       <p:ext uri="{BB962C8B-B14F-4D97-AF65-F5344CB8AC3E}">
-        <p14:creationId xmlns:p14="http://schemas.microsoft.com/office/powerpoint/2010/main" val="1279087460"/>
+        <p14:creationId xmlns:p14="http://schemas.microsoft.com/office/powerpoint/2010/main" val="2999168719"/>
+      </p:ext>
+    </p:extLst>
+  </p:cSld>
+  <p:clrMapOvr>
+    <a:masterClrMapping/>
+  </p:clrMapOvr>
+</p:sld>
+</file>
+
+<file path=ppt/slides/slide12.xml><?xml version="1.0" encoding="utf-8"?>
+<p:sld xmlns:a="http://schemas.openxmlformats.org/drawingml/2006/main" xmlns:r="http://schemas.openxmlformats.org/officeDocument/2006/relationships" xmlns:p="http://schemas.openxmlformats.org/presentationml/2006/main">
+  <p:cSld>
+    <p:bg>
+      <p:bgPr>
+        <a:solidFill>
+          <a:srgbClr val="2B2B2B"/>
+        </a:solidFill>
+        <a:effectLst/>
+      </p:bgPr>
+    </p:bg>
+    <p:spTree>
+      <p:nvGrpSpPr>
+        <p:cNvPr id="1" name=""/>
+        <p:cNvGrpSpPr/>
+        <p:nvPr/>
+      </p:nvGrpSpPr>
+      <p:grpSpPr>
+        <a:xfrm>
+          <a:off x="0" y="0"/>
+          <a:ext cx="0" cy="0"/>
+          <a:chOff x="0" y="0"/>
+          <a:chExt cx="0" cy="0"/>
+        </a:xfrm>
+      </p:grpSpPr>
+      <p:pic>
+        <p:nvPicPr>
+          <p:cNvPr id="5" name="Inhaltsplatzhalter 4">
+            <a:extLst>
+              <a:ext uri="{FF2B5EF4-FFF2-40B4-BE49-F238E27FC236}">
+                <a16:creationId xmlns:a16="http://schemas.microsoft.com/office/drawing/2014/main" id="{218136B5-0ED7-44B9-19DF-4855B492F8BB}"/>
+              </a:ext>
+            </a:extLst>
+          </p:cNvPr>
+          <p:cNvPicPr>
+            <a:picLocks noGrp="1" noChangeAspect="1"/>
+          </p:cNvPicPr>
+          <p:nvPr>
+            <p:ph idx="1"/>
+          </p:nvPr>
+        </p:nvPicPr>
+        <p:blipFill>
+          <a:blip r:embed="rId2"/>
+          <a:stretch>
+            <a:fillRect/>
+          </a:stretch>
+        </p:blipFill>
+        <p:spPr>
+          <a:xfrm>
+            <a:off x="1213250" y="0"/>
+            <a:ext cx="4930163" cy="6906574"/>
+          </a:xfrm>
+        </p:spPr>
+      </p:pic>
+      <p:sp>
+        <p:nvSpPr>
+          <p:cNvPr id="2" name="Textfeld 1">
+            <a:extLst>
+              <a:ext uri="{FF2B5EF4-FFF2-40B4-BE49-F238E27FC236}">
+                <a16:creationId xmlns:a16="http://schemas.microsoft.com/office/drawing/2014/main" id="{F1496AD2-81E2-B8FD-C652-B5CC7CD2F755}"/>
+              </a:ext>
+            </a:extLst>
+          </p:cNvPr>
+          <p:cNvSpPr txBox="1"/>
+          <p:nvPr/>
+        </p:nvSpPr>
+        <p:spPr>
+          <a:xfrm>
+            <a:off x="6114143" y="1322832"/>
+            <a:ext cx="4864607" cy="923330"/>
+          </a:xfrm>
+          <a:prstGeom prst="rect">
+            <a:avLst/>
+          </a:prstGeom>
+          <a:noFill/>
+        </p:spPr>
+        <p:txBody>
+          <a:bodyPr wrap="square" rtlCol="0">
+            <a:spAutoFit/>
+          </a:bodyPr>
+          <a:lstStyle/>
+          <a:p>
+            <a:r>
+              <a:rPr lang="de-DE" dirty="0">
+                <a:solidFill>
+                  <a:schemeClr val="bg1"/>
+                </a:solidFill>
+              </a:rPr>
+              <a:t>Funktionsaufruf direkt auf dem PC: </a:t>
+            </a:r>
+            <a:r>
+              <a:rPr lang="de-DE" b="1" dirty="0">
+                <a:solidFill>
+                  <a:schemeClr val="bg1"/>
+                </a:solidFill>
+              </a:rPr>
+              <a:t>444 </a:t>
+            </a:r>
+            <a:r>
+              <a:rPr lang="de-DE" b="1" dirty="0" err="1">
+                <a:solidFill>
+                  <a:schemeClr val="bg1"/>
+                </a:solidFill>
+              </a:rPr>
+              <a:t>ms</a:t>
+            </a:r>
+            <a:endParaRPr lang="de-DE" b="1" dirty="0">
+              <a:solidFill>
+                <a:schemeClr val="bg1"/>
+              </a:solidFill>
+            </a:endParaRPr>
+          </a:p>
+          <a:p>
+            <a:r>
+              <a:rPr lang="de-DE" dirty="0">
+                <a:solidFill>
+                  <a:schemeClr val="bg1"/>
+                </a:solidFill>
+              </a:rPr>
+              <a:t>Funktionsaufruf vom Arduino auf den PC: </a:t>
+            </a:r>
+            <a:r>
+              <a:rPr lang="de-DE" b="1" dirty="0">
+                <a:solidFill>
+                  <a:schemeClr val="bg1"/>
+                </a:solidFill>
+              </a:rPr>
+              <a:t>447 </a:t>
+            </a:r>
+            <a:r>
+              <a:rPr lang="de-DE" b="1" dirty="0" err="1">
+                <a:solidFill>
+                  <a:schemeClr val="bg1"/>
+                </a:solidFill>
+              </a:rPr>
+              <a:t>ms</a:t>
+            </a:r>
+            <a:endParaRPr lang="de-DE" b="1" dirty="0">
+              <a:solidFill>
+                <a:schemeClr val="bg1"/>
+              </a:solidFill>
+            </a:endParaRPr>
+          </a:p>
+          <a:p>
+            <a:r>
+              <a:rPr lang="de-DE" dirty="0">
+                <a:solidFill>
+                  <a:schemeClr val="bg1"/>
+                </a:solidFill>
+              </a:rPr>
+              <a:t>Funktionsaufruf auf dem Arduino: </a:t>
+            </a:r>
+            <a:r>
+              <a:rPr lang="de-DE" b="1" dirty="0">
+                <a:solidFill>
+                  <a:schemeClr val="bg1"/>
+                </a:solidFill>
+              </a:rPr>
+              <a:t>ca. 28 min</a:t>
+            </a:r>
+          </a:p>
+        </p:txBody>
+      </p:sp>
+    </p:spTree>
+    <p:extLst>
+      <p:ext uri="{BB962C8B-B14F-4D97-AF65-F5344CB8AC3E}">
+        <p14:creationId xmlns:p14="http://schemas.microsoft.com/office/powerpoint/2010/main" val="4186693174"/>
+      </p:ext>
+    </p:extLst>
+  </p:cSld>
+  <p:clrMapOvr>
+    <a:masterClrMapping/>
+  </p:clrMapOvr>
+</p:sld>
+</file>
+
+<file path=ppt/slides/slide13.xml><?xml version="1.0" encoding="utf-8"?>
+<p:sld xmlns:a="http://schemas.openxmlformats.org/drawingml/2006/main" xmlns:r="http://schemas.openxmlformats.org/officeDocument/2006/relationships" xmlns:p="http://schemas.openxmlformats.org/presentationml/2006/main">
+  <p:cSld>
+    <p:bg>
+      <p:bgPr>
+        <a:solidFill>
+          <a:srgbClr val="2B2B2B"/>
+        </a:solidFill>
+        <a:effectLst/>
+      </p:bgPr>
+    </p:bg>
+    <p:spTree>
+      <p:nvGrpSpPr>
+        <p:cNvPr id="1" name=""/>
+        <p:cNvGrpSpPr/>
+        <p:nvPr/>
+      </p:nvGrpSpPr>
+      <p:grpSpPr>
+        <a:xfrm>
+          <a:off x="0" y="0"/>
+          <a:ext cx="0" cy="0"/>
+          <a:chOff x="0" y="0"/>
+          <a:chExt cx="0" cy="0"/>
+        </a:xfrm>
+      </p:grpSpPr>
+      <p:sp>
+        <p:nvSpPr>
+          <p:cNvPr id="4" name="Inhaltsplatzhalter 3">
+            <a:extLst>
+              <a:ext uri="{FF2B5EF4-FFF2-40B4-BE49-F238E27FC236}">
+                <a16:creationId xmlns:a16="http://schemas.microsoft.com/office/drawing/2014/main" id="{414B97A8-43E2-878E-E2DD-26A87BDD1ACE}"/>
+              </a:ext>
+            </a:extLst>
+          </p:cNvPr>
+          <p:cNvSpPr>
+            <a:spLocks noGrp="1"/>
+          </p:cNvSpPr>
+          <p:nvPr>
+            <p:ph idx="1"/>
+          </p:nvPr>
+        </p:nvSpPr>
+        <p:spPr/>
+        <p:txBody>
+          <a:bodyPr/>
+          <a:lstStyle/>
+          <a:p>
+            <a:endParaRPr lang="de-DE"/>
+          </a:p>
+        </p:txBody>
+      </p:sp>
+      <p:pic>
+        <p:nvPicPr>
+          <p:cNvPr id="9" name="Grafik 8">
+            <a:extLst>
+              <a:ext uri="{FF2B5EF4-FFF2-40B4-BE49-F238E27FC236}">
+                <a16:creationId xmlns:a16="http://schemas.microsoft.com/office/drawing/2014/main" id="{CF111528-DC2E-4160-6C41-BAA2E07366D8}"/>
+              </a:ext>
+            </a:extLst>
+          </p:cNvPr>
+          <p:cNvPicPr>
+            <a:picLocks noChangeAspect="1"/>
+          </p:cNvPicPr>
+          <p:nvPr/>
+        </p:nvPicPr>
+        <p:blipFill>
+          <a:blip r:embed="rId2"/>
+          <a:stretch>
+            <a:fillRect/>
+          </a:stretch>
+        </p:blipFill>
+        <p:spPr>
+          <a:xfrm>
+            <a:off x="838200" y="0"/>
+            <a:ext cx="10862249" cy="6858000"/>
+          </a:xfrm>
+          <a:prstGeom prst="rect">
+            <a:avLst/>
+          </a:prstGeom>
+        </p:spPr>
+      </p:pic>
+    </p:spTree>
+    <p:extLst>
+      <p:ext uri="{BB962C8B-B14F-4D97-AF65-F5344CB8AC3E}">
+        <p14:creationId xmlns:p14="http://schemas.microsoft.com/office/powerpoint/2010/main" val="481390626"/>
+      </p:ext>
+    </p:extLst>
+  </p:cSld>
+  <p:clrMapOvr>
+    <a:masterClrMapping/>
+  </p:clrMapOvr>
+</p:sld>
+</file>
+
+<file path=ppt/slides/slide14.xml><?xml version="1.0" encoding="utf-8"?>
+<p:sld xmlns:a="http://schemas.openxmlformats.org/drawingml/2006/main" xmlns:r="http://schemas.openxmlformats.org/officeDocument/2006/relationships" xmlns:p="http://schemas.openxmlformats.org/presentationml/2006/main">
+  <p:cSld>
+    <p:bg>
+      <p:bgPr>
+        <a:solidFill>
+          <a:srgbClr val="2B2B2B"/>
+        </a:solidFill>
+        <a:effectLst/>
+      </p:bgPr>
+    </p:bg>
+    <p:spTree>
+      <p:nvGrpSpPr>
+        <p:cNvPr id="1" name=""/>
+        <p:cNvGrpSpPr/>
+        <p:nvPr/>
+      </p:nvGrpSpPr>
+      <p:grpSpPr>
+        <a:xfrm>
+          <a:off x="0" y="0"/>
+          <a:ext cx="0" cy="0"/>
+          <a:chOff x="0" y="0"/>
+          <a:chExt cx="0" cy="0"/>
+        </a:xfrm>
+      </p:grpSpPr>
+      <p:sp>
+        <p:nvSpPr>
+          <p:cNvPr id="4" name="Inhaltsplatzhalter 3">
+            <a:extLst>
+              <a:ext uri="{FF2B5EF4-FFF2-40B4-BE49-F238E27FC236}">
+                <a16:creationId xmlns:a16="http://schemas.microsoft.com/office/drawing/2014/main" id="{414B97A8-43E2-878E-E2DD-26A87BDD1ACE}"/>
+              </a:ext>
+            </a:extLst>
+          </p:cNvPr>
+          <p:cNvSpPr>
+            <a:spLocks noGrp="1"/>
+          </p:cNvSpPr>
+          <p:nvPr>
+            <p:ph idx="1"/>
+          </p:nvPr>
+        </p:nvSpPr>
+        <p:spPr/>
+        <p:txBody>
+          <a:bodyPr/>
+          <a:lstStyle/>
+          <a:p>
+            <a:endParaRPr lang="de-DE"/>
+          </a:p>
+        </p:txBody>
+      </p:sp>
+      <p:pic>
+        <p:nvPicPr>
+          <p:cNvPr id="3" name="Grafik 2">
+            <a:extLst>
+              <a:ext uri="{FF2B5EF4-FFF2-40B4-BE49-F238E27FC236}">
+                <a16:creationId xmlns:a16="http://schemas.microsoft.com/office/drawing/2014/main" id="{974E32CA-8C0D-2E1A-DBF9-0285CC91B873}"/>
+              </a:ext>
+            </a:extLst>
+          </p:cNvPr>
+          <p:cNvPicPr>
+            <a:picLocks noChangeAspect="1"/>
+          </p:cNvPicPr>
+          <p:nvPr/>
+        </p:nvPicPr>
+        <p:blipFill>
+          <a:blip r:embed="rId2"/>
+          <a:stretch>
+            <a:fillRect/>
+          </a:stretch>
+        </p:blipFill>
+        <p:spPr>
+          <a:xfrm>
+            <a:off x="838200" y="0"/>
+            <a:ext cx="10862249" cy="6858000"/>
+          </a:xfrm>
+          <a:prstGeom prst="rect">
+            <a:avLst/>
+          </a:prstGeom>
+        </p:spPr>
+      </p:pic>
+    </p:spTree>
+    <p:extLst>
+      <p:ext uri="{BB962C8B-B14F-4D97-AF65-F5344CB8AC3E}">
+        <p14:creationId xmlns:p14="http://schemas.microsoft.com/office/powerpoint/2010/main" val="3303009876"/>
+      </p:ext>
+    </p:extLst>
+  </p:cSld>
+  <p:clrMapOvr>
+    <a:masterClrMapping/>
+  </p:clrMapOvr>
+</p:sld>
+</file>
+
+<file path=ppt/slides/slide15.xml><?xml version="1.0" encoding="utf-8"?>
+<p:sld xmlns:a="http://schemas.openxmlformats.org/drawingml/2006/main" xmlns:r="http://schemas.openxmlformats.org/officeDocument/2006/relationships" xmlns:p="http://schemas.openxmlformats.org/presentationml/2006/main">
+  <p:cSld>
+    <p:bg>
+      <p:bgPr>
+        <a:solidFill>
+          <a:srgbClr val="2B2B2B"/>
+        </a:solidFill>
+        <a:effectLst/>
+      </p:bgPr>
+    </p:bg>
+    <p:spTree>
+      <p:nvGrpSpPr>
+        <p:cNvPr id="1" name=""/>
+        <p:cNvGrpSpPr/>
+        <p:nvPr/>
+      </p:nvGrpSpPr>
+      <p:grpSpPr>
+        <a:xfrm>
+          <a:off x="0" y="0"/>
+          <a:ext cx="0" cy="0"/>
+          <a:chOff x="0" y="0"/>
+          <a:chExt cx="0" cy="0"/>
+        </a:xfrm>
+      </p:grpSpPr>
+      <p:sp>
+        <p:nvSpPr>
+          <p:cNvPr id="4" name="Inhaltsplatzhalter 3">
+            <a:extLst>
+              <a:ext uri="{FF2B5EF4-FFF2-40B4-BE49-F238E27FC236}">
+                <a16:creationId xmlns:a16="http://schemas.microsoft.com/office/drawing/2014/main" id="{414B97A8-43E2-878E-E2DD-26A87BDD1ACE}"/>
+              </a:ext>
+            </a:extLst>
+          </p:cNvPr>
+          <p:cNvSpPr>
+            <a:spLocks noGrp="1"/>
+          </p:cNvSpPr>
+          <p:nvPr>
+            <p:ph idx="1"/>
+          </p:nvPr>
+        </p:nvSpPr>
+        <p:spPr/>
+        <p:txBody>
+          <a:bodyPr/>
+          <a:lstStyle/>
+          <a:p>
+            <a:endParaRPr lang="de-DE"/>
+          </a:p>
+        </p:txBody>
+      </p:sp>
+      <p:pic>
+        <p:nvPicPr>
+          <p:cNvPr id="5" name="Grafik 4">
+            <a:extLst>
+              <a:ext uri="{FF2B5EF4-FFF2-40B4-BE49-F238E27FC236}">
+                <a16:creationId xmlns:a16="http://schemas.microsoft.com/office/drawing/2014/main" id="{A47080B9-9197-6E8C-16F3-CF560BFF1376}"/>
+              </a:ext>
+            </a:extLst>
+          </p:cNvPr>
+          <p:cNvPicPr>
+            <a:picLocks noChangeAspect="1"/>
+          </p:cNvPicPr>
+          <p:nvPr/>
+        </p:nvPicPr>
+        <p:blipFill>
+          <a:blip r:embed="rId2"/>
+          <a:stretch>
+            <a:fillRect/>
+          </a:stretch>
+        </p:blipFill>
+        <p:spPr>
+          <a:xfrm>
+            <a:off x="838200" y="0"/>
+            <a:ext cx="10862249" cy="6858000"/>
+          </a:xfrm>
+          <a:prstGeom prst="rect">
+            <a:avLst/>
+          </a:prstGeom>
+        </p:spPr>
+      </p:pic>
+    </p:spTree>
+    <p:extLst>
+      <p:ext uri="{BB962C8B-B14F-4D97-AF65-F5344CB8AC3E}">
+        <p14:creationId xmlns:p14="http://schemas.microsoft.com/office/powerpoint/2010/main" val="2203242814"/>
+      </p:ext>
+    </p:extLst>
+  </p:cSld>
+  <p:clrMapOvr>
+    <a:masterClrMapping/>
+  </p:clrMapOvr>
+</p:sld>
+</file>
+
+<file path=ppt/slides/slide2.xml><?xml version="1.0" encoding="utf-8"?>
+<p:sld xmlns:a="http://schemas.openxmlformats.org/drawingml/2006/main" xmlns:r="http://schemas.openxmlformats.org/officeDocument/2006/relationships" xmlns:p="http://schemas.openxmlformats.org/presentationml/2006/main">
+  <p:cSld>
+    <p:bg>
+      <p:bgPr>
+        <a:solidFill>
+          <a:srgbClr val="2B2B2B"/>
+        </a:solidFill>
+        <a:effectLst/>
+      </p:bgPr>
+    </p:bg>
+    <p:spTree>
+      <p:nvGrpSpPr>
+        <p:cNvPr id="1" name=""/>
+        <p:cNvGrpSpPr/>
+        <p:nvPr/>
+      </p:nvGrpSpPr>
+      <p:grpSpPr>
+        <a:xfrm>
+          <a:off x="0" y="0"/>
+          <a:ext cx="0" cy="0"/>
+          <a:chOff x="0" y="0"/>
+          <a:chExt cx="0" cy="0"/>
+        </a:xfrm>
+      </p:grpSpPr>
+      <p:sp>
+        <p:nvSpPr>
+          <p:cNvPr id="3" name="Inhaltsplatzhalter 2">
+            <a:extLst>
+              <a:ext uri="{FF2B5EF4-FFF2-40B4-BE49-F238E27FC236}">
+                <a16:creationId xmlns:a16="http://schemas.microsoft.com/office/drawing/2014/main" id="{13358ECC-1704-8E96-4114-FD981D5F2EC6}"/>
+              </a:ext>
+            </a:extLst>
+          </p:cNvPr>
+          <p:cNvSpPr>
+            <a:spLocks noGrp="1"/>
+          </p:cNvSpPr>
+          <p:nvPr>
+            <p:ph idx="1"/>
+          </p:nvPr>
+        </p:nvSpPr>
+        <p:spPr/>
+        <p:txBody>
+          <a:bodyPr/>
+          <a:lstStyle/>
+          <a:p>
+            <a:endParaRPr lang="de-DE"/>
+          </a:p>
+        </p:txBody>
+      </p:sp>
+      <p:pic>
+        <p:nvPicPr>
+          <p:cNvPr id="6" name="Grafik 5">
+            <a:extLst>
+              <a:ext uri="{FF2B5EF4-FFF2-40B4-BE49-F238E27FC236}">
+                <a16:creationId xmlns:a16="http://schemas.microsoft.com/office/drawing/2014/main" id="{A6E18D25-EF4F-8D52-8AC5-4FBE30075C9B}"/>
+              </a:ext>
+            </a:extLst>
+          </p:cNvPr>
+          <p:cNvPicPr>
+            <a:picLocks noChangeAspect="1"/>
+          </p:cNvPicPr>
+          <p:nvPr/>
+        </p:nvPicPr>
+        <p:blipFill>
+          <a:blip r:embed="rId2"/>
+          <a:stretch>
+            <a:fillRect/>
+          </a:stretch>
+        </p:blipFill>
+        <p:spPr>
+          <a:xfrm>
+            <a:off x="3207769" y="2049660"/>
+            <a:ext cx="5776461" cy="2758679"/>
+          </a:xfrm>
+          <a:prstGeom prst="rect">
+            <a:avLst/>
+          </a:prstGeom>
+        </p:spPr>
+      </p:pic>
+    </p:spTree>
+    <p:extLst>
+      <p:ext uri="{BB962C8B-B14F-4D97-AF65-F5344CB8AC3E}">
+        <p14:creationId xmlns:p14="http://schemas.microsoft.com/office/powerpoint/2010/main" val="1293611290"/>
       </p:ext>
     </p:extLst>
   </p:cSld>
@@ -3531,6 +5234,104 @@
       </p:sp>
       <p:pic>
         <p:nvPicPr>
+          <p:cNvPr id="9" name="Inhaltsplatzhalter 8">
+            <a:extLst>
+              <a:ext uri="{FF2B5EF4-FFF2-40B4-BE49-F238E27FC236}">
+                <a16:creationId xmlns:a16="http://schemas.microsoft.com/office/drawing/2014/main" id="{62DAEE0F-4FB3-7EE7-5D66-ACF3A35CC233}"/>
+              </a:ext>
+            </a:extLst>
+          </p:cNvPr>
+          <p:cNvPicPr>
+            <a:picLocks noGrp="1" noChangeAspect="1"/>
+          </p:cNvPicPr>
+          <p:nvPr>
+            <p:ph idx="1"/>
+          </p:nvPr>
+        </p:nvPicPr>
+        <p:blipFill>
+          <a:blip r:embed="rId2">
+            <a:extLst>
+              <a:ext uri="{28A0092B-C50C-407E-A947-70E740481C1C}">
+                <a14:useLocalDpi xmlns:a14="http://schemas.microsoft.com/office/drawing/2010/main" val="0"/>
+              </a:ext>
+              <a:ext uri="{96DAC541-7B7A-43D3-8B79-37D633B846F1}">
+                <asvg:svgBlip xmlns:asvg="http://schemas.microsoft.com/office/drawing/2016/SVG/main" r:embed="rId3"/>
+              </a:ext>
+            </a:extLst>
+          </a:blip>
+          <a:stretch>
+            <a:fillRect/>
+          </a:stretch>
+        </p:blipFill>
+        <p:spPr>
+          <a:xfrm>
+            <a:off x="1001663" y="0"/>
+            <a:ext cx="10188673" cy="6795387"/>
+          </a:xfrm>
+        </p:spPr>
+      </p:pic>
+    </p:spTree>
+    <p:extLst>
+      <p:ext uri="{BB962C8B-B14F-4D97-AF65-F5344CB8AC3E}">
+        <p14:creationId xmlns:p14="http://schemas.microsoft.com/office/powerpoint/2010/main" val="1279087460"/>
+      </p:ext>
+    </p:extLst>
+  </p:cSld>
+  <p:clrMapOvr>
+    <a:masterClrMapping/>
+  </p:clrMapOvr>
+</p:sld>
+</file>
+
+<file path=ppt/slides/slide4.xml><?xml version="1.0" encoding="utf-8"?>
+<p:sld xmlns:a="http://schemas.openxmlformats.org/drawingml/2006/main" xmlns:r="http://schemas.openxmlformats.org/officeDocument/2006/relationships" xmlns:p="http://schemas.openxmlformats.org/presentationml/2006/main">
+  <p:cSld>
+    <p:spTree>
+      <p:nvGrpSpPr>
+        <p:cNvPr id="1" name=""/>
+        <p:cNvGrpSpPr/>
+        <p:nvPr/>
+      </p:nvGrpSpPr>
+      <p:grpSpPr>
+        <a:xfrm>
+          <a:off x="0" y="0"/>
+          <a:ext cx="0" cy="0"/>
+          <a:chOff x="0" y="0"/>
+          <a:chExt cx="0" cy="0"/>
+        </a:xfrm>
+      </p:grpSpPr>
+      <p:sp>
+        <p:nvSpPr>
+          <p:cNvPr id="2" name="Titel 1">
+            <a:extLst>
+              <a:ext uri="{FF2B5EF4-FFF2-40B4-BE49-F238E27FC236}">
+                <a16:creationId xmlns:a16="http://schemas.microsoft.com/office/drawing/2014/main" id="{58E05B99-798C-C0FF-4C3F-5386AF78CBD5}"/>
+              </a:ext>
+            </a:extLst>
+          </p:cNvPr>
+          <p:cNvSpPr>
+            <a:spLocks noGrp="1"/>
+          </p:cNvSpPr>
+          <p:nvPr>
+            <p:ph type="title"/>
+          </p:nvPr>
+        </p:nvSpPr>
+        <p:spPr/>
+        <p:txBody>
+          <a:bodyPr/>
+          <a:lstStyle/>
+          <a:p>
+            <a:pPr algn="ctr"/>
+            <a:r>
+              <a:rPr lang="de-DE" dirty="0" err="1"/>
+              <a:t>Tokenizer</a:t>
+            </a:r>
+            <a:endParaRPr lang="de-DE" dirty="0"/>
+          </a:p>
+        </p:txBody>
+      </p:sp>
+      <p:pic>
+        <p:nvPicPr>
           <p:cNvPr id="6" name="Grafik 5">
             <a:extLst>
               <a:ext uri="{FF2B5EF4-FFF2-40B4-BE49-F238E27FC236}">
@@ -3550,8 +5351,8 @@
         </p:blipFill>
         <p:spPr>
           <a:xfrm>
-            <a:off x="838200" y="1416302"/>
-            <a:ext cx="10484158" cy="1022097"/>
+            <a:off x="118477" y="1456943"/>
+            <a:ext cx="11943194" cy="1164337"/>
           </a:xfrm>
           <a:prstGeom prst="rect">
             <a:avLst/>
@@ -3572,7 +5373,7 @@
           </p:cNvPicPr>
           <p:nvPr/>
         </p:nvPicPr>
-        <p:blipFill>
+        <p:blipFill rotWithShape="1">
           <a:blip r:embed="rId3">
             <a:extLst>
               <a:ext uri="{28A0092B-C50C-407E-A947-70E740481C1C}">
@@ -3580,15 +5381,13 @@
               </a:ext>
             </a:extLst>
           </a:blip>
-          <a:srcRect/>
-          <a:stretch>
-            <a:fillRect/>
-          </a:stretch>
+          <a:srcRect l="6397" r="6395"/>
+          <a:stretch/>
         </p:blipFill>
         <p:spPr bwMode="auto">
           <a:xfrm>
-            <a:off x="353378" y="2546035"/>
-            <a:ext cx="2263216" cy="1846007"/>
+            <a:off x="130329" y="2628646"/>
+            <a:ext cx="1973694" cy="1846007"/>
           </a:xfrm>
           <a:prstGeom prst="rect">
             <a:avLst/>
@@ -3632,7 +5431,7 @@
         </p:blipFill>
         <p:spPr bwMode="auto">
           <a:xfrm>
-            <a:off x="2468258" y="2546035"/>
+            <a:off x="2104023" y="2621280"/>
             <a:ext cx="1973694" cy="1846007"/>
           </a:xfrm>
           <a:prstGeom prst="rect">
@@ -3666,7 +5465,7 @@
             <p:ph idx="1"/>
           </p:nvPr>
         </p:nvPicPr>
-        <p:blipFill>
+        <p:blipFill rotWithShape="1">
           <a:blip r:embed="rId5">
             <a:extLst>
               <a:ext uri="{28A0092B-C50C-407E-A947-70E740481C1C}">
@@ -3674,15 +5473,372 @@
               </a:ext>
             </a:extLst>
           </a:blip>
-          <a:srcRect/>
-          <a:stretch>
-            <a:fillRect/>
-          </a:stretch>
+          <a:srcRect l="6554" r="6238"/>
+          <a:stretch/>
         </p:blipFill>
         <p:spPr bwMode="auto">
           <a:xfrm>
-            <a:off x="4519384" y="2537461"/>
-            <a:ext cx="2263216" cy="1863153"/>
+            <a:off x="4077717" y="2633244"/>
+            <a:ext cx="1973694" cy="1863153"/>
+          </a:xfrm>
+          <a:prstGeom prst="rect">
+            <a:avLst/>
+          </a:prstGeom>
+          <a:noFill/>
+          <a:extLst>
+            <a:ext uri="{909E8E84-426E-40DD-AFC4-6F175D3DCCD1}">
+              <a14:hiddenFill xmlns:a14="http://schemas.microsoft.com/office/drawing/2010/main">
+                <a:solidFill>
+                  <a:srgbClr val="FFFFFF"/>
+                </a:solidFill>
+              </a14:hiddenFill>
+            </a:ext>
+          </a:extLst>
+        </p:spPr>
+      </p:pic>
+      <p:pic>
+        <p:nvPicPr>
+          <p:cNvPr id="1038" name="Picture 14">
+            <a:extLst>
+              <a:ext uri="{FF2B5EF4-FFF2-40B4-BE49-F238E27FC236}">
+                <a16:creationId xmlns:a16="http://schemas.microsoft.com/office/drawing/2014/main" id="{21A34608-D69A-6AE7-DE8F-E3E2D412889E}"/>
+              </a:ext>
+            </a:extLst>
+          </p:cNvPr>
+          <p:cNvPicPr>
+            <a:picLocks noChangeAspect="1" noChangeArrowheads="1"/>
+          </p:cNvPicPr>
+          <p:nvPr/>
+        </p:nvPicPr>
+        <p:blipFill rotWithShape="1">
+          <a:blip r:embed="rId6">
+            <a:extLst>
+              <a:ext uri="{28A0092B-C50C-407E-A947-70E740481C1C}">
+                <a14:useLocalDpi xmlns:a14="http://schemas.microsoft.com/office/drawing/2010/main" val="0"/>
+              </a:ext>
+            </a:extLst>
+          </a:blip>
+          <a:srcRect l="6915" r="5877"/>
+          <a:stretch/>
+        </p:blipFill>
+        <p:spPr bwMode="auto">
+          <a:xfrm>
+            <a:off x="6051411" y="2633243"/>
+            <a:ext cx="1973694" cy="1863153"/>
+          </a:xfrm>
+          <a:prstGeom prst="rect">
+            <a:avLst/>
+          </a:prstGeom>
+          <a:noFill/>
+          <a:extLst>
+            <a:ext uri="{909E8E84-426E-40DD-AFC4-6F175D3DCCD1}">
+              <a14:hiddenFill xmlns:a14="http://schemas.microsoft.com/office/drawing/2010/main">
+                <a:solidFill>
+                  <a:srgbClr val="FFFFFF"/>
+                </a:solidFill>
+              </a14:hiddenFill>
+            </a:ext>
+          </a:extLst>
+        </p:spPr>
+      </p:pic>
+      <p:pic>
+        <p:nvPicPr>
+          <p:cNvPr id="1040" name="Picture 16">
+            <a:extLst>
+              <a:ext uri="{FF2B5EF4-FFF2-40B4-BE49-F238E27FC236}">
+                <a16:creationId xmlns:a16="http://schemas.microsoft.com/office/drawing/2014/main" id="{ED3346EE-4F42-7A17-B01C-91AEC66B73E1}"/>
+              </a:ext>
+            </a:extLst>
+          </p:cNvPr>
+          <p:cNvPicPr>
+            <a:picLocks noChangeAspect="1" noChangeArrowheads="1"/>
+          </p:cNvPicPr>
+          <p:nvPr/>
+        </p:nvPicPr>
+        <p:blipFill rotWithShape="1">
+          <a:blip r:embed="rId7">
+            <a:extLst>
+              <a:ext uri="{28A0092B-C50C-407E-A947-70E740481C1C}">
+                <a14:useLocalDpi xmlns:a14="http://schemas.microsoft.com/office/drawing/2010/main" val="0"/>
+              </a:ext>
+            </a:extLst>
+          </a:blip>
+          <a:srcRect l="6589" t="4625" r="6203" b="5070"/>
+          <a:stretch/>
+        </p:blipFill>
+        <p:spPr bwMode="auto">
+          <a:xfrm>
+            <a:off x="8025105" y="2628647"/>
+            <a:ext cx="1973695" cy="1863154"/>
+          </a:xfrm>
+          <a:prstGeom prst="rect">
+            <a:avLst/>
+          </a:prstGeom>
+          <a:noFill/>
+          <a:extLst>
+            <a:ext uri="{909E8E84-426E-40DD-AFC4-6F175D3DCCD1}">
+              <a14:hiddenFill xmlns:a14="http://schemas.microsoft.com/office/drawing/2010/main">
+                <a:solidFill>
+                  <a:srgbClr val="FFFFFF"/>
+                </a:solidFill>
+              </a14:hiddenFill>
+            </a:ext>
+          </a:extLst>
+        </p:spPr>
+      </p:pic>
+      <p:pic>
+        <p:nvPicPr>
+          <p:cNvPr id="1046" name="Picture 22">
+            <a:extLst>
+              <a:ext uri="{FF2B5EF4-FFF2-40B4-BE49-F238E27FC236}">
+                <a16:creationId xmlns:a16="http://schemas.microsoft.com/office/drawing/2014/main" id="{872A92D5-0FA3-3ABC-BD57-BB375B55ADC4}"/>
+              </a:ext>
+            </a:extLst>
+          </p:cNvPr>
+          <p:cNvPicPr>
+            <a:picLocks noChangeAspect="1" noChangeArrowheads="1"/>
+          </p:cNvPicPr>
+          <p:nvPr/>
+        </p:nvPicPr>
+        <p:blipFill rotWithShape="1">
+          <a:blip r:embed="rId8">
+            <a:extLst>
+              <a:ext uri="{28A0092B-C50C-407E-A947-70E740481C1C}">
+                <a14:useLocalDpi xmlns:a14="http://schemas.microsoft.com/office/drawing/2010/main" val="0"/>
+              </a:ext>
+            </a:extLst>
+          </a:blip>
+          <a:srcRect l="6616" r="6178"/>
+          <a:stretch/>
+        </p:blipFill>
+        <p:spPr bwMode="auto">
+          <a:xfrm>
+            <a:off x="9998798" y="2633241"/>
+            <a:ext cx="1973695" cy="1863153"/>
+          </a:xfrm>
+          <a:prstGeom prst="rect">
+            <a:avLst/>
+          </a:prstGeom>
+          <a:noFill/>
+          <a:extLst>
+            <a:ext uri="{909E8E84-426E-40DD-AFC4-6F175D3DCCD1}">
+              <a14:hiddenFill xmlns:a14="http://schemas.microsoft.com/office/drawing/2010/main">
+                <a:solidFill>
+                  <a:srgbClr val="FFFFFF"/>
+                </a:solidFill>
+              </a14:hiddenFill>
+            </a:ext>
+          </a:extLst>
+        </p:spPr>
+      </p:pic>
+      <p:sp>
+        <p:nvSpPr>
+          <p:cNvPr id="7" name="Geschweifte Klammer links 6">
+            <a:extLst>
+              <a:ext uri="{FF2B5EF4-FFF2-40B4-BE49-F238E27FC236}">
+                <a16:creationId xmlns:a16="http://schemas.microsoft.com/office/drawing/2014/main" id="{AD5A8A8A-10D9-B1FF-4313-AFECD6E9A891}"/>
+              </a:ext>
+            </a:extLst>
+          </p:cNvPr>
+          <p:cNvSpPr/>
+          <p:nvPr/>
+        </p:nvSpPr>
+        <p:spPr>
+          <a:xfrm rot="5400000">
+            <a:off x="6796993" y="1972052"/>
+            <a:ext cx="533400" cy="5870211"/>
+          </a:xfrm>
+          <a:prstGeom prst="leftBrace">
+            <a:avLst>
+              <a:gd name="adj1" fmla="val 65476"/>
+              <a:gd name="adj2" fmla="val 51258"/>
+            </a:avLst>
+          </a:prstGeom>
+          <a:ln w="38100">
+            <a:solidFill>
+              <a:schemeClr val="tx1"/>
+            </a:solidFill>
+          </a:ln>
+        </p:spPr>
+        <p:style>
+          <a:lnRef idx="1">
+            <a:schemeClr val="accent1"/>
+          </a:lnRef>
+          <a:fillRef idx="0">
+            <a:schemeClr val="accent1"/>
+          </a:fillRef>
+          <a:effectRef idx="0">
+            <a:schemeClr val="accent1"/>
+          </a:effectRef>
+          <a:fontRef idx="minor">
+            <a:schemeClr val="tx1"/>
+          </a:fontRef>
+        </p:style>
+        <p:txBody>
+          <a:bodyPr rtlCol="0" anchor="ctr"/>
+          <a:lstStyle/>
+          <a:p>
+            <a:pPr algn="ctr"/>
+            <a:endParaRPr lang="de-DE" dirty="0"/>
+          </a:p>
+        </p:txBody>
+      </p:sp>
+      <p:sp>
+        <p:nvSpPr>
+          <p:cNvPr id="10" name="Textfeld 9">
+            <a:extLst>
+              <a:ext uri="{FF2B5EF4-FFF2-40B4-BE49-F238E27FC236}">
+                <a16:creationId xmlns:a16="http://schemas.microsoft.com/office/drawing/2014/main" id="{5364515C-73A5-1A7F-1555-2B46FF0E1159}"/>
+              </a:ext>
+            </a:extLst>
+          </p:cNvPr>
+          <p:cNvSpPr txBox="1"/>
+          <p:nvPr/>
+        </p:nvSpPr>
+        <p:spPr>
+          <a:xfrm>
+            <a:off x="6668605" y="4311731"/>
+            <a:ext cx="739305" cy="369332"/>
+          </a:xfrm>
+          <a:prstGeom prst="rect">
+            <a:avLst/>
+          </a:prstGeom>
+          <a:noFill/>
+        </p:spPr>
+        <p:txBody>
+          <a:bodyPr wrap="none" rtlCol="0">
+            <a:spAutoFit/>
+          </a:bodyPr>
+          <a:lstStyle/>
+          <a:p>
+            <a:pPr algn="ctr"/>
+            <a:r>
+              <a:rPr lang="de-DE" dirty="0" err="1"/>
+              <a:t>inside</a:t>
+            </a:r>
+            <a:endParaRPr lang="de-DE" dirty="0"/>
+          </a:p>
+        </p:txBody>
+      </p:sp>
+      <p:pic>
+        <p:nvPicPr>
+          <p:cNvPr id="1048" name="Picture 24">
+            <a:extLst>
+              <a:ext uri="{FF2B5EF4-FFF2-40B4-BE49-F238E27FC236}">
+                <a16:creationId xmlns:a16="http://schemas.microsoft.com/office/drawing/2014/main" id="{FF77E0ED-2980-8C4F-6061-FD51724BEEDD}"/>
+              </a:ext>
+            </a:extLst>
+          </p:cNvPr>
+          <p:cNvPicPr>
+            <a:picLocks noChangeAspect="1" noChangeArrowheads="1"/>
+          </p:cNvPicPr>
+          <p:nvPr/>
+        </p:nvPicPr>
+        <p:blipFill rotWithShape="1">
+          <a:blip r:embed="rId9">
+            <a:extLst>
+              <a:ext uri="{28A0092B-C50C-407E-A947-70E740481C1C}">
+                <a14:useLocalDpi xmlns:a14="http://schemas.microsoft.com/office/drawing/2010/main" val="0"/>
+              </a:ext>
+            </a:extLst>
+          </a:blip>
+          <a:srcRect l="6397" t="6338" r="6395" b="10089"/>
+          <a:stretch/>
+        </p:blipFill>
+        <p:spPr bwMode="auto">
+          <a:xfrm>
+            <a:off x="4128587" y="5208575"/>
+            <a:ext cx="1973694" cy="1557142"/>
+          </a:xfrm>
+          <a:prstGeom prst="rect">
+            <a:avLst/>
+          </a:prstGeom>
+          <a:noFill/>
+          <a:extLst>
+            <a:ext uri="{909E8E84-426E-40DD-AFC4-6F175D3DCCD1}">
+              <a14:hiddenFill xmlns:a14="http://schemas.microsoft.com/office/drawing/2010/main">
+                <a:solidFill>
+                  <a:srgbClr val="FFFFFF"/>
+                </a:solidFill>
+              </a14:hiddenFill>
+            </a:ext>
+          </a:extLst>
+        </p:spPr>
+      </p:pic>
+      <p:pic>
+        <p:nvPicPr>
+          <p:cNvPr id="1050" name="Picture 26">
+            <a:extLst>
+              <a:ext uri="{FF2B5EF4-FFF2-40B4-BE49-F238E27FC236}">
+                <a16:creationId xmlns:a16="http://schemas.microsoft.com/office/drawing/2014/main" id="{B943346A-AB24-880C-C80D-9B530A612567}"/>
+              </a:ext>
+            </a:extLst>
+          </p:cNvPr>
+          <p:cNvPicPr>
+            <a:picLocks noChangeAspect="1" noChangeArrowheads="1"/>
+          </p:cNvPicPr>
+          <p:nvPr/>
+        </p:nvPicPr>
+        <p:blipFill rotWithShape="1">
+          <a:blip r:embed="rId10">
+            <a:extLst>
+              <a:ext uri="{28A0092B-C50C-407E-A947-70E740481C1C}">
+                <a14:useLocalDpi xmlns:a14="http://schemas.microsoft.com/office/drawing/2010/main" val="0"/>
+              </a:ext>
+            </a:extLst>
+          </a:blip>
+          <a:srcRect l="6600" t="5633" r="6193" b="9379"/>
+          <a:stretch/>
+        </p:blipFill>
+        <p:spPr bwMode="auto">
+          <a:xfrm>
+            <a:off x="6051410" y="5012267"/>
+            <a:ext cx="1973694" cy="1753450"/>
+          </a:xfrm>
+          <a:prstGeom prst="rect">
+            <a:avLst/>
+          </a:prstGeom>
+          <a:noFill/>
+          <a:extLst>
+            <a:ext uri="{909E8E84-426E-40DD-AFC4-6F175D3DCCD1}">
+              <a14:hiddenFill xmlns:a14="http://schemas.microsoft.com/office/drawing/2010/main">
+                <a:solidFill>
+                  <a:srgbClr val="FFFFFF"/>
+                </a:solidFill>
+              </a14:hiddenFill>
+            </a:ext>
+          </a:extLst>
+        </p:spPr>
+      </p:pic>
+      <p:pic>
+        <p:nvPicPr>
+          <p:cNvPr id="1052" name="Picture 28">
+            <a:extLst>
+              <a:ext uri="{FF2B5EF4-FFF2-40B4-BE49-F238E27FC236}">
+                <a16:creationId xmlns:a16="http://schemas.microsoft.com/office/drawing/2014/main" id="{65D8F021-FDA9-24B0-625A-AE97EA838A5D}"/>
+              </a:ext>
+            </a:extLst>
+          </p:cNvPr>
+          <p:cNvPicPr>
+            <a:picLocks noChangeAspect="1" noChangeArrowheads="1"/>
+          </p:cNvPicPr>
+          <p:nvPr/>
+        </p:nvPicPr>
+        <p:blipFill rotWithShape="1">
+          <a:blip r:embed="rId11">
+            <a:extLst>
+              <a:ext uri="{28A0092B-C50C-407E-A947-70E740481C1C}">
+                <a14:useLocalDpi xmlns:a14="http://schemas.microsoft.com/office/drawing/2010/main" val="0"/>
+              </a:ext>
+            </a:extLst>
+          </a:blip>
+          <a:srcRect l="6580" t="7946" r="6212" b="9983"/>
+          <a:stretch/>
+        </p:blipFill>
+        <p:spPr bwMode="auto">
+          <a:xfrm>
+            <a:off x="8025105" y="5222606"/>
+            <a:ext cx="1973694" cy="1529080"/>
           </a:xfrm>
           <a:prstGeom prst="rect">
             <a:avLst/>
@@ -3703,6 +5859,4155 @@
     <p:extLst>
       <p:ext uri="{BB962C8B-B14F-4D97-AF65-F5344CB8AC3E}">
         <p14:creationId xmlns:p14="http://schemas.microsoft.com/office/powerpoint/2010/main" val="3001393537"/>
+      </p:ext>
+    </p:extLst>
+  </p:cSld>
+  <p:clrMapOvr>
+    <a:masterClrMapping/>
+  </p:clrMapOvr>
+</p:sld>
+</file>
+
+<file path=ppt/slides/slide5.xml><?xml version="1.0" encoding="utf-8"?>
+<p:sld xmlns:a="http://schemas.openxmlformats.org/drawingml/2006/main" xmlns:r="http://schemas.openxmlformats.org/officeDocument/2006/relationships" xmlns:p="http://schemas.openxmlformats.org/presentationml/2006/main">
+  <p:cSld>
+    <p:spTree>
+      <p:nvGrpSpPr>
+        <p:cNvPr id="1" name=""/>
+        <p:cNvGrpSpPr/>
+        <p:nvPr/>
+      </p:nvGrpSpPr>
+      <p:grpSpPr>
+        <a:xfrm>
+          <a:off x="0" y="0"/>
+          <a:ext cx="0" cy="0"/>
+          <a:chOff x="0" y="0"/>
+          <a:chExt cx="0" cy="0"/>
+        </a:xfrm>
+      </p:grpSpPr>
+      <p:pic>
+        <p:nvPicPr>
+          <p:cNvPr id="17" name="Inhaltsplatzhalter 16">
+            <a:extLst>
+              <a:ext uri="{FF2B5EF4-FFF2-40B4-BE49-F238E27FC236}">
+                <a16:creationId xmlns:a16="http://schemas.microsoft.com/office/drawing/2014/main" id="{79417BF2-6664-4AAD-182D-354B8BEFDD88}"/>
+              </a:ext>
+            </a:extLst>
+          </p:cNvPr>
+          <p:cNvPicPr>
+            <a:picLocks noGrp="1" noChangeAspect="1"/>
+          </p:cNvPicPr>
+          <p:nvPr>
+            <p:ph idx="1"/>
+          </p:nvPr>
+        </p:nvPicPr>
+        <p:blipFill>
+          <a:blip r:embed="rId2">
+            <a:extLst>
+              <a:ext uri="{28A0092B-C50C-407E-A947-70E740481C1C}">
+                <a14:useLocalDpi xmlns:a14="http://schemas.microsoft.com/office/drawing/2010/main" val="0"/>
+              </a:ext>
+              <a:ext uri="{96DAC541-7B7A-43D3-8B79-37D633B846F1}">
+                <asvg:svgBlip xmlns:asvg="http://schemas.microsoft.com/office/drawing/2016/SVG/main" r:embed="rId3"/>
+              </a:ext>
+            </a:extLst>
+          </a:blip>
+          <a:stretch>
+            <a:fillRect/>
+          </a:stretch>
+        </p:blipFill>
+        <p:spPr>
+          <a:xfrm>
+            <a:off x="882932" y="2926"/>
+            <a:ext cx="10426136" cy="6855074"/>
+          </a:xfrm>
+        </p:spPr>
+      </p:pic>
+    </p:spTree>
+    <p:extLst>
+      <p:ext uri="{BB962C8B-B14F-4D97-AF65-F5344CB8AC3E}">
+        <p14:creationId xmlns:p14="http://schemas.microsoft.com/office/powerpoint/2010/main" val="8731106"/>
+      </p:ext>
+    </p:extLst>
+  </p:cSld>
+  <p:clrMapOvr>
+    <a:masterClrMapping/>
+  </p:clrMapOvr>
+</p:sld>
+</file>
+
+<file path=ppt/slides/slide6.xml><?xml version="1.0" encoding="utf-8"?>
+<p:sld xmlns:a="http://schemas.openxmlformats.org/drawingml/2006/main" xmlns:r="http://schemas.openxmlformats.org/officeDocument/2006/relationships" xmlns:p="http://schemas.openxmlformats.org/presentationml/2006/main">
+  <p:cSld>
+    <p:spTree>
+      <p:nvGrpSpPr>
+        <p:cNvPr id="1" name=""/>
+        <p:cNvGrpSpPr/>
+        <p:nvPr/>
+      </p:nvGrpSpPr>
+      <p:grpSpPr>
+        <a:xfrm>
+          <a:off x="0" y="0"/>
+          <a:ext cx="0" cy="0"/>
+          <a:chOff x="0" y="0"/>
+          <a:chExt cx="0" cy="0"/>
+        </a:xfrm>
+      </p:grpSpPr>
+      <p:pic>
+        <p:nvPicPr>
+          <p:cNvPr id="4" name="Grafik 3">
+            <a:extLst>
+              <a:ext uri="{FF2B5EF4-FFF2-40B4-BE49-F238E27FC236}">
+                <a16:creationId xmlns:a16="http://schemas.microsoft.com/office/drawing/2014/main" id="{FC9A8E48-5995-EB61-EA6D-CCECC28D1A43}"/>
+              </a:ext>
+            </a:extLst>
+          </p:cNvPr>
+          <p:cNvPicPr>
+            <a:picLocks noChangeAspect="1"/>
+          </p:cNvPicPr>
+          <p:nvPr/>
+        </p:nvPicPr>
+        <p:blipFill rotWithShape="1">
+          <a:blip r:embed="rId2"/>
+          <a:srcRect t="19886" r="22224"/>
+          <a:stretch/>
+        </p:blipFill>
+        <p:spPr>
+          <a:xfrm>
+            <a:off x="124403" y="317828"/>
+            <a:ext cx="11943194" cy="1164337"/>
+          </a:xfrm>
+          <a:prstGeom prst="rect">
+            <a:avLst/>
+          </a:prstGeom>
+        </p:spPr>
+      </p:pic>
+      <p:sp>
+        <p:nvSpPr>
+          <p:cNvPr id="5" name="Rechteck: abgerundete Ecken 4">
+            <a:extLst>
+              <a:ext uri="{FF2B5EF4-FFF2-40B4-BE49-F238E27FC236}">
+                <a16:creationId xmlns:a16="http://schemas.microsoft.com/office/drawing/2014/main" id="{46052D0D-8016-046D-A06E-5373C450AED8}"/>
+              </a:ext>
+            </a:extLst>
+          </p:cNvPr>
+          <p:cNvSpPr/>
+          <p:nvPr/>
+        </p:nvSpPr>
+        <p:spPr>
+          <a:xfrm>
+            <a:off x="132286" y="1545019"/>
+            <a:ext cx="1310260" cy="945931"/>
+          </a:xfrm>
+          <a:prstGeom prst="roundRect">
+            <a:avLst>
+              <a:gd name="adj" fmla="val 15652"/>
+            </a:avLst>
+          </a:prstGeom>
+          <a:noFill/>
+          <a:ln w="38100">
+            <a:solidFill>
+              <a:schemeClr val="tx1"/>
+            </a:solidFill>
+          </a:ln>
+        </p:spPr>
+        <p:style>
+          <a:lnRef idx="2">
+            <a:schemeClr val="accent1">
+              <a:shade val="50000"/>
+            </a:schemeClr>
+          </a:lnRef>
+          <a:fillRef idx="1">
+            <a:schemeClr val="accent1"/>
+          </a:fillRef>
+          <a:effectRef idx="0">
+            <a:schemeClr val="accent1"/>
+          </a:effectRef>
+          <a:fontRef idx="minor">
+            <a:schemeClr val="lt1"/>
+          </a:fontRef>
+        </p:style>
+        <p:txBody>
+          <a:bodyPr lIns="36000" rIns="36000" rtlCol="0" anchor="ctr"/>
+          <a:lstStyle/>
+          <a:p>
+            <a:pPr algn="ctr"/>
+            <a:r>
+              <a:rPr lang="de-DE" sz="2000" dirty="0" err="1">
+                <a:solidFill>
+                  <a:schemeClr val="tx1"/>
+                </a:solidFill>
+              </a:rPr>
+              <a:t>Datatype</a:t>
+            </a:r>
+            <a:r>
+              <a:rPr lang="de-DE" sz="2000" dirty="0">
+                <a:solidFill>
+                  <a:schemeClr val="tx1"/>
+                </a:solidFill>
+              </a:rPr>
+              <a:t>. INT</a:t>
+            </a:r>
+          </a:p>
+        </p:txBody>
+      </p:sp>
+      <p:sp>
+        <p:nvSpPr>
+          <p:cNvPr id="6" name="Rechteck: abgerundete Ecken 5">
+            <a:extLst>
+              <a:ext uri="{FF2B5EF4-FFF2-40B4-BE49-F238E27FC236}">
+                <a16:creationId xmlns:a16="http://schemas.microsoft.com/office/drawing/2014/main" id="{178268DF-44A8-1EF7-70ED-0906835798DB}"/>
+              </a:ext>
+            </a:extLst>
+          </p:cNvPr>
+          <p:cNvSpPr/>
+          <p:nvPr/>
+        </p:nvSpPr>
+        <p:spPr>
+          <a:xfrm>
+            <a:off x="1556845" y="1545016"/>
+            <a:ext cx="1690852" cy="945931"/>
+          </a:xfrm>
+          <a:prstGeom prst="roundRect">
+            <a:avLst>
+              <a:gd name="adj" fmla="val 17500"/>
+            </a:avLst>
+          </a:prstGeom>
+          <a:noFill/>
+          <a:ln w="38100">
+            <a:solidFill>
+              <a:schemeClr val="tx1"/>
+            </a:solidFill>
+          </a:ln>
+        </p:spPr>
+        <p:style>
+          <a:lnRef idx="2">
+            <a:schemeClr val="accent1">
+              <a:shade val="50000"/>
+            </a:schemeClr>
+          </a:lnRef>
+          <a:fillRef idx="1">
+            <a:schemeClr val="accent1"/>
+          </a:fillRef>
+          <a:effectRef idx="0">
+            <a:schemeClr val="accent1"/>
+          </a:effectRef>
+          <a:fontRef idx="minor">
+            <a:schemeClr val="lt1"/>
+          </a:fontRef>
+        </p:style>
+        <p:txBody>
+          <a:bodyPr lIns="36000" rIns="36000" rtlCol="0" anchor="ctr"/>
+          <a:lstStyle/>
+          <a:p>
+            <a:pPr algn="ctr"/>
+            <a:r>
+              <a:rPr lang="de-DE" sz="2000" dirty="0">
+                <a:solidFill>
+                  <a:schemeClr val="tx1"/>
+                </a:solidFill>
+              </a:rPr>
+              <a:t>Word. IDENTIFIER(x)</a:t>
+            </a:r>
+          </a:p>
+        </p:txBody>
+      </p:sp>
+      <p:sp>
+        <p:nvSpPr>
+          <p:cNvPr id="7" name="Rechteck: abgerundete Ecken 6">
+            <a:extLst>
+              <a:ext uri="{FF2B5EF4-FFF2-40B4-BE49-F238E27FC236}">
+                <a16:creationId xmlns:a16="http://schemas.microsoft.com/office/drawing/2014/main" id="{ED325871-6DAD-B0CF-DEF5-421A5F92F805}"/>
+              </a:ext>
+            </a:extLst>
+          </p:cNvPr>
+          <p:cNvSpPr/>
+          <p:nvPr/>
+        </p:nvSpPr>
+        <p:spPr>
+          <a:xfrm>
+            <a:off x="3361996" y="1533295"/>
+            <a:ext cx="1403132" cy="945931"/>
+          </a:xfrm>
+          <a:prstGeom prst="roundRect">
+            <a:avLst>
+              <a:gd name="adj" fmla="val 17500"/>
+            </a:avLst>
+          </a:prstGeom>
+          <a:noFill/>
+          <a:ln w="38100">
+            <a:solidFill>
+              <a:schemeClr val="tx1"/>
+            </a:solidFill>
+          </a:ln>
+        </p:spPr>
+        <p:style>
+          <a:lnRef idx="2">
+            <a:schemeClr val="accent1">
+              <a:shade val="50000"/>
+            </a:schemeClr>
+          </a:lnRef>
+          <a:fillRef idx="1">
+            <a:schemeClr val="accent1"/>
+          </a:fillRef>
+          <a:effectRef idx="0">
+            <a:schemeClr val="accent1"/>
+          </a:effectRef>
+          <a:fontRef idx="minor">
+            <a:schemeClr val="lt1"/>
+          </a:fontRef>
+        </p:style>
+        <p:txBody>
+          <a:bodyPr lIns="36000" rIns="36000" rtlCol="0" anchor="ctr"/>
+          <a:lstStyle/>
+          <a:p>
+            <a:pPr algn="ctr"/>
+            <a:r>
+              <a:rPr lang="de-DE" sz="2000" dirty="0">
+                <a:solidFill>
+                  <a:schemeClr val="tx1"/>
+                </a:solidFill>
+              </a:rPr>
+              <a:t>Separator. ASSIGN</a:t>
+            </a:r>
+          </a:p>
+        </p:txBody>
+      </p:sp>
+      <p:sp>
+        <p:nvSpPr>
+          <p:cNvPr id="8" name="Rechteck: abgerundete Ecken 7">
+            <a:extLst>
+              <a:ext uri="{FF2B5EF4-FFF2-40B4-BE49-F238E27FC236}">
+                <a16:creationId xmlns:a16="http://schemas.microsoft.com/office/drawing/2014/main" id="{D565FAA1-BD31-0FA8-AC48-040C9DBAFA67}"/>
+              </a:ext>
+            </a:extLst>
+          </p:cNvPr>
+          <p:cNvSpPr/>
+          <p:nvPr/>
+        </p:nvSpPr>
+        <p:spPr>
+          <a:xfrm>
+            <a:off x="4879427" y="1545016"/>
+            <a:ext cx="4102976" cy="945931"/>
+          </a:xfrm>
+          <a:prstGeom prst="roundRect">
+            <a:avLst>
+              <a:gd name="adj" fmla="val 17500"/>
+            </a:avLst>
+          </a:prstGeom>
+          <a:noFill/>
+          <a:ln w="38100">
+            <a:solidFill>
+              <a:schemeClr val="tx1"/>
+            </a:solidFill>
+          </a:ln>
+        </p:spPr>
+        <p:style>
+          <a:lnRef idx="2">
+            <a:schemeClr val="accent1">
+              <a:shade val="50000"/>
+            </a:schemeClr>
+          </a:lnRef>
+          <a:fillRef idx="1">
+            <a:schemeClr val="accent1"/>
+          </a:fillRef>
+          <a:effectRef idx="0">
+            <a:schemeClr val="accent1"/>
+          </a:effectRef>
+          <a:fontRef idx="minor">
+            <a:schemeClr val="lt1"/>
+          </a:fontRef>
+        </p:style>
+        <p:txBody>
+          <a:bodyPr lIns="36000" rIns="36000" rtlCol="0" anchor="ctr"/>
+          <a:lstStyle/>
+          <a:p>
+            <a:pPr algn="ctr"/>
+            <a:r>
+              <a:rPr lang="de-DE" sz="2000" dirty="0" err="1">
+                <a:solidFill>
+                  <a:schemeClr val="tx1"/>
+                </a:solidFill>
+              </a:rPr>
+              <a:t>Brackets.ROUND</a:t>
+            </a:r>
+            <a:r>
+              <a:rPr lang="de-DE" sz="2000" dirty="0">
+                <a:solidFill>
+                  <a:schemeClr val="tx1"/>
+                </a:solidFill>
+              </a:rPr>
+              <a:t>(</a:t>
+            </a:r>
+            <a:r>
+              <a:rPr lang="de-DE" sz="2000" dirty="0" err="1">
+                <a:solidFill>
+                  <a:schemeClr val="tx1"/>
+                </a:solidFill>
+              </a:rPr>
+              <a:t>Word.VALUE</a:t>
+            </a:r>
+            <a:r>
+              <a:rPr lang="de-DE" sz="2000" dirty="0">
+                <a:solidFill>
+                  <a:schemeClr val="tx1"/>
+                </a:solidFill>
+              </a:rPr>
+              <a:t>(2), </a:t>
+            </a:r>
+            <a:r>
+              <a:rPr lang="de-DE" sz="2000" dirty="0" err="1">
+                <a:solidFill>
+                  <a:schemeClr val="tx1"/>
+                </a:solidFill>
+              </a:rPr>
+              <a:t>MathOperator.PLUS</a:t>
+            </a:r>
+            <a:r>
+              <a:rPr lang="de-DE" sz="2000" dirty="0">
+                <a:solidFill>
+                  <a:schemeClr val="tx1"/>
+                </a:solidFill>
+              </a:rPr>
+              <a:t>, </a:t>
+            </a:r>
+            <a:r>
+              <a:rPr lang="de-DE" sz="2000" dirty="0" err="1">
+                <a:solidFill>
+                  <a:schemeClr val="tx1"/>
+                </a:solidFill>
+              </a:rPr>
+              <a:t>Word.VALUE</a:t>
+            </a:r>
+            <a:r>
+              <a:rPr lang="de-DE" sz="2000" dirty="0">
+                <a:solidFill>
+                  <a:schemeClr val="tx1"/>
+                </a:solidFill>
+              </a:rPr>
+              <a:t>(2))</a:t>
+            </a:r>
+          </a:p>
+        </p:txBody>
+      </p:sp>
+      <p:sp>
+        <p:nvSpPr>
+          <p:cNvPr id="9" name="Rechteck: abgerundete Ecken 8">
+            <a:extLst>
+              <a:ext uri="{FF2B5EF4-FFF2-40B4-BE49-F238E27FC236}">
+                <a16:creationId xmlns:a16="http://schemas.microsoft.com/office/drawing/2014/main" id="{FDFD6979-D1AA-E4F1-6668-F13F2C800F34}"/>
+              </a:ext>
+            </a:extLst>
+          </p:cNvPr>
+          <p:cNvSpPr/>
+          <p:nvPr/>
+        </p:nvSpPr>
+        <p:spPr>
+          <a:xfrm>
+            <a:off x="9100643" y="1545016"/>
+            <a:ext cx="1694795" cy="945931"/>
+          </a:xfrm>
+          <a:prstGeom prst="roundRect">
+            <a:avLst>
+              <a:gd name="adj" fmla="val 18333"/>
+            </a:avLst>
+          </a:prstGeom>
+          <a:noFill/>
+          <a:ln w="38100">
+            <a:solidFill>
+              <a:schemeClr val="tx1"/>
+            </a:solidFill>
+          </a:ln>
+        </p:spPr>
+        <p:style>
+          <a:lnRef idx="2">
+            <a:schemeClr val="accent1">
+              <a:shade val="50000"/>
+            </a:schemeClr>
+          </a:lnRef>
+          <a:fillRef idx="1">
+            <a:schemeClr val="accent1"/>
+          </a:fillRef>
+          <a:effectRef idx="0">
+            <a:schemeClr val="accent1"/>
+          </a:effectRef>
+          <a:fontRef idx="minor">
+            <a:schemeClr val="lt1"/>
+          </a:fontRef>
+        </p:style>
+        <p:txBody>
+          <a:bodyPr lIns="0" rIns="36000" rtlCol="0" anchor="ctr"/>
+          <a:lstStyle/>
+          <a:p>
+            <a:pPr algn="ctr"/>
+            <a:r>
+              <a:rPr lang="de-DE" sz="2000" dirty="0" err="1">
+                <a:solidFill>
+                  <a:schemeClr val="tx1"/>
+                </a:solidFill>
+              </a:rPr>
+              <a:t>MathOperator</a:t>
+            </a:r>
+            <a:r>
+              <a:rPr lang="de-DE" sz="2000" dirty="0">
+                <a:solidFill>
+                  <a:schemeClr val="tx1"/>
+                </a:solidFill>
+              </a:rPr>
+              <a:t>.</a:t>
+            </a:r>
+          </a:p>
+          <a:p>
+            <a:pPr algn="ctr"/>
+            <a:r>
+              <a:rPr lang="de-DE" sz="2000" dirty="0">
+                <a:solidFill>
+                  <a:schemeClr val="tx1"/>
+                </a:solidFill>
+              </a:rPr>
+              <a:t>MULTIPLY</a:t>
+            </a:r>
+          </a:p>
+        </p:txBody>
+      </p:sp>
+      <p:sp>
+        <p:nvSpPr>
+          <p:cNvPr id="10" name="Rechteck: abgerundete Ecken 9">
+            <a:extLst>
+              <a:ext uri="{FF2B5EF4-FFF2-40B4-BE49-F238E27FC236}">
+                <a16:creationId xmlns:a16="http://schemas.microsoft.com/office/drawing/2014/main" id="{5593702D-224E-A3E3-C9DF-73D6F699B7BF}"/>
+              </a:ext>
+            </a:extLst>
+          </p:cNvPr>
+          <p:cNvSpPr/>
+          <p:nvPr/>
+        </p:nvSpPr>
+        <p:spPr>
+          <a:xfrm>
+            <a:off x="10921561" y="1545016"/>
+            <a:ext cx="1146036" cy="945931"/>
+          </a:xfrm>
+          <a:prstGeom prst="roundRect">
+            <a:avLst>
+              <a:gd name="adj" fmla="val 17500"/>
+            </a:avLst>
+          </a:prstGeom>
+          <a:noFill/>
+          <a:ln w="38100">
+            <a:solidFill>
+              <a:schemeClr val="tx1"/>
+            </a:solidFill>
+          </a:ln>
+        </p:spPr>
+        <p:style>
+          <a:lnRef idx="2">
+            <a:schemeClr val="accent1">
+              <a:shade val="50000"/>
+            </a:schemeClr>
+          </a:lnRef>
+          <a:fillRef idx="1">
+            <a:schemeClr val="accent1"/>
+          </a:fillRef>
+          <a:effectRef idx="0">
+            <a:schemeClr val="accent1"/>
+          </a:effectRef>
+          <a:fontRef idx="minor">
+            <a:schemeClr val="lt1"/>
+          </a:fontRef>
+        </p:style>
+        <p:txBody>
+          <a:bodyPr lIns="0" rIns="0" rtlCol="0" anchor="ctr"/>
+          <a:lstStyle/>
+          <a:p>
+            <a:pPr algn="ctr"/>
+            <a:r>
+              <a:rPr lang="de-DE" sz="2000" dirty="0">
+                <a:solidFill>
+                  <a:schemeClr val="tx1"/>
+                </a:solidFill>
+              </a:rPr>
+              <a:t>Word. VALUE(4)</a:t>
+            </a:r>
+          </a:p>
+        </p:txBody>
+      </p:sp>
+    </p:spTree>
+    <p:extLst>
+      <p:ext uri="{BB962C8B-B14F-4D97-AF65-F5344CB8AC3E}">
+        <p14:creationId xmlns:p14="http://schemas.microsoft.com/office/powerpoint/2010/main" val="2260661457"/>
+      </p:ext>
+    </p:extLst>
+  </p:cSld>
+  <p:clrMapOvr>
+    <a:masterClrMapping/>
+  </p:clrMapOvr>
+</p:sld>
+</file>
+
+<file path=ppt/slides/slide7.xml><?xml version="1.0" encoding="utf-8"?>
+<p:sld xmlns:a="http://schemas.openxmlformats.org/drawingml/2006/main" xmlns:r="http://schemas.openxmlformats.org/officeDocument/2006/relationships" xmlns:p="http://schemas.openxmlformats.org/presentationml/2006/main">
+  <p:cSld>
+    <p:spTree>
+      <p:nvGrpSpPr>
+        <p:cNvPr id="1" name=""/>
+        <p:cNvGrpSpPr/>
+        <p:nvPr/>
+      </p:nvGrpSpPr>
+      <p:grpSpPr>
+        <a:xfrm>
+          <a:off x="0" y="0"/>
+          <a:ext cx="0" cy="0"/>
+          <a:chOff x="0" y="0"/>
+          <a:chExt cx="0" cy="0"/>
+        </a:xfrm>
+      </p:grpSpPr>
+      <p:sp>
+        <p:nvSpPr>
+          <p:cNvPr id="4" name="Rechteck: abgerundete Ecken 3">
+            <a:extLst>
+              <a:ext uri="{FF2B5EF4-FFF2-40B4-BE49-F238E27FC236}">
+                <a16:creationId xmlns:a16="http://schemas.microsoft.com/office/drawing/2014/main" id="{A78B71E2-0ACC-D372-09CC-F48A502EBC0F}"/>
+              </a:ext>
+            </a:extLst>
+          </p:cNvPr>
+          <p:cNvSpPr/>
+          <p:nvPr/>
+        </p:nvSpPr>
+        <p:spPr>
+          <a:xfrm>
+            <a:off x="1618827" y="1801705"/>
+            <a:ext cx="3205421" cy="633114"/>
+          </a:xfrm>
+          <a:prstGeom prst="roundRect">
+            <a:avLst/>
+          </a:prstGeom>
+          <a:noFill/>
+          <a:ln w="38100">
+            <a:solidFill>
+              <a:schemeClr val="tx1"/>
+            </a:solidFill>
+          </a:ln>
+        </p:spPr>
+        <p:style>
+          <a:lnRef idx="2">
+            <a:schemeClr val="accent1">
+              <a:shade val="50000"/>
+            </a:schemeClr>
+          </a:lnRef>
+          <a:fillRef idx="1">
+            <a:schemeClr val="accent1"/>
+          </a:fillRef>
+          <a:effectRef idx="0">
+            <a:schemeClr val="accent1"/>
+          </a:effectRef>
+          <a:fontRef idx="minor">
+            <a:schemeClr val="lt1"/>
+          </a:fontRef>
+        </p:style>
+        <p:txBody>
+          <a:bodyPr rtlCol="0" anchor="ctr"/>
+          <a:lstStyle/>
+          <a:p>
+            <a:pPr algn="ctr"/>
+            <a:r>
+              <a:rPr lang="de-DE" dirty="0" err="1">
+                <a:solidFill>
+                  <a:schemeClr val="tx1"/>
+                </a:solidFill>
+              </a:rPr>
+              <a:t>StartCharacter</a:t>
+            </a:r>
+            <a:r>
+              <a:rPr lang="de-DE" dirty="0" err="1"/>
+              <a:t>S</a:t>
+            </a:r>
+            <a:endParaRPr lang="de-DE" dirty="0"/>
+          </a:p>
+        </p:txBody>
+      </p:sp>
+      <p:sp>
+        <p:nvSpPr>
+          <p:cNvPr id="5" name="Rechteck: abgerundete Ecken 4">
+            <a:extLst>
+              <a:ext uri="{FF2B5EF4-FFF2-40B4-BE49-F238E27FC236}">
+                <a16:creationId xmlns:a16="http://schemas.microsoft.com/office/drawing/2014/main" id="{6261D5BD-C9A7-405E-15E6-42C3AFA6857C}"/>
+              </a:ext>
+            </a:extLst>
+          </p:cNvPr>
+          <p:cNvSpPr/>
+          <p:nvPr/>
+        </p:nvSpPr>
+        <p:spPr>
+          <a:xfrm>
+            <a:off x="489636" y="1801706"/>
+            <a:ext cx="878577" cy="633113"/>
+          </a:xfrm>
+          <a:prstGeom prst="roundRect">
+            <a:avLst/>
+          </a:prstGeom>
+          <a:noFill/>
+          <a:ln w="38100">
+            <a:solidFill>
+              <a:schemeClr val="tx1"/>
+            </a:solidFill>
+          </a:ln>
+        </p:spPr>
+        <p:style>
+          <a:lnRef idx="2">
+            <a:schemeClr val="accent1">
+              <a:shade val="50000"/>
+            </a:schemeClr>
+          </a:lnRef>
+          <a:fillRef idx="1">
+            <a:schemeClr val="accent1"/>
+          </a:fillRef>
+          <a:effectRef idx="0">
+            <a:schemeClr val="accent1"/>
+          </a:effectRef>
+          <a:fontRef idx="minor">
+            <a:schemeClr val="lt1"/>
+          </a:fontRef>
+        </p:style>
+        <p:txBody>
+          <a:bodyPr rtlCol="0" anchor="ctr"/>
+          <a:lstStyle/>
+          <a:p>
+            <a:pPr algn="ctr"/>
+            <a:r>
+              <a:rPr lang="de-DE" sz="3200" dirty="0">
+                <a:solidFill>
+                  <a:schemeClr val="tx1"/>
+                </a:solidFill>
+              </a:rPr>
+              <a:t>1</a:t>
+            </a:r>
+          </a:p>
+        </p:txBody>
+      </p:sp>
+      <p:sp>
+        <p:nvSpPr>
+          <p:cNvPr id="6" name="Rechteck: abgerundete Ecken 5">
+            <a:extLst>
+              <a:ext uri="{FF2B5EF4-FFF2-40B4-BE49-F238E27FC236}">
+                <a16:creationId xmlns:a16="http://schemas.microsoft.com/office/drawing/2014/main" id="{9D3A0BBD-69F6-68E4-F6C0-68B64B5C8878}"/>
+              </a:ext>
+            </a:extLst>
+          </p:cNvPr>
+          <p:cNvSpPr/>
+          <p:nvPr/>
+        </p:nvSpPr>
+        <p:spPr>
+          <a:xfrm>
+            <a:off x="1618827" y="2545836"/>
+            <a:ext cx="3205421" cy="633114"/>
+          </a:xfrm>
+          <a:prstGeom prst="roundRect">
+            <a:avLst/>
+          </a:prstGeom>
+          <a:noFill/>
+          <a:ln w="38100">
+            <a:solidFill>
+              <a:schemeClr val="tx1"/>
+            </a:solidFill>
+          </a:ln>
+        </p:spPr>
+        <p:style>
+          <a:lnRef idx="2">
+            <a:schemeClr val="accent1">
+              <a:shade val="50000"/>
+            </a:schemeClr>
+          </a:lnRef>
+          <a:fillRef idx="1">
+            <a:schemeClr val="accent1"/>
+          </a:fillRef>
+          <a:effectRef idx="0">
+            <a:schemeClr val="accent1"/>
+          </a:effectRef>
+          <a:fontRef idx="minor">
+            <a:schemeClr val="lt1"/>
+          </a:fontRef>
+        </p:style>
+        <p:txBody>
+          <a:bodyPr rtlCol="0" anchor="ctr"/>
+          <a:lstStyle/>
+          <a:p>
+            <a:pPr algn="ctr"/>
+            <a:r>
+              <a:rPr lang="de-DE" dirty="0">
+                <a:solidFill>
+                  <a:schemeClr val="tx1"/>
+                </a:solidFill>
+              </a:rPr>
+              <a:t>Request ID</a:t>
+            </a:r>
+            <a:endParaRPr lang="de-DE" dirty="0"/>
+          </a:p>
+        </p:txBody>
+      </p:sp>
+      <p:sp>
+        <p:nvSpPr>
+          <p:cNvPr id="7" name="Rechteck: abgerundete Ecken 6">
+            <a:extLst>
+              <a:ext uri="{FF2B5EF4-FFF2-40B4-BE49-F238E27FC236}">
+                <a16:creationId xmlns:a16="http://schemas.microsoft.com/office/drawing/2014/main" id="{323A2A98-2CBD-F760-F0AF-1C386931691A}"/>
+              </a:ext>
+            </a:extLst>
+          </p:cNvPr>
+          <p:cNvSpPr/>
+          <p:nvPr/>
+        </p:nvSpPr>
+        <p:spPr>
+          <a:xfrm>
+            <a:off x="489636" y="2545837"/>
+            <a:ext cx="878577" cy="633113"/>
+          </a:xfrm>
+          <a:prstGeom prst="roundRect">
+            <a:avLst/>
+          </a:prstGeom>
+          <a:noFill/>
+          <a:ln w="38100">
+            <a:solidFill>
+              <a:schemeClr val="tx1"/>
+            </a:solidFill>
+          </a:ln>
+        </p:spPr>
+        <p:style>
+          <a:lnRef idx="2">
+            <a:schemeClr val="accent1">
+              <a:shade val="50000"/>
+            </a:schemeClr>
+          </a:lnRef>
+          <a:fillRef idx="1">
+            <a:schemeClr val="accent1"/>
+          </a:fillRef>
+          <a:effectRef idx="0">
+            <a:schemeClr val="accent1"/>
+          </a:effectRef>
+          <a:fontRef idx="minor">
+            <a:schemeClr val="lt1"/>
+          </a:fontRef>
+        </p:style>
+        <p:txBody>
+          <a:bodyPr rtlCol="0" anchor="ctr"/>
+          <a:lstStyle/>
+          <a:p>
+            <a:pPr algn="ctr"/>
+            <a:r>
+              <a:rPr lang="de-DE" sz="3200" dirty="0">
+                <a:solidFill>
+                  <a:schemeClr val="tx1"/>
+                </a:solidFill>
+              </a:rPr>
+              <a:t>1</a:t>
+            </a:r>
+          </a:p>
+        </p:txBody>
+      </p:sp>
+      <p:sp>
+        <p:nvSpPr>
+          <p:cNvPr id="8" name="Rechteck: abgerundete Ecken 7">
+            <a:extLst>
+              <a:ext uri="{FF2B5EF4-FFF2-40B4-BE49-F238E27FC236}">
+                <a16:creationId xmlns:a16="http://schemas.microsoft.com/office/drawing/2014/main" id="{AFFED479-E31A-C40C-C461-87E25167C518}"/>
+              </a:ext>
+            </a:extLst>
+          </p:cNvPr>
+          <p:cNvSpPr/>
+          <p:nvPr/>
+        </p:nvSpPr>
+        <p:spPr>
+          <a:xfrm>
+            <a:off x="1618827" y="3289967"/>
+            <a:ext cx="3205421" cy="633114"/>
+          </a:xfrm>
+          <a:prstGeom prst="roundRect">
+            <a:avLst/>
+          </a:prstGeom>
+          <a:noFill/>
+          <a:ln w="38100">
+            <a:solidFill>
+              <a:schemeClr val="tx1"/>
+            </a:solidFill>
+          </a:ln>
+        </p:spPr>
+        <p:style>
+          <a:lnRef idx="2">
+            <a:schemeClr val="accent1">
+              <a:shade val="50000"/>
+            </a:schemeClr>
+          </a:lnRef>
+          <a:fillRef idx="1">
+            <a:schemeClr val="accent1"/>
+          </a:fillRef>
+          <a:effectRef idx="0">
+            <a:schemeClr val="accent1"/>
+          </a:effectRef>
+          <a:fontRef idx="minor">
+            <a:schemeClr val="lt1"/>
+          </a:fontRef>
+        </p:style>
+        <p:txBody>
+          <a:bodyPr rtlCol="0" anchor="ctr"/>
+          <a:lstStyle/>
+          <a:p>
+            <a:pPr algn="ctr"/>
+            <a:r>
+              <a:rPr lang="de-DE" dirty="0">
+                <a:solidFill>
+                  <a:schemeClr val="tx1"/>
+                </a:solidFill>
+              </a:rPr>
+              <a:t>Value Size (in </a:t>
+            </a:r>
+            <a:r>
+              <a:rPr lang="de-DE" dirty="0" err="1">
+                <a:solidFill>
+                  <a:schemeClr val="tx1"/>
+                </a:solidFill>
+              </a:rPr>
+              <a:t>bytes</a:t>
+            </a:r>
+            <a:r>
+              <a:rPr lang="de-DE" dirty="0">
+                <a:solidFill>
+                  <a:schemeClr val="tx1"/>
+                </a:solidFill>
+              </a:rPr>
+              <a:t>)</a:t>
+            </a:r>
+            <a:endParaRPr lang="de-DE" dirty="0"/>
+          </a:p>
+        </p:txBody>
+      </p:sp>
+      <p:sp>
+        <p:nvSpPr>
+          <p:cNvPr id="9" name="Rechteck: abgerundete Ecken 8">
+            <a:extLst>
+              <a:ext uri="{FF2B5EF4-FFF2-40B4-BE49-F238E27FC236}">
+                <a16:creationId xmlns:a16="http://schemas.microsoft.com/office/drawing/2014/main" id="{8687227A-7EF6-E404-4BB6-BF2640FEDD3E}"/>
+              </a:ext>
+            </a:extLst>
+          </p:cNvPr>
+          <p:cNvSpPr/>
+          <p:nvPr/>
+        </p:nvSpPr>
+        <p:spPr>
+          <a:xfrm>
+            <a:off x="489636" y="3289968"/>
+            <a:ext cx="878577" cy="633113"/>
+          </a:xfrm>
+          <a:prstGeom prst="roundRect">
+            <a:avLst/>
+          </a:prstGeom>
+          <a:noFill/>
+          <a:ln w="38100">
+            <a:solidFill>
+              <a:schemeClr val="tx1"/>
+            </a:solidFill>
+          </a:ln>
+        </p:spPr>
+        <p:style>
+          <a:lnRef idx="2">
+            <a:schemeClr val="accent1">
+              <a:shade val="50000"/>
+            </a:schemeClr>
+          </a:lnRef>
+          <a:fillRef idx="1">
+            <a:schemeClr val="accent1"/>
+          </a:fillRef>
+          <a:effectRef idx="0">
+            <a:schemeClr val="accent1"/>
+          </a:effectRef>
+          <a:fontRef idx="minor">
+            <a:schemeClr val="lt1"/>
+          </a:fontRef>
+        </p:style>
+        <p:txBody>
+          <a:bodyPr rtlCol="0" anchor="ctr"/>
+          <a:lstStyle/>
+          <a:p>
+            <a:pPr algn="ctr"/>
+            <a:r>
+              <a:rPr lang="de-DE" sz="3200" dirty="0">
+                <a:solidFill>
+                  <a:schemeClr val="tx1"/>
+                </a:solidFill>
+              </a:rPr>
+              <a:t>1</a:t>
+            </a:r>
+          </a:p>
+        </p:txBody>
+      </p:sp>
+      <p:sp>
+        <p:nvSpPr>
+          <p:cNvPr id="10" name="Rechteck: abgerundete Ecken 9">
+            <a:extLst>
+              <a:ext uri="{FF2B5EF4-FFF2-40B4-BE49-F238E27FC236}">
+                <a16:creationId xmlns:a16="http://schemas.microsoft.com/office/drawing/2014/main" id="{DFF47EDD-8476-8D71-B47C-8CF352F692E0}"/>
+              </a:ext>
+            </a:extLst>
+          </p:cNvPr>
+          <p:cNvSpPr/>
+          <p:nvPr/>
+        </p:nvSpPr>
+        <p:spPr>
+          <a:xfrm>
+            <a:off x="1618826" y="4030435"/>
+            <a:ext cx="3205421" cy="633114"/>
+          </a:xfrm>
+          <a:prstGeom prst="roundRect">
+            <a:avLst/>
+          </a:prstGeom>
+          <a:noFill/>
+          <a:ln w="38100">
+            <a:solidFill>
+              <a:schemeClr val="tx1"/>
+            </a:solidFill>
+          </a:ln>
+        </p:spPr>
+        <p:style>
+          <a:lnRef idx="2">
+            <a:schemeClr val="accent1">
+              <a:shade val="50000"/>
+            </a:schemeClr>
+          </a:lnRef>
+          <a:fillRef idx="1">
+            <a:schemeClr val="accent1"/>
+          </a:fillRef>
+          <a:effectRef idx="0">
+            <a:schemeClr val="accent1"/>
+          </a:effectRef>
+          <a:fontRef idx="minor">
+            <a:schemeClr val="lt1"/>
+          </a:fontRef>
+        </p:style>
+        <p:txBody>
+          <a:bodyPr rtlCol="0" anchor="ctr"/>
+          <a:lstStyle/>
+          <a:p>
+            <a:pPr algn="ctr"/>
+            <a:r>
+              <a:rPr lang="de-DE" dirty="0" err="1">
+                <a:solidFill>
+                  <a:schemeClr val="tx1"/>
+                </a:solidFill>
+              </a:rPr>
+              <a:t>Instruction</a:t>
+            </a:r>
+            <a:r>
+              <a:rPr lang="de-DE" dirty="0" err="1"/>
+              <a:t>S</a:t>
+            </a:r>
+            <a:endParaRPr lang="de-DE" dirty="0"/>
+          </a:p>
+        </p:txBody>
+      </p:sp>
+      <p:sp>
+        <p:nvSpPr>
+          <p:cNvPr id="11" name="Rechteck: abgerundete Ecken 10">
+            <a:extLst>
+              <a:ext uri="{FF2B5EF4-FFF2-40B4-BE49-F238E27FC236}">
+                <a16:creationId xmlns:a16="http://schemas.microsoft.com/office/drawing/2014/main" id="{C16C6221-A5A4-9A9E-DD84-DAAB96791346}"/>
+              </a:ext>
+            </a:extLst>
+          </p:cNvPr>
+          <p:cNvSpPr/>
+          <p:nvPr/>
+        </p:nvSpPr>
+        <p:spPr>
+          <a:xfrm>
+            <a:off x="489636" y="4028451"/>
+            <a:ext cx="878577" cy="633113"/>
+          </a:xfrm>
+          <a:prstGeom prst="roundRect">
+            <a:avLst/>
+          </a:prstGeom>
+          <a:noFill/>
+          <a:ln w="38100">
+            <a:solidFill>
+              <a:schemeClr val="tx1"/>
+            </a:solidFill>
+          </a:ln>
+        </p:spPr>
+        <p:style>
+          <a:lnRef idx="2">
+            <a:schemeClr val="accent1">
+              <a:shade val="50000"/>
+            </a:schemeClr>
+          </a:lnRef>
+          <a:fillRef idx="1">
+            <a:schemeClr val="accent1"/>
+          </a:fillRef>
+          <a:effectRef idx="0">
+            <a:schemeClr val="accent1"/>
+          </a:effectRef>
+          <a:fontRef idx="minor">
+            <a:schemeClr val="lt1"/>
+          </a:fontRef>
+        </p:style>
+        <p:txBody>
+          <a:bodyPr rtlCol="0" anchor="ctr"/>
+          <a:lstStyle/>
+          <a:p>
+            <a:pPr algn="ctr"/>
+            <a:r>
+              <a:rPr lang="de-DE" sz="3200" dirty="0">
+                <a:solidFill>
+                  <a:schemeClr val="tx1"/>
+                </a:solidFill>
+              </a:rPr>
+              <a:t>1</a:t>
+            </a:r>
+          </a:p>
+        </p:txBody>
+      </p:sp>
+      <p:sp>
+        <p:nvSpPr>
+          <p:cNvPr id="12" name="Rechteck: abgerundete Ecken 11">
+            <a:extLst>
+              <a:ext uri="{FF2B5EF4-FFF2-40B4-BE49-F238E27FC236}">
+                <a16:creationId xmlns:a16="http://schemas.microsoft.com/office/drawing/2014/main" id="{E2FA0AE1-6AAE-33B8-9F96-D2C57D7FBCCE}"/>
+              </a:ext>
+            </a:extLst>
+          </p:cNvPr>
+          <p:cNvSpPr/>
+          <p:nvPr/>
+        </p:nvSpPr>
+        <p:spPr>
+          <a:xfrm>
+            <a:off x="1618824" y="4770903"/>
+            <a:ext cx="3205421" cy="633114"/>
+          </a:xfrm>
+          <a:prstGeom prst="roundRect">
+            <a:avLst/>
+          </a:prstGeom>
+          <a:noFill/>
+          <a:ln w="38100">
+            <a:solidFill>
+              <a:schemeClr val="tx1"/>
+            </a:solidFill>
+          </a:ln>
+        </p:spPr>
+        <p:style>
+          <a:lnRef idx="2">
+            <a:schemeClr val="accent1">
+              <a:shade val="50000"/>
+            </a:schemeClr>
+          </a:lnRef>
+          <a:fillRef idx="1">
+            <a:schemeClr val="accent1"/>
+          </a:fillRef>
+          <a:effectRef idx="0">
+            <a:schemeClr val="accent1"/>
+          </a:effectRef>
+          <a:fontRef idx="minor">
+            <a:schemeClr val="lt1"/>
+          </a:fontRef>
+        </p:style>
+        <p:txBody>
+          <a:bodyPr rtlCol="0" anchor="ctr"/>
+          <a:lstStyle/>
+          <a:p>
+            <a:pPr algn="ctr"/>
+            <a:r>
+              <a:rPr lang="de-DE" dirty="0">
+                <a:solidFill>
+                  <a:schemeClr val="tx1"/>
+                </a:solidFill>
+              </a:rPr>
+              <a:t>Value</a:t>
+            </a:r>
+            <a:endParaRPr lang="de-DE" dirty="0"/>
+          </a:p>
+        </p:txBody>
+      </p:sp>
+      <p:sp>
+        <p:nvSpPr>
+          <p:cNvPr id="13" name="Rechteck: abgerundete Ecken 12">
+            <a:extLst>
+              <a:ext uri="{FF2B5EF4-FFF2-40B4-BE49-F238E27FC236}">
+                <a16:creationId xmlns:a16="http://schemas.microsoft.com/office/drawing/2014/main" id="{337C0DAB-D27F-F86C-2F7B-B0ABE610F25A}"/>
+              </a:ext>
+            </a:extLst>
+          </p:cNvPr>
+          <p:cNvSpPr/>
+          <p:nvPr/>
+        </p:nvSpPr>
+        <p:spPr>
+          <a:xfrm>
+            <a:off x="489635" y="4770904"/>
+            <a:ext cx="878578" cy="633113"/>
+          </a:xfrm>
+          <a:prstGeom prst="roundRect">
+            <a:avLst>
+              <a:gd name="adj" fmla="val 17737"/>
+            </a:avLst>
+          </a:prstGeom>
+          <a:noFill/>
+          <a:ln w="38100">
+            <a:solidFill>
+              <a:schemeClr val="tx1"/>
+            </a:solidFill>
+          </a:ln>
+        </p:spPr>
+        <p:style>
+          <a:lnRef idx="2">
+            <a:schemeClr val="accent1">
+              <a:shade val="50000"/>
+            </a:schemeClr>
+          </a:lnRef>
+          <a:fillRef idx="1">
+            <a:schemeClr val="accent1"/>
+          </a:fillRef>
+          <a:effectRef idx="0">
+            <a:schemeClr val="accent1"/>
+          </a:effectRef>
+          <a:fontRef idx="minor">
+            <a:schemeClr val="lt1"/>
+          </a:fontRef>
+        </p:style>
+        <p:txBody>
+          <a:bodyPr rtlCol="0" anchor="ctr"/>
+          <a:lstStyle/>
+          <a:p>
+            <a:pPr algn="ctr"/>
+            <a:r>
+              <a:rPr lang="de-DE" sz="2200" dirty="0">
+                <a:solidFill>
+                  <a:schemeClr val="tx1"/>
+                </a:solidFill>
+              </a:rPr>
+              <a:t>Value Size</a:t>
+            </a:r>
+          </a:p>
+        </p:txBody>
+      </p:sp>
+      <p:sp>
+        <p:nvSpPr>
+          <p:cNvPr id="14" name="Rechteck: abgerundete Ecken 13">
+            <a:extLst>
+              <a:ext uri="{FF2B5EF4-FFF2-40B4-BE49-F238E27FC236}">
+                <a16:creationId xmlns:a16="http://schemas.microsoft.com/office/drawing/2014/main" id="{B708E0CD-20C1-0CF0-C545-6F84643679B8}"/>
+              </a:ext>
+            </a:extLst>
+          </p:cNvPr>
+          <p:cNvSpPr/>
+          <p:nvPr/>
+        </p:nvSpPr>
+        <p:spPr>
+          <a:xfrm>
+            <a:off x="1618823" y="5518697"/>
+            <a:ext cx="3205422" cy="633114"/>
+          </a:xfrm>
+          <a:prstGeom prst="roundRect">
+            <a:avLst/>
+          </a:prstGeom>
+          <a:noFill/>
+          <a:ln w="38100">
+            <a:solidFill>
+              <a:schemeClr val="tx1"/>
+            </a:solidFill>
+          </a:ln>
+        </p:spPr>
+        <p:style>
+          <a:lnRef idx="2">
+            <a:schemeClr val="accent1">
+              <a:shade val="50000"/>
+            </a:schemeClr>
+          </a:lnRef>
+          <a:fillRef idx="1">
+            <a:schemeClr val="accent1"/>
+          </a:fillRef>
+          <a:effectRef idx="0">
+            <a:schemeClr val="accent1"/>
+          </a:effectRef>
+          <a:fontRef idx="minor">
+            <a:schemeClr val="lt1"/>
+          </a:fontRef>
+        </p:style>
+        <p:txBody>
+          <a:bodyPr rtlCol="0" anchor="ctr"/>
+          <a:lstStyle/>
+          <a:p>
+            <a:pPr algn="ctr"/>
+            <a:r>
+              <a:rPr lang="de-DE" dirty="0" err="1">
+                <a:solidFill>
+                  <a:schemeClr val="tx1"/>
+                </a:solidFill>
+              </a:rPr>
+              <a:t>EndCharacter</a:t>
+            </a:r>
+            <a:r>
+              <a:rPr lang="de-DE" dirty="0" err="1"/>
+              <a:t>S</a:t>
+            </a:r>
+            <a:endParaRPr lang="de-DE" dirty="0"/>
+          </a:p>
+        </p:txBody>
+      </p:sp>
+      <p:sp>
+        <p:nvSpPr>
+          <p:cNvPr id="15" name="Rechteck: abgerundete Ecken 14">
+            <a:extLst>
+              <a:ext uri="{FF2B5EF4-FFF2-40B4-BE49-F238E27FC236}">
+                <a16:creationId xmlns:a16="http://schemas.microsoft.com/office/drawing/2014/main" id="{B3CF6E63-C75C-6F5B-B401-BDA0A00EB6D0}"/>
+              </a:ext>
+            </a:extLst>
+          </p:cNvPr>
+          <p:cNvSpPr/>
+          <p:nvPr/>
+        </p:nvSpPr>
+        <p:spPr>
+          <a:xfrm>
+            <a:off x="489635" y="5518698"/>
+            <a:ext cx="878577" cy="633113"/>
+          </a:xfrm>
+          <a:prstGeom prst="roundRect">
+            <a:avLst/>
+          </a:prstGeom>
+          <a:noFill/>
+          <a:ln w="38100">
+            <a:solidFill>
+              <a:schemeClr val="tx1"/>
+            </a:solidFill>
+          </a:ln>
+        </p:spPr>
+        <p:style>
+          <a:lnRef idx="2">
+            <a:schemeClr val="accent1">
+              <a:shade val="50000"/>
+            </a:schemeClr>
+          </a:lnRef>
+          <a:fillRef idx="1">
+            <a:schemeClr val="accent1"/>
+          </a:fillRef>
+          <a:effectRef idx="0">
+            <a:schemeClr val="accent1"/>
+          </a:effectRef>
+          <a:fontRef idx="minor">
+            <a:schemeClr val="lt1"/>
+          </a:fontRef>
+        </p:style>
+        <p:txBody>
+          <a:bodyPr rtlCol="0" anchor="ctr"/>
+          <a:lstStyle/>
+          <a:p>
+            <a:pPr algn="ctr"/>
+            <a:r>
+              <a:rPr lang="de-DE" sz="3200" dirty="0">
+                <a:solidFill>
+                  <a:schemeClr val="tx1"/>
+                </a:solidFill>
+              </a:rPr>
+              <a:t>1</a:t>
+            </a:r>
+          </a:p>
+        </p:txBody>
+      </p:sp>
+      <p:sp>
+        <p:nvSpPr>
+          <p:cNvPr id="24" name="Rechteck: abgerundete Ecken 23">
+            <a:extLst>
+              <a:ext uri="{FF2B5EF4-FFF2-40B4-BE49-F238E27FC236}">
+                <a16:creationId xmlns:a16="http://schemas.microsoft.com/office/drawing/2014/main" id="{9CFA5687-7749-F3AF-6379-5992264E4DDE}"/>
+              </a:ext>
+            </a:extLst>
+          </p:cNvPr>
+          <p:cNvSpPr/>
+          <p:nvPr/>
+        </p:nvSpPr>
+        <p:spPr>
+          <a:xfrm>
+            <a:off x="411742" y="906872"/>
+            <a:ext cx="1034364" cy="633114"/>
+          </a:xfrm>
+          <a:prstGeom prst="roundRect">
+            <a:avLst/>
+          </a:prstGeom>
+          <a:noFill/>
+          <a:ln w="38100">
+            <a:solidFill>
+              <a:schemeClr val="tx1"/>
+            </a:solidFill>
+          </a:ln>
+        </p:spPr>
+        <p:style>
+          <a:lnRef idx="2">
+            <a:schemeClr val="accent1">
+              <a:shade val="50000"/>
+            </a:schemeClr>
+          </a:lnRef>
+          <a:fillRef idx="1">
+            <a:schemeClr val="accent1"/>
+          </a:fillRef>
+          <a:effectRef idx="0">
+            <a:schemeClr val="accent1"/>
+          </a:effectRef>
+          <a:fontRef idx="minor">
+            <a:schemeClr val="lt1"/>
+          </a:fontRef>
+        </p:style>
+        <p:txBody>
+          <a:bodyPr rtlCol="0" anchor="ctr"/>
+          <a:lstStyle/>
+          <a:p>
+            <a:pPr algn="ctr"/>
+            <a:r>
+              <a:rPr lang="de-DE" dirty="0">
+                <a:solidFill>
+                  <a:schemeClr val="tx1"/>
+                </a:solidFill>
+              </a:rPr>
+              <a:t>Größe in Bytes</a:t>
+            </a:r>
+            <a:endParaRPr lang="de-DE" dirty="0"/>
+          </a:p>
+        </p:txBody>
+      </p:sp>
+      <p:sp>
+        <p:nvSpPr>
+          <p:cNvPr id="27" name="Rechteck: abgerundete Ecken 26">
+            <a:extLst>
+              <a:ext uri="{FF2B5EF4-FFF2-40B4-BE49-F238E27FC236}">
+                <a16:creationId xmlns:a16="http://schemas.microsoft.com/office/drawing/2014/main" id="{99CA01E8-7BAB-2B01-2F2D-8E641058B9C4}"/>
+              </a:ext>
+            </a:extLst>
+          </p:cNvPr>
+          <p:cNvSpPr/>
+          <p:nvPr/>
+        </p:nvSpPr>
+        <p:spPr>
+          <a:xfrm>
+            <a:off x="2534042" y="906872"/>
+            <a:ext cx="1374987" cy="633114"/>
+          </a:xfrm>
+          <a:prstGeom prst="roundRect">
+            <a:avLst/>
+          </a:prstGeom>
+          <a:noFill/>
+          <a:ln w="38100">
+            <a:solidFill>
+              <a:schemeClr val="tx1"/>
+            </a:solidFill>
+          </a:ln>
+        </p:spPr>
+        <p:style>
+          <a:lnRef idx="2">
+            <a:schemeClr val="accent1">
+              <a:shade val="50000"/>
+            </a:schemeClr>
+          </a:lnRef>
+          <a:fillRef idx="1">
+            <a:schemeClr val="accent1"/>
+          </a:fillRef>
+          <a:effectRef idx="0">
+            <a:schemeClr val="accent1"/>
+          </a:effectRef>
+          <a:fontRef idx="minor">
+            <a:schemeClr val="lt1"/>
+          </a:fontRef>
+        </p:style>
+        <p:txBody>
+          <a:bodyPr rtlCol="0" anchor="ctr"/>
+          <a:lstStyle/>
+          <a:p>
+            <a:pPr algn="ctr"/>
+            <a:r>
+              <a:rPr lang="de-DE" dirty="0">
+                <a:solidFill>
+                  <a:schemeClr val="tx1"/>
+                </a:solidFill>
+              </a:rPr>
+              <a:t>Anweisung</a:t>
+            </a:r>
+            <a:endParaRPr lang="de-DE" dirty="0"/>
+          </a:p>
+        </p:txBody>
+      </p:sp>
+    </p:spTree>
+    <p:extLst>
+      <p:ext uri="{BB962C8B-B14F-4D97-AF65-F5344CB8AC3E}">
+        <p14:creationId xmlns:p14="http://schemas.microsoft.com/office/powerpoint/2010/main" val="2665419230"/>
+      </p:ext>
+    </p:extLst>
+  </p:cSld>
+  <p:clrMapOvr>
+    <a:masterClrMapping/>
+  </p:clrMapOvr>
+</p:sld>
+</file>
+
+<file path=ppt/slides/slide8.xml><?xml version="1.0" encoding="utf-8"?>
+<p:sld xmlns:a="http://schemas.openxmlformats.org/drawingml/2006/main" xmlns:r="http://schemas.openxmlformats.org/officeDocument/2006/relationships" xmlns:p="http://schemas.openxmlformats.org/presentationml/2006/main">
+  <p:cSld>
+    <p:spTree>
+      <p:nvGrpSpPr>
+        <p:cNvPr id="1" name=""/>
+        <p:cNvGrpSpPr/>
+        <p:nvPr/>
+      </p:nvGrpSpPr>
+      <p:grpSpPr>
+        <a:xfrm>
+          <a:off x="0" y="0"/>
+          <a:ext cx="0" cy="0"/>
+          <a:chOff x="0" y="0"/>
+          <a:chExt cx="0" cy="0"/>
+        </a:xfrm>
+      </p:grpSpPr>
+      <p:sp>
+        <p:nvSpPr>
+          <p:cNvPr id="4" name="Rechteck: abgerundete Ecken 3">
+            <a:extLst>
+              <a:ext uri="{FF2B5EF4-FFF2-40B4-BE49-F238E27FC236}">
+                <a16:creationId xmlns:a16="http://schemas.microsoft.com/office/drawing/2014/main" id="{A78B71E2-0ACC-D372-09CC-F48A502EBC0F}"/>
+              </a:ext>
+            </a:extLst>
+          </p:cNvPr>
+          <p:cNvSpPr/>
+          <p:nvPr/>
+        </p:nvSpPr>
+        <p:spPr>
+          <a:xfrm>
+            <a:off x="1618827" y="1801705"/>
+            <a:ext cx="3205421" cy="633114"/>
+          </a:xfrm>
+          <a:prstGeom prst="roundRect">
+            <a:avLst/>
+          </a:prstGeom>
+          <a:noFill/>
+          <a:ln w="38100">
+            <a:solidFill>
+              <a:schemeClr val="tx1"/>
+            </a:solidFill>
+          </a:ln>
+        </p:spPr>
+        <p:style>
+          <a:lnRef idx="2">
+            <a:schemeClr val="accent1">
+              <a:shade val="50000"/>
+            </a:schemeClr>
+          </a:lnRef>
+          <a:fillRef idx="1">
+            <a:schemeClr val="accent1"/>
+          </a:fillRef>
+          <a:effectRef idx="0">
+            <a:schemeClr val="accent1"/>
+          </a:effectRef>
+          <a:fontRef idx="minor">
+            <a:schemeClr val="lt1"/>
+          </a:fontRef>
+        </p:style>
+        <p:txBody>
+          <a:bodyPr rtlCol="0" anchor="ctr"/>
+          <a:lstStyle/>
+          <a:p>
+            <a:pPr algn="ctr"/>
+            <a:r>
+              <a:rPr lang="de-DE" dirty="0" err="1">
+                <a:solidFill>
+                  <a:schemeClr val="tx1"/>
+                </a:solidFill>
+              </a:rPr>
+              <a:t>StartCharacter</a:t>
+            </a:r>
+            <a:r>
+              <a:rPr lang="de-DE" dirty="0" err="1"/>
+              <a:t>S</a:t>
+            </a:r>
+            <a:endParaRPr lang="de-DE" dirty="0"/>
+          </a:p>
+        </p:txBody>
+      </p:sp>
+      <p:sp>
+        <p:nvSpPr>
+          <p:cNvPr id="5" name="Rechteck: abgerundete Ecken 4">
+            <a:extLst>
+              <a:ext uri="{FF2B5EF4-FFF2-40B4-BE49-F238E27FC236}">
+                <a16:creationId xmlns:a16="http://schemas.microsoft.com/office/drawing/2014/main" id="{6261D5BD-C9A7-405E-15E6-42C3AFA6857C}"/>
+              </a:ext>
+            </a:extLst>
+          </p:cNvPr>
+          <p:cNvSpPr/>
+          <p:nvPr/>
+        </p:nvSpPr>
+        <p:spPr>
+          <a:xfrm>
+            <a:off x="489636" y="1801706"/>
+            <a:ext cx="878577" cy="633113"/>
+          </a:xfrm>
+          <a:prstGeom prst="roundRect">
+            <a:avLst/>
+          </a:prstGeom>
+          <a:noFill/>
+          <a:ln w="38100">
+            <a:solidFill>
+              <a:schemeClr val="tx1"/>
+            </a:solidFill>
+          </a:ln>
+        </p:spPr>
+        <p:style>
+          <a:lnRef idx="2">
+            <a:schemeClr val="accent1">
+              <a:shade val="50000"/>
+            </a:schemeClr>
+          </a:lnRef>
+          <a:fillRef idx="1">
+            <a:schemeClr val="accent1"/>
+          </a:fillRef>
+          <a:effectRef idx="0">
+            <a:schemeClr val="accent1"/>
+          </a:effectRef>
+          <a:fontRef idx="minor">
+            <a:schemeClr val="lt1"/>
+          </a:fontRef>
+        </p:style>
+        <p:txBody>
+          <a:bodyPr rtlCol="0" anchor="ctr"/>
+          <a:lstStyle/>
+          <a:p>
+            <a:pPr algn="ctr"/>
+            <a:r>
+              <a:rPr lang="de-DE" sz="3200" dirty="0">
+                <a:solidFill>
+                  <a:schemeClr val="tx1"/>
+                </a:solidFill>
+              </a:rPr>
+              <a:t>1</a:t>
+            </a:r>
+          </a:p>
+        </p:txBody>
+      </p:sp>
+      <p:sp>
+        <p:nvSpPr>
+          <p:cNvPr id="6" name="Rechteck: abgerundete Ecken 5">
+            <a:extLst>
+              <a:ext uri="{FF2B5EF4-FFF2-40B4-BE49-F238E27FC236}">
+                <a16:creationId xmlns:a16="http://schemas.microsoft.com/office/drawing/2014/main" id="{9D3A0BBD-69F6-68E4-F6C0-68B64B5C8878}"/>
+              </a:ext>
+            </a:extLst>
+          </p:cNvPr>
+          <p:cNvSpPr/>
+          <p:nvPr/>
+        </p:nvSpPr>
+        <p:spPr>
+          <a:xfrm>
+            <a:off x="1618827" y="2545836"/>
+            <a:ext cx="3205421" cy="633114"/>
+          </a:xfrm>
+          <a:prstGeom prst="roundRect">
+            <a:avLst/>
+          </a:prstGeom>
+          <a:noFill/>
+          <a:ln w="38100">
+            <a:solidFill>
+              <a:schemeClr val="tx1"/>
+            </a:solidFill>
+          </a:ln>
+        </p:spPr>
+        <p:style>
+          <a:lnRef idx="2">
+            <a:schemeClr val="accent1">
+              <a:shade val="50000"/>
+            </a:schemeClr>
+          </a:lnRef>
+          <a:fillRef idx="1">
+            <a:schemeClr val="accent1"/>
+          </a:fillRef>
+          <a:effectRef idx="0">
+            <a:schemeClr val="accent1"/>
+          </a:effectRef>
+          <a:fontRef idx="minor">
+            <a:schemeClr val="lt1"/>
+          </a:fontRef>
+        </p:style>
+        <p:txBody>
+          <a:bodyPr rtlCol="0" anchor="ctr"/>
+          <a:lstStyle/>
+          <a:p>
+            <a:pPr algn="ctr"/>
+            <a:r>
+              <a:rPr lang="de-DE" dirty="0">
+                <a:solidFill>
+                  <a:schemeClr val="tx1"/>
+                </a:solidFill>
+              </a:rPr>
+              <a:t>Request ID</a:t>
+            </a:r>
+            <a:endParaRPr lang="de-DE" dirty="0"/>
+          </a:p>
+        </p:txBody>
+      </p:sp>
+      <p:sp>
+        <p:nvSpPr>
+          <p:cNvPr id="7" name="Rechteck: abgerundete Ecken 6">
+            <a:extLst>
+              <a:ext uri="{FF2B5EF4-FFF2-40B4-BE49-F238E27FC236}">
+                <a16:creationId xmlns:a16="http://schemas.microsoft.com/office/drawing/2014/main" id="{323A2A98-2CBD-F760-F0AF-1C386931691A}"/>
+              </a:ext>
+            </a:extLst>
+          </p:cNvPr>
+          <p:cNvSpPr/>
+          <p:nvPr/>
+        </p:nvSpPr>
+        <p:spPr>
+          <a:xfrm>
+            <a:off x="489636" y="2545837"/>
+            <a:ext cx="878577" cy="633113"/>
+          </a:xfrm>
+          <a:prstGeom prst="roundRect">
+            <a:avLst/>
+          </a:prstGeom>
+          <a:noFill/>
+          <a:ln w="38100">
+            <a:solidFill>
+              <a:schemeClr val="tx1"/>
+            </a:solidFill>
+          </a:ln>
+        </p:spPr>
+        <p:style>
+          <a:lnRef idx="2">
+            <a:schemeClr val="accent1">
+              <a:shade val="50000"/>
+            </a:schemeClr>
+          </a:lnRef>
+          <a:fillRef idx="1">
+            <a:schemeClr val="accent1"/>
+          </a:fillRef>
+          <a:effectRef idx="0">
+            <a:schemeClr val="accent1"/>
+          </a:effectRef>
+          <a:fontRef idx="minor">
+            <a:schemeClr val="lt1"/>
+          </a:fontRef>
+        </p:style>
+        <p:txBody>
+          <a:bodyPr rtlCol="0" anchor="ctr"/>
+          <a:lstStyle/>
+          <a:p>
+            <a:pPr algn="ctr"/>
+            <a:r>
+              <a:rPr lang="de-DE" sz="3200" dirty="0">
+                <a:solidFill>
+                  <a:schemeClr val="tx1"/>
+                </a:solidFill>
+              </a:rPr>
+              <a:t>1</a:t>
+            </a:r>
+          </a:p>
+        </p:txBody>
+      </p:sp>
+      <p:sp>
+        <p:nvSpPr>
+          <p:cNvPr id="8" name="Rechteck: abgerundete Ecken 7">
+            <a:extLst>
+              <a:ext uri="{FF2B5EF4-FFF2-40B4-BE49-F238E27FC236}">
+                <a16:creationId xmlns:a16="http://schemas.microsoft.com/office/drawing/2014/main" id="{AFFED479-E31A-C40C-C461-87E25167C518}"/>
+              </a:ext>
+            </a:extLst>
+          </p:cNvPr>
+          <p:cNvSpPr/>
+          <p:nvPr/>
+        </p:nvSpPr>
+        <p:spPr>
+          <a:xfrm>
+            <a:off x="1618827" y="3289967"/>
+            <a:ext cx="3205421" cy="633114"/>
+          </a:xfrm>
+          <a:prstGeom prst="roundRect">
+            <a:avLst/>
+          </a:prstGeom>
+          <a:noFill/>
+          <a:ln w="38100">
+            <a:solidFill>
+              <a:schemeClr val="tx1"/>
+            </a:solidFill>
+          </a:ln>
+        </p:spPr>
+        <p:style>
+          <a:lnRef idx="2">
+            <a:schemeClr val="accent1">
+              <a:shade val="50000"/>
+            </a:schemeClr>
+          </a:lnRef>
+          <a:fillRef idx="1">
+            <a:schemeClr val="accent1"/>
+          </a:fillRef>
+          <a:effectRef idx="0">
+            <a:schemeClr val="accent1"/>
+          </a:effectRef>
+          <a:fontRef idx="minor">
+            <a:schemeClr val="lt1"/>
+          </a:fontRef>
+        </p:style>
+        <p:txBody>
+          <a:bodyPr rtlCol="0" anchor="ctr"/>
+          <a:lstStyle/>
+          <a:p>
+            <a:pPr algn="ctr"/>
+            <a:r>
+              <a:rPr lang="de-DE" dirty="0">
+                <a:solidFill>
+                  <a:schemeClr val="tx1"/>
+                </a:solidFill>
+              </a:rPr>
+              <a:t>Value Size (in </a:t>
+            </a:r>
+            <a:r>
+              <a:rPr lang="de-DE" dirty="0" err="1">
+                <a:solidFill>
+                  <a:schemeClr val="tx1"/>
+                </a:solidFill>
+              </a:rPr>
+              <a:t>bytes</a:t>
+            </a:r>
+            <a:r>
+              <a:rPr lang="de-DE" dirty="0">
+                <a:solidFill>
+                  <a:schemeClr val="tx1"/>
+                </a:solidFill>
+              </a:rPr>
+              <a:t>)</a:t>
+            </a:r>
+            <a:endParaRPr lang="de-DE" dirty="0"/>
+          </a:p>
+        </p:txBody>
+      </p:sp>
+      <p:sp>
+        <p:nvSpPr>
+          <p:cNvPr id="9" name="Rechteck: abgerundete Ecken 8">
+            <a:extLst>
+              <a:ext uri="{FF2B5EF4-FFF2-40B4-BE49-F238E27FC236}">
+                <a16:creationId xmlns:a16="http://schemas.microsoft.com/office/drawing/2014/main" id="{8687227A-7EF6-E404-4BB6-BF2640FEDD3E}"/>
+              </a:ext>
+            </a:extLst>
+          </p:cNvPr>
+          <p:cNvSpPr/>
+          <p:nvPr/>
+        </p:nvSpPr>
+        <p:spPr>
+          <a:xfrm>
+            <a:off x="489636" y="3289968"/>
+            <a:ext cx="878577" cy="633113"/>
+          </a:xfrm>
+          <a:prstGeom prst="roundRect">
+            <a:avLst/>
+          </a:prstGeom>
+          <a:noFill/>
+          <a:ln w="38100">
+            <a:solidFill>
+              <a:schemeClr val="tx1"/>
+            </a:solidFill>
+          </a:ln>
+        </p:spPr>
+        <p:style>
+          <a:lnRef idx="2">
+            <a:schemeClr val="accent1">
+              <a:shade val="50000"/>
+            </a:schemeClr>
+          </a:lnRef>
+          <a:fillRef idx="1">
+            <a:schemeClr val="accent1"/>
+          </a:fillRef>
+          <a:effectRef idx="0">
+            <a:schemeClr val="accent1"/>
+          </a:effectRef>
+          <a:fontRef idx="minor">
+            <a:schemeClr val="lt1"/>
+          </a:fontRef>
+        </p:style>
+        <p:txBody>
+          <a:bodyPr rtlCol="0" anchor="ctr"/>
+          <a:lstStyle/>
+          <a:p>
+            <a:pPr algn="ctr"/>
+            <a:r>
+              <a:rPr lang="de-DE" sz="3200" dirty="0">
+                <a:solidFill>
+                  <a:schemeClr val="tx1"/>
+                </a:solidFill>
+              </a:rPr>
+              <a:t>1</a:t>
+            </a:r>
+          </a:p>
+        </p:txBody>
+      </p:sp>
+      <p:sp>
+        <p:nvSpPr>
+          <p:cNvPr id="10" name="Rechteck: abgerundete Ecken 9">
+            <a:extLst>
+              <a:ext uri="{FF2B5EF4-FFF2-40B4-BE49-F238E27FC236}">
+                <a16:creationId xmlns:a16="http://schemas.microsoft.com/office/drawing/2014/main" id="{DFF47EDD-8476-8D71-B47C-8CF352F692E0}"/>
+              </a:ext>
+            </a:extLst>
+          </p:cNvPr>
+          <p:cNvSpPr/>
+          <p:nvPr/>
+        </p:nvSpPr>
+        <p:spPr>
+          <a:xfrm>
+            <a:off x="1618826" y="4030435"/>
+            <a:ext cx="3205421" cy="633114"/>
+          </a:xfrm>
+          <a:prstGeom prst="roundRect">
+            <a:avLst/>
+          </a:prstGeom>
+          <a:noFill/>
+          <a:ln w="38100">
+            <a:solidFill>
+              <a:schemeClr val="tx1"/>
+            </a:solidFill>
+          </a:ln>
+        </p:spPr>
+        <p:style>
+          <a:lnRef idx="2">
+            <a:schemeClr val="accent1">
+              <a:shade val="50000"/>
+            </a:schemeClr>
+          </a:lnRef>
+          <a:fillRef idx="1">
+            <a:schemeClr val="accent1"/>
+          </a:fillRef>
+          <a:effectRef idx="0">
+            <a:schemeClr val="accent1"/>
+          </a:effectRef>
+          <a:fontRef idx="minor">
+            <a:schemeClr val="lt1"/>
+          </a:fontRef>
+        </p:style>
+        <p:txBody>
+          <a:bodyPr rtlCol="0" anchor="ctr"/>
+          <a:lstStyle/>
+          <a:p>
+            <a:pPr algn="ctr"/>
+            <a:r>
+              <a:rPr lang="de-DE" dirty="0" err="1">
+                <a:solidFill>
+                  <a:schemeClr val="tx1"/>
+                </a:solidFill>
+              </a:rPr>
+              <a:t>Instruction</a:t>
+            </a:r>
+            <a:r>
+              <a:rPr lang="de-DE" dirty="0" err="1"/>
+              <a:t>S</a:t>
+            </a:r>
+            <a:endParaRPr lang="de-DE" dirty="0"/>
+          </a:p>
+        </p:txBody>
+      </p:sp>
+      <p:sp>
+        <p:nvSpPr>
+          <p:cNvPr id="11" name="Rechteck: abgerundete Ecken 10">
+            <a:extLst>
+              <a:ext uri="{FF2B5EF4-FFF2-40B4-BE49-F238E27FC236}">
+                <a16:creationId xmlns:a16="http://schemas.microsoft.com/office/drawing/2014/main" id="{C16C6221-A5A4-9A9E-DD84-DAAB96791346}"/>
+              </a:ext>
+            </a:extLst>
+          </p:cNvPr>
+          <p:cNvSpPr/>
+          <p:nvPr/>
+        </p:nvSpPr>
+        <p:spPr>
+          <a:xfrm>
+            <a:off x="489636" y="4028451"/>
+            <a:ext cx="878577" cy="633113"/>
+          </a:xfrm>
+          <a:prstGeom prst="roundRect">
+            <a:avLst/>
+          </a:prstGeom>
+          <a:noFill/>
+          <a:ln w="38100">
+            <a:solidFill>
+              <a:schemeClr val="tx1"/>
+            </a:solidFill>
+          </a:ln>
+        </p:spPr>
+        <p:style>
+          <a:lnRef idx="2">
+            <a:schemeClr val="accent1">
+              <a:shade val="50000"/>
+            </a:schemeClr>
+          </a:lnRef>
+          <a:fillRef idx="1">
+            <a:schemeClr val="accent1"/>
+          </a:fillRef>
+          <a:effectRef idx="0">
+            <a:schemeClr val="accent1"/>
+          </a:effectRef>
+          <a:fontRef idx="minor">
+            <a:schemeClr val="lt1"/>
+          </a:fontRef>
+        </p:style>
+        <p:txBody>
+          <a:bodyPr rtlCol="0" anchor="ctr"/>
+          <a:lstStyle/>
+          <a:p>
+            <a:pPr algn="ctr"/>
+            <a:r>
+              <a:rPr lang="de-DE" sz="3200" dirty="0">
+                <a:solidFill>
+                  <a:schemeClr val="tx1"/>
+                </a:solidFill>
+              </a:rPr>
+              <a:t>1</a:t>
+            </a:r>
+          </a:p>
+        </p:txBody>
+      </p:sp>
+      <p:sp>
+        <p:nvSpPr>
+          <p:cNvPr id="12" name="Rechteck: abgerundete Ecken 11">
+            <a:extLst>
+              <a:ext uri="{FF2B5EF4-FFF2-40B4-BE49-F238E27FC236}">
+                <a16:creationId xmlns:a16="http://schemas.microsoft.com/office/drawing/2014/main" id="{E2FA0AE1-6AAE-33B8-9F96-D2C57D7FBCCE}"/>
+              </a:ext>
+            </a:extLst>
+          </p:cNvPr>
+          <p:cNvSpPr/>
+          <p:nvPr/>
+        </p:nvSpPr>
+        <p:spPr>
+          <a:xfrm>
+            <a:off x="1618824" y="4770903"/>
+            <a:ext cx="3205421" cy="633114"/>
+          </a:xfrm>
+          <a:prstGeom prst="roundRect">
+            <a:avLst/>
+          </a:prstGeom>
+          <a:noFill/>
+          <a:ln w="38100">
+            <a:solidFill>
+              <a:schemeClr val="tx1"/>
+            </a:solidFill>
+          </a:ln>
+        </p:spPr>
+        <p:style>
+          <a:lnRef idx="2">
+            <a:schemeClr val="accent1">
+              <a:shade val="50000"/>
+            </a:schemeClr>
+          </a:lnRef>
+          <a:fillRef idx="1">
+            <a:schemeClr val="accent1"/>
+          </a:fillRef>
+          <a:effectRef idx="0">
+            <a:schemeClr val="accent1"/>
+          </a:effectRef>
+          <a:fontRef idx="minor">
+            <a:schemeClr val="lt1"/>
+          </a:fontRef>
+        </p:style>
+        <p:txBody>
+          <a:bodyPr rtlCol="0" anchor="ctr"/>
+          <a:lstStyle/>
+          <a:p>
+            <a:pPr algn="ctr"/>
+            <a:r>
+              <a:rPr lang="de-DE" dirty="0">
+                <a:solidFill>
+                  <a:schemeClr val="tx1"/>
+                </a:solidFill>
+              </a:rPr>
+              <a:t>Value</a:t>
+            </a:r>
+            <a:endParaRPr lang="de-DE" dirty="0"/>
+          </a:p>
+        </p:txBody>
+      </p:sp>
+      <p:sp>
+        <p:nvSpPr>
+          <p:cNvPr id="13" name="Rechteck: abgerundete Ecken 12">
+            <a:extLst>
+              <a:ext uri="{FF2B5EF4-FFF2-40B4-BE49-F238E27FC236}">
+                <a16:creationId xmlns:a16="http://schemas.microsoft.com/office/drawing/2014/main" id="{337C0DAB-D27F-F86C-2F7B-B0ABE610F25A}"/>
+              </a:ext>
+            </a:extLst>
+          </p:cNvPr>
+          <p:cNvSpPr/>
+          <p:nvPr/>
+        </p:nvSpPr>
+        <p:spPr>
+          <a:xfrm>
+            <a:off x="489635" y="4770904"/>
+            <a:ext cx="878578" cy="633113"/>
+          </a:xfrm>
+          <a:prstGeom prst="roundRect">
+            <a:avLst>
+              <a:gd name="adj" fmla="val 17737"/>
+            </a:avLst>
+          </a:prstGeom>
+          <a:noFill/>
+          <a:ln w="38100">
+            <a:solidFill>
+              <a:schemeClr val="tx1"/>
+            </a:solidFill>
+          </a:ln>
+        </p:spPr>
+        <p:style>
+          <a:lnRef idx="2">
+            <a:schemeClr val="accent1">
+              <a:shade val="50000"/>
+            </a:schemeClr>
+          </a:lnRef>
+          <a:fillRef idx="1">
+            <a:schemeClr val="accent1"/>
+          </a:fillRef>
+          <a:effectRef idx="0">
+            <a:schemeClr val="accent1"/>
+          </a:effectRef>
+          <a:fontRef idx="minor">
+            <a:schemeClr val="lt1"/>
+          </a:fontRef>
+        </p:style>
+        <p:txBody>
+          <a:bodyPr rtlCol="0" anchor="ctr"/>
+          <a:lstStyle/>
+          <a:p>
+            <a:pPr algn="ctr"/>
+            <a:r>
+              <a:rPr lang="de-DE" sz="2200" dirty="0">
+                <a:solidFill>
+                  <a:schemeClr val="tx1"/>
+                </a:solidFill>
+              </a:rPr>
+              <a:t>Value Size</a:t>
+            </a:r>
+          </a:p>
+        </p:txBody>
+      </p:sp>
+      <p:sp>
+        <p:nvSpPr>
+          <p:cNvPr id="14" name="Rechteck: abgerundete Ecken 13">
+            <a:extLst>
+              <a:ext uri="{FF2B5EF4-FFF2-40B4-BE49-F238E27FC236}">
+                <a16:creationId xmlns:a16="http://schemas.microsoft.com/office/drawing/2014/main" id="{B708E0CD-20C1-0CF0-C545-6F84643679B8}"/>
+              </a:ext>
+            </a:extLst>
+          </p:cNvPr>
+          <p:cNvSpPr/>
+          <p:nvPr/>
+        </p:nvSpPr>
+        <p:spPr>
+          <a:xfrm>
+            <a:off x="1618823" y="5518697"/>
+            <a:ext cx="3205422" cy="633114"/>
+          </a:xfrm>
+          <a:prstGeom prst="roundRect">
+            <a:avLst/>
+          </a:prstGeom>
+          <a:noFill/>
+          <a:ln w="38100">
+            <a:solidFill>
+              <a:schemeClr val="tx1"/>
+            </a:solidFill>
+          </a:ln>
+        </p:spPr>
+        <p:style>
+          <a:lnRef idx="2">
+            <a:schemeClr val="accent1">
+              <a:shade val="50000"/>
+            </a:schemeClr>
+          </a:lnRef>
+          <a:fillRef idx="1">
+            <a:schemeClr val="accent1"/>
+          </a:fillRef>
+          <a:effectRef idx="0">
+            <a:schemeClr val="accent1"/>
+          </a:effectRef>
+          <a:fontRef idx="minor">
+            <a:schemeClr val="lt1"/>
+          </a:fontRef>
+        </p:style>
+        <p:txBody>
+          <a:bodyPr rtlCol="0" anchor="ctr"/>
+          <a:lstStyle/>
+          <a:p>
+            <a:pPr algn="ctr"/>
+            <a:r>
+              <a:rPr lang="de-DE" dirty="0" err="1">
+                <a:solidFill>
+                  <a:schemeClr val="tx1"/>
+                </a:solidFill>
+              </a:rPr>
+              <a:t>EndCharacter</a:t>
+            </a:r>
+            <a:r>
+              <a:rPr lang="de-DE" dirty="0" err="1"/>
+              <a:t>S</a:t>
+            </a:r>
+            <a:endParaRPr lang="de-DE" dirty="0"/>
+          </a:p>
+        </p:txBody>
+      </p:sp>
+      <p:sp>
+        <p:nvSpPr>
+          <p:cNvPr id="15" name="Rechteck: abgerundete Ecken 14">
+            <a:extLst>
+              <a:ext uri="{FF2B5EF4-FFF2-40B4-BE49-F238E27FC236}">
+                <a16:creationId xmlns:a16="http://schemas.microsoft.com/office/drawing/2014/main" id="{B3CF6E63-C75C-6F5B-B401-BDA0A00EB6D0}"/>
+              </a:ext>
+            </a:extLst>
+          </p:cNvPr>
+          <p:cNvSpPr/>
+          <p:nvPr/>
+        </p:nvSpPr>
+        <p:spPr>
+          <a:xfrm>
+            <a:off x="489635" y="5518698"/>
+            <a:ext cx="878577" cy="633113"/>
+          </a:xfrm>
+          <a:prstGeom prst="roundRect">
+            <a:avLst/>
+          </a:prstGeom>
+          <a:noFill/>
+          <a:ln w="38100">
+            <a:solidFill>
+              <a:schemeClr val="tx1"/>
+            </a:solidFill>
+          </a:ln>
+        </p:spPr>
+        <p:style>
+          <a:lnRef idx="2">
+            <a:schemeClr val="accent1">
+              <a:shade val="50000"/>
+            </a:schemeClr>
+          </a:lnRef>
+          <a:fillRef idx="1">
+            <a:schemeClr val="accent1"/>
+          </a:fillRef>
+          <a:effectRef idx="0">
+            <a:schemeClr val="accent1"/>
+          </a:effectRef>
+          <a:fontRef idx="minor">
+            <a:schemeClr val="lt1"/>
+          </a:fontRef>
+        </p:style>
+        <p:txBody>
+          <a:bodyPr rtlCol="0" anchor="ctr"/>
+          <a:lstStyle/>
+          <a:p>
+            <a:pPr algn="ctr"/>
+            <a:r>
+              <a:rPr lang="de-DE" sz="3200" dirty="0">
+                <a:solidFill>
+                  <a:schemeClr val="tx1"/>
+                </a:solidFill>
+              </a:rPr>
+              <a:t>1</a:t>
+            </a:r>
+          </a:p>
+        </p:txBody>
+      </p:sp>
+      <p:sp>
+        <p:nvSpPr>
+          <p:cNvPr id="16" name="Rechteck: abgerundete Ecken 15">
+            <a:extLst>
+              <a:ext uri="{FF2B5EF4-FFF2-40B4-BE49-F238E27FC236}">
+                <a16:creationId xmlns:a16="http://schemas.microsoft.com/office/drawing/2014/main" id="{623CEF63-9DFB-E4B7-7B4E-8EFE1A35BEAF}"/>
+              </a:ext>
+            </a:extLst>
+          </p:cNvPr>
+          <p:cNvSpPr/>
+          <p:nvPr/>
+        </p:nvSpPr>
+        <p:spPr>
+          <a:xfrm>
+            <a:off x="5744885" y="1801705"/>
+            <a:ext cx="1374987" cy="633113"/>
+          </a:xfrm>
+          <a:prstGeom prst="roundRect">
+            <a:avLst/>
+          </a:prstGeom>
+          <a:noFill/>
+          <a:ln w="38100">
+            <a:solidFill>
+              <a:schemeClr val="tx1"/>
+            </a:solidFill>
+          </a:ln>
+        </p:spPr>
+        <p:style>
+          <a:lnRef idx="2">
+            <a:schemeClr val="accent1">
+              <a:shade val="50000"/>
+            </a:schemeClr>
+          </a:lnRef>
+          <a:fillRef idx="1">
+            <a:schemeClr val="accent1"/>
+          </a:fillRef>
+          <a:effectRef idx="0">
+            <a:schemeClr val="accent1"/>
+          </a:effectRef>
+          <a:fontRef idx="minor">
+            <a:schemeClr val="lt1"/>
+          </a:fontRef>
+        </p:style>
+        <p:txBody>
+          <a:bodyPr rtlCol="0" anchor="ctr"/>
+          <a:lstStyle/>
+          <a:p>
+            <a:pPr algn="ctr"/>
+            <a:r>
+              <a:rPr lang="de-DE" sz="3200" dirty="0">
+                <a:solidFill>
+                  <a:schemeClr val="tx1"/>
+                </a:solidFill>
+              </a:rPr>
+              <a:t>&lt; (60)</a:t>
+            </a:r>
+          </a:p>
+        </p:txBody>
+      </p:sp>
+      <p:sp>
+        <p:nvSpPr>
+          <p:cNvPr id="24" name="Rechteck: abgerundete Ecken 23">
+            <a:extLst>
+              <a:ext uri="{FF2B5EF4-FFF2-40B4-BE49-F238E27FC236}">
+                <a16:creationId xmlns:a16="http://schemas.microsoft.com/office/drawing/2014/main" id="{9CFA5687-7749-F3AF-6379-5992264E4DDE}"/>
+              </a:ext>
+            </a:extLst>
+          </p:cNvPr>
+          <p:cNvSpPr/>
+          <p:nvPr/>
+        </p:nvSpPr>
+        <p:spPr>
+          <a:xfrm>
+            <a:off x="411742" y="906872"/>
+            <a:ext cx="1034364" cy="633114"/>
+          </a:xfrm>
+          <a:prstGeom prst="roundRect">
+            <a:avLst/>
+          </a:prstGeom>
+          <a:noFill/>
+          <a:ln w="38100">
+            <a:solidFill>
+              <a:schemeClr val="tx1"/>
+            </a:solidFill>
+          </a:ln>
+        </p:spPr>
+        <p:style>
+          <a:lnRef idx="2">
+            <a:schemeClr val="accent1">
+              <a:shade val="50000"/>
+            </a:schemeClr>
+          </a:lnRef>
+          <a:fillRef idx="1">
+            <a:schemeClr val="accent1"/>
+          </a:fillRef>
+          <a:effectRef idx="0">
+            <a:schemeClr val="accent1"/>
+          </a:effectRef>
+          <a:fontRef idx="minor">
+            <a:schemeClr val="lt1"/>
+          </a:fontRef>
+        </p:style>
+        <p:txBody>
+          <a:bodyPr rtlCol="0" anchor="ctr"/>
+          <a:lstStyle/>
+          <a:p>
+            <a:pPr algn="ctr"/>
+            <a:r>
+              <a:rPr lang="de-DE" dirty="0">
+                <a:solidFill>
+                  <a:schemeClr val="tx1"/>
+                </a:solidFill>
+              </a:rPr>
+              <a:t>Größe in Bytes</a:t>
+            </a:r>
+            <a:endParaRPr lang="de-DE" dirty="0"/>
+          </a:p>
+        </p:txBody>
+      </p:sp>
+      <p:sp>
+        <p:nvSpPr>
+          <p:cNvPr id="27" name="Rechteck: abgerundete Ecken 26">
+            <a:extLst>
+              <a:ext uri="{FF2B5EF4-FFF2-40B4-BE49-F238E27FC236}">
+                <a16:creationId xmlns:a16="http://schemas.microsoft.com/office/drawing/2014/main" id="{99CA01E8-7BAB-2B01-2F2D-8E641058B9C4}"/>
+              </a:ext>
+            </a:extLst>
+          </p:cNvPr>
+          <p:cNvSpPr/>
+          <p:nvPr/>
+        </p:nvSpPr>
+        <p:spPr>
+          <a:xfrm>
+            <a:off x="2534042" y="906872"/>
+            <a:ext cx="1374987" cy="633114"/>
+          </a:xfrm>
+          <a:prstGeom prst="roundRect">
+            <a:avLst/>
+          </a:prstGeom>
+          <a:noFill/>
+          <a:ln w="38100">
+            <a:solidFill>
+              <a:schemeClr val="tx1"/>
+            </a:solidFill>
+          </a:ln>
+        </p:spPr>
+        <p:style>
+          <a:lnRef idx="2">
+            <a:schemeClr val="accent1">
+              <a:shade val="50000"/>
+            </a:schemeClr>
+          </a:lnRef>
+          <a:fillRef idx="1">
+            <a:schemeClr val="accent1"/>
+          </a:fillRef>
+          <a:effectRef idx="0">
+            <a:schemeClr val="accent1"/>
+          </a:effectRef>
+          <a:fontRef idx="minor">
+            <a:schemeClr val="lt1"/>
+          </a:fontRef>
+        </p:style>
+        <p:txBody>
+          <a:bodyPr rtlCol="0" anchor="ctr"/>
+          <a:lstStyle/>
+          <a:p>
+            <a:pPr algn="ctr"/>
+            <a:r>
+              <a:rPr lang="de-DE" dirty="0">
+                <a:solidFill>
+                  <a:schemeClr val="tx1"/>
+                </a:solidFill>
+              </a:rPr>
+              <a:t>Anweisung</a:t>
+            </a:r>
+            <a:endParaRPr lang="de-DE" dirty="0"/>
+          </a:p>
+        </p:txBody>
+      </p:sp>
+      <p:sp>
+        <p:nvSpPr>
+          <p:cNvPr id="28" name="Rechteck: abgerundete Ecken 27">
+            <a:extLst>
+              <a:ext uri="{FF2B5EF4-FFF2-40B4-BE49-F238E27FC236}">
+                <a16:creationId xmlns:a16="http://schemas.microsoft.com/office/drawing/2014/main" id="{D6BB014E-E7C5-183B-9E46-736094659F99}"/>
+              </a:ext>
+            </a:extLst>
+          </p:cNvPr>
+          <p:cNvSpPr/>
+          <p:nvPr/>
+        </p:nvSpPr>
+        <p:spPr>
+          <a:xfrm>
+            <a:off x="5744884" y="906872"/>
+            <a:ext cx="1374987" cy="633114"/>
+          </a:xfrm>
+          <a:prstGeom prst="roundRect">
+            <a:avLst/>
+          </a:prstGeom>
+          <a:noFill/>
+          <a:ln w="38100">
+            <a:solidFill>
+              <a:schemeClr val="tx1"/>
+            </a:solidFill>
+          </a:ln>
+        </p:spPr>
+        <p:style>
+          <a:lnRef idx="2">
+            <a:schemeClr val="accent1">
+              <a:shade val="50000"/>
+            </a:schemeClr>
+          </a:lnRef>
+          <a:fillRef idx="1">
+            <a:schemeClr val="accent1"/>
+          </a:fillRef>
+          <a:effectRef idx="0">
+            <a:schemeClr val="accent1"/>
+          </a:effectRef>
+          <a:fontRef idx="minor">
+            <a:schemeClr val="lt1"/>
+          </a:fontRef>
+        </p:style>
+        <p:txBody>
+          <a:bodyPr rtlCol="0" anchor="ctr"/>
+          <a:lstStyle/>
+          <a:p>
+            <a:pPr algn="ctr"/>
+            <a:r>
+              <a:rPr lang="de-DE" dirty="0">
+                <a:solidFill>
+                  <a:schemeClr val="tx1"/>
+                </a:solidFill>
+              </a:rPr>
+              <a:t>Print-Befehl</a:t>
+            </a:r>
+            <a:endParaRPr lang="de-DE" dirty="0"/>
+          </a:p>
+        </p:txBody>
+      </p:sp>
+      <p:sp>
+        <p:nvSpPr>
+          <p:cNvPr id="29" name="Rechteck: abgerundete Ecken 28">
+            <a:extLst>
+              <a:ext uri="{FF2B5EF4-FFF2-40B4-BE49-F238E27FC236}">
+                <a16:creationId xmlns:a16="http://schemas.microsoft.com/office/drawing/2014/main" id="{C6D7780E-CF5C-F779-2169-B6068696AC18}"/>
+              </a:ext>
+            </a:extLst>
+          </p:cNvPr>
+          <p:cNvSpPr/>
+          <p:nvPr/>
+        </p:nvSpPr>
+        <p:spPr>
+          <a:xfrm>
+            <a:off x="5744885" y="2545837"/>
+            <a:ext cx="1374987" cy="633113"/>
+          </a:xfrm>
+          <a:prstGeom prst="roundRect">
+            <a:avLst/>
+          </a:prstGeom>
+          <a:noFill/>
+          <a:ln w="38100">
+            <a:solidFill>
+              <a:schemeClr val="tx1"/>
+            </a:solidFill>
+          </a:ln>
+        </p:spPr>
+        <p:style>
+          <a:lnRef idx="2">
+            <a:schemeClr val="accent1">
+              <a:shade val="50000"/>
+            </a:schemeClr>
+          </a:lnRef>
+          <a:fillRef idx="1">
+            <a:schemeClr val="accent1"/>
+          </a:fillRef>
+          <a:effectRef idx="0">
+            <a:schemeClr val="accent1"/>
+          </a:effectRef>
+          <a:fontRef idx="minor">
+            <a:schemeClr val="lt1"/>
+          </a:fontRef>
+        </p:style>
+        <p:txBody>
+          <a:bodyPr rtlCol="0" anchor="ctr"/>
+          <a:lstStyle/>
+          <a:p>
+            <a:pPr algn="ctr"/>
+            <a:r>
+              <a:rPr lang="de-DE" sz="3200" dirty="0">
+                <a:solidFill>
+                  <a:schemeClr val="tx1"/>
+                </a:solidFill>
+              </a:rPr>
+              <a:t>☺ (1)</a:t>
+            </a:r>
+          </a:p>
+        </p:txBody>
+      </p:sp>
+      <p:sp>
+        <p:nvSpPr>
+          <p:cNvPr id="30" name="Rechteck: abgerundete Ecken 29">
+            <a:extLst>
+              <a:ext uri="{FF2B5EF4-FFF2-40B4-BE49-F238E27FC236}">
+                <a16:creationId xmlns:a16="http://schemas.microsoft.com/office/drawing/2014/main" id="{58F6890D-A508-8D09-87F3-3AB3D4C75C50}"/>
+              </a:ext>
+            </a:extLst>
+          </p:cNvPr>
+          <p:cNvSpPr/>
+          <p:nvPr/>
+        </p:nvSpPr>
+        <p:spPr>
+          <a:xfrm>
+            <a:off x="5744884" y="3289968"/>
+            <a:ext cx="1374987" cy="633113"/>
+          </a:xfrm>
+          <a:prstGeom prst="roundRect">
+            <a:avLst/>
+          </a:prstGeom>
+          <a:noFill/>
+          <a:ln w="38100">
+            <a:solidFill>
+              <a:schemeClr val="tx1"/>
+            </a:solidFill>
+          </a:ln>
+        </p:spPr>
+        <p:style>
+          <a:lnRef idx="2">
+            <a:schemeClr val="accent1">
+              <a:shade val="50000"/>
+            </a:schemeClr>
+          </a:lnRef>
+          <a:fillRef idx="1">
+            <a:schemeClr val="accent1"/>
+          </a:fillRef>
+          <a:effectRef idx="0">
+            <a:schemeClr val="accent1"/>
+          </a:effectRef>
+          <a:fontRef idx="minor">
+            <a:schemeClr val="lt1"/>
+          </a:fontRef>
+        </p:style>
+        <p:txBody>
+          <a:bodyPr rtlCol="0" anchor="ctr"/>
+          <a:lstStyle/>
+          <a:p>
+            <a:pPr algn="ctr"/>
+            <a:r>
+              <a:rPr lang="de-DE" sz="3200" dirty="0">
+                <a:solidFill>
+                  <a:schemeClr val="tx1"/>
+                </a:solidFill>
+              </a:rPr>
+              <a:t> (13)</a:t>
+            </a:r>
+          </a:p>
+        </p:txBody>
+      </p:sp>
+      <p:sp>
+        <p:nvSpPr>
+          <p:cNvPr id="31" name="Rechteck: abgerundete Ecken 30">
+            <a:extLst>
+              <a:ext uri="{FF2B5EF4-FFF2-40B4-BE49-F238E27FC236}">
+                <a16:creationId xmlns:a16="http://schemas.microsoft.com/office/drawing/2014/main" id="{84D5ED8A-1840-E682-E0D0-C6A6702FA08A}"/>
+              </a:ext>
+            </a:extLst>
+          </p:cNvPr>
+          <p:cNvSpPr/>
+          <p:nvPr/>
+        </p:nvSpPr>
+        <p:spPr>
+          <a:xfrm>
+            <a:off x="5718445" y="4028451"/>
+            <a:ext cx="1374987" cy="633113"/>
+          </a:xfrm>
+          <a:prstGeom prst="roundRect">
+            <a:avLst/>
+          </a:prstGeom>
+          <a:noFill/>
+          <a:ln w="38100">
+            <a:solidFill>
+              <a:schemeClr val="tx1"/>
+            </a:solidFill>
+          </a:ln>
+        </p:spPr>
+        <p:style>
+          <a:lnRef idx="2">
+            <a:schemeClr val="accent1">
+              <a:shade val="50000"/>
+            </a:schemeClr>
+          </a:lnRef>
+          <a:fillRef idx="1">
+            <a:schemeClr val="accent1"/>
+          </a:fillRef>
+          <a:effectRef idx="0">
+            <a:schemeClr val="accent1"/>
+          </a:effectRef>
+          <a:fontRef idx="minor">
+            <a:schemeClr val="lt1"/>
+          </a:fontRef>
+        </p:style>
+        <p:txBody>
+          <a:bodyPr rtlCol="0" anchor="ctr"/>
+          <a:lstStyle/>
+          <a:p>
+            <a:pPr algn="ctr"/>
+            <a:r>
+              <a:rPr lang="de-DE" sz="3200" dirty="0">
+                <a:solidFill>
+                  <a:schemeClr val="tx1"/>
+                </a:solidFill>
+              </a:rPr>
+              <a:t>l (108)</a:t>
+            </a:r>
+          </a:p>
+        </p:txBody>
+      </p:sp>
+      <p:sp>
+        <p:nvSpPr>
+          <p:cNvPr id="32" name="Rechteck: abgerundete Ecken 31">
+            <a:extLst>
+              <a:ext uri="{FF2B5EF4-FFF2-40B4-BE49-F238E27FC236}">
+                <a16:creationId xmlns:a16="http://schemas.microsoft.com/office/drawing/2014/main" id="{1AA218FD-BC1B-643C-D314-80D9BC97EAF5}"/>
+              </a:ext>
+            </a:extLst>
+          </p:cNvPr>
+          <p:cNvSpPr/>
+          <p:nvPr/>
+        </p:nvSpPr>
+        <p:spPr>
+          <a:xfrm>
+            <a:off x="5718444" y="4766934"/>
+            <a:ext cx="1374987" cy="633113"/>
+          </a:xfrm>
+          <a:prstGeom prst="roundRect">
+            <a:avLst/>
+          </a:prstGeom>
+          <a:noFill/>
+          <a:ln w="38100">
+            <a:solidFill>
+              <a:schemeClr val="tx1"/>
+            </a:solidFill>
+          </a:ln>
+        </p:spPr>
+        <p:style>
+          <a:lnRef idx="2">
+            <a:schemeClr val="accent1">
+              <a:shade val="50000"/>
+            </a:schemeClr>
+          </a:lnRef>
+          <a:fillRef idx="1">
+            <a:schemeClr val="accent1"/>
+          </a:fillRef>
+          <a:effectRef idx="0">
+            <a:schemeClr val="accent1"/>
+          </a:effectRef>
+          <a:fontRef idx="minor">
+            <a:schemeClr val="lt1"/>
+          </a:fontRef>
+        </p:style>
+        <p:txBody>
+          <a:bodyPr rtlCol="0" anchor="ctr"/>
+          <a:lstStyle/>
+          <a:p>
+            <a:pPr algn="ctr"/>
+            <a:r>
+              <a:rPr lang="de-DE" sz="2200" dirty="0">
+                <a:solidFill>
+                  <a:schemeClr val="tx1"/>
+                </a:solidFill>
+              </a:rPr>
+              <a:t>Hello World</a:t>
+            </a:r>
+          </a:p>
+        </p:txBody>
+      </p:sp>
+      <p:sp>
+        <p:nvSpPr>
+          <p:cNvPr id="33" name="Rechteck: abgerundete Ecken 32">
+            <a:extLst>
+              <a:ext uri="{FF2B5EF4-FFF2-40B4-BE49-F238E27FC236}">
+                <a16:creationId xmlns:a16="http://schemas.microsoft.com/office/drawing/2014/main" id="{BDD620A1-D662-3158-6BF6-AD4647FA2D64}"/>
+              </a:ext>
+            </a:extLst>
+          </p:cNvPr>
+          <p:cNvSpPr/>
+          <p:nvPr/>
+        </p:nvSpPr>
+        <p:spPr>
+          <a:xfrm>
+            <a:off x="5718443" y="5524158"/>
+            <a:ext cx="1374987" cy="633113"/>
+          </a:xfrm>
+          <a:prstGeom prst="roundRect">
+            <a:avLst/>
+          </a:prstGeom>
+          <a:noFill/>
+          <a:ln w="38100">
+            <a:solidFill>
+              <a:schemeClr val="tx1"/>
+            </a:solidFill>
+          </a:ln>
+        </p:spPr>
+        <p:style>
+          <a:lnRef idx="2">
+            <a:schemeClr val="accent1">
+              <a:shade val="50000"/>
+            </a:schemeClr>
+          </a:lnRef>
+          <a:fillRef idx="1">
+            <a:schemeClr val="accent1"/>
+          </a:fillRef>
+          <a:effectRef idx="0">
+            <a:schemeClr val="accent1"/>
+          </a:effectRef>
+          <a:fontRef idx="minor">
+            <a:schemeClr val="lt1"/>
+          </a:fontRef>
+        </p:style>
+        <p:txBody>
+          <a:bodyPr rtlCol="0" anchor="ctr"/>
+          <a:lstStyle/>
+          <a:p>
+            <a:pPr algn="ctr"/>
+            <a:r>
+              <a:rPr lang="de-DE" sz="3200" dirty="0">
+                <a:solidFill>
+                  <a:schemeClr val="tx1"/>
+                </a:solidFill>
+              </a:rPr>
+              <a:t>&gt; (62)</a:t>
+            </a:r>
+          </a:p>
+        </p:txBody>
+      </p:sp>
+      <p:pic>
+        <p:nvPicPr>
+          <p:cNvPr id="40" name="Grafik 39">
+            <a:extLst>
+              <a:ext uri="{FF2B5EF4-FFF2-40B4-BE49-F238E27FC236}">
+                <a16:creationId xmlns:a16="http://schemas.microsoft.com/office/drawing/2014/main" id="{8C1E098F-6522-86EA-5EBF-D4EFC2362F1C}"/>
+              </a:ext>
+            </a:extLst>
+          </p:cNvPr>
+          <p:cNvPicPr>
+            <a:picLocks noChangeAspect="1"/>
+          </p:cNvPicPr>
+          <p:nvPr/>
+        </p:nvPicPr>
+        <p:blipFill>
+          <a:blip r:embed="rId2"/>
+          <a:stretch>
+            <a:fillRect/>
+          </a:stretch>
+        </p:blipFill>
+        <p:spPr>
+          <a:xfrm>
+            <a:off x="7413636" y="906872"/>
+            <a:ext cx="4625741" cy="685859"/>
+          </a:xfrm>
+          <a:prstGeom prst="rect">
+            <a:avLst/>
+          </a:prstGeom>
+        </p:spPr>
+      </p:pic>
+    </p:spTree>
+    <p:extLst>
+      <p:ext uri="{BB962C8B-B14F-4D97-AF65-F5344CB8AC3E}">
+        <p14:creationId xmlns:p14="http://schemas.microsoft.com/office/powerpoint/2010/main" val="4031229439"/>
+      </p:ext>
+    </p:extLst>
+  </p:cSld>
+  <p:clrMapOvr>
+    <a:masterClrMapping/>
+  </p:clrMapOvr>
+</p:sld>
+</file>
+
+<file path=ppt/slides/slide9.xml><?xml version="1.0" encoding="utf-8"?>
+<p:sld xmlns:a="http://schemas.openxmlformats.org/drawingml/2006/main" xmlns:r="http://schemas.openxmlformats.org/officeDocument/2006/relationships" xmlns:p="http://schemas.openxmlformats.org/presentationml/2006/main">
+  <p:cSld>
+    <p:spTree>
+      <p:nvGrpSpPr>
+        <p:cNvPr id="1" name=""/>
+        <p:cNvGrpSpPr/>
+        <p:nvPr/>
+      </p:nvGrpSpPr>
+      <p:grpSpPr>
+        <a:xfrm>
+          <a:off x="0" y="0"/>
+          <a:ext cx="0" cy="0"/>
+          <a:chOff x="0" y="0"/>
+          <a:chExt cx="0" cy="0"/>
+        </a:xfrm>
+      </p:grpSpPr>
+      <p:sp>
+        <p:nvSpPr>
+          <p:cNvPr id="4" name="Rechteck: abgerundete Ecken 3">
+            <a:extLst>
+              <a:ext uri="{FF2B5EF4-FFF2-40B4-BE49-F238E27FC236}">
+                <a16:creationId xmlns:a16="http://schemas.microsoft.com/office/drawing/2014/main" id="{A78B71E2-0ACC-D372-09CC-F48A502EBC0F}"/>
+              </a:ext>
+            </a:extLst>
+          </p:cNvPr>
+          <p:cNvSpPr/>
+          <p:nvPr/>
+        </p:nvSpPr>
+        <p:spPr>
+          <a:xfrm>
+            <a:off x="1618827" y="1801705"/>
+            <a:ext cx="3205421" cy="633114"/>
+          </a:xfrm>
+          <a:prstGeom prst="roundRect">
+            <a:avLst/>
+          </a:prstGeom>
+          <a:noFill/>
+          <a:ln w="38100">
+            <a:solidFill>
+              <a:schemeClr val="tx1"/>
+            </a:solidFill>
+          </a:ln>
+        </p:spPr>
+        <p:style>
+          <a:lnRef idx="2">
+            <a:schemeClr val="accent1">
+              <a:shade val="50000"/>
+            </a:schemeClr>
+          </a:lnRef>
+          <a:fillRef idx="1">
+            <a:schemeClr val="accent1"/>
+          </a:fillRef>
+          <a:effectRef idx="0">
+            <a:schemeClr val="accent1"/>
+          </a:effectRef>
+          <a:fontRef idx="minor">
+            <a:schemeClr val="lt1"/>
+          </a:fontRef>
+        </p:style>
+        <p:txBody>
+          <a:bodyPr rtlCol="0" anchor="ctr"/>
+          <a:lstStyle/>
+          <a:p>
+            <a:pPr algn="ctr"/>
+            <a:r>
+              <a:rPr lang="de-DE" dirty="0" err="1">
+                <a:solidFill>
+                  <a:schemeClr val="tx1"/>
+                </a:solidFill>
+              </a:rPr>
+              <a:t>StartCharacter</a:t>
+            </a:r>
+            <a:r>
+              <a:rPr lang="de-DE" dirty="0" err="1"/>
+              <a:t>S</a:t>
+            </a:r>
+            <a:endParaRPr lang="de-DE" dirty="0"/>
+          </a:p>
+        </p:txBody>
+      </p:sp>
+      <p:sp>
+        <p:nvSpPr>
+          <p:cNvPr id="5" name="Rechteck: abgerundete Ecken 4">
+            <a:extLst>
+              <a:ext uri="{FF2B5EF4-FFF2-40B4-BE49-F238E27FC236}">
+                <a16:creationId xmlns:a16="http://schemas.microsoft.com/office/drawing/2014/main" id="{6261D5BD-C9A7-405E-15E6-42C3AFA6857C}"/>
+              </a:ext>
+            </a:extLst>
+          </p:cNvPr>
+          <p:cNvSpPr/>
+          <p:nvPr/>
+        </p:nvSpPr>
+        <p:spPr>
+          <a:xfrm>
+            <a:off x="489636" y="1801706"/>
+            <a:ext cx="878577" cy="633113"/>
+          </a:xfrm>
+          <a:prstGeom prst="roundRect">
+            <a:avLst/>
+          </a:prstGeom>
+          <a:noFill/>
+          <a:ln w="38100">
+            <a:solidFill>
+              <a:schemeClr val="tx1"/>
+            </a:solidFill>
+          </a:ln>
+        </p:spPr>
+        <p:style>
+          <a:lnRef idx="2">
+            <a:schemeClr val="accent1">
+              <a:shade val="50000"/>
+            </a:schemeClr>
+          </a:lnRef>
+          <a:fillRef idx="1">
+            <a:schemeClr val="accent1"/>
+          </a:fillRef>
+          <a:effectRef idx="0">
+            <a:schemeClr val="accent1"/>
+          </a:effectRef>
+          <a:fontRef idx="minor">
+            <a:schemeClr val="lt1"/>
+          </a:fontRef>
+        </p:style>
+        <p:txBody>
+          <a:bodyPr rtlCol="0" anchor="ctr"/>
+          <a:lstStyle/>
+          <a:p>
+            <a:pPr algn="ctr"/>
+            <a:r>
+              <a:rPr lang="de-DE" sz="3200" dirty="0">
+                <a:solidFill>
+                  <a:schemeClr val="tx1"/>
+                </a:solidFill>
+              </a:rPr>
+              <a:t>1</a:t>
+            </a:r>
+          </a:p>
+        </p:txBody>
+      </p:sp>
+      <p:sp>
+        <p:nvSpPr>
+          <p:cNvPr id="6" name="Rechteck: abgerundete Ecken 5">
+            <a:extLst>
+              <a:ext uri="{FF2B5EF4-FFF2-40B4-BE49-F238E27FC236}">
+                <a16:creationId xmlns:a16="http://schemas.microsoft.com/office/drawing/2014/main" id="{9D3A0BBD-69F6-68E4-F6C0-68B64B5C8878}"/>
+              </a:ext>
+            </a:extLst>
+          </p:cNvPr>
+          <p:cNvSpPr/>
+          <p:nvPr/>
+        </p:nvSpPr>
+        <p:spPr>
+          <a:xfrm>
+            <a:off x="1618827" y="2545836"/>
+            <a:ext cx="3205421" cy="633114"/>
+          </a:xfrm>
+          <a:prstGeom prst="roundRect">
+            <a:avLst/>
+          </a:prstGeom>
+          <a:noFill/>
+          <a:ln w="38100">
+            <a:solidFill>
+              <a:schemeClr val="tx1"/>
+            </a:solidFill>
+          </a:ln>
+        </p:spPr>
+        <p:style>
+          <a:lnRef idx="2">
+            <a:schemeClr val="accent1">
+              <a:shade val="50000"/>
+            </a:schemeClr>
+          </a:lnRef>
+          <a:fillRef idx="1">
+            <a:schemeClr val="accent1"/>
+          </a:fillRef>
+          <a:effectRef idx="0">
+            <a:schemeClr val="accent1"/>
+          </a:effectRef>
+          <a:fontRef idx="minor">
+            <a:schemeClr val="lt1"/>
+          </a:fontRef>
+        </p:style>
+        <p:txBody>
+          <a:bodyPr rtlCol="0" anchor="ctr"/>
+          <a:lstStyle/>
+          <a:p>
+            <a:pPr algn="ctr"/>
+            <a:r>
+              <a:rPr lang="de-DE" dirty="0">
+                <a:solidFill>
+                  <a:schemeClr val="tx1"/>
+                </a:solidFill>
+              </a:rPr>
+              <a:t>Request ID</a:t>
+            </a:r>
+            <a:endParaRPr lang="de-DE" dirty="0"/>
+          </a:p>
+        </p:txBody>
+      </p:sp>
+      <p:sp>
+        <p:nvSpPr>
+          <p:cNvPr id="7" name="Rechteck: abgerundete Ecken 6">
+            <a:extLst>
+              <a:ext uri="{FF2B5EF4-FFF2-40B4-BE49-F238E27FC236}">
+                <a16:creationId xmlns:a16="http://schemas.microsoft.com/office/drawing/2014/main" id="{323A2A98-2CBD-F760-F0AF-1C386931691A}"/>
+              </a:ext>
+            </a:extLst>
+          </p:cNvPr>
+          <p:cNvSpPr/>
+          <p:nvPr/>
+        </p:nvSpPr>
+        <p:spPr>
+          <a:xfrm>
+            <a:off x="489636" y="2545837"/>
+            <a:ext cx="878577" cy="633113"/>
+          </a:xfrm>
+          <a:prstGeom prst="roundRect">
+            <a:avLst/>
+          </a:prstGeom>
+          <a:noFill/>
+          <a:ln w="38100">
+            <a:solidFill>
+              <a:schemeClr val="tx1"/>
+            </a:solidFill>
+          </a:ln>
+        </p:spPr>
+        <p:style>
+          <a:lnRef idx="2">
+            <a:schemeClr val="accent1">
+              <a:shade val="50000"/>
+            </a:schemeClr>
+          </a:lnRef>
+          <a:fillRef idx="1">
+            <a:schemeClr val="accent1"/>
+          </a:fillRef>
+          <a:effectRef idx="0">
+            <a:schemeClr val="accent1"/>
+          </a:effectRef>
+          <a:fontRef idx="minor">
+            <a:schemeClr val="lt1"/>
+          </a:fontRef>
+        </p:style>
+        <p:txBody>
+          <a:bodyPr rtlCol="0" anchor="ctr"/>
+          <a:lstStyle/>
+          <a:p>
+            <a:pPr algn="ctr"/>
+            <a:r>
+              <a:rPr lang="de-DE" sz="3200" dirty="0">
+                <a:solidFill>
+                  <a:schemeClr val="tx1"/>
+                </a:solidFill>
+              </a:rPr>
+              <a:t>1</a:t>
+            </a:r>
+          </a:p>
+        </p:txBody>
+      </p:sp>
+      <p:sp>
+        <p:nvSpPr>
+          <p:cNvPr id="8" name="Rechteck: abgerundete Ecken 7">
+            <a:extLst>
+              <a:ext uri="{FF2B5EF4-FFF2-40B4-BE49-F238E27FC236}">
+                <a16:creationId xmlns:a16="http://schemas.microsoft.com/office/drawing/2014/main" id="{AFFED479-E31A-C40C-C461-87E25167C518}"/>
+              </a:ext>
+            </a:extLst>
+          </p:cNvPr>
+          <p:cNvSpPr/>
+          <p:nvPr/>
+        </p:nvSpPr>
+        <p:spPr>
+          <a:xfrm>
+            <a:off x="1618827" y="3289967"/>
+            <a:ext cx="3205421" cy="633114"/>
+          </a:xfrm>
+          <a:prstGeom prst="roundRect">
+            <a:avLst/>
+          </a:prstGeom>
+          <a:noFill/>
+          <a:ln w="38100">
+            <a:solidFill>
+              <a:schemeClr val="tx1"/>
+            </a:solidFill>
+          </a:ln>
+        </p:spPr>
+        <p:style>
+          <a:lnRef idx="2">
+            <a:schemeClr val="accent1">
+              <a:shade val="50000"/>
+            </a:schemeClr>
+          </a:lnRef>
+          <a:fillRef idx="1">
+            <a:schemeClr val="accent1"/>
+          </a:fillRef>
+          <a:effectRef idx="0">
+            <a:schemeClr val="accent1"/>
+          </a:effectRef>
+          <a:fontRef idx="minor">
+            <a:schemeClr val="lt1"/>
+          </a:fontRef>
+        </p:style>
+        <p:txBody>
+          <a:bodyPr rtlCol="0" anchor="ctr"/>
+          <a:lstStyle/>
+          <a:p>
+            <a:pPr algn="ctr"/>
+            <a:r>
+              <a:rPr lang="de-DE" dirty="0">
+                <a:solidFill>
+                  <a:schemeClr val="tx1"/>
+                </a:solidFill>
+              </a:rPr>
+              <a:t>Value Size (in </a:t>
+            </a:r>
+            <a:r>
+              <a:rPr lang="de-DE" dirty="0" err="1">
+                <a:solidFill>
+                  <a:schemeClr val="tx1"/>
+                </a:solidFill>
+              </a:rPr>
+              <a:t>bytes</a:t>
+            </a:r>
+            <a:r>
+              <a:rPr lang="de-DE" dirty="0">
+                <a:solidFill>
+                  <a:schemeClr val="tx1"/>
+                </a:solidFill>
+              </a:rPr>
+              <a:t>)</a:t>
+            </a:r>
+            <a:endParaRPr lang="de-DE" dirty="0"/>
+          </a:p>
+        </p:txBody>
+      </p:sp>
+      <p:sp>
+        <p:nvSpPr>
+          <p:cNvPr id="9" name="Rechteck: abgerundete Ecken 8">
+            <a:extLst>
+              <a:ext uri="{FF2B5EF4-FFF2-40B4-BE49-F238E27FC236}">
+                <a16:creationId xmlns:a16="http://schemas.microsoft.com/office/drawing/2014/main" id="{8687227A-7EF6-E404-4BB6-BF2640FEDD3E}"/>
+              </a:ext>
+            </a:extLst>
+          </p:cNvPr>
+          <p:cNvSpPr/>
+          <p:nvPr/>
+        </p:nvSpPr>
+        <p:spPr>
+          <a:xfrm>
+            <a:off x="489636" y="3289968"/>
+            <a:ext cx="878577" cy="633113"/>
+          </a:xfrm>
+          <a:prstGeom prst="roundRect">
+            <a:avLst/>
+          </a:prstGeom>
+          <a:noFill/>
+          <a:ln w="38100">
+            <a:solidFill>
+              <a:schemeClr val="tx1"/>
+            </a:solidFill>
+          </a:ln>
+        </p:spPr>
+        <p:style>
+          <a:lnRef idx="2">
+            <a:schemeClr val="accent1">
+              <a:shade val="50000"/>
+            </a:schemeClr>
+          </a:lnRef>
+          <a:fillRef idx="1">
+            <a:schemeClr val="accent1"/>
+          </a:fillRef>
+          <a:effectRef idx="0">
+            <a:schemeClr val="accent1"/>
+          </a:effectRef>
+          <a:fontRef idx="minor">
+            <a:schemeClr val="lt1"/>
+          </a:fontRef>
+        </p:style>
+        <p:txBody>
+          <a:bodyPr rtlCol="0" anchor="ctr"/>
+          <a:lstStyle/>
+          <a:p>
+            <a:pPr algn="ctr"/>
+            <a:r>
+              <a:rPr lang="de-DE" sz="3200" dirty="0">
+                <a:solidFill>
+                  <a:schemeClr val="tx1"/>
+                </a:solidFill>
+              </a:rPr>
+              <a:t>1</a:t>
+            </a:r>
+          </a:p>
+        </p:txBody>
+      </p:sp>
+      <p:sp>
+        <p:nvSpPr>
+          <p:cNvPr id="10" name="Rechteck: abgerundete Ecken 9">
+            <a:extLst>
+              <a:ext uri="{FF2B5EF4-FFF2-40B4-BE49-F238E27FC236}">
+                <a16:creationId xmlns:a16="http://schemas.microsoft.com/office/drawing/2014/main" id="{DFF47EDD-8476-8D71-B47C-8CF352F692E0}"/>
+              </a:ext>
+            </a:extLst>
+          </p:cNvPr>
+          <p:cNvSpPr/>
+          <p:nvPr/>
+        </p:nvSpPr>
+        <p:spPr>
+          <a:xfrm>
+            <a:off x="1618826" y="4030435"/>
+            <a:ext cx="3205421" cy="633114"/>
+          </a:xfrm>
+          <a:prstGeom prst="roundRect">
+            <a:avLst/>
+          </a:prstGeom>
+          <a:noFill/>
+          <a:ln w="38100">
+            <a:solidFill>
+              <a:schemeClr val="tx1"/>
+            </a:solidFill>
+          </a:ln>
+        </p:spPr>
+        <p:style>
+          <a:lnRef idx="2">
+            <a:schemeClr val="accent1">
+              <a:shade val="50000"/>
+            </a:schemeClr>
+          </a:lnRef>
+          <a:fillRef idx="1">
+            <a:schemeClr val="accent1"/>
+          </a:fillRef>
+          <a:effectRef idx="0">
+            <a:schemeClr val="accent1"/>
+          </a:effectRef>
+          <a:fontRef idx="minor">
+            <a:schemeClr val="lt1"/>
+          </a:fontRef>
+        </p:style>
+        <p:txBody>
+          <a:bodyPr rtlCol="0" anchor="ctr"/>
+          <a:lstStyle/>
+          <a:p>
+            <a:pPr algn="ctr"/>
+            <a:r>
+              <a:rPr lang="de-DE" dirty="0" err="1">
+                <a:solidFill>
+                  <a:schemeClr val="tx1"/>
+                </a:solidFill>
+              </a:rPr>
+              <a:t>Instruction</a:t>
+            </a:r>
+            <a:r>
+              <a:rPr lang="de-DE" dirty="0" err="1"/>
+              <a:t>S</a:t>
+            </a:r>
+            <a:endParaRPr lang="de-DE" dirty="0"/>
+          </a:p>
+        </p:txBody>
+      </p:sp>
+      <p:sp>
+        <p:nvSpPr>
+          <p:cNvPr id="11" name="Rechteck: abgerundete Ecken 10">
+            <a:extLst>
+              <a:ext uri="{FF2B5EF4-FFF2-40B4-BE49-F238E27FC236}">
+                <a16:creationId xmlns:a16="http://schemas.microsoft.com/office/drawing/2014/main" id="{C16C6221-A5A4-9A9E-DD84-DAAB96791346}"/>
+              </a:ext>
+            </a:extLst>
+          </p:cNvPr>
+          <p:cNvSpPr/>
+          <p:nvPr/>
+        </p:nvSpPr>
+        <p:spPr>
+          <a:xfrm>
+            <a:off x="489636" y="4028451"/>
+            <a:ext cx="878577" cy="633113"/>
+          </a:xfrm>
+          <a:prstGeom prst="roundRect">
+            <a:avLst/>
+          </a:prstGeom>
+          <a:noFill/>
+          <a:ln w="38100">
+            <a:solidFill>
+              <a:schemeClr val="tx1"/>
+            </a:solidFill>
+          </a:ln>
+        </p:spPr>
+        <p:style>
+          <a:lnRef idx="2">
+            <a:schemeClr val="accent1">
+              <a:shade val="50000"/>
+            </a:schemeClr>
+          </a:lnRef>
+          <a:fillRef idx="1">
+            <a:schemeClr val="accent1"/>
+          </a:fillRef>
+          <a:effectRef idx="0">
+            <a:schemeClr val="accent1"/>
+          </a:effectRef>
+          <a:fontRef idx="minor">
+            <a:schemeClr val="lt1"/>
+          </a:fontRef>
+        </p:style>
+        <p:txBody>
+          <a:bodyPr rtlCol="0" anchor="ctr"/>
+          <a:lstStyle/>
+          <a:p>
+            <a:pPr algn="ctr"/>
+            <a:r>
+              <a:rPr lang="de-DE" sz="3200" dirty="0">
+                <a:solidFill>
+                  <a:schemeClr val="tx1"/>
+                </a:solidFill>
+              </a:rPr>
+              <a:t>1</a:t>
+            </a:r>
+          </a:p>
+        </p:txBody>
+      </p:sp>
+      <p:sp>
+        <p:nvSpPr>
+          <p:cNvPr id="12" name="Rechteck: abgerundete Ecken 11">
+            <a:extLst>
+              <a:ext uri="{FF2B5EF4-FFF2-40B4-BE49-F238E27FC236}">
+                <a16:creationId xmlns:a16="http://schemas.microsoft.com/office/drawing/2014/main" id="{E2FA0AE1-6AAE-33B8-9F96-D2C57D7FBCCE}"/>
+              </a:ext>
+            </a:extLst>
+          </p:cNvPr>
+          <p:cNvSpPr/>
+          <p:nvPr/>
+        </p:nvSpPr>
+        <p:spPr>
+          <a:xfrm>
+            <a:off x="1618824" y="4770903"/>
+            <a:ext cx="3205421" cy="633114"/>
+          </a:xfrm>
+          <a:prstGeom prst="roundRect">
+            <a:avLst/>
+          </a:prstGeom>
+          <a:noFill/>
+          <a:ln w="38100">
+            <a:solidFill>
+              <a:schemeClr val="tx1"/>
+            </a:solidFill>
+          </a:ln>
+        </p:spPr>
+        <p:style>
+          <a:lnRef idx="2">
+            <a:schemeClr val="accent1">
+              <a:shade val="50000"/>
+            </a:schemeClr>
+          </a:lnRef>
+          <a:fillRef idx="1">
+            <a:schemeClr val="accent1"/>
+          </a:fillRef>
+          <a:effectRef idx="0">
+            <a:schemeClr val="accent1"/>
+          </a:effectRef>
+          <a:fontRef idx="minor">
+            <a:schemeClr val="lt1"/>
+          </a:fontRef>
+        </p:style>
+        <p:txBody>
+          <a:bodyPr rtlCol="0" anchor="ctr"/>
+          <a:lstStyle/>
+          <a:p>
+            <a:pPr algn="ctr"/>
+            <a:r>
+              <a:rPr lang="de-DE" dirty="0">
+                <a:solidFill>
+                  <a:schemeClr val="tx1"/>
+                </a:solidFill>
+              </a:rPr>
+              <a:t>Value</a:t>
+            </a:r>
+            <a:endParaRPr lang="de-DE" dirty="0"/>
+          </a:p>
+        </p:txBody>
+      </p:sp>
+      <p:sp>
+        <p:nvSpPr>
+          <p:cNvPr id="13" name="Rechteck: abgerundete Ecken 12">
+            <a:extLst>
+              <a:ext uri="{FF2B5EF4-FFF2-40B4-BE49-F238E27FC236}">
+                <a16:creationId xmlns:a16="http://schemas.microsoft.com/office/drawing/2014/main" id="{337C0DAB-D27F-F86C-2F7B-B0ABE610F25A}"/>
+              </a:ext>
+            </a:extLst>
+          </p:cNvPr>
+          <p:cNvSpPr/>
+          <p:nvPr/>
+        </p:nvSpPr>
+        <p:spPr>
+          <a:xfrm>
+            <a:off x="489635" y="4770904"/>
+            <a:ext cx="878578" cy="633113"/>
+          </a:xfrm>
+          <a:prstGeom prst="roundRect">
+            <a:avLst>
+              <a:gd name="adj" fmla="val 17737"/>
+            </a:avLst>
+          </a:prstGeom>
+          <a:noFill/>
+          <a:ln w="38100">
+            <a:solidFill>
+              <a:schemeClr val="tx1"/>
+            </a:solidFill>
+          </a:ln>
+        </p:spPr>
+        <p:style>
+          <a:lnRef idx="2">
+            <a:schemeClr val="accent1">
+              <a:shade val="50000"/>
+            </a:schemeClr>
+          </a:lnRef>
+          <a:fillRef idx="1">
+            <a:schemeClr val="accent1"/>
+          </a:fillRef>
+          <a:effectRef idx="0">
+            <a:schemeClr val="accent1"/>
+          </a:effectRef>
+          <a:fontRef idx="minor">
+            <a:schemeClr val="lt1"/>
+          </a:fontRef>
+        </p:style>
+        <p:txBody>
+          <a:bodyPr rtlCol="0" anchor="ctr"/>
+          <a:lstStyle/>
+          <a:p>
+            <a:pPr algn="ctr"/>
+            <a:r>
+              <a:rPr lang="de-DE" sz="2200" dirty="0">
+                <a:solidFill>
+                  <a:schemeClr val="tx1"/>
+                </a:solidFill>
+              </a:rPr>
+              <a:t>Value Size</a:t>
+            </a:r>
+          </a:p>
+        </p:txBody>
+      </p:sp>
+      <p:sp>
+        <p:nvSpPr>
+          <p:cNvPr id="14" name="Rechteck: abgerundete Ecken 13">
+            <a:extLst>
+              <a:ext uri="{FF2B5EF4-FFF2-40B4-BE49-F238E27FC236}">
+                <a16:creationId xmlns:a16="http://schemas.microsoft.com/office/drawing/2014/main" id="{B708E0CD-20C1-0CF0-C545-6F84643679B8}"/>
+              </a:ext>
+            </a:extLst>
+          </p:cNvPr>
+          <p:cNvSpPr/>
+          <p:nvPr/>
+        </p:nvSpPr>
+        <p:spPr>
+          <a:xfrm>
+            <a:off x="1618823" y="5518697"/>
+            <a:ext cx="3205422" cy="633114"/>
+          </a:xfrm>
+          <a:prstGeom prst="roundRect">
+            <a:avLst/>
+          </a:prstGeom>
+          <a:noFill/>
+          <a:ln w="38100">
+            <a:solidFill>
+              <a:schemeClr val="tx1"/>
+            </a:solidFill>
+          </a:ln>
+        </p:spPr>
+        <p:style>
+          <a:lnRef idx="2">
+            <a:schemeClr val="accent1">
+              <a:shade val="50000"/>
+            </a:schemeClr>
+          </a:lnRef>
+          <a:fillRef idx="1">
+            <a:schemeClr val="accent1"/>
+          </a:fillRef>
+          <a:effectRef idx="0">
+            <a:schemeClr val="accent1"/>
+          </a:effectRef>
+          <a:fontRef idx="minor">
+            <a:schemeClr val="lt1"/>
+          </a:fontRef>
+        </p:style>
+        <p:txBody>
+          <a:bodyPr rtlCol="0" anchor="ctr"/>
+          <a:lstStyle/>
+          <a:p>
+            <a:pPr algn="ctr"/>
+            <a:r>
+              <a:rPr lang="de-DE" dirty="0" err="1">
+                <a:solidFill>
+                  <a:schemeClr val="tx1"/>
+                </a:solidFill>
+              </a:rPr>
+              <a:t>EndCharacter</a:t>
+            </a:r>
+            <a:r>
+              <a:rPr lang="de-DE" dirty="0" err="1"/>
+              <a:t>S</a:t>
+            </a:r>
+            <a:endParaRPr lang="de-DE" dirty="0"/>
+          </a:p>
+        </p:txBody>
+      </p:sp>
+      <p:sp>
+        <p:nvSpPr>
+          <p:cNvPr id="15" name="Rechteck: abgerundete Ecken 14">
+            <a:extLst>
+              <a:ext uri="{FF2B5EF4-FFF2-40B4-BE49-F238E27FC236}">
+                <a16:creationId xmlns:a16="http://schemas.microsoft.com/office/drawing/2014/main" id="{B3CF6E63-C75C-6F5B-B401-BDA0A00EB6D0}"/>
+              </a:ext>
+            </a:extLst>
+          </p:cNvPr>
+          <p:cNvSpPr/>
+          <p:nvPr/>
+        </p:nvSpPr>
+        <p:spPr>
+          <a:xfrm>
+            <a:off x="489635" y="5518698"/>
+            <a:ext cx="878577" cy="633113"/>
+          </a:xfrm>
+          <a:prstGeom prst="roundRect">
+            <a:avLst/>
+          </a:prstGeom>
+          <a:noFill/>
+          <a:ln w="38100">
+            <a:solidFill>
+              <a:schemeClr val="tx1"/>
+            </a:solidFill>
+          </a:ln>
+        </p:spPr>
+        <p:style>
+          <a:lnRef idx="2">
+            <a:schemeClr val="accent1">
+              <a:shade val="50000"/>
+            </a:schemeClr>
+          </a:lnRef>
+          <a:fillRef idx="1">
+            <a:schemeClr val="accent1"/>
+          </a:fillRef>
+          <a:effectRef idx="0">
+            <a:schemeClr val="accent1"/>
+          </a:effectRef>
+          <a:fontRef idx="minor">
+            <a:schemeClr val="lt1"/>
+          </a:fontRef>
+        </p:style>
+        <p:txBody>
+          <a:bodyPr rtlCol="0" anchor="ctr"/>
+          <a:lstStyle/>
+          <a:p>
+            <a:pPr algn="ctr"/>
+            <a:r>
+              <a:rPr lang="de-DE" sz="3200" dirty="0">
+                <a:solidFill>
+                  <a:schemeClr val="tx1"/>
+                </a:solidFill>
+              </a:rPr>
+              <a:t>1</a:t>
+            </a:r>
+          </a:p>
+        </p:txBody>
+      </p:sp>
+      <p:sp>
+        <p:nvSpPr>
+          <p:cNvPr id="24" name="Rechteck: abgerundete Ecken 23">
+            <a:extLst>
+              <a:ext uri="{FF2B5EF4-FFF2-40B4-BE49-F238E27FC236}">
+                <a16:creationId xmlns:a16="http://schemas.microsoft.com/office/drawing/2014/main" id="{9CFA5687-7749-F3AF-6379-5992264E4DDE}"/>
+              </a:ext>
+            </a:extLst>
+          </p:cNvPr>
+          <p:cNvSpPr/>
+          <p:nvPr/>
+        </p:nvSpPr>
+        <p:spPr>
+          <a:xfrm>
+            <a:off x="411742" y="906872"/>
+            <a:ext cx="1034364" cy="633114"/>
+          </a:xfrm>
+          <a:prstGeom prst="roundRect">
+            <a:avLst/>
+          </a:prstGeom>
+          <a:noFill/>
+          <a:ln w="38100">
+            <a:solidFill>
+              <a:schemeClr val="tx1"/>
+            </a:solidFill>
+          </a:ln>
+        </p:spPr>
+        <p:style>
+          <a:lnRef idx="2">
+            <a:schemeClr val="accent1">
+              <a:shade val="50000"/>
+            </a:schemeClr>
+          </a:lnRef>
+          <a:fillRef idx="1">
+            <a:schemeClr val="accent1"/>
+          </a:fillRef>
+          <a:effectRef idx="0">
+            <a:schemeClr val="accent1"/>
+          </a:effectRef>
+          <a:fontRef idx="minor">
+            <a:schemeClr val="lt1"/>
+          </a:fontRef>
+        </p:style>
+        <p:txBody>
+          <a:bodyPr rtlCol="0" anchor="ctr"/>
+          <a:lstStyle/>
+          <a:p>
+            <a:pPr algn="ctr"/>
+            <a:r>
+              <a:rPr lang="de-DE" dirty="0">
+                <a:solidFill>
+                  <a:schemeClr val="tx1"/>
+                </a:solidFill>
+              </a:rPr>
+              <a:t>Größe in Bytes</a:t>
+            </a:r>
+            <a:endParaRPr lang="de-DE" dirty="0"/>
+          </a:p>
+        </p:txBody>
+      </p:sp>
+      <p:sp>
+        <p:nvSpPr>
+          <p:cNvPr id="27" name="Rechteck: abgerundete Ecken 26">
+            <a:extLst>
+              <a:ext uri="{FF2B5EF4-FFF2-40B4-BE49-F238E27FC236}">
+                <a16:creationId xmlns:a16="http://schemas.microsoft.com/office/drawing/2014/main" id="{99CA01E8-7BAB-2B01-2F2D-8E641058B9C4}"/>
+              </a:ext>
+            </a:extLst>
+          </p:cNvPr>
+          <p:cNvSpPr/>
+          <p:nvPr/>
+        </p:nvSpPr>
+        <p:spPr>
+          <a:xfrm>
+            <a:off x="2534042" y="906872"/>
+            <a:ext cx="1374987" cy="633114"/>
+          </a:xfrm>
+          <a:prstGeom prst="roundRect">
+            <a:avLst/>
+          </a:prstGeom>
+          <a:noFill/>
+          <a:ln w="38100">
+            <a:solidFill>
+              <a:schemeClr val="tx1"/>
+            </a:solidFill>
+          </a:ln>
+        </p:spPr>
+        <p:style>
+          <a:lnRef idx="2">
+            <a:schemeClr val="accent1">
+              <a:shade val="50000"/>
+            </a:schemeClr>
+          </a:lnRef>
+          <a:fillRef idx="1">
+            <a:schemeClr val="accent1"/>
+          </a:fillRef>
+          <a:effectRef idx="0">
+            <a:schemeClr val="accent1"/>
+          </a:effectRef>
+          <a:fontRef idx="minor">
+            <a:schemeClr val="lt1"/>
+          </a:fontRef>
+        </p:style>
+        <p:txBody>
+          <a:bodyPr rtlCol="0" anchor="ctr"/>
+          <a:lstStyle/>
+          <a:p>
+            <a:pPr algn="ctr"/>
+            <a:r>
+              <a:rPr lang="de-DE" dirty="0">
+                <a:solidFill>
+                  <a:schemeClr val="tx1"/>
+                </a:solidFill>
+              </a:rPr>
+              <a:t>Anweisung</a:t>
+            </a:r>
+            <a:endParaRPr lang="de-DE" dirty="0"/>
+          </a:p>
+        </p:txBody>
+      </p:sp>
+      <p:sp>
+        <p:nvSpPr>
+          <p:cNvPr id="34" name="Rechteck: abgerundete Ecken 33">
+            <a:extLst>
+              <a:ext uri="{FF2B5EF4-FFF2-40B4-BE49-F238E27FC236}">
+                <a16:creationId xmlns:a16="http://schemas.microsoft.com/office/drawing/2014/main" id="{972F04B0-44CB-C7BC-D2EE-77B99E944CB1}"/>
+              </a:ext>
+            </a:extLst>
+          </p:cNvPr>
+          <p:cNvSpPr/>
+          <p:nvPr/>
+        </p:nvSpPr>
+        <p:spPr>
+          <a:xfrm>
+            <a:off x="5744883" y="906872"/>
+            <a:ext cx="1374987" cy="633114"/>
+          </a:xfrm>
+          <a:prstGeom prst="roundRect">
+            <a:avLst/>
+          </a:prstGeom>
+          <a:noFill/>
+          <a:ln w="38100">
+            <a:solidFill>
+              <a:schemeClr val="tx1"/>
+            </a:solidFill>
+          </a:ln>
+        </p:spPr>
+        <p:style>
+          <a:lnRef idx="2">
+            <a:schemeClr val="accent1">
+              <a:shade val="50000"/>
+            </a:schemeClr>
+          </a:lnRef>
+          <a:fillRef idx="1">
+            <a:schemeClr val="accent1"/>
+          </a:fillRef>
+          <a:effectRef idx="0">
+            <a:schemeClr val="accent1"/>
+          </a:effectRef>
+          <a:fontRef idx="minor">
+            <a:schemeClr val="lt1"/>
+          </a:fontRef>
+        </p:style>
+        <p:txBody>
+          <a:bodyPr rtlCol="0" anchor="ctr"/>
+          <a:lstStyle/>
+          <a:p>
+            <a:pPr algn="ctr"/>
+            <a:r>
+              <a:rPr lang="de-DE" dirty="0">
+                <a:solidFill>
+                  <a:schemeClr val="tx1"/>
+                </a:solidFill>
+              </a:rPr>
+              <a:t>Funktions-aufruf</a:t>
+            </a:r>
+            <a:endParaRPr lang="de-DE" dirty="0"/>
+          </a:p>
+        </p:txBody>
+      </p:sp>
+      <p:sp>
+        <p:nvSpPr>
+          <p:cNvPr id="35" name="Rechteck: abgerundete Ecken 34">
+            <a:extLst>
+              <a:ext uri="{FF2B5EF4-FFF2-40B4-BE49-F238E27FC236}">
+                <a16:creationId xmlns:a16="http://schemas.microsoft.com/office/drawing/2014/main" id="{46B6CE22-3E02-3D72-9033-5E812CF1271B}"/>
+              </a:ext>
+            </a:extLst>
+          </p:cNvPr>
+          <p:cNvSpPr/>
+          <p:nvPr/>
+        </p:nvSpPr>
+        <p:spPr>
+          <a:xfrm>
+            <a:off x="5744884" y="1801705"/>
+            <a:ext cx="1374987" cy="633113"/>
+          </a:xfrm>
+          <a:prstGeom prst="roundRect">
+            <a:avLst/>
+          </a:prstGeom>
+          <a:noFill/>
+          <a:ln w="38100">
+            <a:solidFill>
+              <a:schemeClr val="tx1"/>
+            </a:solidFill>
+          </a:ln>
+        </p:spPr>
+        <p:style>
+          <a:lnRef idx="2">
+            <a:schemeClr val="accent1">
+              <a:shade val="50000"/>
+            </a:schemeClr>
+          </a:lnRef>
+          <a:fillRef idx="1">
+            <a:schemeClr val="accent1"/>
+          </a:fillRef>
+          <a:effectRef idx="0">
+            <a:schemeClr val="accent1"/>
+          </a:effectRef>
+          <a:fontRef idx="minor">
+            <a:schemeClr val="lt1"/>
+          </a:fontRef>
+        </p:style>
+        <p:txBody>
+          <a:bodyPr rtlCol="0" anchor="ctr"/>
+          <a:lstStyle/>
+          <a:p>
+            <a:pPr algn="ctr"/>
+            <a:r>
+              <a:rPr lang="de-DE" sz="3000" dirty="0">
+                <a:solidFill>
+                  <a:schemeClr val="tx1"/>
+                </a:solidFill>
+              </a:rPr>
+              <a:t>&lt; (60)</a:t>
+            </a:r>
+          </a:p>
+        </p:txBody>
+      </p:sp>
+      <p:sp>
+        <p:nvSpPr>
+          <p:cNvPr id="36" name="Rechteck: abgerundete Ecken 35">
+            <a:extLst>
+              <a:ext uri="{FF2B5EF4-FFF2-40B4-BE49-F238E27FC236}">
+                <a16:creationId xmlns:a16="http://schemas.microsoft.com/office/drawing/2014/main" id="{E9DF7C98-A498-AA96-9E23-723063895460}"/>
+              </a:ext>
+            </a:extLst>
+          </p:cNvPr>
+          <p:cNvSpPr/>
+          <p:nvPr/>
+        </p:nvSpPr>
+        <p:spPr>
+          <a:xfrm>
+            <a:off x="5744884" y="2545837"/>
+            <a:ext cx="1374987" cy="633113"/>
+          </a:xfrm>
+          <a:prstGeom prst="roundRect">
+            <a:avLst/>
+          </a:prstGeom>
+          <a:noFill/>
+          <a:ln w="38100">
+            <a:solidFill>
+              <a:schemeClr val="tx1"/>
+            </a:solidFill>
+          </a:ln>
+        </p:spPr>
+        <p:style>
+          <a:lnRef idx="2">
+            <a:schemeClr val="accent1">
+              <a:shade val="50000"/>
+            </a:schemeClr>
+          </a:lnRef>
+          <a:fillRef idx="1">
+            <a:schemeClr val="accent1"/>
+          </a:fillRef>
+          <a:effectRef idx="0">
+            <a:schemeClr val="accent1"/>
+          </a:effectRef>
+          <a:fontRef idx="minor">
+            <a:schemeClr val="lt1"/>
+          </a:fontRef>
+        </p:style>
+        <p:txBody>
+          <a:bodyPr rtlCol="0" anchor="ctr"/>
+          <a:lstStyle/>
+          <a:p>
+            <a:pPr algn="ctr"/>
+            <a:r>
+              <a:rPr lang="de-DE" sz="3000" dirty="0">
+                <a:solidFill>
+                  <a:schemeClr val="tx1"/>
+                </a:solidFill>
+              </a:rPr>
+              <a:t>☺ (1)</a:t>
+            </a:r>
+          </a:p>
+        </p:txBody>
+      </p:sp>
+      <p:sp>
+        <p:nvSpPr>
+          <p:cNvPr id="37" name="Rechteck: abgerundete Ecken 36">
+            <a:extLst>
+              <a:ext uri="{FF2B5EF4-FFF2-40B4-BE49-F238E27FC236}">
+                <a16:creationId xmlns:a16="http://schemas.microsoft.com/office/drawing/2014/main" id="{016C40B4-F327-EEE1-3145-2885F452F514}"/>
+              </a:ext>
+            </a:extLst>
+          </p:cNvPr>
+          <p:cNvSpPr/>
+          <p:nvPr/>
+        </p:nvSpPr>
+        <p:spPr>
+          <a:xfrm>
+            <a:off x="5744883" y="3289968"/>
+            <a:ext cx="1374987" cy="633113"/>
+          </a:xfrm>
+          <a:prstGeom prst="roundRect">
+            <a:avLst/>
+          </a:prstGeom>
+          <a:noFill/>
+          <a:ln w="38100">
+            <a:solidFill>
+              <a:schemeClr val="tx1"/>
+            </a:solidFill>
+          </a:ln>
+        </p:spPr>
+        <p:style>
+          <a:lnRef idx="2">
+            <a:schemeClr val="accent1">
+              <a:shade val="50000"/>
+            </a:schemeClr>
+          </a:lnRef>
+          <a:fillRef idx="1">
+            <a:schemeClr val="accent1"/>
+          </a:fillRef>
+          <a:effectRef idx="0">
+            <a:schemeClr val="accent1"/>
+          </a:effectRef>
+          <a:fontRef idx="minor">
+            <a:schemeClr val="lt1"/>
+          </a:fontRef>
+        </p:style>
+        <p:txBody>
+          <a:bodyPr rtlCol="0" anchor="ctr"/>
+          <a:lstStyle/>
+          <a:p>
+            <a:pPr algn="ctr"/>
+            <a:r>
+              <a:rPr lang="de-DE" sz="3000" dirty="0">
+                <a:solidFill>
+                  <a:schemeClr val="tx1"/>
+                </a:solidFill>
+              </a:rPr>
+              <a:t> (9)</a:t>
+            </a:r>
+          </a:p>
+        </p:txBody>
+      </p:sp>
+      <p:sp>
+        <p:nvSpPr>
+          <p:cNvPr id="38" name="Rechteck: abgerundete Ecken 37">
+            <a:extLst>
+              <a:ext uri="{FF2B5EF4-FFF2-40B4-BE49-F238E27FC236}">
+                <a16:creationId xmlns:a16="http://schemas.microsoft.com/office/drawing/2014/main" id="{03CACE08-56A2-6E92-17FF-67D33B58433F}"/>
+              </a:ext>
+            </a:extLst>
+          </p:cNvPr>
+          <p:cNvSpPr/>
+          <p:nvPr/>
+        </p:nvSpPr>
+        <p:spPr>
+          <a:xfrm>
+            <a:off x="5744883" y="4028451"/>
+            <a:ext cx="1374987" cy="633113"/>
+          </a:xfrm>
+          <a:prstGeom prst="roundRect">
+            <a:avLst>
+              <a:gd name="adj" fmla="val 13457"/>
+            </a:avLst>
+          </a:prstGeom>
+          <a:noFill/>
+          <a:ln w="38100">
+            <a:solidFill>
+              <a:schemeClr val="tx1"/>
+            </a:solidFill>
+          </a:ln>
+        </p:spPr>
+        <p:style>
+          <a:lnRef idx="2">
+            <a:schemeClr val="accent1">
+              <a:shade val="50000"/>
+            </a:schemeClr>
+          </a:lnRef>
+          <a:fillRef idx="1">
+            <a:schemeClr val="accent1"/>
+          </a:fillRef>
+          <a:effectRef idx="0">
+            <a:schemeClr val="accent1"/>
+          </a:effectRef>
+          <a:fontRef idx="minor">
+            <a:schemeClr val="lt1"/>
+          </a:fontRef>
+        </p:style>
+        <p:txBody>
+          <a:bodyPr rtlCol="0" anchor="ctr"/>
+          <a:lstStyle/>
+          <a:p>
+            <a:pPr algn="ctr"/>
+            <a:r>
+              <a:rPr lang="de-DE" sz="3000" dirty="0">
+                <a:solidFill>
+                  <a:schemeClr val="tx1"/>
+                </a:solidFill>
+              </a:rPr>
+              <a:t>m(109)</a:t>
+            </a:r>
+          </a:p>
+        </p:txBody>
+      </p:sp>
+      <p:sp>
+        <p:nvSpPr>
+          <p:cNvPr id="2" name="Rechteck: abgerundete Ecken 1">
+            <a:extLst>
+              <a:ext uri="{FF2B5EF4-FFF2-40B4-BE49-F238E27FC236}">
+                <a16:creationId xmlns:a16="http://schemas.microsoft.com/office/drawing/2014/main" id="{3C73CDCF-0C6B-8BBC-A0A6-9BE50E5526A4}"/>
+              </a:ext>
+            </a:extLst>
+          </p:cNvPr>
+          <p:cNvSpPr/>
+          <p:nvPr/>
+        </p:nvSpPr>
+        <p:spPr>
+          <a:xfrm>
+            <a:off x="5744883" y="4770903"/>
+            <a:ext cx="6304877" cy="633113"/>
+          </a:xfrm>
+          <a:prstGeom prst="roundRect">
+            <a:avLst>
+              <a:gd name="adj" fmla="val 13457"/>
+            </a:avLst>
+          </a:prstGeom>
+          <a:noFill/>
+          <a:ln w="38100">
+            <a:solidFill>
+              <a:schemeClr val="tx1"/>
+            </a:solidFill>
+          </a:ln>
+        </p:spPr>
+        <p:style>
+          <a:lnRef idx="2">
+            <a:schemeClr val="accent1">
+              <a:shade val="50000"/>
+            </a:schemeClr>
+          </a:lnRef>
+          <a:fillRef idx="1">
+            <a:schemeClr val="accent1"/>
+          </a:fillRef>
+          <a:effectRef idx="0">
+            <a:schemeClr val="accent1"/>
+          </a:effectRef>
+          <a:fontRef idx="minor">
+            <a:schemeClr val="lt1"/>
+          </a:fontRef>
+        </p:style>
+        <p:txBody>
+          <a:bodyPr rtlCol="0" anchor="ctr"/>
+          <a:lstStyle/>
+          <a:p>
+            <a:pPr algn="ctr"/>
+            <a:r>
+              <a:rPr lang="de-DE" sz="3000" dirty="0">
+                <a:solidFill>
+                  <a:schemeClr val="tx1"/>
+                </a:solidFill>
+              </a:rPr>
+              <a:t>(0) | (20) (174) (41) (66) | (0) (1) (0) (0)</a:t>
+            </a:r>
+          </a:p>
+        </p:txBody>
+      </p:sp>
+      <p:sp>
+        <p:nvSpPr>
+          <p:cNvPr id="3" name="Rechteck: abgerundete Ecken 2">
+            <a:extLst>
+              <a:ext uri="{FF2B5EF4-FFF2-40B4-BE49-F238E27FC236}">
+                <a16:creationId xmlns:a16="http://schemas.microsoft.com/office/drawing/2014/main" id="{4B959154-A804-1283-A863-B575C6D47F76}"/>
+              </a:ext>
+            </a:extLst>
+          </p:cNvPr>
+          <p:cNvSpPr/>
+          <p:nvPr/>
+        </p:nvSpPr>
+        <p:spPr>
+          <a:xfrm>
+            <a:off x="5744882" y="5518698"/>
+            <a:ext cx="1374987" cy="633113"/>
+          </a:xfrm>
+          <a:prstGeom prst="roundRect">
+            <a:avLst/>
+          </a:prstGeom>
+          <a:noFill/>
+          <a:ln w="38100">
+            <a:solidFill>
+              <a:schemeClr val="tx1"/>
+            </a:solidFill>
+          </a:ln>
+        </p:spPr>
+        <p:style>
+          <a:lnRef idx="2">
+            <a:schemeClr val="accent1">
+              <a:shade val="50000"/>
+            </a:schemeClr>
+          </a:lnRef>
+          <a:fillRef idx="1">
+            <a:schemeClr val="accent1"/>
+          </a:fillRef>
+          <a:effectRef idx="0">
+            <a:schemeClr val="accent1"/>
+          </a:effectRef>
+          <a:fontRef idx="minor">
+            <a:schemeClr val="lt1"/>
+          </a:fontRef>
+        </p:style>
+        <p:txBody>
+          <a:bodyPr rtlCol="0" anchor="ctr"/>
+          <a:lstStyle/>
+          <a:p>
+            <a:pPr algn="ctr"/>
+            <a:r>
+              <a:rPr lang="de-DE" sz="3000" dirty="0">
+                <a:solidFill>
+                  <a:schemeClr val="tx1"/>
+                </a:solidFill>
+              </a:rPr>
+              <a:t>&gt; (62)</a:t>
+            </a:r>
+          </a:p>
+        </p:txBody>
+      </p:sp>
+      <p:pic>
+        <p:nvPicPr>
+          <p:cNvPr id="18" name="Grafik 17">
+            <a:extLst>
+              <a:ext uri="{FF2B5EF4-FFF2-40B4-BE49-F238E27FC236}">
+                <a16:creationId xmlns:a16="http://schemas.microsoft.com/office/drawing/2014/main" id="{89508751-645B-FF46-8486-1F6C5E83FFCE}"/>
+              </a:ext>
+            </a:extLst>
+          </p:cNvPr>
+          <p:cNvPicPr>
+            <a:picLocks noChangeAspect="1"/>
+          </p:cNvPicPr>
+          <p:nvPr/>
+        </p:nvPicPr>
+        <p:blipFill rotWithShape="1">
+          <a:blip r:embed="rId2"/>
+          <a:srcRect r="6975"/>
+          <a:stretch/>
+        </p:blipFill>
+        <p:spPr>
+          <a:xfrm>
+            <a:off x="7451706" y="849297"/>
+            <a:ext cx="4412504" cy="3587183"/>
+          </a:xfrm>
+          <a:prstGeom prst="rect">
+            <a:avLst/>
+          </a:prstGeom>
+        </p:spPr>
+      </p:pic>
+    </p:spTree>
+    <p:extLst>
+      <p:ext uri="{BB962C8B-B14F-4D97-AF65-F5344CB8AC3E}">
+        <p14:creationId xmlns:p14="http://schemas.microsoft.com/office/powerpoint/2010/main" val="2339392420"/>
       </p:ext>
     </p:extLst>
   </p:cSld>

--- a/Präsentation/Pyduino_Präsentation.pptx
+++ b/Präsentation/Pyduino_Präsentation.pptx
@@ -7,19 +7,21 @@
   <p:sldIdLst>
     <p:sldId id="256" r:id="rId2"/>
     <p:sldId id="270" r:id="rId3"/>
-    <p:sldId id="257" r:id="rId4"/>
-    <p:sldId id="258" r:id="rId5"/>
-    <p:sldId id="259" r:id="rId6"/>
-    <p:sldId id="264" r:id="rId7"/>
-    <p:sldId id="260" r:id="rId8"/>
-    <p:sldId id="263" r:id="rId9"/>
-    <p:sldId id="261" r:id="rId10"/>
-    <p:sldId id="262" r:id="rId11"/>
-    <p:sldId id="265" r:id="rId12"/>
-    <p:sldId id="266" r:id="rId13"/>
-    <p:sldId id="267" r:id="rId14"/>
-    <p:sldId id="268" r:id="rId15"/>
-    <p:sldId id="269" r:id="rId16"/>
+    <p:sldId id="271" r:id="rId4"/>
+    <p:sldId id="272" r:id="rId5"/>
+    <p:sldId id="257" r:id="rId6"/>
+    <p:sldId id="258" r:id="rId7"/>
+    <p:sldId id="259" r:id="rId8"/>
+    <p:sldId id="264" r:id="rId9"/>
+    <p:sldId id="260" r:id="rId10"/>
+    <p:sldId id="263" r:id="rId11"/>
+    <p:sldId id="261" r:id="rId12"/>
+    <p:sldId id="262" r:id="rId13"/>
+    <p:sldId id="265" r:id="rId14"/>
+    <p:sldId id="266" r:id="rId15"/>
+    <p:sldId id="267" r:id="rId16"/>
+    <p:sldId id="268" r:id="rId17"/>
+    <p:sldId id="269" r:id="rId18"/>
   </p:sldIdLst>
   <p:sldSz cx="12192000" cy="6858000"/>
   <p:notesSz cx="6858000" cy="9144000"/>
@@ -3477,7 +3479,7 @@
                   <a:schemeClr val="tx1"/>
                 </a:solidFill>
               </a:rPr>
-              <a:t>ResponseStartCharacter</a:t>
+              <a:t>StartCharacter</a:t>
             </a:r>
             <a:r>
               <a:rPr lang="de-DE" dirty="0" err="1"/>
@@ -3560,7 +3562,7 @@
         </p:nvSpPr>
         <p:spPr>
           <a:xfrm>
-            <a:off x="1618825" y="2691001"/>
+            <a:off x="1618827" y="2545836"/>
             <a:ext cx="3205421" cy="633114"/>
           </a:xfrm>
           <a:prstGeom prst="roundRect">
@@ -3620,7 +3622,7 @@
         </p:nvSpPr>
         <p:spPr>
           <a:xfrm>
-            <a:off x="489634" y="2691002"/>
+            <a:off x="489636" y="2545837"/>
             <a:ext cx="878577" cy="633113"/>
           </a:xfrm>
           <a:prstGeom prst="roundRect">
@@ -3679,7 +3681,7 @@
         </p:nvSpPr>
         <p:spPr>
           <a:xfrm>
-            <a:off x="1618825" y="3580297"/>
+            <a:off x="1618827" y="3289967"/>
             <a:ext cx="3205421" cy="633114"/>
           </a:xfrm>
           <a:prstGeom prst="roundRect">
@@ -3719,7 +3721,7 @@
                   <a:schemeClr val="tx1"/>
                 </a:solidFill>
               </a:rPr>
-              <a:t>Response Size (in </a:t>
+              <a:t>Value Size (in </a:t>
             </a:r>
             <a:r>
               <a:rPr lang="de-DE" dirty="0" err="1">
@@ -3755,7 +3757,7 @@
         </p:nvSpPr>
         <p:spPr>
           <a:xfrm>
-            <a:off x="489634" y="3580298"/>
+            <a:off x="489636" y="3289968"/>
             <a:ext cx="878577" cy="633113"/>
           </a:xfrm>
           <a:prstGeom prst="roundRect">
@@ -3802,10 +3804,10 @@
       </p:sp>
       <p:sp>
         <p:nvSpPr>
-          <p:cNvPr id="12" name="Rechteck: abgerundete Ecken 11">
-            <a:extLst>
-              <a:ext uri="{FF2B5EF4-FFF2-40B4-BE49-F238E27FC236}">
-                <a16:creationId xmlns:a16="http://schemas.microsoft.com/office/drawing/2014/main" id="{E2FA0AE1-6AAE-33B8-9F96-D2C57D7FBCCE}"/>
+          <p:cNvPr id="10" name="Rechteck: abgerundete Ecken 9">
+            <a:extLst>
+              <a:ext uri="{FF2B5EF4-FFF2-40B4-BE49-F238E27FC236}">
+                <a16:creationId xmlns:a16="http://schemas.microsoft.com/office/drawing/2014/main" id="{DFF47EDD-8476-8D71-B47C-8CF352F692E0}"/>
               </a:ext>
             </a:extLst>
           </p:cNvPr>
@@ -3814,7 +3816,7 @@
         </p:nvSpPr>
         <p:spPr>
           <a:xfrm>
-            <a:off x="1618825" y="4469593"/>
+            <a:off x="1618826" y="4030435"/>
             <a:ext cx="3205421" cy="633114"/>
           </a:xfrm>
           <a:prstGeom prst="roundRect">
@@ -3854,7 +3856,11 @@
                   <a:schemeClr val="tx1"/>
                 </a:solidFill>
               </a:rPr>
-              <a:t>Respose</a:t>
+              <a:t>Instruction</a:t>
+            </a:r>
+            <a:r>
+              <a:rPr lang="de-DE" dirty="0" err="1"/>
+              <a:t>S</a:t>
             </a:r>
             <a:endParaRPr lang="de-DE" dirty="0"/>
           </a:p>
@@ -3862,10 +3868,10 @@
       </p:sp>
       <p:sp>
         <p:nvSpPr>
-          <p:cNvPr id="13" name="Rechteck: abgerundete Ecken 12">
-            <a:extLst>
-              <a:ext uri="{FF2B5EF4-FFF2-40B4-BE49-F238E27FC236}">
-                <a16:creationId xmlns:a16="http://schemas.microsoft.com/office/drawing/2014/main" id="{337C0DAB-D27F-F86C-2F7B-B0ABE610F25A}"/>
+          <p:cNvPr id="11" name="Rechteck: abgerundete Ecken 10">
+            <a:extLst>
+              <a:ext uri="{FF2B5EF4-FFF2-40B4-BE49-F238E27FC236}">
+                <a16:creationId xmlns:a16="http://schemas.microsoft.com/office/drawing/2014/main" id="{C16C6221-A5A4-9A9E-DD84-DAAB96791346}"/>
               </a:ext>
             </a:extLst>
           </p:cNvPr>
@@ -3874,13 +3880,11 @@
         </p:nvSpPr>
         <p:spPr>
           <a:xfrm>
-            <a:off x="489636" y="4469594"/>
-            <a:ext cx="878578" cy="633113"/>
+            <a:off x="489636" y="4028451"/>
+            <a:ext cx="878577" cy="633113"/>
           </a:xfrm>
           <a:prstGeom prst="roundRect">
-            <a:avLst>
-              <a:gd name="adj" fmla="val 17737"/>
-            </a:avLst>
+            <a:avLst/>
           </a:prstGeom>
           <a:noFill/>
           <a:ln w="38100">
@@ -3911,22 +3915,22 @@
           <a:p>
             <a:pPr algn="ctr"/>
             <a:r>
-              <a:rPr lang="de-DE" sz="2200" dirty="0">
+              <a:rPr lang="de-DE" sz="3200" dirty="0">
                 <a:solidFill>
                   <a:schemeClr val="tx1"/>
                 </a:solidFill>
               </a:rPr>
-              <a:t>Value Size</a:t>
-            </a:r>
-          </a:p>
-        </p:txBody>
-      </p:sp>
-      <p:sp>
-        <p:nvSpPr>
-          <p:cNvPr id="14" name="Rechteck: abgerundete Ecken 13">
-            <a:extLst>
-              <a:ext uri="{FF2B5EF4-FFF2-40B4-BE49-F238E27FC236}">
-                <a16:creationId xmlns:a16="http://schemas.microsoft.com/office/drawing/2014/main" id="{B708E0CD-20C1-0CF0-C545-6F84643679B8}"/>
+              <a:t>1</a:t>
+            </a:r>
+          </a:p>
+        </p:txBody>
+      </p:sp>
+      <p:sp>
+        <p:nvSpPr>
+          <p:cNvPr id="12" name="Rechteck: abgerundete Ecken 11">
+            <a:extLst>
+              <a:ext uri="{FF2B5EF4-FFF2-40B4-BE49-F238E27FC236}">
+                <a16:creationId xmlns:a16="http://schemas.microsoft.com/office/drawing/2014/main" id="{E2FA0AE1-6AAE-33B8-9F96-D2C57D7FBCCE}"/>
               </a:ext>
             </a:extLst>
           </p:cNvPr>
@@ -3935,8 +3939,8 @@
         </p:nvSpPr>
         <p:spPr>
           <a:xfrm>
-            <a:off x="1618825" y="5358889"/>
-            <a:ext cx="3205422" cy="633114"/>
+            <a:off x="1618824" y="4770903"/>
+            <a:ext cx="3205421" cy="633114"/>
           </a:xfrm>
           <a:prstGeom prst="roundRect">
             <a:avLst/>
@@ -3970,16 +3974,12 @@
           <a:p>
             <a:pPr algn="ctr"/>
             <a:r>
-              <a:rPr lang="de-DE" dirty="0" err="1">
+              <a:rPr lang="de-DE" dirty="0">
                 <a:solidFill>
                   <a:schemeClr val="tx1"/>
                 </a:solidFill>
               </a:rPr>
-              <a:t>ResponseEndCharacter</a:t>
-            </a:r>
-            <a:r>
-              <a:rPr lang="de-DE" dirty="0" err="1"/>
-              <a:t>S</a:t>
+              <a:t>Value</a:t>
             </a:r>
             <a:endParaRPr lang="de-DE" dirty="0"/>
           </a:p>
@@ -3987,10 +3987,10 @@
       </p:sp>
       <p:sp>
         <p:nvSpPr>
-          <p:cNvPr id="15" name="Rechteck: abgerundete Ecken 14">
-            <a:extLst>
-              <a:ext uri="{FF2B5EF4-FFF2-40B4-BE49-F238E27FC236}">
-                <a16:creationId xmlns:a16="http://schemas.microsoft.com/office/drawing/2014/main" id="{B3CF6E63-C75C-6F5B-B401-BDA0A00EB6D0}"/>
+          <p:cNvPr id="13" name="Rechteck: abgerundete Ecken 12">
+            <a:extLst>
+              <a:ext uri="{FF2B5EF4-FFF2-40B4-BE49-F238E27FC236}">
+                <a16:creationId xmlns:a16="http://schemas.microsoft.com/office/drawing/2014/main" id="{337C0DAB-D27F-F86C-2F7B-B0ABE610F25A}"/>
               </a:ext>
             </a:extLst>
           </p:cNvPr>
@@ -3999,11 +3999,13 @@
         </p:nvSpPr>
         <p:spPr>
           <a:xfrm>
-            <a:off x="489636" y="5358889"/>
-            <a:ext cx="878577" cy="633113"/>
+            <a:off x="489635" y="4770904"/>
+            <a:ext cx="878578" cy="633113"/>
           </a:xfrm>
           <a:prstGeom prst="roundRect">
-            <a:avLst/>
+            <a:avLst>
+              <a:gd name="adj" fmla="val 17737"/>
+            </a:avLst>
           </a:prstGeom>
           <a:noFill/>
           <a:ln w="38100">
@@ -4034,22 +4036,22 @@
           <a:p>
             <a:pPr algn="ctr"/>
             <a:r>
-              <a:rPr lang="de-DE" sz="3200" dirty="0">
+              <a:rPr lang="de-DE" sz="2200" dirty="0">
                 <a:solidFill>
                   <a:schemeClr val="tx1"/>
                 </a:solidFill>
               </a:rPr>
-              <a:t>1</a:t>
-            </a:r>
-          </a:p>
-        </p:txBody>
-      </p:sp>
-      <p:sp>
-        <p:nvSpPr>
-          <p:cNvPr id="24" name="Rechteck: abgerundete Ecken 23">
-            <a:extLst>
-              <a:ext uri="{FF2B5EF4-FFF2-40B4-BE49-F238E27FC236}">
-                <a16:creationId xmlns:a16="http://schemas.microsoft.com/office/drawing/2014/main" id="{9CFA5687-7749-F3AF-6379-5992264E4DDE}"/>
+              <a:t>Value Size</a:t>
+            </a:r>
+          </a:p>
+        </p:txBody>
+      </p:sp>
+      <p:sp>
+        <p:nvSpPr>
+          <p:cNvPr id="14" name="Rechteck: abgerundete Ecken 13">
+            <a:extLst>
+              <a:ext uri="{FF2B5EF4-FFF2-40B4-BE49-F238E27FC236}">
+                <a16:creationId xmlns:a16="http://schemas.microsoft.com/office/drawing/2014/main" id="{B708E0CD-20C1-0CF0-C545-6F84643679B8}"/>
               </a:ext>
             </a:extLst>
           </p:cNvPr>
@@ -4058,8 +4060,8 @@
         </p:nvSpPr>
         <p:spPr>
           <a:xfrm>
-            <a:off x="411742" y="906872"/>
-            <a:ext cx="1034364" cy="633114"/>
+            <a:off x="1618823" y="5518697"/>
+            <a:ext cx="3205422" cy="633114"/>
           </a:xfrm>
           <a:prstGeom prst="roundRect">
             <a:avLst/>
@@ -4093,12 +4095,16 @@
           <a:p>
             <a:pPr algn="ctr"/>
             <a:r>
-              <a:rPr lang="de-DE" dirty="0">
+              <a:rPr lang="de-DE" dirty="0" err="1">
                 <a:solidFill>
                   <a:schemeClr val="tx1"/>
                 </a:solidFill>
               </a:rPr>
-              <a:t>Größe in Bytes</a:t>
+              <a:t>EndCharacter</a:t>
+            </a:r>
+            <a:r>
+              <a:rPr lang="de-DE" dirty="0" err="1"/>
+              <a:t>S</a:t>
             </a:r>
             <a:endParaRPr lang="de-DE" dirty="0"/>
           </a:p>
@@ -4106,10 +4112,10 @@
       </p:sp>
       <p:sp>
         <p:nvSpPr>
-          <p:cNvPr id="27" name="Rechteck: abgerundete Ecken 26">
-            <a:extLst>
-              <a:ext uri="{FF2B5EF4-FFF2-40B4-BE49-F238E27FC236}">
-                <a16:creationId xmlns:a16="http://schemas.microsoft.com/office/drawing/2014/main" id="{99CA01E8-7BAB-2B01-2F2D-8E641058B9C4}"/>
+          <p:cNvPr id="15" name="Rechteck: abgerundete Ecken 14">
+            <a:extLst>
+              <a:ext uri="{FF2B5EF4-FFF2-40B4-BE49-F238E27FC236}">
+                <a16:creationId xmlns:a16="http://schemas.microsoft.com/office/drawing/2014/main" id="{B3CF6E63-C75C-6F5B-B401-BDA0A00EB6D0}"/>
               </a:ext>
             </a:extLst>
           </p:cNvPr>
@@ -4118,8 +4124,8 @@
         </p:nvSpPr>
         <p:spPr>
           <a:xfrm>
-            <a:off x="2534042" y="906872"/>
-            <a:ext cx="1374987" cy="633114"/>
+            <a:off x="489635" y="5518698"/>
+            <a:ext cx="878577" cy="633113"/>
           </a:xfrm>
           <a:prstGeom prst="roundRect">
             <a:avLst/>
@@ -4153,23 +4159,22 @@
           <a:p>
             <a:pPr algn="ctr"/>
             <a:r>
-              <a:rPr lang="de-DE" dirty="0">
+              <a:rPr lang="de-DE" sz="3200" dirty="0">
                 <a:solidFill>
                   <a:schemeClr val="tx1"/>
                 </a:solidFill>
               </a:rPr>
-              <a:t>Antwort</a:t>
-            </a:r>
-            <a:endParaRPr lang="de-DE" dirty="0"/>
-          </a:p>
-        </p:txBody>
-      </p:sp>
-      <p:sp>
-        <p:nvSpPr>
-          <p:cNvPr id="34" name="Rechteck: abgerundete Ecken 33">
-            <a:extLst>
-              <a:ext uri="{FF2B5EF4-FFF2-40B4-BE49-F238E27FC236}">
-                <a16:creationId xmlns:a16="http://schemas.microsoft.com/office/drawing/2014/main" id="{972F04B0-44CB-C7BC-D2EE-77B99E944CB1}"/>
+              <a:t>1</a:t>
+            </a:r>
+          </a:p>
+        </p:txBody>
+      </p:sp>
+      <p:sp>
+        <p:nvSpPr>
+          <p:cNvPr id="16" name="Rechteck: abgerundete Ecken 15">
+            <a:extLst>
+              <a:ext uri="{FF2B5EF4-FFF2-40B4-BE49-F238E27FC236}">
+                <a16:creationId xmlns:a16="http://schemas.microsoft.com/office/drawing/2014/main" id="{623CEF63-9DFB-E4B7-7B4E-8EFE1A35BEAF}"/>
               </a:ext>
             </a:extLst>
           </p:cNvPr>
@@ -4178,8 +4183,8 @@
         </p:nvSpPr>
         <p:spPr>
           <a:xfrm>
-            <a:off x="5508432" y="906872"/>
-            <a:ext cx="1847881" cy="633114"/>
+            <a:off x="5744885" y="1801705"/>
+            <a:ext cx="1374987" cy="633113"/>
           </a:xfrm>
           <a:prstGeom prst="roundRect">
             <a:avLst/>
@@ -4213,31 +4218,22 @@
           <a:p>
             <a:pPr algn="ctr"/>
             <a:r>
-              <a:rPr lang="de-DE" dirty="0" err="1">
+              <a:rPr lang="de-DE" sz="3200" dirty="0">
                 <a:solidFill>
                   <a:schemeClr val="tx1"/>
                 </a:solidFill>
               </a:rPr>
-              <a:t>Anwort</a:t>
-            </a:r>
-            <a:r>
-              <a:rPr lang="de-DE" dirty="0">
-                <a:solidFill>
-                  <a:schemeClr val="tx1"/>
-                </a:solidFill>
-              </a:rPr>
-              <a:t> auf den Funktionsaufruf</a:t>
-            </a:r>
-            <a:endParaRPr lang="de-DE" dirty="0"/>
-          </a:p>
-        </p:txBody>
-      </p:sp>
-      <p:sp>
-        <p:nvSpPr>
-          <p:cNvPr id="35" name="Rechteck: abgerundete Ecken 34">
-            <a:extLst>
-              <a:ext uri="{FF2B5EF4-FFF2-40B4-BE49-F238E27FC236}">
-                <a16:creationId xmlns:a16="http://schemas.microsoft.com/office/drawing/2014/main" id="{46B6CE22-3E02-3D72-9033-5E812CF1271B}"/>
+              <a:t>&lt; (60)</a:t>
+            </a:r>
+          </a:p>
+        </p:txBody>
+      </p:sp>
+      <p:sp>
+        <p:nvSpPr>
+          <p:cNvPr id="24" name="Rechteck: abgerundete Ecken 23">
+            <a:extLst>
+              <a:ext uri="{FF2B5EF4-FFF2-40B4-BE49-F238E27FC236}">
+                <a16:creationId xmlns:a16="http://schemas.microsoft.com/office/drawing/2014/main" id="{9CFA5687-7749-F3AF-6379-5992264E4DDE}"/>
               </a:ext>
             </a:extLst>
           </p:cNvPr>
@@ -4246,8 +4242,8 @@
         </p:nvSpPr>
         <p:spPr>
           <a:xfrm>
-            <a:off x="5744881" y="1801705"/>
-            <a:ext cx="1374987" cy="633113"/>
+            <a:off x="411742" y="906872"/>
+            <a:ext cx="1034364" cy="633114"/>
           </a:xfrm>
           <a:prstGeom prst="roundRect">
             <a:avLst/>
@@ -4281,22 +4277,23 @@
           <a:p>
             <a:pPr algn="ctr"/>
             <a:r>
-              <a:rPr lang="de-DE" sz="3000" dirty="0">
+              <a:rPr lang="de-DE" dirty="0">
                 <a:solidFill>
                   <a:schemeClr val="tx1"/>
                 </a:solidFill>
               </a:rPr>
-              <a:t>? (63)</a:t>
-            </a:r>
-          </a:p>
-        </p:txBody>
-      </p:sp>
-      <p:sp>
-        <p:nvSpPr>
-          <p:cNvPr id="36" name="Rechteck: abgerundete Ecken 35">
-            <a:extLst>
-              <a:ext uri="{FF2B5EF4-FFF2-40B4-BE49-F238E27FC236}">
-                <a16:creationId xmlns:a16="http://schemas.microsoft.com/office/drawing/2014/main" id="{E9DF7C98-A498-AA96-9E23-723063895460}"/>
+              <a:t>Größe in Bytes</a:t>
+            </a:r>
+            <a:endParaRPr lang="de-DE" dirty="0"/>
+          </a:p>
+        </p:txBody>
+      </p:sp>
+      <p:sp>
+        <p:nvSpPr>
+          <p:cNvPr id="27" name="Rechteck: abgerundete Ecken 26">
+            <a:extLst>
+              <a:ext uri="{FF2B5EF4-FFF2-40B4-BE49-F238E27FC236}">
+                <a16:creationId xmlns:a16="http://schemas.microsoft.com/office/drawing/2014/main" id="{99CA01E8-7BAB-2B01-2F2D-8E641058B9C4}"/>
               </a:ext>
             </a:extLst>
           </p:cNvPr>
@@ -4305,8 +4302,8 @@
         </p:nvSpPr>
         <p:spPr>
           <a:xfrm>
-            <a:off x="5744880" y="2693174"/>
-            <a:ext cx="1374987" cy="633113"/>
+            <a:off x="2534042" y="906872"/>
+            <a:ext cx="1374987" cy="633114"/>
           </a:xfrm>
           <a:prstGeom prst="roundRect">
             <a:avLst/>
@@ -4340,22 +4337,23 @@
           <a:p>
             <a:pPr algn="ctr"/>
             <a:r>
-              <a:rPr lang="de-DE" sz="3000" dirty="0">
+              <a:rPr lang="de-DE" dirty="0">
                 <a:solidFill>
                   <a:schemeClr val="tx1"/>
                 </a:solidFill>
               </a:rPr>
-              <a:t>☺ (1)</a:t>
-            </a:r>
-          </a:p>
-        </p:txBody>
-      </p:sp>
-      <p:sp>
-        <p:nvSpPr>
-          <p:cNvPr id="37" name="Rechteck: abgerundete Ecken 36">
-            <a:extLst>
-              <a:ext uri="{FF2B5EF4-FFF2-40B4-BE49-F238E27FC236}">
-                <a16:creationId xmlns:a16="http://schemas.microsoft.com/office/drawing/2014/main" id="{016C40B4-F327-EEE1-3145-2885F452F514}"/>
+              <a:t>Anweisung</a:t>
+            </a:r>
+            <a:endParaRPr lang="de-DE" dirty="0"/>
+          </a:p>
+        </p:txBody>
+      </p:sp>
+      <p:sp>
+        <p:nvSpPr>
+          <p:cNvPr id="28" name="Rechteck: abgerundete Ecken 27">
+            <a:extLst>
+              <a:ext uri="{FF2B5EF4-FFF2-40B4-BE49-F238E27FC236}">
+                <a16:creationId xmlns:a16="http://schemas.microsoft.com/office/drawing/2014/main" id="{D6BB014E-E7C5-183B-9E46-736094659F99}"/>
               </a:ext>
             </a:extLst>
           </p:cNvPr>
@@ -4364,8 +4362,8 @@
         </p:nvSpPr>
         <p:spPr>
           <a:xfrm>
-            <a:off x="5744880" y="3588006"/>
-            <a:ext cx="1374987" cy="633113"/>
+            <a:off x="5744884" y="906872"/>
+            <a:ext cx="1374987" cy="633114"/>
           </a:xfrm>
           <a:prstGeom prst="roundRect">
             <a:avLst/>
@@ -4399,22 +4397,23 @@
           <a:p>
             <a:pPr algn="ctr"/>
             <a:r>
-              <a:rPr lang="de-DE" sz="3000" dirty="0">
+              <a:rPr lang="de-DE" dirty="0">
                 <a:solidFill>
                   <a:schemeClr val="tx1"/>
                 </a:solidFill>
               </a:rPr>
-              <a:t>♦ (4)</a:t>
-            </a:r>
-          </a:p>
-        </p:txBody>
-      </p:sp>
-      <p:sp>
-        <p:nvSpPr>
-          <p:cNvPr id="2" name="Rechteck: abgerundete Ecken 1">
-            <a:extLst>
-              <a:ext uri="{FF2B5EF4-FFF2-40B4-BE49-F238E27FC236}">
-                <a16:creationId xmlns:a16="http://schemas.microsoft.com/office/drawing/2014/main" id="{3C73CDCF-0C6B-8BBC-A0A6-9BE50E5526A4}"/>
+              <a:t>Print-Befehl</a:t>
+            </a:r>
+            <a:endParaRPr lang="de-DE" dirty="0"/>
+          </a:p>
+        </p:txBody>
+      </p:sp>
+      <p:sp>
+        <p:nvSpPr>
+          <p:cNvPr id="29" name="Rechteck: abgerundete Ecken 28">
+            <a:extLst>
+              <a:ext uri="{FF2B5EF4-FFF2-40B4-BE49-F238E27FC236}">
+                <a16:creationId xmlns:a16="http://schemas.microsoft.com/office/drawing/2014/main" id="{C6D7780E-CF5C-F779-2169-B6068696AC18}"/>
               </a:ext>
             </a:extLst>
           </p:cNvPr>
@@ -4423,13 +4422,11 @@
         </p:nvSpPr>
         <p:spPr>
           <a:xfrm>
-            <a:off x="5733783" y="4469594"/>
-            <a:ext cx="3298458" cy="633113"/>
+            <a:off x="5744885" y="2545837"/>
+            <a:ext cx="1374987" cy="633113"/>
           </a:xfrm>
           <a:prstGeom prst="roundRect">
-            <a:avLst>
-              <a:gd name="adj" fmla="val 13457"/>
-            </a:avLst>
+            <a:avLst/>
           </a:prstGeom>
           <a:noFill/>
           <a:ln w="38100">
@@ -4460,22 +4457,22 @@
           <a:p>
             <a:pPr algn="ctr"/>
             <a:r>
-              <a:rPr lang="de-DE" sz="3000" dirty="0">
+              <a:rPr lang="de-DE" sz="3200" dirty="0">
                 <a:solidFill>
                   <a:schemeClr val="tx1"/>
                 </a:solidFill>
               </a:rPr>
-              <a:t>(20) (174) (41) (62)</a:t>
-            </a:r>
-          </a:p>
-        </p:txBody>
-      </p:sp>
-      <p:sp>
-        <p:nvSpPr>
-          <p:cNvPr id="3" name="Rechteck: abgerundete Ecken 2">
-            <a:extLst>
-              <a:ext uri="{FF2B5EF4-FFF2-40B4-BE49-F238E27FC236}">
-                <a16:creationId xmlns:a16="http://schemas.microsoft.com/office/drawing/2014/main" id="{4B959154-A804-1283-A863-B575C6D47F76}"/>
+              <a:t>☺ (1)</a:t>
+            </a:r>
+          </a:p>
+        </p:txBody>
+      </p:sp>
+      <p:sp>
+        <p:nvSpPr>
+          <p:cNvPr id="30" name="Rechteck: abgerundete Ecken 29">
+            <a:extLst>
+              <a:ext uri="{FF2B5EF4-FFF2-40B4-BE49-F238E27FC236}">
+                <a16:creationId xmlns:a16="http://schemas.microsoft.com/office/drawing/2014/main" id="{58F6890D-A508-8D09-87F3-3AB3D4C75C50}"/>
               </a:ext>
             </a:extLst>
           </p:cNvPr>
@@ -4484,7 +4481,7 @@
         </p:nvSpPr>
         <p:spPr>
           <a:xfrm>
-            <a:off x="5744880" y="5358889"/>
+            <a:off x="5744884" y="3289968"/>
             <a:ext cx="1374987" cy="633113"/>
           </a:xfrm>
           <a:prstGeom prst="roundRect">
@@ -4519,7 +4516,184 @@
           <a:p>
             <a:pPr algn="ctr"/>
             <a:r>
-              <a:rPr lang="de-DE" sz="3000" dirty="0">
+              <a:rPr lang="de-DE" sz="3200" dirty="0">
+                <a:solidFill>
+                  <a:schemeClr val="tx1"/>
+                </a:solidFill>
+              </a:rPr>
+              <a:t> (13)</a:t>
+            </a:r>
+          </a:p>
+        </p:txBody>
+      </p:sp>
+      <p:sp>
+        <p:nvSpPr>
+          <p:cNvPr id="31" name="Rechteck: abgerundete Ecken 30">
+            <a:extLst>
+              <a:ext uri="{FF2B5EF4-FFF2-40B4-BE49-F238E27FC236}">
+                <a16:creationId xmlns:a16="http://schemas.microsoft.com/office/drawing/2014/main" id="{84D5ED8A-1840-E682-E0D0-C6A6702FA08A}"/>
+              </a:ext>
+            </a:extLst>
+          </p:cNvPr>
+          <p:cNvSpPr/>
+          <p:nvPr/>
+        </p:nvSpPr>
+        <p:spPr>
+          <a:xfrm>
+            <a:off x="5718445" y="4028451"/>
+            <a:ext cx="1374987" cy="633113"/>
+          </a:xfrm>
+          <a:prstGeom prst="roundRect">
+            <a:avLst/>
+          </a:prstGeom>
+          <a:noFill/>
+          <a:ln w="38100">
+            <a:solidFill>
+              <a:schemeClr val="tx1"/>
+            </a:solidFill>
+          </a:ln>
+        </p:spPr>
+        <p:style>
+          <a:lnRef idx="2">
+            <a:schemeClr val="accent1">
+              <a:shade val="50000"/>
+            </a:schemeClr>
+          </a:lnRef>
+          <a:fillRef idx="1">
+            <a:schemeClr val="accent1"/>
+          </a:fillRef>
+          <a:effectRef idx="0">
+            <a:schemeClr val="accent1"/>
+          </a:effectRef>
+          <a:fontRef idx="minor">
+            <a:schemeClr val="lt1"/>
+          </a:fontRef>
+        </p:style>
+        <p:txBody>
+          <a:bodyPr rtlCol="0" anchor="ctr"/>
+          <a:lstStyle/>
+          <a:p>
+            <a:pPr algn="ctr"/>
+            <a:r>
+              <a:rPr lang="de-DE" sz="3200" dirty="0">
+                <a:solidFill>
+                  <a:schemeClr val="tx1"/>
+                </a:solidFill>
+              </a:rPr>
+              <a:t>l (108)</a:t>
+            </a:r>
+          </a:p>
+        </p:txBody>
+      </p:sp>
+      <p:sp>
+        <p:nvSpPr>
+          <p:cNvPr id="32" name="Rechteck: abgerundete Ecken 31">
+            <a:extLst>
+              <a:ext uri="{FF2B5EF4-FFF2-40B4-BE49-F238E27FC236}">
+                <a16:creationId xmlns:a16="http://schemas.microsoft.com/office/drawing/2014/main" id="{1AA218FD-BC1B-643C-D314-80D9BC97EAF5}"/>
+              </a:ext>
+            </a:extLst>
+          </p:cNvPr>
+          <p:cNvSpPr/>
+          <p:nvPr/>
+        </p:nvSpPr>
+        <p:spPr>
+          <a:xfrm>
+            <a:off x="5718444" y="4766934"/>
+            <a:ext cx="1374987" cy="633113"/>
+          </a:xfrm>
+          <a:prstGeom prst="roundRect">
+            <a:avLst/>
+          </a:prstGeom>
+          <a:noFill/>
+          <a:ln w="38100">
+            <a:solidFill>
+              <a:schemeClr val="tx1"/>
+            </a:solidFill>
+          </a:ln>
+        </p:spPr>
+        <p:style>
+          <a:lnRef idx="2">
+            <a:schemeClr val="accent1">
+              <a:shade val="50000"/>
+            </a:schemeClr>
+          </a:lnRef>
+          <a:fillRef idx="1">
+            <a:schemeClr val="accent1"/>
+          </a:fillRef>
+          <a:effectRef idx="0">
+            <a:schemeClr val="accent1"/>
+          </a:effectRef>
+          <a:fontRef idx="minor">
+            <a:schemeClr val="lt1"/>
+          </a:fontRef>
+        </p:style>
+        <p:txBody>
+          <a:bodyPr rtlCol="0" anchor="ctr"/>
+          <a:lstStyle/>
+          <a:p>
+            <a:pPr algn="ctr"/>
+            <a:r>
+              <a:rPr lang="de-DE" sz="2200" dirty="0">
+                <a:solidFill>
+                  <a:schemeClr val="tx1"/>
+                </a:solidFill>
+              </a:rPr>
+              <a:t>Hello World</a:t>
+            </a:r>
+          </a:p>
+        </p:txBody>
+      </p:sp>
+      <p:sp>
+        <p:nvSpPr>
+          <p:cNvPr id="33" name="Rechteck: abgerundete Ecken 32">
+            <a:extLst>
+              <a:ext uri="{FF2B5EF4-FFF2-40B4-BE49-F238E27FC236}">
+                <a16:creationId xmlns:a16="http://schemas.microsoft.com/office/drawing/2014/main" id="{BDD620A1-D662-3158-6BF6-AD4647FA2D64}"/>
+              </a:ext>
+            </a:extLst>
+          </p:cNvPr>
+          <p:cNvSpPr/>
+          <p:nvPr/>
+        </p:nvSpPr>
+        <p:spPr>
+          <a:xfrm>
+            <a:off x="5718443" y="5524158"/>
+            <a:ext cx="1374987" cy="633113"/>
+          </a:xfrm>
+          <a:prstGeom prst="roundRect">
+            <a:avLst/>
+          </a:prstGeom>
+          <a:noFill/>
+          <a:ln w="38100">
+            <a:solidFill>
+              <a:schemeClr val="tx1"/>
+            </a:solidFill>
+          </a:ln>
+        </p:spPr>
+        <p:style>
+          <a:lnRef idx="2">
+            <a:schemeClr val="accent1">
+              <a:shade val="50000"/>
+            </a:schemeClr>
+          </a:lnRef>
+          <a:fillRef idx="1">
+            <a:schemeClr val="accent1"/>
+          </a:fillRef>
+          <a:effectRef idx="0">
+            <a:schemeClr val="accent1"/>
+          </a:effectRef>
+          <a:fontRef idx="minor">
+            <a:schemeClr val="lt1"/>
+          </a:fontRef>
+        </p:style>
+        <p:txBody>
+          <a:bodyPr rtlCol="0" anchor="ctr"/>
+          <a:lstStyle/>
+          <a:p>
+            <a:pPr algn="ctr"/>
+            <a:r>
+              <a:rPr lang="de-DE" sz="3200" dirty="0">
                 <a:solidFill>
                   <a:schemeClr val="tx1"/>
                 </a:solidFill>
@@ -4531,10 +4705,10 @@
       </p:sp>
       <p:pic>
         <p:nvPicPr>
-          <p:cNvPr id="18" name="Grafik 17">
-            <a:extLst>
-              <a:ext uri="{FF2B5EF4-FFF2-40B4-BE49-F238E27FC236}">
-                <a16:creationId xmlns:a16="http://schemas.microsoft.com/office/drawing/2014/main" id="{89508751-645B-FF46-8486-1F6C5E83FFCE}"/>
+          <p:cNvPr id="40" name="Grafik 39">
+            <a:extLst>
+              <a:ext uri="{FF2B5EF4-FFF2-40B4-BE49-F238E27FC236}">
+                <a16:creationId xmlns:a16="http://schemas.microsoft.com/office/drawing/2014/main" id="{8C1E098F-6522-86EA-5EBF-D4EFC2362F1C}"/>
               </a:ext>
             </a:extLst>
           </p:cNvPr>
@@ -4543,15 +4717,16 @@
           </p:cNvPicPr>
           <p:nvPr/>
         </p:nvPicPr>
-        <p:blipFill rotWithShape="1">
+        <p:blipFill>
           <a:blip r:embed="rId2"/>
-          <a:srcRect r="6975"/>
-          <a:stretch/>
+          <a:stretch>
+            <a:fillRect/>
+          </a:stretch>
         </p:blipFill>
         <p:spPr>
           <a:xfrm>
-            <a:off x="7451706" y="641226"/>
-            <a:ext cx="4412504" cy="3587183"/>
+            <a:off x="7413636" y="906872"/>
+            <a:ext cx="4625741" cy="685859"/>
           </a:xfrm>
           <a:prstGeom prst="rect">
             <a:avLst/>
@@ -4561,7 +4736,7 @@
     </p:spTree>
     <p:extLst>
       <p:ext uri="{BB962C8B-B14F-4D97-AF65-F5344CB8AC3E}">
-        <p14:creationId xmlns:p14="http://schemas.microsoft.com/office/powerpoint/2010/main" val="1693353005"/>
+        <p14:creationId xmlns:p14="http://schemas.microsoft.com/office/powerpoint/2010/main" val="4031229439"/>
       </p:ext>
     </p:extLst>
   </p:cSld>
@@ -4574,14 +4749,6 @@
 <file path=ppt/slides/slide11.xml><?xml version="1.0" encoding="utf-8"?>
 <p:sld xmlns:a="http://schemas.openxmlformats.org/drawingml/2006/main" xmlns:r="http://schemas.openxmlformats.org/officeDocument/2006/relationships" xmlns:p="http://schemas.openxmlformats.org/presentationml/2006/main">
   <p:cSld>
-    <p:bg>
-      <p:bgPr>
-        <a:solidFill>
-          <a:srgbClr val="2B2B2B"/>
-        </a:solidFill>
-        <a:effectLst/>
-      </p:bgPr>
-    </p:bg>
     <p:spTree>
       <p:nvGrpSpPr>
         <p:cNvPr id="1" name=""/>
@@ -4596,39 +4763,1321 @@
           <a:chExt cx="0" cy="0"/>
         </a:xfrm>
       </p:grpSpPr>
+      <p:sp>
+        <p:nvSpPr>
+          <p:cNvPr id="4" name="Rechteck: abgerundete Ecken 3">
+            <a:extLst>
+              <a:ext uri="{FF2B5EF4-FFF2-40B4-BE49-F238E27FC236}">
+                <a16:creationId xmlns:a16="http://schemas.microsoft.com/office/drawing/2014/main" id="{A78B71E2-0ACC-D372-09CC-F48A502EBC0F}"/>
+              </a:ext>
+            </a:extLst>
+          </p:cNvPr>
+          <p:cNvSpPr/>
+          <p:nvPr/>
+        </p:nvSpPr>
+        <p:spPr>
+          <a:xfrm>
+            <a:off x="1618827" y="1801705"/>
+            <a:ext cx="3205421" cy="633114"/>
+          </a:xfrm>
+          <a:prstGeom prst="roundRect">
+            <a:avLst/>
+          </a:prstGeom>
+          <a:noFill/>
+          <a:ln w="38100">
+            <a:solidFill>
+              <a:schemeClr val="tx1"/>
+            </a:solidFill>
+          </a:ln>
+        </p:spPr>
+        <p:style>
+          <a:lnRef idx="2">
+            <a:schemeClr val="accent1">
+              <a:shade val="50000"/>
+            </a:schemeClr>
+          </a:lnRef>
+          <a:fillRef idx="1">
+            <a:schemeClr val="accent1"/>
+          </a:fillRef>
+          <a:effectRef idx="0">
+            <a:schemeClr val="accent1"/>
+          </a:effectRef>
+          <a:fontRef idx="minor">
+            <a:schemeClr val="lt1"/>
+          </a:fontRef>
+        </p:style>
+        <p:txBody>
+          <a:bodyPr rtlCol="0" anchor="ctr"/>
+          <a:lstStyle/>
+          <a:p>
+            <a:pPr algn="ctr"/>
+            <a:r>
+              <a:rPr lang="de-DE" dirty="0" err="1">
+                <a:solidFill>
+                  <a:schemeClr val="tx1"/>
+                </a:solidFill>
+              </a:rPr>
+              <a:t>StartCharacter</a:t>
+            </a:r>
+            <a:r>
+              <a:rPr lang="de-DE" dirty="0" err="1"/>
+              <a:t>S</a:t>
+            </a:r>
+            <a:endParaRPr lang="de-DE" dirty="0"/>
+          </a:p>
+        </p:txBody>
+      </p:sp>
+      <p:sp>
+        <p:nvSpPr>
+          <p:cNvPr id="5" name="Rechteck: abgerundete Ecken 4">
+            <a:extLst>
+              <a:ext uri="{FF2B5EF4-FFF2-40B4-BE49-F238E27FC236}">
+                <a16:creationId xmlns:a16="http://schemas.microsoft.com/office/drawing/2014/main" id="{6261D5BD-C9A7-405E-15E6-42C3AFA6857C}"/>
+              </a:ext>
+            </a:extLst>
+          </p:cNvPr>
+          <p:cNvSpPr/>
+          <p:nvPr/>
+        </p:nvSpPr>
+        <p:spPr>
+          <a:xfrm>
+            <a:off x="489636" y="1801706"/>
+            <a:ext cx="878577" cy="633113"/>
+          </a:xfrm>
+          <a:prstGeom prst="roundRect">
+            <a:avLst/>
+          </a:prstGeom>
+          <a:noFill/>
+          <a:ln w="38100">
+            <a:solidFill>
+              <a:schemeClr val="tx1"/>
+            </a:solidFill>
+          </a:ln>
+        </p:spPr>
+        <p:style>
+          <a:lnRef idx="2">
+            <a:schemeClr val="accent1">
+              <a:shade val="50000"/>
+            </a:schemeClr>
+          </a:lnRef>
+          <a:fillRef idx="1">
+            <a:schemeClr val="accent1"/>
+          </a:fillRef>
+          <a:effectRef idx="0">
+            <a:schemeClr val="accent1"/>
+          </a:effectRef>
+          <a:fontRef idx="minor">
+            <a:schemeClr val="lt1"/>
+          </a:fontRef>
+        </p:style>
+        <p:txBody>
+          <a:bodyPr rtlCol="0" anchor="ctr"/>
+          <a:lstStyle/>
+          <a:p>
+            <a:pPr algn="ctr"/>
+            <a:r>
+              <a:rPr lang="de-DE" sz="3200" dirty="0">
+                <a:solidFill>
+                  <a:schemeClr val="tx1"/>
+                </a:solidFill>
+              </a:rPr>
+              <a:t>1</a:t>
+            </a:r>
+          </a:p>
+        </p:txBody>
+      </p:sp>
+      <p:sp>
+        <p:nvSpPr>
+          <p:cNvPr id="6" name="Rechteck: abgerundete Ecken 5">
+            <a:extLst>
+              <a:ext uri="{FF2B5EF4-FFF2-40B4-BE49-F238E27FC236}">
+                <a16:creationId xmlns:a16="http://schemas.microsoft.com/office/drawing/2014/main" id="{9D3A0BBD-69F6-68E4-F6C0-68B64B5C8878}"/>
+              </a:ext>
+            </a:extLst>
+          </p:cNvPr>
+          <p:cNvSpPr/>
+          <p:nvPr/>
+        </p:nvSpPr>
+        <p:spPr>
+          <a:xfrm>
+            <a:off x="1618827" y="2545836"/>
+            <a:ext cx="3205421" cy="633114"/>
+          </a:xfrm>
+          <a:prstGeom prst="roundRect">
+            <a:avLst/>
+          </a:prstGeom>
+          <a:noFill/>
+          <a:ln w="38100">
+            <a:solidFill>
+              <a:schemeClr val="tx1"/>
+            </a:solidFill>
+          </a:ln>
+        </p:spPr>
+        <p:style>
+          <a:lnRef idx="2">
+            <a:schemeClr val="accent1">
+              <a:shade val="50000"/>
+            </a:schemeClr>
+          </a:lnRef>
+          <a:fillRef idx="1">
+            <a:schemeClr val="accent1"/>
+          </a:fillRef>
+          <a:effectRef idx="0">
+            <a:schemeClr val="accent1"/>
+          </a:effectRef>
+          <a:fontRef idx="minor">
+            <a:schemeClr val="lt1"/>
+          </a:fontRef>
+        </p:style>
+        <p:txBody>
+          <a:bodyPr rtlCol="0" anchor="ctr"/>
+          <a:lstStyle/>
+          <a:p>
+            <a:pPr algn="ctr"/>
+            <a:r>
+              <a:rPr lang="de-DE" dirty="0">
+                <a:solidFill>
+                  <a:schemeClr val="tx1"/>
+                </a:solidFill>
+              </a:rPr>
+              <a:t>Request ID</a:t>
+            </a:r>
+            <a:endParaRPr lang="de-DE" dirty="0"/>
+          </a:p>
+        </p:txBody>
+      </p:sp>
+      <p:sp>
+        <p:nvSpPr>
+          <p:cNvPr id="7" name="Rechteck: abgerundete Ecken 6">
+            <a:extLst>
+              <a:ext uri="{FF2B5EF4-FFF2-40B4-BE49-F238E27FC236}">
+                <a16:creationId xmlns:a16="http://schemas.microsoft.com/office/drawing/2014/main" id="{323A2A98-2CBD-F760-F0AF-1C386931691A}"/>
+              </a:ext>
+            </a:extLst>
+          </p:cNvPr>
+          <p:cNvSpPr/>
+          <p:nvPr/>
+        </p:nvSpPr>
+        <p:spPr>
+          <a:xfrm>
+            <a:off x="489636" y="2545837"/>
+            <a:ext cx="878577" cy="633113"/>
+          </a:xfrm>
+          <a:prstGeom prst="roundRect">
+            <a:avLst/>
+          </a:prstGeom>
+          <a:noFill/>
+          <a:ln w="38100">
+            <a:solidFill>
+              <a:schemeClr val="tx1"/>
+            </a:solidFill>
+          </a:ln>
+        </p:spPr>
+        <p:style>
+          <a:lnRef idx="2">
+            <a:schemeClr val="accent1">
+              <a:shade val="50000"/>
+            </a:schemeClr>
+          </a:lnRef>
+          <a:fillRef idx="1">
+            <a:schemeClr val="accent1"/>
+          </a:fillRef>
+          <a:effectRef idx="0">
+            <a:schemeClr val="accent1"/>
+          </a:effectRef>
+          <a:fontRef idx="minor">
+            <a:schemeClr val="lt1"/>
+          </a:fontRef>
+        </p:style>
+        <p:txBody>
+          <a:bodyPr rtlCol="0" anchor="ctr"/>
+          <a:lstStyle/>
+          <a:p>
+            <a:pPr algn="ctr"/>
+            <a:r>
+              <a:rPr lang="de-DE" sz="3200" dirty="0">
+                <a:solidFill>
+                  <a:schemeClr val="tx1"/>
+                </a:solidFill>
+              </a:rPr>
+              <a:t>1</a:t>
+            </a:r>
+          </a:p>
+        </p:txBody>
+      </p:sp>
+      <p:sp>
+        <p:nvSpPr>
+          <p:cNvPr id="8" name="Rechteck: abgerundete Ecken 7">
+            <a:extLst>
+              <a:ext uri="{FF2B5EF4-FFF2-40B4-BE49-F238E27FC236}">
+                <a16:creationId xmlns:a16="http://schemas.microsoft.com/office/drawing/2014/main" id="{AFFED479-E31A-C40C-C461-87E25167C518}"/>
+              </a:ext>
+            </a:extLst>
+          </p:cNvPr>
+          <p:cNvSpPr/>
+          <p:nvPr/>
+        </p:nvSpPr>
+        <p:spPr>
+          <a:xfrm>
+            <a:off x="1618827" y="3289967"/>
+            <a:ext cx="3205421" cy="633114"/>
+          </a:xfrm>
+          <a:prstGeom prst="roundRect">
+            <a:avLst/>
+          </a:prstGeom>
+          <a:noFill/>
+          <a:ln w="38100">
+            <a:solidFill>
+              <a:schemeClr val="tx1"/>
+            </a:solidFill>
+          </a:ln>
+        </p:spPr>
+        <p:style>
+          <a:lnRef idx="2">
+            <a:schemeClr val="accent1">
+              <a:shade val="50000"/>
+            </a:schemeClr>
+          </a:lnRef>
+          <a:fillRef idx="1">
+            <a:schemeClr val="accent1"/>
+          </a:fillRef>
+          <a:effectRef idx="0">
+            <a:schemeClr val="accent1"/>
+          </a:effectRef>
+          <a:fontRef idx="minor">
+            <a:schemeClr val="lt1"/>
+          </a:fontRef>
+        </p:style>
+        <p:txBody>
+          <a:bodyPr rtlCol="0" anchor="ctr"/>
+          <a:lstStyle/>
+          <a:p>
+            <a:pPr algn="ctr"/>
+            <a:r>
+              <a:rPr lang="de-DE" dirty="0">
+                <a:solidFill>
+                  <a:schemeClr val="tx1"/>
+                </a:solidFill>
+              </a:rPr>
+              <a:t>Value Size (in </a:t>
+            </a:r>
+            <a:r>
+              <a:rPr lang="de-DE" dirty="0" err="1">
+                <a:solidFill>
+                  <a:schemeClr val="tx1"/>
+                </a:solidFill>
+              </a:rPr>
+              <a:t>bytes</a:t>
+            </a:r>
+            <a:r>
+              <a:rPr lang="de-DE" dirty="0">
+                <a:solidFill>
+                  <a:schemeClr val="tx1"/>
+                </a:solidFill>
+              </a:rPr>
+              <a:t>)</a:t>
+            </a:r>
+            <a:endParaRPr lang="de-DE" dirty="0"/>
+          </a:p>
+        </p:txBody>
+      </p:sp>
+      <p:sp>
+        <p:nvSpPr>
+          <p:cNvPr id="9" name="Rechteck: abgerundete Ecken 8">
+            <a:extLst>
+              <a:ext uri="{FF2B5EF4-FFF2-40B4-BE49-F238E27FC236}">
+                <a16:creationId xmlns:a16="http://schemas.microsoft.com/office/drawing/2014/main" id="{8687227A-7EF6-E404-4BB6-BF2640FEDD3E}"/>
+              </a:ext>
+            </a:extLst>
+          </p:cNvPr>
+          <p:cNvSpPr/>
+          <p:nvPr/>
+        </p:nvSpPr>
+        <p:spPr>
+          <a:xfrm>
+            <a:off x="489636" y="3289968"/>
+            <a:ext cx="878577" cy="633113"/>
+          </a:xfrm>
+          <a:prstGeom prst="roundRect">
+            <a:avLst/>
+          </a:prstGeom>
+          <a:noFill/>
+          <a:ln w="38100">
+            <a:solidFill>
+              <a:schemeClr val="tx1"/>
+            </a:solidFill>
+          </a:ln>
+        </p:spPr>
+        <p:style>
+          <a:lnRef idx="2">
+            <a:schemeClr val="accent1">
+              <a:shade val="50000"/>
+            </a:schemeClr>
+          </a:lnRef>
+          <a:fillRef idx="1">
+            <a:schemeClr val="accent1"/>
+          </a:fillRef>
+          <a:effectRef idx="0">
+            <a:schemeClr val="accent1"/>
+          </a:effectRef>
+          <a:fontRef idx="minor">
+            <a:schemeClr val="lt1"/>
+          </a:fontRef>
+        </p:style>
+        <p:txBody>
+          <a:bodyPr rtlCol="0" anchor="ctr"/>
+          <a:lstStyle/>
+          <a:p>
+            <a:pPr algn="ctr"/>
+            <a:r>
+              <a:rPr lang="de-DE" sz="3200" dirty="0">
+                <a:solidFill>
+                  <a:schemeClr val="tx1"/>
+                </a:solidFill>
+              </a:rPr>
+              <a:t>1</a:t>
+            </a:r>
+          </a:p>
+        </p:txBody>
+      </p:sp>
+      <p:sp>
+        <p:nvSpPr>
+          <p:cNvPr id="10" name="Rechteck: abgerundete Ecken 9">
+            <a:extLst>
+              <a:ext uri="{FF2B5EF4-FFF2-40B4-BE49-F238E27FC236}">
+                <a16:creationId xmlns:a16="http://schemas.microsoft.com/office/drawing/2014/main" id="{DFF47EDD-8476-8D71-B47C-8CF352F692E0}"/>
+              </a:ext>
+            </a:extLst>
+          </p:cNvPr>
+          <p:cNvSpPr/>
+          <p:nvPr/>
+        </p:nvSpPr>
+        <p:spPr>
+          <a:xfrm>
+            <a:off x="1618826" y="4030435"/>
+            <a:ext cx="3205421" cy="633114"/>
+          </a:xfrm>
+          <a:prstGeom prst="roundRect">
+            <a:avLst/>
+          </a:prstGeom>
+          <a:noFill/>
+          <a:ln w="38100">
+            <a:solidFill>
+              <a:schemeClr val="tx1"/>
+            </a:solidFill>
+          </a:ln>
+        </p:spPr>
+        <p:style>
+          <a:lnRef idx="2">
+            <a:schemeClr val="accent1">
+              <a:shade val="50000"/>
+            </a:schemeClr>
+          </a:lnRef>
+          <a:fillRef idx="1">
+            <a:schemeClr val="accent1"/>
+          </a:fillRef>
+          <a:effectRef idx="0">
+            <a:schemeClr val="accent1"/>
+          </a:effectRef>
+          <a:fontRef idx="minor">
+            <a:schemeClr val="lt1"/>
+          </a:fontRef>
+        </p:style>
+        <p:txBody>
+          <a:bodyPr rtlCol="0" anchor="ctr"/>
+          <a:lstStyle/>
+          <a:p>
+            <a:pPr algn="ctr"/>
+            <a:r>
+              <a:rPr lang="de-DE" dirty="0" err="1">
+                <a:solidFill>
+                  <a:schemeClr val="tx1"/>
+                </a:solidFill>
+              </a:rPr>
+              <a:t>Instruction</a:t>
+            </a:r>
+            <a:r>
+              <a:rPr lang="de-DE" dirty="0" err="1"/>
+              <a:t>S</a:t>
+            </a:r>
+            <a:endParaRPr lang="de-DE" dirty="0"/>
+          </a:p>
+        </p:txBody>
+      </p:sp>
+      <p:sp>
+        <p:nvSpPr>
+          <p:cNvPr id="11" name="Rechteck: abgerundete Ecken 10">
+            <a:extLst>
+              <a:ext uri="{FF2B5EF4-FFF2-40B4-BE49-F238E27FC236}">
+                <a16:creationId xmlns:a16="http://schemas.microsoft.com/office/drawing/2014/main" id="{C16C6221-A5A4-9A9E-DD84-DAAB96791346}"/>
+              </a:ext>
+            </a:extLst>
+          </p:cNvPr>
+          <p:cNvSpPr/>
+          <p:nvPr/>
+        </p:nvSpPr>
+        <p:spPr>
+          <a:xfrm>
+            <a:off x="489636" y="4028451"/>
+            <a:ext cx="878577" cy="633113"/>
+          </a:xfrm>
+          <a:prstGeom prst="roundRect">
+            <a:avLst/>
+          </a:prstGeom>
+          <a:noFill/>
+          <a:ln w="38100">
+            <a:solidFill>
+              <a:schemeClr val="tx1"/>
+            </a:solidFill>
+          </a:ln>
+        </p:spPr>
+        <p:style>
+          <a:lnRef idx="2">
+            <a:schemeClr val="accent1">
+              <a:shade val="50000"/>
+            </a:schemeClr>
+          </a:lnRef>
+          <a:fillRef idx="1">
+            <a:schemeClr val="accent1"/>
+          </a:fillRef>
+          <a:effectRef idx="0">
+            <a:schemeClr val="accent1"/>
+          </a:effectRef>
+          <a:fontRef idx="minor">
+            <a:schemeClr val="lt1"/>
+          </a:fontRef>
+        </p:style>
+        <p:txBody>
+          <a:bodyPr rtlCol="0" anchor="ctr"/>
+          <a:lstStyle/>
+          <a:p>
+            <a:pPr algn="ctr"/>
+            <a:r>
+              <a:rPr lang="de-DE" sz="3200" dirty="0">
+                <a:solidFill>
+                  <a:schemeClr val="tx1"/>
+                </a:solidFill>
+              </a:rPr>
+              <a:t>1</a:t>
+            </a:r>
+          </a:p>
+        </p:txBody>
+      </p:sp>
+      <p:sp>
+        <p:nvSpPr>
+          <p:cNvPr id="12" name="Rechteck: abgerundete Ecken 11">
+            <a:extLst>
+              <a:ext uri="{FF2B5EF4-FFF2-40B4-BE49-F238E27FC236}">
+                <a16:creationId xmlns:a16="http://schemas.microsoft.com/office/drawing/2014/main" id="{E2FA0AE1-6AAE-33B8-9F96-D2C57D7FBCCE}"/>
+              </a:ext>
+            </a:extLst>
+          </p:cNvPr>
+          <p:cNvSpPr/>
+          <p:nvPr/>
+        </p:nvSpPr>
+        <p:spPr>
+          <a:xfrm>
+            <a:off x="1618824" y="4770903"/>
+            <a:ext cx="3205421" cy="633114"/>
+          </a:xfrm>
+          <a:prstGeom prst="roundRect">
+            <a:avLst/>
+          </a:prstGeom>
+          <a:noFill/>
+          <a:ln w="38100">
+            <a:solidFill>
+              <a:schemeClr val="tx1"/>
+            </a:solidFill>
+          </a:ln>
+        </p:spPr>
+        <p:style>
+          <a:lnRef idx="2">
+            <a:schemeClr val="accent1">
+              <a:shade val="50000"/>
+            </a:schemeClr>
+          </a:lnRef>
+          <a:fillRef idx="1">
+            <a:schemeClr val="accent1"/>
+          </a:fillRef>
+          <a:effectRef idx="0">
+            <a:schemeClr val="accent1"/>
+          </a:effectRef>
+          <a:fontRef idx="minor">
+            <a:schemeClr val="lt1"/>
+          </a:fontRef>
+        </p:style>
+        <p:txBody>
+          <a:bodyPr rtlCol="0" anchor="ctr"/>
+          <a:lstStyle/>
+          <a:p>
+            <a:pPr algn="ctr"/>
+            <a:r>
+              <a:rPr lang="de-DE" dirty="0">
+                <a:solidFill>
+                  <a:schemeClr val="tx1"/>
+                </a:solidFill>
+              </a:rPr>
+              <a:t>Value</a:t>
+            </a:r>
+            <a:endParaRPr lang="de-DE" dirty="0"/>
+          </a:p>
+        </p:txBody>
+      </p:sp>
+      <p:sp>
+        <p:nvSpPr>
+          <p:cNvPr id="13" name="Rechteck: abgerundete Ecken 12">
+            <a:extLst>
+              <a:ext uri="{FF2B5EF4-FFF2-40B4-BE49-F238E27FC236}">
+                <a16:creationId xmlns:a16="http://schemas.microsoft.com/office/drawing/2014/main" id="{337C0DAB-D27F-F86C-2F7B-B0ABE610F25A}"/>
+              </a:ext>
+            </a:extLst>
+          </p:cNvPr>
+          <p:cNvSpPr/>
+          <p:nvPr/>
+        </p:nvSpPr>
+        <p:spPr>
+          <a:xfrm>
+            <a:off x="489635" y="4770904"/>
+            <a:ext cx="878578" cy="633113"/>
+          </a:xfrm>
+          <a:prstGeom prst="roundRect">
+            <a:avLst>
+              <a:gd name="adj" fmla="val 17737"/>
+            </a:avLst>
+          </a:prstGeom>
+          <a:noFill/>
+          <a:ln w="38100">
+            <a:solidFill>
+              <a:schemeClr val="tx1"/>
+            </a:solidFill>
+          </a:ln>
+        </p:spPr>
+        <p:style>
+          <a:lnRef idx="2">
+            <a:schemeClr val="accent1">
+              <a:shade val="50000"/>
+            </a:schemeClr>
+          </a:lnRef>
+          <a:fillRef idx="1">
+            <a:schemeClr val="accent1"/>
+          </a:fillRef>
+          <a:effectRef idx="0">
+            <a:schemeClr val="accent1"/>
+          </a:effectRef>
+          <a:fontRef idx="minor">
+            <a:schemeClr val="lt1"/>
+          </a:fontRef>
+        </p:style>
+        <p:txBody>
+          <a:bodyPr rtlCol="0" anchor="ctr"/>
+          <a:lstStyle/>
+          <a:p>
+            <a:pPr algn="ctr"/>
+            <a:r>
+              <a:rPr lang="de-DE" sz="2200" dirty="0">
+                <a:solidFill>
+                  <a:schemeClr val="tx1"/>
+                </a:solidFill>
+              </a:rPr>
+              <a:t>Value Size</a:t>
+            </a:r>
+          </a:p>
+        </p:txBody>
+      </p:sp>
+      <p:sp>
+        <p:nvSpPr>
+          <p:cNvPr id="14" name="Rechteck: abgerundete Ecken 13">
+            <a:extLst>
+              <a:ext uri="{FF2B5EF4-FFF2-40B4-BE49-F238E27FC236}">
+                <a16:creationId xmlns:a16="http://schemas.microsoft.com/office/drawing/2014/main" id="{B708E0CD-20C1-0CF0-C545-6F84643679B8}"/>
+              </a:ext>
+            </a:extLst>
+          </p:cNvPr>
+          <p:cNvSpPr/>
+          <p:nvPr/>
+        </p:nvSpPr>
+        <p:spPr>
+          <a:xfrm>
+            <a:off x="1618823" y="5518697"/>
+            <a:ext cx="3205422" cy="633114"/>
+          </a:xfrm>
+          <a:prstGeom prst="roundRect">
+            <a:avLst/>
+          </a:prstGeom>
+          <a:noFill/>
+          <a:ln w="38100">
+            <a:solidFill>
+              <a:schemeClr val="tx1"/>
+            </a:solidFill>
+          </a:ln>
+        </p:spPr>
+        <p:style>
+          <a:lnRef idx="2">
+            <a:schemeClr val="accent1">
+              <a:shade val="50000"/>
+            </a:schemeClr>
+          </a:lnRef>
+          <a:fillRef idx="1">
+            <a:schemeClr val="accent1"/>
+          </a:fillRef>
+          <a:effectRef idx="0">
+            <a:schemeClr val="accent1"/>
+          </a:effectRef>
+          <a:fontRef idx="minor">
+            <a:schemeClr val="lt1"/>
+          </a:fontRef>
+        </p:style>
+        <p:txBody>
+          <a:bodyPr rtlCol="0" anchor="ctr"/>
+          <a:lstStyle/>
+          <a:p>
+            <a:pPr algn="ctr"/>
+            <a:r>
+              <a:rPr lang="de-DE" dirty="0" err="1">
+                <a:solidFill>
+                  <a:schemeClr val="tx1"/>
+                </a:solidFill>
+              </a:rPr>
+              <a:t>EndCharacter</a:t>
+            </a:r>
+            <a:r>
+              <a:rPr lang="de-DE" dirty="0" err="1"/>
+              <a:t>S</a:t>
+            </a:r>
+            <a:endParaRPr lang="de-DE" dirty="0"/>
+          </a:p>
+        </p:txBody>
+      </p:sp>
+      <p:sp>
+        <p:nvSpPr>
+          <p:cNvPr id="15" name="Rechteck: abgerundete Ecken 14">
+            <a:extLst>
+              <a:ext uri="{FF2B5EF4-FFF2-40B4-BE49-F238E27FC236}">
+                <a16:creationId xmlns:a16="http://schemas.microsoft.com/office/drawing/2014/main" id="{B3CF6E63-C75C-6F5B-B401-BDA0A00EB6D0}"/>
+              </a:ext>
+            </a:extLst>
+          </p:cNvPr>
+          <p:cNvSpPr/>
+          <p:nvPr/>
+        </p:nvSpPr>
+        <p:spPr>
+          <a:xfrm>
+            <a:off x="489635" y="5518698"/>
+            <a:ext cx="878577" cy="633113"/>
+          </a:xfrm>
+          <a:prstGeom prst="roundRect">
+            <a:avLst/>
+          </a:prstGeom>
+          <a:noFill/>
+          <a:ln w="38100">
+            <a:solidFill>
+              <a:schemeClr val="tx1"/>
+            </a:solidFill>
+          </a:ln>
+        </p:spPr>
+        <p:style>
+          <a:lnRef idx="2">
+            <a:schemeClr val="accent1">
+              <a:shade val="50000"/>
+            </a:schemeClr>
+          </a:lnRef>
+          <a:fillRef idx="1">
+            <a:schemeClr val="accent1"/>
+          </a:fillRef>
+          <a:effectRef idx="0">
+            <a:schemeClr val="accent1"/>
+          </a:effectRef>
+          <a:fontRef idx="minor">
+            <a:schemeClr val="lt1"/>
+          </a:fontRef>
+        </p:style>
+        <p:txBody>
+          <a:bodyPr rtlCol="0" anchor="ctr"/>
+          <a:lstStyle/>
+          <a:p>
+            <a:pPr algn="ctr"/>
+            <a:r>
+              <a:rPr lang="de-DE" sz="3200" dirty="0">
+                <a:solidFill>
+                  <a:schemeClr val="tx1"/>
+                </a:solidFill>
+              </a:rPr>
+              <a:t>1</a:t>
+            </a:r>
+          </a:p>
+        </p:txBody>
+      </p:sp>
+      <p:sp>
+        <p:nvSpPr>
+          <p:cNvPr id="24" name="Rechteck: abgerundete Ecken 23">
+            <a:extLst>
+              <a:ext uri="{FF2B5EF4-FFF2-40B4-BE49-F238E27FC236}">
+                <a16:creationId xmlns:a16="http://schemas.microsoft.com/office/drawing/2014/main" id="{9CFA5687-7749-F3AF-6379-5992264E4DDE}"/>
+              </a:ext>
+            </a:extLst>
+          </p:cNvPr>
+          <p:cNvSpPr/>
+          <p:nvPr/>
+        </p:nvSpPr>
+        <p:spPr>
+          <a:xfrm>
+            <a:off x="411742" y="906872"/>
+            <a:ext cx="1034364" cy="633114"/>
+          </a:xfrm>
+          <a:prstGeom prst="roundRect">
+            <a:avLst/>
+          </a:prstGeom>
+          <a:noFill/>
+          <a:ln w="38100">
+            <a:solidFill>
+              <a:schemeClr val="tx1"/>
+            </a:solidFill>
+          </a:ln>
+        </p:spPr>
+        <p:style>
+          <a:lnRef idx="2">
+            <a:schemeClr val="accent1">
+              <a:shade val="50000"/>
+            </a:schemeClr>
+          </a:lnRef>
+          <a:fillRef idx="1">
+            <a:schemeClr val="accent1"/>
+          </a:fillRef>
+          <a:effectRef idx="0">
+            <a:schemeClr val="accent1"/>
+          </a:effectRef>
+          <a:fontRef idx="minor">
+            <a:schemeClr val="lt1"/>
+          </a:fontRef>
+        </p:style>
+        <p:txBody>
+          <a:bodyPr rtlCol="0" anchor="ctr"/>
+          <a:lstStyle/>
+          <a:p>
+            <a:pPr algn="ctr"/>
+            <a:r>
+              <a:rPr lang="de-DE" dirty="0">
+                <a:solidFill>
+                  <a:schemeClr val="tx1"/>
+                </a:solidFill>
+              </a:rPr>
+              <a:t>Größe in Bytes</a:t>
+            </a:r>
+            <a:endParaRPr lang="de-DE" dirty="0"/>
+          </a:p>
+        </p:txBody>
+      </p:sp>
+      <p:sp>
+        <p:nvSpPr>
+          <p:cNvPr id="27" name="Rechteck: abgerundete Ecken 26">
+            <a:extLst>
+              <a:ext uri="{FF2B5EF4-FFF2-40B4-BE49-F238E27FC236}">
+                <a16:creationId xmlns:a16="http://schemas.microsoft.com/office/drawing/2014/main" id="{99CA01E8-7BAB-2B01-2F2D-8E641058B9C4}"/>
+              </a:ext>
+            </a:extLst>
+          </p:cNvPr>
+          <p:cNvSpPr/>
+          <p:nvPr/>
+        </p:nvSpPr>
+        <p:spPr>
+          <a:xfrm>
+            <a:off x="2534042" y="906872"/>
+            <a:ext cx="1374987" cy="633114"/>
+          </a:xfrm>
+          <a:prstGeom prst="roundRect">
+            <a:avLst/>
+          </a:prstGeom>
+          <a:noFill/>
+          <a:ln w="38100">
+            <a:solidFill>
+              <a:schemeClr val="tx1"/>
+            </a:solidFill>
+          </a:ln>
+        </p:spPr>
+        <p:style>
+          <a:lnRef idx="2">
+            <a:schemeClr val="accent1">
+              <a:shade val="50000"/>
+            </a:schemeClr>
+          </a:lnRef>
+          <a:fillRef idx="1">
+            <a:schemeClr val="accent1"/>
+          </a:fillRef>
+          <a:effectRef idx="0">
+            <a:schemeClr val="accent1"/>
+          </a:effectRef>
+          <a:fontRef idx="minor">
+            <a:schemeClr val="lt1"/>
+          </a:fontRef>
+        </p:style>
+        <p:txBody>
+          <a:bodyPr rtlCol="0" anchor="ctr"/>
+          <a:lstStyle/>
+          <a:p>
+            <a:pPr algn="ctr"/>
+            <a:r>
+              <a:rPr lang="de-DE" dirty="0">
+                <a:solidFill>
+                  <a:schemeClr val="tx1"/>
+                </a:solidFill>
+              </a:rPr>
+              <a:t>Anweisung</a:t>
+            </a:r>
+            <a:endParaRPr lang="de-DE" dirty="0"/>
+          </a:p>
+        </p:txBody>
+      </p:sp>
+      <p:sp>
+        <p:nvSpPr>
+          <p:cNvPr id="34" name="Rechteck: abgerundete Ecken 33">
+            <a:extLst>
+              <a:ext uri="{FF2B5EF4-FFF2-40B4-BE49-F238E27FC236}">
+                <a16:creationId xmlns:a16="http://schemas.microsoft.com/office/drawing/2014/main" id="{972F04B0-44CB-C7BC-D2EE-77B99E944CB1}"/>
+              </a:ext>
+            </a:extLst>
+          </p:cNvPr>
+          <p:cNvSpPr/>
+          <p:nvPr/>
+        </p:nvSpPr>
+        <p:spPr>
+          <a:xfrm>
+            <a:off x="5744883" y="906872"/>
+            <a:ext cx="1374987" cy="633114"/>
+          </a:xfrm>
+          <a:prstGeom prst="roundRect">
+            <a:avLst/>
+          </a:prstGeom>
+          <a:noFill/>
+          <a:ln w="38100">
+            <a:solidFill>
+              <a:schemeClr val="tx1"/>
+            </a:solidFill>
+          </a:ln>
+        </p:spPr>
+        <p:style>
+          <a:lnRef idx="2">
+            <a:schemeClr val="accent1">
+              <a:shade val="50000"/>
+            </a:schemeClr>
+          </a:lnRef>
+          <a:fillRef idx="1">
+            <a:schemeClr val="accent1"/>
+          </a:fillRef>
+          <a:effectRef idx="0">
+            <a:schemeClr val="accent1"/>
+          </a:effectRef>
+          <a:fontRef idx="minor">
+            <a:schemeClr val="lt1"/>
+          </a:fontRef>
+        </p:style>
+        <p:txBody>
+          <a:bodyPr rtlCol="0" anchor="ctr"/>
+          <a:lstStyle/>
+          <a:p>
+            <a:pPr algn="ctr"/>
+            <a:r>
+              <a:rPr lang="de-DE" dirty="0">
+                <a:solidFill>
+                  <a:schemeClr val="tx1"/>
+                </a:solidFill>
+              </a:rPr>
+              <a:t>Funktions-aufruf</a:t>
+            </a:r>
+            <a:endParaRPr lang="de-DE" dirty="0"/>
+          </a:p>
+        </p:txBody>
+      </p:sp>
+      <p:sp>
+        <p:nvSpPr>
+          <p:cNvPr id="35" name="Rechteck: abgerundete Ecken 34">
+            <a:extLst>
+              <a:ext uri="{FF2B5EF4-FFF2-40B4-BE49-F238E27FC236}">
+                <a16:creationId xmlns:a16="http://schemas.microsoft.com/office/drawing/2014/main" id="{46B6CE22-3E02-3D72-9033-5E812CF1271B}"/>
+              </a:ext>
+            </a:extLst>
+          </p:cNvPr>
+          <p:cNvSpPr/>
+          <p:nvPr/>
+        </p:nvSpPr>
+        <p:spPr>
+          <a:xfrm>
+            <a:off x="5744884" y="1801705"/>
+            <a:ext cx="1374987" cy="633113"/>
+          </a:xfrm>
+          <a:prstGeom prst="roundRect">
+            <a:avLst/>
+          </a:prstGeom>
+          <a:noFill/>
+          <a:ln w="38100">
+            <a:solidFill>
+              <a:schemeClr val="tx1"/>
+            </a:solidFill>
+          </a:ln>
+        </p:spPr>
+        <p:style>
+          <a:lnRef idx="2">
+            <a:schemeClr val="accent1">
+              <a:shade val="50000"/>
+            </a:schemeClr>
+          </a:lnRef>
+          <a:fillRef idx="1">
+            <a:schemeClr val="accent1"/>
+          </a:fillRef>
+          <a:effectRef idx="0">
+            <a:schemeClr val="accent1"/>
+          </a:effectRef>
+          <a:fontRef idx="minor">
+            <a:schemeClr val="lt1"/>
+          </a:fontRef>
+        </p:style>
+        <p:txBody>
+          <a:bodyPr rtlCol="0" anchor="ctr"/>
+          <a:lstStyle/>
+          <a:p>
+            <a:pPr algn="ctr"/>
+            <a:r>
+              <a:rPr lang="de-DE" sz="3000" dirty="0">
+                <a:solidFill>
+                  <a:schemeClr val="tx1"/>
+                </a:solidFill>
+              </a:rPr>
+              <a:t>&lt; (60)</a:t>
+            </a:r>
+          </a:p>
+        </p:txBody>
+      </p:sp>
+      <p:sp>
+        <p:nvSpPr>
+          <p:cNvPr id="36" name="Rechteck: abgerundete Ecken 35">
+            <a:extLst>
+              <a:ext uri="{FF2B5EF4-FFF2-40B4-BE49-F238E27FC236}">
+                <a16:creationId xmlns:a16="http://schemas.microsoft.com/office/drawing/2014/main" id="{E9DF7C98-A498-AA96-9E23-723063895460}"/>
+              </a:ext>
+            </a:extLst>
+          </p:cNvPr>
+          <p:cNvSpPr/>
+          <p:nvPr/>
+        </p:nvSpPr>
+        <p:spPr>
+          <a:xfrm>
+            <a:off x="5744884" y="2545837"/>
+            <a:ext cx="1374987" cy="633113"/>
+          </a:xfrm>
+          <a:prstGeom prst="roundRect">
+            <a:avLst/>
+          </a:prstGeom>
+          <a:noFill/>
+          <a:ln w="38100">
+            <a:solidFill>
+              <a:schemeClr val="tx1"/>
+            </a:solidFill>
+          </a:ln>
+        </p:spPr>
+        <p:style>
+          <a:lnRef idx="2">
+            <a:schemeClr val="accent1">
+              <a:shade val="50000"/>
+            </a:schemeClr>
+          </a:lnRef>
+          <a:fillRef idx="1">
+            <a:schemeClr val="accent1"/>
+          </a:fillRef>
+          <a:effectRef idx="0">
+            <a:schemeClr val="accent1"/>
+          </a:effectRef>
+          <a:fontRef idx="minor">
+            <a:schemeClr val="lt1"/>
+          </a:fontRef>
+        </p:style>
+        <p:txBody>
+          <a:bodyPr rtlCol="0" anchor="ctr"/>
+          <a:lstStyle/>
+          <a:p>
+            <a:pPr algn="ctr"/>
+            <a:r>
+              <a:rPr lang="de-DE" sz="3000" dirty="0">
+                <a:solidFill>
+                  <a:schemeClr val="tx1"/>
+                </a:solidFill>
+              </a:rPr>
+              <a:t>☺ (1)</a:t>
+            </a:r>
+          </a:p>
+        </p:txBody>
+      </p:sp>
+      <p:sp>
+        <p:nvSpPr>
+          <p:cNvPr id="37" name="Rechteck: abgerundete Ecken 36">
+            <a:extLst>
+              <a:ext uri="{FF2B5EF4-FFF2-40B4-BE49-F238E27FC236}">
+                <a16:creationId xmlns:a16="http://schemas.microsoft.com/office/drawing/2014/main" id="{016C40B4-F327-EEE1-3145-2885F452F514}"/>
+              </a:ext>
+            </a:extLst>
+          </p:cNvPr>
+          <p:cNvSpPr/>
+          <p:nvPr/>
+        </p:nvSpPr>
+        <p:spPr>
+          <a:xfrm>
+            <a:off x="5744883" y="3289968"/>
+            <a:ext cx="1374987" cy="633113"/>
+          </a:xfrm>
+          <a:prstGeom prst="roundRect">
+            <a:avLst/>
+          </a:prstGeom>
+          <a:noFill/>
+          <a:ln w="38100">
+            <a:solidFill>
+              <a:schemeClr val="tx1"/>
+            </a:solidFill>
+          </a:ln>
+        </p:spPr>
+        <p:style>
+          <a:lnRef idx="2">
+            <a:schemeClr val="accent1">
+              <a:shade val="50000"/>
+            </a:schemeClr>
+          </a:lnRef>
+          <a:fillRef idx="1">
+            <a:schemeClr val="accent1"/>
+          </a:fillRef>
+          <a:effectRef idx="0">
+            <a:schemeClr val="accent1"/>
+          </a:effectRef>
+          <a:fontRef idx="minor">
+            <a:schemeClr val="lt1"/>
+          </a:fontRef>
+        </p:style>
+        <p:txBody>
+          <a:bodyPr rtlCol="0" anchor="ctr"/>
+          <a:lstStyle/>
+          <a:p>
+            <a:pPr algn="ctr"/>
+            <a:r>
+              <a:rPr lang="de-DE" sz="3000" dirty="0">
+                <a:solidFill>
+                  <a:schemeClr val="tx1"/>
+                </a:solidFill>
+              </a:rPr>
+              <a:t> (9)</a:t>
+            </a:r>
+          </a:p>
+        </p:txBody>
+      </p:sp>
+      <p:sp>
+        <p:nvSpPr>
+          <p:cNvPr id="38" name="Rechteck: abgerundete Ecken 37">
+            <a:extLst>
+              <a:ext uri="{FF2B5EF4-FFF2-40B4-BE49-F238E27FC236}">
+                <a16:creationId xmlns:a16="http://schemas.microsoft.com/office/drawing/2014/main" id="{03CACE08-56A2-6E92-17FF-67D33B58433F}"/>
+              </a:ext>
+            </a:extLst>
+          </p:cNvPr>
+          <p:cNvSpPr/>
+          <p:nvPr/>
+        </p:nvSpPr>
+        <p:spPr>
+          <a:xfrm>
+            <a:off x="5744883" y="4028451"/>
+            <a:ext cx="1374987" cy="633113"/>
+          </a:xfrm>
+          <a:prstGeom prst="roundRect">
+            <a:avLst>
+              <a:gd name="adj" fmla="val 13457"/>
+            </a:avLst>
+          </a:prstGeom>
+          <a:noFill/>
+          <a:ln w="38100">
+            <a:solidFill>
+              <a:schemeClr val="tx1"/>
+            </a:solidFill>
+          </a:ln>
+        </p:spPr>
+        <p:style>
+          <a:lnRef idx="2">
+            <a:schemeClr val="accent1">
+              <a:shade val="50000"/>
+            </a:schemeClr>
+          </a:lnRef>
+          <a:fillRef idx="1">
+            <a:schemeClr val="accent1"/>
+          </a:fillRef>
+          <a:effectRef idx="0">
+            <a:schemeClr val="accent1"/>
+          </a:effectRef>
+          <a:fontRef idx="minor">
+            <a:schemeClr val="lt1"/>
+          </a:fontRef>
+        </p:style>
+        <p:txBody>
+          <a:bodyPr rtlCol="0" anchor="ctr"/>
+          <a:lstStyle/>
+          <a:p>
+            <a:pPr algn="ctr"/>
+            <a:r>
+              <a:rPr lang="de-DE" sz="3000" dirty="0">
+                <a:solidFill>
+                  <a:schemeClr val="tx1"/>
+                </a:solidFill>
+              </a:rPr>
+              <a:t>m(109)</a:t>
+            </a:r>
+          </a:p>
+        </p:txBody>
+      </p:sp>
+      <p:sp>
+        <p:nvSpPr>
+          <p:cNvPr id="2" name="Rechteck: abgerundete Ecken 1">
+            <a:extLst>
+              <a:ext uri="{FF2B5EF4-FFF2-40B4-BE49-F238E27FC236}">
+                <a16:creationId xmlns:a16="http://schemas.microsoft.com/office/drawing/2014/main" id="{3C73CDCF-0C6B-8BBC-A0A6-9BE50E5526A4}"/>
+              </a:ext>
+            </a:extLst>
+          </p:cNvPr>
+          <p:cNvSpPr/>
+          <p:nvPr/>
+        </p:nvSpPr>
+        <p:spPr>
+          <a:xfrm>
+            <a:off x="5744883" y="4770903"/>
+            <a:ext cx="6304877" cy="633113"/>
+          </a:xfrm>
+          <a:prstGeom prst="roundRect">
+            <a:avLst>
+              <a:gd name="adj" fmla="val 13457"/>
+            </a:avLst>
+          </a:prstGeom>
+          <a:noFill/>
+          <a:ln w="38100">
+            <a:solidFill>
+              <a:schemeClr val="tx1"/>
+            </a:solidFill>
+          </a:ln>
+        </p:spPr>
+        <p:style>
+          <a:lnRef idx="2">
+            <a:schemeClr val="accent1">
+              <a:shade val="50000"/>
+            </a:schemeClr>
+          </a:lnRef>
+          <a:fillRef idx="1">
+            <a:schemeClr val="accent1"/>
+          </a:fillRef>
+          <a:effectRef idx="0">
+            <a:schemeClr val="accent1"/>
+          </a:effectRef>
+          <a:fontRef idx="minor">
+            <a:schemeClr val="lt1"/>
+          </a:fontRef>
+        </p:style>
+        <p:txBody>
+          <a:bodyPr rtlCol="0" anchor="ctr"/>
+          <a:lstStyle/>
+          <a:p>
+            <a:pPr algn="ctr"/>
+            <a:r>
+              <a:rPr lang="de-DE" sz="3000" dirty="0">
+                <a:solidFill>
+                  <a:schemeClr val="tx1"/>
+                </a:solidFill>
+              </a:rPr>
+              <a:t>(0) | (20) (174) (41) (66) | (0) (1) (0) (0)</a:t>
+            </a:r>
+          </a:p>
+        </p:txBody>
+      </p:sp>
+      <p:sp>
+        <p:nvSpPr>
+          <p:cNvPr id="3" name="Rechteck: abgerundete Ecken 2">
+            <a:extLst>
+              <a:ext uri="{FF2B5EF4-FFF2-40B4-BE49-F238E27FC236}">
+                <a16:creationId xmlns:a16="http://schemas.microsoft.com/office/drawing/2014/main" id="{4B959154-A804-1283-A863-B575C6D47F76}"/>
+              </a:ext>
+            </a:extLst>
+          </p:cNvPr>
+          <p:cNvSpPr/>
+          <p:nvPr/>
+        </p:nvSpPr>
+        <p:spPr>
+          <a:xfrm>
+            <a:off x="5744882" y="5518698"/>
+            <a:ext cx="1374987" cy="633113"/>
+          </a:xfrm>
+          <a:prstGeom prst="roundRect">
+            <a:avLst/>
+          </a:prstGeom>
+          <a:noFill/>
+          <a:ln w="38100">
+            <a:solidFill>
+              <a:schemeClr val="tx1"/>
+            </a:solidFill>
+          </a:ln>
+        </p:spPr>
+        <p:style>
+          <a:lnRef idx="2">
+            <a:schemeClr val="accent1">
+              <a:shade val="50000"/>
+            </a:schemeClr>
+          </a:lnRef>
+          <a:fillRef idx="1">
+            <a:schemeClr val="accent1"/>
+          </a:fillRef>
+          <a:effectRef idx="0">
+            <a:schemeClr val="accent1"/>
+          </a:effectRef>
+          <a:fontRef idx="minor">
+            <a:schemeClr val="lt1"/>
+          </a:fontRef>
+        </p:style>
+        <p:txBody>
+          <a:bodyPr rtlCol="0" anchor="ctr"/>
+          <a:lstStyle/>
+          <a:p>
+            <a:pPr algn="ctr"/>
+            <a:r>
+              <a:rPr lang="de-DE" sz="3000" dirty="0">
+                <a:solidFill>
+                  <a:schemeClr val="tx1"/>
+                </a:solidFill>
+              </a:rPr>
+              <a:t>&gt; (62)</a:t>
+            </a:r>
+          </a:p>
+        </p:txBody>
+      </p:sp>
       <p:pic>
         <p:nvPicPr>
-          <p:cNvPr id="5" name="Inhaltsplatzhalter 4">
-            <a:extLst>
-              <a:ext uri="{FF2B5EF4-FFF2-40B4-BE49-F238E27FC236}">
-                <a16:creationId xmlns:a16="http://schemas.microsoft.com/office/drawing/2014/main" id="{218136B5-0ED7-44B9-19DF-4855B492F8BB}"/>
+          <p:cNvPr id="18" name="Grafik 17">
+            <a:extLst>
+              <a:ext uri="{FF2B5EF4-FFF2-40B4-BE49-F238E27FC236}">
+                <a16:creationId xmlns:a16="http://schemas.microsoft.com/office/drawing/2014/main" id="{89508751-645B-FF46-8486-1F6C5E83FFCE}"/>
               </a:ext>
             </a:extLst>
           </p:cNvPr>
           <p:cNvPicPr>
-            <a:picLocks noGrp="1" noChangeAspect="1"/>
+            <a:picLocks noChangeAspect="1"/>
           </p:cNvPicPr>
-          <p:nvPr>
-            <p:ph idx="1"/>
-          </p:nvPr>
+          <p:nvPr/>
         </p:nvPicPr>
-        <p:blipFill>
+        <p:blipFill rotWithShape="1">
           <a:blip r:embed="rId2"/>
-          <a:stretch>
-            <a:fillRect/>
-          </a:stretch>
+          <a:srcRect r="6975"/>
+          <a:stretch/>
         </p:blipFill>
         <p:spPr>
           <a:xfrm>
-            <a:off x="1213250" y="0"/>
-            <a:ext cx="4930163" cy="6906574"/>
-          </a:xfrm>
+            <a:off x="7451706" y="849297"/>
+            <a:ext cx="4412504" cy="3587183"/>
+          </a:xfrm>
+          <a:prstGeom prst="rect">
+            <a:avLst/>
+          </a:prstGeom>
         </p:spPr>
       </p:pic>
     </p:spTree>
     <p:extLst>
       <p:ext uri="{BB962C8B-B14F-4D97-AF65-F5344CB8AC3E}">
-        <p14:creationId xmlns:p14="http://schemas.microsoft.com/office/powerpoint/2010/main" val="2999168719"/>
+        <p14:creationId xmlns:p14="http://schemas.microsoft.com/office/powerpoint/2010/main" val="2339392420"/>
       </p:ext>
     </p:extLst>
   </p:cSld>
@@ -4641,14 +6090,6 @@
 <file path=ppt/slides/slide12.xml><?xml version="1.0" encoding="utf-8"?>
 <p:sld xmlns:a="http://schemas.openxmlformats.org/drawingml/2006/main" xmlns:r="http://schemas.openxmlformats.org/officeDocument/2006/relationships" xmlns:p="http://schemas.openxmlformats.org/presentationml/2006/main">
   <p:cSld>
-    <p:bg>
-      <p:bgPr>
-        <a:solidFill>
-          <a:srgbClr val="2B2B2B"/>
-        </a:solidFill>
-        <a:effectLst/>
-      </p:bgPr>
-    </p:bg>
     <p:spTree>
       <p:nvGrpSpPr>
         <p:cNvPr id="1" name=""/>
@@ -4663,148 +6104,1145 @@
           <a:chExt cx="0" cy="0"/>
         </a:xfrm>
       </p:grpSpPr>
+      <p:sp>
+        <p:nvSpPr>
+          <p:cNvPr id="4" name="Rechteck: abgerundete Ecken 3">
+            <a:extLst>
+              <a:ext uri="{FF2B5EF4-FFF2-40B4-BE49-F238E27FC236}">
+                <a16:creationId xmlns:a16="http://schemas.microsoft.com/office/drawing/2014/main" id="{A78B71E2-0ACC-D372-09CC-F48A502EBC0F}"/>
+              </a:ext>
+            </a:extLst>
+          </p:cNvPr>
+          <p:cNvSpPr/>
+          <p:nvPr/>
+        </p:nvSpPr>
+        <p:spPr>
+          <a:xfrm>
+            <a:off x="1618827" y="1801705"/>
+            <a:ext cx="3205421" cy="633114"/>
+          </a:xfrm>
+          <a:prstGeom prst="roundRect">
+            <a:avLst/>
+          </a:prstGeom>
+          <a:noFill/>
+          <a:ln w="38100">
+            <a:solidFill>
+              <a:schemeClr val="tx1"/>
+            </a:solidFill>
+          </a:ln>
+        </p:spPr>
+        <p:style>
+          <a:lnRef idx="2">
+            <a:schemeClr val="accent1">
+              <a:shade val="50000"/>
+            </a:schemeClr>
+          </a:lnRef>
+          <a:fillRef idx="1">
+            <a:schemeClr val="accent1"/>
+          </a:fillRef>
+          <a:effectRef idx="0">
+            <a:schemeClr val="accent1"/>
+          </a:effectRef>
+          <a:fontRef idx="minor">
+            <a:schemeClr val="lt1"/>
+          </a:fontRef>
+        </p:style>
+        <p:txBody>
+          <a:bodyPr rtlCol="0" anchor="ctr"/>
+          <a:lstStyle/>
+          <a:p>
+            <a:pPr algn="ctr"/>
+            <a:r>
+              <a:rPr lang="de-DE" dirty="0" err="1">
+                <a:solidFill>
+                  <a:schemeClr val="tx1"/>
+                </a:solidFill>
+              </a:rPr>
+              <a:t>ResponseStartCharacter</a:t>
+            </a:r>
+            <a:r>
+              <a:rPr lang="de-DE" dirty="0" err="1"/>
+              <a:t>S</a:t>
+            </a:r>
+            <a:endParaRPr lang="de-DE" dirty="0"/>
+          </a:p>
+        </p:txBody>
+      </p:sp>
+      <p:sp>
+        <p:nvSpPr>
+          <p:cNvPr id="5" name="Rechteck: abgerundete Ecken 4">
+            <a:extLst>
+              <a:ext uri="{FF2B5EF4-FFF2-40B4-BE49-F238E27FC236}">
+                <a16:creationId xmlns:a16="http://schemas.microsoft.com/office/drawing/2014/main" id="{6261D5BD-C9A7-405E-15E6-42C3AFA6857C}"/>
+              </a:ext>
+            </a:extLst>
+          </p:cNvPr>
+          <p:cNvSpPr/>
+          <p:nvPr/>
+        </p:nvSpPr>
+        <p:spPr>
+          <a:xfrm>
+            <a:off x="489636" y="1801706"/>
+            <a:ext cx="878577" cy="633113"/>
+          </a:xfrm>
+          <a:prstGeom prst="roundRect">
+            <a:avLst/>
+          </a:prstGeom>
+          <a:noFill/>
+          <a:ln w="38100">
+            <a:solidFill>
+              <a:schemeClr val="tx1"/>
+            </a:solidFill>
+          </a:ln>
+        </p:spPr>
+        <p:style>
+          <a:lnRef idx="2">
+            <a:schemeClr val="accent1">
+              <a:shade val="50000"/>
+            </a:schemeClr>
+          </a:lnRef>
+          <a:fillRef idx="1">
+            <a:schemeClr val="accent1"/>
+          </a:fillRef>
+          <a:effectRef idx="0">
+            <a:schemeClr val="accent1"/>
+          </a:effectRef>
+          <a:fontRef idx="minor">
+            <a:schemeClr val="lt1"/>
+          </a:fontRef>
+        </p:style>
+        <p:txBody>
+          <a:bodyPr rtlCol="0" anchor="ctr"/>
+          <a:lstStyle/>
+          <a:p>
+            <a:pPr algn="ctr"/>
+            <a:r>
+              <a:rPr lang="de-DE" sz="3200" dirty="0">
+                <a:solidFill>
+                  <a:schemeClr val="tx1"/>
+                </a:solidFill>
+              </a:rPr>
+              <a:t>1</a:t>
+            </a:r>
+          </a:p>
+        </p:txBody>
+      </p:sp>
+      <p:sp>
+        <p:nvSpPr>
+          <p:cNvPr id="6" name="Rechteck: abgerundete Ecken 5">
+            <a:extLst>
+              <a:ext uri="{FF2B5EF4-FFF2-40B4-BE49-F238E27FC236}">
+                <a16:creationId xmlns:a16="http://schemas.microsoft.com/office/drawing/2014/main" id="{9D3A0BBD-69F6-68E4-F6C0-68B64B5C8878}"/>
+              </a:ext>
+            </a:extLst>
+          </p:cNvPr>
+          <p:cNvSpPr/>
+          <p:nvPr/>
+        </p:nvSpPr>
+        <p:spPr>
+          <a:xfrm>
+            <a:off x="1618825" y="2691001"/>
+            <a:ext cx="3205421" cy="633114"/>
+          </a:xfrm>
+          <a:prstGeom prst="roundRect">
+            <a:avLst/>
+          </a:prstGeom>
+          <a:noFill/>
+          <a:ln w="38100">
+            <a:solidFill>
+              <a:schemeClr val="tx1"/>
+            </a:solidFill>
+          </a:ln>
+        </p:spPr>
+        <p:style>
+          <a:lnRef idx="2">
+            <a:schemeClr val="accent1">
+              <a:shade val="50000"/>
+            </a:schemeClr>
+          </a:lnRef>
+          <a:fillRef idx="1">
+            <a:schemeClr val="accent1"/>
+          </a:fillRef>
+          <a:effectRef idx="0">
+            <a:schemeClr val="accent1"/>
+          </a:effectRef>
+          <a:fontRef idx="minor">
+            <a:schemeClr val="lt1"/>
+          </a:fontRef>
+        </p:style>
+        <p:txBody>
+          <a:bodyPr rtlCol="0" anchor="ctr"/>
+          <a:lstStyle/>
+          <a:p>
+            <a:pPr algn="ctr"/>
+            <a:r>
+              <a:rPr lang="de-DE" dirty="0">
+                <a:solidFill>
+                  <a:schemeClr val="tx1"/>
+                </a:solidFill>
+              </a:rPr>
+              <a:t>Request ID</a:t>
+            </a:r>
+            <a:endParaRPr lang="de-DE" dirty="0"/>
+          </a:p>
+        </p:txBody>
+      </p:sp>
+      <p:sp>
+        <p:nvSpPr>
+          <p:cNvPr id="7" name="Rechteck: abgerundete Ecken 6">
+            <a:extLst>
+              <a:ext uri="{FF2B5EF4-FFF2-40B4-BE49-F238E27FC236}">
+                <a16:creationId xmlns:a16="http://schemas.microsoft.com/office/drawing/2014/main" id="{323A2A98-2CBD-F760-F0AF-1C386931691A}"/>
+              </a:ext>
+            </a:extLst>
+          </p:cNvPr>
+          <p:cNvSpPr/>
+          <p:nvPr/>
+        </p:nvSpPr>
+        <p:spPr>
+          <a:xfrm>
+            <a:off x="489634" y="2691002"/>
+            <a:ext cx="878577" cy="633113"/>
+          </a:xfrm>
+          <a:prstGeom prst="roundRect">
+            <a:avLst/>
+          </a:prstGeom>
+          <a:noFill/>
+          <a:ln w="38100">
+            <a:solidFill>
+              <a:schemeClr val="tx1"/>
+            </a:solidFill>
+          </a:ln>
+        </p:spPr>
+        <p:style>
+          <a:lnRef idx="2">
+            <a:schemeClr val="accent1">
+              <a:shade val="50000"/>
+            </a:schemeClr>
+          </a:lnRef>
+          <a:fillRef idx="1">
+            <a:schemeClr val="accent1"/>
+          </a:fillRef>
+          <a:effectRef idx="0">
+            <a:schemeClr val="accent1"/>
+          </a:effectRef>
+          <a:fontRef idx="minor">
+            <a:schemeClr val="lt1"/>
+          </a:fontRef>
+        </p:style>
+        <p:txBody>
+          <a:bodyPr rtlCol="0" anchor="ctr"/>
+          <a:lstStyle/>
+          <a:p>
+            <a:pPr algn="ctr"/>
+            <a:r>
+              <a:rPr lang="de-DE" sz="3200" dirty="0">
+                <a:solidFill>
+                  <a:schemeClr val="tx1"/>
+                </a:solidFill>
+              </a:rPr>
+              <a:t>1</a:t>
+            </a:r>
+          </a:p>
+        </p:txBody>
+      </p:sp>
+      <p:sp>
+        <p:nvSpPr>
+          <p:cNvPr id="8" name="Rechteck: abgerundete Ecken 7">
+            <a:extLst>
+              <a:ext uri="{FF2B5EF4-FFF2-40B4-BE49-F238E27FC236}">
+                <a16:creationId xmlns:a16="http://schemas.microsoft.com/office/drawing/2014/main" id="{AFFED479-E31A-C40C-C461-87E25167C518}"/>
+              </a:ext>
+            </a:extLst>
+          </p:cNvPr>
+          <p:cNvSpPr/>
+          <p:nvPr/>
+        </p:nvSpPr>
+        <p:spPr>
+          <a:xfrm>
+            <a:off x="1618825" y="3580297"/>
+            <a:ext cx="3205421" cy="633114"/>
+          </a:xfrm>
+          <a:prstGeom prst="roundRect">
+            <a:avLst/>
+          </a:prstGeom>
+          <a:noFill/>
+          <a:ln w="38100">
+            <a:solidFill>
+              <a:schemeClr val="tx1"/>
+            </a:solidFill>
+          </a:ln>
+        </p:spPr>
+        <p:style>
+          <a:lnRef idx="2">
+            <a:schemeClr val="accent1">
+              <a:shade val="50000"/>
+            </a:schemeClr>
+          </a:lnRef>
+          <a:fillRef idx="1">
+            <a:schemeClr val="accent1"/>
+          </a:fillRef>
+          <a:effectRef idx="0">
+            <a:schemeClr val="accent1"/>
+          </a:effectRef>
+          <a:fontRef idx="minor">
+            <a:schemeClr val="lt1"/>
+          </a:fontRef>
+        </p:style>
+        <p:txBody>
+          <a:bodyPr rtlCol="0" anchor="ctr"/>
+          <a:lstStyle/>
+          <a:p>
+            <a:pPr algn="ctr"/>
+            <a:r>
+              <a:rPr lang="de-DE" dirty="0">
+                <a:solidFill>
+                  <a:schemeClr val="tx1"/>
+                </a:solidFill>
+              </a:rPr>
+              <a:t>Response Size (in </a:t>
+            </a:r>
+            <a:r>
+              <a:rPr lang="de-DE" dirty="0" err="1">
+                <a:solidFill>
+                  <a:schemeClr val="tx1"/>
+                </a:solidFill>
+              </a:rPr>
+              <a:t>bytes</a:t>
+            </a:r>
+            <a:r>
+              <a:rPr lang="de-DE" dirty="0">
+                <a:solidFill>
+                  <a:schemeClr val="tx1"/>
+                </a:solidFill>
+              </a:rPr>
+              <a:t>)</a:t>
+            </a:r>
+            <a:endParaRPr lang="de-DE" dirty="0"/>
+          </a:p>
+        </p:txBody>
+      </p:sp>
+      <p:sp>
+        <p:nvSpPr>
+          <p:cNvPr id="9" name="Rechteck: abgerundete Ecken 8">
+            <a:extLst>
+              <a:ext uri="{FF2B5EF4-FFF2-40B4-BE49-F238E27FC236}">
+                <a16:creationId xmlns:a16="http://schemas.microsoft.com/office/drawing/2014/main" id="{8687227A-7EF6-E404-4BB6-BF2640FEDD3E}"/>
+              </a:ext>
+            </a:extLst>
+          </p:cNvPr>
+          <p:cNvSpPr/>
+          <p:nvPr/>
+        </p:nvSpPr>
+        <p:spPr>
+          <a:xfrm>
+            <a:off x="489634" y="3580298"/>
+            <a:ext cx="878577" cy="633113"/>
+          </a:xfrm>
+          <a:prstGeom prst="roundRect">
+            <a:avLst/>
+          </a:prstGeom>
+          <a:noFill/>
+          <a:ln w="38100">
+            <a:solidFill>
+              <a:schemeClr val="tx1"/>
+            </a:solidFill>
+          </a:ln>
+        </p:spPr>
+        <p:style>
+          <a:lnRef idx="2">
+            <a:schemeClr val="accent1">
+              <a:shade val="50000"/>
+            </a:schemeClr>
+          </a:lnRef>
+          <a:fillRef idx="1">
+            <a:schemeClr val="accent1"/>
+          </a:fillRef>
+          <a:effectRef idx="0">
+            <a:schemeClr val="accent1"/>
+          </a:effectRef>
+          <a:fontRef idx="minor">
+            <a:schemeClr val="lt1"/>
+          </a:fontRef>
+        </p:style>
+        <p:txBody>
+          <a:bodyPr rtlCol="0" anchor="ctr"/>
+          <a:lstStyle/>
+          <a:p>
+            <a:pPr algn="ctr"/>
+            <a:r>
+              <a:rPr lang="de-DE" sz="3200" dirty="0">
+                <a:solidFill>
+                  <a:schemeClr val="tx1"/>
+                </a:solidFill>
+              </a:rPr>
+              <a:t>1</a:t>
+            </a:r>
+          </a:p>
+        </p:txBody>
+      </p:sp>
+      <p:sp>
+        <p:nvSpPr>
+          <p:cNvPr id="12" name="Rechteck: abgerundete Ecken 11">
+            <a:extLst>
+              <a:ext uri="{FF2B5EF4-FFF2-40B4-BE49-F238E27FC236}">
+                <a16:creationId xmlns:a16="http://schemas.microsoft.com/office/drawing/2014/main" id="{E2FA0AE1-6AAE-33B8-9F96-D2C57D7FBCCE}"/>
+              </a:ext>
+            </a:extLst>
+          </p:cNvPr>
+          <p:cNvSpPr/>
+          <p:nvPr/>
+        </p:nvSpPr>
+        <p:spPr>
+          <a:xfrm>
+            <a:off x="1618825" y="4469593"/>
+            <a:ext cx="3205421" cy="633114"/>
+          </a:xfrm>
+          <a:prstGeom prst="roundRect">
+            <a:avLst/>
+          </a:prstGeom>
+          <a:noFill/>
+          <a:ln w="38100">
+            <a:solidFill>
+              <a:schemeClr val="tx1"/>
+            </a:solidFill>
+          </a:ln>
+        </p:spPr>
+        <p:style>
+          <a:lnRef idx="2">
+            <a:schemeClr val="accent1">
+              <a:shade val="50000"/>
+            </a:schemeClr>
+          </a:lnRef>
+          <a:fillRef idx="1">
+            <a:schemeClr val="accent1"/>
+          </a:fillRef>
+          <a:effectRef idx="0">
+            <a:schemeClr val="accent1"/>
+          </a:effectRef>
+          <a:fontRef idx="minor">
+            <a:schemeClr val="lt1"/>
+          </a:fontRef>
+        </p:style>
+        <p:txBody>
+          <a:bodyPr rtlCol="0" anchor="ctr"/>
+          <a:lstStyle/>
+          <a:p>
+            <a:pPr algn="ctr"/>
+            <a:r>
+              <a:rPr lang="de-DE" dirty="0" err="1">
+                <a:solidFill>
+                  <a:schemeClr val="tx1"/>
+                </a:solidFill>
+              </a:rPr>
+              <a:t>Respose</a:t>
+            </a:r>
+            <a:endParaRPr lang="de-DE" dirty="0"/>
+          </a:p>
+        </p:txBody>
+      </p:sp>
+      <p:sp>
+        <p:nvSpPr>
+          <p:cNvPr id="13" name="Rechteck: abgerundete Ecken 12">
+            <a:extLst>
+              <a:ext uri="{FF2B5EF4-FFF2-40B4-BE49-F238E27FC236}">
+                <a16:creationId xmlns:a16="http://schemas.microsoft.com/office/drawing/2014/main" id="{337C0DAB-D27F-F86C-2F7B-B0ABE610F25A}"/>
+              </a:ext>
+            </a:extLst>
+          </p:cNvPr>
+          <p:cNvSpPr/>
+          <p:nvPr/>
+        </p:nvSpPr>
+        <p:spPr>
+          <a:xfrm>
+            <a:off x="489636" y="4469594"/>
+            <a:ext cx="878578" cy="633113"/>
+          </a:xfrm>
+          <a:prstGeom prst="roundRect">
+            <a:avLst>
+              <a:gd name="adj" fmla="val 17737"/>
+            </a:avLst>
+          </a:prstGeom>
+          <a:noFill/>
+          <a:ln w="38100">
+            <a:solidFill>
+              <a:schemeClr val="tx1"/>
+            </a:solidFill>
+          </a:ln>
+        </p:spPr>
+        <p:style>
+          <a:lnRef idx="2">
+            <a:schemeClr val="accent1">
+              <a:shade val="50000"/>
+            </a:schemeClr>
+          </a:lnRef>
+          <a:fillRef idx="1">
+            <a:schemeClr val="accent1"/>
+          </a:fillRef>
+          <a:effectRef idx="0">
+            <a:schemeClr val="accent1"/>
+          </a:effectRef>
+          <a:fontRef idx="minor">
+            <a:schemeClr val="lt1"/>
+          </a:fontRef>
+        </p:style>
+        <p:txBody>
+          <a:bodyPr rtlCol="0" anchor="ctr"/>
+          <a:lstStyle/>
+          <a:p>
+            <a:pPr algn="ctr"/>
+            <a:r>
+              <a:rPr lang="de-DE" sz="2200" dirty="0">
+                <a:solidFill>
+                  <a:schemeClr val="tx1"/>
+                </a:solidFill>
+              </a:rPr>
+              <a:t>Value Size</a:t>
+            </a:r>
+          </a:p>
+        </p:txBody>
+      </p:sp>
+      <p:sp>
+        <p:nvSpPr>
+          <p:cNvPr id="14" name="Rechteck: abgerundete Ecken 13">
+            <a:extLst>
+              <a:ext uri="{FF2B5EF4-FFF2-40B4-BE49-F238E27FC236}">
+                <a16:creationId xmlns:a16="http://schemas.microsoft.com/office/drawing/2014/main" id="{B708E0CD-20C1-0CF0-C545-6F84643679B8}"/>
+              </a:ext>
+            </a:extLst>
+          </p:cNvPr>
+          <p:cNvSpPr/>
+          <p:nvPr/>
+        </p:nvSpPr>
+        <p:spPr>
+          <a:xfrm>
+            <a:off x="1618825" y="5358889"/>
+            <a:ext cx="3205422" cy="633114"/>
+          </a:xfrm>
+          <a:prstGeom prst="roundRect">
+            <a:avLst/>
+          </a:prstGeom>
+          <a:noFill/>
+          <a:ln w="38100">
+            <a:solidFill>
+              <a:schemeClr val="tx1"/>
+            </a:solidFill>
+          </a:ln>
+        </p:spPr>
+        <p:style>
+          <a:lnRef idx="2">
+            <a:schemeClr val="accent1">
+              <a:shade val="50000"/>
+            </a:schemeClr>
+          </a:lnRef>
+          <a:fillRef idx="1">
+            <a:schemeClr val="accent1"/>
+          </a:fillRef>
+          <a:effectRef idx="0">
+            <a:schemeClr val="accent1"/>
+          </a:effectRef>
+          <a:fontRef idx="minor">
+            <a:schemeClr val="lt1"/>
+          </a:fontRef>
+        </p:style>
+        <p:txBody>
+          <a:bodyPr rtlCol="0" anchor="ctr"/>
+          <a:lstStyle/>
+          <a:p>
+            <a:pPr algn="ctr"/>
+            <a:r>
+              <a:rPr lang="de-DE" dirty="0" err="1">
+                <a:solidFill>
+                  <a:schemeClr val="tx1"/>
+                </a:solidFill>
+              </a:rPr>
+              <a:t>ResponseEndCharacter</a:t>
+            </a:r>
+            <a:r>
+              <a:rPr lang="de-DE" dirty="0" err="1"/>
+              <a:t>S</a:t>
+            </a:r>
+            <a:endParaRPr lang="de-DE" dirty="0"/>
+          </a:p>
+        </p:txBody>
+      </p:sp>
+      <p:sp>
+        <p:nvSpPr>
+          <p:cNvPr id="15" name="Rechteck: abgerundete Ecken 14">
+            <a:extLst>
+              <a:ext uri="{FF2B5EF4-FFF2-40B4-BE49-F238E27FC236}">
+                <a16:creationId xmlns:a16="http://schemas.microsoft.com/office/drawing/2014/main" id="{B3CF6E63-C75C-6F5B-B401-BDA0A00EB6D0}"/>
+              </a:ext>
+            </a:extLst>
+          </p:cNvPr>
+          <p:cNvSpPr/>
+          <p:nvPr/>
+        </p:nvSpPr>
+        <p:spPr>
+          <a:xfrm>
+            <a:off x="489636" y="5358889"/>
+            <a:ext cx="878577" cy="633113"/>
+          </a:xfrm>
+          <a:prstGeom prst="roundRect">
+            <a:avLst/>
+          </a:prstGeom>
+          <a:noFill/>
+          <a:ln w="38100">
+            <a:solidFill>
+              <a:schemeClr val="tx1"/>
+            </a:solidFill>
+          </a:ln>
+        </p:spPr>
+        <p:style>
+          <a:lnRef idx="2">
+            <a:schemeClr val="accent1">
+              <a:shade val="50000"/>
+            </a:schemeClr>
+          </a:lnRef>
+          <a:fillRef idx="1">
+            <a:schemeClr val="accent1"/>
+          </a:fillRef>
+          <a:effectRef idx="0">
+            <a:schemeClr val="accent1"/>
+          </a:effectRef>
+          <a:fontRef idx="minor">
+            <a:schemeClr val="lt1"/>
+          </a:fontRef>
+        </p:style>
+        <p:txBody>
+          <a:bodyPr rtlCol="0" anchor="ctr"/>
+          <a:lstStyle/>
+          <a:p>
+            <a:pPr algn="ctr"/>
+            <a:r>
+              <a:rPr lang="de-DE" sz="3200" dirty="0">
+                <a:solidFill>
+                  <a:schemeClr val="tx1"/>
+                </a:solidFill>
+              </a:rPr>
+              <a:t>1</a:t>
+            </a:r>
+          </a:p>
+        </p:txBody>
+      </p:sp>
+      <p:sp>
+        <p:nvSpPr>
+          <p:cNvPr id="24" name="Rechteck: abgerundete Ecken 23">
+            <a:extLst>
+              <a:ext uri="{FF2B5EF4-FFF2-40B4-BE49-F238E27FC236}">
+                <a16:creationId xmlns:a16="http://schemas.microsoft.com/office/drawing/2014/main" id="{9CFA5687-7749-F3AF-6379-5992264E4DDE}"/>
+              </a:ext>
+            </a:extLst>
+          </p:cNvPr>
+          <p:cNvSpPr/>
+          <p:nvPr/>
+        </p:nvSpPr>
+        <p:spPr>
+          <a:xfrm>
+            <a:off x="411742" y="906872"/>
+            <a:ext cx="1034364" cy="633114"/>
+          </a:xfrm>
+          <a:prstGeom prst="roundRect">
+            <a:avLst/>
+          </a:prstGeom>
+          <a:noFill/>
+          <a:ln w="38100">
+            <a:solidFill>
+              <a:schemeClr val="tx1"/>
+            </a:solidFill>
+          </a:ln>
+        </p:spPr>
+        <p:style>
+          <a:lnRef idx="2">
+            <a:schemeClr val="accent1">
+              <a:shade val="50000"/>
+            </a:schemeClr>
+          </a:lnRef>
+          <a:fillRef idx="1">
+            <a:schemeClr val="accent1"/>
+          </a:fillRef>
+          <a:effectRef idx="0">
+            <a:schemeClr val="accent1"/>
+          </a:effectRef>
+          <a:fontRef idx="minor">
+            <a:schemeClr val="lt1"/>
+          </a:fontRef>
+        </p:style>
+        <p:txBody>
+          <a:bodyPr rtlCol="0" anchor="ctr"/>
+          <a:lstStyle/>
+          <a:p>
+            <a:pPr algn="ctr"/>
+            <a:r>
+              <a:rPr lang="de-DE" dirty="0">
+                <a:solidFill>
+                  <a:schemeClr val="tx1"/>
+                </a:solidFill>
+              </a:rPr>
+              <a:t>Größe in Bytes</a:t>
+            </a:r>
+            <a:endParaRPr lang="de-DE" dirty="0"/>
+          </a:p>
+        </p:txBody>
+      </p:sp>
+      <p:sp>
+        <p:nvSpPr>
+          <p:cNvPr id="27" name="Rechteck: abgerundete Ecken 26">
+            <a:extLst>
+              <a:ext uri="{FF2B5EF4-FFF2-40B4-BE49-F238E27FC236}">
+                <a16:creationId xmlns:a16="http://schemas.microsoft.com/office/drawing/2014/main" id="{99CA01E8-7BAB-2B01-2F2D-8E641058B9C4}"/>
+              </a:ext>
+            </a:extLst>
+          </p:cNvPr>
+          <p:cNvSpPr/>
+          <p:nvPr/>
+        </p:nvSpPr>
+        <p:spPr>
+          <a:xfrm>
+            <a:off x="2534042" y="906872"/>
+            <a:ext cx="1374987" cy="633114"/>
+          </a:xfrm>
+          <a:prstGeom prst="roundRect">
+            <a:avLst/>
+          </a:prstGeom>
+          <a:noFill/>
+          <a:ln w="38100">
+            <a:solidFill>
+              <a:schemeClr val="tx1"/>
+            </a:solidFill>
+          </a:ln>
+        </p:spPr>
+        <p:style>
+          <a:lnRef idx="2">
+            <a:schemeClr val="accent1">
+              <a:shade val="50000"/>
+            </a:schemeClr>
+          </a:lnRef>
+          <a:fillRef idx="1">
+            <a:schemeClr val="accent1"/>
+          </a:fillRef>
+          <a:effectRef idx="0">
+            <a:schemeClr val="accent1"/>
+          </a:effectRef>
+          <a:fontRef idx="minor">
+            <a:schemeClr val="lt1"/>
+          </a:fontRef>
+        </p:style>
+        <p:txBody>
+          <a:bodyPr rtlCol="0" anchor="ctr"/>
+          <a:lstStyle/>
+          <a:p>
+            <a:pPr algn="ctr"/>
+            <a:r>
+              <a:rPr lang="de-DE" dirty="0">
+                <a:solidFill>
+                  <a:schemeClr val="tx1"/>
+                </a:solidFill>
+              </a:rPr>
+              <a:t>Antwort</a:t>
+            </a:r>
+            <a:endParaRPr lang="de-DE" dirty="0"/>
+          </a:p>
+        </p:txBody>
+      </p:sp>
+      <p:sp>
+        <p:nvSpPr>
+          <p:cNvPr id="34" name="Rechteck: abgerundete Ecken 33">
+            <a:extLst>
+              <a:ext uri="{FF2B5EF4-FFF2-40B4-BE49-F238E27FC236}">
+                <a16:creationId xmlns:a16="http://schemas.microsoft.com/office/drawing/2014/main" id="{972F04B0-44CB-C7BC-D2EE-77B99E944CB1}"/>
+              </a:ext>
+            </a:extLst>
+          </p:cNvPr>
+          <p:cNvSpPr/>
+          <p:nvPr/>
+        </p:nvSpPr>
+        <p:spPr>
+          <a:xfrm>
+            <a:off x="5508432" y="906872"/>
+            <a:ext cx="1847881" cy="633114"/>
+          </a:xfrm>
+          <a:prstGeom prst="roundRect">
+            <a:avLst/>
+          </a:prstGeom>
+          <a:noFill/>
+          <a:ln w="38100">
+            <a:solidFill>
+              <a:schemeClr val="tx1"/>
+            </a:solidFill>
+          </a:ln>
+        </p:spPr>
+        <p:style>
+          <a:lnRef idx="2">
+            <a:schemeClr val="accent1">
+              <a:shade val="50000"/>
+            </a:schemeClr>
+          </a:lnRef>
+          <a:fillRef idx="1">
+            <a:schemeClr val="accent1"/>
+          </a:fillRef>
+          <a:effectRef idx="0">
+            <a:schemeClr val="accent1"/>
+          </a:effectRef>
+          <a:fontRef idx="minor">
+            <a:schemeClr val="lt1"/>
+          </a:fontRef>
+        </p:style>
+        <p:txBody>
+          <a:bodyPr rtlCol="0" anchor="ctr"/>
+          <a:lstStyle/>
+          <a:p>
+            <a:pPr algn="ctr"/>
+            <a:r>
+              <a:rPr lang="de-DE" dirty="0" err="1">
+                <a:solidFill>
+                  <a:schemeClr val="tx1"/>
+                </a:solidFill>
+              </a:rPr>
+              <a:t>Anwort</a:t>
+            </a:r>
+            <a:r>
+              <a:rPr lang="de-DE" dirty="0">
+                <a:solidFill>
+                  <a:schemeClr val="tx1"/>
+                </a:solidFill>
+              </a:rPr>
+              <a:t> auf den Funktionsaufruf</a:t>
+            </a:r>
+            <a:endParaRPr lang="de-DE" dirty="0"/>
+          </a:p>
+        </p:txBody>
+      </p:sp>
+      <p:sp>
+        <p:nvSpPr>
+          <p:cNvPr id="35" name="Rechteck: abgerundete Ecken 34">
+            <a:extLst>
+              <a:ext uri="{FF2B5EF4-FFF2-40B4-BE49-F238E27FC236}">
+                <a16:creationId xmlns:a16="http://schemas.microsoft.com/office/drawing/2014/main" id="{46B6CE22-3E02-3D72-9033-5E812CF1271B}"/>
+              </a:ext>
+            </a:extLst>
+          </p:cNvPr>
+          <p:cNvSpPr/>
+          <p:nvPr/>
+        </p:nvSpPr>
+        <p:spPr>
+          <a:xfrm>
+            <a:off x="5744881" y="1801705"/>
+            <a:ext cx="1374987" cy="633113"/>
+          </a:xfrm>
+          <a:prstGeom prst="roundRect">
+            <a:avLst/>
+          </a:prstGeom>
+          <a:noFill/>
+          <a:ln w="38100">
+            <a:solidFill>
+              <a:schemeClr val="tx1"/>
+            </a:solidFill>
+          </a:ln>
+        </p:spPr>
+        <p:style>
+          <a:lnRef idx="2">
+            <a:schemeClr val="accent1">
+              <a:shade val="50000"/>
+            </a:schemeClr>
+          </a:lnRef>
+          <a:fillRef idx="1">
+            <a:schemeClr val="accent1"/>
+          </a:fillRef>
+          <a:effectRef idx="0">
+            <a:schemeClr val="accent1"/>
+          </a:effectRef>
+          <a:fontRef idx="minor">
+            <a:schemeClr val="lt1"/>
+          </a:fontRef>
+        </p:style>
+        <p:txBody>
+          <a:bodyPr rtlCol="0" anchor="ctr"/>
+          <a:lstStyle/>
+          <a:p>
+            <a:pPr algn="ctr"/>
+            <a:r>
+              <a:rPr lang="de-DE" sz="3000" dirty="0">
+                <a:solidFill>
+                  <a:schemeClr val="tx1"/>
+                </a:solidFill>
+              </a:rPr>
+              <a:t>? (63)</a:t>
+            </a:r>
+          </a:p>
+        </p:txBody>
+      </p:sp>
+      <p:sp>
+        <p:nvSpPr>
+          <p:cNvPr id="36" name="Rechteck: abgerundete Ecken 35">
+            <a:extLst>
+              <a:ext uri="{FF2B5EF4-FFF2-40B4-BE49-F238E27FC236}">
+                <a16:creationId xmlns:a16="http://schemas.microsoft.com/office/drawing/2014/main" id="{E9DF7C98-A498-AA96-9E23-723063895460}"/>
+              </a:ext>
+            </a:extLst>
+          </p:cNvPr>
+          <p:cNvSpPr/>
+          <p:nvPr/>
+        </p:nvSpPr>
+        <p:spPr>
+          <a:xfrm>
+            <a:off x="5744880" y="2693174"/>
+            <a:ext cx="1374987" cy="633113"/>
+          </a:xfrm>
+          <a:prstGeom prst="roundRect">
+            <a:avLst/>
+          </a:prstGeom>
+          <a:noFill/>
+          <a:ln w="38100">
+            <a:solidFill>
+              <a:schemeClr val="tx1"/>
+            </a:solidFill>
+          </a:ln>
+        </p:spPr>
+        <p:style>
+          <a:lnRef idx="2">
+            <a:schemeClr val="accent1">
+              <a:shade val="50000"/>
+            </a:schemeClr>
+          </a:lnRef>
+          <a:fillRef idx="1">
+            <a:schemeClr val="accent1"/>
+          </a:fillRef>
+          <a:effectRef idx="0">
+            <a:schemeClr val="accent1"/>
+          </a:effectRef>
+          <a:fontRef idx="minor">
+            <a:schemeClr val="lt1"/>
+          </a:fontRef>
+        </p:style>
+        <p:txBody>
+          <a:bodyPr rtlCol="0" anchor="ctr"/>
+          <a:lstStyle/>
+          <a:p>
+            <a:pPr algn="ctr"/>
+            <a:r>
+              <a:rPr lang="de-DE" sz="3000" dirty="0">
+                <a:solidFill>
+                  <a:schemeClr val="tx1"/>
+                </a:solidFill>
+              </a:rPr>
+              <a:t>☺ (1)</a:t>
+            </a:r>
+          </a:p>
+        </p:txBody>
+      </p:sp>
+      <p:sp>
+        <p:nvSpPr>
+          <p:cNvPr id="37" name="Rechteck: abgerundete Ecken 36">
+            <a:extLst>
+              <a:ext uri="{FF2B5EF4-FFF2-40B4-BE49-F238E27FC236}">
+                <a16:creationId xmlns:a16="http://schemas.microsoft.com/office/drawing/2014/main" id="{016C40B4-F327-EEE1-3145-2885F452F514}"/>
+              </a:ext>
+            </a:extLst>
+          </p:cNvPr>
+          <p:cNvSpPr/>
+          <p:nvPr/>
+        </p:nvSpPr>
+        <p:spPr>
+          <a:xfrm>
+            <a:off x="5744880" y="3588006"/>
+            <a:ext cx="1374987" cy="633113"/>
+          </a:xfrm>
+          <a:prstGeom prst="roundRect">
+            <a:avLst/>
+          </a:prstGeom>
+          <a:noFill/>
+          <a:ln w="38100">
+            <a:solidFill>
+              <a:schemeClr val="tx1"/>
+            </a:solidFill>
+          </a:ln>
+        </p:spPr>
+        <p:style>
+          <a:lnRef idx="2">
+            <a:schemeClr val="accent1">
+              <a:shade val="50000"/>
+            </a:schemeClr>
+          </a:lnRef>
+          <a:fillRef idx="1">
+            <a:schemeClr val="accent1"/>
+          </a:fillRef>
+          <a:effectRef idx="0">
+            <a:schemeClr val="accent1"/>
+          </a:effectRef>
+          <a:fontRef idx="minor">
+            <a:schemeClr val="lt1"/>
+          </a:fontRef>
+        </p:style>
+        <p:txBody>
+          <a:bodyPr rtlCol="0" anchor="ctr"/>
+          <a:lstStyle/>
+          <a:p>
+            <a:pPr algn="ctr"/>
+            <a:r>
+              <a:rPr lang="de-DE" sz="3000" dirty="0">
+                <a:solidFill>
+                  <a:schemeClr val="tx1"/>
+                </a:solidFill>
+              </a:rPr>
+              <a:t>♦ (4)</a:t>
+            </a:r>
+          </a:p>
+        </p:txBody>
+      </p:sp>
+      <p:sp>
+        <p:nvSpPr>
+          <p:cNvPr id="2" name="Rechteck: abgerundete Ecken 1">
+            <a:extLst>
+              <a:ext uri="{FF2B5EF4-FFF2-40B4-BE49-F238E27FC236}">
+                <a16:creationId xmlns:a16="http://schemas.microsoft.com/office/drawing/2014/main" id="{3C73CDCF-0C6B-8BBC-A0A6-9BE50E5526A4}"/>
+              </a:ext>
+            </a:extLst>
+          </p:cNvPr>
+          <p:cNvSpPr/>
+          <p:nvPr/>
+        </p:nvSpPr>
+        <p:spPr>
+          <a:xfrm>
+            <a:off x="5733783" y="4469594"/>
+            <a:ext cx="3298458" cy="633113"/>
+          </a:xfrm>
+          <a:prstGeom prst="roundRect">
+            <a:avLst>
+              <a:gd name="adj" fmla="val 13457"/>
+            </a:avLst>
+          </a:prstGeom>
+          <a:noFill/>
+          <a:ln w="38100">
+            <a:solidFill>
+              <a:schemeClr val="tx1"/>
+            </a:solidFill>
+          </a:ln>
+        </p:spPr>
+        <p:style>
+          <a:lnRef idx="2">
+            <a:schemeClr val="accent1">
+              <a:shade val="50000"/>
+            </a:schemeClr>
+          </a:lnRef>
+          <a:fillRef idx="1">
+            <a:schemeClr val="accent1"/>
+          </a:fillRef>
+          <a:effectRef idx="0">
+            <a:schemeClr val="accent1"/>
+          </a:effectRef>
+          <a:fontRef idx="minor">
+            <a:schemeClr val="lt1"/>
+          </a:fontRef>
+        </p:style>
+        <p:txBody>
+          <a:bodyPr rtlCol="0" anchor="ctr"/>
+          <a:lstStyle/>
+          <a:p>
+            <a:pPr algn="ctr"/>
+            <a:r>
+              <a:rPr lang="de-DE" sz="3000" dirty="0">
+                <a:solidFill>
+                  <a:schemeClr val="tx1"/>
+                </a:solidFill>
+              </a:rPr>
+              <a:t>(20) (174) (41) (62)</a:t>
+            </a:r>
+          </a:p>
+        </p:txBody>
+      </p:sp>
+      <p:sp>
+        <p:nvSpPr>
+          <p:cNvPr id="3" name="Rechteck: abgerundete Ecken 2">
+            <a:extLst>
+              <a:ext uri="{FF2B5EF4-FFF2-40B4-BE49-F238E27FC236}">
+                <a16:creationId xmlns:a16="http://schemas.microsoft.com/office/drawing/2014/main" id="{4B959154-A804-1283-A863-B575C6D47F76}"/>
+              </a:ext>
+            </a:extLst>
+          </p:cNvPr>
+          <p:cNvSpPr/>
+          <p:nvPr/>
+        </p:nvSpPr>
+        <p:spPr>
+          <a:xfrm>
+            <a:off x="5744880" y="5358889"/>
+            <a:ext cx="1374987" cy="633113"/>
+          </a:xfrm>
+          <a:prstGeom prst="roundRect">
+            <a:avLst/>
+          </a:prstGeom>
+          <a:noFill/>
+          <a:ln w="38100">
+            <a:solidFill>
+              <a:schemeClr val="tx1"/>
+            </a:solidFill>
+          </a:ln>
+        </p:spPr>
+        <p:style>
+          <a:lnRef idx="2">
+            <a:schemeClr val="accent1">
+              <a:shade val="50000"/>
+            </a:schemeClr>
+          </a:lnRef>
+          <a:fillRef idx="1">
+            <a:schemeClr val="accent1"/>
+          </a:fillRef>
+          <a:effectRef idx="0">
+            <a:schemeClr val="accent1"/>
+          </a:effectRef>
+          <a:fontRef idx="minor">
+            <a:schemeClr val="lt1"/>
+          </a:fontRef>
+        </p:style>
+        <p:txBody>
+          <a:bodyPr rtlCol="0" anchor="ctr"/>
+          <a:lstStyle/>
+          <a:p>
+            <a:pPr algn="ctr"/>
+            <a:r>
+              <a:rPr lang="de-DE" sz="3000" dirty="0">
+                <a:solidFill>
+                  <a:schemeClr val="tx1"/>
+                </a:solidFill>
+              </a:rPr>
+              <a:t>&gt; (62)</a:t>
+            </a:r>
+          </a:p>
+        </p:txBody>
+      </p:sp>
       <p:pic>
         <p:nvPicPr>
-          <p:cNvPr id="5" name="Inhaltsplatzhalter 4">
-            <a:extLst>
-              <a:ext uri="{FF2B5EF4-FFF2-40B4-BE49-F238E27FC236}">
-                <a16:creationId xmlns:a16="http://schemas.microsoft.com/office/drawing/2014/main" id="{218136B5-0ED7-44B9-19DF-4855B492F8BB}"/>
+          <p:cNvPr id="18" name="Grafik 17">
+            <a:extLst>
+              <a:ext uri="{FF2B5EF4-FFF2-40B4-BE49-F238E27FC236}">
+                <a16:creationId xmlns:a16="http://schemas.microsoft.com/office/drawing/2014/main" id="{89508751-645B-FF46-8486-1F6C5E83FFCE}"/>
               </a:ext>
             </a:extLst>
           </p:cNvPr>
           <p:cNvPicPr>
-            <a:picLocks noGrp="1" noChangeAspect="1"/>
+            <a:picLocks noChangeAspect="1"/>
           </p:cNvPicPr>
-          <p:nvPr>
-            <p:ph idx="1"/>
-          </p:nvPr>
+          <p:nvPr/>
         </p:nvPicPr>
-        <p:blipFill>
+        <p:blipFill rotWithShape="1">
           <a:blip r:embed="rId2"/>
-          <a:stretch>
-            <a:fillRect/>
-          </a:stretch>
+          <a:srcRect r="6975"/>
+          <a:stretch/>
         </p:blipFill>
         <p:spPr>
           <a:xfrm>
-            <a:off x="1213250" y="0"/>
-            <a:ext cx="4930163" cy="6906574"/>
-          </a:xfrm>
-        </p:spPr>
-      </p:pic>
-      <p:sp>
-        <p:nvSpPr>
-          <p:cNvPr id="2" name="Textfeld 1">
-            <a:extLst>
-              <a:ext uri="{FF2B5EF4-FFF2-40B4-BE49-F238E27FC236}">
-                <a16:creationId xmlns:a16="http://schemas.microsoft.com/office/drawing/2014/main" id="{F1496AD2-81E2-B8FD-C652-B5CC7CD2F755}"/>
-              </a:ext>
-            </a:extLst>
-          </p:cNvPr>
-          <p:cNvSpPr txBox="1"/>
-          <p:nvPr/>
-        </p:nvSpPr>
-        <p:spPr>
-          <a:xfrm>
-            <a:off x="6114143" y="1322832"/>
-            <a:ext cx="4864607" cy="923330"/>
+            <a:off x="7451706" y="641226"/>
+            <a:ext cx="4412504" cy="3587183"/>
           </a:xfrm>
           <a:prstGeom prst="rect">
             <a:avLst/>
           </a:prstGeom>
-          <a:noFill/>
-        </p:spPr>
-        <p:txBody>
-          <a:bodyPr wrap="square" rtlCol="0">
-            <a:spAutoFit/>
-          </a:bodyPr>
-          <a:lstStyle/>
-          <a:p>
-            <a:r>
-              <a:rPr lang="de-DE" dirty="0">
-                <a:solidFill>
-                  <a:schemeClr val="bg1"/>
-                </a:solidFill>
-              </a:rPr>
-              <a:t>Funktionsaufruf direkt auf dem PC: </a:t>
-            </a:r>
-            <a:r>
-              <a:rPr lang="de-DE" b="1" dirty="0">
-                <a:solidFill>
-                  <a:schemeClr val="bg1"/>
-                </a:solidFill>
-              </a:rPr>
-              <a:t>444 </a:t>
-            </a:r>
-            <a:r>
-              <a:rPr lang="de-DE" b="1" dirty="0" err="1">
-                <a:solidFill>
-                  <a:schemeClr val="bg1"/>
-                </a:solidFill>
-              </a:rPr>
-              <a:t>ms</a:t>
-            </a:r>
-            <a:endParaRPr lang="de-DE" b="1" dirty="0">
-              <a:solidFill>
-                <a:schemeClr val="bg1"/>
-              </a:solidFill>
-            </a:endParaRPr>
-          </a:p>
-          <a:p>
-            <a:r>
-              <a:rPr lang="de-DE" dirty="0">
-                <a:solidFill>
-                  <a:schemeClr val="bg1"/>
-                </a:solidFill>
-              </a:rPr>
-              <a:t>Funktionsaufruf vom Arduino auf den PC: </a:t>
-            </a:r>
-            <a:r>
-              <a:rPr lang="de-DE" b="1" dirty="0">
-                <a:solidFill>
-                  <a:schemeClr val="bg1"/>
-                </a:solidFill>
-              </a:rPr>
-              <a:t>447 </a:t>
-            </a:r>
-            <a:r>
-              <a:rPr lang="de-DE" b="1" dirty="0" err="1">
-                <a:solidFill>
-                  <a:schemeClr val="bg1"/>
-                </a:solidFill>
-              </a:rPr>
-              <a:t>ms</a:t>
-            </a:r>
-            <a:endParaRPr lang="de-DE" b="1" dirty="0">
-              <a:solidFill>
-                <a:schemeClr val="bg1"/>
-              </a:solidFill>
-            </a:endParaRPr>
-          </a:p>
-          <a:p>
-            <a:r>
-              <a:rPr lang="de-DE" dirty="0">
-                <a:solidFill>
-                  <a:schemeClr val="bg1"/>
-                </a:solidFill>
-              </a:rPr>
-              <a:t>Funktionsaufruf auf dem Arduino: </a:t>
-            </a:r>
-            <a:r>
-              <a:rPr lang="de-DE" b="1" dirty="0">
-                <a:solidFill>
-                  <a:schemeClr val="bg1"/>
-                </a:solidFill>
-              </a:rPr>
-              <a:t>ca. 28 min</a:t>
-            </a:r>
-          </a:p>
-        </p:txBody>
-      </p:sp>
+        </p:spPr>
+      </p:pic>
     </p:spTree>
     <p:extLst>
       <p:ext uri="{BB962C8B-B14F-4D97-AF65-F5344CB8AC3E}">
-        <p14:creationId xmlns:p14="http://schemas.microsoft.com/office/powerpoint/2010/main" val="4186693174"/>
+        <p14:creationId xmlns:p14="http://schemas.microsoft.com/office/powerpoint/2010/main" val="1693353005"/>
       </p:ext>
     </p:extLst>
   </p:cSld>
@@ -4839,44 +7277,21 @@
           <a:chExt cx="0" cy="0"/>
         </a:xfrm>
       </p:grpSpPr>
-      <p:sp>
-        <p:nvSpPr>
-          <p:cNvPr id="4" name="Inhaltsplatzhalter 3">
-            <a:extLst>
-              <a:ext uri="{FF2B5EF4-FFF2-40B4-BE49-F238E27FC236}">
-                <a16:creationId xmlns:a16="http://schemas.microsoft.com/office/drawing/2014/main" id="{414B97A8-43E2-878E-E2DD-26A87BDD1ACE}"/>
-              </a:ext>
-            </a:extLst>
-          </p:cNvPr>
-          <p:cNvSpPr>
-            <a:spLocks noGrp="1"/>
-          </p:cNvSpPr>
+      <p:pic>
+        <p:nvPicPr>
+          <p:cNvPr id="5" name="Inhaltsplatzhalter 4">
+            <a:extLst>
+              <a:ext uri="{FF2B5EF4-FFF2-40B4-BE49-F238E27FC236}">
+                <a16:creationId xmlns:a16="http://schemas.microsoft.com/office/drawing/2014/main" id="{218136B5-0ED7-44B9-19DF-4855B492F8BB}"/>
+              </a:ext>
+            </a:extLst>
+          </p:cNvPr>
+          <p:cNvPicPr>
+            <a:picLocks noGrp="1" noChangeAspect="1"/>
+          </p:cNvPicPr>
           <p:nvPr>
             <p:ph idx="1"/>
           </p:nvPr>
-        </p:nvSpPr>
-        <p:spPr/>
-        <p:txBody>
-          <a:bodyPr/>
-          <a:lstStyle/>
-          <a:p>
-            <a:endParaRPr lang="de-DE"/>
-          </a:p>
-        </p:txBody>
-      </p:sp>
-      <p:pic>
-        <p:nvPicPr>
-          <p:cNvPr id="9" name="Grafik 8">
-            <a:extLst>
-              <a:ext uri="{FF2B5EF4-FFF2-40B4-BE49-F238E27FC236}">
-                <a16:creationId xmlns:a16="http://schemas.microsoft.com/office/drawing/2014/main" id="{CF111528-DC2E-4160-6C41-BAA2E07366D8}"/>
-              </a:ext>
-            </a:extLst>
-          </p:cNvPr>
-          <p:cNvPicPr>
-            <a:picLocks noChangeAspect="1"/>
-          </p:cNvPicPr>
-          <p:nvPr/>
         </p:nvPicPr>
         <p:blipFill>
           <a:blip r:embed="rId2"/>
@@ -4886,18 +7301,15 @@
         </p:blipFill>
         <p:spPr>
           <a:xfrm>
-            <a:off x="838200" y="0"/>
-            <a:ext cx="10862249" cy="6858000"/>
-          </a:xfrm>
-          <a:prstGeom prst="rect">
-            <a:avLst/>
-          </a:prstGeom>
+            <a:off x="1213250" y="0"/>
+            <a:ext cx="4930163" cy="6906574"/>
+          </a:xfrm>
         </p:spPr>
       </p:pic>
     </p:spTree>
     <p:extLst>
       <p:ext uri="{BB962C8B-B14F-4D97-AF65-F5344CB8AC3E}">
-        <p14:creationId xmlns:p14="http://schemas.microsoft.com/office/powerpoint/2010/main" val="481390626"/>
+        <p14:creationId xmlns:p14="http://schemas.microsoft.com/office/powerpoint/2010/main" val="2999168719"/>
       </p:ext>
     </p:extLst>
   </p:cSld>
@@ -4932,6 +7344,275 @@
           <a:chExt cx="0" cy="0"/>
         </a:xfrm>
       </p:grpSpPr>
+      <p:pic>
+        <p:nvPicPr>
+          <p:cNvPr id="5" name="Inhaltsplatzhalter 4">
+            <a:extLst>
+              <a:ext uri="{FF2B5EF4-FFF2-40B4-BE49-F238E27FC236}">
+                <a16:creationId xmlns:a16="http://schemas.microsoft.com/office/drawing/2014/main" id="{218136B5-0ED7-44B9-19DF-4855B492F8BB}"/>
+              </a:ext>
+            </a:extLst>
+          </p:cNvPr>
+          <p:cNvPicPr>
+            <a:picLocks noGrp="1" noChangeAspect="1"/>
+          </p:cNvPicPr>
+          <p:nvPr>
+            <p:ph idx="1"/>
+          </p:nvPr>
+        </p:nvPicPr>
+        <p:blipFill>
+          <a:blip r:embed="rId2"/>
+          <a:stretch>
+            <a:fillRect/>
+          </a:stretch>
+        </p:blipFill>
+        <p:spPr>
+          <a:xfrm>
+            <a:off x="1213250" y="0"/>
+            <a:ext cx="4930163" cy="6906574"/>
+          </a:xfrm>
+        </p:spPr>
+      </p:pic>
+      <p:sp>
+        <p:nvSpPr>
+          <p:cNvPr id="2" name="Textfeld 1">
+            <a:extLst>
+              <a:ext uri="{FF2B5EF4-FFF2-40B4-BE49-F238E27FC236}">
+                <a16:creationId xmlns:a16="http://schemas.microsoft.com/office/drawing/2014/main" id="{F1496AD2-81E2-B8FD-C652-B5CC7CD2F755}"/>
+              </a:ext>
+            </a:extLst>
+          </p:cNvPr>
+          <p:cNvSpPr txBox="1"/>
+          <p:nvPr/>
+        </p:nvSpPr>
+        <p:spPr>
+          <a:xfrm>
+            <a:off x="6114143" y="1322832"/>
+            <a:ext cx="4864607" cy="923330"/>
+          </a:xfrm>
+          <a:prstGeom prst="rect">
+            <a:avLst/>
+          </a:prstGeom>
+          <a:noFill/>
+        </p:spPr>
+        <p:txBody>
+          <a:bodyPr wrap="square" rtlCol="0">
+            <a:spAutoFit/>
+          </a:bodyPr>
+          <a:lstStyle/>
+          <a:p>
+            <a:r>
+              <a:rPr lang="de-DE" dirty="0">
+                <a:solidFill>
+                  <a:schemeClr val="bg1"/>
+                </a:solidFill>
+              </a:rPr>
+              <a:t>Funktionsaufruf direkt auf dem PC: </a:t>
+            </a:r>
+            <a:r>
+              <a:rPr lang="de-DE" b="1" dirty="0">
+                <a:solidFill>
+                  <a:schemeClr val="bg1"/>
+                </a:solidFill>
+              </a:rPr>
+              <a:t>444 </a:t>
+            </a:r>
+            <a:r>
+              <a:rPr lang="de-DE" b="1" dirty="0" err="1">
+                <a:solidFill>
+                  <a:schemeClr val="bg1"/>
+                </a:solidFill>
+              </a:rPr>
+              <a:t>ms</a:t>
+            </a:r>
+            <a:endParaRPr lang="de-DE" b="1" dirty="0">
+              <a:solidFill>
+                <a:schemeClr val="bg1"/>
+              </a:solidFill>
+            </a:endParaRPr>
+          </a:p>
+          <a:p>
+            <a:r>
+              <a:rPr lang="de-DE" dirty="0">
+                <a:solidFill>
+                  <a:schemeClr val="bg1"/>
+                </a:solidFill>
+              </a:rPr>
+              <a:t>Funktionsaufruf vom Arduino auf den PC: </a:t>
+            </a:r>
+            <a:r>
+              <a:rPr lang="de-DE" b="1" dirty="0">
+                <a:solidFill>
+                  <a:schemeClr val="bg1"/>
+                </a:solidFill>
+              </a:rPr>
+              <a:t>447 </a:t>
+            </a:r>
+            <a:r>
+              <a:rPr lang="de-DE" b="1" dirty="0" err="1">
+                <a:solidFill>
+                  <a:schemeClr val="bg1"/>
+                </a:solidFill>
+              </a:rPr>
+              <a:t>ms</a:t>
+            </a:r>
+            <a:endParaRPr lang="de-DE" b="1" dirty="0">
+              <a:solidFill>
+                <a:schemeClr val="bg1"/>
+              </a:solidFill>
+            </a:endParaRPr>
+          </a:p>
+          <a:p>
+            <a:r>
+              <a:rPr lang="de-DE" dirty="0">
+                <a:solidFill>
+                  <a:schemeClr val="bg1"/>
+                </a:solidFill>
+              </a:rPr>
+              <a:t>Funktionsaufruf auf dem Arduino: </a:t>
+            </a:r>
+            <a:r>
+              <a:rPr lang="de-DE" b="1" dirty="0">
+                <a:solidFill>
+                  <a:schemeClr val="bg1"/>
+                </a:solidFill>
+              </a:rPr>
+              <a:t>ca. 28 min</a:t>
+            </a:r>
+          </a:p>
+        </p:txBody>
+      </p:sp>
+    </p:spTree>
+    <p:extLst>
+      <p:ext uri="{BB962C8B-B14F-4D97-AF65-F5344CB8AC3E}">
+        <p14:creationId xmlns:p14="http://schemas.microsoft.com/office/powerpoint/2010/main" val="4186693174"/>
+      </p:ext>
+    </p:extLst>
+  </p:cSld>
+  <p:clrMapOvr>
+    <a:masterClrMapping/>
+  </p:clrMapOvr>
+</p:sld>
+</file>
+
+<file path=ppt/slides/slide15.xml><?xml version="1.0" encoding="utf-8"?>
+<p:sld xmlns:a="http://schemas.openxmlformats.org/drawingml/2006/main" xmlns:r="http://schemas.openxmlformats.org/officeDocument/2006/relationships" xmlns:p="http://schemas.openxmlformats.org/presentationml/2006/main">
+  <p:cSld>
+    <p:bg>
+      <p:bgPr>
+        <a:solidFill>
+          <a:srgbClr val="2B2B2B"/>
+        </a:solidFill>
+        <a:effectLst/>
+      </p:bgPr>
+    </p:bg>
+    <p:spTree>
+      <p:nvGrpSpPr>
+        <p:cNvPr id="1" name=""/>
+        <p:cNvGrpSpPr/>
+        <p:nvPr/>
+      </p:nvGrpSpPr>
+      <p:grpSpPr>
+        <a:xfrm>
+          <a:off x="0" y="0"/>
+          <a:ext cx="0" cy="0"/>
+          <a:chOff x="0" y="0"/>
+          <a:chExt cx="0" cy="0"/>
+        </a:xfrm>
+      </p:grpSpPr>
+      <p:sp>
+        <p:nvSpPr>
+          <p:cNvPr id="4" name="Inhaltsplatzhalter 3">
+            <a:extLst>
+              <a:ext uri="{FF2B5EF4-FFF2-40B4-BE49-F238E27FC236}">
+                <a16:creationId xmlns:a16="http://schemas.microsoft.com/office/drawing/2014/main" id="{414B97A8-43E2-878E-E2DD-26A87BDD1ACE}"/>
+              </a:ext>
+            </a:extLst>
+          </p:cNvPr>
+          <p:cNvSpPr>
+            <a:spLocks noGrp="1"/>
+          </p:cNvSpPr>
+          <p:nvPr>
+            <p:ph idx="1"/>
+          </p:nvPr>
+        </p:nvSpPr>
+        <p:spPr/>
+        <p:txBody>
+          <a:bodyPr/>
+          <a:lstStyle/>
+          <a:p>
+            <a:endParaRPr lang="de-DE"/>
+          </a:p>
+        </p:txBody>
+      </p:sp>
+      <p:pic>
+        <p:nvPicPr>
+          <p:cNvPr id="9" name="Grafik 8">
+            <a:extLst>
+              <a:ext uri="{FF2B5EF4-FFF2-40B4-BE49-F238E27FC236}">
+                <a16:creationId xmlns:a16="http://schemas.microsoft.com/office/drawing/2014/main" id="{CF111528-DC2E-4160-6C41-BAA2E07366D8}"/>
+              </a:ext>
+            </a:extLst>
+          </p:cNvPr>
+          <p:cNvPicPr>
+            <a:picLocks noChangeAspect="1"/>
+          </p:cNvPicPr>
+          <p:nvPr/>
+        </p:nvPicPr>
+        <p:blipFill>
+          <a:blip r:embed="rId2"/>
+          <a:stretch>
+            <a:fillRect/>
+          </a:stretch>
+        </p:blipFill>
+        <p:spPr>
+          <a:xfrm>
+            <a:off x="838200" y="0"/>
+            <a:ext cx="10862249" cy="6858000"/>
+          </a:xfrm>
+          <a:prstGeom prst="rect">
+            <a:avLst/>
+          </a:prstGeom>
+        </p:spPr>
+      </p:pic>
+    </p:spTree>
+    <p:extLst>
+      <p:ext uri="{BB962C8B-B14F-4D97-AF65-F5344CB8AC3E}">
+        <p14:creationId xmlns:p14="http://schemas.microsoft.com/office/powerpoint/2010/main" val="481390626"/>
+      </p:ext>
+    </p:extLst>
+  </p:cSld>
+  <p:clrMapOvr>
+    <a:masterClrMapping/>
+  </p:clrMapOvr>
+</p:sld>
+</file>
+
+<file path=ppt/slides/slide16.xml><?xml version="1.0" encoding="utf-8"?>
+<p:sld xmlns:a="http://schemas.openxmlformats.org/drawingml/2006/main" xmlns:r="http://schemas.openxmlformats.org/officeDocument/2006/relationships" xmlns:p="http://schemas.openxmlformats.org/presentationml/2006/main">
+  <p:cSld>
+    <p:bg>
+      <p:bgPr>
+        <a:solidFill>
+          <a:srgbClr val="2B2B2B"/>
+        </a:solidFill>
+        <a:effectLst/>
+      </p:bgPr>
+    </p:bg>
+    <p:spTree>
+      <p:nvGrpSpPr>
+        <p:cNvPr id="1" name=""/>
+        <p:cNvGrpSpPr/>
+        <p:nvPr/>
+      </p:nvGrpSpPr>
+      <p:grpSpPr>
+        <a:xfrm>
+          <a:off x="0" y="0"/>
+          <a:ext cx="0" cy="0"/>
+          <a:chOff x="0" y="0"/>
+          <a:chExt cx="0" cy="0"/>
+        </a:xfrm>
+      </p:grpSpPr>
       <p:sp>
         <p:nvSpPr>
           <p:cNvPr id="4" name="Inhaltsplatzhalter 3">
@@ -5000,7 +7681,7 @@
 </p:sld>
 </file>
 
-<file path=ppt/slides/slide15.xml><?xml version="1.0" encoding="utf-8"?>
+<file path=ppt/slides/slide17.xml><?xml version="1.0" encoding="utf-8"?>
 <p:sld xmlns:a="http://schemas.openxmlformats.org/drawingml/2006/main" xmlns:r="http://schemas.openxmlformats.org/officeDocument/2006/relationships" xmlns:p="http://schemas.openxmlformats.org/presentationml/2006/main">
   <p:cSld>
     <p:bg>
@@ -5118,31 +7799,6 @@
           <a:chExt cx="0" cy="0"/>
         </a:xfrm>
       </p:grpSpPr>
-      <p:sp>
-        <p:nvSpPr>
-          <p:cNvPr id="3" name="Inhaltsplatzhalter 2">
-            <a:extLst>
-              <a:ext uri="{FF2B5EF4-FFF2-40B4-BE49-F238E27FC236}">
-                <a16:creationId xmlns:a16="http://schemas.microsoft.com/office/drawing/2014/main" id="{13358ECC-1704-8E96-4114-FD981D5F2EC6}"/>
-              </a:ext>
-            </a:extLst>
-          </p:cNvPr>
-          <p:cNvSpPr>
-            <a:spLocks noGrp="1"/>
-          </p:cNvSpPr>
-          <p:nvPr>
-            <p:ph idx="1"/>
-          </p:nvPr>
-        </p:nvSpPr>
-        <p:spPr/>
-        <p:txBody>
-          <a:bodyPr/>
-          <a:lstStyle/>
-          <a:p>
-            <a:endParaRPr lang="de-DE"/>
-          </a:p>
-        </p:txBody>
-      </p:sp>
       <p:pic>
         <p:nvPicPr>
           <p:cNvPr id="6" name="Grafik 5">
@@ -5189,6 +7845,14 @@
 <file path=ppt/slides/slide3.xml><?xml version="1.0" encoding="utf-8"?>
 <p:sld xmlns:a="http://schemas.openxmlformats.org/drawingml/2006/main" xmlns:r="http://schemas.openxmlformats.org/officeDocument/2006/relationships" xmlns:p="http://schemas.openxmlformats.org/presentationml/2006/main">
   <p:cSld>
+    <p:bg>
+      <p:bgPr>
+        <a:solidFill>
+          <a:srgbClr val="2B2B2B"/>
+        </a:solidFill>
+        <a:effectLst/>
+      </p:bgPr>
+    </p:bg>
     <p:spTree>
       <p:nvGrpSpPr>
         <p:cNvPr id="1" name=""/>
@@ -5203,77 +7867,68 @@
           <a:chExt cx="0" cy="0"/>
         </a:xfrm>
       </p:grpSpPr>
-      <p:sp>
-        <p:nvSpPr>
-          <p:cNvPr id="2" name="Titel 1">
-            <a:extLst>
-              <a:ext uri="{FF2B5EF4-FFF2-40B4-BE49-F238E27FC236}">
-                <a16:creationId xmlns:a16="http://schemas.microsoft.com/office/drawing/2014/main" id="{58E05B99-798C-C0FF-4C3F-5386AF78CBD5}"/>
-              </a:ext>
-            </a:extLst>
-          </p:cNvPr>
-          <p:cNvSpPr>
-            <a:spLocks noGrp="1"/>
-          </p:cNvSpPr>
-          <p:nvPr>
-            <p:ph type="title"/>
-          </p:nvPr>
-        </p:nvSpPr>
-        <p:spPr/>
-        <p:txBody>
-          <a:bodyPr/>
-          <a:lstStyle/>
-          <a:p>
-            <a:r>
-              <a:rPr lang="de-DE" dirty="0" err="1"/>
-              <a:t>Tokenizer</a:t>
-            </a:r>
-            <a:endParaRPr lang="de-DE" dirty="0"/>
-          </a:p>
-        </p:txBody>
-      </p:sp>
       <p:pic>
         <p:nvPicPr>
-          <p:cNvPr id="9" name="Inhaltsplatzhalter 8">
-            <a:extLst>
-              <a:ext uri="{FF2B5EF4-FFF2-40B4-BE49-F238E27FC236}">
-                <a16:creationId xmlns:a16="http://schemas.microsoft.com/office/drawing/2014/main" id="{62DAEE0F-4FB3-7EE7-5D66-ACF3A35CC233}"/>
+          <p:cNvPr id="3" name="Grafik 2">
+            <a:extLst>
+              <a:ext uri="{FF2B5EF4-FFF2-40B4-BE49-F238E27FC236}">
+                <a16:creationId xmlns:a16="http://schemas.microsoft.com/office/drawing/2014/main" id="{F39F427A-43E3-A203-80CB-9D5A582CE741}"/>
               </a:ext>
             </a:extLst>
           </p:cNvPr>
           <p:cNvPicPr>
-            <a:picLocks noGrp="1" noChangeAspect="1"/>
+            <a:picLocks noChangeAspect="1"/>
           </p:cNvPicPr>
-          <p:nvPr>
-            <p:ph idx="1"/>
-          </p:nvPr>
+          <p:nvPr/>
         </p:nvPicPr>
-        <p:blipFill>
-          <a:blip r:embed="rId2">
-            <a:extLst>
-              <a:ext uri="{28A0092B-C50C-407E-A947-70E740481C1C}">
-                <a14:useLocalDpi xmlns:a14="http://schemas.microsoft.com/office/drawing/2010/main" val="0"/>
-              </a:ext>
-              <a:ext uri="{96DAC541-7B7A-43D3-8B79-37D633B846F1}">
-                <asvg:svgBlip xmlns:asvg="http://schemas.microsoft.com/office/drawing/2016/SVG/main" r:embed="rId3"/>
-              </a:ext>
-            </a:extLst>
-          </a:blip>
-          <a:stretch>
-            <a:fillRect/>
-          </a:stretch>
+        <p:blipFill rotWithShape="1">
+          <a:blip r:embed="rId2"/>
+          <a:srcRect b="1349"/>
+          <a:stretch/>
         </p:blipFill>
         <p:spPr>
           <a:xfrm>
-            <a:off x="1001663" y="0"/>
-            <a:ext cx="10188673" cy="6795387"/>
-          </a:xfrm>
+            <a:off x="0" y="30185"/>
+            <a:ext cx="5246825" cy="6035335"/>
+          </a:xfrm>
+          <a:prstGeom prst="rect">
+            <a:avLst/>
+          </a:prstGeom>
+        </p:spPr>
+      </p:pic>
+      <p:pic>
+        <p:nvPicPr>
+          <p:cNvPr id="5" name="Grafik 4">
+            <a:extLst>
+              <a:ext uri="{FF2B5EF4-FFF2-40B4-BE49-F238E27FC236}">
+                <a16:creationId xmlns:a16="http://schemas.microsoft.com/office/drawing/2014/main" id="{D344296D-A4F8-8A7D-A831-90745A63C2F9}"/>
+              </a:ext>
+            </a:extLst>
+          </p:cNvPr>
+          <p:cNvPicPr>
+            <a:picLocks noChangeAspect="1"/>
+          </p:cNvPicPr>
+          <p:nvPr/>
+        </p:nvPicPr>
+        <p:blipFill rotWithShape="1">
+          <a:blip r:embed="rId3"/>
+          <a:srcRect r="5159" b="2281"/>
+          <a:stretch/>
+        </p:blipFill>
+        <p:spPr>
+          <a:xfrm>
+            <a:off x="4975504" y="0"/>
+            <a:ext cx="6751940" cy="6454140"/>
+          </a:xfrm>
+          <a:prstGeom prst="rect">
+            <a:avLst/>
+          </a:prstGeom>
         </p:spPr>
       </p:pic>
     </p:spTree>
     <p:extLst>
       <p:ext uri="{BB962C8B-B14F-4D97-AF65-F5344CB8AC3E}">
-        <p14:creationId xmlns:p14="http://schemas.microsoft.com/office/powerpoint/2010/main" val="1279087460"/>
+        <p14:creationId xmlns:p14="http://schemas.microsoft.com/office/powerpoint/2010/main" val="1262214237"/>
       </p:ext>
     </p:extLst>
   </p:cSld>
@@ -5286,6 +7941,14 @@
 <file path=ppt/slides/slide4.xml><?xml version="1.0" encoding="utf-8"?>
 <p:sld xmlns:a="http://schemas.openxmlformats.org/drawingml/2006/main" xmlns:r="http://schemas.openxmlformats.org/officeDocument/2006/relationships" xmlns:p="http://schemas.openxmlformats.org/presentationml/2006/main">
   <p:cSld>
+    <p:bg>
+      <p:bgPr>
+        <a:solidFill>
+          <a:srgbClr val="2B2B2B"/>
+        </a:solidFill>
+        <a:effectLst/>
+      </p:bgPr>
+    </p:bg>
     <p:spTree>
       <p:nvGrpSpPr>
         <p:cNvPr id="1" name=""/>
@@ -5300,42 +7963,12 @@
           <a:chExt cx="0" cy="0"/>
         </a:xfrm>
       </p:grpSpPr>
-      <p:sp>
-        <p:nvSpPr>
-          <p:cNvPr id="2" name="Titel 1">
-            <a:extLst>
-              <a:ext uri="{FF2B5EF4-FFF2-40B4-BE49-F238E27FC236}">
-                <a16:creationId xmlns:a16="http://schemas.microsoft.com/office/drawing/2014/main" id="{58E05B99-798C-C0FF-4C3F-5386AF78CBD5}"/>
-              </a:ext>
-            </a:extLst>
-          </p:cNvPr>
-          <p:cNvSpPr>
-            <a:spLocks noGrp="1"/>
-          </p:cNvSpPr>
-          <p:nvPr>
-            <p:ph type="title"/>
-          </p:nvPr>
-        </p:nvSpPr>
-        <p:spPr/>
-        <p:txBody>
-          <a:bodyPr/>
-          <a:lstStyle/>
-          <a:p>
-            <a:pPr algn="ctr"/>
-            <a:r>
-              <a:rPr lang="de-DE" dirty="0" err="1"/>
-              <a:t>Tokenizer</a:t>
-            </a:r>
-            <a:endParaRPr lang="de-DE" dirty="0"/>
-          </a:p>
-        </p:txBody>
-      </p:sp>
       <p:pic>
         <p:nvPicPr>
-          <p:cNvPr id="6" name="Grafik 5">
-            <a:extLst>
-              <a:ext uri="{FF2B5EF4-FFF2-40B4-BE49-F238E27FC236}">
-                <a16:creationId xmlns:a16="http://schemas.microsoft.com/office/drawing/2014/main" id="{97256BA7-4E53-0FEE-8477-AF8F9C5705A6}"/>
+          <p:cNvPr id="4" name="Grafik 3">
+            <a:extLst>
+              <a:ext uri="{FF2B5EF4-FFF2-40B4-BE49-F238E27FC236}">
+                <a16:creationId xmlns:a16="http://schemas.microsoft.com/office/drawing/2014/main" id="{E523976A-76A0-924C-D67F-84519C12C0E0}"/>
               </a:ext>
             </a:extLst>
           </p:cNvPr>
@@ -5344,521 +7977,26 @@
           </p:cNvPicPr>
           <p:nvPr/>
         </p:nvPicPr>
-        <p:blipFill rotWithShape="1">
+        <p:blipFill>
           <a:blip r:embed="rId2"/>
-          <a:srcRect t="19886" r="22224"/>
-          <a:stretch/>
+          <a:stretch>
+            <a:fillRect/>
+          </a:stretch>
         </p:blipFill>
         <p:spPr>
           <a:xfrm>
-            <a:off x="118477" y="1456943"/>
-            <a:ext cx="11943194" cy="1164337"/>
+            <a:off x="2971529" y="323581"/>
+            <a:ext cx="6248942" cy="6210838"/>
           </a:xfrm>
           <a:prstGeom prst="rect">
             <a:avLst/>
           </a:prstGeom>
-        </p:spPr>
-      </p:pic>
-      <p:pic>
-        <p:nvPicPr>
-          <p:cNvPr id="1030" name="Picture 6">
-            <a:extLst>
-              <a:ext uri="{FF2B5EF4-FFF2-40B4-BE49-F238E27FC236}">
-                <a16:creationId xmlns:a16="http://schemas.microsoft.com/office/drawing/2014/main" id="{7FF59B1E-7B70-7B33-6B96-07DC9F1BFC99}"/>
-              </a:ext>
-            </a:extLst>
-          </p:cNvPr>
-          <p:cNvPicPr>
-            <a:picLocks noChangeAspect="1" noChangeArrowheads="1"/>
-          </p:cNvPicPr>
-          <p:nvPr/>
-        </p:nvPicPr>
-        <p:blipFill rotWithShape="1">
-          <a:blip r:embed="rId3">
-            <a:extLst>
-              <a:ext uri="{28A0092B-C50C-407E-A947-70E740481C1C}">
-                <a14:useLocalDpi xmlns:a14="http://schemas.microsoft.com/office/drawing/2010/main" val="0"/>
-              </a:ext>
-            </a:extLst>
-          </a:blip>
-          <a:srcRect l="6397" r="6395"/>
-          <a:stretch/>
-        </p:blipFill>
-        <p:spPr bwMode="auto">
-          <a:xfrm>
-            <a:off x="130329" y="2628646"/>
-            <a:ext cx="1973694" cy="1846007"/>
-          </a:xfrm>
-          <a:prstGeom prst="rect">
-            <a:avLst/>
-          </a:prstGeom>
-          <a:noFill/>
-          <a:extLst>
-            <a:ext uri="{909E8E84-426E-40DD-AFC4-6F175D3DCCD1}">
-              <a14:hiddenFill xmlns:a14="http://schemas.microsoft.com/office/drawing/2010/main">
-                <a:solidFill>
-                  <a:srgbClr val="FFFFFF"/>
-                </a:solidFill>
-              </a14:hiddenFill>
-            </a:ext>
-          </a:extLst>
-        </p:spPr>
-      </p:pic>
-      <p:pic>
-        <p:nvPicPr>
-          <p:cNvPr id="1032" name="Picture 8">
-            <a:extLst>
-              <a:ext uri="{FF2B5EF4-FFF2-40B4-BE49-F238E27FC236}">
-                <a16:creationId xmlns:a16="http://schemas.microsoft.com/office/drawing/2014/main" id="{36F8C8C3-3849-1E40-865F-EF29BFCA9355}"/>
-              </a:ext>
-            </a:extLst>
-          </p:cNvPr>
-          <p:cNvPicPr>
-            <a:picLocks noChangeAspect="1" noChangeArrowheads="1"/>
-          </p:cNvPicPr>
-          <p:nvPr/>
-        </p:nvPicPr>
-        <p:blipFill rotWithShape="1">
-          <a:blip r:embed="rId4">
-            <a:extLst>
-              <a:ext uri="{28A0092B-C50C-407E-A947-70E740481C1C}">
-                <a14:useLocalDpi xmlns:a14="http://schemas.microsoft.com/office/drawing/2010/main" val="0"/>
-              </a:ext>
-            </a:extLst>
-          </a:blip>
-          <a:srcRect l="6265" r="6527"/>
-          <a:stretch/>
-        </p:blipFill>
-        <p:spPr bwMode="auto">
-          <a:xfrm>
-            <a:off x="2104023" y="2621280"/>
-            <a:ext cx="1973694" cy="1846007"/>
-          </a:xfrm>
-          <a:prstGeom prst="rect">
-            <a:avLst/>
-          </a:prstGeom>
-          <a:noFill/>
-          <a:extLst>
-            <a:ext uri="{909E8E84-426E-40DD-AFC4-6F175D3DCCD1}">
-              <a14:hiddenFill xmlns:a14="http://schemas.microsoft.com/office/drawing/2010/main">
-                <a:solidFill>
-                  <a:srgbClr val="FFFFFF"/>
-                </a:solidFill>
-              </a14:hiddenFill>
-            </a:ext>
-          </a:extLst>
-        </p:spPr>
-      </p:pic>
-      <p:pic>
-        <p:nvPicPr>
-          <p:cNvPr id="1034" name="Picture 10">
-            <a:extLst>
-              <a:ext uri="{FF2B5EF4-FFF2-40B4-BE49-F238E27FC236}">
-                <a16:creationId xmlns:a16="http://schemas.microsoft.com/office/drawing/2014/main" id="{5DA61A26-545F-7C18-03C8-F41F8655E212}"/>
-              </a:ext>
-            </a:extLst>
-          </p:cNvPr>
-          <p:cNvPicPr>
-            <a:picLocks noGrp="1" noChangeAspect="1" noChangeArrowheads="1"/>
-          </p:cNvPicPr>
-          <p:nvPr>
-            <p:ph idx="1"/>
-          </p:nvPr>
-        </p:nvPicPr>
-        <p:blipFill rotWithShape="1">
-          <a:blip r:embed="rId5">
-            <a:extLst>
-              <a:ext uri="{28A0092B-C50C-407E-A947-70E740481C1C}">
-                <a14:useLocalDpi xmlns:a14="http://schemas.microsoft.com/office/drawing/2010/main" val="0"/>
-              </a:ext>
-            </a:extLst>
-          </a:blip>
-          <a:srcRect l="6554" r="6238"/>
-          <a:stretch/>
-        </p:blipFill>
-        <p:spPr bwMode="auto">
-          <a:xfrm>
-            <a:off x="4077717" y="2633244"/>
-            <a:ext cx="1973694" cy="1863153"/>
-          </a:xfrm>
-          <a:prstGeom prst="rect">
-            <a:avLst/>
-          </a:prstGeom>
-          <a:noFill/>
-          <a:extLst>
-            <a:ext uri="{909E8E84-426E-40DD-AFC4-6F175D3DCCD1}">
-              <a14:hiddenFill xmlns:a14="http://schemas.microsoft.com/office/drawing/2010/main">
-                <a:solidFill>
-                  <a:srgbClr val="FFFFFF"/>
-                </a:solidFill>
-              </a14:hiddenFill>
-            </a:ext>
-          </a:extLst>
-        </p:spPr>
-      </p:pic>
-      <p:pic>
-        <p:nvPicPr>
-          <p:cNvPr id="1038" name="Picture 14">
-            <a:extLst>
-              <a:ext uri="{FF2B5EF4-FFF2-40B4-BE49-F238E27FC236}">
-                <a16:creationId xmlns:a16="http://schemas.microsoft.com/office/drawing/2014/main" id="{21A34608-D69A-6AE7-DE8F-E3E2D412889E}"/>
-              </a:ext>
-            </a:extLst>
-          </p:cNvPr>
-          <p:cNvPicPr>
-            <a:picLocks noChangeAspect="1" noChangeArrowheads="1"/>
-          </p:cNvPicPr>
-          <p:nvPr/>
-        </p:nvPicPr>
-        <p:blipFill rotWithShape="1">
-          <a:blip r:embed="rId6">
-            <a:extLst>
-              <a:ext uri="{28A0092B-C50C-407E-A947-70E740481C1C}">
-                <a14:useLocalDpi xmlns:a14="http://schemas.microsoft.com/office/drawing/2010/main" val="0"/>
-              </a:ext>
-            </a:extLst>
-          </a:blip>
-          <a:srcRect l="6915" r="5877"/>
-          <a:stretch/>
-        </p:blipFill>
-        <p:spPr bwMode="auto">
-          <a:xfrm>
-            <a:off x="6051411" y="2633243"/>
-            <a:ext cx="1973694" cy="1863153"/>
-          </a:xfrm>
-          <a:prstGeom prst="rect">
-            <a:avLst/>
-          </a:prstGeom>
-          <a:noFill/>
-          <a:extLst>
-            <a:ext uri="{909E8E84-426E-40DD-AFC4-6F175D3DCCD1}">
-              <a14:hiddenFill xmlns:a14="http://schemas.microsoft.com/office/drawing/2010/main">
-                <a:solidFill>
-                  <a:srgbClr val="FFFFFF"/>
-                </a:solidFill>
-              </a14:hiddenFill>
-            </a:ext>
-          </a:extLst>
-        </p:spPr>
-      </p:pic>
-      <p:pic>
-        <p:nvPicPr>
-          <p:cNvPr id="1040" name="Picture 16">
-            <a:extLst>
-              <a:ext uri="{FF2B5EF4-FFF2-40B4-BE49-F238E27FC236}">
-                <a16:creationId xmlns:a16="http://schemas.microsoft.com/office/drawing/2014/main" id="{ED3346EE-4F42-7A17-B01C-91AEC66B73E1}"/>
-              </a:ext>
-            </a:extLst>
-          </p:cNvPr>
-          <p:cNvPicPr>
-            <a:picLocks noChangeAspect="1" noChangeArrowheads="1"/>
-          </p:cNvPicPr>
-          <p:nvPr/>
-        </p:nvPicPr>
-        <p:blipFill rotWithShape="1">
-          <a:blip r:embed="rId7">
-            <a:extLst>
-              <a:ext uri="{28A0092B-C50C-407E-A947-70E740481C1C}">
-                <a14:useLocalDpi xmlns:a14="http://schemas.microsoft.com/office/drawing/2010/main" val="0"/>
-              </a:ext>
-            </a:extLst>
-          </a:blip>
-          <a:srcRect l="6589" t="4625" r="6203" b="5070"/>
-          <a:stretch/>
-        </p:blipFill>
-        <p:spPr bwMode="auto">
-          <a:xfrm>
-            <a:off x="8025105" y="2628647"/>
-            <a:ext cx="1973695" cy="1863154"/>
-          </a:xfrm>
-          <a:prstGeom prst="rect">
-            <a:avLst/>
-          </a:prstGeom>
-          <a:noFill/>
-          <a:extLst>
-            <a:ext uri="{909E8E84-426E-40DD-AFC4-6F175D3DCCD1}">
-              <a14:hiddenFill xmlns:a14="http://schemas.microsoft.com/office/drawing/2010/main">
-                <a:solidFill>
-                  <a:srgbClr val="FFFFFF"/>
-                </a:solidFill>
-              </a14:hiddenFill>
-            </a:ext>
-          </a:extLst>
-        </p:spPr>
-      </p:pic>
-      <p:pic>
-        <p:nvPicPr>
-          <p:cNvPr id="1046" name="Picture 22">
-            <a:extLst>
-              <a:ext uri="{FF2B5EF4-FFF2-40B4-BE49-F238E27FC236}">
-                <a16:creationId xmlns:a16="http://schemas.microsoft.com/office/drawing/2014/main" id="{872A92D5-0FA3-3ABC-BD57-BB375B55ADC4}"/>
-              </a:ext>
-            </a:extLst>
-          </p:cNvPr>
-          <p:cNvPicPr>
-            <a:picLocks noChangeAspect="1" noChangeArrowheads="1"/>
-          </p:cNvPicPr>
-          <p:nvPr/>
-        </p:nvPicPr>
-        <p:blipFill rotWithShape="1">
-          <a:blip r:embed="rId8">
-            <a:extLst>
-              <a:ext uri="{28A0092B-C50C-407E-A947-70E740481C1C}">
-                <a14:useLocalDpi xmlns:a14="http://schemas.microsoft.com/office/drawing/2010/main" val="0"/>
-              </a:ext>
-            </a:extLst>
-          </a:blip>
-          <a:srcRect l="6616" r="6178"/>
-          <a:stretch/>
-        </p:blipFill>
-        <p:spPr bwMode="auto">
-          <a:xfrm>
-            <a:off x="9998798" y="2633241"/>
-            <a:ext cx="1973695" cy="1863153"/>
-          </a:xfrm>
-          <a:prstGeom prst="rect">
-            <a:avLst/>
-          </a:prstGeom>
-          <a:noFill/>
-          <a:extLst>
-            <a:ext uri="{909E8E84-426E-40DD-AFC4-6F175D3DCCD1}">
-              <a14:hiddenFill xmlns:a14="http://schemas.microsoft.com/office/drawing/2010/main">
-                <a:solidFill>
-                  <a:srgbClr val="FFFFFF"/>
-                </a:solidFill>
-              </a14:hiddenFill>
-            </a:ext>
-          </a:extLst>
-        </p:spPr>
-      </p:pic>
-      <p:sp>
-        <p:nvSpPr>
-          <p:cNvPr id="7" name="Geschweifte Klammer links 6">
-            <a:extLst>
-              <a:ext uri="{FF2B5EF4-FFF2-40B4-BE49-F238E27FC236}">
-                <a16:creationId xmlns:a16="http://schemas.microsoft.com/office/drawing/2014/main" id="{AD5A8A8A-10D9-B1FF-4313-AFECD6E9A891}"/>
-              </a:ext>
-            </a:extLst>
-          </p:cNvPr>
-          <p:cNvSpPr/>
-          <p:nvPr/>
-        </p:nvSpPr>
-        <p:spPr>
-          <a:xfrm rot="5400000">
-            <a:off x="6796993" y="1972052"/>
-            <a:ext cx="533400" cy="5870211"/>
-          </a:xfrm>
-          <a:prstGeom prst="leftBrace">
-            <a:avLst>
-              <a:gd name="adj1" fmla="val 65476"/>
-              <a:gd name="adj2" fmla="val 51258"/>
-            </a:avLst>
-          </a:prstGeom>
-          <a:ln w="38100">
-            <a:solidFill>
-              <a:schemeClr val="tx1"/>
-            </a:solidFill>
-          </a:ln>
-        </p:spPr>
-        <p:style>
-          <a:lnRef idx="1">
-            <a:schemeClr val="accent1"/>
-          </a:lnRef>
-          <a:fillRef idx="0">
-            <a:schemeClr val="accent1"/>
-          </a:fillRef>
-          <a:effectRef idx="0">
-            <a:schemeClr val="accent1"/>
-          </a:effectRef>
-          <a:fontRef idx="minor">
-            <a:schemeClr val="tx1"/>
-          </a:fontRef>
-        </p:style>
-        <p:txBody>
-          <a:bodyPr rtlCol="0" anchor="ctr"/>
-          <a:lstStyle/>
-          <a:p>
-            <a:pPr algn="ctr"/>
-            <a:endParaRPr lang="de-DE" dirty="0"/>
-          </a:p>
-        </p:txBody>
-      </p:sp>
-      <p:sp>
-        <p:nvSpPr>
-          <p:cNvPr id="10" name="Textfeld 9">
-            <a:extLst>
-              <a:ext uri="{FF2B5EF4-FFF2-40B4-BE49-F238E27FC236}">
-                <a16:creationId xmlns:a16="http://schemas.microsoft.com/office/drawing/2014/main" id="{5364515C-73A5-1A7F-1555-2B46FF0E1159}"/>
-              </a:ext>
-            </a:extLst>
-          </p:cNvPr>
-          <p:cNvSpPr txBox="1"/>
-          <p:nvPr/>
-        </p:nvSpPr>
-        <p:spPr>
-          <a:xfrm>
-            <a:off x="6668605" y="4311731"/>
-            <a:ext cx="739305" cy="369332"/>
-          </a:xfrm>
-          <a:prstGeom prst="rect">
-            <a:avLst/>
-          </a:prstGeom>
-          <a:noFill/>
-        </p:spPr>
-        <p:txBody>
-          <a:bodyPr wrap="none" rtlCol="0">
-            <a:spAutoFit/>
-          </a:bodyPr>
-          <a:lstStyle/>
-          <a:p>
-            <a:pPr algn="ctr"/>
-            <a:r>
-              <a:rPr lang="de-DE" dirty="0" err="1"/>
-              <a:t>inside</a:t>
-            </a:r>
-            <a:endParaRPr lang="de-DE" dirty="0"/>
-          </a:p>
-        </p:txBody>
-      </p:sp>
-      <p:pic>
-        <p:nvPicPr>
-          <p:cNvPr id="1048" name="Picture 24">
-            <a:extLst>
-              <a:ext uri="{FF2B5EF4-FFF2-40B4-BE49-F238E27FC236}">
-                <a16:creationId xmlns:a16="http://schemas.microsoft.com/office/drawing/2014/main" id="{FF77E0ED-2980-8C4F-6061-FD51724BEEDD}"/>
-              </a:ext>
-            </a:extLst>
-          </p:cNvPr>
-          <p:cNvPicPr>
-            <a:picLocks noChangeAspect="1" noChangeArrowheads="1"/>
-          </p:cNvPicPr>
-          <p:nvPr/>
-        </p:nvPicPr>
-        <p:blipFill rotWithShape="1">
-          <a:blip r:embed="rId9">
-            <a:extLst>
-              <a:ext uri="{28A0092B-C50C-407E-A947-70E740481C1C}">
-                <a14:useLocalDpi xmlns:a14="http://schemas.microsoft.com/office/drawing/2010/main" val="0"/>
-              </a:ext>
-            </a:extLst>
-          </a:blip>
-          <a:srcRect l="6397" t="6338" r="6395" b="10089"/>
-          <a:stretch/>
-        </p:blipFill>
-        <p:spPr bwMode="auto">
-          <a:xfrm>
-            <a:off x="4128587" y="5208575"/>
-            <a:ext cx="1973694" cy="1557142"/>
-          </a:xfrm>
-          <a:prstGeom prst="rect">
-            <a:avLst/>
-          </a:prstGeom>
-          <a:noFill/>
-          <a:extLst>
-            <a:ext uri="{909E8E84-426E-40DD-AFC4-6F175D3DCCD1}">
-              <a14:hiddenFill xmlns:a14="http://schemas.microsoft.com/office/drawing/2010/main">
-                <a:solidFill>
-                  <a:srgbClr val="FFFFFF"/>
-                </a:solidFill>
-              </a14:hiddenFill>
-            </a:ext>
-          </a:extLst>
-        </p:spPr>
-      </p:pic>
-      <p:pic>
-        <p:nvPicPr>
-          <p:cNvPr id="1050" name="Picture 26">
-            <a:extLst>
-              <a:ext uri="{FF2B5EF4-FFF2-40B4-BE49-F238E27FC236}">
-                <a16:creationId xmlns:a16="http://schemas.microsoft.com/office/drawing/2014/main" id="{B943346A-AB24-880C-C80D-9B530A612567}"/>
-              </a:ext>
-            </a:extLst>
-          </p:cNvPr>
-          <p:cNvPicPr>
-            <a:picLocks noChangeAspect="1" noChangeArrowheads="1"/>
-          </p:cNvPicPr>
-          <p:nvPr/>
-        </p:nvPicPr>
-        <p:blipFill rotWithShape="1">
-          <a:blip r:embed="rId10">
-            <a:extLst>
-              <a:ext uri="{28A0092B-C50C-407E-A947-70E740481C1C}">
-                <a14:useLocalDpi xmlns:a14="http://schemas.microsoft.com/office/drawing/2010/main" val="0"/>
-              </a:ext>
-            </a:extLst>
-          </a:blip>
-          <a:srcRect l="6600" t="5633" r="6193" b="9379"/>
-          <a:stretch/>
-        </p:blipFill>
-        <p:spPr bwMode="auto">
-          <a:xfrm>
-            <a:off x="6051410" y="5012267"/>
-            <a:ext cx="1973694" cy="1753450"/>
-          </a:xfrm>
-          <a:prstGeom prst="rect">
-            <a:avLst/>
-          </a:prstGeom>
-          <a:noFill/>
-          <a:extLst>
-            <a:ext uri="{909E8E84-426E-40DD-AFC4-6F175D3DCCD1}">
-              <a14:hiddenFill xmlns:a14="http://schemas.microsoft.com/office/drawing/2010/main">
-                <a:solidFill>
-                  <a:srgbClr val="FFFFFF"/>
-                </a:solidFill>
-              </a14:hiddenFill>
-            </a:ext>
-          </a:extLst>
-        </p:spPr>
-      </p:pic>
-      <p:pic>
-        <p:nvPicPr>
-          <p:cNvPr id="1052" name="Picture 28">
-            <a:extLst>
-              <a:ext uri="{FF2B5EF4-FFF2-40B4-BE49-F238E27FC236}">
-                <a16:creationId xmlns:a16="http://schemas.microsoft.com/office/drawing/2014/main" id="{65D8F021-FDA9-24B0-625A-AE97EA838A5D}"/>
-              </a:ext>
-            </a:extLst>
-          </p:cNvPr>
-          <p:cNvPicPr>
-            <a:picLocks noChangeAspect="1" noChangeArrowheads="1"/>
-          </p:cNvPicPr>
-          <p:nvPr/>
-        </p:nvPicPr>
-        <p:blipFill rotWithShape="1">
-          <a:blip r:embed="rId11">
-            <a:extLst>
-              <a:ext uri="{28A0092B-C50C-407E-A947-70E740481C1C}">
-                <a14:useLocalDpi xmlns:a14="http://schemas.microsoft.com/office/drawing/2010/main" val="0"/>
-              </a:ext>
-            </a:extLst>
-          </a:blip>
-          <a:srcRect l="6580" t="7946" r="6212" b="9983"/>
-          <a:stretch/>
-        </p:blipFill>
-        <p:spPr bwMode="auto">
-          <a:xfrm>
-            <a:off x="8025105" y="5222606"/>
-            <a:ext cx="1973694" cy="1529080"/>
-          </a:xfrm>
-          <a:prstGeom prst="rect">
-            <a:avLst/>
-          </a:prstGeom>
-          <a:noFill/>
-          <a:extLst>
-            <a:ext uri="{909E8E84-426E-40DD-AFC4-6F175D3DCCD1}">
-              <a14:hiddenFill xmlns:a14="http://schemas.microsoft.com/office/drawing/2010/main">
-                <a:solidFill>
-                  <a:srgbClr val="FFFFFF"/>
-                </a:solidFill>
-              </a14:hiddenFill>
-            </a:ext>
-          </a:extLst>
         </p:spPr>
       </p:pic>
     </p:spTree>
     <p:extLst>
       <p:ext uri="{BB962C8B-B14F-4D97-AF65-F5344CB8AC3E}">
-        <p14:creationId xmlns:p14="http://schemas.microsoft.com/office/powerpoint/2010/main" val="3001393537"/>
+        <p14:creationId xmlns:p14="http://schemas.microsoft.com/office/powerpoint/2010/main" val="3656950882"/>
       </p:ext>
     </p:extLst>
   </p:cSld>
@@ -5885,12 +8023,41 @@
           <a:chExt cx="0" cy="0"/>
         </a:xfrm>
       </p:grpSpPr>
+      <p:sp>
+        <p:nvSpPr>
+          <p:cNvPr id="2" name="Titel 1">
+            <a:extLst>
+              <a:ext uri="{FF2B5EF4-FFF2-40B4-BE49-F238E27FC236}">
+                <a16:creationId xmlns:a16="http://schemas.microsoft.com/office/drawing/2014/main" id="{58E05B99-798C-C0FF-4C3F-5386AF78CBD5}"/>
+              </a:ext>
+            </a:extLst>
+          </p:cNvPr>
+          <p:cNvSpPr>
+            <a:spLocks noGrp="1"/>
+          </p:cNvSpPr>
+          <p:nvPr>
+            <p:ph type="title"/>
+          </p:nvPr>
+        </p:nvSpPr>
+        <p:spPr/>
+        <p:txBody>
+          <a:bodyPr/>
+          <a:lstStyle/>
+          <a:p>
+            <a:r>
+              <a:rPr lang="de-DE" dirty="0" err="1"/>
+              <a:t>Tokenizer</a:t>
+            </a:r>
+            <a:endParaRPr lang="de-DE" dirty="0"/>
+          </a:p>
+        </p:txBody>
+      </p:sp>
       <p:pic>
         <p:nvPicPr>
-          <p:cNvPr id="17" name="Inhaltsplatzhalter 16">
-            <a:extLst>
-              <a:ext uri="{FF2B5EF4-FFF2-40B4-BE49-F238E27FC236}">
-                <a16:creationId xmlns:a16="http://schemas.microsoft.com/office/drawing/2014/main" id="{79417BF2-6664-4AAD-182D-354B8BEFDD88}"/>
+          <p:cNvPr id="9" name="Inhaltsplatzhalter 8">
+            <a:extLst>
+              <a:ext uri="{FF2B5EF4-FFF2-40B4-BE49-F238E27FC236}">
+                <a16:creationId xmlns:a16="http://schemas.microsoft.com/office/drawing/2014/main" id="{62DAEE0F-4FB3-7EE7-5D66-ACF3A35CC233}"/>
               </a:ext>
             </a:extLst>
           </p:cNvPr>
@@ -5918,15 +8085,15 @@
         </p:blipFill>
         <p:spPr>
           <a:xfrm>
-            <a:off x="882932" y="2926"/>
-            <a:ext cx="10426136" cy="6855074"/>
+            <a:off x="1001663" y="0"/>
+            <a:ext cx="10188673" cy="6795387"/>
           </a:xfrm>
         </p:spPr>
       </p:pic>
     </p:spTree>
     <p:extLst>
       <p:ext uri="{BB962C8B-B14F-4D97-AF65-F5344CB8AC3E}">
-        <p14:creationId xmlns:p14="http://schemas.microsoft.com/office/powerpoint/2010/main" val="8731106"/>
+        <p14:creationId xmlns:p14="http://schemas.microsoft.com/office/powerpoint/2010/main" val="1279087460"/>
       </p:ext>
     </p:extLst>
   </p:cSld>
@@ -5953,12 +8120,42 @@
           <a:chExt cx="0" cy="0"/>
         </a:xfrm>
       </p:grpSpPr>
+      <p:sp>
+        <p:nvSpPr>
+          <p:cNvPr id="2" name="Titel 1">
+            <a:extLst>
+              <a:ext uri="{FF2B5EF4-FFF2-40B4-BE49-F238E27FC236}">
+                <a16:creationId xmlns:a16="http://schemas.microsoft.com/office/drawing/2014/main" id="{58E05B99-798C-C0FF-4C3F-5386AF78CBD5}"/>
+              </a:ext>
+            </a:extLst>
+          </p:cNvPr>
+          <p:cNvSpPr>
+            <a:spLocks noGrp="1"/>
+          </p:cNvSpPr>
+          <p:nvPr>
+            <p:ph type="title"/>
+          </p:nvPr>
+        </p:nvSpPr>
+        <p:spPr/>
+        <p:txBody>
+          <a:bodyPr/>
+          <a:lstStyle/>
+          <a:p>
+            <a:pPr algn="ctr"/>
+            <a:r>
+              <a:rPr lang="de-DE" dirty="0" err="1"/>
+              <a:t>Tokenizer</a:t>
+            </a:r>
+            <a:endParaRPr lang="de-DE" dirty="0"/>
+          </a:p>
+        </p:txBody>
+      </p:sp>
       <p:pic>
         <p:nvPicPr>
-          <p:cNvPr id="4" name="Grafik 3">
-            <a:extLst>
-              <a:ext uri="{FF2B5EF4-FFF2-40B4-BE49-F238E27FC236}">
-                <a16:creationId xmlns:a16="http://schemas.microsoft.com/office/drawing/2014/main" id="{FC9A8E48-5995-EB61-EA6D-CCECC28D1A43}"/>
+          <p:cNvPr id="6" name="Grafik 5">
+            <a:extLst>
+              <a:ext uri="{FF2B5EF4-FFF2-40B4-BE49-F238E27FC236}">
+                <a16:creationId xmlns:a16="http://schemas.microsoft.com/office/drawing/2014/main" id="{97256BA7-4E53-0FEE-8477-AF8F9C5705A6}"/>
               </a:ext>
             </a:extLst>
           </p:cNvPr>
@@ -5974,7 +8171,7 @@
         </p:blipFill>
         <p:spPr>
           <a:xfrm>
-            <a:off x="124403" y="317828"/>
+            <a:off x="118477" y="1456943"/>
             <a:ext cx="11943194" cy="1164337"/>
           </a:xfrm>
           <a:prstGeom prst="rect">
@@ -5982,12 +8179,284 @@
           </a:prstGeom>
         </p:spPr>
       </p:pic>
-      <p:sp>
-        <p:nvSpPr>
-          <p:cNvPr id="5" name="Rechteck: abgerundete Ecken 4">
-            <a:extLst>
-              <a:ext uri="{FF2B5EF4-FFF2-40B4-BE49-F238E27FC236}">
-                <a16:creationId xmlns:a16="http://schemas.microsoft.com/office/drawing/2014/main" id="{46052D0D-8016-046D-A06E-5373C450AED8}"/>
+      <p:pic>
+        <p:nvPicPr>
+          <p:cNvPr id="1030" name="Picture 6">
+            <a:extLst>
+              <a:ext uri="{FF2B5EF4-FFF2-40B4-BE49-F238E27FC236}">
+                <a16:creationId xmlns:a16="http://schemas.microsoft.com/office/drawing/2014/main" id="{7FF59B1E-7B70-7B33-6B96-07DC9F1BFC99}"/>
+              </a:ext>
+            </a:extLst>
+          </p:cNvPr>
+          <p:cNvPicPr>
+            <a:picLocks noChangeAspect="1" noChangeArrowheads="1"/>
+          </p:cNvPicPr>
+          <p:nvPr/>
+        </p:nvPicPr>
+        <p:blipFill rotWithShape="1">
+          <a:blip r:embed="rId3">
+            <a:extLst>
+              <a:ext uri="{28A0092B-C50C-407E-A947-70E740481C1C}">
+                <a14:useLocalDpi xmlns:a14="http://schemas.microsoft.com/office/drawing/2010/main" val="0"/>
+              </a:ext>
+            </a:extLst>
+          </a:blip>
+          <a:srcRect l="6397" r="6395"/>
+          <a:stretch/>
+        </p:blipFill>
+        <p:spPr bwMode="auto">
+          <a:xfrm>
+            <a:off x="130329" y="2628646"/>
+            <a:ext cx="1973694" cy="1846007"/>
+          </a:xfrm>
+          <a:prstGeom prst="rect">
+            <a:avLst/>
+          </a:prstGeom>
+          <a:noFill/>
+          <a:extLst>
+            <a:ext uri="{909E8E84-426E-40DD-AFC4-6F175D3DCCD1}">
+              <a14:hiddenFill xmlns:a14="http://schemas.microsoft.com/office/drawing/2010/main">
+                <a:solidFill>
+                  <a:srgbClr val="FFFFFF"/>
+                </a:solidFill>
+              </a14:hiddenFill>
+            </a:ext>
+          </a:extLst>
+        </p:spPr>
+      </p:pic>
+      <p:pic>
+        <p:nvPicPr>
+          <p:cNvPr id="1032" name="Picture 8">
+            <a:extLst>
+              <a:ext uri="{FF2B5EF4-FFF2-40B4-BE49-F238E27FC236}">
+                <a16:creationId xmlns:a16="http://schemas.microsoft.com/office/drawing/2014/main" id="{36F8C8C3-3849-1E40-865F-EF29BFCA9355}"/>
+              </a:ext>
+            </a:extLst>
+          </p:cNvPr>
+          <p:cNvPicPr>
+            <a:picLocks noChangeAspect="1" noChangeArrowheads="1"/>
+          </p:cNvPicPr>
+          <p:nvPr/>
+        </p:nvPicPr>
+        <p:blipFill rotWithShape="1">
+          <a:blip r:embed="rId4">
+            <a:extLst>
+              <a:ext uri="{28A0092B-C50C-407E-A947-70E740481C1C}">
+                <a14:useLocalDpi xmlns:a14="http://schemas.microsoft.com/office/drawing/2010/main" val="0"/>
+              </a:ext>
+            </a:extLst>
+          </a:blip>
+          <a:srcRect l="6265" r="6527"/>
+          <a:stretch/>
+        </p:blipFill>
+        <p:spPr bwMode="auto">
+          <a:xfrm>
+            <a:off x="2104023" y="2621280"/>
+            <a:ext cx="1973694" cy="1846007"/>
+          </a:xfrm>
+          <a:prstGeom prst="rect">
+            <a:avLst/>
+          </a:prstGeom>
+          <a:noFill/>
+          <a:extLst>
+            <a:ext uri="{909E8E84-426E-40DD-AFC4-6F175D3DCCD1}">
+              <a14:hiddenFill xmlns:a14="http://schemas.microsoft.com/office/drawing/2010/main">
+                <a:solidFill>
+                  <a:srgbClr val="FFFFFF"/>
+                </a:solidFill>
+              </a14:hiddenFill>
+            </a:ext>
+          </a:extLst>
+        </p:spPr>
+      </p:pic>
+      <p:pic>
+        <p:nvPicPr>
+          <p:cNvPr id="1034" name="Picture 10">
+            <a:extLst>
+              <a:ext uri="{FF2B5EF4-FFF2-40B4-BE49-F238E27FC236}">
+                <a16:creationId xmlns:a16="http://schemas.microsoft.com/office/drawing/2014/main" id="{5DA61A26-545F-7C18-03C8-F41F8655E212}"/>
+              </a:ext>
+            </a:extLst>
+          </p:cNvPr>
+          <p:cNvPicPr>
+            <a:picLocks noGrp="1" noChangeAspect="1" noChangeArrowheads="1"/>
+          </p:cNvPicPr>
+          <p:nvPr>
+            <p:ph idx="1"/>
+          </p:nvPr>
+        </p:nvPicPr>
+        <p:blipFill rotWithShape="1">
+          <a:blip r:embed="rId5">
+            <a:extLst>
+              <a:ext uri="{28A0092B-C50C-407E-A947-70E740481C1C}">
+                <a14:useLocalDpi xmlns:a14="http://schemas.microsoft.com/office/drawing/2010/main" val="0"/>
+              </a:ext>
+            </a:extLst>
+          </a:blip>
+          <a:srcRect l="6554" r="6238"/>
+          <a:stretch/>
+        </p:blipFill>
+        <p:spPr bwMode="auto">
+          <a:xfrm>
+            <a:off x="4077717" y="2633244"/>
+            <a:ext cx="1973694" cy="1863153"/>
+          </a:xfrm>
+          <a:prstGeom prst="rect">
+            <a:avLst/>
+          </a:prstGeom>
+          <a:noFill/>
+          <a:extLst>
+            <a:ext uri="{909E8E84-426E-40DD-AFC4-6F175D3DCCD1}">
+              <a14:hiddenFill xmlns:a14="http://schemas.microsoft.com/office/drawing/2010/main">
+                <a:solidFill>
+                  <a:srgbClr val="FFFFFF"/>
+                </a:solidFill>
+              </a14:hiddenFill>
+            </a:ext>
+          </a:extLst>
+        </p:spPr>
+      </p:pic>
+      <p:pic>
+        <p:nvPicPr>
+          <p:cNvPr id="1038" name="Picture 14">
+            <a:extLst>
+              <a:ext uri="{FF2B5EF4-FFF2-40B4-BE49-F238E27FC236}">
+                <a16:creationId xmlns:a16="http://schemas.microsoft.com/office/drawing/2014/main" id="{21A34608-D69A-6AE7-DE8F-E3E2D412889E}"/>
+              </a:ext>
+            </a:extLst>
+          </p:cNvPr>
+          <p:cNvPicPr>
+            <a:picLocks noChangeAspect="1" noChangeArrowheads="1"/>
+          </p:cNvPicPr>
+          <p:nvPr/>
+        </p:nvPicPr>
+        <p:blipFill rotWithShape="1">
+          <a:blip r:embed="rId6">
+            <a:extLst>
+              <a:ext uri="{28A0092B-C50C-407E-A947-70E740481C1C}">
+                <a14:useLocalDpi xmlns:a14="http://schemas.microsoft.com/office/drawing/2010/main" val="0"/>
+              </a:ext>
+            </a:extLst>
+          </a:blip>
+          <a:srcRect l="6915" r="5877"/>
+          <a:stretch/>
+        </p:blipFill>
+        <p:spPr bwMode="auto">
+          <a:xfrm>
+            <a:off x="6051411" y="2633243"/>
+            <a:ext cx="1973694" cy="1863153"/>
+          </a:xfrm>
+          <a:prstGeom prst="rect">
+            <a:avLst/>
+          </a:prstGeom>
+          <a:noFill/>
+          <a:extLst>
+            <a:ext uri="{909E8E84-426E-40DD-AFC4-6F175D3DCCD1}">
+              <a14:hiddenFill xmlns:a14="http://schemas.microsoft.com/office/drawing/2010/main">
+                <a:solidFill>
+                  <a:srgbClr val="FFFFFF"/>
+                </a:solidFill>
+              </a14:hiddenFill>
+            </a:ext>
+          </a:extLst>
+        </p:spPr>
+      </p:pic>
+      <p:pic>
+        <p:nvPicPr>
+          <p:cNvPr id="1040" name="Picture 16">
+            <a:extLst>
+              <a:ext uri="{FF2B5EF4-FFF2-40B4-BE49-F238E27FC236}">
+                <a16:creationId xmlns:a16="http://schemas.microsoft.com/office/drawing/2014/main" id="{ED3346EE-4F42-7A17-B01C-91AEC66B73E1}"/>
+              </a:ext>
+            </a:extLst>
+          </p:cNvPr>
+          <p:cNvPicPr>
+            <a:picLocks noChangeAspect="1" noChangeArrowheads="1"/>
+          </p:cNvPicPr>
+          <p:nvPr/>
+        </p:nvPicPr>
+        <p:blipFill rotWithShape="1">
+          <a:blip r:embed="rId7">
+            <a:extLst>
+              <a:ext uri="{28A0092B-C50C-407E-A947-70E740481C1C}">
+                <a14:useLocalDpi xmlns:a14="http://schemas.microsoft.com/office/drawing/2010/main" val="0"/>
+              </a:ext>
+            </a:extLst>
+          </a:blip>
+          <a:srcRect l="6589" t="4625" r="6203" b="5070"/>
+          <a:stretch/>
+        </p:blipFill>
+        <p:spPr bwMode="auto">
+          <a:xfrm>
+            <a:off x="8025105" y="2628647"/>
+            <a:ext cx="1973695" cy="1863154"/>
+          </a:xfrm>
+          <a:prstGeom prst="rect">
+            <a:avLst/>
+          </a:prstGeom>
+          <a:noFill/>
+          <a:extLst>
+            <a:ext uri="{909E8E84-426E-40DD-AFC4-6F175D3DCCD1}">
+              <a14:hiddenFill xmlns:a14="http://schemas.microsoft.com/office/drawing/2010/main">
+                <a:solidFill>
+                  <a:srgbClr val="FFFFFF"/>
+                </a:solidFill>
+              </a14:hiddenFill>
+            </a:ext>
+          </a:extLst>
+        </p:spPr>
+      </p:pic>
+      <p:pic>
+        <p:nvPicPr>
+          <p:cNvPr id="1046" name="Picture 22">
+            <a:extLst>
+              <a:ext uri="{FF2B5EF4-FFF2-40B4-BE49-F238E27FC236}">
+                <a16:creationId xmlns:a16="http://schemas.microsoft.com/office/drawing/2014/main" id="{872A92D5-0FA3-3ABC-BD57-BB375B55ADC4}"/>
+              </a:ext>
+            </a:extLst>
+          </p:cNvPr>
+          <p:cNvPicPr>
+            <a:picLocks noChangeAspect="1" noChangeArrowheads="1"/>
+          </p:cNvPicPr>
+          <p:nvPr/>
+        </p:nvPicPr>
+        <p:blipFill rotWithShape="1">
+          <a:blip r:embed="rId8">
+            <a:extLst>
+              <a:ext uri="{28A0092B-C50C-407E-A947-70E740481C1C}">
+                <a14:useLocalDpi xmlns:a14="http://schemas.microsoft.com/office/drawing/2010/main" val="0"/>
+              </a:ext>
+            </a:extLst>
+          </a:blip>
+          <a:srcRect l="6616" r="6178"/>
+          <a:stretch/>
+        </p:blipFill>
+        <p:spPr bwMode="auto">
+          <a:xfrm>
+            <a:off x="9998798" y="2633241"/>
+            <a:ext cx="1973695" cy="1863153"/>
+          </a:xfrm>
+          <a:prstGeom prst="rect">
+            <a:avLst/>
+          </a:prstGeom>
+          <a:noFill/>
+          <a:extLst>
+            <a:ext uri="{909E8E84-426E-40DD-AFC4-6F175D3DCCD1}">
+              <a14:hiddenFill xmlns:a14="http://schemas.microsoft.com/office/drawing/2010/main">
+                <a:solidFill>
+                  <a:srgbClr val="FFFFFF"/>
+                </a:solidFill>
+              </a14:hiddenFill>
+            </a:ext>
+          </a:extLst>
+        </p:spPr>
+      </p:pic>
+      <p:sp>
+        <p:nvSpPr>
+          <p:cNvPr id="7" name="Geschweifte Klammer links 6">
+            <a:extLst>
+              <a:ext uri="{FF2B5EF4-FFF2-40B4-BE49-F238E27FC236}">
+                <a16:creationId xmlns:a16="http://schemas.microsoft.com/office/drawing/2014/main" id="{AD5A8A8A-10D9-B1FF-4313-AFECD6E9A891}"/>
               </a:ext>
             </a:extLst>
           </p:cNvPr>
@@ -5995,16 +8464,16 @@
           <p:nvPr/>
         </p:nvSpPr>
         <p:spPr>
-          <a:xfrm>
-            <a:off x="132286" y="1545019"/>
-            <a:ext cx="1310260" cy="945931"/>
-          </a:xfrm>
-          <a:prstGeom prst="roundRect">
+          <a:xfrm rot="5400000">
+            <a:off x="6796993" y="1972052"/>
+            <a:ext cx="533400" cy="5870211"/>
+          </a:xfrm>
+          <a:prstGeom prst="leftBrace">
             <a:avLst>
-              <a:gd name="adj" fmla="val 15652"/>
+              <a:gd name="adj1" fmla="val 65476"/>
+              <a:gd name="adj2" fmla="val 51258"/>
             </a:avLst>
           </a:prstGeom>
-          <a:noFill/>
           <a:ln w="38100">
             <a:solidFill>
               <a:schemeClr val="tx1"/>
@@ -6012,429 +8481,204 @@
           </a:ln>
         </p:spPr>
         <p:style>
-          <a:lnRef idx="2">
-            <a:schemeClr val="accent1">
-              <a:shade val="50000"/>
-            </a:schemeClr>
+          <a:lnRef idx="1">
+            <a:schemeClr val="accent1"/>
           </a:lnRef>
-          <a:fillRef idx="1">
+          <a:fillRef idx="0">
             <a:schemeClr val="accent1"/>
           </a:fillRef>
           <a:effectRef idx="0">
             <a:schemeClr val="accent1"/>
           </a:effectRef>
           <a:fontRef idx="minor">
-            <a:schemeClr val="lt1"/>
+            <a:schemeClr val="tx1"/>
           </a:fontRef>
         </p:style>
         <p:txBody>
-          <a:bodyPr lIns="36000" rIns="36000" rtlCol="0" anchor="ctr"/>
+          <a:bodyPr rtlCol="0" anchor="ctr"/>
           <a:lstStyle/>
           <a:p>
             <a:pPr algn="ctr"/>
-            <a:r>
-              <a:rPr lang="de-DE" sz="2000" dirty="0" err="1">
-                <a:solidFill>
-                  <a:schemeClr val="tx1"/>
-                </a:solidFill>
-              </a:rPr>
-              <a:t>Datatype</a:t>
-            </a:r>
-            <a:r>
-              <a:rPr lang="de-DE" sz="2000" dirty="0">
-                <a:solidFill>
-                  <a:schemeClr val="tx1"/>
-                </a:solidFill>
-              </a:rPr>
-              <a:t>. INT</a:t>
-            </a:r>
-          </a:p>
-        </p:txBody>
-      </p:sp>
-      <p:sp>
-        <p:nvSpPr>
-          <p:cNvPr id="6" name="Rechteck: abgerundete Ecken 5">
-            <a:extLst>
-              <a:ext uri="{FF2B5EF4-FFF2-40B4-BE49-F238E27FC236}">
-                <a16:creationId xmlns:a16="http://schemas.microsoft.com/office/drawing/2014/main" id="{178268DF-44A8-1EF7-70ED-0906835798DB}"/>
-              </a:ext>
-            </a:extLst>
-          </p:cNvPr>
-          <p:cNvSpPr/>
+            <a:endParaRPr lang="de-DE" dirty="0"/>
+          </a:p>
+        </p:txBody>
+      </p:sp>
+      <p:sp>
+        <p:nvSpPr>
+          <p:cNvPr id="10" name="Textfeld 9">
+            <a:extLst>
+              <a:ext uri="{FF2B5EF4-FFF2-40B4-BE49-F238E27FC236}">
+                <a16:creationId xmlns:a16="http://schemas.microsoft.com/office/drawing/2014/main" id="{5364515C-73A5-1A7F-1555-2B46FF0E1159}"/>
+              </a:ext>
+            </a:extLst>
+          </p:cNvPr>
+          <p:cNvSpPr txBox="1"/>
           <p:nvPr/>
         </p:nvSpPr>
         <p:spPr>
           <a:xfrm>
-            <a:off x="1556845" y="1545016"/>
-            <a:ext cx="1690852" cy="945931"/>
-          </a:xfrm>
-          <a:prstGeom prst="roundRect">
-            <a:avLst>
-              <a:gd name="adj" fmla="val 17500"/>
-            </a:avLst>
+            <a:off x="6668605" y="4311731"/>
+            <a:ext cx="739305" cy="369332"/>
+          </a:xfrm>
+          <a:prstGeom prst="rect">
+            <a:avLst/>
           </a:prstGeom>
           <a:noFill/>
-          <a:ln w="38100">
-            <a:solidFill>
-              <a:schemeClr val="tx1"/>
-            </a:solidFill>
-          </a:ln>
-        </p:spPr>
-        <p:style>
-          <a:lnRef idx="2">
-            <a:schemeClr val="accent1">
-              <a:shade val="50000"/>
-            </a:schemeClr>
-          </a:lnRef>
-          <a:fillRef idx="1">
-            <a:schemeClr val="accent1"/>
-          </a:fillRef>
-          <a:effectRef idx="0">
-            <a:schemeClr val="accent1"/>
-          </a:effectRef>
-          <a:fontRef idx="minor">
-            <a:schemeClr val="lt1"/>
-          </a:fontRef>
-        </p:style>
-        <p:txBody>
-          <a:bodyPr lIns="36000" rIns="36000" rtlCol="0" anchor="ctr"/>
+        </p:spPr>
+        <p:txBody>
+          <a:bodyPr wrap="none" rtlCol="0">
+            <a:spAutoFit/>
+          </a:bodyPr>
           <a:lstStyle/>
           <a:p>
             <a:pPr algn="ctr"/>
             <a:r>
-              <a:rPr lang="de-DE" sz="2000" dirty="0">
-                <a:solidFill>
-                  <a:schemeClr val="tx1"/>
-                </a:solidFill>
-              </a:rPr>
-              <a:t>Word. IDENTIFIER(x)</a:t>
-            </a:r>
-          </a:p>
-        </p:txBody>
-      </p:sp>
-      <p:sp>
-        <p:nvSpPr>
-          <p:cNvPr id="7" name="Rechteck: abgerundete Ecken 6">
-            <a:extLst>
-              <a:ext uri="{FF2B5EF4-FFF2-40B4-BE49-F238E27FC236}">
-                <a16:creationId xmlns:a16="http://schemas.microsoft.com/office/drawing/2014/main" id="{ED325871-6DAD-B0CF-DEF5-421A5F92F805}"/>
-              </a:ext>
-            </a:extLst>
-          </p:cNvPr>
-          <p:cNvSpPr/>
+              <a:rPr lang="de-DE" dirty="0" err="1"/>
+              <a:t>inside</a:t>
+            </a:r>
+            <a:endParaRPr lang="de-DE" dirty="0"/>
+          </a:p>
+        </p:txBody>
+      </p:sp>
+      <p:pic>
+        <p:nvPicPr>
+          <p:cNvPr id="1048" name="Picture 24">
+            <a:extLst>
+              <a:ext uri="{FF2B5EF4-FFF2-40B4-BE49-F238E27FC236}">
+                <a16:creationId xmlns:a16="http://schemas.microsoft.com/office/drawing/2014/main" id="{FF77E0ED-2980-8C4F-6061-FD51724BEEDD}"/>
+              </a:ext>
+            </a:extLst>
+          </p:cNvPr>
+          <p:cNvPicPr>
+            <a:picLocks noChangeAspect="1" noChangeArrowheads="1"/>
+          </p:cNvPicPr>
           <p:nvPr/>
-        </p:nvSpPr>
-        <p:spPr>
-          <a:xfrm>
-            <a:off x="3361996" y="1533295"/>
-            <a:ext cx="1403132" cy="945931"/>
-          </a:xfrm>
-          <a:prstGeom prst="roundRect">
-            <a:avLst>
-              <a:gd name="adj" fmla="val 17500"/>
-            </a:avLst>
+        </p:nvPicPr>
+        <p:blipFill rotWithShape="1">
+          <a:blip r:embed="rId9">
+            <a:extLst>
+              <a:ext uri="{28A0092B-C50C-407E-A947-70E740481C1C}">
+                <a14:useLocalDpi xmlns:a14="http://schemas.microsoft.com/office/drawing/2010/main" val="0"/>
+              </a:ext>
+            </a:extLst>
+          </a:blip>
+          <a:srcRect l="6397" t="6338" r="6395" b="10089"/>
+          <a:stretch/>
+        </p:blipFill>
+        <p:spPr bwMode="auto">
+          <a:xfrm>
+            <a:off x="4128587" y="5208575"/>
+            <a:ext cx="1973694" cy="1557142"/>
+          </a:xfrm>
+          <a:prstGeom prst="rect">
+            <a:avLst/>
           </a:prstGeom>
           <a:noFill/>
-          <a:ln w="38100">
-            <a:solidFill>
-              <a:schemeClr val="tx1"/>
-            </a:solidFill>
-          </a:ln>
-        </p:spPr>
-        <p:style>
-          <a:lnRef idx="2">
-            <a:schemeClr val="accent1">
-              <a:shade val="50000"/>
-            </a:schemeClr>
-          </a:lnRef>
-          <a:fillRef idx="1">
-            <a:schemeClr val="accent1"/>
-          </a:fillRef>
-          <a:effectRef idx="0">
-            <a:schemeClr val="accent1"/>
-          </a:effectRef>
-          <a:fontRef idx="minor">
-            <a:schemeClr val="lt1"/>
-          </a:fontRef>
-        </p:style>
-        <p:txBody>
-          <a:bodyPr lIns="36000" rIns="36000" rtlCol="0" anchor="ctr"/>
-          <a:lstStyle/>
-          <a:p>
-            <a:pPr algn="ctr"/>
-            <a:r>
-              <a:rPr lang="de-DE" sz="2000" dirty="0">
-                <a:solidFill>
-                  <a:schemeClr val="tx1"/>
-                </a:solidFill>
-              </a:rPr>
-              <a:t>Separator. ASSIGN</a:t>
-            </a:r>
-          </a:p>
-        </p:txBody>
-      </p:sp>
-      <p:sp>
-        <p:nvSpPr>
-          <p:cNvPr id="8" name="Rechteck: abgerundete Ecken 7">
-            <a:extLst>
-              <a:ext uri="{FF2B5EF4-FFF2-40B4-BE49-F238E27FC236}">
-                <a16:creationId xmlns:a16="http://schemas.microsoft.com/office/drawing/2014/main" id="{D565FAA1-BD31-0FA8-AC48-040C9DBAFA67}"/>
-              </a:ext>
-            </a:extLst>
-          </p:cNvPr>
-          <p:cNvSpPr/>
+          <a:extLst>
+            <a:ext uri="{909E8E84-426E-40DD-AFC4-6F175D3DCCD1}">
+              <a14:hiddenFill xmlns:a14="http://schemas.microsoft.com/office/drawing/2010/main">
+                <a:solidFill>
+                  <a:srgbClr val="FFFFFF"/>
+                </a:solidFill>
+              </a14:hiddenFill>
+            </a:ext>
+          </a:extLst>
+        </p:spPr>
+      </p:pic>
+      <p:pic>
+        <p:nvPicPr>
+          <p:cNvPr id="1050" name="Picture 26">
+            <a:extLst>
+              <a:ext uri="{FF2B5EF4-FFF2-40B4-BE49-F238E27FC236}">
+                <a16:creationId xmlns:a16="http://schemas.microsoft.com/office/drawing/2014/main" id="{B943346A-AB24-880C-C80D-9B530A612567}"/>
+              </a:ext>
+            </a:extLst>
+          </p:cNvPr>
+          <p:cNvPicPr>
+            <a:picLocks noChangeAspect="1" noChangeArrowheads="1"/>
+          </p:cNvPicPr>
           <p:nvPr/>
-        </p:nvSpPr>
-        <p:spPr>
-          <a:xfrm>
-            <a:off x="4879427" y="1545016"/>
-            <a:ext cx="4102976" cy="945931"/>
-          </a:xfrm>
-          <a:prstGeom prst="roundRect">
-            <a:avLst>
-              <a:gd name="adj" fmla="val 17500"/>
-            </a:avLst>
+        </p:nvPicPr>
+        <p:blipFill rotWithShape="1">
+          <a:blip r:embed="rId10">
+            <a:extLst>
+              <a:ext uri="{28A0092B-C50C-407E-A947-70E740481C1C}">
+                <a14:useLocalDpi xmlns:a14="http://schemas.microsoft.com/office/drawing/2010/main" val="0"/>
+              </a:ext>
+            </a:extLst>
+          </a:blip>
+          <a:srcRect l="6600" t="5633" r="6193" b="9379"/>
+          <a:stretch/>
+        </p:blipFill>
+        <p:spPr bwMode="auto">
+          <a:xfrm>
+            <a:off x="6051410" y="5012267"/>
+            <a:ext cx="1973694" cy="1753450"/>
+          </a:xfrm>
+          <a:prstGeom prst="rect">
+            <a:avLst/>
           </a:prstGeom>
           <a:noFill/>
-          <a:ln w="38100">
-            <a:solidFill>
-              <a:schemeClr val="tx1"/>
-            </a:solidFill>
-          </a:ln>
-        </p:spPr>
-        <p:style>
-          <a:lnRef idx="2">
-            <a:schemeClr val="accent1">
-              <a:shade val="50000"/>
-            </a:schemeClr>
-          </a:lnRef>
-          <a:fillRef idx="1">
-            <a:schemeClr val="accent1"/>
-          </a:fillRef>
-          <a:effectRef idx="0">
-            <a:schemeClr val="accent1"/>
-          </a:effectRef>
-          <a:fontRef idx="minor">
-            <a:schemeClr val="lt1"/>
-          </a:fontRef>
-        </p:style>
-        <p:txBody>
-          <a:bodyPr lIns="36000" rIns="36000" rtlCol="0" anchor="ctr"/>
-          <a:lstStyle/>
-          <a:p>
-            <a:pPr algn="ctr"/>
-            <a:r>
-              <a:rPr lang="de-DE" sz="2000" dirty="0" err="1">
-                <a:solidFill>
-                  <a:schemeClr val="tx1"/>
-                </a:solidFill>
-              </a:rPr>
-              <a:t>Brackets.ROUND</a:t>
-            </a:r>
-            <a:r>
-              <a:rPr lang="de-DE" sz="2000" dirty="0">
-                <a:solidFill>
-                  <a:schemeClr val="tx1"/>
-                </a:solidFill>
-              </a:rPr>
-              <a:t>(</a:t>
-            </a:r>
-            <a:r>
-              <a:rPr lang="de-DE" sz="2000" dirty="0" err="1">
-                <a:solidFill>
-                  <a:schemeClr val="tx1"/>
-                </a:solidFill>
-              </a:rPr>
-              <a:t>Word.VALUE</a:t>
-            </a:r>
-            <a:r>
-              <a:rPr lang="de-DE" sz="2000" dirty="0">
-                <a:solidFill>
-                  <a:schemeClr val="tx1"/>
-                </a:solidFill>
-              </a:rPr>
-              <a:t>(2), </a:t>
-            </a:r>
-            <a:r>
-              <a:rPr lang="de-DE" sz="2000" dirty="0" err="1">
-                <a:solidFill>
-                  <a:schemeClr val="tx1"/>
-                </a:solidFill>
-              </a:rPr>
-              <a:t>MathOperator.PLUS</a:t>
-            </a:r>
-            <a:r>
-              <a:rPr lang="de-DE" sz="2000" dirty="0">
-                <a:solidFill>
-                  <a:schemeClr val="tx1"/>
-                </a:solidFill>
-              </a:rPr>
-              <a:t>, </a:t>
-            </a:r>
-            <a:r>
-              <a:rPr lang="de-DE" sz="2000" dirty="0" err="1">
-                <a:solidFill>
-                  <a:schemeClr val="tx1"/>
-                </a:solidFill>
-              </a:rPr>
-              <a:t>Word.VALUE</a:t>
-            </a:r>
-            <a:r>
-              <a:rPr lang="de-DE" sz="2000" dirty="0">
-                <a:solidFill>
-                  <a:schemeClr val="tx1"/>
-                </a:solidFill>
-              </a:rPr>
-              <a:t>(2))</a:t>
-            </a:r>
-          </a:p>
-        </p:txBody>
-      </p:sp>
-      <p:sp>
-        <p:nvSpPr>
-          <p:cNvPr id="9" name="Rechteck: abgerundete Ecken 8">
-            <a:extLst>
-              <a:ext uri="{FF2B5EF4-FFF2-40B4-BE49-F238E27FC236}">
-                <a16:creationId xmlns:a16="http://schemas.microsoft.com/office/drawing/2014/main" id="{FDFD6979-D1AA-E4F1-6668-F13F2C800F34}"/>
-              </a:ext>
-            </a:extLst>
-          </p:cNvPr>
-          <p:cNvSpPr/>
+          <a:extLst>
+            <a:ext uri="{909E8E84-426E-40DD-AFC4-6F175D3DCCD1}">
+              <a14:hiddenFill xmlns:a14="http://schemas.microsoft.com/office/drawing/2010/main">
+                <a:solidFill>
+                  <a:srgbClr val="FFFFFF"/>
+                </a:solidFill>
+              </a14:hiddenFill>
+            </a:ext>
+          </a:extLst>
+        </p:spPr>
+      </p:pic>
+      <p:pic>
+        <p:nvPicPr>
+          <p:cNvPr id="1052" name="Picture 28">
+            <a:extLst>
+              <a:ext uri="{FF2B5EF4-FFF2-40B4-BE49-F238E27FC236}">
+                <a16:creationId xmlns:a16="http://schemas.microsoft.com/office/drawing/2014/main" id="{65D8F021-FDA9-24B0-625A-AE97EA838A5D}"/>
+              </a:ext>
+            </a:extLst>
+          </p:cNvPr>
+          <p:cNvPicPr>
+            <a:picLocks noChangeAspect="1" noChangeArrowheads="1"/>
+          </p:cNvPicPr>
           <p:nvPr/>
-        </p:nvSpPr>
-        <p:spPr>
-          <a:xfrm>
-            <a:off x="9100643" y="1545016"/>
-            <a:ext cx="1694795" cy="945931"/>
-          </a:xfrm>
-          <a:prstGeom prst="roundRect">
-            <a:avLst>
-              <a:gd name="adj" fmla="val 18333"/>
-            </a:avLst>
+        </p:nvPicPr>
+        <p:blipFill rotWithShape="1">
+          <a:blip r:embed="rId11">
+            <a:extLst>
+              <a:ext uri="{28A0092B-C50C-407E-A947-70E740481C1C}">
+                <a14:useLocalDpi xmlns:a14="http://schemas.microsoft.com/office/drawing/2010/main" val="0"/>
+              </a:ext>
+            </a:extLst>
+          </a:blip>
+          <a:srcRect l="6580" t="7946" r="6212" b="9983"/>
+          <a:stretch/>
+        </p:blipFill>
+        <p:spPr bwMode="auto">
+          <a:xfrm>
+            <a:off x="8025105" y="5222606"/>
+            <a:ext cx="1973694" cy="1529080"/>
+          </a:xfrm>
+          <a:prstGeom prst="rect">
+            <a:avLst/>
           </a:prstGeom>
           <a:noFill/>
-          <a:ln w="38100">
-            <a:solidFill>
-              <a:schemeClr val="tx1"/>
-            </a:solidFill>
-          </a:ln>
-        </p:spPr>
-        <p:style>
-          <a:lnRef idx="2">
-            <a:schemeClr val="accent1">
-              <a:shade val="50000"/>
-            </a:schemeClr>
-          </a:lnRef>
-          <a:fillRef idx="1">
-            <a:schemeClr val="accent1"/>
-          </a:fillRef>
-          <a:effectRef idx="0">
-            <a:schemeClr val="accent1"/>
-          </a:effectRef>
-          <a:fontRef idx="minor">
-            <a:schemeClr val="lt1"/>
-          </a:fontRef>
-        </p:style>
-        <p:txBody>
-          <a:bodyPr lIns="0" rIns="36000" rtlCol="0" anchor="ctr"/>
-          <a:lstStyle/>
-          <a:p>
-            <a:pPr algn="ctr"/>
-            <a:r>
-              <a:rPr lang="de-DE" sz="2000" dirty="0" err="1">
-                <a:solidFill>
-                  <a:schemeClr val="tx1"/>
-                </a:solidFill>
-              </a:rPr>
-              <a:t>MathOperator</a:t>
-            </a:r>
-            <a:r>
-              <a:rPr lang="de-DE" sz="2000" dirty="0">
-                <a:solidFill>
-                  <a:schemeClr val="tx1"/>
-                </a:solidFill>
-              </a:rPr>
-              <a:t>.</a:t>
-            </a:r>
-          </a:p>
-          <a:p>
-            <a:pPr algn="ctr"/>
-            <a:r>
-              <a:rPr lang="de-DE" sz="2000" dirty="0">
-                <a:solidFill>
-                  <a:schemeClr val="tx1"/>
-                </a:solidFill>
-              </a:rPr>
-              <a:t>MULTIPLY</a:t>
-            </a:r>
-          </a:p>
-        </p:txBody>
-      </p:sp>
-      <p:sp>
-        <p:nvSpPr>
-          <p:cNvPr id="10" name="Rechteck: abgerundete Ecken 9">
-            <a:extLst>
-              <a:ext uri="{FF2B5EF4-FFF2-40B4-BE49-F238E27FC236}">
-                <a16:creationId xmlns:a16="http://schemas.microsoft.com/office/drawing/2014/main" id="{5593702D-224E-A3E3-C9DF-73D6F699B7BF}"/>
-              </a:ext>
-            </a:extLst>
-          </p:cNvPr>
-          <p:cNvSpPr/>
-          <p:nvPr/>
-        </p:nvSpPr>
-        <p:spPr>
-          <a:xfrm>
-            <a:off x="10921561" y="1545016"/>
-            <a:ext cx="1146036" cy="945931"/>
-          </a:xfrm>
-          <a:prstGeom prst="roundRect">
-            <a:avLst>
-              <a:gd name="adj" fmla="val 17500"/>
-            </a:avLst>
-          </a:prstGeom>
-          <a:noFill/>
-          <a:ln w="38100">
-            <a:solidFill>
-              <a:schemeClr val="tx1"/>
-            </a:solidFill>
-          </a:ln>
-        </p:spPr>
-        <p:style>
-          <a:lnRef idx="2">
-            <a:schemeClr val="accent1">
-              <a:shade val="50000"/>
-            </a:schemeClr>
-          </a:lnRef>
-          <a:fillRef idx="1">
-            <a:schemeClr val="accent1"/>
-          </a:fillRef>
-          <a:effectRef idx="0">
-            <a:schemeClr val="accent1"/>
-          </a:effectRef>
-          <a:fontRef idx="minor">
-            <a:schemeClr val="lt1"/>
-          </a:fontRef>
-        </p:style>
-        <p:txBody>
-          <a:bodyPr lIns="0" rIns="0" rtlCol="0" anchor="ctr"/>
-          <a:lstStyle/>
-          <a:p>
-            <a:pPr algn="ctr"/>
-            <a:r>
-              <a:rPr lang="de-DE" sz="2000" dirty="0">
-                <a:solidFill>
-                  <a:schemeClr val="tx1"/>
-                </a:solidFill>
-              </a:rPr>
-              <a:t>Word. VALUE(4)</a:t>
-            </a:r>
-          </a:p>
-        </p:txBody>
-      </p:sp>
+          <a:extLst>
+            <a:ext uri="{909E8E84-426E-40DD-AFC4-6F175D3DCCD1}">
+              <a14:hiddenFill xmlns:a14="http://schemas.microsoft.com/office/drawing/2010/main">
+                <a:solidFill>
+                  <a:srgbClr val="FFFFFF"/>
+                </a:solidFill>
+              </a14:hiddenFill>
+            </a:ext>
+          </a:extLst>
+        </p:spPr>
+      </p:pic>
     </p:spTree>
     <p:extLst>
       <p:ext uri="{BB962C8B-B14F-4D97-AF65-F5344CB8AC3E}">
-        <p14:creationId xmlns:p14="http://schemas.microsoft.com/office/powerpoint/2010/main" val="2260661457"/>
+        <p14:creationId xmlns:p14="http://schemas.microsoft.com/office/powerpoint/2010/main" val="3001393537"/>
       </p:ext>
     </p:extLst>
   </p:cSld>
@@ -6461,874 +8705,48 @@
           <a:chExt cx="0" cy="0"/>
         </a:xfrm>
       </p:grpSpPr>
-      <p:sp>
-        <p:nvSpPr>
-          <p:cNvPr id="4" name="Rechteck: abgerundete Ecken 3">
-            <a:extLst>
-              <a:ext uri="{FF2B5EF4-FFF2-40B4-BE49-F238E27FC236}">
-                <a16:creationId xmlns:a16="http://schemas.microsoft.com/office/drawing/2014/main" id="{A78B71E2-0ACC-D372-09CC-F48A502EBC0F}"/>
-              </a:ext>
-            </a:extLst>
-          </p:cNvPr>
-          <p:cNvSpPr/>
-          <p:nvPr/>
-        </p:nvSpPr>
-        <p:spPr>
-          <a:xfrm>
-            <a:off x="1618827" y="1801705"/>
-            <a:ext cx="3205421" cy="633114"/>
-          </a:xfrm>
-          <a:prstGeom prst="roundRect">
-            <a:avLst/>
-          </a:prstGeom>
-          <a:noFill/>
-          <a:ln w="38100">
-            <a:solidFill>
-              <a:schemeClr val="tx1"/>
-            </a:solidFill>
-          </a:ln>
-        </p:spPr>
-        <p:style>
-          <a:lnRef idx="2">
-            <a:schemeClr val="accent1">
-              <a:shade val="50000"/>
-            </a:schemeClr>
-          </a:lnRef>
-          <a:fillRef idx="1">
-            <a:schemeClr val="accent1"/>
-          </a:fillRef>
-          <a:effectRef idx="0">
-            <a:schemeClr val="accent1"/>
-          </a:effectRef>
-          <a:fontRef idx="minor">
-            <a:schemeClr val="lt1"/>
-          </a:fontRef>
-        </p:style>
-        <p:txBody>
-          <a:bodyPr rtlCol="0" anchor="ctr"/>
-          <a:lstStyle/>
-          <a:p>
-            <a:pPr algn="ctr"/>
-            <a:r>
-              <a:rPr lang="de-DE" dirty="0" err="1">
-                <a:solidFill>
-                  <a:schemeClr val="tx1"/>
-                </a:solidFill>
-              </a:rPr>
-              <a:t>StartCharacter</a:t>
-            </a:r>
-            <a:r>
-              <a:rPr lang="de-DE" dirty="0" err="1"/>
-              <a:t>S</a:t>
-            </a:r>
-            <a:endParaRPr lang="de-DE" dirty="0"/>
-          </a:p>
-        </p:txBody>
-      </p:sp>
-      <p:sp>
-        <p:nvSpPr>
-          <p:cNvPr id="5" name="Rechteck: abgerundete Ecken 4">
-            <a:extLst>
-              <a:ext uri="{FF2B5EF4-FFF2-40B4-BE49-F238E27FC236}">
-                <a16:creationId xmlns:a16="http://schemas.microsoft.com/office/drawing/2014/main" id="{6261D5BD-C9A7-405E-15E6-42C3AFA6857C}"/>
-              </a:ext>
-            </a:extLst>
-          </p:cNvPr>
-          <p:cNvSpPr/>
-          <p:nvPr/>
-        </p:nvSpPr>
-        <p:spPr>
-          <a:xfrm>
-            <a:off x="489636" y="1801706"/>
-            <a:ext cx="878577" cy="633113"/>
-          </a:xfrm>
-          <a:prstGeom prst="roundRect">
-            <a:avLst/>
-          </a:prstGeom>
-          <a:noFill/>
-          <a:ln w="38100">
-            <a:solidFill>
-              <a:schemeClr val="tx1"/>
-            </a:solidFill>
-          </a:ln>
-        </p:spPr>
-        <p:style>
-          <a:lnRef idx="2">
-            <a:schemeClr val="accent1">
-              <a:shade val="50000"/>
-            </a:schemeClr>
-          </a:lnRef>
-          <a:fillRef idx="1">
-            <a:schemeClr val="accent1"/>
-          </a:fillRef>
-          <a:effectRef idx="0">
-            <a:schemeClr val="accent1"/>
-          </a:effectRef>
-          <a:fontRef idx="minor">
-            <a:schemeClr val="lt1"/>
-          </a:fontRef>
-        </p:style>
-        <p:txBody>
-          <a:bodyPr rtlCol="0" anchor="ctr"/>
-          <a:lstStyle/>
-          <a:p>
-            <a:pPr algn="ctr"/>
-            <a:r>
-              <a:rPr lang="de-DE" sz="3200" dirty="0">
-                <a:solidFill>
-                  <a:schemeClr val="tx1"/>
-                </a:solidFill>
-              </a:rPr>
-              <a:t>1</a:t>
-            </a:r>
-          </a:p>
-        </p:txBody>
-      </p:sp>
-      <p:sp>
-        <p:nvSpPr>
-          <p:cNvPr id="6" name="Rechteck: abgerundete Ecken 5">
-            <a:extLst>
-              <a:ext uri="{FF2B5EF4-FFF2-40B4-BE49-F238E27FC236}">
-                <a16:creationId xmlns:a16="http://schemas.microsoft.com/office/drawing/2014/main" id="{9D3A0BBD-69F6-68E4-F6C0-68B64B5C8878}"/>
-              </a:ext>
-            </a:extLst>
-          </p:cNvPr>
-          <p:cNvSpPr/>
-          <p:nvPr/>
-        </p:nvSpPr>
-        <p:spPr>
-          <a:xfrm>
-            <a:off x="1618827" y="2545836"/>
-            <a:ext cx="3205421" cy="633114"/>
-          </a:xfrm>
-          <a:prstGeom prst="roundRect">
-            <a:avLst/>
-          </a:prstGeom>
-          <a:noFill/>
-          <a:ln w="38100">
-            <a:solidFill>
-              <a:schemeClr val="tx1"/>
-            </a:solidFill>
-          </a:ln>
-        </p:spPr>
-        <p:style>
-          <a:lnRef idx="2">
-            <a:schemeClr val="accent1">
-              <a:shade val="50000"/>
-            </a:schemeClr>
-          </a:lnRef>
-          <a:fillRef idx="1">
-            <a:schemeClr val="accent1"/>
-          </a:fillRef>
-          <a:effectRef idx="0">
-            <a:schemeClr val="accent1"/>
-          </a:effectRef>
-          <a:fontRef idx="minor">
-            <a:schemeClr val="lt1"/>
-          </a:fontRef>
-        </p:style>
-        <p:txBody>
-          <a:bodyPr rtlCol="0" anchor="ctr"/>
-          <a:lstStyle/>
-          <a:p>
-            <a:pPr algn="ctr"/>
-            <a:r>
-              <a:rPr lang="de-DE" dirty="0">
-                <a:solidFill>
-                  <a:schemeClr val="tx1"/>
-                </a:solidFill>
-              </a:rPr>
-              <a:t>Request ID</a:t>
-            </a:r>
-            <a:endParaRPr lang="de-DE" dirty="0"/>
-          </a:p>
-        </p:txBody>
-      </p:sp>
-      <p:sp>
-        <p:nvSpPr>
-          <p:cNvPr id="7" name="Rechteck: abgerundete Ecken 6">
-            <a:extLst>
-              <a:ext uri="{FF2B5EF4-FFF2-40B4-BE49-F238E27FC236}">
-                <a16:creationId xmlns:a16="http://schemas.microsoft.com/office/drawing/2014/main" id="{323A2A98-2CBD-F760-F0AF-1C386931691A}"/>
-              </a:ext>
-            </a:extLst>
-          </p:cNvPr>
-          <p:cNvSpPr/>
-          <p:nvPr/>
-        </p:nvSpPr>
-        <p:spPr>
-          <a:xfrm>
-            <a:off x="489636" y="2545837"/>
-            <a:ext cx="878577" cy="633113"/>
-          </a:xfrm>
-          <a:prstGeom prst="roundRect">
-            <a:avLst/>
-          </a:prstGeom>
-          <a:noFill/>
-          <a:ln w="38100">
-            <a:solidFill>
-              <a:schemeClr val="tx1"/>
-            </a:solidFill>
-          </a:ln>
-        </p:spPr>
-        <p:style>
-          <a:lnRef idx="2">
-            <a:schemeClr val="accent1">
-              <a:shade val="50000"/>
-            </a:schemeClr>
-          </a:lnRef>
-          <a:fillRef idx="1">
-            <a:schemeClr val="accent1"/>
-          </a:fillRef>
-          <a:effectRef idx="0">
-            <a:schemeClr val="accent1"/>
-          </a:effectRef>
-          <a:fontRef idx="minor">
-            <a:schemeClr val="lt1"/>
-          </a:fontRef>
-        </p:style>
-        <p:txBody>
-          <a:bodyPr rtlCol="0" anchor="ctr"/>
-          <a:lstStyle/>
-          <a:p>
-            <a:pPr algn="ctr"/>
-            <a:r>
-              <a:rPr lang="de-DE" sz="3200" dirty="0">
-                <a:solidFill>
-                  <a:schemeClr val="tx1"/>
-                </a:solidFill>
-              </a:rPr>
-              <a:t>1</a:t>
-            </a:r>
-          </a:p>
-        </p:txBody>
-      </p:sp>
-      <p:sp>
-        <p:nvSpPr>
-          <p:cNvPr id="8" name="Rechteck: abgerundete Ecken 7">
-            <a:extLst>
-              <a:ext uri="{FF2B5EF4-FFF2-40B4-BE49-F238E27FC236}">
-                <a16:creationId xmlns:a16="http://schemas.microsoft.com/office/drawing/2014/main" id="{AFFED479-E31A-C40C-C461-87E25167C518}"/>
-              </a:ext>
-            </a:extLst>
-          </p:cNvPr>
-          <p:cNvSpPr/>
-          <p:nvPr/>
-        </p:nvSpPr>
-        <p:spPr>
-          <a:xfrm>
-            <a:off x="1618827" y="3289967"/>
-            <a:ext cx="3205421" cy="633114"/>
-          </a:xfrm>
-          <a:prstGeom prst="roundRect">
-            <a:avLst/>
-          </a:prstGeom>
-          <a:noFill/>
-          <a:ln w="38100">
-            <a:solidFill>
-              <a:schemeClr val="tx1"/>
-            </a:solidFill>
-          </a:ln>
-        </p:spPr>
-        <p:style>
-          <a:lnRef idx="2">
-            <a:schemeClr val="accent1">
-              <a:shade val="50000"/>
-            </a:schemeClr>
-          </a:lnRef>
-          <a:fillRef idx="1">
-            <a:schemeClr val="accent1"/>
-          </a:fillRef>
-          <a:effectRef idx="0">
-            <a:schemeClr val="accent1"/>
-          </a:effectRef>
-          <a:fontRef idx="minor">
-            <a:schemeClr val="lt1"/>
-          </a:fontRef>
-        </p:style>
-        <p:txBody>
-          <a:bodyPr rtlCol="0" anchor="ctr"/>
-          <a:lstStyle/>
-          <a:p>
-            <a:pPr algn="ctr"/>
-            <a:r>
-              <a:rPr lang="de-DE" dirty="0">
-                <a:solidFill>
-                  <a:schemeClr val="tx1"/>
-                </a:solidFill>
-              </a:rPr>
-              <a:t>Value Size (in </a:t>
-            </a:r>
-            <a:r>
-              <a:rPr lang="de-DE" dirty="0" err="1">
-                <a:solidFill>
-                  <a:schemeClr val="tx1"/>
-                </a:solidFill>
-              </a:rPr>
-              <a:t>bytes</a:t>
-            </a:r>
-            <a:r>
-              <a:rPr lang="de-DE" dirty="0">
-                <a:solidFill>
-                  <a:schemeClr val="tx1"/>
-                </a:solidFill>
-              </a:rPr>
-              <a:t>)</a:t>
-            </a:r>
-            <a:endParaRPr lang="de-DE" dirty="0"/>
-          </a:p>
-        </p:txBody>
-      </p:sp>
-      <p:sp>
-        <p:nvSpPr>
-          <p:cNvPr id="9" name="Rechteck: abgerundete Ecken 8">
-            <a:extLst>
-              <a:ext uri="{FF2B5EF4-FFF2-40B4-BE49-F238E27FC236}">
-                <a16:creationId xmlns:a16="http://schemas.microsoft.com/office/drawing/2014/main" id="{8687227A-7EF6-E404-4BB6-BF2640FEDD3E}"/>
-              </a:ext>
-            </a:extLst>
-          </p:cNvPr>
-          <p:cNvSpPr/>
-          <p:nvPr/>
-        </p:nvSpPr>
-        <p:spPr>
-          <a:xfrm>
-            <a:off x="489636" y="3289968"/>
-            <a:ext cx="878577" cy="633113"/>
-          </a:xfrm>
-          <a:prstGeom prst="roundRect">
-            <a:avLst/>
-          </a:prstGeom>
-          <a:noFill/>
-          <a:ln w="38100">
-            <a:solidFill>
-              <a:schemeClr val="tx1"/>
-            </a:solidFill>
-          </a:ln>
-        </p:spPr>
-        <p:style>
-          <a:lnRef idx="2">
-            <a:schemeClr val="accent1">
-              <a:shade val="50000"/>
-            </a:schemeClr>
-          </a:lnRef>
-          <a:fillRef idx="1">
-            <a:schemeClr val="accent1"/>
-          </a:fillRef>
-          <a:effectRef idx="0">
-            <a:schemeClr val="accent1"/>
-          </a:effectRef>
-          <a:fontRef idx="minor">
-            <a:schemeClr val="lt1"/>
-          </a:fontRef>
-        </p:style>
-        <p:txBody>
-          <a:bodyPr rtlCol="0" anchor="ctr"/>
-          <a:lstStyle/>
-          <a:p>
-            <a:pPr algn="ctr"/>
-            <a:r>
-              <a:rPr lang="de-DE" sz="3200" dirty="0">
-                <a:solidFill>
-                  <a:schemeClr val="tx1"/>
-                </a:solidFill>
-              </a:rPr>
-              <a:t>1</a:t>
-            </a:r>
-          </a:p>
-        </p:txBody>
-      </p:sp>
-      <p:sp>
-        <p:nvSpPr>
-          <p:cNvPr id="10" name="Rechteck: abgerundete Ecken 9">
-            <a:extLst>
-              <a:ext uri="{FF2B5EF4-FFF2-40B4-BE49-F238E27FC236}">
-                <a16:creationId xmlns:a16="http://schemas.microsoft.com/office/drawing/2014/main" id="{DFF47EDD-8476-8D71-B47C-8CF352F692E0}"/>
-              </a:ext>
-            </a:extLst>
-          </p:cNvPr>
-          <p:cNvSpPr/>
-          <p:nvPr/>
-        </p:nvSpPr>
-        <p:spPr>
-          <a:xfrm>
-            <a:off x="1618826" y="4030435"/>
-            <a:ext cx="3205421" cy="633114"/>
-          </a:xfrm>
-          <a:prstGeom prst="roundRect">
-            <a:avLst/>
-          </a:prstGeom>
-          <a:noFill/>
-          <a:ln w="38100">
-            <a:solidFill>
-              <a:schemeClr val="tx1"/>
-            </a:solidFill>
-          </a:ln>
-        </p:spPr>
-        <p:style>
-          <a:lnRef idx="2">
-            <a:schemeClr val="accent1">
-              <a:shade val="50000"/>
-            </a:schemeClr>
-          </a:lnRef>
-          <a:fillRef idx="1">
-            <a:schemeClr val="accent1"/>
-          </a:fillRef>
-          <a:effectRef idx="0">
-            <a:schemeClr val="accent1"/>
-          </a:effectRef>
-          <a:fontRef idx="minor">
-            <a:schemeClr val="lt1"/>
-          </a:fontRef>
-        </p:style>
-        <p:txBody>
-          <a:bodyPr rtlCol="0" anchor="ctr"/>
-          <a:lstStyle/>
-          <a:p>
-            <a:pPr algn="ctr"/>
-            <a:r>
-              <a:rPr lang="de-DE" dirty="0" err="1">
-                <a:solidFill>
-                  <a:schemeClr val="tx1"/>
-                </a:solidFill>
-              </a:rPr>
-              <a:t>Instruction</a:t>
-            </a:r>
-            <a:r>
-              <a:rPr lang="de-DE" dirty="0" err="1"/>
-              <a:t>S</a:t>
-            </a:r>
-            <a:endParaRPr lang="de-DE" dirty="0"/>
-          </a:p>
-        </p:txBody>
-      </p:sp>
-      <p:sp>
-        <p:nvSpPr>
-          <p:cNvPr id="11" name="Rechteck: abgerundete Ecken 10">
-            <a:extLst>
-              <a:ext uri="{FF2B5EF4-FFF2-40B4-BE49-F238E27FC236}">
-                <a16:creationId xmlns:a16="http://schemas.microsoft.com/office/drawing/2014/main" id="{C16C6221-A5A4-9A9E-DD84-DAAB96791346}"/>
-              </a:ext>
-            </a:extLst>
-          </p:cNvPr>
-          <p:cNvSpPr/>
-          <p:nvPr/>
-        </p:nvSpPr>
-        <p:spPr>
-          <a:xfrm>
-            <a:off x="489636" y="4028451"/>
-            <a:ext cx="878577" cy="633113"/>
-          </a:xfrm>
-          <a:prstGeom prst="roundRect">
-            <a:avLst/>
-          </a:prstGeom>
-          <a:noFill/>
-          <a:ln w="38100">
-            <a:solidFill>
-              <a:schemeClr val="tx1"/>
-            </a:solidFill>
-          </a:ln>
-        </p:spPr>
-        <p:style>
-          <a:lnRef idx="2">
-            <a:schemeClr val="accent1">
-              <a:shade val="50000"/>
-            </a:schemeClr>
-          </a:lnRef>
-          <a:fillRef idx="1">
-            <a:schemeClr val="accent1"/>
-          </a:fillRef>
-          <a:effectRef idx="0">
-            <a:schemeClr val="accent1"/>
-          </a:effectRef>
-          <a:fontRef idx="minor">
-            <a:schemeClr val="lt1"/>
-          </a:fontRef>
-        </p:style>
-        <p:txBody>
-          <a:bodyPr rtlCol="0" anchor="ctr"/>
-          <a:lstStyle/>
-          <a:p>
-            <a:pPr algn="ctr"/>
-            <a:r>
-              <a:rPr lang="de-DE" sz="3200" dirty="0">
-                <a:solidFill>
-                  <a:schemeClr val="tx1"/>
-                </a:solidFill>
-              </a:rPr>
-              <a:t>1</a:t>
-            </a:r>
-          </a:p>
-        </p:txBody>
-      </p:sp>
-      <p:sp>
-        <p:nvSpPr>
-          <p:cNvPr id="12" name="Rechteck: abgerundete Ecken 11">
-            <a:extLst>
-              <a:ext uri="{FF2B5EF4-FFF2-40B4-BE49-F238E27FC236}">
-                <a16:creationId xmlns:a16="http://schemas.microsoft.com/office/drawing/2014/main" id="{E2FA0AE1-6AAE-33B8-9F96-D2C57D7FBCCE}"/>
-              </a:ext>
-            </a:extLst>
-          </p:cNvPr>
-          <p:cNvSpPr/>
-          <p:nvPr/>
-        </p:nvSpPr>
-        <p:spPr>
-          <a:xfrm>
-            <a:off x="1618824" y="4770903"/>
-            <a:ext cx="3205421" cy="633114"/>
-          </a:xfrm>
-          <a:prstGeom prst="roundRect">
-            <a:avLst/>
-          </a:prstGeom>
-          <a:noFill/>
-          <a:ln w="38100">
-            <a:solidFill>
-              <a:schemeClr val="tx1"/>
-            </a:solidFill>
-          </a:ln>
-        </p:spPr>
-        <p:style>
-          <a:lnRef idx="2">
-            <a:schemeClr val="accent1">
-              <a:shade val="50000"/>
-            </a:schemeClr>
-          </a:lnRef>
-          <a:fillRef idx="1">
-            <a:schemeClr val="accent1"/>
-          </a:fillRef>
-          <a:effectRef idx="0">
-            <a:schemeClr val="accent1"/>
-          </a:effectRef>
-          <a:fontRef idx="minor">
-            <a:schemeClr val="lt1"/>
-          </a:fontRef>
-        </p:style>
-        <p:txBody>
-          <a:bodyPr rtlCol="0" anchor="ctr"/>
-          <a:lstStyle/>
-          <a:p>
-            <a:pPr algn="ctr"/>
-            <a:r>
-              <a:rPr lang="de-DE" dirty="0">
-                <a:solidFill>
-                  <a:schemeClr val="tx1"/>
-                </a:solidFill>
-              </a:rPr>
-              <a:t>Value</a:t>
-            </a:r>
-            <a:endParaRPr lang="de-DE" dirty="0"/>
-          </a:p>
-        </p:txBody>
-      </p:sp>
-      <p:sp>
-        <p:nvSpPr>
-          <p:cNvPr id="13" name="Rechteck: abgerundete Ecken 12">
-            <a:extLst>
-              <a:ext uri="{FF2B5EF4-FFF2-40B4-BE49-F238E27FC236}">
-                <a16:creationId xmlns:a16="http://schemas.microsoft.com/office/drawing/2014/main" id="{337C0DAB-D27F-F86C-2F7B-B0ABE610F25A}"/>
-              </a:ext>
-            </a:extLst>
-          </p:cNvPr>
-          <p:cNvSpPr/>
-          <p:nvPr/>
-        </p:nvSpPr>
-        <p:spPr>
-          <a:xfrm>
-            <a:off x="489635" y="4770904"/>
-            <a:ext cx="878578" cy="633113"/>
-          </a:xfrm>
-          <a:prstGeom prst="roundRect">
-            <a:avLst>
-              <a:gd name="adj" fmla="val 17737"/>
-            </a:avLst>
-          </a:prstGeom>
-          <a:noFill/>
-          <a:ln w="38100">
-            <a:solidFill>
-              <a:schemeClr val="tx1"/>
-            </a:solidFill>
-          </a:ln>
-        </p:spPr>
-        <p:style>
-          <a:lnRef idx="2">
-            <a:schemeClr val="accent1">
-              <a:shade val="50000"/>
-            </a:schemeClr>
-          </a:lnRef>
-          <a:fillRef idx="1">
-            <a:schemeClr val="accent1"/>
-          </a:fillRef>
-          <a:effectRef idx="0">
-            <a:schemeClr val="accent1"/>
-          </a:effectRef>
-          <a:fontRef idx="minor">
-            <a:schemeClr val="lt1"/>
-          </a:fontRef>
-        </p:style>
-        <p:txBody>
-          <a:bodyPr rtlCol="0" anchor="ctr"/>
-          <a:lstStyle/>
-          <a:p>
-            <a:pPr algn="ctr"/>
-            <a:r>
-              <a:rPr lang="de-DE" sz="2200" dirty="0">
-                <a:solidFill>
-                  <a:schemeClr val="tx1"/>
-                </a:solidFill>
-              </a:rPr>
-              <a:t>Value Size</a:t>
-            </a:r>
-          </a:p>
-        </p:txBody>
-      </p:sp>
-      <p:sp>
-        <p:nvSpPr>
-          <p:cNvPr id="14" name="Rechteck: abgerundete Ecken 13">
-            <a:extLst>
-              <a:ext uri="{FF2B5EF4-FFF2-40B4-BE49-F238E27FC236}">
-                <a16:creationId xmlns:a16="http://schemas.microsoft.com/office/drawing/2014/main" id="{B708E0CD-20C1-0CF0-C545-6F84643679B8}"/>
-              </a:ext>
-            </a:extLst>
-          </p:cNvPr>
-          <p:cNvSpPr/>
-          <p:nvPr/>
-        </p:nvSpPr>
-        <p:spPr>
-          <a:xfrm>
-            <a:off x="1618823" y="5518697"/>
-            <a:ext cx="3205422" cy="633114"/>
-          </a:xfrm>
-          <a:prstGeom prst="roundRect">
-            <a:avLst/>
-          </a:prstGeom>
-          <a:noFill/>
-          <a:ln w="38100">
-            <a:solidFill>
-              <a:schemeClr val="tx1"/>
-            </a:solidFill>
-          </a:ln>
-        </p:spPr>
-        <p:style>
-          <a:lnRef idx="2">
-            <a:schemeClr val="accent1">
-              <a:shade val="50000"/>
-            </a:schemeClr>
-          </a:lnRef>
-          <a:fillRef idx="1">
-            <a:schemeClr val="accent1"/>
-          </a:fillRef>
-          <a:effectRef idx="0">
-            <a:schemeClr val="accent1"/>
-          </a:effectRef>
-          <a:fontRef idx="minor">
-            <a:schemeClr val="lt1"/>
-          </a:fontRef>
-        </p:style>
-        <p:txBody>
-          <a:bodyPr rtlCol="0" anchor="ctr"/>
-          <a:lstStyle/>
-          <a:p>
-            <a:pPr algn="ctr"/>
-            <a:r>
-              <a:rPr lang="de-DE" dirty="0" err="1">
-                <a:solidFill>
-                  <a:schemeClr val="tx1"/>
-                </a:solidFill>
-              </a:rPr>
-              <a:t>EndCharacter</a:t>
-            </a:r>
-            <a:r>
-              <a:rPr lang="de-DE" dirty="0" err="1"/>
-              <a:t>S</a:t>
-            </a:r>
-            <a:endParaRPr lang="de-DE" dirty="0"/>
-          </a:p>
-        </p:txBody>
-      </p:sp>
-      <p:sp>
-        <p:nvSpPr>
-          <p:cNvPr id="15" name="Rechteck: abgerundete Ecken 14">
-            <a:extLst>
-              <a:ext uri="{FF2B5EF4-FFF2-40B4-BE49-F238E27FC236}">
-                <a16:creationId xmlns:a16="http://schemas.microsoft.com/office/drawing/2014/main" id="{B3CF6E63-C75C-6F5B-B401-BDA0A00EB6D0}"/>
-              </a:ext>
-            </a:extLst>
-          </p:cNvPr>
-          <p:cNvSpPr/>
-          <p:nvPr/>
-        </p:nvSpPr>
-        <p:spPr>
-          <a:xfrm>
-            <a:off x="489635" y="5518698"/>
-            <a:ext cx="878577" cy="633113"/>
-          </a:xfrm>
-          <a:prstGeom prst="roundRect">
-            <a:avLst/>
-          </a:prstGeom>
-          <a:noFill/>
-          <a:ln w="38100">
-            <a:solidFill>
-              <a:schemeClr val="tx1"/>
-            </a:solidFill>
-          </a:ln>
-        </p:spPr>
-        <p:style>
-          <a:lnRef idx="2">
-            <a:schemeClr val="accent1">
-              <a:shade val="50000"/>
-            </a:schemeClr>
-          </a:lnRef>
-          <a:fillRef idx="1">
-            <a:schemeClr val="accent1"/>
-          </a:fillRef>
-          <a:effectRef idx="0">
-            <a:schemeClr val="accent1"/>
-          </a:effectRef>
-          <a:fontRef idx="minor">
-            <a:schemeClr val="lt1"/>
-          </a:fontRef>
-        </p:style>
-        <p:txBody>
-          <a:bodyPr rtlCol="0" anchor="ctr"/>
-          <a:lstStyle/>
-          <a:p>
-            <a:pPr algn="ctr"/>
-            <a:r>
-              <a:rPr lang="de-DE" sz="3200" dirty="0">
-                <a:solidFill>
-                  <a:schemeClr val="tx1"/>
-                </a:solidFill>
-              </a:rPr>
-              <a:t>1</a:t>
-            </a:r>
-          </a:p>
-        </p:txBody>
-      </p:sp>
-      <p:sp>
-        <p:nvSpPr>
-          <p:cNvPr id="24" name="Rechteck: abgerundete Ecken 23">
-            <a:extLst>
-              <a:ext uri="{FF2B5EF4-FFF2-40B4-BE49-F238E27FC236}">
-                <a16:creationId xmlns:a16="http://schemas.microsoft.com/office/drawing/2014/main" id="{9CFA5687-7749-F3AF-6379-5992264E4DDE}"/>
-              </a:ext>
-            </a:extLst>
-          </p:cNvPr>
-          <p:cNvSpPr/>
-          <p:nvPr/>
-        </p:nvSpPr>
-        <p:spPr>
-          <a:xfrm>
-            <a:off x="411742" y="906872"/>
-            <a:ext cx="1034364" cy="633114"/>
-          </a:xfrm>
-          <a:prstGeom prst="roundRect">
-            <a:avLst/>
-          </a:prstGeom>
-          <a:noFill/>
-          <a:ln w="38100">
-            <a:solidFill>
-              <a:schemeClr val="tx1"/>
-            </a:solidFill>
-          </a:ln>
-        </p:spPr>
-        <p:style>
-          <a:lnRef idx="2">
-            <a:schemeClr val="accent1">
-              <a:shade val="50000"/>
-            </a:schemeClr>
-          </a:lnRef>
-          <a:fillRef idx="1">
-            <a:schemeClr val="accent1"/>
-          </a:fillRef>
-          <a:effectRef idx="0">
-            <a:schemeClr val="accent1"/>
-          </a:effectRef>
-          <a:fontRef idx="minor">
-            <a:schemeClr val="lt1"/>
-          </a:fontRef>
-        </p:style>
-        <p:txBody>
-          <a:bodyPr rtlCol="0" anchor="ctr"/>
-          <a:lstStyle/>
-          <a:p>
-            <a:pPr algn="ctr"/>
-            <a:r>
-              <a:rPr lang="de-DE" dirty="0">
-                <a:solidFill>
-                  <a:schemeClr val="tx1"/>
-                </a:solidFill>
-              </a:rPr>
-              <a:t>Größe in Bytes</a:t>
-            </a:r>
-            <a:endParaRPr lang="de-DE" dirty="0"/>
-          </a:p>
-        </p:txBody>
-      </p:sp>
-      <p:sp>
-        <p:nvSpPr>
-          <p:cNvPr id="27" name="Rechteck: abgerundete Ecken 26">
-            <a:extLst>
-              <a:ext uri="{FF2B5EF4-FFF2-40B4-BE49-F238E27FC236}">
-                <a16:creationId xmlns:a16="http://schemas.microsoft.com/office/drawing/2014/main" id="{99CA01E8-7BAB-2B01-2F2D-8E641058B9C4}"/>
-              </a:ext>
-            </a:extLst>
-          </p:cNvPr>
-          <p:cNvSpPr/>
-          <p:nvPr/>
-        </p:nvSpPr>
-        <p:spPr>
-          <a:xfrm>
-            <a:off x="2534042" y="906872"/>
-            <a:ext cx="1374987" cy="633114"/>
-          </a:xfrm>
-          <a:prstGeom prst="roundRect">
-            <a:avLst/>
-          </a:prstGeom>
-          <a:noFill/>
-          <a:ln w="38100">
-            <a:solidFill>
-              <a:schemeClr val="tx1"/>
-            </a:solidFill>
-          </a:ln>
-        </p:spPr>
-        <p:style>
-          <a:lnRef idx="2">
-            <a:schemeClr val="accent1">
-              <a:shade val="50000"/>
-            </a:schemeClr>
-          </a:lnRef>
-          <a:fillRef idx="1">
-            <a:schemeClr val="accent1"/>
-          </a:fillRef>
-          <a:effectRef idx="0">
-            <a:schemeClr val="accent1"/>
-          </a:effectRef>
-          <a:fontRef idx="minor">
-            <a:schemeClr val="lt1"/>
-          </a:fontRef>
-        </p:style>
-        <p:txBody>
-          <a:bodyPr rtlCol="0" anchor="ctr"/>
-          <a:lstStyle/>
-          <a:p>
-            <a:pPr algn="ctr"/>
-            <a:r>
-              <a:rPr lang="de-DE" dirty="0">
-                <a:solidFill>
-                  <a:schemeClr val="tx1"/>
-                </a:solidFill>
-              </a:rPr>
-              <a:t>Anweisung</a:t>
-            </a:r>
-            <a:endParaRPr lang="de-DE" dirty="0"/>
-          </a:p>
-        </p:txBody>
-      </p:sp>
+      <p:pic>
+        <p:nvPicPr>
+          <p:cNvPr id="17" name="Inhaltsplatzhalter 16">
+            <a:extLst>
+              <a:ext uri="{FF2B5EF4-FFF2-40B4-BE49-F238E27FC236}">
+                <a16:creationId xmlns:a16="http://schemas.microsoft.com/office/drawing/2014/main" id="{79417BF2-6664-4AAD-182D-354B8BEFDD88}"/>
+              </a:ext>
+            </a:extLst>
+          </p:cNvPr>
+          <p:cNvPicPr>
+            <a:picLocks noGrp="1" noChangeAspect="1"/>
+          </p:cNvPicPr>
+          <p:nvPr>
+            <p:ph idx="1"/>
+          </p:nvPr>
+        </p:nvPicPr>
+        <p:blipFill>
+          <a:blip r:embed="rId2">
+            <a:extLst>
+              <a:ext uri="{28A0092B-C50C-407E-A947-70E740481C1C}">
+                <a14:useLocalDpi xmlns:a14="http://schemas.microsoft.com/office/drawing/2010/main" val="0"/>
+              </a:ext>
+              <a:ext uri="{96DAC541-7B7A-43D3-8B79-37D633B846F1}">
+                <asvg:svgBlip xmlns:asvg="http://schemas.microsoft.com/office/drawing/2016/SVG/main" r:embed="rId3"/>
+              </a:ext>
+            </a:extLst>
+          </a:blip>
+          <a:stretch>
+            <a:fillRect/>
+          </a:stretch>
+        </p:blipFill>
+        <p:spPr>
+          <a:xfrm>
+            <a:off x="882932" y="2926"/>
+            <a:ext cx="10426136" cy="6855074"/>
+          </a:xfrm>
+        </p:spPr>
+      </p:pic>
     </p:spTree>
     <p:extLst>
       <p:ext uri="{BB962C8B-B14F-4D97-AF65-F5344CB8AC3E}">
-        <p14:creationId xmlns:p14="http://schemas.microsoft.com/office/powerpoint/2010/main" val="2665419230"/>
+        <p14:creationId xmlns:p14="http://schemas.microsoft.com/office/powerpoint/2010/main" val="8731106"/>
       </p:ext>
     </p:extLst>
   </p:cSld>
@@ -7355,12 +8773,41 @@
           <a:chExt cx="0" cy="0"/>
         </a:xfrm>
       </p:grpSpPr>
-      <p:sp>
-        <p:nvSpPr>
-          <p:cNvPr id="4" name="Rechteck: abgerundete Ecken 3">
-            <a:extLst>
-              <a:ext uri="{FF2B5EF4-FFF2-40B4-BE49-F238E27FC236}">
-                <a16:creationId xmlns:a16="http://schemas.microsoft.com/office/drawing/2014/main" id="{A78B71E2-0ACC-D372-09CC-F48A502EBC0F}"/>
+      <p:pic>
+        <p:nvPicPr>
+          <p:cNvPr id="4" name="Grafik 3">
+            <a:extLst>
+              <a:ext uri="{FF2B5EF4-FFF2-40B4-BE49-F238E27FC236}">
+                <a16:creationId xmlns:a16="http://schemas.microsoft.com/office/drawing/2014/main" id="{FC9A8E48-5995-EB61-EA6D-CCECC28D1A43}"/>
+              </a:ext>
+            </a:extLst>
+          </p:cNvPr>
+          <p:cNvPicPr>
+            <a:picLocks noChangeAspect="1"/>
+          </p:cNvPicPr>
+          <p:nvPr/>
+        </p:nvPicPr>
+        <p:blipFill rotWithShape="1">
+          <a:blip r:embed="rId2"/>
+          <a:srcRect t="19886" r="22224"/>
+          <a:stretch/>
+        </p:blipFill>
+        <p:spPr>
+          <a:xfrm>
+            <a:off x="124403" y="317828"/>
+            <a:ext cx="11943194" cy="1164337"/>
+          </a:xfrm>
+          <a:prstGeom prst="rect">
+            <a:avLst/>
+          </a:prstGeom>
+        </p:spPr>
+      </p:pic>
+      <p:sp>
+        <p:nvSpPr>
+          <p:cNvPr id="5" name="Rechteck: abgerundete Ecken 4">
+            <a:extLst>
+              <a:ext uri="{FF2B5EF4-FFF2-40B4-BE49-F238E27FC236}">
+                <a16:creationId xmlns:a16="http://schemas.microsoft.com/office/drawing/2014/main" id="{46052D0D-8016-046D-A06E-5373C450AED8}"/>
               </a:ext>
             </a:extLst>
           </p:cNvPr>
@@ -7369,11 +8816,13 @@
         </p:nvSpPr>
         <p:spPr>
           <a:xfrm>
-            <a:off x="1618827" y="1801705"/>
-            <a:ext cx="3205421" cy="633114"/>
+            <a:off x="132286" y="1545019"/>
+            <a:ext cx="1310260" cy="945931"/>
           </a:xfrm>
           <a:prstGeom prst="roundRect">
-            <a:avLst/>
+            <a:avLst>
+              <a:gd name="adj" fmla="val 15652"/>
+            </a:avLst>
           </a:prstGeom>
           <a:noFill/>
           <a:ln w="38100">
@@ -7399,32 +8848,35 @@
           </a:fontRef>
         </p:style>
         <p:txBody>
-          <a:bodyPr rtlCol="0" anchor="ctr"/>
+          <a:bodyPr lIns="36000" rIns="36000" rtlCol="0" anchor="ctr"/>
           <a:lstStyle/>
           <a:p>
             <a:pPr algn="ctr"/>
             <a:r>
-              <a:rPr lang="de-DE" dirty="0" err="1">
+              <a:rPr lang="de-DE" sz="2000" dirty="0" err="1">
                 <a:solidFill>
                   <a:schemeClr val="tx1"/>
                 </a:solidFill>
               </a:rPr>
-              <a:t>StartCharacter</a:t>
-            </a:r>
-            <a:r>
-              <a:rPr lang="de-DE" dirty="0" err="1"/>
-              <a:t>S</a:t>
-            </a:r>
-            <a:endParaRPr lang="de-DE" dirty="0"/>
-          </a:p>
-        </p:txBody>
-      </p:sp>
-      <p:sp>
-        <p:nvSpPr>
-          <p:cNvPr id="5" name="Rechteck: abgerundete Ecken 4">
-            <a:extLst>
-              <a:ext uri="{FF2B5EF4-FFF2-40B4-BE49-F238E27FC236}">
-                <a16:creationId xmlns:a16="http://schemas.microsoft.com/office/drawing/2014/main" id="{6261D5BD-C9A7-405E-15E6-42C3AFA6857C}"/>
+              <a:t>Datatype</a:t>
+            </a:r>
+            <a:r>
+              <a:rPr lang="de-DE" sz="2000" dirty="0">
+                <a:solidFill>
+                  <a:schemeClr val="tx1"/>
+                </a:solidFill>
+              </a:rPr>
+              <a:t>. INT</a:t>
+            </a:r>
+          </a:p>
+        </p:txBody>
+      </p:sp>
+      <p:sp>
+        <p:nvSpPr>
+          <p:cNvPr id="6" name="Rechteck: abgerundete Ecken 5">
+            <a:extLst>
+              <a:ext uri="{FF2B5EF4-FFF2-40B4-BE49-F238E27FC236}">
+                <a16:creationId xmlns:a16="http://schemas.microsoft.com/office/drawing/2014/main" id="{178268DF-44A8-1EF7-70ED-0906835798DB}"/>
               </a:ext>
             </a:extLst>
           </p:cNvPr>
@@ -7433,11 +8885,13 @@
         </p:nvSpPr>
         <p:spPr>
           <a:xfrm>
-            <a:off x="489636" y="1801706"/>
-            <a:ext cx="878577" cy="633113"/>
+            <a:off x="1556845" y="1545016"/>
+            <a:ext cx="1690852" cy="945931"/>
           </a:xfrm>
           <a:prstGeom prst="roundRect">
-            <a:avLst/>
+            <a:avLst>
+              <a:gd name="adj" fmla="val 17500"/>
+            </a:avLst>
           </a:prstGeom>
           <a:noFill/>
           <a:ln w="38100">
@@ -7463,27 +8917,27 @@
           </a:fontRef>
         </p:style>
         <p:txBody>
-          <a:bodyPr rtlCol="0" anchor="ctr"/>
+          <a:bodyPr lIns="36000" rIns="36000" rtlCol="0" anchor="ctr"/>
           <a:lstStyle/>
           <a:p>
             <a:pPr algn="ctr"/>
             <a:r>
-              <a:rPr lang="de-DE" sz="3200" dirty="0">
+              <a:rPr lang="de-DE" sz="2000" dirty="0">
                 <a:solidFill>
                   <a:schemeClr val="tx1"/>
                 </a:solidFill>
               </a:rPr>
-              <a:t>1</a:t>
-            </a:r>
-          </a:p>
-        </p:txBody>
-      </p:sp>
-      <p:sp>
-        <p:nvSpPr>
-          <p:cNvPr id="6" name="Rechteck: abgerundete Ecken 5">
-            <a:extLst>
-              <a:ext uri="{FF2B5EF4-FFF2-40B4-BE49-F238E27FC236}">
-                <a16:creationId xmlns:a16="http://schemas.microsoft.com/office/drawing/2014/main" id="{9D3A0BBD-69F6-68E4-F6C0-68B64B5C8878}"/>
+              <a:t>Word. IDENTIFIER(x)</a:t>
+            </a:r>
+          </a:p>
+        </p:txBody>
+      </p:sp>
+      <p:sp>
+        <p:nvSpPr>
+          <p:cNvPr id="7" name="Rechteck: abgerundete Ecken 6">
+            <a:extLst>
+              <a:ext uri="{FF2B5EF4-FFF2-40B4-BE49-F238E27FC236}">
+                <a16:creationId xmlns:a16="http://schemas.microsoft.com/office/drawing/2014/main" id="{ED325871-6DAD-B0CF-DEF5-421A5F92F805}"/>
               </a:ext>
             </a:extLst>
           </p:cNvPr>
@@ -7492,11 +8946,13 @@
         </p:nvSpPr>
         <p:spPr>
           <a:xfrm>
-            <a:off x="1618827" y="2545836"/>
-            <a:ext cx="3205421" cy="633114"/>
+            <a:off x="3361996" y="1533295"/>
+            <a:ext cx="1403132" cy="945931"/>
           </a:xfrm>
           <a:prstGeom prst="roundRect">
-            <a:avLst/>
+            <a:avLst>
+              <a:gd name="adj" fmla="val 17500"/>
+            </a:avLst>
           </a:prstGeom>
           <a:noFill/>
           <a:ln w="38100">
@@ -7522,28 +8978,27 @@
           </a:fontRef>
         </p:style>
         <p:txBody>
-          <a:bodyPr rtlCol="0" anchor="ctr"/>
+          <a:bodyPr lIns="36000" rIns="36000" rtlCol="0" anchor="ctr"/>
           <a:lstStyle/>
           <a:p>
             <a:pPr algn="ctr"/>
             <a:r>
-              <a:rPr lang="de-DE" dirty="0">
+              <a:rPr lang="de-DE" sz="2000" dirty="0">
                 <a:solidFill>
                   <a:schemeClr val="tx1"/>
                 </a:solidFill>
               </a:rPr>
-              <a:t>Request ID</a:t>
-            </a:r>
-            <a:endParaRPr lang="de-DE" dirty="0"/>
-          </a:p>
-        </p:txBody>
-      </p:sp>
-      <p:sp>
-        <p:nvSpPr>
-          <p:cNvPr id="7" name="Rechteck: abgerundete Ecken 6">
-            <a:extLst>
-              <a:ext uri="{FF2B5EF4-FFF2-40B4-BE49-F238E27FC236}">
-                <a16:creationId xmlns:a16="http://schemas.microsoft.com/office/drawing/2014/main" id="{323A2A98-2CBD-F760-F0AF-1C386931691A}"/>
+              <a:t>Separator. ASSIGN</a:t>
+            </a:r>
+          </a:p>
+        </p:txBody>
+      </p:sp>
+      <p:sp>
+        <p:nvSpPr>
+          <p:cNvPr id="8" name="Rechteck: abgerundete Ecken 7">
+            <a:extLst>
+              <a:ext uri="{FF2B5EF4-FFF2-40B4-BE49-F238E27FC236}">
+                <a16:creationId xmlns:a16="http://schemas.microsoft.com/office/drawing/2014/main" id="{D565FAA1-BD31-0FA8-AC48-040C9DBAFA67}"/>
               </a:ext>
             </a:extLst>
           </p:cNvPr>
@@ -7552,11 +9007,13 @@
         </p:nvSpPr>
         <p:spPr>
           <a:xfrm>
-            <a:off x="489636" y="2545837"/>
-            <a:ext cx="878577" cy="633113"/>
+            <a:off x="4879427" y="1545016"/>
+            <a:ext cx="4102976" cy="945931"/>
           </a:xfrm>
           <a:prstGeom prst="roundRect">
-            <a:avLst/>
+            <a:avLst>
+              <a:gd name="adj" fmla="val 17500"/>
+            </a:avLst>
           </a:prstGeom>
           <a:noFill/>
           <a:ln w="38100">
@@ -7582,27 +9039,83 @@
           </a:fontRef>
         </p:style>
         <p:txBody>
-          <a:bodyPr rtlCol="0" anchor="ctr"/>
+          <a:bodyPr lIns="36000" rIns="36000" rtlCol="0" anchor="ctr"/>
           <a:lstStyle/>
           <a:p>
             <a:pPr algn="ctr"/>
             <a:r>
-              <a:rPr lang="de-DE" sz="3200" dirty="0">
+              <a:rPr lang="de-DE" sz="2000" dirty="0" err="1">
                 <a:solidFill>
                   <a:schemeClr val="tx1"/>
                 </a:solidFill>
               </a:rPr>
-              <a:t>1</a:t>
-            </a:r>
-          </a:p>
-        </p:txBody>
-      </p:sp>
-      <p:sp>
-        <p:nvSpPr>
-          <p:cNvPr id="8" name="Rechteck: abgerundete Ecken 7">
-            <a:extLst>
-              <a:ext uri="{FF2B5EF4-FFF2-40B4-BE49-F238E27FC236}">
-                <a16:creationId xmlns:a16="http://schemas.microsoft.com/office/drawing/2014/main" id="{AFFED479-E31A-C40C-C461-87E25167C518}"/>
+              <a:t>Brackets.ROUND</a:t>
+            </a:r>
+            <a:r>
+              <a:rPr lang="de-DE" sz="2000" dirty="0">
+                <a:solidFill>
+                  <a:schemeClr val="tx1"/>
+                </a:solidFill>
+              </a:rPr>
+              <a:t>(</a:t>
+            </a:r>
+            <a:r>
+              <a:rPr lang="de-DE" sz="2000" dirty="0" err="1">
+                <a:solidFill>
+                  <a:schemeClr val="tx1"/>
+                </a:solidFill>
+              </a:rPr>
+              <a:t>Word.VALUE</a:t>
+            </a:r>
+            <a:r>
+              <a:rPr lang="de-DE" sz="2000" dirty="0">
+                <a:solidFill>
+                  <a:schemeClr val="tx1"/>
+                </a:solidFill>
+              </a:rPr>
+              <a:t>(2), </a:t>
+            </a:r>
+            <a:r>
+              <a:rPr lang="de-DE" sz="2000" dirty="0" err="1">
+                <a:solidFill>
+                  <a:schemeClr val="tx1"/>
+                </a:solidFill>
+              </a:rPr>
+              <a:t>MathOperator.PLUS</a:t>
+            </a:r>
+            <a:r>
+              <a:rPr lang="de-DE" sz="2000" dirty="0">
+                <a:solidFill>
+                  <a:schemeClr val="tx1"/>
+                </a:solidFill>
+              </a:rPr>
+              <a:t>, </a:t>
+            </a:r>
+            <a:r>
+              <a:rPr lang="de-DE" sz="2000" dirty="0" err="1">
+                <a:solidFill>
+                  <a:schemeClr val="tx1"/>
+                </a:solidFill>
+              </a:rPr>
+              <a:t>Word.VALUE</a:t>
+            </a:r>
+            <a:r>
+              <a:rPr lang="de-DE" sz="2000" dirty="0">
+                <a:solidFill>
+                  <a:schemeClr val="tx1"/>
+                </a:solidFill>
+              </a:rPr>
+              <a:t>(2))</a:t>
+            </a:r>
+          </a:p>
+        </p:txBody>
+      </p:sp>
+      <p:sp>
+        <p:nvSpPr>
+          <p:cNvPr id="9" name="Rechteck: abgerundete Ecken 8">
+            <a:extLst>
+              <a:ext uri="{FF2B5EF4-FFF2-40B4-BE49-F238E27FC236}">
+                <a16:creationId xmlns:a16="http://schemas.microsoft.com/office/drawing/2014/main" id="{FDFD6979-D1AA-E4F1-6668-F13F2C800F34}"/>
               </a:ext>
             </a:extLst>
           </p:cNvPr>
@@ -7611,11 +9124,13 @@
         </p:nvSpPr>
         <p:spPr>
           <a:xfrm>
-            <a:off x="1618827" y="3289967"/>
-            <a:ext cx="3205421" cy="633114"/>
+            <a:off x="9100643" y="1545016"/>
+            <a:ext cx="1694795" cy="945931"/>
           </a:xfrm>
           <a:prstGeom prst="roundRect">
-            <a:avLst/>
+            <a:avLst>
+              <a:gd name="adj" fmla="val 18333"/>
+            </a:avLst>
           </a:prstGeom>
           <a:noFill/>
           <a:ln w="38100">
@@ -7641,44 +9156,46 @@
           </a:fontRef>
         </p:style>
         <p:txBody>
-          <a:bodyPr rtlCol="0" anchor="ctr"/>
+          <a:bodyPr lIns="0" rIns="36000" rtlCol="0" anchor="ctr"/>
           <a:lstStyle/>
           <a:p>
             <a:pPr algn="ctr"/>
             <a:r>
-              <a:rPr lang="de-DE" dirty="0">
+              <a:rPr lang="de-DE" sz="2000" dirty="0" err="1">
                 <a:solidFill>
                   <a:schemeClr val="tx1"/>
                 </a:solidFill>
               </a:rPr>
-              <a:t>Value Size (in </a:t>
-            </a:r>
-            <a:r>
-              <a:rPr lang="de-DE" dirty="0" err="1">
+              <a:t>MathOperator</a:t>
+            </a:r>
+            <a:r>
+              <a:rPr lang="de-DE" sz="2000" dirty="0">
                 <a:solidFill>
                   <a:schemeClr val="tx1"/>
                 </a:solidFill>
               </a:rPr>
-              <a:t>bytes</a:t>
-            </a:r>
-            <a:r>
-              <a:rPr lang="de-DE" dirty="0">
+              <a:t>.</a:t>
+            </a:r>
+          </a:p>
+          <a:p>
+            <a:pPr algn="ctr"/>
+            <a:r>
+              <a:rPr lang="de-DE" sz="2000" dirty="0">
                 <a:solidFill>
                   <a:schemeClr val="tx1"/>
                 </a:solidFill>
               </a:rPr>
-              <a:t>)</a:t>
-            </a:r>
-            <a:endParaRPr lang="de-DE" dirty="0"/>
-          </a:p>
-        </p:txBody>
-      </p:sp>
-      <p:sp>
-        <p:nvSpPr>
-          <p:cNvPr id="9" name="Rechteck: abgerundete Ecken 8">
-            <a:extLst>
-              <a:ext uri="{FF2B5EF4-FFF2-40B4-BE49-F238E27FC236}">
-                <a16:creationId xmlns:a16="http://schemas.microsoft.com/office/drawing/2014/main" id="{8687227A-7EF6-E404-4BB6-BF2640FEDD3E}"/>
+              <a:t>MULTIPLY</a:t>
+            </a:r>
+          </a:p>
+        </p:txBody>
+      </p:sp>
+      <p:sp>
+        <p:nvSpPr>
+          <p:cNvPr id="10" name="Rechteck: abgerundete Ecken 9">
+            <a:extLst>
+              <a:ext uri="{FF2B5EF4-FFF2-40B4-BE49-F238E27FC236}">
+                <a16:creationId xmlns:a16="http://schemas.microsoft.com/office/drawing/2014/main" id="{5593702D-224E-A3E3-C9DF-73D6F699B7BF}"/>
               </a:ext>
             </a:extLst>
           </p:cNvPr>
@@ -7687,11 +9204,13 @@
         </p:nvSpPr>
         <p:spPr>
           <a:xfrm>
-            <a:off x="489636" y="3289968"/>
-            <a:ext cx="878577" cy="633113"/>
+            <a:off x="10921561" y="1545016"/>
+            <a:ext cx="1146036" cy="945931"/>
           </a:xfrm>
           <a:prstGeom prst="roundRect">
-            <a:avLst/>
+            <a:avLst>
+              <a:gd name="adj" fmla="val 17500"/>
+            </a:avLst>
           </a:prstGeom>
           <a:noFill/>
           <a:ln w="38100">
@@ -7717,956 +9236,25 @@
           </a:fontRef>
         </p:style>
         <p:txBody>
-          <a:bodyPr rtlCol="0" anchor="ctr"/>
+          <a:bodyPr lIns="0" rIns="0" rtlCol="0" anchor="ctr"/>
           <a:lstStyle/>
           <a:p>
             <a:pPr algn="ctr"/>
             <a:r>
-              <a:rPr lang="de-DE" sz="3200" dirty="0">
+              <a:rPr lang="de-DE" sz="2000" dirty="0">
                 <a:solidFill>
                   <a:schemeClr val="tx1"/>
                 </a:solidFill>
               </a:rPr>
-              <a:t>1</a:t>
-            </a:r>
-          </a:p>
-        </p:txBody>
-      </p:sp>
-      <p:sp>
-        <p:nvSpPr>
-          <p:cNvPr id="10" name="Rechteck: abgerundete Ecken 9">
-            <a:extLst>
-              <a:ext uri="{FF2B5EF4-FFF2-40B4-BE49-F238E27FC236}">
-                <a16:creationId xmlns:a16="http://schemas.microsoft.com/office/drawing/2014/main" id="{DFF47EDD-8476-8D71-B47C-8CF352F692E0}"/>
-              </a:ext>
-            </a:extLst>
-          </p:cNvPr>
-          <p:cNvSpPr/>
-          <p:nvPr/>
-        </p:nvSpPr>
-        <p:spPr>
-          <a:xfrm>
-            <a:off x="1618826" y="4030435"/>
-            <a:ext cx="3205421" cy="633114"/>
-          </a:xfrm>
-          <a:prstGeom prst="roundRect">
-            <a:avLst/>
-          </a:prstGeom>
-          <a:noFill/>
-          <a:ln w="38100">
-            <a:solidFill>
-              <a:schemeClr val="tx1"/>
-            </a:solidFill>
-          </a:ln>
-        </p:spPr>
-        <p:style>
-          <a:lnRef idx="2">
-            <a:schemeClr val="accent1">
-              <a:shade val="50000"/>
-            </a:schemeClr>
-          </a:lnRef>
-          <a:fillRef idx="1">
-            <a:schemeClr val="accent1"/>
-          </a:fillRef>
-          <a:effectRef idx="0">
-            <a:schemeClr val="accent1"/>
-          </a:effectRef>
-          <a:fontRef idx="minor">
-            <a:schemeClr val="lt1"/>
-          </a:fontRef>
-        </p:style>
-        <p:txBody>
-          <a:bodyPr rtlCol="0" anchor="ctr"/>
-          <a:lstStyle/>
-          <a:p>
-            <a:pPr algn="ctr"/>
-            <a:r>
-              <a:rPr lang="de-DE" dirty="0" err="1">
-                <a:solidFill>
-                  <a:schemeClr val="tx1"/>
-                </a:solidFill>
-              </a:rPr>
-              <a:t>Instruction</a:t>
-            </a:r>
-            <a:r>
-              <a:rPr lang="de-DE" dirty="0" err="1"/>
-              <a:t>S</a:t>
-            </a:r>
-            <a:endParaRPr lang="de-DE" dirty="0"/>
-          </a:p>
-        </p:txBody>
-      </p:sp>
-      <p:sp>
-        <p:nvSpPr>
-          <p:cNvPr id="11" name="Rechteck: abgerundete Ecken 10">
-            <a:extLst>
-              <a:ext uri="{FF2B5EF4-FFF2-40B4-BE49-F238E27FC236}">
-                <a16:creationId xmlns:a16="http://schemas.microsoft.com/office/drawing/2014/main" id="{C16C6221-A5A4-9A9E-DD84-DAAB96791346}"/>
-              </a:ext>
-            </a:extLst>
-          </p:cNvPr>
-          <p:cNvSpPr/>
-          <p:nvPr/>
-        </p:nvSpPr>
-        <p:spPr>
-          <a:xfrm>
-            <a:off x="489636" y="4028451"/>
-            <a:ext cx="878577" cy="633113"/>
-          </a:xfrm>
-          <a:prstGeom prst="roundRect">
-            <a:avLst/>
-          </a:prstGeom>
-          <a:noFill/>
-          <a:ln w="38100">
-            <a:solidFill>
-              <a:schemeClr val="tx1"/>
-            </a:solidFill>
-          </a:ln>
-        </p:spPr>
-        <p:style>
-          <a:lnRef idx="2">
-            <a:schemeClr val="accent1">
-              <a:shade val="50000"/>
-            </a:schemeClr>
-          </a:lnRef>
-          <a:fillRef idx="1">
-            <a:schemeClr val="accent1"/>
-          </a:fillRef>
-          <a:effectRef idx="0">
-            <a:schemeClr val="accent1"/>
-          </a:effectRef>
-          <a:fontRef idx="minor">
-            <a:schemeClr val="lt1"/>
-          </a:fontRef>
-        </p:style>
-        <p:txBody>
-          <a:bodyPr rtlCol="0" anchor="ctr"/>
-          <a:lstStyle/>
-          <a:p>
-            <a:pPr algn="ctr"/>
-            <a:r>
-              <a:rPr lang="de-DE" sz="3200" dirty="0">
-                <a:solidFill>
-                  <a:schemeClr val="tx1"/>
-                </a:solidFill>
-              </a:rPr>
-              <a:t>1</a:t>
-            </a:r>
-          </a:p>
-        </p:txBody>
-      </p:sp>
-      <p:sp>
-        <p:nvSpPr>
-          <p:cNvPr id="12" name="Rechteck: abgerundete Ecken 11">
-            <a:extLst>
-              <a:ext uri="{FF2B5EF4-FFF2-40B4-BE49-F238E27FC236}">
-                <a16:creationId xmlns:a16="http://schemas.microsoft.com/office/drawing/2014/main" id="{E2FA0AE1-6AAE-33B8-9F96-D2C57D7FBCCE}"/>
-              </a:ext>
-            </a:extLst>
-          </p:cNvPr>
-          <p:cNvSpPr/>
-          <p:nvPr/>
-        </p:nvSpPr>
-        <p:spPr>
-          <a:xfrm>
-            <a:off x="1618824" y="4770903"/>
-            <a:ext cx="3205421" cy="633114"/>
-          </a:xfrm>
-          <a:prstGeom prst="roundRect">
-            <a:avLst/>
-          </a:prstGeom>
-          <a:noFill/>
-          <a:ln w="38100">
-            <a:solidFill>
-              <a:schemeClr val="tx1"/>
-            </a:solidFill>
-          </a:ln>
-        </p:spPr>
-        <p:style>
-          <a:lnRef idx="2">
-            <a:schemeClr val="accent1">
-              <a:shade val="50000"/>
-            </a:schemeClr>
-          </a:lnRef>
-          <a:fillRef idx="1">
-            <a:schemeClr val="accent1"/>
-          </a:fillRef>
-          <a:effectRef idx="0">
-            <a:schemeClr val="accent1"/>
-          </a:effectRef>
-          <a:fontRef idx="minor">
-            <a:schemeClr val="lt1"/>
-          </a:fontRef>
-        </p:style>
-        <p:txBody>
-          <a:bodyPr rtlCol="0" anchor="ctr"/>
-          <a:lstStyle/>
-          <a:p>
-            <a:pPr algn="ctr"/>
-            <a:r>
-              <a:rPr lang="de-DE" dirty="0">
-                <a:solidFill>
-                  <a:schemeClr val="tx1"/>
-                </a:solidFill>
-              </a:rPr>
-              <a:t>Value</a:t>
-            </a:r>
-            <a:endParaRPr lang="de-DE" dirty="0"/>
-          </a:p>
-        </p:txBody>
-      </p:sp>
-      <p:sp>
-        <p:nvSpPr>
-          <p:cNvPr id="13" name="Rechteck: abgerundete Ecken 12">
-            <a:extLst>
-              <a:ext uri="{FF2B5EF4-FFF2-40B4-BE49-F238E27FC236}">
-                <a16:creationId xmlns:a16="http://schemas.microsoft.com/office/drawing/2014/main" id="{337C0DAB-D27F-F86C-2F7B-B0ABE610F25A}"/>
-              </a:ext>
-            </a:extLst>
-          </p:cNvPr>
-          <p:cNvSpPr/>
-          <p:nvPr/>
-        </p:nvSpPr>
-        <p:spPr>
-          <a:xfrm>
-            <a:off x="489635" y="4770904"/>
-            <a:ext cx="878578" cy="633113"/>
-          </a:xfrm>
-          <a:prstGeom prst="roundRect">
-            <a:avLst>
-              <a:gd name="adj" fmla="val 17737"/>
-            </a:avLst>
-          </a:prstGeom>
-          <a:noFill/>
-          <a:ln w="38100">
-            <a:solidFill>
-              <a:schemeClr val="tx1"/>
-            </a:solidFill>
-          </a:ln>
-        </p:spPr>
-        <p:style>
-          <a:lnRef idx="2">
-            <a:schemeClr val="accent1">
-              <a:shade val="50000"/>
-            </a:schemeClr>
-          </a:lnRef>
-          <a:fillRef idx="1">
-            <a:schemeClr val="accent1"/>
-          </a:fillRef>
-          <a:effectRef idx="0">
-            <a:schemeClr val="accent1"/>
-          </a:effectRef>
-          <a:fontRef idx="minor">
-            <a:schemeClr val="lt1"/>
-          </a:fontRef>
-        </p:style>
-        <p:txBody>
-          <a:bodyPr rtlCol="0" anchor="ctr"/>
-          <a:lstStyle/>
-          <a:p>
-            <a:pPr algn="ctr"/>
-            <a:r>
-              <a:rPr lang="de-DE" sz="2200" dirty="0">
-                <a:solidFill>
-                  <a:schemeClr val="tx1"/>
-                </a:solidFill>
-              </a:rPr>
-              <a:t>Value Size</a:t>
-            </a:r>
-          </a:p>
-        </p:txBody>
-      </p:sp>
-      <p:sp>
-        <p:nvSpPr>
-          <p:cNvPr id="14" name="Rechteck: abgerundete Ecken 13">
-            <a:extLst>
-              <a:ext uri="{FF2B5EF4-FFF2-40B4-BE49-F238E27FC236}">
-                <a16:creationId xmlns:a16="http://schemas.microsoft.com/office/drawing/2014/main" id="{B708E0CD-20C1-0CF0-C545-6F84643679B8}"/>
-              </a:ext>
-            </a:extLst>
-          </p:cNvPr>
-          <p:cNvSpPr/>
-          <p:nvPr/>
-        </p:nvSpPr>
-        <p:spPr>
-          <a:xfrm>
-            <a:off x="1618823" y="5518697"/>
-            <a:ext cx="3205422" cy="633114"/>
-          </a:xfrm>
-          <a:prstGeom prst="roundRect">
-            <a:avLst/>
-          </a:prstGeom>
-          <a:noFill/>
-          <a:ln w="38100">
-            <a:solidFill>
-              <a:schemeClr val="tx1"/>
-            </a:solidFill>
-          </a:ln>
-        </p:spPr>
-        <p:style>
-          <a:lnRef idx="2">
-            <a:schemeClr val="accent1">
-              <a:shade val="50000"/>
-            </a:schemeClr>
-          </a:lnRef>
-          <a:fillRef idx="1">
-            <a:schemeClr val="accent1"/>
-          </a:fillRef>
-          <a:effectRef idx="0">
-            <a:schemeClr val="accent1"/>
-          </a:effectRef>
-          <a:fontRef idx="minor">
-            <a:schemeClr val="lt1"/>
-          </a:fontRef>
-        </p:style>
-        <p:txBody>
-          <a:bodyPr rtlCol="0" anchor="ctr"/>
-          <a:lstStyle/>
-          <a:p>
-            <a:pPr algn="ctr"/>
-            <a:r>
-              <a:rPr lang="de-DE" dirty="0" err="1">
-                <a:solidFill>
-                  <a:schemeClr val="tx1"/>
-                </a:solidFill>
-              </a:rPr>
-              <a:t>EndCharacter</a:t>
-            </a:r>
-            <a:r>
-              <a:rPr lang="de-DE" dirty="0" err="1"/>
-              <a:t>S</a:t>
-            </a:r>
-            <a:endParaRPr lang="de-DE" dirty="0"/>
-          </a:p>
-        </p:txBody>
-      </p:sp>
-      <p:sp>
-        <p:nvSpPr>
-          <p:cNvPr id="15" name="Rechteck: abgerundete Ecken 14">
-            <a:extLst>
-              <a:ext uri="{FF2B5EF4-FFF2-40B4-BE49-F238E27FC236}">
-                <a16:creationId xmlns:a16="http://schemas.microsoft.com/office/drawing/2014/main" id="{B3CF6E63-C75C-6F5B-B401-BDA0A00EB6D0}"/>
-              </a:ext>
-            </a:extLst>
-          </p:cNvPr>
-          <p:cNvSpPr/>
-          <p:nvPr/>
-        </p:nvSpPr>
-        <p:spPr>
-          <a:xfrm>
-            <a:off x="489635" y="5518698"/>
-            <a:ext cx="878577" cy="633113"/>
-          </a:xfrm>
-          <a:prstGeom prst="roundRect">
-            <a:avLst/>
-          </a:prstGeom>
-          <a:noFill/>
-          <a:ln w="38100">
-            <a:solidFill>
-              <a:schemeClr val="tx1"/>
-            </a:solidFill>
-          </a:ln>
-        </p:spPr>
-        <p:style>
-          <a:lnRef idx="2">
-            <a:schemeClr val="accent1">
-              <a:shade val="50000"/>
-            </a:schemeClr>
-          </a:lnRef>
-          <a:fillRef idx="1">
-            <a:schemeClr val="accent1"/>
-          </a:fillRef>
-          <a:effectRef idx="0">
-            <a:schemeClr val="accent1"/>
-          </a:effectRef>
-          <a:fontRef idx="minor">
-            <a:schemeClr val="lt1"/>
-          </a:fontRef>
-        </p:style>
-        <p:txBody>
-          <a:bodyPr rtlCol="0" anchor="ctr"/>
-          <a:lstStyle/>
-          <a:p>
-            <a:pPr algn="ctr"/>
-            <a:r>
-              <a:rPr lang="de-DE" sz="3200" dirty="0">
-                <a:solidFill>
-                  <a:schemeClr val="tx1"/>
-                </a:solidFill>
-              </a:rPr>
-              <a:t>1</a:t>
-            </a:r>
-          </a:p>
-        </p:txBody>
-      </p:sp>
-      <p:sp>
-        <p:nvSpPr>
-          <p:cNvPr id="16" name="Rechteck: abgerundete Ecken 15">
-            <a:extLst>
-              <a:ext uri="{FF2B5EF4-FFF2-40B4-BE49-F238E27FC236}">
-                <a16:creationId xmlns:a16="http://schemas.microsoft.com/office/drawing/2014/main" id="{623CEF63-9DFB-E4B7-7B4E-8EFE1A35BEAF}"/>
-              </a:ext>
-            </a:extLst>
-          </p:cNvPr>
-          <p:cNvSpPr/>
-          <p:nvPr/>
-        </p:nvSpPr>
-        <p:spPr>
-          <a:xfrm>
-            <a:off x="5744885" y="1801705"/>
-            <a:ext cx="1374987" cy="633113"/>
-          </a:xfrm>
-          <a:prstGeom prst="roundRect">
-            <a:avLst/>
-          </a:prstGeom>
-          <a:noFill/>
-          <a:ln w="38100">
-            <a:solidFill>
-              <a:schemeClr val="tx1"/>
-            </a:solidFill>
-          </a:ln>
-        </p:spPr>
-        <p:style>
-          <a:lnRef idx="2">
-            <a:schemeClr val="accent1">
-              <a:shade val="50000"/>
-            </a:schemeClr>
-          </a:lnRef>
-          <a:fillRef idx="1">
-            <a:schemeClr val="accent1"/>
-          </a:fillRef>
-          <a:effectRef idx="0">
-            <a:schemeClr val="accent1"/>
-          </a:effectRef>
-          <a:fontRef idx="minor">
-            <a:schemeClr val="lt1"/>
-          </a:fontRef>
-        </p:style>
-        <p:txBody>
-          <a:bodyPr rtlCol="0" anchor="ctr"/>
-          <a:lstStyle/>
-          <a:p>
-            <a:pPr algn="ctr"/>
-            <a:r>
-              <a:rPr lang="de-DE" sz="3200" dirty="0">
-                <a:solidFill>
-                  <a:schemeClr val="tx1"/>
-                </a:solidFill>
-              </a:rPr>
-              <a:t>&lt; (60)</a:t>
-            </a:r>
-          </a:p>
-        </p:txBody>
-      </p:sp>
-      <p:sp>
-        <p:nvSpPr>
-          <p:cNvPr id="24" name="Rechteck: abgerundete Ecken 23">
-            <a:extLst>
-              <a:ext uri="{FF2B5EF4-FFF2-40B4-BE49-F238E27FC236}">
-                <a16:creationId xmlns:a16="http://schemas.microsoft.com/office/drawing/2014/main" id="{9CFA5687-7749-F3AF-6379-5992264E4DDE}"/>
-              </a:ext>
-            </a:extLst>
-          </p:cNvPr>
-          <p:cNvSpPr/>
-          <p:nvPr/>
-        </p:nvSpPr>
-        <p:spPr>
-          <a:xfrm>
-            <a:off x="411742" y="906872"/>
-            <a:ext cx="1034364" cy="633114"/>
-          </a:xfrm>
-          <a:prstGeom prst="roundRect">
-            <a:avLst/>
-          </a:prstGeom>
-          <a:noFill/>
-          <a:ln w="38100">
-            <a:solidFill>
-              <a:schemeClr val="tx1"/>
-            </a:solidFill>
-          </a:ln>
-        </p:spPr>
-        <p:style>
-          <a:lnRef idx="2">
-            <a:schemeClr val="accent1">
-              <a:shade val="50000"/>
-            </a:schemeClr>
-          </a:lnRef>
-          <a:fillRef idx="1">
-            <a:schemeClr val="accent1"/>
-          </a:fillRef>
-          <a:effectRef idx="0">
-            <a:schemeClr val="accent1"/>
-          </a:effectRef>
-          <a:fontRef idx="minor">
-            <a:schemeClr val="lt1"/>
-          </a:fontRef>
-        </p:style>
-        <p:txBody>
-          <a:bodyPr rtlCol="0" anchor="ctr"/>
-          <a:lstStyle/>
-          <a:p>
-            <a:pPr algn="ctr"/>
-            <a:r>
-              <a:rPr lang="de-DE" dirty="0">
-                <a:solidFill>
-                  <a:schemeClr val="tx1"/>
-                </a:solidFill>
-              </a:rPr>
-              <a:t>Größe in Bytes</a:t>
-            </a:r>
-            <a:endParaRPr lang="de-DE" dirty="0"/>
-          </a:p>
-        </p:txBody>
-      </p:sp>
-      <p:sp>
-        <p:nvSpPr>
-          <p:cNvPr id="27" name="Rechteck: abgerundete Ecken 26">
-            <a:extLst>
-              <a:ext uri="{FF2B5EF4-FFF2-40B4-BE49-F238E27FC236}">
-                <a16:creationId xmlns:a16="http://schemas.microsoft.com/office/drawing/2014/main" id="{99CA01E8-7BAB-2B01-2F2D-8E641058B9C4}"/>
-              </a:ext>
-            </a:extLst>
-          </p:cNvPr>
-          <p:cNvSpPr/>
-          <p:nvPr/>
-        </p:nvSpPr>
-        <p:spPr>
-          <a:xfrm>
-            <a:off x="2534042" y="906872"/>
-            <a:ext cx="1374987" cy="633114"/>
-          </a:xfrm>
-          <a:prstGeom prst="roundRect">
-            <a:avLst/>
-          </a:prstGeom>
-          <a:noFill/>
-          <a:ln w="38100">
-            <a:solidFill>
-              <a:schemeClr val="tx1"/>
-            </a:solidFill>
-          </a:ln>
-        </p:spPr>
-        <p:style>
-          <a:lnRef idx="2">
-            <a:schemeClr val="accent1">
-              <a:shade val="50000"/>
-            </a:schemeClr>
-          </a:lnRef>
-          <a:fillRef idx="1">
-            <a:schemeClr val="accent1"/>
-          </a:fillRef>
-          <a:effectRef idx="0">
-            <a:schemeClr val="accent1"/>
-          </a:effectRef>
-          <a:fontRef idx="minor">
-            <a:schemeClr val="lt1"/>
-          </a:fontRef>
-        </p:style>
-        <p:txBody>
-          <a:bodyPr rtlCol="0" anchor="ctr"/>
-          <a:lstStyle/>
-          <a:p>
-            <a:pPr algn="ctr"/>
-            <a:r>
-              <a:rPr lang="de-DE" dirty="0">
-                <a:solidFill>
-                  <a:schemeClr val="tx1"/>
-                </a:solidFill>
-              </a:rPr>
-              <a:t>Anweisung</a:t>
-            </a:r>
-            <a:endParaRPr lang="de-DE" dirty="0"/>
-          </a:p>
-        </p:txBody>
-      </p:sp>
-      <p:sp>
-        <p:nvSpPr>
-          <p:cNvPr id="28" name="Rechteck: abgerundete Ecken 27">
-            <a:extLst>
-              <a:ext uri="{FF2B5EF4-FFF2-40B4-BE49-F238E27FC236}">
-                <a16:creationId xmlns:a16="http://schemas.microsoft.com/office/drawing/2014/main" id="{D6BB014E-E7C5-183B-9E46-736094659F99}"/>
-              </a:ext>
-            </a:extLst>
-          </p:cNvPr>
-          <p:cNvSpPr/>
-          <p:nvPr/>
-        </p:nvSpPr>
-        <p:spPr>
-          <a:xfrm>
-            <a:off x="5744884" y="906872"/>
-            <a:ext cx="1374987" cy="633114"/>
-          </a:xfrm>
-          <a:prstGeom prst="roundRect">
-            <a:avLst/>
-          </a:prstGeom>
-          <a:noFill/>
-          <a:ln w="38100">
-            <a:solidFill>
-              <a:schemeClr val="tx1"/>
-            </a:solidFill>
-          </a:ln>
-        </p:spPr>
-        <p:style>
-          <a:lnRef idx="2">
-            <a:schemeClr val="accent1">
-              <a:shade val="50000"/>
-            </a:schemeClr>
-          </a:lnRef>
-          <a:fillRef idx="1">
-            <a:schemeClr val="accent1"/>
-          </a:fillRef>
-          <a:effectRef idx="0">
-            <a:schemeClr val="accent1"/>
-          </a:effectRef>
-          <a:fontRef idx="minor">
-            <a:schemeClr val="lt1"/>
-          </a:fontRef>
-        </p:style>
-        <p:txBody>
-          <a:bodyPr rtlCol="0" anchor="ctr"/>
-          <a:lstStyle/>
-          <a:p>
-            <a:pPr algn="ctr"/>
-            <a:r>
-              <a:rPr lang="de-DE" dirty="0">
-                <a:solidFill>
-                  <a:schemeClr val="tx1"/>
-                </a:solidFill>
-              </a:rPr>
-              <a:t>Print-Befehl</a:t>
-            </a:r>
-            <a:endParaRPr lang="de-DE" dirty="0"/>
-          </a:p>
-        </p:txBody>
-      </p:sp>
-      <p:sp>
-        <p:nvSpPr>
-          <p:cNvPr id="29" name="Rechteck: abgerundete Ecken 28">
-            <a:extLst>
-              <a:ext uri="{FF2B5EF4-FFF2-40B4-BE49-F238E27FC236}">
-                <a16:creationId xmlns:a16="http://schemas.microsoft.com/office/drawing/2014/main" id="{C6D7780E-CF5C-F779-2169-B6068696AC18}"/>
-              </a:ext>
-            </a:extLst>
-          </p:cNvPr>
-          <p:cNvSpPr/>
-          <p:nvPr/>
-        </p:nvSpPr>
-        <p:spPr>
-          <a:xfrm>
-            <a:off x="5744885" y="2545837"/>
-            <a:ext cx="1374987" cy="633113"/>
-          </a:xfrm>
-          <a:prstGeom prst="roundRect">
-            <a:avLst/>
-          </a:prstGeom>
-          <a:noFill/>
-          <a:ln w="38100">
-            <a:solidFill>
-              <a:schemeClr val="tx1"/>
-            </a:solidFill>
-          </a:ln>
-        </p:spPr>
-        <p:style>
-          <a:lnRef idx="2">
-            <a:schemeClr val="accent1">
-              <a:shade val="50000"/>
-            </a:schemeClr>
-          </a:lnRef>
-          <a:fillRef idx="1">
-            <a:schemeClr val="accent1"/>
-          </a:fillRef>
-          <a:effectRef idx="0">
-            <a:schemeClr val="accent1"/>
-          </a:effectRef>
-          <a:fontRef idx="minor">
-            <a:schemeClr val="lt1"/>
-          </a:fontRef>
-        </p:style>
-        <p:txBody>
-          <a:bodyPr rtlCol="0" anchor="ctr"/>
-          <a:lstStyle/>
-          <a:p>
-            <a:pPr algn="ctr"/>
-            <a:r>
-              <a:rPr lang="de-DE" sz="3200" dirty="0">
-                <a:solidFill>
-                  <a:schemeClr val="tx1"/>
-                </a:solidFill>
-              </a:rPr>
-              <a:t>☺ (1)</a:t>
-            </a:r>
-          </a:p>
-        </p:txBody>
-      </p:sp>
-      <p:sp>
-        <p:nvSpPr>
-          <p:cNvPr id="30" name="Rechteck: abgerundete Ecken 29">
-            <a:extLst>
-              <a:ext uri="{FF2B5EF4-FFF2-40B4-BE49-F238E27FC236}">
-                <a16:creationId xmlns:a16="http://schemas.microsoft.com/office/drawing/2014/main" id="{58F6890D-A508-8D09-87F3-3AB3D4C75C50}"/>
-              </a:ext>
-            </a:extLst>
-          </p:cNvPr>
-          <p:cNvSpPr/>
-          <p:nvPr/>
-        </p:nvSpPr>
-        <p:spPr>
-          <a:xfrm>
-            <a:off x="5744884" y="3289968"/>
-            <a:ext cx="1374987" cy="633113"/>
-          </a:xfrm>
-          <a:prstGeom prst="roundRect">
-            <a:avLst/>
-          </a:prstGeom>
-          <a:noFill/>
-          <a:ln w="38100">
-            <a:solidFill>
-              <a:schemeClr val="tx1"/>
-            </a:solidFill>
-          </a:ln>
-        </p:spPr>
-        <p:style>
-          <a:lnRef idx="2">
-            <a:schemeClr val="accent1">
-              <a:shade val="50000"/>
-            </a:schemeClr>
-          </a:lnRef>
-          <a:fillRef idx="1">
-            <a:schemeClr val="accent1"/>
-          </a:fillRef>
-          <a:effectRef idx="0">
-            <a:schemeClr val="accent1"/>
-          </a:effectRef>
-          <a:fontRef idx="minor">
-            <a:schemeClr val="lt1"/>
-          </a:fontRef>
-        </p:style>
-        <p:txBody>
-          <a:bodyPr rtlCol="0" anchor="ctr"/>
-          <a:lstStyle/>
-          <a:p>
-            <a:pPr algn="ctr"/>
-            <a:r>
-              <a:rPr lang="de-DE" sz="3200" dirty="0">
-                <a:solidFill>
-                  <a:schemeClr val="tx1"/>
-                </a:solidFill>
-              </a:rPr>
-              <a:t> (13)</a:t>
-            </a:r>
-          </a:p>
-        </p:txBody>
-      </p:sp>
-      <p:sp>
-        <p:nvSpPr>
-          <p:cNvPr id="31" name="Rechteck: abgerundete Ecken 30">
-            <a:extLst>
-              <a:ext uri="{FF2B5EF4-FFF2-40B4-BE49-F238E27FC236}">
-                <a16:creationId xmlns:a16="http://schemas.microsoft.com/office/drawing/2014/main" id="{84D5ED8A-1840-E682-E0D0-C6A6702FA08A}"/>
-              </a:ext>
-            </a:extLst>
-          </p:cNvPr>
-          <p:cNvSpPr/>
-          <p:nvPr/>
-        </p:nvSpPr>
-        <p:spPr>
-          <a:xfrm>
-            <a:off x="5718445" y="4028451"/>
-            <a:ext cx="1374987" cy="633113"/>
-          </a:xfrm>
-          <a:prstGeom prst="roundRect">
-            <a:avLst/>
-          </a:prstGeom>
-          <a:noFill/>
-          <a:ln w="38100">
-            <a:solidFill>
-              <a:schemeClr val="tx1"/>
-            </a:solidFill>
-          </a:ln>
-        </p:spPr>
-        <p:style>
-          <a:lnRef idx="2">
-            <a:schemeClr val="accent1">
-              <a:shade val="50000"/>
-            </a:schemeClr>
-          </a:lnRef>
-          <a:fillRef idx="1">
-            <a:schemeClr val="accent1"/>
-          </a:fillRef>
-          <a:effectRef idx="0">
-            <a:schemeClr val="accent1"/>
-          </a:effectRef>
-          <a:fontRef idx="minor">
-            <a:schemeClr val="lt1"/>
-          </a:fontRef>
-        </p:style>
-        <p:txBody>
-          <a:bodyPr rtlCol="0" anchor="ctr"/>
-          <a:lstStyle/>
-          <a:p>
-            <a:pPr algn="ctr"/>
-            <a:r>
-              <a:rPr lang="de-DE" sz="3200" dirty="0">
-                <a:solidFill>
-                  <a:schemeClr val="tx1"/>
-                </a:solidFill>
-              </a:rPr>
-              <a:t>l (108)</a:t>
-            </a:r>
-          </a:p>
-        </p:txBody>
-      </p:sp>
-      <p:sp>
-        <p:nvSpPr>
-          <p:cNvPr id="32" name="Rechteck: abgerundete Ecken 31">
-            <a:extLst>
-              <a:ext uri="{FF2B5EF4-FFF2-40B4-BE49-F238E27FC236}">
-                <a16:creationId xmlns:a16="http://schemas.microsoft.com/office/drawing/2014/main" id="{1AA218FD-BC1B-643C-D314-80D9BC97EAF5}"/>
-              </a:ext>
-            </a:extLst>
-          </p:cNvPr>
-          <p:cNvSpPr/>
-          <p:nvPr/>
-        </p:nvSpPr>
-        <p:spPr>
-          <a:xfrm>
-            <a:off x="5718444" y="4766934"/>
-            <a:ext cx="1374987" cy="633113"/>
-          </a:xfrm>
-          <a:prstGeom prst="roundRect">
-            <a:avLst/>
-          </a:prstGeom>
-          <a:noFill/>
-          <a:ln w="38100">
-            <a:solidFill>
-              <a:schemeClr val="tx1"/>
-            </a:solidFill>
-          </a:ln>
-        </p:spPr>
-        <p:style>
-          <a:lnRef idx="2">
-            <a:schemeClr val="accent1">
-              <a:shade val="50000"/>
-            </a:schemeClr>
-          </a:lnRef>
-          <a:fillRef idx="1">
-            <a:schemeClr val="accent1"/>
-          </a:fillRef>
-          <a:effectRef idx="0">
-            <a:schemeClr val="accent1"/>
-          </a:effectRef>
-          <a:fontRef idx="minor">
-            <a:schemeClr val="lt1"/>
-          </a:fontRef>
-        </p:style>
-        <p:txBody>
-          <a:bodyPr rtlCol="0" anchor="ctr"/>
-          <a:lstStyle/>
-          <a:p>
-            <a:pPr algn="ctr"/>
-            <a:r>
-              <a:rPr lang="de-DE" sz="2200" dirty="0">
-                <a:solidFill>
-                  <a:schemeClr val="tx1"/>
-                </a:solidFill>
-              </a:rPr>
-              <a:t>Hello World</a:t>
-            </a:r>
-          </a:p>
-        </p:txBody>
-      </p:sp>
-      <p:sp>
-        <p:nvSpPr>
-          <p:cNvPr id="33" name="Rechteck: abgerundete Ecken 32">
-            <a:extLst>
-              <a:ext uri="{FF2B5EF4-FFF2-40B4-BE49-F238E27FC236}">
-                <a16:creationId xmlns:a16="http://schemas.microsoft.com/office/drawing/2014/main" id="{BDD620A1-D662-3158-6BF6-AD4647FA2D64}"/>
-              </a:ext>
-            </a:extLst>
-          </p:cNvPr>
-          <p:cNvSpPr/>
-          <p:nvPr/>
-        </p:nvSpPr>
-        <p:spPr>
-          <a:xfrm>
-            <a:off x="5718443" y="5524158"/>
-            <a:ext cx="1374987" cy="633113"/>
-          </a:xfrm>
-          <a:prstGeom prst="roundRect">
-            <a:avLst/>
-          </a:prstGeom>
-          <a:noFill/>
-          <a:ln w="38100">
-            <a:solidFill>
-              <a:schemeClr val="tx1"/>
-            </a:solidFill>
-          </a:ln>
-        </p:spPr>
-        <p:style>
-          <a:lnRef idx="2">
-            <a:schemeClr val="accent1">
-              <a:shade val="50000"/>
-            </a:schemeClr>
-          </a:lnRef>
-          <a:fillRef idx="1">
-            <a:schemeClr val="accent1"/>
-          </a:fillRef>
-          <a:effectRef idx="0">
-            <a:schemeClr val="accent1"/>
-          </a:effectRef>
-          <a:fontRef idx="minor">
-            <a:schemeClr val="lt1"/>
-          </a:fontRef>
-        </p:style>
-        <p:txBody>
-          <a:bodyPr rtlCol="0" anchor="ctr"/>
-          <a:lstStyle/>
-          <a:p>
-            <a:pPr algn="ctr"/>
-            <a:r>
-              <a:rPr lang="de-DE" sz="3200" dirty="0">
-                <a:solidFill>
-                  <a:schemeClr val="tx1"/>
-                </a:solidFill>
-              </a:rPr>
-              <a:t>&gt; (62)</a:t>
-            </a:r>
-          </a:p>
-        </p:txBody>
-      </p:sp>
-      <p:pic>
-        <p:nvPicPr>
-          <p:cNvPr id="40" name="Grafik 39">
-            <a:extLst>
-              <a:ext uri="{FF2B5EF4-FFF2-40B4-BE49-F238E27FC236}">
-                <a16:creationId xmlns:a16="http://schemas.microsoft.com/office/drawing/2014/main" id="{8C1E098F-6522-86EA-5EBF-D4EFC2362F1C}"/>
-              </a:ext>
-            </a:extLst>
-          </p:cNvPr>
-          <p:cNvPicPr>
-            <a:picLocks noChangeAspect="1"/>
-          </p:cNvPicPr>
-          <p:nvPr/>
-        </p:nvPicPr>
-        <p:blipFill>
-          <a:blip r:embed="rId2"/>
-          <a:stretch>
-            <a:fillRect/>
-          </a:stretch>
-        </p:blipFill>
-        <p:spPr>
-          <a:xfrm>
-            <a:off x="7413636" y="906872"/>
-            <a:ext cx="4625741" cy="685859"/>
-          </a:xfrm>
-          <a:prstGeom prst="rect">
-            <a:avLst/>
-          </a:prstGeom>
-        </p:spPr>
-      </p:pic>
+              <a:t>Word. VALUE(4)</a:t>
+            </a:r>
+          </a:p>
+        </p:txBody>
+      </p:sp>
     </p:spTree>
     <p:extLst>
       <p:ext uri="{BB962C8B-B14F-4D97-AF65-F5344CB8AC3E}">
-        <p14:creationId xmlns:p14="http://schemas.microsoft.com/office/powerpoint/2010/main" val="4031229439"/>
+        <p14:creationId xmlns:p14="http://schemas.microsoft.com/office/powerpoint/2010/main" val="2260661457"/>
       </p:ext>
     </p:extLst>
   </p:cSld>
@@ -9557,457 +10145,10 @@
           </a:p>
         </p:txBody>
       </p:sp>
-      <p:sp>
-        <p:nvSpPr>
-          <p:cNvPr id="34" name="Rechteck: abgerundete Ecken 33">
-            <a:extLst>
-              <a:ext uri="{FF2B5EF4-FFF2-40B4-BE49-F238E27FC236}">
-                <a16:creationId xmlns:a16="http://schemas.microsoft.com/office/drawing/2014/main" id="{972F04B0-44CB-C7BC-D2EE-77B99E944CB1}"/>
-              </a:ext>
-            </a:extLst>
-          </p:cNvPr>
-          <p:cNvSpPr/>
-          <p:nvPr/>
-        </p:nvSpPr>
-        <p:spPr>
-          <a:xfrm>
-            <a:off x="5744883" y="906872"/>
-            <a:ext cx="1374987" cy="633114"/>
-          </a:xfrm>
-          <a:prstGeom prst="roundRect">
-            <a:avLst/>
-          </a:prstGeom>
-          <a:noFill/>
-          <a:ln w="38100">
-            <a:solidFill>
-              <a:schemeClr val="tx1"/>
-            </a:solidFill>
-          </a:ln>
-        </p:spPr>
-        <p:style>
-          <a:lnRef idx="2">
-            <a:schemeClr val="accent1">
-              <a:shade val="50000"/>
-            </a:schemeClr>
-          </a:lnRef>
-          <a:fillRef idx="1">
-            <a:schemeClr val="accent1"/>
-          </a:fillRef>
-          <a:effectRef idx="0">
-            <a:schemeClr val="accent1"/>
-          </a:effectRef>
-          <a:fontRef idx="minor">
-            <a:schemeClr val="lt1"/>
-          </a:fontRef>
-        </p:style>
-        <p:txBody>
-          <a:bodyPr rtlCol="0" anchor="ctr"/>
-          <a:lstStyle/>
-          <a:p>
-            <a:pPr algn="ctr"/>
-            <a:r>
-              <a:rPr lang="de-DE" dirty="0">
-                <a:solidFill>
-                  <a:schemeClr val="tx1"/>
-                </a:solidFill>
-              </a:rPr>
-              <a:t>Funktions-aufruf</a:t>
-            </a:r>
-            <a:endParaRPr lang="de-DE" dirty="0"/>
-          </a:p>
-        </p:txBody>
-      </p:sp>
-      <p:sp>
-        <p:nvSpPr>
-          <p:cNvPr id="35" name="Rechteck: abgerundete Ecken 34">
-            <a:extLst>
-              <a:ext uri="{FF2B5EF4-FFF2-40B4-BE49-F238E27FC236}">
-                <a16:creationId xmlns:a16="http://schemas.microsoft.com/office/drawing/2014/main" id="{46B6CE22-3E02-3D72-9033-5E812CF1271B}"/>
-              </a:ext>
-            </a:extLst>
-          </p:cNvPr>
-          <p:cNvSpPr/>
-          <p:nvPr/>
-        </p:nvSpPr>
-        <p:spPr>
-          <a:xfrm>
-            <a:off x="5744884" y="1801705"/>
-            <a:ext cx="1374987" cy="633113"/>
-          </a:xfrm>
-          <a:prstGeom prst="roundRect">
-            <a:avLst/>
-          </a:prstGeom>
-          <a:noFill/>
-          <a:ln w="38100">
-            <a:solidFill>
-              <a:schemeClr val="tx1"/>
-            </a:solidFill>
-          </a:ln>
-        </p:spPr>
-        <p:style>
-          <a:lnRef idx="2">
-            <a:schemeClr val="accent1">
-              <a:shade val="50000"/>
-            </a:schemeClr>
-          </a:lnRef>
-          <a:fillRef idx="1">
-            <a:schemeClr val="accent1"/>
-          </a:fillRef>
-          <a:effectRef idx="0">
-            <a:schemeClr val="accent1"/>
-          </a:effectRef>
-          <a:fontRef idx="minor">
-            <a:schemeClr val="lt1"/>
-          </a:fontRef>
-        </p:style>
-        <p:txBody>
-          <a:bodyPr rtlCol="0" anchor="ctr"/>
-          <a:lstStyle/>
-          <a:p>
-            <a:pPr algn="ctr"/>
-            <a:r>
-              <a:rPr lang="de-DE" sz="3000" dirty="0">
-                <a:solidFill>
-                  <a:schemeClr val="tx1"/>
-                </a:solidFill>
-              </a:rPr>
-              <a:t>&lt; (60)</a:t>
-            </a:r>
-          </a:p>
-        </p:txBody>
-      </p:sp>
-      <p:sp>
-        <p:nvSpPr>
-          <p:cNvPr id="36" name="Rechteck: abgerundete Ecken 35">
-            <a:extLst>
-              <a:ext uri="{FF2B5EF4-FFF2-40B4-BE49-F238E27FC236}">
-                <a16:creationId xmlns:a16="http://schemas.microsoft.com/office/drawing/2014/main" id="{E9DF7C98-A498-AA96-9E23-723063895460}"/>
-              </a:ext>
-            </a:extLst>
-          </p:cNvPr>
-          <p:cNvSpPr/>
-          <p:nvPr/>
-        </p:nvSpPr>
-        <p:spPr>
-          <a:xfrm>
-            <a:off x="5744884" y="2545837"/>
-            <a:ext cx="1374987" cy="633113"/>
-          </a:xfrm>
-          <a:prstGeom prst="roundRect">
-            <a:avLst/>
-          </a:prstGeom>
-          <a:noFill/>
-          <a:ln w="38100">
-            <a:solidFill>
-              <a:schemeClr val="tx1"/>
-            </a:solidFill>
-          </a:ln>
-        </p:spPr>
-        <p:style>
-          <a:lnRef idx="2">
-            <a:schemeClr val="accent1">
-              <a:shade val="50000"/>
-            </a:schemeClr>
-          </a:lnRef>
-          <a:fillRef idx="1">
-            <a:schemeClr val="accent1"/>
-          </a:fillRef>
-          <a:effectRef idx="0">
-            <a:schemeClr val="accent1"/>
-          </a:effectRef>
-          <a:fontRef idx="minor">
-            <a:schemeClr val="lt1"/>
-          </a:fontRef>
-        </p:style>
-        <p:txBody>
-          <a:bodyPr rtlCol="0" anchor="ctr"/>
-          <a:lstStyle/>
-          <a:p>
-            <a:pPr algn="ctr"/>
-            <a:r>
-              <a:rPr lang="de-DE" sz="3000" dirty="0">
-                <a:solidFill>
-                  <a:schemeClr val="tx1"/>
-                </a:solidFill>
-              </a:rPr>
-              <a:t>☺ (1)</a:t>
-            </a:r>
-          </a:p>
-        </p:txBody>
-      </p:sp>
-      <p:sp>
-        <p:nvSpPr>
-          <p:cNvPr id="37" name="Rechteck: abgerundete Ecken 36">
-            <a:extLst>
-              <a:ext uri="{FF2B5EF4-FFF2-40B4-BE49-F238E27FC236}">
-                <a16:creationId xmlns:a16="http://schemas.microsoft.com/office/drawing/2014/main" id="{016C40B4-F327-EEE1-3145-2885F452F514}"/>
-              </a:ext>
-            </a:extLst>
-          </p:cNvPr>
-          <p:cNvSpPr/>
-          <p:nvPr/>
-        </p:nvSpPr>
-        <p:spPr>
-          <a:xfrm>
-            <a:off x="5744883" y="3289968"/>
-            <a:ext cx="1374987" cy="633113"/>
-          </a:xfrm>
-          <a:prstGeom prst="roundRect">
-            <a:avLst/>
-          </a:prstGeom>
-          <a:noFill/>
-          <a:ln w="38100">
-            <a:solidFill>
-              <a:schemeClr val="tx1"/>
-            </a:solidFill>
-          </a:ln>
-        </p:spPr>
-        <p:style>
-          <a:lnRef idx="2">
-            <a:schemeClr val="accent1">
-              <a:shade val="50000"/>
-            </a:schemeClr>
-          </a:lnRef>
-          <a:fillRef idx="1">
-            <a:schemeClr val="accent1"/>
-          </a:fillRef>
-          <a:effectRef idx="0">
-            <a:schemeClr val="accent1"/>
-          </a:effectRef>
-          <a:fontRef idx="minor">
-            <a:schemeClr val="lt1"/>
-          </a:fontRef>
-        </p:style>
-        <p:txBody>
-          <a:bodyPr rtlCol="0" anchor="ctr"/>
-          <a:lstStyle/>
-          <a:p>
-            <a:pPr algn="ctr"/>
-            <a:r>
-              <a:rPr lang="de-DE" sz="3000" dirty="0">
-                <a:solidFill>
-                  <a:schemeClr val="tx1"/>
-                </a:solidFill>
-              </a:rPr>
-              <a:t> (9)</a:t>
-            </a:r>
-          </a:p>
-        </p:txBody>
-      </p:sp>
-      <p:sp>
-        <p:nvSpPr>
-          <p:cNvPr id="38" name="Rechteck: abgerundete Ecken 37">
-            <a:extLst>
-              <a:ext uri="{FF2B5EF4-FFF2-40B4-BE49-F238E27FC236}">
-                <a16:creationId xmlns:a16="http://schemas.microsoft.com/office/drawing/2014/main" id="{03CACE08-56A2-6E92-17FF-67D33B58433F}"/>
-              </a:ext>
-            </a:extLst>
-          </p:cNvPr>
-          <p:cNvSpPr/>
-          <p:nvPr/>
-        </p:nvSpPr>
-        <p:spPr>
-          <a:xfrm>
-            <a:off x="5744883" y="4028451"/>
-            <a:ext cx="1374987" cy="633113"/>
-          </a:xfrm>
-          <a:prstGeom prst="roundRect">
-            <a:avLst>
-              <a:gd name="adj" fmla="val 13457"/>
-            </a:avLst>
-          </a:prstGeom>
-          <a:noFill/>
-          <a:ln w="38100">
-            <a:solidFill>
-              <a:schemeClr val="tx1"/>
-            </a:solidFill>
-          </a:ln>
-        </p:spPr>
-        <p:style>
-          <a:lnRef idx="2">
-            <a:schemeClr val="accent1">
-              <a:shade val="50000"/>
-            </a:schemeClr>
-          </a:lnRef>
-          <a:fillRef idx="1">
-            <a:schemeClr val="accent1"/>
-          </a:fillRef>
-          <a:effectRef idx="0">
-            <a:schemeClr val="accent1"/>
-          </a:effectRef>
-          <a:fontRef idx="minor">
-            <a:schemeClr val="lt1"/>
-          </a:fontRef>
-        </p:style>
-        <p:txBody>
-          <a:bodyPr rtlCol="0" anchor="ctr"/>
-          <a:lstStyle/>
-          <a:p>
-            <a:pPr algn="ctr"/>
-            <a:r>
-              <a:rPr lang="de-DE" sz="3000" dirty="0">
-                <a:solidFill>
-                  <a:schemeClr val="tx1"/>
-                </a:solidFill>
-              </a:rPr>
-              <a:t>m(109)</a:t>
-            </a:r>
-          </a:p>
-        </p:txBody>
-      </p:sp>
-      <p:sp>
-        <p:nvSpPr>
-          <p:cNvPr id="2" name="Rechteck: abgerundete Ecken 1">
-            <a:extLst>
-              <a:ext uri="{FF2B5EF4-FFF2-40B4-BE49-F238E27FC236}">
-                <a16:creationId xmlns:a16="http://schemas.microsoft.com/office/drawing/2014/main" id="{3C73CDCF-0C6B-8BBC-A0A6-9BE50E5526A4}"/>
-              </a:ext>
-            </a:extLst>
-          </p:cNvPr>
-          <p:cNvSpPr/>
-          <p:nvPr/>
-        </p:nvSpPr>
-        <p:spPr>
-          <a:xfrm>
-            <a:off x="5744883" y="4770903"/>
-            <a:ext cx="6304877" cy="633113"/>
-          </a:xfrm>
-          <a:prstGeom prst="roundRect">
-            <a:avLst>
-              <a:gd name="adj" fmla="val 13457"/>
-            </a:avLst>
-          </a:prstGeom>
-          <a:noFill/>
-          <a:ln w="38100">
-            <a:solidFill>
-              <a:schemeClr val="tx1"/>
-            </a:solidFill>
-          </a:ln>
-        </p:spPr>
-        <p:style>
-          <a:lnRef idx="2">
-            <a:schemeClr val="accent1">
-              <a:shade val="50000"/>
-            </a:schemeClr>
-          </a:lnRef>
-          <a:fillRef idx="1">
-            <a:schemeClr val="accent1"/>
-          </a:fillRef>
-          <a:effectRef idx="0">
-            <a:schemeClr val="accent1"/>
-          </a:effectRef>
-          <a:fontRef idx="minor">
-            <a:schemeClr val="lt1"/>
-          </a:fontRef>
-        </p:style>
-        <p:txBody>
-          <a:bodyPr rtlCol="0" anchor="ctr"/>
-          <a:lstStyle/>
-          <a:p>
-            <a:pPr algn="ctr"/>
-            <a:r>
-              <a:rPr lang="de-DE" sz="3000" dirty="0">
-                <a:solidFill>
-                  <a:schemeClr val="tx1"/>
-                </a:solidFill>
-              </a:rPr>
-              <a:t>(0) | (20) (174) (41) (66) | (0) (1) (0) (0)</a:t>
-            </a:r>
-          </a:p>
-        </p:txBody>
-      </p:sp>
-      <p:sp>
-        <p:nvSpPr>
-          <p:cNvPr id="3" name="Rechteck: abgerundete Ecken 2">
-            <a:extLst>
-              <a:ext uri="{FF2B5EF4-FFF2-40B4-BE49-F238E27FC236}">
-                <a16:creationId xmlns:a16="http://schemas.microsoft.com/office/drawing/2014/main" id="{4B959154-A804-1283-A863-B575C6D47F76}"/>
-              </a:ext>
-            </a:extLst>
-          </p:cNvPr>
-          <p:cNvSpPr/>
-          <p:nvPr/>
-        </p:nvSpPr>
-        <p:spPr>
-          <a:xfrm>
-            <a:off x="5744882" y="5518698"/>
-            <a:ext cx="1374987" cy="633113"/>
-          </a:xfrm>
-          <a:prstGeom prst="roundRect">
-            <a:avLst/>
-          </a:prstGeom>
-          <a:noFill/>
-          <a:ln w="38100">
-            <a:solidFill>
-              <a:schemeClr val="tx1"/>
-            </a:solidFill>
-          </a:ln>
-        </p:spPr>
-        <p:style>
-          <a:lnRef idx="2">
-            <a:schemeClr val="accent1">
-              <a:shade val="50000"/>
-            </a:schemeClr>
-          </a:lnRef>
-          <a:fillRef idx="1">
-            <a:schemeClr val="accent1"/>
-          </a:fillRef>
-          <a:effectRef idx="0">
-            <a:schemeClr val="accent1"/>
-          </a:effectRef>
-          <a:fontRef idx="minor">
-            <a:schemeClr val="lt1"/>
-          </a:fontRef>
-        </p:style>
-        <p:txBody>
-          <a:bodyPr rtlCol="0" anchor="ctr"/>
-          <a:lstStyle/>
-          <a:p>
-            <a:pPr algn="ctr"/>
-            <a:r>
-              <a:rPr lang="de-DE" sz="3000" dirty="0">
-                <a:solidFill>
-                  <a:schemeClr val="tx1"/>
-                </a:solidFill>
-              </a:rPr>
-              <a:t>&gt; (62)</a:t>
-            </a:r>
-          </a:p>
-        </p:txBody>
-      </p:sp>
-      <p:pic>
-        <p:nvPicPr>
-          <p:cNvPr id="18" name="Grafik 17">
-            <a:extLst>
-              <a:ext uri="{FF2B5EF4-FFF2-40B4-BE49-F238E27FC236}">
-                <a16:creationId xmlns:a16="http://schemas.microsoft.com/office/drawing/2014/main" id="{89508751-645B-FF46-8486-1F6C5E83FFCE}"/>
-              </a:ext>
-            </a:extLst>
-          </p:cNvPr>
-          <p:cNvPicPr>
-            <a:picLocks noChangeAspect="1"/>
-          </p:cNvPicPr>
-          <p:nvPr/>
-        </p:nvPicPr>
-        <p:blipFill rotWithShape="1">
-          <a:blip r:embed="rId2"/>
-          <a:srcRect r="6975"/>
-          <a:stretch/>
-        </p:blipFill>
-        <p:spPr>
-          <a:xfrm>
-            <a:off x="7451706" y="849297"/>
-            <a:ext cx="4412504" cy="3587183"/>
-          </a:xfrm>
-          <a:prstGeom prst="rect">
-            <a:avLst/>
-          </a:prstGeom>
-        </p:spPr>
-      </p:pic>
     </p:spTree>
     <p:extLst>
       <p:ext uri="{BB962C8B-B14F-4D97-AF65-F5344CB8AC3E}">
-        <p14:creationId xmlns:p14="http://schemas.microsoft.com/office/powerpoint/2010/main" val="2339392420"/>
+        <p14:creationId xmlns:p14="http://schemas.microsoft.com/office/powerpoint/2010/main" val="2665419230"/>
       </p:ext>
     </p:extLst>
   </p:cSld>

--- a/Präsentation/Pyduino_Präsentation.pptx
+++ b/Präsentation/Pyduino_Präsentation.pptx
@@ -22,6 +22,7 @@
     <p:sldId id="267" r:id="rId16"/>
     <p:sldId id="268" r:id="rId17"/>
     <p:sldId id="269" r:id="rId18"/>
+    <p:sldId id="273" r:id="rId19"/>
   </p:sldIdLst>
   <p:sldSz cx="12192000" cy="6858000"/>
   <p:notesSz cx="6858000" cy="9144000"/>
@@ -275,7 +276,7 @@
           <a:p>
             <a:fld id="{57C2ADC8-E08E-42BC-8B3F-BEE8B0D2554E}" type="datetimeFigureOut">
               <a:rPr lang="de-DE" smtClean="0"/>
-              <a:t>26.02.2023</a:t>
+              <a:t>27.02.2023</a:t>
             </a:fld>
             <a:endParaRPr lang="de-DE"/>
           </a:p>
@@ -473,7 +474,7 @@
           <a:p>
             <a:fld id="{57C2ADC8-E08E-42BC-8B3F-BEE8B0D2554E}" type="datetimeFigureOut">
               <a:rPr lang="de-DE" smtClean="0"/>
-              <a:t>26.02.2023</a:t>
+              <a:t>27.02.2023</a:t>
             </a:fld>
             <a:endParaRPr lang="de-DE"/>
           </a:p>
@@ -681,7 +682,7 @@
           <a:p>
             <a:fld id="{57C2ADC8-E08E-42BC-8B3F-BEE8B0D2554E}" type="datetimeFigureOut">
               <a:rPr lang="de-DE" smtClean="0"/>
-              <a:t>26.02.2023</a:t>
+              <a:t>27.02.2023</a:t>
             </a:fld>
             <a:endParaRPr lang="de-DE"/>
           </a:p>
@@ -879,7 +880,7 @@
           <a:p>
             <a:fld id="{57C2ADC8-E08E-42BC-8B3F-BEE8B0D2554E}" type="datetimeFigureOut">
               <a:rPr lang="de-DE" smtClean="0"/>
-              <a:t>26.02.2023</a:t>
+              <a:t>27.02.2023</a:t>
             </a:fld>
             <a:endParaRPr lang="de-DE"/>
           </a:p>
@@ -1154,7 +1155,7 @@
           <a:p>
             <a:fld id="{57C2ADC8-E08E-42BC-8B3F-BEE8B0D2554E}" type="datetimeFigureOut">
               <a:rPr lang="de-DE" smtClean="0"/>
-              <a:t>26.02.2023</a:t>
+              <a:t>27.02.2023</a:t>
             </a:fld>
             <a:endParaRPr lang="de-DE"/>
           </a:p>
@@ -1419,7 +1420,7 @@
           <a:p>
             <a:fld id="{57C2ADC8-E08E-42BC-8B3F-BEE8B0D2554E}" type="datetimeFigureOut">
               <a:rPr lang="de-DE" smtClean="0"/>
-              <a:t>26.02.2023</a:t>
+              <a:t>27.02.2023</a:t>
             </a:fld>
             <a:endParaRPr lang="de-DE"/>
           </a:p>
@@ -1831,7 +1832,7 @@
           <a:p>
             <a:fld id="{57C2ADC8-E08E-42BC-8B3F-BEE8B0D2554E}" type="datetimeFigureOut">
               <a:rPr lang="de-DE" smtClean="0"/>
-              <a:t>26.02.2023</a:t>
+              <a:t>27.02.2023</a:t>
             </a:fld>
             <a:endParaRPr lang="de-DE"/>
           </a:p>
@@ -1972,7 +1973,7 @@
           <a:p>
             <a:fld id="{57C2ADC8-E08E-42BC-8B3F-BEE8B0D2554E}" type="datetimeFigureOut">
               <a:rPr lang="de-DE" smtClean="0"/>
-              <a:t>26.02.2023</a:t>
+              <a:t>27.02.2023</a:t>
             </a:fld>
             <a:endParaRPr lang="de-DE"/>
           </a:p>
@@ -2085,7 +2086,7 @@
           <a:p>
             <a:fld id="{57C2ADC8-E08E-42BC-8B3F-BEE8B0D2554E}" type="datetimeFigureOut">
               <a:rPr lang="de-DE" smtClean="0"/>
-              <a:t>26.02.2023</a:t>
+              <a:t>27.02.2023</a:t>
             </a:fld>
             <a:endParaRPr lang="de-DE"/>
           </a:p>
@@ -2396,7 +2397,7 @@
           <a:p>
             <a:fld id="{57C2ADC8-E08E-42BC-8B3F-BEE8B0D2554E}" type="datetimeFigureOut">
               <a:rPr lang="de-DE" smtClean="0"/>
-              <a:t>26.02.2023</a:t>
+              <a:t>27.02.2023</a:t>
             </a:fld>
             <a:endParaRPr lang="de-DE"/>
           </a:p>
@@ -2684,7 +2685,7 @@
           <a:p>
             <a:fld id="{57C2ADC8-E08E-42BC-8B3F-BEE8B0D2554E}" type="datetimeFigureOut">
               <a:rPr lang="de-DE" smtClean="0"/>
-              <a:t>26.02.2023</a:t>
+              <a:t>27.02.2023</a:t>
             </a:fld>
             <a:endParaRPr lang="de-DE"/>
           </a:p>
@@ -2925,7 +2926,7 @@
           <a:p>
             <a:fld id="{57C2ADC8-E08E-42BC-8B3F-BEE8B0D2554E}" type="datetimeFigureOut">
               <a:rPr lang="de-DE" smtClean="0"/>
-              <a:t>26.02.2023</a:t>
+              <a:t>27.02.2023</a:t>
             </a:fld>
             <a:endParaRPr lang="de-DE"/>
           </a:p>
@@ -7774,6 +7775,245 @@
 </p:sld>
 </file>
 
+<file path=ppt/slides/slide18.xml><?xml version="1.0" encoding="utf-8"?>
+<p:sld xmlns:a="http://schemas.openxmlformats.org/drawingml/2006/main" xmlns:r="http://schemas.openxmlformats.org/officeDocument/2006/relationships" xmlns:p="http://schemas.openxmlformats.org/presentationml/2006/main">
+  <p:cSld>
+    <p:bg>
+      <p:bgPr>
+        <a:solidFill>
+          <a:srgbClr val="2B2B2B"/>
+        </a:solidFill>
+        <a:effectLst/>
+      </p:bgPr>
+    </p:bg>
+    <p:spTree>
+      <p:nvGrpSpPr>
+        <p:cNvPr id="1" name=""/>
+        <p:cNvGrpSpPr/>
+        <p:nvPr/>
+      </p:nvGrpSpPr>
+      <p:grpSpPr>
+        <a:xfrm>
+          <a:off x="0" y="0"/>
+          <a:ext cx="0" cy="0"/>
+          <a:chOff x="0" y="0"/>
+          <a:chExt cx="0" cy="0"/>
+        </a:xfrm>
+      </p:grpSpPr>
+      <p:sp>
+        <p:nvSpPr>
+          <p:cNvPr id="2" name="Titel 1">
+            <a:extLst>
+              <a:ext uri="{FF2B5EF4-FFF2-40B4-BE49-F238E27FC236}">
+                <a16:creationId xmlns:a16="http://schemas.microsoft.com/office/drawing/2014/main" id="{FBCFB6EF-4632-6F9B-6E43-F2A43DC08005}"/>
+              </a:ext>
+            </a:extLst>
+          </p:cNvPr>
+          <p:cNvSpPr>
+            <a:spLocks noGrp="1"/>
+          </p:cNvSpPr>
+          <p:nvPr>
+            <p:ph type="title"/>
+          </p:nvPr>
+        </p:nvSpPr>
+        <p:spPr/>
+        <p:txBody>
+          <a:bodyPr/>
+          <a:lstStyle/>
+          <a:p>
+            <a:r>
+              <a:rPr lang="de-DE" dirty="0">
+                <a:solidFill>
+                  <a:schemeClr val="bg1"/>
+                </a:solidFill>
+              </a:rPr>
+              <a:t>Ausblick</a:t>
+            </a:r>
+          </a:p>
+        </p:txBody>
+      </p:sp>
+      <p:sp>
+        <p:nvSpPr>
+          <p:cNvPr id="3" name="Inhaltsplatzhalter 2">
+            <a:extLst>
+              <a:ext uri="{FF2B5EF4-FFF2-40B4-BE49-F238E27FC236}">
+                <a16:creationId xmlns:a16="http://schemas.microsoft.com/office/drawing/2014/main" id="{4B49AF34-D785-351C-0741-87B27049BA88}"/>
+              </a:ext>
+            </a:extLst>
+          </p:cNvPr>
+          <p:cNvSpPr>
+            <a:spLocks noGrp="1"/>
+          </p:cNvSpPr>
+          <p:nvPr>
+            <p:ph idx="1"/>
+          </p:nvPr>
+        </p:nvSpPr>
+        <p:spPr/>
+        <p:txBody>
+          <a:bodyPr/>
+          <a:lstStyle/>
+          <a:p>
+            <a:r>
+              <a:rPr lang="de-DE" dirty="0">
+                <a:solidFill>
+                  <a:schemeClr val="bg1"/>
+                </a:solidFill>
+              </a:rPr>
+              <a:t>Mehr Features:</a:t>
+            </a:r>
+          </a:p>
+          <a:p>
+            <a:pPr lvl="1"/>
+            <a:r>
+              <a:rPr lang="de-DE" dirty="0">
+                <a:solidFill>
+                  <a:schemeClr val="bg1"/>
+                </a:solidFill>
+              </a:rPr>
+              <a:t>Datentypen (z.B. Listen etc.)</a:t>
+            </a:r>
+          </a:p>
+          <a:p>
+            <a:pPr lvl="1"/>
+            <a:r>
+              <a:rPr lang="de-DE" dirty="0">
+                <a:solidFill>
+                  <a:schemeClr val="bg1"/>
+                </a:solidFill>
+              </a:rPr>
+              <a:t>Features von Python und Arduino (z.B. Builtins)</a:t>
+            </a:r>
+          </a:p>
+          <a:p>
+            <a:pPr lvl="1"/>
+            <a:r>
+              <a:rPr lang="de-DE" dirty="0">
+                <a:solidFill>
+                  <a:schemeClr val="bg1"/>
+                </a:solidFill>
+              </a:rPr>
+              <a:t>Objektorientierung (Klassen, Vererbung)</a:t>
+            </a:r>
+          </a:p>
+          <a:p>
+            <a:pPr lvl="1"/>
+            <a:r>
+              <a:rPr lang="de-DE" dirty="0">
+                <a:solidFill>
+                  <a:schemeClr val="bg1"/>
+                </a:solidFill>
+              </a:rPr>
+              <a:t>Asynchrone Anfragen und Funktionsaufrufe</a:t>
+            </a:r>
+          </a:p>
+          <a:p>
+            <a:r>
+              <a:rPr lang="de-DE" dirty="0">
+                <a:solidFill>
+                  <a:schemeClr val="bg1"/>
+                </a:solidFill>
+              </a:rPr>
+              <a:t>Optimierung von </a:t>
+            </a:r>
+            <a:r>
+              <a:rPr lang="de-DE" dirty="0" err="1">
+                <a:solidFill>
+                  <a:schemeClr val="bg1"/>
+                </a:solidFill>
+              </a:rPr>
+              <a:t>Compilieren</a:t>
+            </a:r>
+            <a:r>
+              <a:rPr lang="de-DE" dirty="0">
+                <a:solidFill>
+                  <a:schemeClr val="bg1"/>
+                </a:solidFill>
+              </a:rPr>
+              <a:t> und hochladen</a:t>
+            </a:r>
+          </a:p>
+          <a:p>
+            <a:r>
+              <a:rPr lang="de-DE" dirty="0">
+                <a:solidFill>
+                  <a:schemeClr val="bg1"/>
+                </a:solidFill>
+              </a:rPr>
+              <a:t>Linux support</a:t>
+            </a:r>
+          </a:p>
+          <a:p>
+            <a:r>
+              <a:rPr lang="de-DE" dirty="0">
+                <a:solidFill>
+                  <a:schemeClr val="bg1"/>
+                </a:solidFill>
+              </a:rPr>
+              <a:t>Eigene IDE</a:t>
+            </a:r>
+          </a:p>
+          <a:p>
+            <a:endParaRPr lang="de-DE" dirty="0">
+              <a:solidFill>
+                <a:schemeClr val="bg1"/>
+              </a:solidFill>
+            </a:endParaRPr>
+          </a:p>
+          <a:p>
+            <a:endParaRPr lang="de-DE" dirty="0">
+              <a:solidFill>
+                <a:schemeClr val="bg1"/>
+              </a:solidFill>
+            </a:endParaRPr>
+          </a:p>
+          <a:p>
+            <a:pPr lvl="1"/>
+            <a:endParaRPr lang="de-DE" dirty="0">
+              <a:solidFill>
+                <a:schemeClr val="bg1"/>
+              </a:solidFill>
+            </a:endParaRPr>
+          </a:p>
+          <a:p>
+            <a:pPr lvl="1"/>
+            <a:endParaRPr lang="de-DE" dirty="0">
+              <a:solidFill>
+                <a:schemeClr val="bg1"/>
+              </a:solidFill>
+            </a:endParaRPr>
+          </a:p>
+          <a:p>
+            <a:pPr marL="457200" lvl="1" indent="0">
+              <a:buNone/>
+            </a:pPr>
+            <a:endParaRPr lang="de-DE" dirty="0">
+              <a:solidFill>
+                <a:schemeClr val="bg1"/>
+              </a:solidFill>
+            </a:endParaRPr>
+          </a:p>
+          <a:p>
+            <a:endParaRPr lang="de-DE" dirty="0">
+              <a:solidFill>
+                <a:schemeClr val="bg1"/>
+              </a:solidFill>
+            </a:endParaRPr>
+          </a:p>
+        </p:txBody>
+      </p:sp>
+    </p:spTree>
+    <p:extLst>
+      <p:ext uri="{BB962C8B-B14F-4D97-AF65-F5344CB8AC3E}">
+        <p14:creationId xmlns:p14="http://schemas.microsoft.com/office/powerpoint/2010/main" val="868426615"/>
+      </p:ext>
+    </p:extLst>
+  </p:cSld>
+  <p:clrMapOvr>
+    <a:masterClrMapping/>
+  </p:clrMapOvr>
+</p:sld>
+</file>
+
 <file path=ppt/slides/slide2.xml><?xml version="1.0" encoding="utf-8"?>
 <p:sld xmlns:a="http://schemas.openxmlformats.org/drawingml/2006/main" xmlns:r="http://schemas.openxmlformats.org/officeDocument/2006/relationships" xmlns:p="http://schemas.openxmlformats.org/presentationml/2006/main">
   <p:cSld>
@@ -7813,16 +8053,15 @@
           </p:cNvPicPr>
           <p:nvPr/>
         </p:nvPicPr>
-        <p:blipFill>
+        <p:blipFill rotWithShape="1">
           <a:blip r:embed="rId2"/>
-          <a:stretch>
-            <a:fillRect/>
-          </a:stretch>
+          <a:srcRect l="796" t="2629" r="1"/>
+          <a:stretch/>
         </p:blipFill>
         <p:spPr>
           <a:xfrm>
-            <a:off x="3207769" y="2049660"/>
-            <a:ext cx="5776461" cy="2758679"/>
+            <a:off x="3253740" y="2122170"/>
+            <a:ext cx="5730490" cy="2686169"/>
           </a:xfrm>
           <a:prstGeom prst="rect">
             <a:avLst/>

--- a/Präsentation/Pyduino_Präsentation.pptx
+++ b/Präsentation/Pyduino_Präsentation.pptx
@@ -10,8 +10,8 @@
     <p:sldId id="271" r:id="rId4"/>
     <p:sldId id="272" r:id="rId5"/>
     <p:sldId id="257" r:id="rId6"/>
-    <p:sldId id="258" r:id="rId7"/>
-    <p:sldId id="259" r:id="rId8"/>
+    <p:sldId id="259" r:id="rId7"/>
+    <p:sldId id="258" r:id="rId8"/>
     <p:sldId id="264" r:id="rId9"/>
     <p:sldId id="260" r:id="rId10"/>
     <p:sldId id="263" r:id="rId11"/>
@@ -7881,7 +7881,7 @@
                   <a:schemeClr val="bg1"/>
                 </a:solidFill>
               </a:rPr>
-              <a:t>Features von Python und Arduino (z.B. Builtins)</a:t>
+              <a:t>Features von Python und Arduino (z.B. Builtins, Bibliotheken)</a:t>
             </a:r>
           </a:p>
           <a:p>
@@ -8359,565 +8359,48 @@
           <a:chExt cx="0" cy="0"/>
         </a:xfrm>
       </p:grpSpPr>
-      <p:sp>
-        <p:nvSpPr>
-          <p:cNvPr id="2" name="Titel 1">
-            <a:extLst>
-              <a:ext uri="{FF2B5EF4-FFF2-40B4-BE49-F238E27FC236}">
-                <a16:creationId xmlns:a16="http://schemas.microsoft.com/office/drawing/2014/main" id="{58E05B99-798C-C0FF-4C3F-5386AF78CBD5}"/>
-              </a:ext>
-            </a:extLst>
-          </p:cNvPr>
-          <p:cNvSpPr>
-            <a:spLocks noGrp="1"/>
-          </p:cNvSpPr>
-          <p:nvPr>
-            <p:ph type="title"/>
-          </p:nvPr>
-        </p:nvSpPr>
-        <p:spPr/>
-        <p:txBody>
-          <a:bodyPr/>
-          <a:lstStyle/>
-          <a:p>
-            <a:pPr algn="ctr"/>
-            <a:r>
-              <a:rPr lang="de-DE" dirty="0" err="1"/>
-              <a:t>Tokenizer</a:t>
-            </a:r>
-            <a:endParaRPr lang="de-DE" dirty="0"/>
-          </a:p>
-        </p:txBody>
-      </p:sp>
       <p:pic>
         <p:nvPicPr>
-          <p:cNvPr id="6" name="Grafik 5">
-            <a:extLst>
-              <a:ext uri="{FF2B5EF4-FFF2-40B4-BE49-F238E27FC236}">
-                <a16:creationId xmlns:a16="http://schemas.microsoft.com/office/drawing/2014/main" id="{97256BA7-4E53-0FEE-8477-AF8F9C5705A6}"/>
+          <p:cNvPr id="17" name="Inhaltsplatzhalter 16">
+            <a:extLst>
+              <a:ext uri="{FF2B5EF4-FFF2-40B4-BE49-F238E27FC236}">
+                <a16:creationId xmlns:a16="http://schemas.microsoft.com/office/drawing/2014/main" id="{79417BF2-6664-4AAD-182D-354B8BEFDD88}"/>
               </a:ext>
             </a:extLst>
           </p:cNvPr>
           <p:cNvPicPr>
-            <a:picLocks noChangeAspect="1"/>
-          </p:cNvPicPr>
-          <p:nvPr/>
-        </p:nvPicPr>
-        <p:blipFill rotWithShape="1">
-          <a:blip r:embed="rId2"/>
-          <a:srcRect t="19886" r="22224"/>
-          <a:stretch/>
-        </p:blipFill>
-        <p:spPr>
-          <a:xfrm>
-            <a:off x="118477" y="1456943"/>
-            <a:ext cx="11943194" cy="1164337"/>
-          </a:xfrm>
-          <a:prstGeom prst="rect">
-            <a:avLst/>
-          </a:prstGeom>
-        </p:spPr>
-      </p:pic>
-      <p:pic>
-        <p:nvPicPr>
-          <p:cNvPr id="1030" name="Picture 6">
-            <a:extLst>
-              <a:ext uri="{FF2B5EF4-FFF2-40B4-BE49-F238E27FC236}">
-                <a16:creationId xmlns:a16="http://schemas.microsoft.com/office/drawing/2014/main" id="{7FF59B1E-7B70-7B33-6B96-07DC9F1BFC99}"/>
-              </a:ext>
-            </a:extLst>
-          </p:cNvPr>
-          <p:cNvPicPr>
-            <a:picLocks noChangeAspect="1" noChangeArrowheads="1"/>
-          </p:cNvPicPr>
-          <p:nvPr/>
-        </p:nvPicPr>
-        <p:blipFill rotWithShape="1">
-          <a:blip r:embed="rId3">
-            <a:extLst>
-              <a:ext uri="{28A0092B-C50C-407E-A947-70E740481C1C}">
-                <a14:useLocalDpi xmlns:a14="http://schemas.microsoft.com/office/drawing/2010/main" val="0"/>
-              </a:ext>
-            </a:extLst>
-          </a:blip>
-          <a:srcRect l="6397" r="6395"/>
-          <a:stretch/>
-        </p:blipFill>
-        <p:spPr bwMode="auto">
-          <a:xfrm>
-            <a:off x="130329" y="2628646"/>
-            <a:ext cx="1973694" cy="1846007"/>
-          </a:xfrm>
-          <a:prstGeom prst="rect">
-            <a:avLst/>
-          </a:prstGeom>
-          <a:noFill/>
-          <a:extLst>
-            <a:ext uri="{909E8E84-426E-40DD-AFC4-6F175D3DCCD1}">
-              <a14:hiddenFill xmlns:a14="http://schemas.microsoft.com/office/drawing/2010/main">
-                <a:solidFill>
-                  <a:srgbClr val="FFFFFF"/>
-                </a:solidFill>
-              </a14:hiddenFill>
-            </a:ext>
-          </a:extLst>
-        </p:spPr>
-      </p:pic>
-      <p:pic>
-        <p:nvPicPr>
-          <p:cNvPr id="1032" name="Picture 8">
-            <a:extLst>
-              <a:ext uri="{FF2B5EF4-FFF2-40B4-BE49-F238E27FC236}">
-                <a16:creationId xmlns:a16="http://schemas.microsoft.com/office/drawing/2014/main" id="{36F8C8C3-3849-1E40-865F-EF29BFCA9355}"/>
-              </a:ext>
-            </a:extLst>
-          </p:cNvPr>
-          <p:cNvPicPr>
-            <a:picLocks noChangeAspect="1" noChangeArrowheads="1"/>
-          </p:cNvPicPr>
-          <p:nvPr/>
-        </p:nvPicPr>
-        <p:blipFill rotWithShape="1">
-          <a:blip r:embed="rId4">
-            <a:extLst>
-              <a:ext uri="{28A0092B-C50C-407E-A947-70E740481C1C}">
-                <a14:useLocalDpi xmlns:a14="http://schemas.microsoft.com/office/drawing/2010/main" val="0"/>
-              </a:ext>
-            </a:extLst>
-          </a:blip>
-          <a:srcRect l="6265" r="6527"/>
-          <a:stretch/>
-        </p:blipFill>
-        <p:spPr bwMode="auto">
-          <a:xfrm>
-            <a:off x="2104023" y="2621280"/>
-            <a:ext cx="1973694" cy="1846007"/>
-          </a:xfrm>
-          <a:prstGeom prst="rect">
-            <a:avLst/>
-          </a:prstGeom>
-          <a:noFill/>
-          <a:extLst>
-            <a:ext uri="{909E8E84-426E-40DD-AFC4-6F175D3DCCD1}">
-              <a14:hiddenFill xmlns:a14="http://schemas.microsoft.com/office/drawing/2010/main">
-                <a:solidFill>
-                  <a:srgbClr val="FFFFFF"/>
-                </a:solidFill>
-              </a14:hiddenFill>
-            </a:ext>
-          </a:extLst>
-        </p:spPr>
-      </p:pic>
-      <p:pic>
-        <p:nvPicPr>
-          <p:cNvPr id="1034" name="Picture 10">
-            <a:extLst>
-              <a:ext uri="{FF2B5EF4-FFF2-40B4-BE49-F238E27FC236}">
-                <a16:creationId xmlns:a16="http://schemas.microsoft.com/office/drawing/2014/main" id="{5DA61A26-545F-7C18-03C8-F41F8655E212}"/>
-              </a:ext>
-            </a:extLst>
-          </p:cNvPr>
-          <p:cNvPicPr>
-            <a:picLocks noGrp="1" noChangeAspect="1" noChangeArrowheads="1"/>
+            <a:picLocks noGrp="1" noChangeAspect="1"/>
           </p:cNvPicPr>
           <p:nvPr>
             <p:ph idx="1"/>
           </p:nvPr>
         </p:nvPicPr>
-        <p:blipFill rotWithShape="1">
-          <a:blip r:embed="rId5">
+        <p:blipFill>
+          <a:blip r:embed="rId2">
             <a:extLst>
               <a:ext uri="{28A0092B-C50C-407E-A947-70E740481C1C}">
                 <a14:useLocalDpi xmlns:a14="http://schemas.microsoft.com/office/drawing/2010/main" val="0"/>
               </a:ext>
+              <a:ext uri="{96DAC541-7B7A-43D3-8B79-37D633B846F1}">
+                <asvg:svgBlip xmlns:asvg="http://schemas.microsoft.com/office/drawing/2016/SVG/main" r:embed="rId3"/>
+              </a:ext>
             </a:extLst>
           </a:blip>
-          <a:srcRect l="6554" r="6238"/>
-          <a:stretch/>
+          <a:stretch>
+            <a:fillRect/>
+          </a:stretch>
         </p:blipFill>
-        <p:spPr bwMode="auto">
-          <a:xfrm>
-            <a:off x="4077717" y="2633244"/>
-            <a:ext cx="1973694" cy="1863153"/>
-          </a:xfrm>
-          <a:prstGeom prst="rect">
-            <a:avLst/>
-          </a:prstGeom>
-          <a:noFill/>
-          <a:extLst>
-            <a:ext uri="{909E8E84-426E-40DD-AFC4-6F175D3DCCD1}">
-              <a14:hiddenFill xmlns:a14="http://schemas.microsoft.com/office/drawing/2010/main">
-                <a:solidFill>
-                  <a:srgbClr val="FFFFFF"/>
-                </a:solidFill>
-              </a14:hiddenFill>
-            </a:ext>
-          </a:extLst>
-        </p:spPr>
-      </p:pic>
-      <p:pic>
-        <p:nvPicPr>
-          <p:cNvPr id="1038" name="Picture 14">
-            <a:extLst>
-              <a:ext uri="{FF2B5EF4-FFF2-40B4-BE49-F238E27FC236}">
-                <a16:creationId xmlns:a16="http://schemas.microsoft.com/office/drawing/2014/main" id="{21A34608-D69A-6AE7-DE8F-E3E2D412889E}"/>
-              </a:ext>
-            </a:extLst>
-          </p:cNvPr>
-          <p:cNvPicPr>
-            <a:picLocks noChangeAspect="1" noChangeArrowheads="1"/>
-          </p:cNvPicPr>
-          <p:nvPr/>
-        </p:nvPicPr>
-        <p:blipFill rotWithShape="1">
-          <a:blip r:embed="rId6">
-            <a:extLst>
-              <a:ext uri="{28A0092B-C50C-407E-A947-70E740481C1C}">
-                <a14:useLocalDpi xmlns:a14="http://schemas.microsoft.com/office/drawing/2010/main" val="0"/>
-              </a:ext>
-            </a:extLst>
-          </a:blip>
-          <a:srcRect l="6915" r="5877"/>
-          <a:stretch/>
-        </p:blipFill>
-        <p:spPr bwMode="auto">
-          <a:xfrm>
-            <a:off x="6051411" y="2633243"/>
-            <a:ext cx="1973694" cy="1863153"/>
-          </a:xfrm>
-          <a:prstGeom prst="rect">
-            <a:avLst/>
-          </a:prstGeom>
-          <a:noFill/>
-          <a:extLst>
-            <a:ext uri="{909E8E84-426E-40DD-AFC4-6F175D3DCCD1}">
-              <a14:hiddenFill xmlns:a14="http://schemas.microsoft.com/office/drawing/2010/main">
-                <a:solidFill>
-                  <a:srgbClr val="FFFFFF"/>
-                </a:solidFill>
-              </a14:hiddenFill>
-            </a:ext>
-          </a:extLst>
-        </p:spPr>
-      </p:pic>
-      <p:pic>
-        <p:nvPicPr>
-          <p:cNvPr id="1040" name="Picture 16">
-            <a:extLst>
-              <a:ext uri="{FF2B5EF4-FFF2-40B4-BE49-F238E27FC236}">
-                <a16:creationId xmlns:a16="http://schemas.microsoft.com/office/drawing/2014/main" id="{ED3346EE-4F42-7A17-B01C-91AEC66B73E1}"/>
-              </a:ext>
-            </a:extLst>
-          </p:cNvPr>
-          <p:cNvPicPr>
-            <a:picLocks noChangeAspect="1" noChangeArrowheads="1"/>
-          </p:cNvPicPr>
-          <p:nvPr/>
-        </p:nvPicPr>
-        <p:blipFill rotWithShape="1">
-          <a:blip r:embed="rId7">
-            <a:extLst>
-              <a:ext uri="{28A0092B-C50C-407E-A947-70E740481C1C}">
-                <a14:useLocalDpi xmlns:a14="http://schemas.microsoft.com/office/drawing/2010/main" val="0"/>
-              </a:ext>
-            </a:extLst>
-          </a:blip>
-          <a:srcRect l="6589" t="4625" r="6203" b="5070"/>
-          <a:stretch/>
-        </p:blipFill>
-        <p:spPr bwMode="auto">
-          <a:xfrm>
-            <a:off x="8025105" y="2628647"/>
-            <a:ext cx="1973695" cy="1863154"/>
-          </a:xfrm>
-          <a:prstGeom prst="rect">
-            <a:avLst/>
-          </a:prstGeom>
-          <a:noFill/>
-          <a:extLst>
-            <a:ext uri="{909E8E84-426E-40DD-AFC4-6F175D3DCCD1}">
-              <a14:hiddenFill xmlns:a14="http://schemas.microsoft.com/office/drawing/2010/main">
-                <a:solidFill>
-                  <a:srgbClr val="FFFFFF"/>
-                </a:solidFill>
-              </a14:hiddenFill>
-            </a:ext>
-          </a:extLst>
-        </p:spPr>
-      </p:pic>
-      <p:pic>
-        <p:nvPicPr>
-          <p:cNvPr id="1046" name="Picture 22">
-            <a:extLst>
-              <a:ext uri="{FF2B5EF4-FFF2-40B4-BE49-F238E27FC236}">
-                <a16:creationId xmlns:a16="http://schemas.microsoft.com/office/drawing/2014/main" id="{872A92D5-0FA3-3ABC-BD57-BB375B55ADC4}"/>
-              </a:ext>
-            </a:extLst>
-          </p:cNvPr>
-          <p:cNvPicPr>
-            <a:picLocks noChangeAspect="1" noChangeArrowheads="1"/>
-          </p:cNvPicPr>
-          <p:nvPr/>
-        </p:nvPicPr>
-        <p:blipFill rotWithShape="1">
-          <a:blip r:embed="rId8">
-            <a:extLst>
-              <a:ext uri="{28A0092B-C50C-407E-A947-70E740481C1C}">
-                <a14:useLocalDpi xmlns:a14="http://schemas.microsoft.com/office/drawing/2010/main" val="0"/>
-              </a:ext>
-            </a:extLst>
-          </a:blip>
-          <a:srcRect l="6616" r="6178"/>
-          <a:stretch/>
-        </p:blipFill>
-        <p:spPr bwMode="auto">
-          <a:xfrm>
-            <a:off x="9998798" y="2633241"/>
-            <a:ext cx="1973695" cy="1863153"/>
-          </a:xfrm>
-          <a:prstGeom prst="rect">
-            <a:avLst/>
-          </a:prstGeom>
-          <a:noFill/>
-          <a:extLst>
-            <a:ext uri="{909E8E84-426E-40DD-AFC4-6F175D3DCCD1}">
-              <a14:hiddenFill xmlns:a14="http://schemas.microsoft.com/office/drawing/2010/main">
-                <a:solidFill>
-                  <a:srgbClr val="FFFFFF"/>
-                </a:solidFill>
-              </a14:hiddenFill>
-            </a:ext>
-          </a:extLst>
-        </p:spPr>
-      </p:pic>
-      <p:sp>
-        <p:nvSpPr>
-          <p:cNvPr id="7" name="Geschweifte Klammer links 6">
-            <a:extLst>
-              <a:ext uri="{FF2B5EF4-FFF2-40B4-BE49-F238E27FC236}">
-                <a16:creationId xmlns:a16="http://schemas.microsoft.com/office/drawing/2014/main" id="{AD5A8A8A-10D9-B1FF-4313-AFECD6E9A891}"/>
-              </a:ext>
-            </a:extLst>
-          </p:cNvPr>
-          <p:cNvSpPr/>
-          <p:nvPr/>
-        </p:nvSpPr>
-        <p:spPr>
-          <a:xfrm rot="5400000">
-            <a:off x="6796993" y="1972052"/>
-            <a:ext cx="533400" cy="5870211"/>
-          </a:xfrm>
-          <a:prstGeom prst="leftBrace">
-            <a:avLst>
-              <a:gd name="adj1" fmla="val 65476"/>
-              <a:gd name="adj2" fmla="val 51258"/>
-            </a:avLst>
-          </a:prstGeom>
-          <a:ln w="38100">
-            <a:solidFill>
-              <a:schemeClr val="tx1"/>
-            </a:solidFill>
-          </a:ln>
-        </p:spPr>
-        <p:style>
-          <a:lnRef idx="1">
-            <a:schemeClr val="accent1"/>
-          </a:lnRef>
-          <a:fillRef idx="0">
-            <a:schemeClr val="accent1"/>
-          </a:fillRef>
-          <a:effectRef idx="0">
-            <a:schemeClr val="accent1"/>
-          </a:effectRef>
-          <a:fontRef idx="minor">
-            <a:schemeClr val="tx1"/>
-          </a:fontRef>
-        </p:style>
-        <p:txBody>
-          <a:bodyPr rtlCol="0" anchor="ctr"/>
-          <a:lstStyle/>
-          <a:p>
-            <a:pPr algn="ctr"/>
-            <a:endParaRPr lang="de-DE" dirty="0"/>
-          </a:p>
-        </p:txBody>
-      </p:sp>
-      <p:sp>
-        <p:nvSpPr>
-          <p:cNvPr id="10" name="Textfeld 9">
-            <a:extLst>
-              <a:ext uri="{FF2B5EF4-FFF2-40B4-BE49-F238E27FC236}">
-                <a16:creationId xmlns:a16="http://schemas.microsoft.com/office/drawing/2014/main" id="{5364515C-73A5-1A7F-1555-2B46FF0E1159}"/>
-              </a:ext>
-            </a:extLst>
-          </p:cNvPr>
-          <p:cNvSpPr txBox="1"/>
-          <p:nvPr/>
-        </p:nvSpPr>
-        <p:spPr>
-          <a:xfrm>
-            <a:off x="6668605" y="4311731"/>
-            <a:ext cx="739305" cy="369332"/>
-          </a:xfrm>
-          <a:prstGeom prst="rect">
-            <a:avLst/>
-          </a:prstGeom>
-          <a:noFill/>
-        </p:spPr>
-        <p:txBody>
-          <a:bodyPr wrap="none" rtlCol="0">
-            <a:spAutoFit/>
-          </a:bodyPr>
-          <a:lstStyle/>
-          <a:p>
-            <a:pPr algn="ctr"/>
-            <a:r>
-              <a:rPr lang="de-DE" dirty="0" err="1"/>
-              <a:t>inside</a:t>
-            </a:r>
-            <a:endParaRPr lang="de-DE" dirty="0"/>
-          </a:p>
-        </p:txBody>
-      </p:sp>
-      <p:pic>
-        <p:nvPicPr>
-          <p:cNvPr id="1048" name="Picture 24">
-            <a:extLst>
-              <a:ext uri="{FF2B5EF4-FFF2-40B4-BE49-F238E27FC236}">
-                <a16:creationId xmlns:a16="http://schemas.microsoft.com/office/drawing/2014/main" id="{FF77E0ED-2980-8C4F-6061-FD51724BEEDD}"/>
-              </a:ext>
-            </a:extLst>
-          </p:cNvPr>
-          <p:cNvPicPr>
-            <a:picLocks noChangeAspect="1" noChangeArrowheads="1"/>
-          </p:cNvPicPr>
-          <p:nvPr/>
-        </p:nvPicPr>
-        <p:blipFill rotWithShape="1">
-          <a:blip r:embed="rId9">
-            <a:extLst>
-              <a:ext uri="{28A0092B-C50C-407E-A947-70E740481C1C}">
-                <a14:useLocalDpi xmlns:a14="http://schemas.microsoft.com/office/drawing/2010/main" val="0"/>
-              </a:ext>
-            </a:extLst>
-          </a:blip>
-          <a:srcRect l="6397" t="6338" r="6395" b="10089"/>
-          <a:stretch/>
-        </p:blipFill>
-        <p:spPr bwMode="auto">
-          <a:xfrm>
-            <a:off x="4128587" y="5208575"/>
-            <a:ext cx="1973694" cy="1557142"/>
-          </a:xfrm>
-          <a:prstGeom prst="rect">
-            <a:avLst/>
-          </a:prstGeom>
-          <a:noFill/>
-          <a:extLst>
-            <a:ext uri="{909E8E84-426E-40DD-AFC4-6F175D3DCCD1}">
-              <a14:hiddenFill xmlns:a14="http://schemas.microsoft.com/office/drawing/2010/main">
-                <a:solidFill>
-                  <a:srgbClr val="FFFFFF"/>
-                </a:solidFill>
-              </a14:hiddenFill>
-            </a:ext>
-          </a:extLst>
-        </p:spPr>
-      </p:pic>
-      <p:pic>
-        <p:nvPicPr>
-          <p:cNvPr id="1050" name="Picture 26">
-            <a:extLst>
-              <a:ext uri="{FF2B5EF4-FFF2-40B4-BE49-F238E27FC236}">
-                <a16:creationId xmlns:a16="http://schemas.microsoft.com/office/drawing/2014/main" id="{B943346A-AB24-880C-C80D-9B530A612567}"/>
-              </a:ext>
-            </a:extLst>
-          </p:cNvPr>
-          <p:cNvPicPr>
-            <a:picLocks noChangeAspect="1" noChangeArrowheads="1"/>
-          </p:cNvPicPr>
-          <p:nvPr/>
-        </p:nvPicPr>
-        <p:blipFill rotWithShape="1">
-          <a:blip r:embed="rId10">
-            <a:extLst>
-              <a:ext uri="{28A0092B-C50C-407E-A947-70E740481C1C}">
-                <a14:useLocalDpi xmlns:a14="http://schemas.microsoft.com/office/drawing/2010/main" val="0"/>
-              </a:ext>
-            </a:extLst>
-          </a:blip>
-          <a:srcRect l="6600" t="5633" r="6193" b="9379"/>
-          <a:stretch/>
-        </p:blipFill>
-        <p:spPr bwMode="auto">
-          <a:xfrm>
-            <a:off x="6051410" y="5012267"/>
-            <a:ext cx="1973694" cy="1753450"/>
-          </a:xfrm>
-          <a:prstGeom prst="rect">
-            <a:avLst/>
-          </a:prstGeom>
-          <a:noFill/>
-          <a:extLst>
-            <a:ext uri="{909E8E84-426E-40DD-AFC4-6F175D3DCCD1}">
-              <a14:hiddenFill xmlns:a14="http://schemas.microsoft.com/office/drawing/2010/main">
-                <a:solidFill>
-                  <a:srgbClr val="FFFFFF"/>
-                </a:solidFill>
-              </a14:hiddenFill>
-            </a:ext>
-          </a:extLst>
-        </p:spPr>
-      </p:pic>
-      <p:pic>
-        <p:nvPicPr>
-          <p:cNvPr id="1052" name="Picture 28">
-            <a:extLst>
-              <a:ext uri="{FF2B5EF4-FFF2-40B4-BE49-F238E27FC236}">
-                <a16:creationId xmlns:a16="http://schemas.microsoft.com/office/drawing/2014/main" id="{65D8F021-FDA9-24B0-625A-AE97EA838A5D}"/>
-              </a:ext>
-            </a:extLst>
-          </p:cNvPr>
-          <p:cNvPicPr>
-            <a:picLocks noChangeAspect="1" noChangeArrowheads="1"/>
-          </p:cNvPicPr>
-          <p:nvPr/>
-        </p:nvPicPr>
-        <p:blipFill rotWithShape="1">
-          <a:blip r:embed="rId11">
-            <a:extLst>
-              <a:ext uri="{28A0092B-C50C-407E-A947-70E740481C1C}">
-                <a14:useLocalDpi xmlns:a14="http://schemas.microsoft.com/office/drawing/2010/main" val="0"/>
-              </a:ext>
-            </a:extLst>
-          </a:blip>
-          <a:srcRect l="6580" t="7946" r="6212" b="9983"/>
-          <a:stretch/>
-        </p:blipFill>
-        <p:spPr bwMode="auto">
-          <a:xfrm>
-            <a:off x="8025105" y="5222606"/>
-            <a:ext cx="1973694" cy="1529080"/>
-          </a:xfrm>
-          <a:prstGeom prst="rect">
-            <a:avLst/>
-          </a:prstGeom>
-          <a:noFill/>
-          <a:extLst>
-            <a:ext uri="{909E8E84-426E-40DD-AFC4-6F175D3DCCD1}">
-              <a14:hiddenFill xmlns:a14="http://schemas.microsoft.com/office/drawing/2010/main">
-                <a:solidFill>
-                  <a:srgbClr val="FFFFFF"/>
-                </a:solidFill>
-              </a14:hiddenFill>
-            </a:ext>
-          </a:extLst>
+        <p:spPr>
+          <a:xfrm>
+            <a:off x="882932" y="2926"/>
+            <a:ext cx="10426136" cy="6855074"/>
+          </a:xfrm>
         </p:spPr>
       </p:pic>
     </p:spTree>
     <p:extLst>
       <p:ext uri="{BB962C8B-B14F-4D97-AF65-F5344CB8AC3E}">
-        <p14:creationId xmlns:p14="http://schemas.microsoft.com/office/powerpoint/2010/main" val="3001393537"/>
+        <p14:creationId xmlns:p14="http://schemas.microsoft.com/office/powerpoint/2010/main" val="8731106"/>
       </p:ext>
     </p:extLst>
   </p:cSld>
@@ -8944,48 +8427,565 @@
           <a:chExt cx="0" cy="0"/>
         </a:xfrm>
       </p:grpSpPr>
+      <p:sp>
+        <p:nvSpPr>
+          <p:cNvPr id="2" name="Titel 1">
+            <a:extLst>
+              <a:ext uri="{FF2B5EF4-FFF2-40B4-BE49-F238E27FC236}">
+                <a16:creationId xmlns:a16="http://schemas.microsoft.com/office/drawing/2014/main" id="{58E05B99-798C-C0FF-4C3F-5386AF78CBD5}"/>
+              </a:ext>
+            </a:extLst>
+          </p:cNvPr>
+          <p:cNvSpPr>
+            <a:spLocks noGrp="1"/>
+          </p:cNvSpPr>
+          <p:nvPr>
+            <p:ph type="title"/>
+          </p:nvPr>
+        </p:nvSpPr>
+        <p:spPr/>
+        <p:txBody>
+          <a:bodyPr/>
+          <a:lstStyle/>
+          <a:p>
+            <a:pPr algn="ctr"/>
+            <a:r>
+              <a:rPr lang="de-DE" dirty="0" err="1"/>
+              <a:t>Tokenizer</a:t>
+            </a:r>
+            <a:endParaRPr lang="de-DE" dirty="0"/>
+          </a:p>
+        </p:txBody>
+      </p:sp>
       <p:pic>
         <p:nvPicPr>
-          <p:cNvPr id="17" name="Inhaltsplatzhalter 16">
-            <a:extLst>
-              <a:ext uri="{FF2B5EF4-FFF2-40B4-BE49-F238E27FC236}">
-                <a16:creationId xmlns:a16="http://schemas.microsoft.com/office/drawing/2014/main" id="{79417BF2-6664-4AAD-182D-354B8BEFDD88}"/>
+          <p:cNvPr id="6" name="Grafik 5">
+            <a:extLst>
+              <a:ext uri="{FF2B5EF4-FFF2-40B4-BE49-F238E27FC236}">
+                <a16:creationId xmlns:a16="http://schemas.microsoft.com/office/drawing/2014/main" id="{97256BA7-4E53-0FEE-8477-AF8F9C5705A6}"/>
               </a:ext>
             </a:extLst>
           </p:cNvPr>
           <p:cNvPicPr>
-            <a:picLocks noGrp="1" noChangeAspect="1"/>
+            <a:picLocks noChangeAspect="1"/>
+          </p:cNvPicPr>
+          <p:nvPr/>
+        </p:nvPicPr>
+        <p:blipFill rotWithShape="1">
+          <a:blip r:embed="rId2"/>
+          <a:srcRect t="19886" r="22224"/>
+          <a:stretch/>
+        </p:blipFill>
+        <p:spPr>
+          <a:xfrm>
+            <a:off x="118477" y="1456943"/>
+            <a:ext cx="11943194" cy="1164337"/>
+          </a:xfrm>
+          <a:prstGeom prst="rect">
+            <a:avLst/>
+          </a:prstGeom>
+        </p:spPr>
+      </p:pic>
+      <p:pic>
+        <p:nvPicPr>
+          <p:cNvPr id="1030" name="Picture 6">
+            <a:extLst>
+              <a:ext uri="{FF2B5EF4-FFF2-40B4-BE49-F238E27FC236}">
+                <a16:creationId xmlns:a16="http://schemas.microsoft.com/office/drawing/2014/main" id="{7FF59B1E-7B70-7B33-6B96-07DC9F1BFC99}"/>
+              </a:ext>
+            </a:extLst>
+          </p:cNvPr>
+          <p:cNvPicPr>
+            <a:picLocks noChangeAspect="1" noChangeArrowheads="1"/>
+          </p:cNvPicPr>
+          <p:nvPr/>
+        </p:nvPicPr>
+        <p:blipFill rotWithShape="1">
+          <a:blip r:embed="rId3">
+            <a:extLst>
+              <a:ext uri="{28A0092B-C50C-407E-A947-70E740481C1C}">
+                <a14:useLocalDpi xmlns:a14="http://schemas.microsoft.com/office/drawing/2010/main" val="0"/>
+              </a:ext>
+            </a:extLst>
+          </a:blip>
+          <a:srcRect l="6397" r="6395"/>
+          <a:stretch/>
+        </p:blipFill>
+        <p:spPr bwMode="auto">
+          <a:xfrm>
+            <a:off x="130329" y="2628646"/>
+            <a:ext cx="1973694" cy="1846007"/>
+          </a:xfrm>
+          <a:prstGeom prst="rect">
+            <a:avLst/>
+          </a:prstGeom>
+          <a:noFill/>
+          <a:extLst>
+            <a:ext uri="{909E8E84-426E-40DD-AFC4-6F175D3DCCD1}">
+              <a14:hiddenFill xmlns:a14="http://schemas.microsoft.com/office/drawing/2010/main">
+                <a:solidFill>
+                  <a:srgbClr val="FFFFFF"/>
+                </a:solidFill>
+              </a14:hiddenFill>
+            </a:ext>
+          </a:extLst>
+        </p:spPr>
+      </p:pic>
+      <p:pic>
+        <p:nvPicPr>
+          <p:cNvPr id="1032" name="Picture 8">
+            <a:extLst>
+              <a:ext uri="{FF2B5EF4-FFF2-40B4-BE49-F238E27FC236}">
+                <a16:creationId xmlns:a16="http://schemas.microsoft.com/office/drawing/2014/main" id="{36F8C8C3-3849-1E40-865F-EF29BFCA9355}"/>
+              </a:ext>
+            </a:extLst>
+          </p:cNvPr>
+          <p:cNvPicPr>
+            <a:picLocks noChangeAspect="1" noChangeArrowheads="1"/>
+          </p:cNvPicPr>
+          <p:nvPr/>
+        </p:nvPicPr>
+        <p:blipFill rotWithShape="1">
+          <a:blip r:embed="rId4">
+            <a:extLst>
+              <a:ext uri="{28A0092B-C50C-407E-A947-70E740481C1C}">
+                <a14:useLocalDpi xmlns:a14="http://schemas.microsoft.com/office/drawing/2010/main" val="0"/>
+              </a:ext>
+            </a:extLst>
+          </a:blip>
+          <a:srcRect l="6265" r="6527"/>
+          <a:stretch/>
+        </p:blipFill>
+        <p:spPr bwMode="auto">
+          <a:xfrm>
+            <a:off x="2104023" y="2621280"/>
+            <a:ext cx="1973694" cy="1846007"/>
+          </a:xfrm>
+          <a:prstGeom prst="rect">
+            <a:avLst/>
+          </a:prstGeom>
+          <a:noFill/>
+          <a:extLst>
+            <a:ext uri="{909E8E84-426E-40DD-AFC4-6F175D3DCCD1}">
+              <a14:hiddenFill xmlns:a14="http://schemas.microsoft.com/office/drawing/2010/main">
+                <a:solidFill>
+                  <a:srgbClr val="FFFFFF"/>
+                </a:solidFill>
+              </a14:hiddenFill>
+            </a:ext>
+          </a:extLst>
+        </p:spPr>
+      </p:pic>
+      <p:pic>
+        <p:nvPicPr>
+          <p:cNvPr id="1034" name="Picture 10">
+            <a:extLst>
+              <a:ext uri="{FF2B5EF4-FFF2-40B4-BE49-F238E27FC236}">
+                <a16:creationId xmlns:a16="http://schemas.microsoft.com/office/drawing/2014/main" id="{5DA61A26-545F-7C18-03C8-F41F8655E212}"/>
+              </a:ext>
+            </a:extLst>
+          </p:cNvPr>
+          <p:cNvPicPr>
+            <a:picLocks noGrp="1" noChangeAspect="1" noChangeArrowheads="1"/>
           </p:cNvPicPr>
           <p:nvPr>
             <p:ph idx="1"/>
           </p:nvPr>
         </p:nvPicPr>
-        <p:blipFill>
-          <a:blip r:embed="rId2">
+        <p:blipFill rotWithShape="1">
+          <a:blip r:embed="rId5">
             <a:extLst>
               <a:ext uri="{28A0092B-C50C-407E-A947-70E740481C1C}">
                 <a14:useLocalDpi xmlns:a14="http://schemas.microsoft.com/office/drawing/2010/main" val="0"/>
               </a:ext>
-              <a:ext uri="{96DAC541-7B7A-43D3-8B79-37D633B846F1}">
-                <asvg:svgBlip xmlns:asvg="http://schemas.microsoft.com/office/drawing/2016/SVG/main" r:embed="rId3"/>
-              </a:ext>
             </a:extLst>
           </a:blip>
-          <a:stretch>
-            <a:fillRect/>
-          </a:stretch>
+          <a:srcRect l="6554" r="6238"/>
+          <a:stretch/>
         </p:blipFill>
-        <p:spPr>
-          <a:xfrm>
-            <a:off x="882932" y="2926"/>
-            <a:ext cx="10426136" cy="6855074"/>
-          </a:xfrm>
+        <p:spPr bwMode="auto">
+          <a:xfrm>
+            <a:off x="4077717" y="2633244"/>
+            <a:ext cx="1973694" cy="1863153"/>
+          </a:xfrm>
+          <a:prstGeom prst="rect">
+            <a:avLst/>
+          </a:prstGeom>
+          <a:noFill/>
+          <a:extLst>
+            <a:ext uri="{909E8E84-426E-40DD-AFC4-6F175D3DCCD1}">
+              <a14:hiddenFill xmlns:a14="http://schemas.microsoft.com/office/drawing/2010/main">
+                <a:solidFill>
+                  <a:srgbClr val="FFFFFF"/>
+                </a:solidFill>
+              </a14:hiddenFill>
+            </a:ext>
+          </a:extLst>
+        </p:spPr>
+      </p:pic>
+      <p:pic>
+        <p:nvPicPr>
+          <p:cNvPr id="1038" name="Picture 14">
+            <a:extLst>
+              <a:ext uri="{FF2B5EF4-FFF2-40B4-BE49-F238E27FC236}">
+                <a16:creationId xmlns:a16="http://schemas.microsoft.com/office/drawing/2014/main" id="{21A34608-D69A-6AE7-DE8F-E3E2D412889E}"/>
+              </a:ext>
+            </a:extLst>
+          </p:cNvPr>
+          <p:cNvPicPr>
+            <a:picLocks noChangeAspect="1" noChangeArrowheads="1"/>
+          </p:cNvPicPr>
+          <p:nvPr/>
+        </p:nvPicPr>
+        <p:blipFill rotWithShape="1">
+          <a:blip r:embed="rId6">
+            <a:extLst>
+              <a:ext uri="{28A0092B-C50C-407E-A947-70E740481C1C}">
+                <a14:useLocalDpi xmlns:a14="http://schemas.microsoft.com/office/drawing/2010/main" val="0"/>
+              </a:ext>
+            </a:extLst>
+          </a:blip>
+          <a:srcRect l="6915" r="5877"/>
+          <a:stretch/>
+        </p:blipFill>
+        <p:spPr bwMode="auto">
+          <a:xfrm>
+            <a:off x="6051411" y="2633243"/>
+            <a:ext cx="1973694" cy="1863153"/>
+          </a:xfrm>
+          <a:prstGeom prst="rect">
+            <a:avLst/>
+          </a:prstGeom>
+          <a:noFill/>
+          <a:extLst>
+            <a:ext uri="{909E8E84-426E-40DD-AFC4-6F175D3DCCD1}">
+              <a14:hiddenFill xmlns:a14="http://schemas.microsoft.com/office/drawing/2010/main">
+                <a:solidFill>
+                  <a:srgbClr val="FFFFFF"/>
+                </a:solidFill>
+              </a14:hiddenFill>
+            </a:ext>
+          </a:extLst>
+        </p:spPr>
+      </p:pic>
+      <p:pic>
+        <p:nvPicPr>
+          <p:cNvPr id="1040" name="Picture 16">
+            <a:extLst>
+              <a:ext uri="{FF2B5EF4-FFF2-40B4-BE49-F238E27FC236}">
+                <a16:creationId xmlns:a16="http://schemas.microsoft.com/office/drawing/2014/main" id="{ED3346EE-4F42-7A17-B01C-91AEC66B73E1}"/>
+              </a:ext>
+            </a:extLst>
+          </p:cNvPr>
+          <p:cNvPicPr>
+            <a:picLocks noChangeAspect="1" noChangeArrowheads="1"/>
+          </p:cNvPicPr>
+          <p:nvPr/>
+        </p:nvPicPr>
+        <p:blipFill rotWithShape="1">
+          <a:blip r:embed="rId7">
+            <a:extLst>
+              <a:ext uri="{28A0092B-C50C-407E-A947-70E740481C1C}">
+                <a14:useLocalDpi xmlns:a14="http://schemas.microsoft.com/office/drawing/2010/main" val="0"/>
+              </a:ext>
+            </a:extLst>
+          </a:blip>
+          <a:srcRect l="6589" t="4625" r="6203" b="5070"/>
+          <a:stretch/>
+        </p:blipFill>
+        <p:spPr bwMode="auto">
+          <a:xfrm>
+            <a:off x="8025105" y="2628647"/>
+            <a:ext cx="1973695" cy="1863154"/>
+          </a:xfrm>
+          <a:prstGeom prst="rect">
+            <a:avLst/>
+          </a:prstGeom>
+          <a:noFill/>
+          <a:extLst>
+            <a:ext uri="{909E8E84-426E-40DD-AFC4-6F175D3DCCD1}">
+              <a14:hiddenFill xmlns:a14="http://schemas.microsoft.com/office/drawing/2010/main">
+                <a:solidFill>
+                  <a:srgbClr val="FFFFFF"/>
+                </a:solidFill>
+              </a14:hiddenFill>
+            </a:ext>
+          </a:extLst>
+        </p:spPr>
+      </p:pic>
+      <p:pic>
+        <p:nvPicPr>
+          <p:cNvPr id="1046" name="Picture 22">
+            <a:extLst>
+              <a:ext uri="{FF2B5EF4-FFF2-40B4-BE49-F238E27FC236}">
+                <a16:creationId xmlns:a16="http://schemas.microsoft.com/office/drawing/2014/main" id="{872A92D5-0FA3-3ABC-BD57-BB375B55ADC4}"/>
+              </a:ext>
+            </a:extLst>
+          </p:cNvPr>
+          <p:cNvPicPr>
+            <a:picLocks noChangeAspect="1" noChangeArrowheads="1"/>
+          </p:cNvPicPr>
+          <p:nvPr/>
+        </p:nvPicPr>
+        <p:blipFill rotWithShape="1">
+          <a:blip r:embed="rId8">
+            <a:extLst>
+              <a:ext uri="{28A0092B-C50C-407E-A947-70E740481C1C}">
+                <a14:useLocalDpi xmlns:a14="http://schemas.microsoft.com/office/drawing/2010/main" val="0"/>
+              </a:ext>
+            </a:extLst>
+          </a:blip>
+          <a:srcRect l="6616" r="6178"/>
+          <a:stretch/>
+        </p:blipFill>
+        <p:spPr bwMode="auto">
+          <a:xfrm>
+            <a:off x="9998798" y="2633241"/>
+            <a:ext cx="1973695" cy="1863153"/>
+          </a:xfrm>
+          <a:prstGeom prst="rect">
+            <a:avLst/>
+          </a:prstGeom>
+          <a:noFill/>
+          <a:extLst>
+            <a:ext uri="{909E8E84-426E-40DD-AFC4-6F175D3DCCD1}">
+              <a14:hiddenFill xmlns:a14="http://schemas.microsoft.com/office/drawing/2010/main">
+                <a:solidFill>
+                  <a:srgbClr val="FFFFFF"/>
+                </a:solidFill>
+              </a14:hiddenFill>
+            </a:ext>
+          </a:extLst>
+        </p:spPr>
+      </p:pic>
+      <p:sp>
+        <p:nvSpPr>
+          <p:cNvPr id="7" name="Geschweifte Klammer links 6">
+            <a:extLst>
+              <a:ext uri="{FF2B5EF4-FFF2-40B4-BE49-F238E27FC236}">
+                <a16:creationId xmlns:a16="http://schemas.microsoft.com/office/drawing/2014/main" id="{AD5A8A8A-10D9-B1FF-4313-AFECD6E9A891}"/>
+              </a:ext>
+            </a:extLst>
+          </p:cNvPr>
+          <p:cNvSpPr/>
+          <p:nvPr/>
+        </p:nvSpPr>
+        <p:spPr>
+          <a:xfrm rot="5400000">
+            <a:off x="6796993" y="1972052"/>
+            <a:ext cx="533400" cy="5870211"/>
+          </a:xfrm>
+          <a:prstGeom prst="leftBrace">
+            <a:avLst>
+              <a:gd name="adj1" fmla="val 65476"/>
+              <a:gd name="adj2" fmla="val 51258"/>
+            </a:avLst>
+          </a:prstGeom>
+          <a:ln w="38100">
+            <a:solidFill>
+              <a:schemeClr val="tx1"/>
+            </a:solidFill>
+          </a:ln>
+        </p:spPr>
+        <p:style>
+          <a:lnRef idx="1">
+            <a:schemeClr val="accent1"/>
+          </a:lnRef>
+          <a:fillRef idx="0">
+            <a:schemeClr val="accent1"/>
+          </a:fillRef>
+          <a:effectRef idx="0">
+            <a:schemeClr val="accent1"/>
+          </a:effectRef>
+          <a:fontRef idx="minor">
+            <a:schemeClr val="tx1"/>
+          </a:fontRef>
+        </p:style>
+        <p:txBody>
+          <a:bodyPr rtlCol="0" anchor="ctr"/>
+          <a:lstStyle/>
+          <a:p>
+            <a:pPr algn="ctr"/>
+            <a:endParaRPr lang="de-DE" dirty="0"/>
+          </a:p>
+        </p:txBody>
+      </p:sp>
+      <p:sp>
+        <p:nvSpPr>
+          <p:cNvPr id="10" name="Textfeld 9">
+            <a:extLst>
+              <a:ext uri="{FF2B5EF4-FFF2-40B4-BE49-F238E27FC236}">
+                <a16:creationId xmlns:a16="http://schemas.microsoft.com/office/drawing/2014/main" id="{5364515C-73A5-1A7F-1555-2B46FF0E1159}"/>
+              </a:ext>
+            </a:extLst>
+          </p:cNvPr>
+          <p:cNvSpPr txBox="1"/>
+          <p:nvPr/>
+        </p:nvSpPr>
+        <p:spPr>
+          <a:xfrm>
+            <a:off x="6668605" y="4311731"/>
+            <a:ext cx="739305" cy="369332"/>
+          </a:xfrm>
+          <a:prstGeom prst="rect">
+            <a:avLst/>
+          </a:prstGeom>
+          <a:noFill/>
+        </p:spPr>
+        <p:txBody>
+          <a:bodyPr wrap="none" rtlCol="0">
+            <a:spAutoFit/>
+          </a:bodyPr>
+          <a:lstStyle/>
+          <a:p>
+            <a:pPr algn="ctr"/>
+            <a:r>
+              <a:rPr lang="de-DE" dirty="0" err="1"/>
+              <a:t>inside</a:t>
+            </a:r>
+            <a:endParaRPr lang="de-DE" dirty="0"/>
+          </a:p>
+        </p:txBody>
+      </p:sp>
+      <p:pic>
+        <p:nvPicPr>
+          <p:cNvPr id="1048" name="Picture 24">
+            <a:extLst>
+              <a:ext uri="{FF2B5EF4-FFF2-40B4-BE49-F238E27FC236}">
+                <a16:creationId xmlns:a16="http://schemas.microsoft.com/office/drawing/2014/main" id="{FF77E0ED-2980-8C4F-6061-FD51724BEEDD}"/>
+              </a:ext>
+            </a:extLst>
+          </p:cNvPr>
+          <p:cNvPicPr>
+            <a:picLocks noChangeAspect="1" noChangeArrowheads="1"/>
+          </p:cNvPicPr>
+          <p:nvPr/>
+        </p:nvPicPr>
+        <p:blipFill rotWithShape="1">
+          <a:blip r:embed="rId9">
+            <a:extLst>
+              <a:ext uri="{28A0092B-C50C-407E-A947-70E740481C1C}">
+                <a14:useLocalDpi xmlns:a14="http://schemas.microsoft.com/office/drawing/2010/main" val="0"/>
+              </a:ext>
+            </a:extLst>
+          </a:blip>
+          <a:srcRect l="6397" t="6338" r="6395" b="10089"/>
+          <a:stretch/>
+        </p:blipFill>
+        <p:spPr bwMode="auto">
+          <a:xfrm>
+            <a:off x="4128587" y="5208575"/>
+            <a:ext cx="1973694" cy="1557142"/>
+          </a:xfrm>
+          <a:prstGeom prst="rect">
+            <a:avLst/>
+          </a:prstGeom>
+          <a:noFill/>
+          <a:extLst>
+            <a:ext uri="{909E8E84-426E-40DD-AFC4-6F175D3DCCD1}">
+              <a14:hiddenFill xmlns:a14="http://schemas.microsoft.com/office/drawing/2010/main">
+                <a:solidFill>
+                  <a:srgbClr val="FFFFFF"/>
+                </a:solidFill>
+              </a14:hiddenFill>
+            </a:ext>
+          </a:extLst>
+        </p:spPr>
+      </p:pic>
+      <p:pic>
+        <p:nvPicPr>
+          <p:cNvPr id="1050" name="Picture 26">
+            <a:extLst>
+              <a:ext uri="{FF2B5EF4-FFF2-40B4-BE49-F238E27FC236}">
+                <a16:creationId xmlns:a16="http://schemas.microsoft.com/office/drawing/2014/main" id="{B943346A-AB24-880C-C80D-9B530A612567}"/>
+              </a:ext>
+            </a:extLst>
+          </p:cNvPr>
+          <p:cNvPicPr>
+            <a:picLocks noChangeAspect="1" noChangeArrowheads="1"/>
+          </p:cNvPicPr>
+          <p:nvPr/>
+        </p:nvPicPr>
+        <p:blipFill rotWithShape="1">
+          <a:blip r:embed="rId10">
+            <a:extLst>
+              <a:ext uri="{28A0092B-C50C-407E-A947-70E740481C1C}">
+                <a14:useLocalDpi xmlns:a14="http://schemas.microsoft.com/office/drawing/2010/main" val="0"/>
+              </a:ext>
+            </a:extLst>
+          </a:blip>
+          <a:srcRect l="6600" t="5633" r="6193" b="9379"/>
+          <a:stretch/>
+        </p:blipFill>
+        <p:spPr bwMode="auto">
+          <a:xfrm>
+            <a:off x="6051410" y="5012267"/>
+            <a:ext cx="1973694" cy="1753450"/>
+          </a:xfrm>
+          <a:prstGeom prst="rect">
+            <a:avLst/>
+          </a:prstGeom>
+          <a:noFill/>
+          <a:extLst>
+            <a:ext uri="{909E8E84-426E-40DD-AFC4-6F175D3DCCD1}">
+              <a14:hiddenFill xmlns:a14="http://schemas.microsoft.com/office/drawing/2010/main">
+                <a:solidFill>
+                  <a:srgbClr val="FFFFFF"/>
+                </a:solidFill>
+              </a14:hiddenFill>
+            </a:ext>
+          </a:extLst>
+        </p:spPr>
+      </p:pic>
+      <p:pic>
+        <p:nvPicPr>
+          <p:cNvPr id="1052" name="Picture 28">
+            <a:extLst>
+              <a:ext uri="{FF2B5EF4-FFF2-40B4-BE49-F238E27FC236}">
+                <a16:creationId xmlns:a16="http://schemas.microsoft.com/office/drawing/2014/main" id="{65D8F021-FDA9-24B0-625A-AE97EA838A5D}"/>
+              </a:ext>
+            </a:extLst>
+          </p:cNvPr>
+          <p:cNvPicPr>
+            <a:picLocks noChangeAspect="1" noChangeArrowheads="1"/>
+          </p:cNvPicPr>
+          <p:nvPr/>
+        </p:nvPicPr>
+        <p:blipFill rotWithShape="1">
+          <a:blip r:embed="rId11">
+            <a:extLst>
+              <a:ext uri="{28A0092B-C50C-407E-A947-70E740481C1C}">
+                <a14:useLocalDpi xmlns:a14="http://schemas.microsoft.com/office/drawing/2010/main" val="0"/>
+              </a:ext>
+            </a:extLst>
+          </a:blip>
+          <a:srcRect l="6580" t="7946" r="6212" b="9983"/>
+          <a:stretch/>
+        </p:blipFill>
+        <p:spPr bwMode="auto">
+          <a:xfrm>
+            <a:off x="8025105" y="5222606"/>
+            <a:ext cx="1973694" cy="1529080"/>
+          </a:xfrm>
+          <a:prstGeom prst="rect">
+            <a:avLst/>
+          </a:prstGeom>
+          <a:noFill/>
+          <a:extLst>
+            <a:ext uri="{909E8E84-426E-40DD-AFC4-6F175D3DCCD1}">
+              <a14:hiddenFill xmlns:a14="http://schemas.microsoft.com/office/drawing/2010/main">
+                <a:solidFill>
+                  <a:srgbClr val="FFFFFF"/>
+                </a:solidFill>
+              </a14:hiddenFill>
+            </a:ext>
+          </a:extLst>
         </p:spPr>
       </p:pic>
     </p:spTree>
     <p:extLst>
       <p:ext uri="{BB962C8B-B14F-4D97-AF65-F5344CB8AC3E}">
-        <p14:creationId xmlns:p14="http://schemas.microsoft.com/office/powerpoint/2010/main" val="8731106"/>
+        <p14:creationId xmlns:p14="http://schemas.microsoft.com/office/powerpoint/2010/main" val="3001393537"/>
       </p:ext>
     </p:extLst>
   </p:cSld>

--- a/Präsentation/Pyduino_Präsentation.pptx
+++ b/Präsentation/Pyduino_Präsentation.pptx
@@ -3329,6 +3329,14 @@
 <file path=ppt/slides/slide1.xml><?xml version="1.0" encoding="utf-8"?>
 <p:sld xmlns:a="http://schemas.openxmlformats.org/drawingml/2006/main" xmlns:r="http://schemas.openxmlformats.org/officeDocument/2006/relationships" xmlns:p="http://schemas.openxmlformats.org/presentationml/2006/main">
   <p:cSld>
+    <p:bg>
+      <p:bgPr>
+        <a:solidFill>
+          <a:srgbClr val="2B2B2B"/>
+        </a:solidFill>
+        <a:effectLst/>
+      </p:bgPr>
+    </p:bg>
     <p:spTree>
       <p:nvGrpSpPr>
         <p:cNvPr id="1" name=""/>
@@ -3361,11 +3369,17 @@
         </p:nvSpPr>
         <p:spPr/>
         <p:txBody>
-          <a:bodyPr/>
-          <a:lstStyle/>
-          <a:p>
-            <a:r>
-              <a:rPr lang="de-DE" dirty="0"/>
+          <a:bodyPr>
+            <a:normAutofit/>
+          </a:bodyPr>
+          <a:lstStyle/>
+          <a:p>
+            <a:r>
+              <a:rPr lang="de-DE" sz="10000" b="1" dirty="0">
+                <a:solidFill>
+                  <a:srgbClr val="C6C6C6"/>
+                </a:solidFill>
+              </a:rPr>
               <a:t>Pyduino</a:t>
             </a:r>
           </a:p>
@@ -8041,10 +8055,10 @@
       </p:grpSpPr>
       <p:pic>
         <p:nvPicPr>
-          <p:cNvPr id="6" name="Grafik 5">
-            <a:extLst>
-              <a:ext uri="{FF2B5EF4-FFF2-40B4-BE49-F238E27FC236}">
-                <a16:creationId xmlns:a16="http://schemas.microsoft.com/office/drawing/2014/main" id="{A6E18D25-EF4F-8D52-8AC5-4FBE30075C9B}"/>
+          <p:cNvPr id="3" name="Grafik 2">
+            <a:extLst>
+              <a:ext uri="{FF2B5EF4-FFF2-40B4-BE49-F238E27FC236}">
+                <a16:creationId xmlns:a16="http://schemas.microsoft.com/office/drawing/2014/main" id="{B20E3907-4053-C79A-CD9C-1D3A5FAB6845}"/>
               </a:ext>
             </a:extLst>
           </p:cNvPr>
@@ -8055,13 +8069,13 @@
         </p:nvPicPr>
         <p:blipFill rotWithShape="1">
           <a:blip r:embed="rId2"/>
-          <a:srcRect l="796" t="2629" r="1"/>
+          <a:srcRect l="886" t="2798"/>
           <a:stretch/>
         </p:blipFill>
         <p:spPr>
           <a:xfrm>
-            <a:off x="3253740" y="2122170"/>
-            <a:ext cx="5730490" cy="2686169"/>
+            <a:off x="2432736" y="1551221"/>
+            <a:ext cx="7326527" cy="3755557"/>
           </a:xfrm>
           <a:prstGeom prst="rect">
             <a:avLst/>

--- a/Präsentation/Pyduino_Präsentation.pptx
+++ b/Präsentation/Pyduino_Präsentation.pptx
@@ -10,19 +10,18 @@
     <p:sldId id="271" r:id="rId4"/>
     <p:sldId id="272" r:id="rId5"/>
     <p:sldId id="257" r:id="rId6"/>
-    <p:sldId id="259" r:id="rId7"/>
-    <p:sldId id="258" r:id="rId8"/>
-    <p:sldId id="264" r:id="rId9"/>
-    <p:sldId id="260" r:id="rId10"/>
-    <p:sldId id="263" r:id="rId11"/>
-    <p:sldId id="261" r:id="rId12"/>
-    <p:sldId id="262" r:id="rId13"/>
-    <p:sldId id="265" r:id="rId14"/>
-    <p:sldId id="266" r:id="rId15"/>
-    <p:sldId id="267" r:id="rId16"/>
-    <p:sldId id="268" r:id="rId17"/>
-    <p:sldId id="269" r:id="rId18"/>
-    <p:sldId id="273" r:id="rId19"/>
+    <p:sldId id="274" r:id="rId7"/>
+    <p:sldId id="264" r:id="rId8"/>
+    <p:sldId id="260" r:id="rId9"/>
+    <p:sldId id="263" r:id="rId10"/>
+    <p:sldId id="261" r:id="rId11"/>
+    <p:sldId id="262" r:id="rId12"/>
+    <p:sldId id="265" r:id="rId13"/>
+    <p:sldId id="266" r:id="rId14"/>
+    <p:sldId id="267" r:id="rId15"/>
+    <p:sldId id="268" r:id="rId16"/>
+    <p:sldId id="269" r:id="rId17"/>
+    <p:sldId id="273" r:id="rId18"/>
   </p:sldIdLst>
   <p:sldSz cx="12192000" cy="6858000"/>
   <p:notesSz cx="6858000" cy="9144000"/>
@@ -276,7 +275,7 @@
           <a:p>
             <a:fld id="{57C2ADC8-E08E-42BC-8B3F-BEE8B0D2554E}" type="datetimeFigureOut">
               <a:rPr lang="de-DE" smtClean="0"/>
-              <a:t>27.02.2023</a:t>
+              <a:t>28.02.2023</a:t>
             </a:fld>
             <a:endParaRPr lang="de-DE"/>
           </a:p>
@@ -474,7 +473,7 @@
           <a:p>
             <a:fld id="{57C2ADC8-E08E-42BC-8B3F-BEE8B0D2554E}" type="datetimeFigureOut">
               <a:rPr lang="de-DE" smtClean="0"/>
-              <a:t>27.02.2023</a:t>
+              <a:t>28.02.2023</a:t>
             </a:fld>
             <a:endParaRPr lang="de-DE"/>
           </a:p>
@@ -682,7 +681,7 @@
           <a:p>
             <a:fld id="{57C2ADC8-E08E-42BC-8B3F-BEE8B0D2554E}" type="datetimeFigureOut">
               <a:rPr lang="de-DE" smtClean="0"/>
-              <a:t>27.02.2023</a:t>
+              <a:t>28.02.2023</a:t>
             </a:fld>
             <a:endParaRPr lang="de-DE"/>
           </a:p>
@@ -880,7 +879,7 @@
           <a:p>
             <a:fld id="{57C2ADC8-E08E-42BC-8B3F-BEE8B0D2554E}" type="datetimeFigureOut">
               <a:rPr lang="de-DE" smtClean="0"/>
-              <a:t>27.02.2023</a:t>
+              <a:t>28.02.2023</a:t>
             </a:fld>
             <a:endParaRPr lang="de-DE"/>
           </a:p>
@@ -1155,7 +1154,7 @@
           <a:p>
             <a:fld id="{57C2ADC8-E08E-42BC-8B3F-BEE8B0D2554E}" type="datetimeFigureOut">
               <a:rPr lang="de-DE" smtClean="0"/>
-              <a:t>27.02.2023</a:t>
+              <a:t>28.02.2023</a:t>
             </a:fld>
             <a:endParaRPr lang="de-DE"/>
           </a:p>
@@ -1420,7 +1419,7 @@
           <a:p>
             <a:fld id="{57C2ADC8-E08E-42BC-8B3F-BEE8B0D2554E}" type="datetimeFigureOut">
               <a:rPr lang="de-DE" smtClean="0"/>
-              <a:t>27.02.2023</a:t>
+              <a:t>28.02.2023</a:t>
             </a:fld>
             <a:endParaRPr lang="de-DE"/>
           </a:p>
@@ -1832,7 +1831,7 @@
           <a:p>
             <a:fld id="{57C2ADC8-E08E-42BC-8B3F-BEE8B0D2554E}" type="datetimeFigureOut">
               <a:rPr lang="de-DE" smtClean="0"/>
-              <a:t>27.02.2023</a:t>
+              <a:t>28.02.2023</a:t>
             </a:fld>
             <a:endParaRPr lang="de-DE"/>
           </a:p>
@@ -1973,7 +1972,7 @@
           <a:p>
             <a:fld id="{57C2ADC8-E08E-42BC-8B3F-BEE8B0D2554E}" type="datetimeFigureOut">
               <a:rPr lang="de-DE" smtClean="0"/>
-              <a:t>27.02.2023</a:t>
+              <a:t>28.02.2023</a:t>
             </a:fld>
             <a:endParaRPr lang="de-DE"/>
           </a:p>
@@ -2086,7 +2085,7 @@
           <a:p>
             <a:fld id="{57C2ADC8-E08E-42BC-8B3F-BEE8B0D2554E}" type="datetimeFigureOut">
               <a:rPr lang="de-DE" smtClean="0"/>
-              <a:t>27.02.2023</a:t>
+              <a:t>28.02.2023</a:t>
             </a:fld>
             <a:endParaRPr lang="de-DE"/>
           </a:p>
@@ -2397,7 +2396,7 @@
           <a:p>
             <a:fld id="{57C2ADC8-E08E-42BC-8B3F-BEE8B0D2554E}" type="datetimeFigureOut">
               <a:rPr lang="de-DE" smtClean="0"/>
-              <a:t>27.02.2023</a:t>
+              <a:t>28.02.2023</a:t>
             </a:fld>
             <a:endParaRPr lang="de-DE"/>
           </a:p>
@@ -2685,7 +2684,7 @@
           <a:p>
             <a:fld id="{57C2ADC8-E08E-42BC-8B3F-BEE8B0D2554E}" type="datetimeFigureOut">
               <a:rPr lang="de-DE" smtClean="0"/>
-              <a:t>27.02.2023</a:t>
+              <a:t>28.02.2023</a:t>
             </a:fld>
             <a:endParaRPr lang="de-DE"/>
           </a:p>
@@ -2926,7 +2925,7 @@
           <a:p>
             <a:fld id="{57C2ADC8-E08E-42BC-8B3F-BEE8B0D2554E}" type="datetimeFigureOut">
               <a:rPr lang="de-DE" smtClean="0"/>
-              <a:t>27.02.2023</a:t>
+              <a:t>28.02.2023</a:t>
             </a:fld>
             <a:endParaRPr lang="de-DE"/>
           </a:p>
@@ -3426,6 +3425,14 @@
 <file path=ppt/slides/slide10.xml><?xml version="1.0" encoding="utf-8"?>
 <p:sld xmlns:a="http://schemas.openxmlformats.org/drawingml/2006/main" xmlns:r="http://schemas.openxmlformats.org/officeDocument/2006/relationships" xmlns:p="http://schemas.openxmlformats.org/presentationml/2006/main">
   <p:cSld>
+    <p:bg>
+      <p:bgPr>
+        <a:solidFill>
+          <a:srgbClr val="2B2B2B"/>
+        </a:solidFill>
+        <a:effectLst/>
+      </p:bgPr>
+    </p:bg>
     <p:spTree>
       <p:nvGrpSpPr>
         <p:cNvPr id="1" name=""/>
@@ -3463,7 +3470,7 @@
           <a:noFill/>
           <a:ln w="38100">
             <a:solidFill>
-              <a:schemeClr val="tx1"/>
+              <a:srgbClr val="C6C6C6"/>
             </a:solidFill>
           </a:ln>
         </p:spPr>
@@ -3491,16 +3498,16 @@
             <a:r>
               <a:rPr lang="de-DE" dirty="0" err="1">
                 <a:solidFill>
-                  <a:schemeClr val="tx1"/>
-                </a:solidFill>
-              </a:rPr>
-              <a:t>StartCharacter</a:t>
-            </a:r>
-            <a:r>
-              <a:rPr lang="de-DE" dirty="0" err="1"/>
-              <a:t>S</a:t>
-            </a:r>
-            <a:endParaRPr lang="de-DE" dirty="0"/>
+                  <a:srgbClr val="C6C6C6"/>
+                </a:solidFill>
+              </a:rPr>
+              <a:t>StartCharacterS</a:t>
+            </a:r>
+            <a:endParaRPr lang="de-DE" dirty="0">
+              <a:solidFill>
+                <a:srgbClr val="C6C6C6"/>
+              </a:solidFill>
+            </a:endParaRPr>
           </a:p>
         </p:txBody>
       </p:sp>
@@ -3527,7 +3534,7 @@
           <a:noFill/>
           <a:ln w="38100">
             <a:solidFill>
-              <a:schemeClr val="tx1"/>
+              <a:srgbClr val="C6C6C6"/>
             </a:solidFill>
           </a:ln>
         </p:spPr>
@@ -3555,7 +3562,7 @@
             <a:r>
               <a:rPr lang="de-DE" sz="3200" dirty="0">
                 <a:solidFill>
-                  <a:schemeClr val="tx1"/>
+                  <a:srgbClr val="C6C6C6"/>
                 </a:solidFill>
               </a:rPr>
               <a:t>1</a:t>
@@ -3586,7 +3593,7 @@
           <a:noFill/>
           <a:ln w="38100">
             <a:solidFill>
-              <a:schemeClr val="tx1"/>
+              <a:srgbClr val="C6C6C6"/>
             </a:solidFill>
           </a:ln>
         </p:spPr>
@@ -3614,12 +3621,11 @@
             <a:r>
               <a:rPr lang="de-DE" dirty="0">
                 <a:solidFill>
-                  <a:schemeClr val="tx1"/>
+                  <a:srgbClr val="C6C6C6"/>
                 </a:solidFill>
               </a:rPr>
               <a:t>Request ID</a:t>
             </a:r>
-            <a:endParaRPr lang="de-DE" dirty="0"/>
           </a:p>
         </p:txBody>
       </p:sp>
@@ -3646,7 +3652,7 @@
           <a:noFill/>
           <a:ln w="38100">
             <a:solidFill>
-              <a:schemeClr val="tx1"/>
+              <a:srgbClr val="C6C6C6"/>
             </a:solidFill>
           </a:ln>
         </p:spPr>
@@ -3674,7 +3680,7 @@
             <a:r>
               <a:rPr lang="de-DE" sz="3200" dirty="0">
                 <a:solidFill>
-                  <a:schemeClr val="tx1"/>
+                  <a:srgbClr val="C6C6C6"/>
                 </a:solidFill>
               </a:rPr>
               <a:t>1</a:t>
@@ -3705,7 +3711,7 @@
           <a:noFill/>
           <a:ln w="38100">
             <a:solidFill>
-              <a:schemeClr val="tx1"/>
+              <a:srgbClr val="C6C6C6"/>
             </a:solidFill>
           </a:ln>
         </p:spPr>
@@ -3733,7 +3739,7 @@
             <a:r>
               <a:rPr lang="de-DE" dirty="0">
                 <a:solidFill>
-                  <a:schemeClr val="tx1"/>
+                  <a:srgbClr val="C6C6C6"/>
                 </a:solidFill>
               </a:rPr>
               <a:t>Value Size (in </a:t>
@@ -3741,7 +3747,7 @@
             <a:r>
               <a:rPr lang="de-DE" dirty="0" err="1">
                 <a:solidFill>
-                  <a:schemeClr val="tx1"/>
+                  <a:srgbClr val="C6C6C6"/>
                 </a:solidFill>
               </a:rPr>
               <a:t>bytes</a:t>
@@ -3749,12 +3755,11 @@
             <a:r>
               <a:rPr lang="de-DE" dirty="0">
                 <a:solidFill>
-                  <a:schemeClr val="tx1"/>
+                  <a:srgbClr val="C6C6C6"/>
                 </a:solidFill>
               </a:rPr>
               <a:t>)</a:t>
             </a:r>
-            <a:endParaRPr lang="de-DE" dirty="0"/>
           </a:p>
         </p:txBody>
       </p:sp>
@@ -3781,7 +3786,7 @@
           <a:noFill/>
           <a:ln w="38100">
             <a:solidFill>
-              <a:schemeClr val="tx1"/>
+              <a:srgbClr val="C6C6C6"/>
             </a:solidFill>
           </a:ln>
         </p:spPr>
@@ -3809,7 +3814,7 @@
             <a:r>
               <a:rPr lang="de-DE" sz="3200" dirty="0">
                 <a:solidFill>
-                  <a:schemeClr val="tx1"/>
+                  <a:srgbClr val="C6C6C6"/>
                 </a:solidFill>
               </a:rPr>
               <a:t>1</a:t>
@@ -3840,7 +3845,7 @@
           <a:noFill/>
           <a:ln w="38100">
             <a:solidFill>
-              <a:schemeClr val="tx1"/>
+              <a:srgbClr val="C6C6C6"/>
             </a:solidFill>
           </a:ln>
         </p:spPr>
@@ -3868,16 +3873,16 @@
             <a:r>
               <a:rPr lang="de-DE" dirty="0" err="1">
                 <a:solidFill>
-                  <a:schemeClr val="tx1"/>
-                </a:solidFill>
-              </a:rPr>
-              <a:t>Instruction</a:t>
-            </a:r>
-            <a:r>
-              <a:rPr lang="de-DE" dirty="0" err="1"/>
-              <a:t>S</a:t>
-            </a:r>
-            <a:endParaRPr lang="de-DE" dirty="0"/>
+                  <a:srgbClr val="C6C6C6"/>
+                </a:solidFill>
+              </a:rPr>
+              <a:t>InstructionS</a:t>
+            </a:r>
+            <a:endParaRPr lang="de-DE" dirty="0">
+              <a:solidFill>
+                <a:srgbClr val="C6C6C6"/>
+              </a:solidFill>
+            </a:endParaRPr>
           </a:p>
         </p:txBody>
       </p:sp>
@@ -3904,7 +3909,7 @@
           <a:noFill/>
           <a:ln w="38100">
             <a:solidFill>
-              <a:schemeClr val="tx1"/>
+              <a:srgbClr val="C6C6C6"/>
             </a:solidFill>
           </a:ln>
         </p:spPr>
@@ -3932,7 +3937,7 @@
             <a:r>
               <a:rPr lang="de-DE" sz="3200" dirty="0">
                 <a:solidFill>
-                  <a:schemeClr val="tx1"/>
+                  <a:srgbClr val="C6C6C6"/>
                 </a:solidFill>
               </a:rPr>
               <a:t>1</a:t>
@@ -3963,7 +3968,7 @@
           <a:noFill/>
           <a:ln w="38100">
             <a:solidFill>
-              <a:schemeClr val="tx1"/>
+              <a:srgbClr val="C6C6C6"/>
             </a:solidFill>
           </a:ln>
         </p:spPr>
@@ -3991,12 +3996,11 @@
             <a:r>
               <a:rPr lang="de-DE" dirty="0">
                 <a:solidFill>
-                  <a:schemeClr val="tx1"/>
+                  <a:srgbClr val="C6C6C6"/>
                 </a:solidFill>
               </a:rPr>
               <a:t>Value</a:t>
             </a:r>
-            <a:endParaRPr lang="de-DE" dirty="0"/>
           </a:p>
         </p:txBody>
       </p:sp>
@@ -4025,7 +4029,7 @@
           <a:noFill/>
           <a:ln w="38100">
             <a:solidFill>
-              <a:schemeClr val="tx1"/>
+              <a:srgbClr val="C6C6C6"/>
             </a:solidFill>
           </a:ln>
         </p:spPr>
@@ -4053,7 +4057,7 @@
             <a:r>
               <a:rPr lang="de-DE" sz="2200" dirty="0">
                 <a:solidFill>
-                  <a:schemeClr val="tx1"/>
+                  <a:srgbClr val="C6C6C6"/>
                 </a:solidFill>
               </a:rPr>
               <a:t>Value Size</a:t>
@@ -4084,7 +4088,7 @@
           <a:noFill/>
           <a:ln w="38100">
             <a:solidFill>
-              <a:schemeClr val="tx1"/>
+              <a:srgbClr val="C6C6C6"/>
             </a:solidFill>
           </a:ln>
         </p:spPr>
@@ -4112,16 +4116,16 @@
             <a:r>
               <a:rPr lang="de-DE" dirty="0" err="1">
                 <a:solidFill>
-                  <a:schemeClr val="tx1"/>
-                </a:solidFill>
-              </a:rPr>
-              <a:t>EndCharacter</a:t>
-            </a:r>
-            <a:r>
-              <a:rPr lang="de-DE" dirty="0" err="1"/>
-              <a:t>S</a:t>
-            </a:r>
-            <a:endParaRPr lang="de-DE" dirty="0"/>
+                  <a:srgbClr val="C6C6C6"/>
+                </a:solidFill>
+              </a:rPr>
+              <a:t>EndCharacterS</a:t>
+            </a:r>
+            <a:endParaRPr lang="de-DE" dirty="0">
+              <a:solidFill>
+                <a:srgbClr val="C6C6C6"/>
+              </a:solidFill>
+            </a:endParaRPr>
           </a:p>
         </p:txBody>
       </p:sp>
@@ -4148,7 +4152,7 @@
           <a:noFill/>
           <a:ln w="38100">
             <a:solidFill>
-              <a:schemeClr val="tx1"/>
+              <a:srgbClr val="C6C6C6"/>
             </a:solidFill>
           </a:ln>
         </p:spPr>
@@ -4176,7 +4180,7 @@
             <a:r>
               <a:rPr lang="de-DE" sz="3200" dirty="0">
                 <a:solidFill>
-                  <a:schemeClr val="tx1"/>
+                  <a:srgbClr val="C6C6C6"/>
                 </a:solidFill>
               </a:rPr>
               <a:t>1</a:t>
@@ -4186,10 +4190,10 @@
       </p:sp>
       <p:sp>
         <p:nvSpPr>
-          <p:cNvPr id="16" name="Rechteck: abgerundete Ecken 15">
-            <a:extLst>
-              <a:ext uri="{FF2B5EF4-FFF2-40B4-BE49-F238E27FC236}">
-                <a16:creationId xmlns:a16="http://schemas.microsoft.com/office/drawing/2014/main" id="{623CEF63-9DFB-E4B7-7B4E-8EFE1A35BEAF}"/>
+          <p:cNvPr id="24" name="Rechteck: abgerundete Ecken 23">
+            <a:extLst>
+              <a:ext uri="{FF2B5EF4-FFF2-40B4-BE49-F238E27FC236}">
+                <a16:creationId xmlns:a16="http://schemas.microsoft.com/office/drawing/2014/main" id="{9CFA5687-7749-F3AF-6379-5992264E4DDE}"/>
               </a:ext>
             </a:extLst>
           </p:cNvPr>
@@ -4198,8 +4202,8 @@
         </p:nvSpPr>
         <p:spPr>
           <a:xfrm>
-            <a:off x="5744885" y="1801705"/>
-            <a:ext cx="1374987" cy="633113"/>
+            <a:off x="411742" y="906872"/>
+            <a:ext cx="1034364" cy="633114"/>
           </a:xfrm>
           <a:prstGeom prst="roundRect">
             <a:avLst/>
@@ -4207,7 +4211,7 @@
           <a:noFill/>
           <a:ln w="38100">
             <a:solidFill>
-              <a:schemeClr val="tx1"/>
+              <a:srgbClr val="C6C6C6"/>
             </a:solidFill>
           </a:ln>
         </p:spPr>
@@ -4233,22 +4237,22 @@
           <a:p>
             <a:pPr algn="ctr"/>
             <a:r>
-              <a:rPr lang="de-DE" sz="3200" dirty="0">
-                <a:solidFill>
-                  <a:schemeClr val="tx1"/>
-                </a:solidFill>
-              </a:rPr>
-              <a:t>&lt; (60)</a:t>
-            </a:r>
-          </a:p>
-        </p:txBody>
-      </p:sp>
-      <p:sp>
-        <p:nvSpPr>
-          <p:cNvPr id="24" name="Rechteck: abgerundete Ecken 23">
-            <a:extLst>
-              <a:ext uri="{FF2B5EF4-FFF2-40B4-BE49-F238E27FC236}">
-                <a16:creationId xmlns:a16="http://schemas.microsoft.com/office/drawing/2014/main" id="{9CFA5687-7749-F3AF-6379-5992264E4DDE}"/>
+              <a:rPr lang="de-DE" dirty="0">
+                <a:solidFill>
+                  <a:srgbClr val="C6C6C6"/>
+                </a:solidFill>
+              </a:rPr>
+              <a:t>Größe in Bytes</a:t>
+            </a:r>
+          </a:p>
+        </p:txBody>
+      </p:sp>
+      <p:sp>
+        <p:nvSpPr>
+          <p:cNvPr id="27" name="Rechteck: abgerundete Ecken 26">
+            <a:extLst>
+              <a:ext uri="{FF2B5EF4-FFF2-40B4-BE49-F238E27FC236}">
+                <a16:creationId xmlns:a16="http://schemas.microsoft.com/office/drawing/2014/main" id="{99CA01E8-7BAB-2B01-2F2D-8E641058B9C4}"/>
               </a:ext>
             </a:extLst>
           </p:cNvPr>
@@ -4257,8 +4261,8 @@
         </p:nvSpPr>
         <p:spPr>
           <a:xfrm>
-            <a:off x="411742" y="906872"/>
-            <a:ext cx="1034364" cy="633114"/>
+            <a:off x="2534042" y="906872"/>
+            <a:ext cx="1374987" cy="633114"/>
           </a:xfrm>
           <a:prstGeom prst="roundRect">
             <a:avLst/>
@@ -4266,7 +4270,7 @@
           <a:noFill/>
           <a:ln w="38100">
             <a:solidFill>
-              <a:schemeClr val="tx1"/>
+              <a:srgbClr val="C6C6C6"/>
             </a:solidFill>
           </a:ln>
         </p:spPr>
@@ -4294,21 +4298,20 @@
             <a:r>
               <a:rPr lang="de-DE" dirty="0">
                 <a:solidFill>
-                  <a:schemeClr val="tx1"/>
-                </a:solidFill>
-              </a:rPr>
-              <a:t>Größe in Bytes</a:t>
-            </a:r>
-            <a:endParaRPr lang="de-DE" dirty="0"/>
-          </a:p>
-        </p:txBody>
-      </p:sp>
-      <p:sp>
-        <p:nvSpPr>
-          <p:cNvPr id="27" name="Rechteck: abgerundete Ecken 26">
-            <a:extLst>
-              <a:ext uri="{FF2B5EF4-FFF2-40B4-BE49-F238E27FC236}">
-                <a16:creationId xmlns:a16="http://schemas.microsoft.com/office/drawing/2014/main" id="{99CA01E8-7BAB-2B01-2F2D-8E641058B9C4}"/>
+                  <a:srgbClr val="C6C6C6"/>
+                </a:solidFill>
+              </a:rPr>
+              <a:t>Anweisung</a:t>
+            </a:r>
+          </a:p>
+        </p:txBody>
+      </p:sp>
+      <p:sp>
+        <p:nvSpPr>
+          <p:cNvPr id="34" name="Rechteck: abgerundete Ecken 33">
+            <a:extLst>
+              <a:ext uri="{FF2B5EF4-FFF2-40B4-BE49-F238E27FC236}">
+                <a16:creationId xmlns:a16="http://schemas.microsoft.com/office/drawing/2014/main" id="{972F04B0-44CB-C7BC-D2EE-77B99E944CB1}"/>
               </a:ext>
             </a:extLst>
           </p:cNvPr>
@@ -4317,7 +4320,7 @@
         </p:nvSpPr>
         <p:spPr>
           <a:xfrm>
-            <a:off x="2534042" y="906872"/>
+            <a:off x="5744883" y="906872"/>
             <a:ext cx="1374987" cy="633114"/>
           </a:xfrm>
           <a:prstGeom prst="roundRect">
@@ -4326,7 +4329,7 @@
           <a:noFill/>
           <a:ln w="38100">
             <a:solidFill>
-              <a:schemeClr val="tx1"/>
+              <a:srgbClr val="C6C6C6"/>
             </a:solidFill>
           </a:ln>
         </p:spPr>
@@ -4354,21 +4357,20 @@
             <a:r>
               <a:rPr lang="de-DE" dirty="0">
                 <a:solidFill>
-                  <a:schemeClr val="tx1"/>
-                </a:solidFill>
-              </a:rPr>
-              <a:t>Anweisung</a:t>
-            </a:r>
-            <a:endParaRPr lang="de-DE" dirty="0"/>
-          </a:p>
-        </p:txBody>
-      </p:sp>
-      <p:sp>
-        <p:nvSpPr>
-          <p:cNvPr id="28" name="Rechteck: abgerundete Ecken 27">
-            <a:extLst>
-              <a:ext uri="{FF2B5EF4-FFF2-40B4-BE49-F238E27FC236}">
-                <a16:creationId xmlns:a16="http://schemas.microsoft.com/office/drawing/2014/main" id="{D6BB014E-E7C5-183B-9E46-736094659F99}"/>
+                  <a:srgbClr val="C6C6C6"/>
+                </a:solidFill>
+              </a:rPr>
+              <a:t>Funktions-aufruf</a:t>
+            </a:r>
+          </a:p>
+        </p:txBody>
+      </p:sp>
+      <p:sp>
+        <p:nvSpPr>
+          <p:cNvPr id="35" name="Rechteck: abgerundete Ecken 34">
+            <a:extLst>
+              <a:ext uri="{FF2B5EF4-FFF2-40B4-BE49-F238E27FC236}">
+                <a16:creationId xmlns:a16="http://schemas.microsoft.com/office/drawing/2014/main" id="{46B6CE22-3E02-3D72-9033-5E812CF1271B}"/>
               </a:ext>
             </a:extLst>
           </p:cNvPr>
@@ -4377,8 +4379,8 @@
         </p:nvSpPr>
         <p:spPr>
           <a:xfrm>
-            <a:off x="5744884" y="906872"/>
-            <a:ext cx="1374987" cy="633114"/>
+            <a:off x="5744884" y="1801705"/>
+            <a:ext cx="1374987" cy="633113"/>
           </a:xfrm>
           <a:prstGeom prst="roundRect">
             <a:avLst/>
@@ -4386,7 +4388,7 @@
           <a:noFill/>
           <a:ln w="38100">
             <a:solidFill>
-              <a:schemeClr val="tx1"/>
+              <a:srgbClr val="C6C6C6"/>
             </a:solidFill>
           </a:ln>
         </p:spPr>
@@ -4412,23 +4414,22 @@
           <a:p>
             <a:pPr algn="ctr"/>
             <a:r>
-              <a:rPr lang="de-DE" dirty="0">
-                <a:solidFill>
-                  <a:schemeClr val="tx1"/>
-                </a:solidFill>
-              </a:rPr>
-              <a:t>Print-Befehl</a:t>
-            </a:r>
-            <a:endParaRPr lang="de-DE" dirty="0"/>
-          </a:p>
-        </p:txBody>
-      </p:sp>
-      <p:sp>
-        <p:nvSpPr>
-          <p:cNvPr id="29" name="Rechteck: abgerundete Ecken 28">
-            <a:extLst>
-              <a:ext uri="{FF2B5EF4-FFF2-40B4-BE49-F238E27FC236}">
-                <a16:creationId xmlns:a16="http://schemas.microsoft.com/office/drawing/2014/main" id="{C6D7780E-CF5C-F779-2169-B6068696AC18}"/>
+              <a:rPr lang="de-DE" sz="3000" dirty="0">
+                <a:solidFill>
+                  <a:srgbClr val="C6C6C6"/>
+                </a:solidFill>
+              </a:rPr>
+              <a:t>&lt; (60)</a:t>
+            </a:r>
+          </a:p>
+        </p:txBody>
+      </p:sp>
+      <p:sp>
+        <p:nvSpPr>
+          <p:cNvPr id="36" name="Rechteck: abgerundete Ecken 35">
+            <a:extLst>
+              <a:ext uri="{FF2B5EF4-FFF2-40B4-BE49-F238E27FC236}">
+                <a16:creationId xmlns:a16="http://schemas.microsoft.com/office/drawing/2014/main" id="{E9DF7C98-A498-AA96-9E23-723063895460}"/>
               </a:ext>
             </a:extLst>
           </p:cNvPr>
@@ -4437,7 +4438,7 @@
         </p:nvSpPr>
         <p:spPr>
           <a:xfrm>
-            <a:off x="5744885" y="2545837"/>
+            <a:off x="5744884" y="2545837"/>
             <a:ext cx="1374987" cy="633113"/>
           </a:xfrm>
           <a:prstGeom prst="roundRect">
@@ -4446,7 +4447,7 @@
           <a:noFill/>
           <a:ln w="38100">
             <a:solidFill>
-              <a:schemeClr val="tx1"/>
+              <a:srgbClr val="C6C6C6"/>
             </a:solidFill>
           </a:ln>
         </p:spPr>
@@ -4472,9 +4473,9 @@
           <a:p>
             <a:pPr algn="ctr"/>
             <a:r>
-              <a:rPr lang="de-DE" sz="3200" dirty="0">
-                <a:solidFill>
-                  <a:schemeClr val="tx1"/>
+              <a:rPr lang="de-DE" sz="3000" dirty="0">
+                <a:solidFill>
+                  <a:srgbClr val="C6C6C6"/>
                 </a:solidFill>
               </a:rPr>
               <a:t>☺ (1)</a:t>
@@ -4484,10 +4485,10 @@
       </p:sp>
       <p:sp>
         <p:nvSpPr>
-          <p:cNvPr id="30" name="Rechteck: abgerundete Ecken 29">
-            <a:extLst>
-              <a:ext uri="{FF2B5EF4-FFF2-40B4-BE49-F238E27FC236}">
-                <a16:creationId xmlns:a16="http://schemas.microsoft.com/office/drawing/2014/main" id="{58F6890D-A508-8D09-87F3-3AB3D4C75C50}"/>
+          <p:cNvPr id="37" name="Rechteck: abgerundete Ecken 36">
+            <a:extLst>
+              <a:ext uri="{FF2B5EF4-FFF2-40B4-BE49-F238E27FC236}">
+                <a16:creationId xmlns:a16="http://schemas.microsoft.com/office/drawing/2014/main" id="{016C40B4-F327-EEE1-3145-2885F452F514}"/>
               </a:ext>
             </a:extLst>
           </p:cNvPr>
@@ -4496,7 +4497,7 @@
         </p:nvSpPr>
         <p:spPr>
           <a:xfrm>
-            <a:off x="5744884" y="3289968"/>
+            <a:off x="5744883" y="3289968"/>
             <a:ext cx="1374987" cy="633113"/>
           </a:xfrm>
           <a:prstGeom prst="roundRect">
@@ -4505,7 +4506,7 @@
           <a:noFill/>
           <a:ln w="38100">
             <a:solidFill>
-              <a:schemeClr val="tx1"/>
+              <a:srgbClr val="C6C6C6"/>
             </a:solidFill>
           </a:ln>
         </p:spPr>
@@ -4531,22 +4532,22 @@
           <a:p>
             <a:pPr algn="ctr"/>
             <a:r>
-              <a:rPr lang="de-DE" sz="3200" dirty="0">
-                <a:solidFill>
-                  <a:schemeClr val="tx1"/>
-                </a:solidFill>
-              </a:rPr>
-              <a:t> (13)</a:t>
-            </a:r>
-          </a:p>
-        </p:txBody>
-      </p:sp>
-      <p:sp>
-        <p:nvSpPr>
-          <p:cNvPr id="31" name="Rechteck: abgerundete Ecken 30">
-            <a:extLst>
-              <a:ext uri="{FF2B5EF4-FFF2-40B4-BE49-F238E27FC236}">
-                <a16:creationId xmlns:a16="http://schemas.microsoft.com/office/drawing/2014/main" id="{84D5ED8A-1840-E682-E0D0-C6A6702FA08A}"/>
+              <a:rPr lang="de-DE" sz="3000" dirty="0">
+                <a:solidFill>
+                  <a:srgbClr val="C6C6C6"/>
+                </a:solidFill>
+              </a:rPr>
+              <a:t> (9)</a:t>
+            </a:r>
+          </a:p>
+        </p:txBody>
+      </p:sp>
+      <p:sp>
+        <p:nvSpPr>
+          <p:cNvPr id="38" name="Rechteck: abgerundete Ecken 37">
+            <a:extLst>
+              <a:ext uri="{FF2B5EF4-FFF2-40B4-BE49-F238E27FC236}">
+                <a16:creationId xmlns:a16="http://schemas.microsoft.com/office/drawing/2014/main" id="{03CACE08-56A2-6E92-17FF-67D33B58433F}"/>
               </a:ext>
             </a:extLst>
           </p:cNvPr>
@@ -4555,16 +4556,18 @@
         </p:nvSpPr>
         <p:spPr>
           <a:xfrm>
-            <a:off x="5718445" y="4028451"/>
+            <a:off x="5744883" y="4028451"/>
             <a:ext cx="1374987" cy="633113"/>
           </a:xfrm>
           <a:prstGeom prst="roundRect">
-            <a:avLst/>
+            <a:avLst>
+              <a:gd name="adj" fmla="val 13457"/>
+            </a:avLst>
           </a:prstGeom>
           <a:noFill/>
           <a:ln w="38100">
             <a:solidFill>
-              <a:schemeClr val="tx1"/>
+              <a:srgbClr val="C6C6C6"/>
             </a:solidFill>
           </a:ln>
         </p:spPr>
@@ -4590,22 +4593,22 @@
           <a:p>
             <a:pPr algn="ctr"/>
             <a:r>
-              <a:rPr lang="de-DE" sz="3200" dirty="0">
-                <a:solidFill>
-                  <a:schemeClr val="tx1"/>
-                </a:solidFill>
-              </a:rPr>
-              <a:t>l (108)</a:t>
-            </a:r>
-          </a:p>
-        </p:txBody>
-      </p:sp>
-      <p:sp>
-        <p:nvSpPr>
-          <p:cNvPr id="32" name="Rechteck: abgerundete Ecken 31">
-            <a:extLst>
-              <a:ext uri="{FF2B5EF4-FFF2-40B4-BE49-F238E27FC236}">
-                <a16:creationId xmlns:a16="http://schemas.microsoft.com/office/drawing/2014/main" id="{1AA218FD-BC1B-643C-D314-80D9BC97EAF5}"/>
+              <a:rPr lang="de-DE" sz="3000" dirty="0">
+                <a:solidFill>
+                  <a:srgbClr val="C6C6C6"/>
+                </a:solidFill>
+              </a:rPr>
+              <a:t>m(109)</a:t>
+            </a:r>
+          </a:p>
+        </p:txBody>
+      </p:sp>
+      <p:sp>
+        <p:nvSpPr>
+          <p:cNvPr id="2" name="Rechteck: abgerundete Ecken 1">
+            <a:extLst>
+              <a:ext uri="{FF2B5EF4-FFF2-40B4-BE49-F238E27FC236}">
+                <a16:creationId xmlns:a16="http://schemas.microsoft.com/office/drawing/2014/main" id="{3C73CDCF-0C6B-8BBC-A0A6-9BE50E5526A4}"/>
               </a:ext>
             </a:extLst>
           </p:cNvPr>
@@ -4614,16 +4617,18 @@
         </p:nvSpPr>
         <p:spPr>
           <a:xfrm>
-            <a:off x="5718444" y="4766934"/>
-            <a:ext cx="1374987" cy="633113"/>
+            <a:off x="5744883" y="4770903"/>
+            <a:ext cx="6304877" cy="633113"/>
           </a:xfrm>
           <a:prstGeom prst="roundRect">
-            <a:avLst/>
+            <a:avLst>
+              <a:gd name="adj" fmla="val 13457"/>
+            </a:avLst>
           </a:prstGeom>
           <a:noFill/>
           <a:ln w="38100">
             <a:solidFill>
-              <a:schemeClr val="tx1"/>
+              <a:srgbClr val="C6C6C6"/>
             </a:solidFill>
           </a:ln>
         </p:spPr>
@@ -4649,22 +4654,22 @@
           <a:p>
             <a:pPr algn="ctr"/>
             <a:r>
-              <a:rPr lang="de-DE" sz="2200" dirty="0">
-                <a:solidFill>
-                  <a:schemeClr val="tx1"/>
-                </a:solidFill>
-              </a:rPr>
-              <a:t>Hello World</a:t>
-            </a:r>
-          </a:p>
-        </p:txBody>
-      </p:sp>
-      <p:sp>
-        <p:nvSpPr>
-          <p:cNvPr id="33" name="Rechteck: abgerundete Ecken 32">
-            <a:extLst>
-              <a:ext uri="{FF2B5EF4-FFF2-40B4-BE49-F238E27FC236}">
-                <a16:creationId xmlns:a16="http://schemas.microsoft.com/office/drawing/2014/main" id="{BDD620A1-D662-3158-6BF6-AD4647FA2D64}"/>
+              <a:rPr lang="de-DE" sz="3000" dirty="0">
+                <a:solidFill>
+                  <a:srgbClr val="C6C6C6"/>
+                </a:solidFill>
+              </a:rPr>
+              <a:t>(0) | (20) (174) (41) (66) | (0) (1) (0) (0)</a:t>
+            </a:r>
+          </a:p>
+        </p:txBody>
+      </p:sp>
+      <p:sp>
+        <p:nvSpPr>
+          <p:cNvPr id="3" name="Rechteck: abgerundete Ecken 2">
+            <a:extLst>
+              <a:ext uri="{FF2B5EF4-FFF2-40B4-BE49-F238E27FC236}">
+                <a16:creationId xmlns:a16="http://schemas.microsoft.com/office/drawing/2014/main" id="{4B959154-A804-1283-A863-B575C6D47F76}"/>
               </a:ext>
             </a:extLst>
           </p:cNvPr>
@@ -4673,7 +4678,7 @@
         </p:nvSpPr>
         <p:spPr>
           <a:xfrm>
-            <a:off x="5718443" y="5524158"/>
+            <a:off x="5744882" y="5518698"/>
             <a:ext cx="1374987" cy="633113"/>
           </a:xfrm>
           <a:prstGeom prst="roundRect">
@@ -4682,7 +4687,7 @@
           <a:noFill/>
           <a:ln w="38100">
             <a:solidFill>
-              <a:schemeClr val="tx1"/>
+              <a:srgbClr val="C6C6C6"/>
             </a:solidFill>
           </a:ln>
         </p:spPr>
@@ -4708,9 +4713,9 @@
           <a:p>
             <a:pPr algn="ctr"/>
             <a:r>
-              <a:rPr lang="de-DE" sz="3200" dirty="0">
-                <a:solidFill>
-                  <a:schemeClr val="tx1"/>
+              <a:rPr lang="de-DE" sz="3000" dirty="0">
+                <a:solidFill>
+                  <a:srgbClr val="C6C6C6"/>
                 </a:solidFill>
               </a:rPr>
               <a:t>&gt; (62)</a:t>
@@ -4720,10 +4725,10 @@
       </p:sp>
       <p:pic>
         <p:nvPicPr>
-          <p:cNvPr id="40" name="Grafik 39">
-            <a:extLst>
-              <a:ext uri="{FF2B5EF4-FFF2-40B4-BE49-F238E27FC236}">
-                <a16:creationId xmlns:a16="http://schemas.microsoft.com/office/drawing/2014/main" id="{8C1E098F-6522-86EA-5EBF-D4EFC2362F1C}"/>
+          <p:cNvPr id="18" name="Grafik 17">
+            <a:extLst>
+              <a:ext uri="{FF2B5EF4-FFF2-40B4-BE49-F238E27FC236}">
+                <a16:creationId xmlns:a16="http://schemas.microsoft.com/office/drawing/2014/main" id="{89508751-645B-FF46-8486-1F6C5E83FFCE}"/>
               </a:ext>
             </a:extLst>
           </p:cNvPr>
@@ -4732,16 +4737,15 @@
           </p:cNvPicPr>
           <p:nvPr/>
         </p:nvPicPr>
-        <p:blipFill>
+        <p:blipFill rotWithShape="1">
           <a:blip r:embed="rId2"/>
-          <a:stretch>
-            <a:fillRect/>
-          </a:stretch>
+          <a:srcRect r="6975"/>
+          <a:stretch/>
         </p:blipFill>
         <p:spPr>
           <a:xfrm>
-            <a:off x="7413636" y="906872"/>
-            <a:ext cx="4625741" cy="685859"/>
+            <a:off x="7451706" y="849297"/>
+            <a:ext cx="4412504" cy="3587183"/>
           </a:xfrm>
           <a:prstGeom prst="rect">
             <a:avLst/>
@@ -4751,7 +4755,7 @@
     </p:spTree>
     <p:extLst>
       <p:ext uri="{BB962C8B-B14F-4D97-AF65-F5344CB8AC3E}">
-        <p14:creationId xmlns:p14="http://schemas.microsoft.com/office/powerpoint/2010/main" val="4031229439"/>
+        <p14:creationId xmlns:p14="http://schemas.microsoft.com/office/powerpoint/2010/main" val="2339392420"/>
       </p:ext>
     </p:extLst>
   </p:cSld>
@@ -4764,6 +4768,14 @@
 <file path=ppt/slides/slide11.xml><?xml version="1.0" encoding="utf-8"?>
 <p:sld xmlns:a="http://schemas.openxmlformats.org/drawingml/2006/main" xmlns:r="http://schemas.openxmlformats.org/officeDocument/2006/relationships" xmlns:p="http://schemas.openxmlformats.org/presentationml/2006/main">
   <p:cSld>
+    <p:bg>
+      <p:bgPr>
+        <a:solidFill>
+          <a:srgbClr val="2B2B2B"/>
+        </a:solidFill>
+        <a:effectLst/>
+      </p:bgPr>
+    </p:bg>
     <p:spTree>
       <p:nvGrpSpPr>
         <p:cNvPr id="1" name=""/>
@@ -4801,7 +4813,7 @@
           <a:noFill/>
           <a:ln w="38100">
             <a:solidFill>
-              <a:schemeClr val="tx1"/>
+              <a:srgbClr val="C6C6C6"/>
             </a:solidFill>
           </a:ln>
         </p:spPr>
@@ -4829,16 +4841,16 @@
             <a:r>
               <a:rPr lang="de-DE" dirty="0" err="1">
                 <a:solidFill>
-                  <a:schemeClr val="tx1"/>
-                </a:solidFill>
-              </a:rPr>
-              <a:t>StartCharacter</a:t>
-            </a:r>
-            <a:r>
-              <a:rPr lang="de-DE" dirty="0" err="1"/>
-              <a:t>S</a:t>
-            </a:r>
-            <a:endParaRPr lang="de-DE" dirty="0"/>
+                  <a:srgbClr val="C6C6C6"/>
+                </a:solidFill>
+              </a:rPr>
+              <a:t>ResponseStartCharacterS</a:t>
+            </a:r>
+            <a:endParaRPr lang="de-DE" dirty="0">
+              <a:solidFill>
+                <a:srgbClr val="C6C6C6"/>
+              </a:solidFill>
+            </a:endParaRPr>
           </a:p>
         </p:txBody>
       </p:sp>
@@ -4865,7 +4877,7 @@
           <a:noFill/>
           <a:ln w="38100">
             <a:solidFill>
-              <a:schemeClr val="tx1"/>
+              <a:srgbClr val="C6C6C6"/>
             </a:solidFill>
           </a:ln>
         </p:spPr>
@@ -4893,7 +4905,7 @@
             <a:r>
               <a:rPr lang="de-DE" sz="3200" dirty="0">
                 <a:solidFill>
-                  <a:schemeClr val="tx1"/>
+                  <a:srgbClr val="C6C6C6"/>
                 </a:solidFill>
               </a:rPr>
               <a:t>1</a:t>
@@ -4915,7 +4927,7 @@
         </p:nvSpPr>
         <p:spPr>
           <a:xfrm>
-            <a:off x="1618827" y="2545836"/>
+            <a:off x="1618825" y="2691001"/>
             <a:ext cx="3205421" cy="633114"/>
           </a:xfrm>
           <a:prstGeom prst="roundRect">
@@ -4924,7 +4936,7 @@
           <a:noFill/>
           <a:ln w="38100">
             <a:solidFill>
-              <a:schemeClr val="tx1"/>
+              <a:srgbClr val="C6C6C6"/>
             </a:solidFill>
           </a:ln>
         </p:spPr>
@@ -4952,12 +4964,11 @@
             <a:r>
               <a:rPr lang="de-DE" dirty="0">
                 <a:solidFill>
-                  <a:schemeClr val="tx1"/>
+                  <a:srgbClr val="C6C6C6"/>
                 </a:solidFill>
               </a:rPr>
               <a:t>Request ID</a:t>
             </a:r>
-            <a:endParaRPr lang="de-DE" dirty="0"/>
           </a:p>
         </p:txBody>
       </p:sp>
@@ -4975,7 +4986,7 @@
         </p:nvSpPr>
         <p:spPr>
           <a:xfrm>
-            <a:off x="489636" y="2545837"/>
+            <a:off x="489634" y="2691002"/>
             <a:ext cx="878577" cy="633113"/>
           </a:xfrm>
           <a:prstGeom prst="roundRect">
@@ -4984,7 +4995,7 @@
           <a:noFill/>
           <a:ln w="38100">
             <a:solidFill>
-              <a:schemeClr val="tx1"/>
+              <a:srgbClr val="C6C6C6"/>
             </a:solidFill>
           </a:ln>
         </p:spPr>
@@ -5012,7 +5023,7 @@
             <a:r>
               <a:rPr lang="de-DE" sz="3200" dirty="0">
                 <a:solidFill>
-                  <a:schemeClr val="tx1"/>
+                  <a:srgbClr val="C6C6C6"/>
                 </a:solidFill>
               </a:rPr>
               <a:t>1</a:t>
@@ -5034,7 +5045,7 @@
         </p:nvSpPr>
         <p:spPr>
           <a:xfrm>
-            <a:off x="1618827" y="3289967"/>
+            <a:off x="1618825" y="3580297"/>
             <a:ext cx="3205421" cy="633114"/>
           </a:xfrm>
           <a:prstGeom prst="roundRect">
@@ -5043,7 +5054,7 @@
           <a:noFill/>
           <a:ln w="38100">
             <a:solidFill>
-              <a:schemeClr val="tx1"/>
+              <a:srgbClr val="C6C6C6"/>
             </a:solidFill>
           </a:ln>
         </p:spPr>
@@ -5071,15 +5082,15 @@
             <a:r>
               <a:rPr lang="de-DE" dirty="0">
                 <a:solidFill>
-                  <a:schemeClr val="tx1"/>
-                </a:solidFill>
-              </a:rPr>
-              <a:t>Value Size (in </a:t>
+                  <a:srgbClr val="C6C6C6"/>
+                </a:solidFill>
+              </a:rPr>
+              <a:t>Response Size (in </a:t>
             </a:r>
             <a:r>
               <a:rPr lang="de-DE" dirty="0" err="1">
                 <a:solidFill>
-                  <a:schemeClr val="tx1"/>
+                  <a:srgbClr val="C6C6C6"/>
                 </a:solidFill>
               </a:rPr>
               <a:t>bytes</a:t>
@@ -5087,12 +5098,11 @@
             <a:r>
               <a:rPr lang="de-DE" dirty="0">
                 <a:solidFill>
-                  <a:schemeClr val="tx1"/>
+                  <a:srgbClr val="C6C6C6"/>
                 </a:solidFill>
               </a:rPr>
               <a:t>)</a:t>
             </a:r>
-            <a:endParaRPr lang="de-DE" dirty="0"/>
           </a:p>
         </p:txBody>
       </p:sp>
@@ -5110,7 +5120,7 @@
         </p:nvSpPr>
         <p:spPr>
           <a:xfrm>
-            <a:off x="489636" y="3289968"/>
+            <a:off x="489634" y="3580298"/>
             <a:ext cx="878577" cy="633113"/>
           </a:xfrm>
           <a:prstGeom prst="roundRect">
@@ -5119,7 +5129,7 @@
           <a:noFill/>
           <a:ln w="38100">
             <a:solidFill>
-              <a:schemeClr val="tx1"/>
+              <a:srgbClr val="C6C6C6"/>
             </a:solidFill>
           </a:ln>
         </p:spPr>
@@ -5147,7 +5157,7 @@
             <a:r>
               <a:rPr lang="de-DE" sz="3200" dirty="0">
                 <a:solidFill>
-                  <a:schemeClr val="tx1"/>
+                  <a:srgbClr val="C6C6C6"/>
                 </a:solidFill>
               </a:rPr>
               <a:t>1</a:t>
@@ -5157,10 +5167,10 @@
       </p:sp>
       <p:sp>
         <p:nvSpPr>
-          <p:cNvPr id="10" name="Rechteck: abgerundete Ecken 9">
-            <a:extLst>
-              <a:ext uri="{FF2B5EF4-FFF2-40B4-BE49-F238E27FC236}">
-                <a16:creationId xmlns:a16="http://schemas.microsoft.com/office/drawing/2014/main" id="{DFF47EDD-8476-8D71-B47C-8CF352F692E0}"/>
+          <p:cNvPr id="12" name="Rechteck: abgerundete Ecken 11">
+            <a:extLst>
+              <a:ext uri="{FF2B5EF4-FFF2-40B4-BE49-F238E27FC236}">
+                <a16:creationId xmlns:a16="http://schemas.microsoft.com/office/drawing/2014/main" id="{E2FA0AE1-6AAE-33B8-9F96-D2C57D7FBCCE}"/>
               </a:ext>
             </a:extLst>
           </p:cNvPr>
@@ -5169,7 +5179,7 @@
         </p:nvSpPr>
         <p:spPr>
           <a:xfrm>
-            <a:off x="1618826" y="4030435"/>
+            <a:off x="1618825" y="4469593"/>
             <a:ext cx="3205421" cy="633114"/>
           </a:xfrm>
           <a:prstGeom prst="roundRect">
@@ -5178,7 +5188,7 @@
           <a:noFill/>
           <a:ln w="38100">
             <a:solidFill>
-              <a:schemeClr val="tx1"/>
+              <a:srgbClr val="C6C6C6"/>
             </a:solidFill>
           </a:ln>
         </p:spPr>
@@ -5206,25 +5216,25 @@
             <a:r>
               <a:rPr lang="de-DE" dirty="0" err="1">
                 <a:solidFill>
-                  <a:schemeClr val="tx1"/>
-                </a:solidFill>
-              </a:rPr>
-              <a:t>Instruction</a:t>
-            </a:r>
-            <a:r>
-              <a:rPr lang="de-DE" dirty="0" err="1"/>
-              <a:t>S</a:t>
-            </a:r>
-            <a:endParaRPr lang="de-DE" dirty="0"/>
-          </a:p>
-        </p:txBody>
-      </p:sp>
-      <p:sp>
-        <p:nvSpPr>
-          <p:cNvPr id="11" name="Rechteck: abgerundete Ecken 10">
-            <a:extLst>
-              <a:ext uri="{FF2B5EF4-FFF2-40B4-BE49-F238E27FC236}">
-                <a16:creationId xmlns:a16="http://schemas.microsoft.com/office/drawing/2014/main" id="{C16C6221-A5A4-9A9E-DD84-DAAB96791346}"/>
+                  <a:srgbClr val="C6C6C6"/>
+                </a:solidFill>
+              </a:rPr>
+              <a:t>Respose</a:t>
+            </a:r>
+            <a:endParaRPr lang="de-DE" dirty="0">
+              <a:solidFill>
+                <a:srgbClr val="C6C6C6"/>
+              </a:solidFill>
+            </a:endParaRPr>
+          </a:p>
+        </p:txBody>
+      </p:sp>
+      <p:sp>
+        <p:nvSpPr>
+          <p:cNvPr id="13" name="Rechteck: abgerundete Ecken 12">
+            <a:extLst>
+              <a:ext uri="{FF2B5EF4-FFF2-40B4-BE49-F238E27FC236}">
+                <a16:creationId xmlns:a16="http://schemas.microsoft.com/office/drawing/2014/main" id="{337C0DAB-D27F-F86C-2F7B-B0ABE610F25A}"/>
               </a:ext>
             </a:extLst>
           </p:cNvPr>
@@ -5233,126 +5243,7 @@
         </p:nvSpPr>
         <p:spPr>
           <a:xfrm>
-            <a:off x="489636" y="4028451"/>
-            <a:ext cx="878577" cy="633113"/>
-          </a:xfrm>
-          <a:prstGeom prst="roundRect">
-            <a:avLst/>
-          </a:prstGeom>
-          <a:noFill/>
-          <a:ln w="38100">
-            <a:solidFill>
-              <a:schemeClr val="tx1"/>
-            </a:solidFill>
-          </a:ln>
-        </p:spPr>
-        <p:style>
-          <a:lnRef idx="2">
-            <a:schemeClr val="accent1">
-              <a:shade val="50000"/>
-            </a:schemeClr>
-          </a:lnRef>
-          <a:fillRef idx="1">
-            <a:schemeClr val="accent1"/>
-          </a:fillRef>
-          <a:effectRef idx="0">
-            <a:schemeClr val="accent1"/>
-          </a:effectRef>
-          <a:fontRef idx="minor">
-            <a:schemeClr val="lt1"/>
-          </a:fontRef>
-        </p:style>
-        <p:txBody>
-          <a:bodyPr rtlCol="0" anchor="ctr"/>
-          <a:lstStyle/>
-          <a:p>
-            <a:pPr algn="ctr"/>
-            <a:r>
-              <a:rPr lang="de-DE" sz="3200" dirty="0">
-                <a:solidFill>
-                  <a:schemeClr val="tx1"/>
-                </a:solidFill>
-              </a:rPr>
-              <a:t>1</a:t>
-            </a:r>
-          </a:p>
-        </p:txBody>
-      </p:sp>
-      <p:sp>
-        <p:nvSpPr>
-          <p:cNvPr id="12" name="Rechteck: abgerundete Ecken 11">
-            <a:extLst>
-              <a:ext uri="{FF2B5EF4-FFF2-40B4-BE49-F238E27FC236}">
-                <a16:creationId xmlns:a16="http://schemas.microsoft.com/office/drawing/2014/main" id="{E2FA0AE1-6AAE-33B8-9F96-D2C57D7FBCCE}"/>
-              </a:ext>
-            </a:extLst>
-          </p:cNvPr>
-          <p:cNvSpPr/>
-          <p:nvPr/>
-        </p:nvSpPr>
-        <p:spPr>
-          <a:xfrm>
-            <a:off x="1618824" y="4770903"/>
-            <a:ext cx="3205421" cy="633114"/>
-          </a:xfrm>
-          <a:prstGeom prst="roundRect">
-            <a:avLst/>
-          </a:prstGeom>
-          <a:noFill/>
-          <a:ln w="38100">
-            <a:solidFill>
-              <a:schemeClr val="tx1"/>
-            </a:solidFill>
-          </a:ln>
-        </p:spPr>
-        <p:style>
-          <a:lnRef idx="2">
-            <a:schemeClr val="accent1">
-              <a:shade val="50000"/>
-            </a:schemeClr>
-          </a:lnRef>
-          <a:fillRef idx="1">
-            <a:schemeClr val="accent1"/>
-          </a:fillRef>
-          <a:effectRef idx="0">
-            <a:schemeClr val="accent1"/>
-          </a:effectRef>
-          <a:fontRef idx="minor">
-            <a:schemeClr val="lt1"/>
-          </a:fontRef>
-        </p:style>
-        <p:txBody>
-          <a:bodyPr rtlCol="0" anchor="ctr"/>
-          <a:lstStyle/>
-          <a:p>
-            <a:pPr algn="ctr"/>
-            <a:r>
-              <a:rPr lang="de-DE" dirty="0">
-                <a:solidFill>
-                  <a:schemeClr val="tx1"/>
-                </a:solidFill>
-              </a:rPr>
-              <a:t>Value</a:t>
-            </a:r>
-            <a:endParaRPr lang="de-DE" dirty="0"/>
-          </a:p>
-        </p:txBody>
-      </p:sp>
-      <p:sp>
-        <p:nvSpPr>
-          <p:cNvPr id="13" name="Rechteck: abgerundete Ecken 12">
-            <a:extLst>
-              <a:ext uri="{FF2B5EF4-FFF2-40B4-BE49-F238E27FC236}">
-                <a16:creationId xmlns:a16="http://schemas.microsoft.com/office/drawing/2014/main" id="{337C0DAB-D27F-F86C-2F7B-B0ABE610F25A}"/>
-              </a:ext>
-            </a:extLst>
-          </p:cNvPr>
-          <p:cNvSpPr/>
-          <p:nvPr/>
-        </p:nvSpPr>
-        <p:spPr>
-          <a:xfrm>
-            <a:off x="489635" y="4770904"/>
+            <a:off x="489636" y="4469594"/>
             <a:ext cx="878578" cy="633113"/>
           </a:xfrm>
           <a:prstGeom prst="roundRect">
@@ -5363,7 +5254,7 @@
           <a:noFill/>
           <a:ln w="38100">
             <a:solidFill>
-              <a:schemeClr val="tx1"/>
+              <a:srgbClr val="C6C6C6"/>
             </a:solidFill>
           </a:ln>
         </p:spPr>
@@ -5391,7 +5282,7 @@
             <a:r>
               <a:rPr lang="de-DE" sz="2200" dirty="0">
                 <a:solidFill>
-                  <a:schemeClr val="tx1"/>
+                  <a:srgbClr val="C6C6C6"/>
                 </a:solidFill>
               </a:rPr>
               <a:t>Value Size</a:t>
@@ -5413,7 +5304,7 @@
         </p:nvSpPr>
         <p:spPr>
           <a:xfrm>
-            <a:off x="1618823" y="5518697"/>
+            <a:off x="1618825" y="5358889"/>
             <a:ext cx="3205422" cy="633114"/>
           </a:xfrm>
           <a:prstGeom prst="roundRect">
@@ -5422,7 +5313,7 @@
           <a:noFill/>
           <a:ln w="38100">
             <a:solidFill>
-              <a:schemeClr val="tx1"/>
+              <a:srgbClr val="C6C6C6"/>
             </a:solidFill>
           </a:ln>
         </p:spPr>
@@ -5450,16 +5341,16 @@
             <a:r>
               <a:rPr lang="de-DE" dirty="0" err="1">
                 <a:solidFill>
-                  <a:schemeClr val="tx1"/>
-                </a:solidFill>
-              </a:rPr>
-              <a:t>EndCharacter</a:t>
-            </a:r>
-            <a:r>
-              <a:rPr lang="de-DE" dirty="0" err="1"/>
-              <a:t>S</a:t>
-            </a:r>
-            <a:endParaRPr lang="de-DE" dirty="0"/>
+                  <a:srgbClr val="C6C6C6"/>
+                </a:solidFill>
+              </a:rPr>
+              <a:t>ResponseEndCharacterS</a:t>
+            </a:r>
+            <a:endParaRPr lang="de-DE" dirty="0">
+              <a:solidFill>
+                <a:srgbClr val="C6C6C6"/>
+              </a:solidFill>
+            </a:endParaRPr>
           </a:p>
         </p:txBody>
       </p:sp>
@@ -5477,7 +5368,7 @@
         </p:nvSpPr>
         <p:spPr>
           <a:xfrm>
-            <a:off x="489635" y="5518698"/>
+            <a:off x="489636" y="5358889"/>
             <a:ext cx="878577" cy="633113"/>
           </a:xfrm>
           <a:prstGeom prst="roundRect">
@@ -5486,7 +5377,7 @@
           <a:noFill/>
           <a:ln w="38100">
             <a:solidFill>
-              <a:schemeClr val="tx1"/>
+              <a:srgbClr val="C6C6C6"/>
             </a:solidFill>
           </a:ln>
         </p:spPr>
@@ -5514,7 +5405,7 @@
             <a:r>
               <a:rPr lang="de-DE" sz="3200" dirty="0">
                 <a:solidFill>
-                  <a:schemeClr val="tx1"/>
+                  <a:srgbClr val="C6C6C6"/>
                 </a:solidFill>
               </a:rPr>
               <a:t>1</a:t>
@@ -5545,7 +5436,7 @@
           <a:noFill/>
           <a:ln w="38100">
             <a:solidFill>
-              <a:schemeClr val="tx1"/>
+              <a:srgbClr val="C6C6C6"/>
             </a:solidFill>
           </a:ln>
         </p:spPr>
@@ -5573,12 +5464,11 @@
             <a:r>
               <a:rPr lang="de-DE" dirty="0">
                 <a:solidFill>
-                  <a:schemeClr val="tx1"/>
+                  <a:srgbClr val="C6C6C6"/>
                 </a:solidFill>
               </a:rPr>
               <a:t>Größe in Bytes</a:t>
             </a:r>
-            <a:endParaRPr lang="de-DE" dirty="0"/>
           </a:p>
         </p:txBody>
       </p:sp>
@@ -5605,7 +5495,7 @@
           <a:noFill/>
           <a:ln w="38100">
             <a:solidFill>
-              <a:schemeClr val="tx1"/>
+              <a:srgbClr val="C6C6C6"/>
             </a:solidFill>
           </a:ln>
         </p:spPr>
@@ -5633,12 +5523,11 @@
             <a:r>
               <a:rPr lang="de-DE" dirty="0">
                 <a:solidFill>
-                  <a:schemeClr val="tx1"/>
-                </a:solidFill>
-              </a:rPr>
-              <a:t>Anweisung</a:t>
-            </a:r>
-            <a:endParaRPr lang="de-DE" dirty="0"/>
+                  <a:srgbClr val="C6C6C6"/>
+                </a:solidFill>
+              </a:rPr>
+              <a:t>Antwort</a:t>
+            </a:r>
           </a:p>
         </p:txBody>
       </p:sp>
@@ -5656,8 +5545,8 @@
         </p:nvSpPr>
         <p:spPr>
           <a:xfrm>
-            <a:off x="5744883" y="906872"/>
-            <a:ext cx="1374987" cy="633114"/>
+            <a:off x="5508432" y="906872"/>
+            <a:ext cx="1847881" cy="633114"/>
           </a:xfrm>
           <a:prstGeom prst="roundRect">
             <a:avLst/>
@@ -5665,7 +5554,7 @@
           <a:noFill/>
           <a:ln w="38100">
             <a:solidFill>
-              <a:schemeClr val="tx1"/>
+              <a:srgbClr val="C6C6C6"/>
             </a:solidFill>
           </a:ln>
         </p:spPr>
@@ -5691,14 +5580,21 @@
           <a:p>
             <a:pPr algn="ctr"/>
             <a:r>
+              <a:rPr lang="de-DE" dirty="0" err="1">
+                <a:solidFill>
+                  <a:srgbClr val="C6C6C6"/>
+                </a:solidFill>
+              </a:rPr>
+              <a:t>Anwort</a:t>
+            </a:r>
+            <a:r>
               <a:rPr lang="de-DE" dirty="0">
                 <a:solidFill>
-                  <a:schemeClr val="tx1"/>
-                </a:solidFill>
-              </a:rPr>
-              <a:t>Funktions-aufruf</a:t>
-            </a:r>
-            <a:endParaRPr lang="de-DE" dirty="0"/>
+                  <a:srgbClr val="C6C6C6"/>
+                </a:solidFill>
+              </a:rPr>
+              <a:t> auf den Funktionsaufruf</a:t>
+            </a:r>
           </a:p>
         </p:txBody>
       </p:sp>
@@ -5716,7 +5612,7 @@
         </p:nvSpPr>
         <p:spPr>
           <a:xfrm>
-            <a:off x="5744884" y="1801705"/>
+            <a:off x="5744881" y="1801705"/>
             <a:ext cx="1374987" cy="633113"/>
           </a:xfrm>
           <a:prstGeom prst="roundRect">
@@ -5725,7 +5621,7 @@
           <a:noFill/>
           <a:ln w="38100">
             <a:solidFill>
-              <a:schemeClr val="tx1"/>
+              <a:srgbClr val="C6C6C6"/>
             </a:solidFill>
           </a:ln>
         </p:spPr>
@@ -5753,10 +5649,10 @@
             <a:r>
               <a:rPr lang="de-DE" sz="3000" dirty="0">
                 <a:solidFill>
-                  <a:schemeClr val="tx1"/>
-                </a:solidFill>
-              </a:rPr>
-              <a:t>&lt; (60)</a:t>
+                  <a:srgbClr val="C6C6C6"/>
+                </a:solidFill>
+              </a:rPr>
+              <a:t>? (63)</a:t>
             </a:r>
           </a:p>
         </p:txBody>
@@ -5775,7 +5671,7 @@
         </p:nvSpPr>
         <p:spPr>
           <a:xfrm>
-            <a:off x="5744884" y="2545837"/>
+            <a:off x="5744880" y="2693174"/>
             <a:ext cx="1374987" cy="633113"/>
           </a:xfrm>
           <a:prstGeom prst="roundRect">
@@ -5784,7 +5680,7 @@
           <a:noFill/>
           <a:ln w="38100">
             <a:solidFill>
-              <a:schemeClr val="tx1"/>
+              <a:srgbClr val="C6C6C6"/>
             </a:solidFill>
           </a:ln>
         </p:spPr>
@@ -5812,7 +5708,7 @@
             <a:r>
               <a:rPr lang="de-DE" sz="3000" dirty="0">
                 <a:solidFill>
-                  <a:schemeClr val="tx1"/>
+                  <a:srgbClr val="C6C6C6"/>
                 </a:solidFill>
               </a:rPr>
               <a:t>☺ (1)</a:t>
@@ -5834,7 +5730,7 @@
         </p:nvSpPr>
         <p:spPr>
           <a:xfrm>
-            <a:off x="5744883" y="3289968"/>
+            <a:off x="5744880" y="3588006"/>
             <a:ext cx="1374987" cy="633113"/>
           </a:xfrm>
           <a:prstGeom prst="roundRect">
@@ -5843,7 +5739,7 @@
           <a:noFill/>
           <a:ln w="38100">
             <a:solidFill>
-              <a:schemeClr val="tx1"/>
+              <a:srgbClr val="C6C6C6"/>
             </a:solidFill>
           </a:ln>
         </p:spPr>
@@ -5871,20 +5767,20 @@
             <a:r>
               <a:rPr lang="de-DE" sz="3000" dirty="0">
                 <a:solidFill>
-                  <a:schemeClr val="tx1"/>
-                </a:solidFill>
-              </a:rPr>
-              <a:t> (9)</a:t>
-            </a:r>
-          </a:p>
-        </p:txBody>
-      </p:sp>
-      <p:sp>
-        <p:nvSpPr>
-          <p:cNvPr id="38" name="Rechteck: abgerundete Ecken 37">
-            <a:extLst>
-              <a:ext uri="{FF2B5EF4-FFF2-40B4-BE49-F238E27FC236}">
-                <a16:creationId xmlns:a16="http://schemas.microsoft.com/office/drawing/2014/main" id="{03CACE08-56A2-6E92-17FF-67D33B58433F}"/>
+                  <a:srgbClr val="C6C6C6"/>
+                </a:solidFill>
+              </a:rPr>
+              <a:t>♦ (4)</a:t>
+            </a:r>
+          </a:p>
+        </p:txBody>
+      </p:sp>
+      <p:sp>
+        <p:nvSpPr>
+          <p:cNvPr id="2" name="Rechteck: abgerundete Ecken 1">
+            <a:extLst>
+              <a:ext uri="{FF2B5EF4-FFF2-40B4-BE49-F238E27FC236}">
+                <a16:creationId xmlns:a16="http://schemas.microsoft.com/office/drawing/2014/main" id="{3C73CDCF-0C6B-8BBC-A0A6-9BE50E5526A4}"/>
               </a:ext>
             </a:extLst>
           </p:cNvPr>
@@ -5893,8 +5789,8 @@
         </p:nvSpPr>
         <p:spPr>
           <a:xfrm>
-            <a:off x="5744883" y="4028451"/>
-            <a:ext cx="1374987" cy="633113"/>
+            <a:off x="5733783" y="4469594"/>
+            <a:ext cx="3298458" cy="633113"/>
           </a:xfrm>
           <a:prstGeom prst="roundRect">
             <a:avLst>
@@ -5904,7 +5800,7 @@
           <a:noFill/>
           <a:ln w="38100">
             <a:solidFill>
-              <a:schemeClr val="tx1"/>
+              <a:srgbClr val="C6C6C6"/>
             </a:solidFill>
           </a:ln>
         </p:spPr>
@@ -5932,20 +5828,20 @@
             <a:r>
               <a:rPr lang="de-DE" sz="3000" dirty="0">
                 <a:solidFill>
-                  <a:schemeClr val="tx1"/>
-                </a:solidFill>
-              </a:rPr>
-              <a:t>m(109)</a:t>
-            </a:r>
-          </a:p>
-        </p:txBody>
-      </p:sp>
-      <p:sp>
-        <p:nvSpPr>
-          <p:cNvPr id="2" name="Rechteck: abgerundete Ecken 1">
-            <a:extLst>
-              <a:ext uri="{FF2B5EF4-FFF2-40B4-BE49-F238E27FC236}">
-                <a16:creationId xmlns:a16="http://schemas.microsoft.com/office/drawing/2014/main" id="{3C73CDCF-0C6B-8BBC-A0A6-9BE50E5526A4}"/>
+                  <a:srgbClr val="C6C6C6"/>
+                </a:solidFill>
+              </a:rPr>
+              <a:t>(20) (174) (41) (62)</a:t>
+            </a:r>
+          </a:p>
+        </p:txBody>
+      </p:sp>
+      <p:sp>
+        <p:nvSpPr>
+          <p:cNvPr id="3" name="Rechteck: abgerundete Ecken 2">
+            <a:extLst>
+              <a:ext uri="{FF2B5EF4-FFF2-40B4-BE49-F238E27FC236}">
+                <a16:creationId xmlns:a16="http://schemas.microsoft.com/office/drawing/2014/main" id="{4B959154-A804-1283-A863-B575C6D47F76}"/>
               </a:ext>
             </a:extLst>
           </p:cNvPr>
@@ -5954,18 +5850,16 @@
         </p:nvSpPr>
         <p:spPr>
           <a:xfrm>
-            <a:off x="5744883" y="4770903"/>
-            <a:ext cx="6304877" cy="633113"/>
+            <a:off x="5744880" y="5358889"/>
+            <a:ext cx="1374987" cy="633113"/>
           </a:xfrm>
           <a:prstGeom prst="roundRect">
-            <a:avLst>
-              <a:gd name="adj" fmla="val 13457"/>
-            </a:avLst>
+            <a:avLst/>
           </a:prstGeom>
           <a:noFill/>
           <a:ln w="38100">
             <a:solidFill>
-              <a:schemeClr val="tx1"/>
+              <a:srgbClr val="C6C6C6"/>
             </a:solidFill>
           </a:ln>
         </p:spPr>
@@ -5993,66 +5887,7 @@
             <a:r>
               <a:rPr lang="de-DE" sz="3000" dirty="0">
                 <a:solidFill>
-                  <a:schemeClr val="tx1"/>
-                </a:solidFill>
-              </a:rPr>
-              <a:t>(0) | (20) (174) (41) (66) | (0) (1) (0) (0)</a:t>
-            </a:r>
-          </a:p>
-        </p:txBody>
-      </p:sp>
-      <p:sp>
-        <p:nvSpPr>
-          <p:cNvPr id="3" name="Rechteck: abgerundete Ecken 2">
-            <a:extLst>
-              <a:ext uri="{FF2B5EF4-FFF2-40B4-BE49-F238E27FC236}">
-                <a16:creationId xmlns:a16="http://schemas.microsoft.com/office/drawing/2014/main" id="{4B959154-A804-1283-A863-B575C6D47F76}"/>
-              </a:ext>
-            </a:extLst>
-          </p:cNvPr>
-          <p:cNvSpPr/>
-          <p:nvPr/>
-        </p:nvSpPr>
-        <p:spPr>
-          <a:xfrm>
-            <a:off x="5744882" y="5518698"/>
-            <a:ext cx="1374987" cy="633113"/>
-          </a:xfrm>
-          <a:prstGeom prst="roundRect">
-            <a:avLst/>
-          </a:prstGeom>
-          <a:noFill/>
-          <a:ln w="38100">
-            <a:solidFill>
-              <a:schemeClr val="tx1"/>
-            </a:solidFill>
-          </a:ln>
-        </p:spPr>
-        <p:style>
-          <a:lnRef idx="2">
-            <a:schemeClr val="accent1">
-              <a:shade val="50000"/>
-            </a:schemeClr>
-          </a:lnRef>
-          <a:fillRef idx="1">
-            <a:schemeClr val="accent1"/>
-          </a:fillRef>
-          <a:effectRef idx="0">
-            <a:schemeClr val="accent1"/>
-          </a:effectRef>
-          <a:fontRef idx="minor">
-            <a:schemeClr val="lt1"/>
-          </a:fontRef>
-        </p:style>
-        <p:txBody>
-          <a:bodyPr rtlCol="0" anchor="ctr"/>
-          <a:lstStyle/>
-          <a:p>
-            <a:pPr algn="ctr"/>
-            <a:r>
-              <a:rPr lang="de-DE" sz="3000" dirty="0">
-                <a:solidFill>
-                  <a:schemeClr val="tx1"/>
+                  <a:srgbClr val="C6C6C6"/>
                 </a:solidFill>
               </a:rPr>
               <a:t>&gt; (62)</a:t>
@@ -6081,7 +5916,7 @@
         </p:blipFill>
         <p:spPr>
           <a:xfrm>
-            <a:off x="7451706" y="849297"/>
+            <a:off x="7451706" y="641226"/>
             <a:ext cx="4412504" cy="3587183"/>
           </a:xfrm>
           <a:prstGeom prst="rect">
@@ -6092,7 +5927,7 @@
     </p:spTree>
     <p:extLst>
       <p:ext uri="{BB962C8B-B14F-4D97-AF65-F5344CB8AC3E}">
-        <p14:creationId xmlns:p14="http://schemas.microsoft.com/office/powerpoint/2010/main" val="2339392420"/>
+        <p14:creationId xmlns:p14="http://schemas.microsoft.com/office/powerpoint/2010/main" val="1693353005"/>
       </p:ext>
     </p:extLst>
   </p:cSld>
@@ -6105,6 +5940,14 @@
 <file path=ppt/slides/slide12.xml><?xml version="1.0" encoding="utf-8"?>
 <p:sld xmlns:a="http://schemas.openxmlformats.org/drawingml/2006/main" xmlns:r="http://schemas.openxmlformats.org/officeDocument/2006/relationships" xmlns:p="http://schemas.openxmlformats.org/presentationml/2006/main">
   <p:cSld>
+    <p:bg>
+      <p:bgPr>
+        <a:solidFill>
+          <a:srgbClr val="2B2B2B"/>
+        </a:solidFill>
+        <a:effectLst/>
+      </p:bgPr>
+    </p:bg>
     <p:spTree>
       <p:nvGrpSpPr>
         <p:cNvPr id="1" name=""/>
@@ -6119,1145 +5962,39 @@
           <a:chExt cx="0" cy="0"/>
         </a:xfrm>
       </p:grpSpPr>
-      <p:sp>
-        <p:nvSpPr>
-          <p:cNvPr id="4" name="Rechteck: abgerundete Ecken 3">
-            <a:extLst>
-              <a:ext uri="{FF2B5EF4-FFF2-40B4-BE49-F238E27FC236}">
-                <a16:creationId xmlns:a16="http://schemas.microsoft.com/office/drawing/2014/main" id="{A78B71E2-0ACC-D372-09CC-F48A502EBC0F}"/>
-              </a:ext>
-            </a:extLst>
-          </p:cNvPr>
-          <p:cNvSpPr/>
-          <p:nvPr/>
-        </p:nvSpPr>
-        <p:spPr>
-          <a:xfrm>
-            <a:off x="1618827" y="1801705"/>
-            <a:ext cx="3205421" cy="633114"/>
-          </a:xfrm>
-          <a:prstGeom prst="roundRect">
-            <a:avLst/>
-          </a:prstGeom>
-          <a:noFill/>
-          <a:ln w="38100">
-            <a:solidFill>
-              <a:schemeClr val="tx1"/>
-            </a:solidFill>
-          </a:ln>
-        </p:spPr>
-        <p:style>
-          <a:lnRef idx="2">
-            <a:schemeClr val="accent1">
-              <a:shade val="50000"/>
-            </a:schemeClr>
-          </a:lnRef>
-          <a:fillRef idx="1">
-            <a:schemeClr val="accent1"/>
-          </a:fillRef>
-          <a:effectRef idx="0">
-            <a:schemeClr val="accent1"/>
-          </a:effectRef>
-          <a:fontRef idx="minor">
-            <a:schemeClr val="lt1"/>
-          </a:fontRef>
-        </p:style>
-        <p:txBody>
-          <a:bodyPr rtlCol="0" anchor="ctr"/>
-          <a:lstStyle/>
-          <a:p>
-            <a:pPr algn="ctr"/>
-            <a:r>
-              <a:rPr lang="de-DE" dirty="0" err="1">
-                <a:solidFill>
-                  <a:schemeClr val="tx1"/>
-                </a:solidFill>
-              </a:rPr>
-              <a:t>ResponseStartCharacter</a:t>
-            </a:r>
-            <a:r>
-              <a:rPr lang="de-DE" dirty="0" err="1"/>
-              <a:t>S</a:t>
-            </a:r>
-            <a:endParaRPr lang="de-DE" dirty="0"/>
-          </a:p>
-        </p:txBody>
-      </p:sp>
-      <p:sp>
-        <p:nvSpPr>
-          <p:cNvPr id="5" name="Rechteck: abgerundete Ecken 4">
-            <a:extLst>
-              <a:ext uri="{FF2B5EF4-FFF2-40B4-BE49-F238E27FC236}">
-                <a16:creationId xmlns:a16="http://schemas.microsoft.com/office/drawing/2014/main" id="{6261D5BD-C9A7-405E-15E6-42C3AFA6857C}"/>
-              </a:ext>
-            </a:extLst>
-          </p:cNvPr>
-          <p:cNvSpPr/>
-          <p:nvPr/>
-        </p:nvSpPr>
-        <p:spPr>
-          <a:xfrm>
-            <a:off x="489636" y="1801706"/>
-            <a:ext cx="878577" cy="633113"/>
-          </a:xfrm>
-          <a:prstGeom prst="roundRect">
-            <a:avLst/>
-          </a:prstGeom>
-          <a:noFill/>
-          <a:ln w="38100">
-            <a:solidFill>
-              <a:schemeClr val="tx1"/>
-            </a:solidFill>
-          </a:ln>
-        </p:spPr>
-        <p:style>
-          <a:lnRef idx="2">
-            <a:schemeClr val="accent1">
-              <a:shade val="50000"/>
-            </a:schemeClr>
-          </a:lnRef>
-          <a:fillRef idx="1">
-            <a:schemeClr val="accent1"/>
-          </a:fillRef>
-          <a:effectRef idx="0">
-            <a:schemeClr val="accent1"/>
-          </a:effectRef>
-          <a:fontRef idx="minor">
-            <a:schemeClr val="lt1"/>
-          </a:fontRef>
-        </p:style>
-        <p:txBody>
-          <a:bodyPr rtlCol="0" anchor="ctr"/>
-          <a:lstStyle/>
-          <a:p>
-            <a:pPr algn="ctr"/>
-            <a:r>
-              <a:rPr lang="de-DE" sz="3200" dirty="0">
-                <a:solidFill>
-                  <a:schemeClr val="tx1"/>
-                </a:solidFill>
-              </a:rPr>
-              <a:t>1</a:t>
-            </a:r>
-          </a:p>
-        </p:txBody>
-      </p:sp>
-      <p:sp>
-        <p:nvSpPr>
-          <p:cNvPr id="6" name="Rechteck: abgerundete Ecken 5">
-            <a:extLst>
-              <a:ext uri="{FF2B5EF4-FFF2-40B4-BE49-F238E27FC236}">
-                <a16:creationId xmlns:a16="http://schemas.microsoft.com/office/drawing/2014/main" id="{9D3A0BBD-69F6-68E4-F6C0-68B64B5C8878}"/>
-              </a:ext>
-            </a:extLst>
-          </p:cNvPr>
-          <p:cNvSpPr/>
-          <p:nvPr/>
-        </p:nvSpPr>
-        <p:spPr>
-          <a:xfrm>
-            <a:off x="1618825" y="2691001"/>
-            <a:ext cx="3205421" cy="633114"/>
-          </a:xfrm>
-          <a:prstGeom prst="roundRect">
-            <a:avLst/>
-          </a:prstGeom>
-          <a:noFill/>
-          <a:ln w="38100">
-            <a:solidFill>
-              <a:schemeClr val="tx1"/>
-            </a:solidFill>
-          </a:ln>
-        </p:spPr>
-        <p:style>
-          <a:lnRef idx="2">
-            <a:schemeClr val="accent1">
-              <a:shade val="50000"/>
-            </a:schemeClr>
-          </a:lnRef>
-          <a:fillRef idx="1">
-            <a:schemeClr val="accent1"/>
-          </a:fillRef>
-          <a:effectRef idx="0">
-            <a:schemeClr val="accent1"/>
-          </a:effectRef>
-          <a:fontRef idx="minor">
-            <a:schemeClr val="lt1"/>
-          </a:fontRef>
-        </p:style>
-        <p:txBody>
-          <a:bodyPr rtlCol="0" anchor="ctr"/>
-          <a:lstStyle/>
-          <a:p>
-            <a:pPr algn="ctr"/>
-            <a:r>
-              <a:rPr lang="de-DE" dirty="0">
-                <a:solidFill>
-                  <a:schemeClr val="tx1"/>
-                </a:solidFill>
-              </a:rPr>
-              <a:t>Request ID</a:t>
-            </a:r>
-            <a:endParaRPr lang="de-DE" dirty="0"/>
-          </a:p>
-        </p:txBody>
-      </p:sp>
-      <p:sp>
-        <p:nvSpPr>
-          <p:cNvPr id="7" name="Rechteck: abgerundete Ecken 6">
-            <a:extLst>
-              <a:ext uri="{FF2B5EF4-FFF2-40B4-BE49-F238E27FC236}">
-                <a16:creationId xmlns:a16="http://schemas.microsoft.com/office/drawing/2014/main" id="{323A2A98-2CBD-F760-F0AF-1C386931691A}"/>
-              </a:ext>
-            </a:extLst>
-          </p:cNvPr>
-          <p:cNvSpPr/>
-          <p:nvPr/>
-        </p:nvSpPr>
-        <p:spPr>
-          <a:xfrm>
-            <a:off x="489634" y="2691002"/>
-            <a:ext cx="878577" cy="633113"/>
-          </a:xfrm>
-          <a:prstGeom prst="roundRect">
-            <a:avLst/>
-          </a:prstGeom>
-          <a:noFill/>
-          <a:ln w="38100">
-            <a:solidFill>
-              <a:schemeClr val="tx1"/>
-            </a:solidFill>
-          </a:ln>
-        </p:spPr>
-        <p:style>
-          <a:lnRef idx="2">
-            <a:schemeClr val="accent1">
-              <a:shade val="50000"/>
-            </a:schemeClr>
-          </a:lnRef>
-          <a:fillRef idx="1">
-            <a:schemeClr val="accent1"/>
-          </a:fillRef>
-          <a:effectRef idx="0">
-            <a:schemeClr val="accent1"/>
-          </a:effectRef>
-          <a:fontRef idx="minor">
-            <a:schemeClr val="lt1"/>
-          </a:fontRef>
-        </p:style>
-        <p:txBody>
-          <a:bodyPr rtlCol="0" anchor="ctr"/>
-          <a:lstStyle/>
-          <a:p>
-            <a:pPr algn="ctr"/>
-            <a:r>
-              <a:rPr lang="de-DE" sz="3200" dirty="0">
-                <a:solidFill>
-                  <a:schemeClr val="tx1"/>
-                </a:solidFill>
-              </a:rPr>
-              <a:t>1</a:t>
-            </a:r>
-          </a:p>
-        </p:txBody>
-      </p:sp>
-      <p:sp>
-        <p:nvSpPr>
-          <p:cNvPr id="8" name="Rechteck: abgerundete Ecken 7">
-            <a:extLst>
-              <a:ext uri="{FF2B5EF4-FFF2-40B4-BE49-F238E27FC236}">
-                <a16:creationId xmlns:a16="http://schemas.microsoft.com/office/drawing/2014/main" id="{AFFED479-E31A-C40C-C461-87E25167C518}"/>
-              </a:ext>
-            </a:extLst>
-          </p:cNvPr>
-          <p:cNvSpPr/>
-          <p:nvPr/>
-        </p:nvSpPr>
-        <p:spPr>
-          <a:xfrm>
-            <a:off x="1618825" y="3580297"/>
-            <a:ext cx="3205421" cy="633114"/>
-          </a:xfrm>
-          <a:prstGeom prst="roundRect">
-            <a:avLst/>
-          </a:prstGeom>
-          <a:noFill/>
-          <a:ln w="38100">
-            <a:solidFill>
-              <a:schemeClr val="tx1"/>
-            </a:solidFill>
-          </a:ln>
-        </p:spPr>
-        <p:style>
-          <a:lnRef idx="2">
-            <a:schemeClr val="accent1">
-              <a:shade val="50000"/>
-            </a:schemeClr>
-          </a:lnRef>
-          <a:fillRef idx="1">
-            <a:schemeClr val="accent1"/>
-          </a:fillRef>
-          <a:effectRef idx="0">
-            <a:schemeClr val="accent1"/>
-          </a:effectRef>
-          <a:fontRef idx="minor">
-            <a:schemeClr val="lt1"/>
-          </a:fontRef>
-        </p:style>
-        <p:txBody>
-          <a:bodyPr rtlCol="0" anchor="ctr"/>
-          <a:lstStyle/>
-          <a:p>
-            <a:pPr algn="ctr"/>
-            <a:r>
-              <a:rPr lang="de-DE" dirty="0">
-                <a:solidFill>
-                  <a:schemeClr val="tx1"/>
-                </a:solidFill>
-              </a:rPr>
-              <a:t>Response Size (in </a:t>
-            </a:r>
-            <a:r>
-              <a:rPr lang="de-DE" dirty="0" err="1">
-                <a:solidFill>
-                  <a:schemeClr val="tx1"/>
-                </a:solidFill>
-              </a:rPr>
-              <a:t>bytes</a:t>
-            </a:r>
-            <a:r>
-              <a:rPr lang="de-DE" dirty="0">
-                <a:solidFill>
-                  <a:schemeClr val="tx1"/>
-                </a:solidFill>
-              </a:rPr>
-              <a:t>)</a:t>
-            </a:r>
-            <a:endParaRPr lang="de-DE" dirty="0"/>
-          </a:p>
-        </p:txBody>
-      </p:sp>
-      <p:sp>
-        <p:nvSpPr>
-          <p:cNvPr id="9" name="Rechteck: abgerundete Ecken 8">
-            <a:extLst>
-              <a:ext uri="{FF2B5EF4-FFF2-40B4-BE49-F238E27FC236}">
-                <a16:creationId xmlns:a16="http://schemas.microsoft.com/office/drawing/2014/main" id="{8687227A-7EF6-E404-4BB6-BF2640FEDD3E}"/>
-              </a:ext>
-            </a:extLst>
-          </p:cNvPr>
-          <p:cNvSpPr/>
-          <p:nvPr/>
-        </p:nvSpPr>
-        <p:spPr>
-          <a:xfrm>
-            <a:off x="489634" y="3580298"/>
-            <a:ext cx="878577" cy="633113"/>
-          </a:xfrm>
-          <a:prstGeom prst="roundRect">
-            <a:avLst/>
-          </a:prstGeom>
-          <a:noFill/>
-          <a:ln w="38100">
-            <a:solidFill>
-              <a:schemeClr val="tx1"/>
-            </a:solidFill>
-          </a:ln>
-        </p:spPr>
-        <p:style>
-          <a:lnRef idx="2">
-            <a:schemeClr val="accent1">
-              <a:shade val="50000"/>
-            </a:schemeClr>
-          </a:lnRef>
-          <a:fillRef idx="1">
-            <a:schemeClr val="accent1"/>
-          </a:fillRef>
-          <a:effectRef idx="0">
-            <a:schemeClr val="accent1"/>
-          </a:effectRef>
-          <a:fontRef idx="minor">
-            <a:schemeClr val="lt1"/>
-          </a:fontRef>
-        </p:style>
-        <p:txBody>
-          <a:bodyPr rtlCol="0" anchor="ctr"/>
-          <a:lstStyle/>
-          <a:p>
-            <a:pPr algn="ctr"/>
-            <a:r>
-              <a:rPr lang="de-DE" sz="3200" dirty="0">
-                <a:solidFill>
-                  <a:schemeClr val="tx1"/>
-                </a:solidFill>
-              </a:rPr>
-              <a:t>1</a:t>
-            </a:r>
-          </a:p>
-        </p:txBody>
-      </p:sp>
-      <p:sp>
-        <p:nvSpPr>
-          <p:cNvPr id="12" name="Rechteck: abgerundete Ecken 11">
-            <a:extLst>
-              <a:ext uri="{FF2B5EF4-FFF2-40B4-BE49-F238E27FC236}">
-                <a16:creationId xmlns:a16="http://schemas.microsoft.com/office/drawing/2014/main" id="{E2FA0AE1-6AAE-33B8-9F96-D2C57D7FBCCE}"/>
-              </a:ext>
-            </a:extLst>
-          </p:cNvPr>
-          <p:cNvSpPr/>
-          <p:nvPr/>
-        </p:nvSpPr>
-        <p:spPr>
-          <a:xfrm>
-            <a:off x="1618825" y="4469593"/>
-            <a:ext cx="3205421" cy="633114"/>
-          </a:xfrm>
-          <a:prstGeom prst="roundRect">
-            <a:avLst/>
-          </a:prstGeom>
-          <a:noFill/>
-          <a:ln w="38100">
-            <a:solidFill>
-              <a:schemeClr val="tx1"/>
-            </a:solidFill>
-          </a:ln>
-        </p:spPr>
-        <p:style>
-          <a:lnRef idx="2">
-            <a:schemeClr val="accent1">
-              <a:shade val="50000"/>
-            </a:schemeClr>
-          </a:lnRef>
-          <a:fillRef idx="1">
-            <a:schemeClr val="accent1"/>
-          </a:fillRef>
-          <a:effectRef idx="0">
-            <a:schemeClr val="accent1"/>
-          </a:effectRef>
-          <a:fontRef idx="minor">
-            <a:schemeClr val="lt1"/>
-          </a:fontRef>
-        </p:style>
-        <p:txBody>
-          <a:bodyPr rtlCol="0" anchor="ctr"/>
-          <a:lstStyle/>
-          <a:p>
-            <a:pPr algn="ctr"/>
-            <a:r>
-              <a:rPr lang="de-DE" dirty="0" err="1">
-                <a:solidFill>
-                  <a:schemeClr val="tx1"/>
-                </a:solidFill>
-              </a:rPr>
-              <a:t>Respose</a:t>
-            </a:r>
-            <a:endParaRPr lang="de-DE" dirty="0"/>
-          </a:p>
-        </p:txBody>
-      </p:sp>
-      <p:sp>
-        <p:nvSpPr>
-          <p:cNvPr id="13" name="Rechteck: abgerundete Ecken 12">
-            <a:extLst>
-              <a:ext uri="{FF2B5EF4-FFF2-40B4-BE49-F238E27FC236}">
-                <a16:creationId xmlns:a16="http://schemas.microsoft.com/office/drawing/2014/main" id="{337C0DAB-D27F-F86C-2F7B-B0ABE610F25A}"/>
-              </a:ext>
-            </a:extLst>
-          </p:cNvPr>
-          <p:cNvSpPr/>
-          <p:nvPr/>
-        </p:nvSpPr>
-        <p:spPr>
-          <a:xfrm>
-            <a:off x="489636" y="4469594"/>
-            <a:ext cx="878578" cy="633113"/>
-          </a:xfrm>
-          <a:prstGeom prst="roundRect">
-            <a:avLst>
-              <a:gd name="adj" fmla="val 17737"/>
-            </a:avLst>
-          </a:prstGeom>
-          <a:noFill/>
-          <a:ln w="38100">
-            <a:solidFill>
-              <a:schemeClr val="tx1"/>
-            </a:solidFill>
-          </a:ln>
-        </p:spPr>
-        <p:style>
-          <a:lnRef idx="2">
-            <a:schemeClr val="accent1">
-              <a:shade val="50000"/>
-            </a:schemeClr>
-          </a:lnRef>
-          <a:fillRef idx="1">
-            <a:schemeClr val="accent1"/>
-          </a:fillRef>
-          <a:effectRef idx="0">
-            <a:schemeClr val="accent1"/>
-          </a:effectRef>
-          <a:fontRef idx="minor">
-            <a:schemeClr val="lt1"/>
-          </a:fontRef>
-        </p:style>
-        <p:txBody>
-          <a:bodyPr rtlCol="0" anchor="ctr"/>
-          <a:lstStyle/>
-          <a:p>
-            <a:pPr algn="ctr"/>
-            <a:r>
-              <a:rPr lang="de-DE" sz="2200" dirty="0">
-                <a:solidFill>
-                  <a:schemeClr val="tx1"/>
-                </a:solidFill>
-              </a:rPr>
-              <a:t>Value Size</a:t>
-            </a:r>
-          </a:p>
-        </p:txBody>
-      </p:sp>
-      <p:sp>
-        <p:nvSpPr>
-          <p:cNvPr id="14" name="Rechteck: abgerundete Ecken 13">
-            <a:extLst>
-              <a:ext uri="{FF2B5EF4-FFF2-40B4-BE49-F238E27FC236}">
-                <a16:creationId xmlns:a16="http://schemas.microsoft.com/office/drawing/2014/main" id="{B708E0CD-20C1-0CF0-C545-6F84643679B8}"/>
-              </a:ext>
-            </a:extLst>
-          </p:cNvPr>
-          <p:cNvSpPr/>
-          <p:nvPr/>
-        </p:nvSpPr>
-        <p:spPr>
-          <a:xfrm>
-            <a:off x="1618825" y="5358889"/>
-            <a:ext cx="3205422" cy="633114"/>
-          </a:xfrm>
-          <a:prstGeom prst="roundRect">
-            <a:avLst/>
-          </a:prstGeom>
-          <a:noFill/>
-          <a:ln w="38100">
-            <a:solidFill>
-              <a:schemeClr val="tx1"/>
-            </a:solidFill>
-          </a:ln>
-        </p:spPr>
-        <p:style>
-          <a:lnRef idx="2">
-            <a:schemeClr val="accent1">
-              <a:shade val="50000"/>
-            </a:schemeClr>
-          </a:lnRef>
-          <a:fillRef idx="1">
-            <a:schemeClr val="accent1"/>
-          </a:fillRef>
-          <a:effectRef idx="0">
-            <a:schemeClr val="accent1"/>
-          </a:effectRef>
-          <a:fontRef idx="minor">
-            <a:schemeClr val="lt1"/>
-          </a:fontRef>
-        </p:style>
-        <p:txBody>
-          <a:bodyPr rtlCol="0" anchor="ctr"/>
-          <a:lstStyle/>
-          <a:p>
-            <a:pPr algn="ctr"/>
-            <a:r>
-              <a:rPr lang="de-DE" dirty="0" err="1">
-                <a:solidFill>
-                  <a:schemeClr val="tx1"/>
-                </a:solidFill>
-              </a:rPr>
-              <a:t>ResponseEndCharacter</a:t>
-            </a:r>
-            <a:r>
-              <a:rPr lang="de-DE" dirty="0" err="1"/>
-              <a:t>S</a:t>
-            </a:r>
-            <a:endParaRPr lang="de-DE" dirty="0"/>
-          </a:p>
-        </p:txBody>
-      </p:sp>
-      <p:sp>
-        <p:nvSpPr>
-          <p:cNvPr id="15" name="Rechteck: abgerundete Ecken 14">
-            <a:extLst>
-              <a:ext uri="{FF2B5EF4-FFF2-40B4-BE49-F238E27FC236}">
-                <a16:creationId xmlns:a16="http://schemas.microsoft.com/office/drawing/2014/main" id="{B3CF6E63-C75C-6F5B-B401-BDA0A00EB6D0}"/>
-              </a:ext>
-            </a:extLst>
-          </p:cNvPr>
-          <p:cNvSpPr/>
-          <p:nvPr/>
-        </p:nvSpPr>
-        <p:spPr>
-          <a:xfrm>
-            <a:off x="489636" y="5358889"/>
-            <a:ext cx="878577" cy="633113"/>
-          </a:xfrm>
-          <a:prstGeom prst="roundRect">
-            <a:avLst/>
-          </a:prstGeom>
-          <a:noFill/>
-          <a:ln w="38100">
-            <a:solidFill>
-              <a:schemeClr val="tx1"/>
-            </a:solidFill>
-          </a:ln>
-        </p:spPr>
-        <p:style>
-          <a:lnRef idx="2">
-            <a:schemeClr val="accent1">
-              <a:shade val="50000"/>
-            </a:schemeClr>
-          </a:lnRef>
-          <a:fillRef idx="1">
-            <a:schemeClr val="accent1"/>
-          </a:fillRef>
-          <a:effectRef idx="0">
-            <a:schemeClr val="accent1"/>
-          </a:effectRef>
-          <a:fontRef idx="minor">
-            <a:schemeClr val="lt1"/>
-          </a:fontRef>
-        </p:style>
-        <p:txBody>
-          <a:bodyPr rtlCol="0" anchor="ctr"/>
-          <a:lstStyle/>
-          <a:p>
-            <a:pPr algn="ctr"/>
-            <a:r>
-              <a:rPr lang="de-DE" sz="3200" dirty="0">
-                <a:solidFill>
-                  <a:schemeClr val="tx1"/>
-                </a:solidFill>
-              </a:rPr>
-              <a:t>1</a:t>
-            </a:r>
-          </a:p>
-        </p:txBody>
-      </p:sp>
-      <p:sp>
-        <p:nvSpPr>
-          <p:cNvPr id="24" name="Rechteck: abgerundete Ecken 23">
-            <a:extLst>
-              <a:ext uri="{FF2B5EF4-FFF2-40B4-BE49-F238E27FC236}">
-                <a16:creationId xmlns:a16="http://schemas.microsoft.com/office/drawing/2014/main" id="{9CFA5687-7749-F3AF-6379-5992264E4DDE}"/>
-              </a:ext>
-            </a:extLst>
-          </p:cNvPr>
-          <p:cNvSpPr/>
-          <p:nvPr/>
-        </p:nvSpPr>
-        <p:spPr>
-          <a:xfrm>
-            <a:off x="411742" y="906872"/>
-            <a:ext cx="1034364" cy="633114"/>
-          </a:xfrm>
-          <a:prstGeom prst="roundRect">
-            <a:avLst/>
-          </a:prstGeom>
-          <a:noFill/>
-          <a:ln w="38100">
-            <a:solidFill>
-              <a:schemeClr val="tx1"/>
-            </a:solidFill>
-          </a:ln>
-        </p:spPr>
-        <p:style>
-          <a:lnRef idx="2">
-            <a:schemeClr val="accent1">
-              <a:shade val="50000"/>
-            </a:schemeClr>
-          </a:lnRef>
-          <a:fillRef idx="1">
-            <a:schemeClr val="accent1"/>
-          </a:fillRef>
-          <a:effectRef idx="0">
-            <a:schemeClr val="accent1"/>
-          </a:effectRef>
-          <a:fontRef idx="minor">
-            <a:schemeClr val="lt1"/>
-          </a:fontRef>
-        </p:style>
-        <p:txBody>
-          <a:bodyPr rtlCol="0" anchor="ctr"/>
-          <a:lstStyle/>
-          <a:p>
-            <a:pPr algn="ctr"/>
-            <a:r>
-              <a:rPr lang="de-DE" dirty="0">
-                <a:solidFill>
-                  <a:schemeClr val="tx1"/>
-                </a:solidFill>
-              </a:rPr>
-              <a:t>Größe in Bytes</a:t>
-            </a:r>
-            <a:endParaRPr lang="de-DE" dirty="0"/>
-          </a:p>
-        </p:txBody>
-      </p:sp>
-      <p:sp>
-        <p:nvSpPr>
-          <p:cNvPr id="27" name="Rechteck: abgerundete Ecken 26">
-            <a:extLst>
-              <a:ext uri="{FF2B5EF4-FFF2-40B4-BE49-F238E27FC236}">
-                <a16:creationId xmlns:a16="http://schemas.microsoft.com/office/drawing/2014/main" id="{99CA01E8-7BAB-2B01-2F2D-8E641058B9C4}"/>
-              </a:ext>
-            </a:extLst>
-          </p:cNvPr>
-          <p:cNvSpPr/>
-          <p:nvPr/>
-        </p:nvSpPr>
-        <p:spPr>
-          <a:xfrm>
-            <a:off x="2534042" y="906872"/>
-            <a:ext cx="1374987" cy="633114"/>
-          </a:xfrm>
-          <a:prstGeom prst="roundRect">
-            <a:avLst/>
-          </a:prstGeom>
-          <a:noFill/>
-          <a:ln w="38100">
-            <a:solidFill>
-              <a:schemeClr val="tx1"/>
-            </a:solidFill>
-          </a:ln>
-        </p:spPr>
-        <p:style>
-          <a:lnRef idx="2">
-            <a:schemeClr val="accent1">
-              <a:shade val="50000"/>
-            </a:schemeClr>
-          </a:lnRef>
-          <a:fillRef idx="1">
-            <a:schemeClr val="accent1"/>
-          </a:fillRef>
-          <a:effectRef idx="0">
-            <a:schemeClr val="accent1"/>
-          </a:effectRef>
-          <a:fontRef idx="minor">
-            <a:schemeClr val="lt1"/>
-          </a:fontRef>
-        </p:style>
-        <p:txBody>
-          <a:bodyPr rtlCol="0" anchor="ctr"/>
-          <a:lstStyle/>
-          <a:p>
-            <a:pPr algn="ctr"/>
-            <a:r>
-              <a:rPr lang="de-DE" dirty="0">
-                <a:solidFill>
-                  <a:schemeClr val="tx1"/>
-                </a:solidFill>
-              </a:rPr>
-              <a:t>Antwort</a:t>
-            </a:r>
-            <a:endParaRPr lang="de-DE" dirty="0"/>
-          </a:p>
-        </p:txBody>
-      </p:sp>
-      <p:sp>
-        <p:nvSpPr>
-          <p:cNvPr id="34" name="Rechteck: abgerundete Ecken 33">
-            <a:extLst>
-              <a:ext uri="{FF2B5EF4-FFF2-40B4-BE49-F238E27FC236}">
-                <a16:creationId xmlns:a16="http://schemas.microsoft.com/office/drawing/2014/main" id="{972F04B0-44CB-C7BC-D2EE-77B99E944CB1}"/>
-              </a:ext>
-            </a:extLst>
-          </p:cNvPr>
-          <p:cNvSpPr/>
-          <p:nvPr/>
-        </p:nvSpPr>
-        <p:spPr>
-          <a:xfrm>
-            <a:off x="5508432" y="906872"/>
-            <a:ext cx="1847881" cy="633114"/>
-          </a:xfrm>
-          <a:prstGeom prst="roundRect">
-            <a:avLst/>
-          </a:prstGeom>
-          <a:noFill/>
-          <a:ln w="38100">
-            <a:solidFill>
-              <a:schemeClr val="tx1"/>
-            </a:solidFill>
-          </a:ln>
-        </p:spPr>
-        <p:style>
-          <a:lnRef idx="2">
-            <a:schemeClr val="accent1">
-              <a:shade val="50000"/>
-            </a:schemeClr>
-          </a:lnRef>
-          <a:fillRef idx="1">
-            <a:schemeClr val="accent1"/>
-          </a:fillRef>
-          <a:effectRef idx="0">
-            <a:schemeClr val="accent1"/>
-          </a:effectRef>
-          <a:fontRef idx="minor">
-            <a:schemeClr val="lt1"/>
-          </a:fontRef>
-        </p:style>
-        <p:txBody>
-          <a:bodyPr rtlCol="0" anchor="ctr"/>
-          <a:lstStyle/>
-          <a:p>
-            <a:pPr algn="ctr"/>
-            <a:r>
-              <a:rPr lang="de-DE" dirty="0" err="1">
-                <a:solidFill>
-                  <a:schemeClr val="tx1"/>
-                </a:solidFill>
-              </a:rPr>
-              <a:t>Anwort</a:t>
-            </a:r>
-            <a:r>
-              <a:rPr lang="de-DE" dirty="0">
-                <a:solidFill>
-                  <a:schemeClr val="tx1"/>
-                </a:solidFill>
-              </a:rPr>
-              <a:t> auf den Funktionsaufruf</a:t>
-            </a:r>
-            <a:endParaRPr lang="de-DE" dirty="0"/>
-          </a:p>
-        </p:txBody>
-      </p:sp>
-      <p:sp>
-        <p:nvSpPr>
-          <p:cNvPr id="35" name="Rechteck: abgerundete Ecken 34">
-            <a:extLst>
-              <a:ext uri="{FF2B5EF4-FFF2-40B4-BE49-F238E27FC236}">
-                <a16:creationId xmlns:a16="http://schemas.microsoft.com/office/drawing/2014/main" id="{46B6CE22-3E02-3D72-9033-5E812CF1271B}"/>
-              </a:ext>
-            </a:extLst>
-          </p:cNvPr>
-          <p:cNvSpPr/>
-          <p:nvPr/>
-        </p:nvSpPr>
-        <p:spPr>
-          <a:xfrm>
-            <a:off x="5744881" y="1801705"/>
-            <a:ext cx="1374987" cy="633113"/>
-          </a:xfrm>
-          <a:prstGeom prst="roundRect">
-            <a:avLst/>
-          </a:prstGeom>
-          <a:noFill/>
-          <a:ln w="38100">
-            <a:solidFill>
-              <a:schemeClr val="tx1"/>
-            </a:solidFill>
-          </a:ln>
-        </p:spPr>
-        <p:style>
-          <a:lnRef idx="2">
-            <a:schemeClr val="accent1">
-              <a:shade val="50000"/>
-            </a:schemeClr>
-          </a:lnRef>
-          <a:fillRef idx="1">
-            <a:schemeClr val="accent1"/>
-          </a:fillRef>
-          <a:effectRef idx="0">
-            <a:schemeClr val="accent1"/>
-          </a:effectRef>
-          <a:fontRef idx="minor">
-            <a:schemeClr val="lt1"/>
-          </a:fontRef>
-        </p:style>
-        <p:txBody>
-          <a:bodyPr rtlCol="0" anchor="ctr"/>
-          <a:lstStyle/>
-          <a:p>
-            <a:pPr algn="ctr"/>
-            <a:r>
-              <a:rPr lang="de-DE" sz="3000" dirty="0">
-                <a:solidFill>
-                  <a:schemeClr val="tx1"/>
-                </a:solidFill>
-              </a:rPr>
-              <a:t>? (63)</a:t>
-            </a:r>
-          </a:p>
-        </p:txBody>
-      </p:sp>
-      <p:sp>
-        <p:nvSpPr>
-          <p:cNvPr id="36" name="Rechteck: abgerundete Ecken 35">
-            <a:extLst>
-              <a:ext uri="{FF2B5EF4-FFF2-40B4-BE49-F238E27FC236}">
-                <a16:creationId xmlns:a16="http://schemas.microsoft.com/office/drawing/2014/main" id="{E9DF7C98-A498-AA96-9E23-723063895460}"/>
-              </a:ext>
-            </a:extLst>
-          </p:cNvPr>
-          <p:cNvSpPr/>
-          <p:nvPr/>
-        </p:nvSpPr>
-        <p:spPr>
-          <a:xfrm>
-            <a:off x="5744880" y="2693174"/>
-            <a:ext cx="1374987" cy="633113"/>
-          </a:xfrm>
-          <a:prstGeom prst="roundRect">
-            <a:avLst/>
-          </a:prstGeom>
-          <a:noFill/>
-          <a:ln w="38100">
-            <a:solidFill>
-              <a:schemeClr val="tx1"/>
-            </a:solidFill>
-          </a:ln>
-        </p:spPr>
-        <p:style>
-          <a:lnRef idx="2">
-            <a:schemeClr val="accent1">
-              <a:shade val="50000"/>
-            </a:schemeClr>
-          </a:lnRef>
-          <a:fillRef idx="1">
-            <a:schemeClr val="accent1"/>
-          </a:fillRef>
-          <a:effectRef idx="0">
-            <a:schemeClr val="accent1"/>
-          </a:effectRef>
-          <a:fontRef idx="minor">
-            <a:schemeClr val="lt1"/>
-          </a:fontRef>
-        </p:style>
-        <p:txBody>
-          <a:bodyPr rtlCol="0" anchor="ctr"/>
-          <a:lstStyle/>
-          <a:p>
-            <a:pPr algn="ctr"/>
-            <a:r>
-              <a:rPr lang="de-DE" sz="3000" dirty="0">
-                <a:solidFill>
-                  <a:schemeClr val="tx1"/>
-                </a:solidFill>
-              </a:rPr>
-              <a:t>☺ (1)</a:t>
-            </a:r>
-          </a:p>
-        </p:txBody>
-      </p:sp>
-      <p:sp>
-        <p:nvSpPr>
-          <p:cNvPr id="37" name="Rechteck: abgerundete Ecken 36">
-            <a:extLst>
-              <a:ext uri="{FF2B5EF4-FFF2-40B4-BE49-F238E27FC236}">
-                <a16:creationId xmlns:a16="http://schemas.microsoft.com/office/drawing/2014/main" id="{016C40B4-F327-EEE1-3145-2885F452F514}"/>
-              </a:ext>
-            </a:extLst>
-          </p:cNvPr>
-          <p:cNvSpPr/>
-          <p:nvPr/>
-        </p:nvSpPr>
-        <p:spPr>
-          <a:xfrm>
-            <a:off x="5744880" y="3588006"/>
-            <a:ext cx="1374987" cy="633113"/>
-          </a:xfrm>
-          <a:prstGeom prst="roundRect">
-            <a:avLst/>
-          </a:prstGeom>
-          <a:noFill/>
-          <a:ln w="38100">
-            <a:solidFill>
-              <a:schemeClr val="tx1"/>
-            </a:solidFill>
-          </a:ln>
-        </p:spPr>
-        <p:style>
-          <a:lnRef idx="2">
-            <a:schemeClr val="accent1">
-              <a:shade val="50000"/>
-            </a:schemeClr>
-          </a:lnRef>
-          <a:fillRef idx="1">
-            <a:schemeClr val="accent1"/>
-          </a:fillRef>
-          <a:effectRef idx="0">
-            <a:schemeClr val="accent1"/>
-          </a:effectRef>
-          <a:fontRef idx="minor">
-            <a:schemeClr val="lt1"/>
-          </a:fontRef>
-        </p:style>
-        <p:txBody>
-          <a:bodyPr rtlCol="0" anchor="ctr"/>
-          <a:lstStyle/>
-          <a:p>
-            <a:pPr algn="ctr"/>
-            <a:r>
-              <a:rPr lang="de-DE" sz="3000" dirty="0">
-                <a:solidFill>
-                  <a:schemeClr val="tx1"/>
-                </a:solidFill>
-              </a:rPr>
-              <a:t>♦ (4)</a:t>
-            </a:r>
-          </a:p>
-        </p:txBody>
-      </p:sp>
-      <p:sp>
-        <p:nvSpPr>
-          <p:cNvPr id="2" name="Rechteck: abgerundete Ecken 1">
-            <a:extLst>
-              <a:ext uri="{FF2B5EF4-FFF2-40B4-BE49-F238E27FC236}">
-                <a16:creationId xmlns:a16="http://schemas.microsoft.com/office/drawing/2014/main" id="{3C73CDCF-0C6B-8BBC-A0A6-9BE50E5526A4}"/>
-              </a:ext>
-            </a:extLst>
-          </p:cNvPr>
-          <p:cNvSpPr/>
-          <p:nvPr/>
-        </p:nvSpPr>
-        <p:spPr>
-          <a:xfrm>
-            <a:off x="5733783" y="4469594"/>
-            <a:ext cx="3298458" cy="633113"/>
-          </a:xfrm>
-          <a:prstGeom prst="roundRect">
-            <a:avLst>
-              <a:gd name="adj" fmla="val 13457"/>
-            </a:avLst>
-          </a:prstGeom>
-          <a:noFill/>
-          <a:ln w="38100">
-            <a:solidFill>
-              <a:schemeClr val="tx1"/>
-            </a:solidFill>
-          </a:ln>
-        </p:spPr>
-        <p:style>
-          <a:lnRef idx="2">
-            <a:schemeClr val="accent1">
-              <a:shade val="50000"/>
-            </a:schemeClr>
-          </a:lnRef>
-          <a:fillRef idx="1">
-            <a:schemeClr val="accent1"/>
-          </a:fillRef>
-          <a:effectRef idx="0">
-            <a:schemeClr val="accent1"/>
-          </a:effectRef>
-          <a:fontRef idx="minor">
-            <a:schemeClr val="lt1"/>
-          </a:fontRef>
-        </p:style>
-        <p:txBody>
-          <a:bodyPr rtlCol="0" anchor="ctr"/>
-          <a:lstStyle/>
-          <a:p>
-            <a:pPr algn="ctr"/>
-            <a:r>
-              <a:rPr lang="de-DE" sz="3000" dirty="0">
-                <a:solidFill>
-                  <a:schemeClr val="tx1"/>
-                </a:solidFill>
-              </a:rPr>
-              <a:t>(20) (174) (41) (62)</a:t>
-            </a:r>
-          </a:p>
-        </p:txBody>
-      </p:sp>
-      <p:sp>
-        <p:nvSpPr>
-          <p:cNvPr id="3" name="Rechteck: abgerundete Ecken 2">
-            <a:extLst>
-              <a:ext uri="{FF2B5EF4-FFF2-40B4-BE49-F238E27FC236}">
-                <a16:creationId xmlns:a16="http://schemas.microsoft.com/office/drawing/2014/main" id="{4B959154-A804-1283-A863-B575C6D47F76}"/>
-              </a:ext>
-            </a:extLst>
-          </p:cNvPr>
-          <p:cNvSpPr/>
-          <p:nvPr/>
-        </p:nvSpPr>
-        <p:spPr>
-          <a:xfrm>
-            <a:off x="5744880" y="5358889"/>
-            <a:ext cx="1374987" cy="633113"/>
-          </a:xfrm>
-          <a:prstGeom prst="roundRect">
-            <a:avLst/>
-          </a:prstGeom>
-          <a:noFill/>
-          <a:ln w="38100">
-            <a:solidFill>
-              <a:schemeClr val="tx1"/>
-            </a:solidFill>
-          </a:ln>
-        </p:spPr>
-        <p:style>
-          <a:lnRef idx="2">
-            <a:schemeClr val="accent1">
-              <a:shade val="50000"/>
-            </a:schemeClr>
-          </a:lnRef>
-          <a:fillRef idx="1">
-            <a:schemeClr val="accent1"/>
-          </a:fillRef>
-          <a:effectRef idx="0">
-            <a:schemeClr val="accent1"/>
-          </a:effectRef>
-          <a:fontRef idx="minor">
-            <a:schemeClr val="lt1"/>
-          </a:fontRef>
-        </p:style>
-        <p:txBody>
-          <a:bodyPr rtlCol="0" anchor="ctr"/>
-          <a:lstStyle/>
-          <a:p>
-            <a:pPr algn="ctr"/>
-            <a:r>
-              <a:rPr lang="de-DE" sz="3000" dirty="0">
-                <a:solidFill>
-                  <a:schemeClr val="tx1"/>
-                </a:solidFill>
-              </a:rPr>
-              <a:t>&gt; (62)</a:t>
-            </a:r>
-          </a:p>
-        </p:txBody>
-      </p:sp>
       <p:pic>
         <p:nvPicPr>
-          <p:cNvPr id="18" name="Grafik 17">
-            <a:extLst>
-              <a:ext uri="{FF2B5EF4-FFF2-40B4-BE49-F238E27FC236}">
-                <a16:creationId xmlns:a16="http://schemas.microsoft.com/office/drawing/2014/main" id="{89508751-645B-FF46-8486-1F6C5E83FFCE}"/>
+          <p:cNvPr id="5" name="Inhaltsplatzhalter 4">
+            <a:extLst>
+              <a:ext uri="{FF2B5EF4-FFF2-40B4-BE49-F238E27FC236}">
+                <a16:creationId xmlns:a16="http://schemas.microsoft.com/office/drawing/2014/main" id="{218136B5-0ED7-44B9-19DF-4855B492F8BB}"/>
               </a:ext>
             </a:extLst>
           </p:cNvPr>
           <p:cNvPicPr>
-            <a:picLocks noChangeAspect="1"/>
+            <a:picLocks noGrp="1" noChangeAspect="1"/>
           </p:cNvPicPr>
-          <p:nvPr/>
+          <p:nvPr>
+            <p:ph idx="1"/>
+          </p:nvPr>
         </p:nvPicPr>
-        <p:blipFill rotWithShape="1">
+        <p:blipFill>
           <a:blip r:embed="rId2"/>
-          <a:srcRect r="6975"/>
-          <a:stretch/>
+          <a:stretch>
+            <a:fillRect/>
+          </a:stretch>
         </p:blipFill>
         <p:spPr>
           <a:xfrm>
-            <a:off x="7451706" y="641226"/>
-            <a:ext cx="4412504" cy="3587183"/>
-          </a:xfrm>
-          <a:prstGeom prst="rect">
-            <a:avLst/>
-          </a:prstGeom>
+            <a:off x="1213250" y="0"/>
+            <a:ext cx="4930163" cy="6906574"/>
+          </a:xfrm>
         </p:spPr>
       </p:pic>
     </p:spTree>
     <p:extLst>
       <p:ext uri="{BB962C8B-B14F-4D97-AF65-F5344CB8AC3E}">
-        <p14:creationId xmlns:p14="http://schemas.microsoft.com/office/powerpoint/2010/main" val="1693353005"/>
+        <p14:creationId xmlns:p14="http://schemas.microsoft.com/office/powerpoint/2010/main" val="2999168719"/>
       </p:ext>
     </p:extLst>
   </p:cSld>
@@ -7321,10 +6058,119 @@
           </a:xfrm>
         </p:spPr>
       </p:pic>
+      <p:sp>
+        <p:nvSpPr>
+          <p:cNvPr id="2" name="Textfeld 1">
+            <a:extLst>
+              <a:ext uri="{FF2B5EF4-FFF2-40B4-BE49-F238E27FC236}">
+                <a16:creationId xmlns:a16="http://schemas.microsoft.com/office/drawing/2014/main" id="{F1496AD2-81E2-B8FD-C652-B5CC7CD2F755}"/>
+              </a:ext>
+            </a:extLst>
+          </p:cNvPr>
+          <p:cNvSpPr txBox="1"/>
+          <p:nvPr/>
+        </p:nvSpPr>
+        <p:spPr>
+          <a:xfrm>
+            <a:off x="6114143" y="1322832"/>
+            <a:ext cx="4864607" cy="923330"/>
+          </a:xfrm>
+          <a:prstGeom prst="rect">
+            <a:avLst/>
+          </a:prstGeom>
+          <a:noFill/>
+        </p:spPr>
+        <p:txBody>
+          <a:bodyPr wrap="square" rtlCol="0">
+            <a:spAutoFit/>
+          </a:bodyPr>
+          <a:lstStyle/>
+          <a:p>
+            <a:r>
+              <a:rPr lang="de-DE" dirty="0">
+                <a:solidFill>
+                  <a:srgbClr val="C6C6C6"/>
+                </a:solidFill>
+              </a:rPr>
+              <a:t>Funktionsaufruf direkt auf dem PC: </a:t>
+            </a:r>
+            <a:r>
+              <a:rPr lang="de-DE" b="1" dirty="0">
+                <a:solidFill>
+                  <a:srgbClr val="C6C6C6"/>
+                </a:solidFill>
+              </a:rPr>
+              <a:t>444 </a:t>
+            </a:r>
+            <a:r>
+              <a:rPr lang="de-DE" b="1" dirty="0" err="1">
+                <a:solidFill>
+                  <a:srgbClr val="C6C6C6"/>
+                </a:solidFill>
+              </a:rPr>
+              <a:t>ms</a:t>
+            </a:r>
+            <a:endParaRPr lang="de-DE" b="1" dirty="0">
+              <a:solidFill>
+                <a:srgbClr val="C6C6C6"/>
+              </a:solidFill>
+            </a:endParaRPr>
+          </a:p>
+          <a:p>
+            <a:r>
+              <a:rPr lang="de-DE" dirty="0">
+                <a:solidFill>
+                  <a:srgbClr val="C6C6C6"/>
+                </a:solidFill>
+              </a:rPr>
+              <a:t>Funktionsaufruf vom Arduino auf den PC: </a:t>
+            </a:r>
+            <a:r>
+              <a:rPr lang="de-DE" b="1" dirty="0">
+                <a:solidFill>
+                  <a:srgbClr val="C6C6C6"/>
+                </a:solidFill>
+              </a:rPr>
+              <a:t>447 </a:t>
+            </a:r>
+            <a:r>
+              <a:rPr lang="de-DE" b="1" dirty="0" err="1">
+                <a:solidFill>
+                  <a:srgbClr val="C6C6C6"/>
+                </a:solidFill>
+              </a:rPr>
+              <a:t>ms</a:t>
+            </a:r>
+            <a:endParaRPr lang="de-DE" b="1" dirty="0">
+              <a:solidFill>
+                <a:srgbClr val="C6C6C6"/>
+              </a:solidFill>
+            </a:endParaRPr>
+          </a:p>
+          <a:p>
+            <a:r>
+              <a:rPr lang="de-DE" dirty="0">
+                <a:solidFill>
+                  <a:srgbClr val="C6C6C6"/>
+                </a:solidFill>
+              </a:rPr>
+              <a:t>Funktionsaufruf auf dem Arduino: </a:t>
+            </a:r>
+            <a:r>
+              <a:rPr lang="de-DE" b="1" dirty="0">
+                <a:solidFill>
+                  <a:srgbClr val="C6C6C6"/>
+                </a:solidFill>
+              </a:rPr>
+              <a:t>ca. 28 min</a:t>
+            </a:r>
+          </a:p>
+        </p:txBody>
+      </p:sp>
     </p:spTree>
     <p:extLst>
       <p:ext uri="{BB962C8B-B14F-4D97-AF65-F5344CB8AC3E}">
-        <p14:creationId xmlns:p14="http://schemas.microsoft.com/office/powerpoint/2010/main" val="2999168719"/>
+        <p14:creationId xmlns:p14="http://schemas.microsoft.com/office/powerpoint/2010/main" val="4186693174"/>
       </p:ext>
     </p:extLst>
   </p:cSld>
@@ -7359,148 +6205,64 @@
           <a:chExt cx="0" cy="0"/>
         </a:xfrm>
       </p:grpSpPr>
-      <p:pic>
-        <p:nvPicPr>
-          <p:cNvPr id="5" name="Inhaltsplatzhalter 4">
-            <a:extLst>
-              <a:ext uri="{FF2B5EF4-FFF2-40B4-BE49-F238E27FC236}">
-                <a16:creationId xmlns:a16="http://schemas.microsoft.com/office/drawing/2014/main" id="{218136B5-0ED7-44B9-19DF-4855B492F8BB}"/>
-              </a:ext>
-            </a:extLst>
-          </p:cNvPr>
-          <p:cNvPicPr>
-            <a:picLocks noGrp="1" noChangeAspect="1"/>
-          </p:cNvPicPr>
+      <p:sp>
+        <p:nvSpPr>
+          <p:cNvPr id="4" name="Inhaltsplatzhalter 3">
+            <a:extLst>
+              <a:ext uri="{FF2B5EF4-FFF2-40B4-BE49-F238E27FC236}">
+                <a16:creationId xmlns:a16="http://schemas.microsoft.com/office/drawing/2014/main" id="{414B97A8-43E2-878E-E2DD-26A87BDD1ACE}"/>
+              </a:ext>
+            </a:extLst>
+          </p:cNvPr>
+          <p:cNvSpPr>
+            <a:spLocks noGrp="1"/>
+          </p:cNvSpPr>
           <p:nvPr>
             <p:ph idx="1"/>
           </p:nvPr>
+        </p:nvSpPr>
+        <p:spPr/>
+        <p:txBody>
+          <a:bodyPr/>
+          <a:lstStyle/>
+          <a:p>
+            <a:endParaRPr lang="de-DE"/>
+          </a:p>
+        </p:txBody>
+      </p:sp>
+      <p:pic>
+        <p:nvPicPr>
+          <p:cNvPr id="9" name="Grafik 8">
+            <a:extLst>
+              <a:ext uri="{FF2B5EF4-FFF2-40B4-BE49-F238E27FC236}">
+                <a16:creationId xmlns:a16="http://schemas.microsoft.com/office/drawing/2014/main" id="{CF111528-DC2E-4160-6C41-BAA2E07366D8}"/>
+              </a:ext>
+            </a:extLst>
+          </p:cNvPr>
+          <p:cNvPicPr>
+            <a:picLocks noChangeAspect="1"/>
+          </p:cNvPicPr>
+          <p:nvPr/>
         </p:nvPicPr>
-        <p:blipFill>
+        <p:blipFill rotWithShape="1">
           <a:blip r:embed="rId2"/>
-          <a:stretch>
-            <a:fillRect/>
-          </a:stretch>
+          <a:srcRect l="701"/>
+          <a:stretch/>
         </p:blipFill>
         <p:spPr>
           <a:xfrm>
-            <a:off x="1213250" y="0"/>
-            <a:ext cx="4930163" cy="6906574"/>
-          </a:xfrm>
-        </p:spPr>
-      </p:pic>
-      <p:sp>
-        <p:nvSpPr>
-          <p:cNvPr id="2" name="Textfeld 1">
-            <a:extLst>
-              <a:ext uri="{FF2B5EF4-FFF2-40B4-BE49-F238E27FC236}">
-                <a16:creationId xmlns:a16="http://schemas.microsoft.com/office/drawing/2014/main" id="{F1496AD2-81E2-B8FD-C652-B5CC7CD2F755}"/>
-              </a:ext>
-            </a:extLst>
-          </p:cNvPr>
-          <p:cNvSpPr txBox="1"/>
-          <p:nvPr/>
-        </p:nvSpPr>
-        <p:spPr>
-          <a:xfrm>
-            <a:off x="6114143" y="1322832"/>
-            <a:ext cx="4864607" cy="923330"/>
+            <a:off x="702975" y="0"/>
+            <a:ext cx="10786049" cy="6858000"/>
           </a:xfrm>
           <a:prstGeom prst="rect">
             <a:avLst/>
           </a:prstGeom>
-          <a:noFill/>
-        </p:spPr>
-        <p:txBody>
-          <a:bodyPr wrap="square" rtlCol="0">
-            <a:spAutoFit/>
-          </a:bodyPr>
-          <a:lstStyle/>
-          <a:p>
-            <a:r>
-              <a:rPr lang="de-DE" dirty="0">
-                <a:solidFill>
-                  <a:schemeClr val="bg1"/>
-                </a:solidFill>
-              </a:rPr>
-              <a:t>Funktionsaufruf direkt auf dem PC: </a:t>
-            </a:r>
-            <a:r>
-              <a:rPr lang="de-DE" b="1" dirty="0">
-                <a:solidFill>
-                  <a:schemeClr val="bg1"/>
-                </a:solidFill>
-              </a:rPr>
-              <a:t>444 </a:t>
-            </a:r>
-            <a:r>
-              <a:rPr lang="de-DE" b="1" dirty="0" err="1">
-                <a:solidFill>
-                  <a:schemeClr val="bg1"/>
-                </a:solidFill>
-              </a:rPr>
-              <a:t>ms</a:t>
-            </a:r>
-            <a:endParaRPr lang="de-DE" b="1" dirty="0">
-              <a:solidFill>
-                <a:schemeClr val="bg1"/>
-              </a:solidFill>
-            </a:endParaRPr>
-          </a:p>
-          <a:p>
-            <a:r>
-              <a:rPr lang="de-DE" dirty="0">
-                <a:solidFill>
-                  <a:schemeClr val="bg1"/>
-                </a:solidFill>
-              </a:rPr>
-              <a:t>Funktionsaufruf vom Arduino auf den PC: </a:t>
-            </a:r>
-            <a:r>
-              <a:rPr lang="de-DE" b="1" dirty="0">
-                <a:solidFill>
-                  <a:schemeClr val="bg1"/>
-                </a:solidFill>
-              </a:rPr>
-              <a:t>447 </a:t>
-            </a:r>
-            <a:r>
-              <a:rPr lang="de-DE" b="1" dirty="0" err="1">
-                <a:solidFill>
-                  <a:schemeClr val="bg1"/>
-                </a:solidFill>
-              </a:rPr>
-              <a:t>ms</a:t>
-            </a:r>
-            <a:endParaRPr lang="de-DE" b="1" dirty="0">
-              <a:solidFill>
-                <a:schemeClr val="bg1"/>
-              </a:solidFill>
-            </a:endParaRPr>
-          </a:p>
-          <a:p>
-            <a:r>
-              <a:rPr lang="de-DE" dirty="0">
-                <a:solidFill>
-                  <a:schemeClr val="bg1"/>
-                </a:solidFill>
-              </a:rPr>
-              <a:t>Funktionsaufruf auf dem Arduino: </a:t>
-            </a:r>
-            <a:r>
-              <a:rPr lang="de-DE" b="1" dirty="0">
-                <a:solidFill>
-                  <a:schemeClr val="bg1"/>
-                </a:solidFill>
-              </a:rPr>
-              <a:t>ca. 28 min</a:t>
-            </a:r>
-          </a:p>
-        </p:txBody>
-      </p:sp>
+        </p:spPr>
+      </p:pic>
     </p:spTree>
     <p:extLst>
       <p:ext uri="{BB962C8B-B14F-4D97-AF65-F5344CB8AC3E}">
-        <p14:creationId xmlns:p14="http://schemas.microsoft.com/office/powerpoint/2010/main" val="4186693174"/>
+        <p14:creationId xmlns:p14="http://schemas.microsoft.com/office/powerpoint/2010/main" val="481390626"/>
       </p:ext>
     </p:extLst>
   </p:cSld>
@@ -7562,10 +6324,10 @@
       </p:sp>
       <p:pic>
         <p:nvPicPr>
-          <p:cNvPr id="9" name="Grafik 8">
-            <a:extLst>
-              <a:ext uri="{FF2B5EF4-FFF2-40B4-BE49-F238E27FC236}">
-                <a16:creationId xmlns:a16="http://schemas.microsoft.com/office/drawing/2014/main" id="{CF111528-DC2E-4160-6C41-BAA2E07366D8}"/>
+          <p:cNvPr id="3" name="Grafik 2">
+            <a:extLst>
+              <a:ext uri="{FF2B5EF4-FFF2-40B4-BE49-F238E27FC236}">
+                <a16:creationId xmlns:a16="http://schemas.microsoft.com/office/drawing/2014/main" id="{974E32CA-8C0D-2E1A-DBF9-0285CC91B873}"/>
               </a:ext>
             </a:extLst>
           </p:cNvPr>
@@ -7574,16 +6336,15 @@
           </p:cNvPicPr>
           <p:nvPr/>
         </p:nvPicPr>
-        <p:blipFill>
+        <p:blipFill rotWithShape="1">
           <a:blip r:embed="rId2"/>
-          <a:stretch>
-            <a:fillRect/>
-          </a:stretch>
+          <a:srcRect l="900"/>
+          <a:stretch/>
         </p:blipFill>
         <p:spPr>
           <a:xfrm>
-            <a:off x="838200" y="0"/>
-            <a:ext cx="10862249" cy="6858000"/>
+            <a:off x="713733" y="0"/>
+            <a:ext cx="10764534" cy="6858000"/>
           </a:xfrm>
           <a:prstGeom prst="rect">
             <a:avLst/>
@@ -7593,7 +6354,7 @@
     </p:spTree>
     <p:extLst>
       <p:ext uri="{BB962C8B-B14F-4D97-AF65-F5344CB8AC3E}">
-        <p14:creationId xmlns:p14="http://schemas.microsoft.com/office/powerpoint/2010/main" val="481390626"/>
+        <p14:creationId xmlns:p14="http://schemas.microsoft.com/office/powerpoint/2010/main" val="3303009876"/>
       </p:ext>
     </p:extLst>
   </p:cSld>
@@ -7655,10 +6416,10 @@
       </p:sp>
       <p:pic>
         <p:nvPicPr>
-          <p:cNvPr id="3" name="Grafik 2">
-            <a:extLst>
-              <a:ext uri="{FF2B5EF4-FFF2-40B4-BE49-F238E27FC236}">
-                <a16:creationId xmlns:a16="http://schemas.microsoft.com/office/drawing/2014/main" id="{974E32CA-8C0D-2E1A-DBF9-0285CC91B873}"/>
+          <p:cNvPr id="5" name="Grafik 4">
+            <a:extLst>
+              <a:ext uri="{FF2B5EF4-FFF2-40B4-BE49-F238E27FC236}">
+                <a16:creationId xmlns:a16="http://schemas.microsoft.com/office/drawing/2014/main" id="{A47080B9-9197-6E8C-16F3-CF560BFF1376}"/>
               </a:ext>
             </a:extLst>
           </p:cNvPr>
@@ -7667,16 +6428,15 @@
           </p:cNvPicPr>
           <p:nvPr/>
         </p:nvPicPr>
-        <p:blipFill>
+        <p:blipFill rotWithShape="1">
           <a:blip r:embed="rId2"/>
-          <a:stretch>
-            <a:fillRect/>
-          </a:stretch>
+          <a:srcRect l="900"/>
+          <a:stretch/>
         </p:blipFill>
         <p:spPr>
           <a:xfrm>
-            <a:off x="838200" y="0"/>
-            <a:ext cx="10862249" cy="6858000"/>
+            <a:off x="713733" y="0"/>
+            <a:ext cx="10764534" cy="6858000"/>
           </a:xfrm>
           <a:prstGeom prst="rect">
             <a:avLst/>
@@ -7686,7 +6446,7 @@
     </p:spTree>
     <p:extLst>
       <p:ext uri="{BB962C8B-B14F-4D97-AF65-F5344CB8AC3E}">
-        <p14:creationId xmlns:p14="http://schemas.microsoft.com/office/powerpoint/2010/main" val="3303009876"/>
+        <p14:creationId xmlns:p14="http://schemas.microsoft.com/office/powerpoint/2010/main" val="2203242814"/>
       </p:ext>
     </p:extLst>
   </p:cSld>
@@ -7723,10 +6483,42 @@
       </p:grpSpPr>
       <p:sp>
         <p:nvSpPr>
-          <p:cNvPr id="4" name="Inhaltsplatzhalter 3">
-            <a:extLst>
-              <a:ext uri="{FF2B5EF4-FFF2-40B4-BE49-F238E27FC236}">
-                <a16:creationId xmlns:a16="http://schemas.microsoft.com/office/drawing/2014/main" id="{414B97A8-43E2-878E-E2DD-26A87BDD1ACE}"/>
+          <p:cNvPr id="2" name="Titel 1">
+            <a:extLst>
+              <a:ext uri="{FF2B5EF4-FFF2-40B4-BE49-F238E27FC236}">
+                <a16:creationId xmlns:a16="http://schemas.microsoft.com/office/drawing/2014/main" id="{FBCFB6EF-4632-6F9B-6E43-F2A43DC08005}"/>
+              </a:ext>
+            </a:extLst>
+          </p:cNvPr>
+          <p:cNvSpPr>
+            <a:spLocks noGrp="1"/>
+          </p:cNvSpPr>
+          <p:nvPr>
+            <p:ph type="title"/>
+          </p:nvPr>
+        </p:nvSpPr>
+        <p:spPr/>
+        <p:txBody>
+          <a:bodyPr/>
+          <a:lstStyle/>
+          <a:p>
+            <a:r>
+              <a:rPr lang="de-DE" dirty="0">
+                <a:solidFill>
+                  <a:srgbClr val="C6C6C6"/>
+                </a:solidFill>
+              </a:rPr>
+              <a:t>Ausblick</a:t>
+            </a:r>
+          </a:p>
+        </p:txBody>
+      </p:sp>
+      <p:sp>
+        <p:nvSpPr>
+          <p:cNvPr id="3" name="Inhaltsplatzhalter 2">
+            <a:extLst>
+              <a:ext uri="{FF2B5EF4-FFF2-40B4-BE49-F238E27FC236}">
+                <a16:creationId xmlns:a16="http://schemas.microsoft.com/office/drawing/2014/main" id="{4B49AF34-D785-351C-0741-87B27049BA88}"/>
               </a:ext>
             </a:extLst>
           </p:cNvPr>
@@ -7742,138 +6534,24 @@
           <a:bodyPr/>
           <a:lstStyle/>
           <a:p>
-            <a:endParaRPr lang="de-DE"/>
-          </a:p>
-        </p:txBody>
-      </p:sp>
-      <p:pic>
-        <p:nvPicPr>
-          <p:cNvPr id="5" name="Grafik 4">
-            <a:extLst>
-              <a:ext uri="{FF2B5EF4-FFF2-40B4-BE49-F238E27FC236}">
-                <a16:creationId xmlns:a16="http://schemas.microsoft.com/office/drawing/2014/main" id="{A47080B9-9197-6E8C-16F3-CF560BFF1376}"/>
-              </a:ext>
-            </a:extLst>
-          </p:cNvPr>
-          <p:cNvPicPr>
-            <a:picLocks noChangeAspect="1"/>
-          </p:cNvPicPr>
-          <p:nvPr/>
-        </p:nvPicPr>
-        <p:blipFill>
-          <a:blip r:embed="rId2"/>
-          <a:stretch>
-            <a:fillRect/>
-          </a:stretch>
-        </p:blipFill>
-        <p:spPr>
-          <a:xfrm>
-            <a:off x="838200" y="0"/>
-            <a:ext cx="10862249" cy="6858000"/>
-          </a:xfrm>
-          <a:prstGeom prst="rect">
-            <a:avLst/>
-          </a:prstGeom>
-        </p:spPr>
-      </p:pic>
-    </p:spTree>
-    <p:extLst>
-      <p:ext uri="{BB962C8B-B14F-4D97-AF65-F5344CB8AC3E}">
-        <p14:creationId xmlns:p14="http://schemas.microsoft.com/office/powerpoint/2010/main" val="2203242814"/>
-      </p:ext>
-    </p:extLst>
-  </p:cSld>
-  <p:clrMapOvr>
-    <a:masterClrMapping/>
-  </p:clrMapOvr>
-</p:sld>
-</file>
-
-<file path=ppt/slides/slide18.xml><?xml version="1.0" encoding="utf-8"?>
-<p:sld xmlns:a="http://schemas.openxmlformats.org/drawingml/2006/main" xmlns:r="http://schemas.openxmlformats.org/officeDocument/2006/relationships" xmlns:p="http://schemas.openxmlformats.org/presentationml/2006/main">
-  <p:cSld>
-    <p:bg>
-      <p:bgPr>
-        <a:solidFill>
-          <a:srgbClr val="2B2B2B"/>
-        </a:solidFill>
-        <a:effectLst/>
-      </p:bgPr>
-    </p:bg>
-    <p:spTree>
-      <p:nvGrpSpPr>
-        <p:cNvPr id="1" name=""/>
-        <p:cNvGrpSpPr/>
-        <p:nvPr/>
-      </p:nvGrpSpPr>
-      <p:grpSpPr>
-        <a:xfrm>
-          <a:off x="0" y="0"/>
-          <a:ext cx="0" cy="0"/>
-          <a:chOff x="0" y="0"/>
-          <a:chExt cx="0" cy="0"/>
-        </a:xfrm>
-      </p:grpSpPr>
-      <p:sp>
-        <p:nvSpPr>
-          <p:cNvPr id="2" name="Titel 1">
-            <a:extLst>
-              <a:ext uri="{FF2B5EF4-FFF2-40B4-BE49-F238E27FC236}">
-                <a16:creationId xmlns:a16="http://schemas.microsoft.com/office/drawing/2014/main" id="{FBCFB6EF-4632-6F9B-6E43-F2A43DC08005}"/>
-              </a:ext>
-            </a:extLst>
-          </p:cNvPr>
-          <p:cNvSpPr>
-            <a:spLocks noGrp="1"/>
-          </p:cNvSpPr>
-          <p:nvPr>
-            <p:ph type="title"/>
-          </p:nvPr>
-        </p:nvSpPr>
-        <p:spPr/>
-        <p:txBody>
-          <a:bodyPr/>
-          <a:lstStyle/>
-          <a:p>
             <a:r>
               <a:rPr lang="de-DE" dirty="0">
                 <a:solidFill>
-                  <a:schemeClr val="bg1"/>
-                </a:solidFill>
-              </a:rPr>
-              <a:t>Ausblick</a:t>
-            </a:r>
-          </a:p>
-        </p:txBody>
-      </p:sp>
-      <p:sp>
-        <p:nvSpPr>
-          <p:cNvPr id="3" name="Inhaltsplatzhalter 2">
-            <a:extLst>
-              <a:ext uri="{FF2B5EF4-FFF2-40B4-BE49-F238E27FC236}">
-                <a16:creationId xmlns:a16="http://schemas.microsoft.com/office/drawing/2014/main" id="{4B49AF34-D785-351C-0741-87B27049BA88}"/>
-              </a:ext>
-            </a:extLst>
-          </p:cNvPr>
-          <p:cNvSpPr>
-            <a:spLocks noGrp="1"/>
-          </p:cNvSpPr>
-          <p:nvPr>
-            <p:ph idx="1"/>
-          </p:nvPr>
-        </p:nvSpPr>
-        <p:spPr/>
-        <p:txBody>
-          <a:bodyPr/>
-          <a:lstStyle/>
-          <a:p>
+                  <a:srgbClr val="C6C6C6"/>
+                </a:solidFill>
+              </a:rPr>
+              <a:t>Mehr Features:</a:t>
+            </a:r>
+          </a:p>
+          <a:p>
+            <a:pPr lvl="1"/>
             <a:r>
               <a:rPr lang="de-DE" dirty="0">
                 <a:solidFill>
-                  <a:schemeClr val="bg1"/>
-                </a:solidFill>
-              </a:rPr>
-              <a:t>Mehr Features:</a:t>
+                  <a:srgbClr val="C6C6C6"/>
+                </a:solidFill>
+              </a:rPr>
+              <a:t>Datentypen (z.B. Listen etc.)</a:t>
             </a:r>
           </a:p>
           <a:p>
@@ -7881,10 +6559,10 @@
             <a:r>
               <a:rPr lang="de-DE" dirty="0">
                 <a:solidFill>
-                  <a:schemeClr val="bg1"/>
-                </a:solidFill>
-              </a:rPr>
-              <a:t>Datentypen (z.B. Listen etc.)</a:t>
+                  <a:srgbClr val="C6C6C6"/>
+                </a:solidFill>
+              </a:rPr>
+              <a:t>Features von Python und Arduino (z.B. Builtins, Bibliotheken)</a:t>
             </a:r>
           </a:p>
           <a:p>
@@ -7892,10 +6570,10 @@
             <a:r>
               <a:rPr lang="de-DE" dirty="0">
                 <a:solidFill>
-                  <a:schemeClr val="bg1"/>
-                </a:solidFill>
-              </a:rPr>
-              <a:t>Features von Python und Arduino (z.B. Builtins, Bibliotheken)</a:t>
+                  <a:srgbClr val="C6C6C6"/>
+                </a:solidFill>
+              </a:rPr>
+              <a:t>Objektorientierung (Klassen, Vererbung)</a:t>
             </a:r>
           </a:p>
           <a:p>
@@ -7903,64 +6581,53 @@
             <a:r>
               <a:rPr lang="de-DE" dirty="0">
                 <a:solidFill>
-                  <a:schemeClr val="bg1"/>
-                </a:solidFill>
-              </a:rPr>
-              <a:t>Objektorientierung (Klassen, Vererbung)</a:t>
-            </a:r>
-          </a:p>
-          <a:p>
-            <a:pPr lvl="1"/>
+                  <a:srgbClr val="C6C6C6"/>
+                </a:solidFill>
+              </a:rPr>
+              <a:t>Asynchrone Anfragen und Funktionsaufrufe</a:t>
+            </a:r>
+          </a:p>
+          <a:p>
             <a:r>
               <a:rPr lang="de-DE" dirty="0">
                 <a:solidFill>
-                  <a:schemeClr val="bg1"/>
-                </a:solidFill>
-              </a:rPr>
-              <a:t>Asynchrone Anfragen und Funktionsaufrufe</a:t>
-            </a:r>
-          </a:p>
-          <a:p>
+                  <a:srgbClr val="C6C6C6"/>
+                </a:solidFill>
+              </a:rPr>
+              <a:t>Optimierung von </a:t>
+            </a:r>
+            <a:r>
+              <a:rPr lang="de-DE" dirty="0" err="1">
+                <a:solidFill>
+                  <a:srgbClr val="C6C6C6"/>
+                </a:solidFill>
+              </a:rPr>
+              <a:t>Compilieren</a:t>
+            </a:r>
             <a:r>
               <a:rPr lang="de-DE" dirty="0">
                 <a:solidFill>
-                  <a:schemeClr val="bg1"/>
-                </a:solidFill>
-              </a:rPr>
-              <a:t>Optimierung von </a:t>
-            </a:r>
-            <a:r>
-              <a:rPr lang="de-DE" dirty="0" err="1">
-                <a:solidFill>
-                  <a:schemeClr val="bg1"/>
-                </a:solidFill>
-              </a:rPr>
-              <a:t>Compilieren</a:t>
-            </a:r>
+                  <a:srgbClr val="C6C6C6"/>
+                </a:solidFill>
+              </a:rPr>
+              <a:t> und hochladen</a:t>
+            </a:r>
+          </a:p>
+          <a:p>
             <a:r>
               <a:rPr lang="de-DE" dirty="0">
                 <a:solidFill>
-                  <a:schemeClr val="bg1"/>
-                </a:solidFill>
-              </a:rPr>
-              <a:t> und hochladen</a:t>
+                  <a:srgbClr val="C6C6C6"/>
+                </a:solidFill>
+              </a:rPr>
+              <a:t>Linux support</a:t>
             </a:r>
           </a:p>
           <a:p>
             <a:r>
               <a:rPr lang="de-DE" dirty="0">
                 <a:solidFill>
-                  <a:schemeClr val="bg1"/>
-                </a:solidFill>
-              </a:rPr>
-              <a:t>Linux support</a:t>
-            </a:r>
-          </a:p>
-          <a:p>
-            <a:r>
-              <a:rPr lang="de-DE" dirty="0">
-                <a:solidFill>
-                  <a:schemeClr val="bg1"/>
+                  <a:srgbClr val="C6C6C6"/>
                 </a:solidFill>
               </a:rPr>
               <a:t>Eigene IDE</a:t>
@@ -7969,14 +6636,14 @@
           <a:p>
             <a:endParaRPr lang="de-DE" dirty="0">
               <a:solidFill>
-                <a:schemeClr val="bg1"/>
+                <a:srgbClr val="C6C6C6"/>
               </a:solidFill>
             </a:endParaRPr>
           </a:p>
           <a:p>
             <a:endParaRPr lang="de-DE" dirty="0">
               <a:solidFill>
-                <a:schemeClr val="bg1"/>
+                <a:srgbClr val="C6C6C6"/>
               </a:solidFill>
             </a:endParaRPr>
           </a:p>
@@ -7984,7 +6651,7 @@
             <a:pPr lvl="1"/>
             <a:endParaRPr lang="de-DE" dirty="0">
               <a:solidFill>
-                <a:schemeClr val="bg1"/>
+                <a:srgbClr val="C6C6C6"/>
               </a:solidFill>
             </a:endParaRPr>
           </a:p>
@@ -7992,7 +6659,7 @@
             <a:pPr lvl="1"/>
             <a:endParaRPr lang="de-DE" dirty="0">
               <a:solidFill>
-                <a:schemeClr val="bg1"/>
+                <a:srgbClr val="C6C6C6"/>
               </a:solidFill>
             </a:endParaRPr>
           </a:p>
@@ -8002,14 +6669,14 @@
             </a:pPr>
             <a:endParaRPr lang="de-DE" dirty="0">
               <a:solidFill>
-                <a:schemeClr val="bg1"/>
+                <a:srgbClr val="C6C6C6"/>
               </a:solidFill>
             </a:endParaRPr>
           </a:p>
           <a:p>
             <a:endParaRPr lang="de-DE" dirty="0">
               <a:solidFill>
-                <a:schemeClr val="bg1"/>
+                <a:srgbClr val="C6C6C6"/>
               </a:solidFill>
             </a:endParaRPr>
           </a:p>
@@ -8262,6 +6929,14 @@
 <file path=ppt/slides/slide5.xml><?xml version="1.0" encoding="utf-8"?>
 <p:sld xmlns:a="http://schemas.openxmlformats.org/drawingml/2006/main" xmlns:r="http://schemas.openxmlformats.org/officeDocument/2006/relationships" xmlns:p="http://schemas.openxmlformats.org/presentationml/2006/main">
   <p:cSld>
+    <p:bg>
+      <p:bgPr>
+        <a:solidFill>
+          <a:srgbClr val="2B2B2B"/>
+        </a:solidFill>
+        <a:effectLst/>
+      </p:bgPr>
+    </p:bg>
     <p:spTree>
       <p:nvGrpSpPr>
         <p:cNvPr id="1" name=""/>
@@ -8292,25 +6967,38 @@
             <p:ph type="title"/>
           </p:nvPr>
         </p:nvSpPr>
-        <p:spPr/>
+        <p:spPr>
+          <a:xfrm>
+            <a:off x="0" y="0"/>
+            <a:ext cx="10515600" cy="1325563"/>
+          </a:xfrm>
+        </p:spPr>
         <p:txBody>
           <a:bodyPr/>
           <a:lstStyle/>
           <a:p>
             <a:r>
-              <a:rPr lang="de-DE" dirty="0" err="1"/>
+              <a:rPr lang="de-DE" dirty="0" err="1">
+                <a:solidFill>
+                  <a:srgbClr val="C6C6C6"/>
+                </a:solidFill>
+              </a:rPr>
               <a:t>Tokenizer</a:t>
             </a:r>
-            <a:endParaRPr lang="de-DE" dirty="0"/>
+            <a:endParaRPr lang="de-DE" dirty="0">
+              <a:solidFill>
+                <a:srgbClr val="C6C6C6"/>
+              </a:solidFill>
+            </a:endParaRPr>
           </a:p>
         </p:txBody>
       </p:sp>
       <p:pic>
         <p:nvPicPr>
-          <p:cNvPr id="9" name="Inhaltsplatzhalter 8">
-            <a:extLst>
-              <a:ext uri="{FF2B5EF4-FFF2-40B4-BE49-F238E27FC236}">
-                <a16:creationId xmlns:a16="http://schemas.microsoft.com/office/drawing/2014/main" id="{62DAEE0F-4FB3-7EE7-5D66-ACF3A35CC233}"/>
+          <p:cNvPr id="11" name="Inhaltsplatzhalter 10">
+            <a:extLst>
+              <a:ext uri="{FF2B5EF4-FFF2-40B4-BE49-F238E27FC236}">
+                <a16:creationId xmlns:a16="http://schemas.microsoft.com/office/drawing/2014/main" id="{A86BAE69-513E-2B1B-F39B-623499C5DAA6}"/>
               </a:ext>
             </a:extLst>
           </p:cNvPr>
@@ -8321,7 +7009,7 @@
             <p:ph idx="1"/>
           </p:nvPr>
         </p:nvPicPr>
-        <p:blipFill>
+        <p:blipFill rotWithShape="1">
           <a:blip r:embed="rId2">
             <a:extLst>
               <a:ext uri="{28A0092B-C50C-407E-A947-70E740481C1C}">
@@ -8332,14 +7020,13 @@
               </a:ext>
             </a:extLst>
           </a:blip>
-          <a:stretch>
-            <a:fillRect/>
-          </a:stretch>
+          <a:srcRect l="2214"/>
+          <a:stretch/>
         </p:blipFill>
         <p:spPr>
           <a:xfrm>
-            <a:off x="1001663" y="0"/>
-            <a:ext cx="10188673" cy="6795387"/>
+            <a:off x="1384753" y="365125"/>
+            <a:ext cx="9422493" cy="6562842"/>
           </a:xfrm>
         </p:spPr>
       </p:pic>
@@ -8359,6 +7046,14 @@
 <file path=ppt/slides/slide6.xml><?xml version="1.0" encoding="utf-8"?>
 <p:sld xmlns:a="http://schemas.openxmlformats.org/drawingml/2006/main" xmlns:r="http://schemas.openxmlformats.org/officeDocument/2006/relationships" xmlns:p="http://schemas.openxmlformats.org/presentationml/2006/main">
   <p:cSld>
+    <p:bg>
+      <p:bgPr>
+        <a:solidFill>
+          <a:srgbClr val="2B2B2B"/>
+        </a:solidFill>
+        <a:effectLst/>
+      </p:bgPr>
+    </p:bg>
     <p:spTree>
       <p:nvGrpSpPr>
         <p:cNvPr id="1" name=""/>
@@ -8373,12 +7068,49 @@
           <a:chExt cx="0" cy="0"/>
         </a:xfrm>
       </p:grpSpPr>
+      <p:sp>
+        <p:nvSpPr>
+          <p:cNvPr id="2" name="Titel 1">
+            <a:extLst>
+              <a:ext uri="{FF2B5EF4-FFF2-40B4-BE49-F238E27FC236}">
+                <a16:creationId xmlns:a16="http://schemas.microsoft.com/office/drawing/2014/main" id="{58E05B99-798C-C0FF-4C3F-5386AF78CBD5}"/>
+              </a:ext>
+            </a:extLst>
+          </p:cNvPr>
+          <p:cNvSpPr>
+            <a:spLocks noGrp="1"/>
+          </p:cNvSpPr>
+          <p:nvPr>
+            <p:ph type="title"/>
+          </p:nvPr>
+        </p:nvSpPr>
+        <p:spPr>
+          <a:xfrm>
+            <a:off x="0" y="0"/>
+            <a:ext cx="10515600" cy="1325563"/>
+          </a:xfrm>
+        </p:spPr>
+        <p:txBody>
+          <a:bodyPr/>
+          <a:lstStyle/>
+          <a:p>
+            <a:r>
+              <a:rPr lang="de-DE" dirty="0">
+                <a:solidFill>
+                  <a:srgbClr val="C6C6C6"/>
+                </a:solidFill>
+              </a:rPr>
+              <a:t>Transpiler</a:t>
+            </a:r>
+          </a:p>
+        </p:txBody>
+      </p:sp>
       <p:pic>
         <p:nvPicPr>
-          <p:cNvPr id="17" name="Inhaltsplatzhalter 16">
-            <a:extLst>
-              <a:ext uri="{FF2B5EF4-FFF2-40B4-BE49-F238E27FC236}">
-                <a16:creationId xmlns:a16="http://schemas.microsoft.com/office/drawing/2014/main" id="{79417BF2-6664-4AAD-182D-354B8BEFDD88}"/>
+          <p:cNvPr id="10" name="Inhaltsplatzhalter 9">
+            <a:extLst>
+              <a:ext uri="{FF2B5EF4-FFF2-40B4-BE49-F238E27FC236}">
+                <a16:creationId xmlns:a16="http://schemas.microsoft.com/office/drawing/2014/main" id="{30430AFC-61EA-B229-C82E-2802BB16B27E}"/>
               </a:ext>
             </a:extLst>
           </p:cNvPr>
@@ -8406,15 +7138,15 @@
         </p:blipFill>
         <p:spPr>
           <a:xfrm>
-            <a:off x="882932" y="2926"/>
-            <a:ext cx="10426136" cy="6855074"/>
+            <a:off x="1417084" y="0"/>
+            <a:ext cx="9357832" cy="6977063"/>
           </a:xfrm>
         </p:spPr>
       </p:pic>
     </p:spTree>
     <p:extLst>
       <p:ext uri="{BB962C8B-B14F-4D97-AF65-F5344CB8AC3E}">
-        <p14:creationId xmlns:p14="http://schemas.microsoft.com/office/powerpoint/2010/main" val="8731106"/>
+        <p14:creationId xmlns:p14="http://schemas.microsoft.com/office/powerpoint/2010/main" val="2382948717"/>
       </p:ext>
     </p:extLst>
   </p:cSld>
@@ -8427,591 +7159,14 @@
 <file path=ppt/slides/slide7.xml><?xml version="1.0" encoding="utf-8"?>
 <p:sld xmlns:a="http://schemas.openxmlformats.org/drawingml/2006/main" xmlns:r="http://schemas.openxmlformats.org/officeDocument/2006/relationships" xmlns:p="http://schemas.openxmlformats.org/presentationml/2006/main">
   <p:cSld>
-    <p:spTree>
-      <p:nvGrpSpPr>
-        <p:cNvPr id="1" name=""/>
-        <p:cNvGrpSpPr/>
-        <p:nvPr/>
-      </p:nvGrpSpPr>
-      <p:grpSpPr>
-        <a:xfrm>
-          <a:off x="0" y="0"/>
-          <a:ext cx="0" cy="0"/>
-          <a:chOff x="0" y="0"/>
-          <a:chExt cx="0" cy="0"/>
-        </a:xfrm>
-      </p:grpSpPr>
-      <p:sp>
-        <p:nvSpPr>
-          <p:cNvPr id="2" name="Titel 1">
-            <a:extLst>
-              <a:ext uri="{FF2B5EF4-FFF2-40B4-BE49-F238E27FC236}">
-                <a16:creationId xmlns:a16="http://schemas.microsoft.com/office/drawing/2014/main" id="{58E05B99-798C-C0FF-4C3F-5386AF78CBD5}"/>
-              </a:ext>
-            </a:extLst>
-          </p:cNvPr>
-          <p:cNvSpPr>
-            <a:spLocks noGrp="1"/>
-          </p:cNvSpPr>
-          <p:nvPr>
-            <p:ph type="title"/>
-          </p:nvPr>
-        </p:nvSpPr>
-        <p:spPr/>
-        <p:txBody>
-          <a:bodyPr/>
-          <a:lstStyle/>
-          <a:p>
-            <a:pPr algn="ctr"/>
-            <a:r>
-              <a:rPr lang="de-DE" dirty="0" err="1"/>
-              <a:t>Tokenizer</a:t>
-            </a:r>
-            <a:endParaRPr lang="de-DE" dirty="0"/>
-          </a:p>
-        </p:txBody>
-      </p:sp>
-      <p:pic>
-        <p:nvPicPr>
-          <p:cNvPr id="6" name="Grafik 5">
-            <a:extLst>
-              <a:ext uri="{FF2B5EF4-FFF2-40B4-BE49-F238E27FC236}">
-                <a16:creationId xmlns:a16="http://schemas.microsoft.com/office/drawing/2014/main" id="{97256BA7-4E53-0FEE-8477-AF8F9C5705A6}"/>
-              </a:ext>
-            </a:extLst>
-          </p:cNvPr>
-          <p:cNvPicPr>
-            <a:picLocks noChangeAspect="1"/>
-          </p:cNvPicPr>
-          <p:nvPr/>
-        </p:nvPicPr>
-        <p:blipFill rotWithShape="1">
-          <a:blip r:embed="rId2"/>
-          <a:srcRect t="19886" r="22224"/>
-          <a:stretch/>
-        </p:blipFill>
-        <p:spPr>
-          <a:xfrm>
-            <a:off x="118477" y="1456943"/>
-            <a:ext cx="11943194" cy="1164337"/>
-          </a:xfrm>
-          <a:prstGeom prst="rect">
-            <a:avLst/>
-          </a:prstGeom>
-        </p:spPr>
-      </p:pic>
-      <p:pic>
-        <p:nvPicPr>
-          <p:cNvPr id="1030" name="Picture 6">
-            <a:extLst>
-              <a:ext uri="{FF2B5EF4-FFF2-40B4-BE49-F238E27FC236}">
-                <a16:creationId xmlns:a16="http://schemas.microsoft.com/office/drawing/2014/main" id="{7FF59B1E-7B70-7B33-6B96-07DC9F1BFC99}"/>
-              </a:ext>
-            </a:extLst>
-          </p:cNvPr>
-          <p:cNvPicPr>
-            <a:picLocks noChangeAspect="1" noChangeArrowheads="1"/>
-          </p:cNvPicPr>
-          <p:nvPr/>
-        </p:nvPicPr>
-        <p:blipFill rotWithShape="1">
-          <a:blip r:embed="rId3">
-            <a:extLst>
-              <a:ext uri="{28A0092B-C50C-407E-A947-70E740481C1C}">
-                <a14:useLocalDpi xmlns:a14="http://schemas.microsoft.com/office/drawing/2010/main" val="0"/>
-              </a:ext>
-            </a:extLst>
-          </a:blip>
-          <a:srcRect l="6397" r="6395"/>
-          <a:stretch/>
-        </p:blipFill>
-        <p:spPr bwMode="auto">
-          <a:xfrm>
-            <a:off x="130329" y="2628646"/>
-            <a:ext cx="1973694" cy="1846007"/>
-          </a:xfrm>
-          <a:prstGeom prst="rect">
-            <a:avLst/>
-          </a:prstGeom>
-          <a:noFill/>
-          <a:extLst>
-            <a:ext uri="{909E8E84-426E-40DD-AFC4-6F175D3DCCD1}">
-              <a14:hiddenFill xmlns:a14="http://schemas.microsoft.com/office/drawing/2010/main">
-                <a:solidFill>
-                  <a:srgbClr val="FFFFFF"/>
-                </a:solidFill>
-              </a14:hiddenFill>
-            </a:ext>
-          </a:extLst>
-        </p:spPr>
-      </p:pic>
-      <p:pic>
-        <p:nvPicPr>
-          <p:cNvPr id="1032" name="Picture 8">
-            <a:extLst>
-              <a:ext uri="{FF2B5EF4-FFF2-40B4-BE49-F238E27FC236}">
-                <a16:creationId xmlns:a16="http://schemas.microsoft.com/office/drawing/2014/main" id="{36F8C8C3-3849-1E40-865F-EF29BFCA9355}"/>
-              </a:ext>
-            </a:extLst>
-          </p:cNvPr>
-          <p:cNvPicPr>
-            <a:picLocks noChangeAspect="1" noChangeArrowheads="1"/>
-          </p:cNvPicPr>
-          <p:nvPr/>
-        </p:nvPicPr>
-        <p:blipFill rotWithShape="1">
-          <a:blip r:embed="rId4">
-            <a:extLst>
-              <a:ext uri="{28A0092B-C50C-407E-A947-70E740481C1C}">
-                <a14:useLocalDpi xmlns:a14="http://schemas.microsoft.com/office/drawing/2010/main" val="0"/>
-              </a:ext>
-            </a:extLst>
-          </a:blip>
-          <a:srcRect l="6265" r="6527"/>
-          <a:stretch/>
-        </p:blipFill>
-        <p:spPr bwMode="auto">
-          <a:xfrm>
-            <a:off x="2104023" y="2621280"/>
-            <a:ext cx="1973694" cy="1846007"/>
-          </a:xfrm>
-          <a:prstGeom prst="rect">
-            <a:avLst/>
-          </a:prstGeom>
-          <a:noFill/>
-          <a:extLst>
-            <a:ext uri="{909E8E84-426E-40DD-AFC4-6F175D3DCCD1}">
-              <a14:hiddenFill xmlns:a14="http://schemas.microsoft.com/office/drawing/2010/main">
-                <a:solidFill>
-                  <a:srgbClr val="FFFFFF"/>
-                </a:solidFill>
-              </a14:hiddenFill>
-            </a:ext>
-          </a:extLst>
-        </p:spPr>
-      </p:pic>
-      <p:pic>
-        <p:nvPicPr>
-          <p:cNvPr id="1034" name="Picture 10">
-            <a:extLst>
-              <a:ext uri="{FF2B5EF4-FFF2-40B4-BE49-F238E27FC236}">
-                <a16:creationId xmlns:a16="http://schemas.microsoft.com/office/drawing/2014/main" id="{5DA61A26-545F-7C18-03C8-F41F8655E212}"/>
-              </a:ext>
-            </a:extLst>
-          </p:cNvPr>
-          <p:cNvPicPr>
-            <a:picLocks noGrp="1" noChangeAspect="1" noChangeArrowheads="1"/>
-          </p:cNvPicPr>
-          <p:nvPr>
-            <p:ph idx="1"/>
-          </p:nvPr>
-        </p:nvPicPr>
-        <p:blipFill rotWithShape="1">
-          <a:blip r:embed="rId5">
-            <a:extLst>
-              <a:ext uri="{28A0092B-C50C-407E-A947-70E740481C1C}">
-                <a14:useLocalDpi xmlns:a14="http://schemas.microsoft.com/office/drawing/2010/main" val="0"/>
-              </a:ext>
-            </a:extLst>
-          </a:blip>
-          <a:srcRect l="6554" r="6238"/>
-          <a:stretch/>
-        </p:blipFill>
-        <p:spPr bwMode="auto">
-          <a:xfrm>
-            <a:off x="4077717" y="2633244"/>
-            <a:ext cx="1973694" cy="1863153"/>
-          </a:xfrm>
-          <a:prstGeom prst="rect">
-            <a:avLst/>
-          </a:prstGeom>
-          <a:noFill/>
-          <a:extLst>
-            <a:ext uri="{909E8E84-426E-40DD-AFC4-6F175D3DCCD1}">
-              <a14:hiddenFill xmlns:a14="http://schemas.microsoft.com/office/drawing/2010/main">
-                <a:solidFill>
-                  <a:srgbClr val="FFFFFF"/>
-                </a:solidFill>
-              </a14:hiddenFill>
-            </a:ext>
-          </a:extLst>
-        </p:spPr>
-      </p:pic>
-      <p:pic>
-        <p:nvPicPr>
-          <p:cNvPr id="1038" name="Picture 14">
-            <a:extLst>
-              <a:ext uri="{FF2B5EF4-FFF2-40B4-BE49-F238E27FC236}">
-                <a16:creationId xmlns:a16="http://schemas.microsoft.com/office/drawing/2014/main" id="{21A34608-D69A-6AE7-DE8F-E3E2D412889E}"/>
-              </a:ext>
-            </a:extLst>
-          </p:cNvPr>
-          <p:cNvPicPr>
-            <a:picLocks noChangeAspect="1" noChangeArrowheads="1"/>
-          </p:cNvPicPr>
-          <p:nvPr/>
-        </p:nvPicPr>
-        <p:blipFill rotWithShape="1">
-          <a:blip r:embed="rId6">
-            <a:extLst>
-              <a:ext uri="{28A0092B-C50C-407E-A947-70E740481C1C}">
-                <a14:useLocalDpi xmlns:a14="http://schemas.microsoft.com/office/drawing/2010/main" val="0"/>
-              </a:ext>
-            </a:extLst>
-          </a:blip>
-          <a:srcRect l="6915" r="5877"/>
-          <a:stretch/>
-        </p:blipFill>
-        <p:spPr bwMode="auto">
-          <a:xfrm>
-            <a:off x="6051411" y="2633243"/>
-            <a:ext cx="1973694" cy="1863153"/>
-          </a:xfrm>
-          <a:prstGeom prst="rect">
-            <a:avLst/>
-          </a:prstGeom>
-          <a:noFill/>
-          <a:extLst>
-            <a:ext uri="{909E8E84-426E-40DD-AFC4-6F175D3DCCD1}">
-              <a14:hiddenFill xmlns:a14="http://schemas.microsoft.com/office/drawing/2010/main">
-                <a:solidFill>
-                  <a:srgbClr val="FFFFFF"/>
-                </a:solidFill>
-              </a14:hiddenFill>
-            </a:ext>
-          </a:extLst>
-        </p:spPr>
-      </p:pic>
-      <p:pic>
-        <p:nvPicPr>
-          <p:cNvPr id="1040" name="Picture 16">
-            <a:extLst>
-              <a:ext uri="{FF2B5EF4-FFF2-40B4-BE49-F238E27FC236}">
-                <a16:creationId xmlns:a16="http://schemas.microsoft.com/office/drawing/2014/main" id="{ED3346EE-4F42-7A17-B01C-91AEC66B73E1}"/>
-              </a:ext>
-            </a:extLst>
-          </p:cNvPr>
-          <p:cNvPicPr>
-            <a:picLocks noChangeAspect="1" noChangeArrowheads="1"/>
-          </p:cNvPicPr>
-          <p:nvPr/>
-        </p:nvPicPr>
-        <p:blipFill rotWithShape="1">
-          <a:blip r:embed="rId7">
-            <a:extLst>
-              <a:ext uri="{28A0092B-C50C-407E-A947-70E740481C1C}">
-                <a14:useLocalDpi xmlns:a14="http://schemas.microsoft.com/office/drawing/2010/main" val="0"/>
-              </a:ext>
-            </a:extLst>
-          </a:blip>
-          <a:srcRect l="6589" t="4625" r="6203" b="5070"/>
-          <a:stretch/>
-        </p:blipFill>
-        <p:spPr bwMode="auto">
-          <a:xfrm>
-            <a:off x="8025105" y="2628647"/>
-            <a:ext cx="1973695" cy="1863154"/>
-          </a:xfrm>
-          <a:prstGeom prst="rect">
-            <a:avLst/>
-          </a:prstGeom>
-          <a:noFill/>
-          <a:extLst>
-            <a:ext uri="{909E8E84-426E-40DD-AFC4-6F175D3DCCD1}">
-              <a14:hiddenFill xmlns:a14="http://schemas.microsoft.com/office/drawing/2010/main">
-                <a:solidFill>
-                  <a:srgbClr val="FFFFFF"/>
-                </a:solidFill>
-              </a14:hiddenFill>
-            </a:ext>
-          </a:extLst>
-        </p:spPr>
-      </p:pic>
-      <p:pic>
-        <p:nvPicPr>
-          <p:cNvPr id="1046" name="Picture 22">
-            <a:extLst>
-              <a:ext uri="{FF2B5EF4-FFF2-40B4-BE49-F238E27FC236}">
-                <a16:creationId xmlns:a16="http://schemas.microsoft.com/office/drawing/2014/main" id="{872A92D5-0FA3-3ABC-BD57-BB375B55ADC4}"/>
-              </a:ext>
-            </a:extLst>
-          </p:cNvPr>
-          <p:cNvPicPr>
-            <a:picLocks noChangeAspect="1" noChangeArrowheads="1"/>
-          </p:cNvPicPr>
-          <p:nvPr/>
-        </p:nvPicPr>
-        <p:blipFill rotWithShape="1">
-          <a:blip r:embed="rId8">
-            <a:extLst>
-              <a:ext uri="{28A0092B-C50C-407E-A947-70E740481C1C}">
-                <a14:useLocalDpi xmlns:a14="http://schemas.microsoft.com/office/drawing/2010/main" val="0"/>
-              </a:ext>
-            </a:extLst>
-          </a:blip>
-          <a:srcRect l="6616" r="6178"/>
-          <a:stretch/>
-        </p:blipFill>
-        <p:spPr bwMode="auto">
-          <a:xfrm>
-            <a:off x="9998798" y="2633241"/>
-            <a:ext cx="1973695" cy="1863153"/>
-          </a:xfrm>
-          <a:prstGeom prst="rect">
-            <a:avLst/>
-          </a:prstGeom>
-          <a:noFill/>
-          <a:extLst>
-            <a:ext uri="{909E8E84-426E-40DD-AFC4-6F175D3DCCD1}">
-              <a14:hiddenFill xmlns:a14="http://schemas.microsoft.com/office/drawing/2010/main">
-                <a:solidFill>
-                  <a:srgbClr val="FFFFFF"/>
-                </a:solidFill>
-              </a14:hiddenFill>
-            </a:ext>
-          </a:extLst>
-        </p:spPr>
-      </p:pic>
-      <p:sp>
-        <p:nvSpPr>
-          <p:cNvPr id="7" name="Geschweifte Klammer links 6">
-            <a:extLst>
-              <a:ext uri="{FF2B5EF4-FFF2-40B4-BE49-F238E27FC236}">
-                <a16:creationId xmlns:a16="http://schemas.microsoft.com/office/drawing/2014/main" id="{AD5A8A8A-10D9-B1FF-4313-AFECD6E9A891}"/>
-              </a:ext>
-            </a:extLst>
-          </p:cNvPr>
-          <p:cNvSpPr/>
-          <p:nvPr/>
-        </p:nvSpPr>
-        <p:spPr>
-          <a:xfrm rot="5400000">
-            <a:off x="6796993" y="1972052"/>
-            <a:ext cx="533400" cy="5870211"/>
-          </a:xfrm>
-          <a:prstGeom prst="leftBrace">
-            <a:avLst>
-              <a:gd name="adj1" fmla="val 65476"/>
-              <a:gd name="adj2" fmla="val 51258"/>
-            </a:avLst>
-          </a:prstGeom>
-          <a:ln w="38100">
-            <a:solidFill>
-              <a:schemeClr val="tx1"/>
-            </a:solidFill>
-          </a:ln>
-        </p:spPr>
-        <p:style>
-          <a:lnRef idx="1">
-            <a:schemeClr val="accent1"/>
-          </a:lnRef>
-          <a:fillRef idx="0">
-            <a:schemeClr val="accent1"/>
-          </a:fillRef>
-          <a:effectRef idx="0">
-            <a:schemeClr val="accent1"/>
-          </a:effectRef>
-          <a:fontRef idx="minor">
-            <a:schemeClr val="tx1"/>
-          </a:fontRef>
-        </p:style>
-        <p:txBody>
-          <a:bodyPr rtlCol="0" anchor="ctr"/>
-          <a:lstStyle/>
-          <a:p>
-            <a:pPr algn="ctr"/>
-            <a:endParaRPr lang="de-DE" dirty="0"/>
-          </a:p>
-        </p:txBody>
-      </p:sp>
-      <p:sp>
-        <p:nvSpPr>
-          <p:cNvPr id="10" name="Textfeld 9">
-            <a:extLst>
-              <a:ext uri="{FF2B5EF4-FFF2-40B4-BE49-F238E27FC236}">
-                <a16:creationId xmlns:a16="http://schemas.microsoft.com/office/drawing/2014/main" id="{5364515C-73A5-1A7F-1555-2B46FF0E1159}"/>
-              </a:ext>
-            </a:extLst>
-          </p:cNvPr>
-          <p:cNvSpPr txBox="1"/>
-          <p:nvPr/>
-        </p:nvSpPr>
-        <p:spPr>
-          <a:xfrm>
-            <a:off x="6668605" y="4311731"/>
-            <a:ext cx="739305" cy="369332"/>
-          </a:xfrm>
-          <a:prstGeom prst="rect">
-            <a:avLst/>
-          </a:prstGeom>
-          <a:noFill/>
-        </p:spPr>
-        <p:txBody>
-          <a:bodyPr wrap="none" rtlCol="0">
-            <a:spAutoFit/>
-          </a:bodyPr>
-          <a:lstStyle/>
-          <a:p>
-            <a:pPr algn="ctr"/>
-            <a:r>
-              <a:rPr lang="de-DE" dirty="0" err="1"/>
-              <a:t>inside</a:t>
-            </a:r>
-            <a:endParaRPr lang="de-DE" dirty="0"/>
-          </a:p>
-        </p:txBody>
-      </p:sp>
-      <p:pic>
-        <p:nvPicPr>
-          <p:cNvPr id="1048" name="Picture 24">
-            <a:extLst>
-              <a:ext uri="{FF2B5EF4-FFF2-40B4-BE49-F238E27FC236}">
-                <a16:creationId xmlns:a16="http://schemas.microsoft.com/office/drawing/2014/main" id="{FF77E0ED-2980-8C4F-6061-FD51724BEEDD}"/>
-              </a:ext>
-            </a:extLst>
-          </p:cNvPr>
-          <p:cNvPicPr>
-            <a:picLocks noChangeAspect="1" noChangeArrowheads="1"/>
-          </p:cNvPicPr>
-          <p:nvPr/>
-        </p:nvPicPr>
-        <p:blipFill rotWithShape="1">
-          <a:blip r:embed="rId9">
-            <a:extLst>
-              <a:ext uri="{28A0092B-C50C-407E-A947-70E740481C1C}">
-                <a14:useLocalDpi xmlns:a14="http://schemas.microsoft.com/office/drawing/2010/main" val="0"/>
-              </a:ext>
-            </a:extLst>
-          </a:blip>
-          <a:srcRect l="6397" t="6338" r="6395" b="10089"/>
-          <a:stretch/>
-        </p:blipFill>
-        <p:spPr bwMode="auto">
-          <a:xfrm>
-            <a:off x="4128587" y="5208575"/>
-            <a:ext cx="1973694" cy="1557142"/>
-          </a:xfrm>
-          <a:prstGeom prst="rect">
-            <a:avLst/>
-          </a:prstGeom>
-          <a:noFill/>
-          <a:extLst>
-            <a:ext uri="{909E8E84-426E-40DD-AFC4-6F175D3DCCD1}">
-              <a14:hiddenFill xmlns:a14="http://schemas.microsoft.com/office/drawing/2010/main">
-                <a:solidFill>
-                  <a:srgbClr val="FFFFFF"/>
-                </a:solidFill>
-              </a14:hiddenFill>
-            </a:ext>
-          </a:extLst>
-        </p:spPr>
-      </p:pic>
-      <p:pic>
-        <p:nvPicPr>
-          <p:cNvPr id="1050" name="Picture 26">
-            <a:extLst>
-              <a:ext uri="{FF2B5EF4-FFF2-40B4-BE49-F238E27FC236}">
-                <a16:creationId xmlns:a16="http://schemas.microsoft.com/office/drawing/2014/main" id="{B943346A-AB24-880C-C80D-9B530A612567}"/>
-              </a:ext>
-            </a:extLst>
-          </p:cNvPr>
-          <p:cNvPicPr>
-            <a:picLocks noChangeAspect="1" noChangeArrowheads="1"/>
-          </p:cNvPicPr>
-          <p:nvPr/>
-        </p:nvPicPr>
-        <p:blipFill rotWithShape="1">
-          <a:blip r:embed="rId10">
-            <a:extLst>
-              <a:ext uri="{28A0092B-C50C-407E-A947-70E740481C1C}">
-                <a14:useLocalDpi xmlns:a14="http://schemas.microsoft.com/office/drawing/2010/main" val="0"/>
-              </a:ext>
-            </a:extLst>
-          </a:blip>
-          <a:srcRect l="6600" t="5633" r="6193" b="9379"/>
-          <a:stretch/>
-        </p:blipFill>
-        <p:spPr bwMode="auto">
-          <a:xfrm>
-            <a:off x="6051410" y="5012267"/>
-            <a:ext cx="1973694" cy="1753450"/>
-          </a:xfrm>
-          <a:prstGeom prst="rect">
-            <a:avLst/>
-          </a:prstGeom>
-          <a:noFill/>
-          <a:extLst>
-            <a:ext uri="{909E8E84-426E-40DD-AFC4-6F175D3DCCD1}">
-              <a14:hiddenFill xmlns:a14="http://schemas.microsoft.com/office/drawing/2010/main">
-                <a:solidFill>
-                  <a:srgbClr val="FFFFFF"/>
-                </a:solidFill>
-              </a14:hiddenFill>
-            </a:ext>
-          </a:extLst>
-        </p:spPr>
-      </p:pic>
-      <p:pic>
-        <p:nvPicPr>
-          <p:cNvPr id="1052" name="Picture 28">
-            <a:extLst>
-              <a:ext uri="{FF2B5EF4-FFF2-40B4-BE49-F238E27FC236}">
-                <a16:creationId xmlns:a16="http://schemas.microsoft.com/office/drawing/2014/main" id="{65D8F021-FDA9-24B0-625A-AE97EA838A5D}"/>
-              </a:ext>
-            </a:extLst>
-          </p:cNvPr>
-          <p:cNvPicPr>
-            <a:picLocks noChangeAspect="1" noChangeArrowheads="1"/>
-          </p:cNvPicPr>
-          <p:nvPr/>
-        </p:nvPicPr>
-        <p:blipFill rotWithShape="1">
-          <a:blip r:embed="rId11">
-            <a:extLst>
-              <a:ext uri="{28A0092B-C50C-407E-A947-70E740481C1C}">
-                <a14:useLocalDpi xmlns:a14="http://schemas.microsoft.com/office/drawing/2010/main" val="0"/>
-              </a:ext>
-            </a:extLst>
-          </a:blip>
-          <a:srcRect l="6580" t="7946" r="6212" b="9983"/>
-          <a:stretch/>
-        </p:blipFill>
-        <p:spPr bwMode="auto">
-          <a:xfrm>
-            <a:off x="8025105" y="5222606"/>
-            <a:ext cx="1973694" cy="1529080"/>
-          </a:xfrm>
-          <a:prstGeom prst="rect">
-            <a:avLst/>
-          </a:prstGeom>
-          <a:noFill/>
-          <a:extLst>
-            <a:ext uri="{909E8E84-426E-40DD-AFC4-6F175D3DCCD1}">
-              <a14:hiddenFill xmlns:a14="http://schemas.microsoft.com/office/drawing/2010/main">
-                <a:solidFill>
-                  <a:srgbClr val="FFFFFF"/>
-                </a:solidFill>
-              </a14:hiddenFill>
-            </a:ext>
-          </a:extLst>
-        </p:spPr>
-      </p:pic>
-    </p:spTree>
-    <p:extLst>
-      <p:ext uri="{BB962C8B-B14F-4D97-AF65-F5344CB8AC3E}">
-        <p14:creationId xmlns:p14="http://schemas.microsoft.com/office/powerpoint/2010/main" val="3001393537"/>
-      </p:ext>
-    </p:extLst>
-  </p:cSld>
-  <p:clrMapOvr>
-    <a:masterClrMapping/>
-  </p:clrMapOvr>
-</p:sld>
-</file>
-
-<file path=ppt/slides/slide8.xml><?xml version="1.0" encoding="utf-8"?>
-<p:sld xmlns:a="http://schemas.openxmlformats.org/drawingml/2006/main" xmlns:r="http://schemas.openxmlformats.org/officeDocument/2006/relationships" xmlns:p="http://schemas.openxmlformats.org/presentationml/2006/main">
-  <p:cSld>
+    <p:bg>
+      <p:bgPr>
+        <a:solidFill>
+          <a:srgbClr val="2B2B2B"/>
+        </a:solidFill>
+        <a:effectLst/>
+      </p:bgPr>
+    </p:bg>
     <p:spTree>
       <p:nvGrpSpPr>
         <p:cNvPr id="1" name=""/>
@@ -9069,7 +7224,7 @@
         </p:nvSpPr>
         <p:spPr>
           <a:xfrm>
-            <a:off x="132286" y="1545019"/>
+            <a:off x="132286" y="1706386"/>
             <a:ext cx="1310260" cy="945931"/>
           </a:xfrm>
           <a:prstGeom prst="roundRect">
@@ -9080,7 +7235,7 @@
           <a:noFill/>
           <a:ln w="38100">
             <a:solidFill>
-              <a:schemeClr val="tx1"/>
+              <a:srgbClr val="C6C6C6"/>
             </a:solidFill>
           </a:ln>
         </p:spPr>
@@ -9108,7 +7263,7 @@
             <a:r>
               <a:rPr lang="de-DE" sz="2000" dirty="0" err="1">
                 <a:solidFill>
-                  <a:schemeClr val="tx1"/>
+                  <a:srgbClr val="C6C6C6"/>
                 </a:solidFill>
               </a:rPr>
               <a:t>Datatype</a:t>
@@ -9116,7 +7271,7 @@
             <a:r>
               <a:rPr lang="de-DE" sz="2000" dirty="0">
                 <a:solidFill>
-                  <a:schemeClr val="tx1"/>
+                  <a:srgbClr val="C6C6C6"/>
                 </a:solidFill>
               </a:rPr>
               <a:t>. INT</a:t>
@@ -9138,7 +7293,7 @@
         </p:nvSpPr>
         <p:spPr>
           <a:xfrm>
-            <a:off x="1556845" y="1545016"/>
+            <a:off x="1556845" y="1706383"/>
             <a:ext cx="1690852" cy="945931"/>
           </a:xfrm>
           <a:prstGeom prst="roundRect">
@@ -9149,7 +7304,7 @@
           <a:noFill/>
           <a:ln w="38100">
             <a:solidFill>
-              <a:schemeClr val="tx1"/>
+              <a:srgbClr val="C6C6C6"/>
             </a:solidFill>
           </a:ln>
         </p:spPr>
@@ -9177,7 +7332,7 @@
             <a:r>
               <a:rPr lang="de-DE" sz="2000" dirty="0">
                 <a:solidFill>
-                  <a:schemeClr val="tx1"/>
+                  <a:srgbClr val="C6C6C6"/>
                 </a:solidFill>
               </a:rPr>
               <a:t>Word. IDENTIFIER(x)</a:t>
@@ -9199,7 +7354,7 @@
         </p:nvSpPr>
         <p:spPr>
           <a:xfrm>
-            <a:off x="3361996" y="1533295"/>
+            <a:off x="3361996" y="1694662"/>
             <a:ext cx="1403132" cy="945931"/>
           </a:xfrm>
           <a:prstGeom prst="roundRect">
@@ -9210,7 +7365,7 @@
           <a:noFill/>
           <a:ln w="38100">
             <a:solidFill>
-              <a:schemeClr val="tx1"/>
+              <a:srgbClr val="C6C6C6"/>
             </a:solidFill>
           </a:ln>
         </p:spPr>
@@ -9238,7 +7393,7 @@
             <a:r>
               <a:rPr lang="de-DE" sz="2000" dirty="0">
                 <a:solidFill>
-                  <a:schemeClr val="tx1"/>
+                  <a:srgbClr val="C6C6C6"/>
                 </a:solidFill>
               </a:rPr>
               <a:t>Separator. ASSIGN</a:t>
@@ -9260,7 +7415,7 @@
         </p:nvSpPr>
         <p:spPr>
           <a:xfrm>
-            <a:off x="4879427" y="1545016"/>
+            <a:off x="4879427" y="1706383"/>
             <a:ext cx="4102976" cy="945931"/>
           </a:xfrm>
           <a:prstGeom prst="roundRect">
@@ -9271,7 +7426,7 @@
           <a:noFill/>
           <a:ln w="38100">
             <a:solidFill>
-              <a:schemeClr val="tx1"/>
+              <a:srgbClr val="C6C6C6"/>
             </a:solidFill>
           </a:ln>
         </p:spPr>
@@ -9299,7 +7454,7 @@
             <a:r>
               <a:rPr lang="de-DE" sz="2000" dirty="0" err="1">
                 <a:solidFill>
-                  <a:schemeClr val="tx1"/>
+                  <a:srgbClr val="C6C6C6"/>
                 </a:solidFill>
               </a:rPr>
               <a:t>Brackets.ROUND</a:t>
@@ -9307,7 +7462,7 @@
             <a:r>
               <a:rPr lang="de-DE" sz="2000" dirty="0">
                 <a:solidFill>
-                  <a:schemeClr val="tx1"/>
+                  <a:srgbClr val="C6C6C6"/>
                 </a:solidFill>
               </a:rPr>
               <a:t>(</a:t>
@@ -9315,7 +7470,7 @@
             <a:r>
               <a:rPr lang="de-DE" sz="2000" dirty="0" err="1">
                 <a:solidFill>
-                  <a:schemeClr val="tx1"/>
+                  <a:srgbClr val="C6C6C6"/>
                 </a:solidFill>
               </a:rPr>
               <a:t>Word.VALUE</a:t>
@@ -9323,7 +7478,7 @@
             <a:r>
               <a:rPr lang="de-DE" sz="2000" dirty="0">
                 <a:solidFill>
-                  <a:schemeClr val="tx1"/>
+                  <a:srgbClr val="C6C6C6"/>
                 </a:solidFill>
               </a:rPr>
               <a:t>(2), </a:t>
@@ -9331,7 +7486,7 @@
             <a:r>
               <a:rPr lang="de-DE" sz="2000" dirty="0" err="1">
                 <a:solidFill>
-                  <a:schemeClr val="tx1"/>
+                  <a:srgbClr val="C6C6C6"/>
                 </a:solidFill>
               </a:rPr>
               <a:t>MathOperator.PLUS</a:t>
@@ -9339,7 +7494,7 @@
             <a:r>
               <a:rPr lang="de-DE" sz="2000" dirty="0">
                 <a:solidFill>
-                  <a:schemeClr val="tx1"/>
+                  <a:srgbClr val="C6C6C6"/>
                 </a:solidFill>
               </a:rPr>
               <a:t>, </a:t>
@@ -9347,7 +7502,7 @@
             <a:r>
               <a:rPr lang="de-DE" sz="2000" dirty="0" err="1">
                 <a:solidFill>
-                  <a:schemeClr val="tx1"/>
+                  <a:srgbClr val="C6C6C6"/>
                 </a:solidFill>
               </a:rPr>
               <a:t>Word.VALUE</a:t>
@@ -9355,7 +7510,7 @@
             <a:r>
               <a:rPr lang="de-DE" sz="2000" dirty="0">
                 <a:solidFill>
-                  <a:schemeClr val="tx1"/>
+                  <a:srgbClr val="C6C6C6"/>
                 </a:solidFill>
               </a:rPr>
               <a:t>(2))</a:t>
@@ -9377,7 +7532,7 @@
         </p:nvSpPr>
         <p:spPr>
           <a:xfrm>
-            <a:off x="9100643" y="1545016"/>
+            <a:off x="9100643" y="1706383"/>
             <a:ext cx="1694795" cy="945931"/>
           </a:xfrm>
           <a:prstGeom prst="roundRect">
@@ -9388,7 +7543,7 @@
           <a:noFill/>
           <a:ln w="38100">
             <a:solidFill>
-              <a:schemeClr val="tx1"/>
+              <a:srgbClr val="C6C6C6"/>
             </a:solidFill>
           </a:ln>
         </p:spPr>
@@ -9416,7 +7571,7 @@
             <a:r>
               <a:rPr lang="de-DE" sz="2000" dirty="0" err="1">
                 <a:solidFill>
-                  <a:schemeClr val="tx1"/>
+                  <a:srgbClr val="C6C6C6"/>
                 </a:solidFill>
               </a:rPr>
               <a:t>MathOperator</a:t>
@@ -9424,7 +7579,7 @@
             <a:r>
               <a:rPr lang="de-DE" sz="2000" dirty="0">
                 <a:solidFill>
-                  <a:schemeClr val="tx1"/>
+                  <a:srgbClr val="C6C6C6"/>
                 </a:solidFill>
               </a:rPr>
               <a:t>.</a:t>
@@ -9435,7 +7590,7 @@
             <a:r>
               <a:rPr lang="de-DE" sz="2000" dirty="0">
                 <a:solidFill>
-                  <a:schemeClr val="tx1"/>
+                  <a:srgbClr val="C6C6C6"/>
                 </a:solidFill>
               </a:rPr>
               <a:t>MULTIPLY</a:t>
@@ -9457,7 +7612,7 @@
         </p:nvSpPr>
         <p:spPr>
           <a:xfrm>
-            <a:off x="10921561" y="1545016"/>
+            <a:off x="10921561" y="1706383"/>
             <a:ext cx="1146036" cy="945931"/>
           </a:xfrm>
           <a:prstGeom prst="roundRect">
@@ -9468,7 +7623,7 @@
           <a:noFill/>
           <a:ln w="38100">
             <a:solidFill>
-              <a:schemeClr val="tx1"/>
+              <a:srgbClr val="C6C6C6"/>
             </a:solidFill>
           </a:ln>
         </p:spPr>
@@ -9496,7 +7651,7 @@
             <a:r>
               <a:rPr lang="de-DE" sz="2000" dirty="0">
                 <a:solidFill>
-                  <a:schemeClr val="tx1"/>
+                  <a:srgbClr val="C6C6C6"/>
                 </a:solidFill>
               </a:rPr>
               <a:t>Word. VALUE(4)</a:t>
@@ -9517,9 +7672,17 @@
 </p:sld>
 </file>
 
-<file path=ppt/slides/slide9.xml><?xml version="1.0" encoding="utf-8"?>
+<file path=ppt/slides/slide8.xml><?xml version="1.0" encoding="utf-8"?>
 <p:sld xmlns:a="http://schemas.openxmlformats.org/drawingml/2006/main" xmlns:r="http://schemas.openxmlformats.org/officeDocument/2006/relationships" xmlns:p="http://schemas.openxmlformats.org/presentationml/2006/main">
   <p:cSld>
+    <p:bg>
+      <p:bgPr>
+        <a:solidFill>
+          <a:srgbClr val="2B2B2B"/>
+        </a:solidFill>
+        <a:effectLst/>
+      </p:bgPr>
+    </p:bg>
     <p:spTree>
       <p:nvGrpSpPr>
         <p:cNvPr id="1" name=""/>
@@ -9557,7 +7720,7 @@
           <a:noFill/>
           <a:ln w="38100">
             <a:solidFill>
-              <a:schemeClr val="tx1"/>
+              <a:srgbClr val="C6C6C6"/>
             </a:solidFill>
           </a:ln>
         </p:spPr>
@@ -9585,16 +7748,16 @@
             <a:r>
               <a:rPr lang="de-DE" dirty="0" err="1">
                 <a:solidFill>
-                  <a:schemeClr val="tx1"/>
+                  <a:srgbClr val="C6C6C6"/>
                 </a:solidFill>
               </a:rPr>
               <a:t>StartCharacter</a:t>
             </a:r>
-            <a:r>
-              <a:rPr lang="de-DE" dirty="0" err="1"/>
-              <a:t>S</a:t>
-            </a:r>
-            <a:endParaRPr lang="de-DE" dirty="0"/>
+            <a:endParaRPr lang="de-DE" dirty="0">
+              <a:solidFill>
+                <a:srgbClr val="C6C6C6"/>
+              </a:solidFill>
+            </a:endParaRPr>
           </a:p>
         </p:txBody>
       </p:sp>
@@ -9621,7 +7784,7 @@
           <a:noFill/>
           <a:ln w="38100">
             <a:solidFill>
-              <a:schemeClr val="tx1"/>
+              <a:srgbClr val="C6C6C6"/>
             </a:solidFill>
           </a:ln>
         </p:spPr>
@@ -9649,7 +7812,7 @@
             <a:r>
               <a:rPr lang="de-DE" sz="3200" dirty="0">
                 <a:solidFill>
-                  <a:schemeClr val="tx1"/>
+                  <a:srgbClr val="C6C6C6"/>
                 </a:solidFill>
               </a:rPr>
               <a:t>1</a:t>
@@ -9680,7 +7843,7 @@
           <a:noFill/>
           <a:ln w="38100">
             <a:solidFill>
-              <a:schemeClr val="tx1"/>
+              <a:srgbClr val="C6C6C6"/>
             </a:solidFill>
           </a:ln>
         </p:spPr>
@@ -9708,12 +7871,11 @@
             <a:r>
               <a:rPr lang="de-DE" dirty="0">
                 <a:solidFill>
-                  <a:schemeClr val="tx1"/>
+                  <a:srgbClr val="C6C6C6"/>
                 </a:solidFill>
               </a:rPr>
               <a:t>Request ID</a:t>
             </a:r>
-            <a:endParaRPr lang="de-DE" dirty="0"/>
           </a:p>
         </p:txBody>
       </p:sp>
@@ -9740,7 +7902,7 @@
           <a:noFill/>
           <a:ln w="38100">
             <a:solidFill>
-              <a:schemeClr val="tx1"/>
+              <a:srgbClr val="C6C6C6"/>
             </a:solidFill>
           </a:ln>
         </p:spPr>
@@ -9768,7 +7930,7 @@
             <a:r>
               <a:rPr lang="de-DE" sz="3200" dirty="0">
                 <a:solidFill>
-                  <a:schemeClr val="tx1"/>
+                  <a:srgbClr val="C6C6C6"/>
                 </a:solidFill>
               </a:rPr>
               <a:t>1</a:t>
@@ -9799,7 +7961,7 @@
           <a:noFill/>
           <a:ln w="38100">
             <a:solidFill>
-              <a:schemeClr val="tx1"/>
+              <a:srgbClr val="C6C6C6"/>
             </a:solidFill>
           </a:ln>
         </p:spPr>
@@ -9827,7 +7989,7 @@
             <a:r>
               <a:rPr lang="de-DE" dirty="0">
                 <a:solidFill>
-                  <a:schemeClr val="tx1"/>
+                  <a:srgbClr val="C6C6C6"/>
                 </a:solidFill>
               </a:rPr>
               <a:t>Value Size (in </a:t>
@@ -9835,7 +7997,7 @@
             <a:r>
               <a:rPr lang="de-DE" dirty="0" err="1">
                 <a:solidFill>
-                  <a:schemeClr val="tx1"/>
+                  <a:srgbClr val="C6C6C6"/>
                 </a:solidFill>
               </a:rPr>
               <a:t>bytes</a:t>
@@ -9843,12 +8005,11 @@
             <a:r>
               <a:rPr lang="de-DE" dirty="0">
                 <a:solidFill>
-                  <a:schemeClr val="tx1"/>
+                  <a:srgbClr val="C6C6C6"/>
                 </a:solidFill>
               </a:rPr>
               <a:t>)</a:t>
             </a:r>
-            <a:endParaRPr lang="de-DE" dirty="0"/>
           </a:p>
         </p:txBody>
       </p:sp>
@@ -9875,7 +8036,7 @@
           <a:noFill/>
           <a:ln w="38100">
             <a:solidFill>
-              <a:schemeClr val="tx1"/>
+              <a:srgbClr val="C6C6C6"/>
             </a:solidFill>
           </a:ln>
         </p:spPr>
@@ -9903,7 +8064,7 @@
             <a:r>
               <a:rPr lang="de-DE" sz="3200" dirty="0">
                 <a:solidFill>
-                  <a:schemeClr val="tx1"/>
+                  <a:srgbClr val="C6C6C6"/>
                 </a:solidFill>
               </a:rPr>
               <a:t>1</a:t>
@@ -9934,7 +8095,7 @@
           <a:noFill/>
           <a:ln w="38100">
             <a:solidFill>
-              <a:schemeClr val="tx1"/>
+              <a:srgbClr val="C6C6C6"/>
             </a:solidFill>
           </a:ln>
         </p:spPr>
@@ -9962,16 +8123,16 @@
             <a:r>
               <a:rPr lang="de-DE" dirty="0" err="1">
                 <a:solidFill>
-                  <a:schemeClr val="tx1"/>
-                </a:solidFill>
-              </a:rPr>
-              <a:t>Instruction</a:t>
-            </a:r>
-            <a:r>
-              <a:rPr lang="de-DE" dirty="0" err="1"/>
-              <a:t>S</a:t>
-            </a:r>
-            <a:endParaRPr lang="de-DE" dirty="0"/>
+                  <a:srgbClr val="C6C6C6"/>
+                </a:solidFill>
+              </a:rPr>
+              <a:t>InstructionS</a:t>
+            </a:r>
+            <a:endParaRPr lang="de-DE" dirty="0">
+              <a:solidFill>
+                <a:srgbClr val="C6C6C6"/>
+              </a:solidFill>
+            </a:endParaRPr>
           </a:p>
         </p:txBody>
       </p:sp>
@@ -9998,7 +8159,7 @@
           <a:noFill/>
           <a:ln w="38100">
             <a:solidFill>
-              <a:schemeClr val="tx1"/>
+              <a:srgbClr val="C6C6C6"/>
             </a:solidFill>
           </a:ln>
         </p:spPr>
@@ -10026,7 +8187,7 @@
             <a:r>
               <a:rPr lang="de-DE" sz="3200" dirty="0">
                 <a:solidFill>
-                  <a:schemeClr val="tx1"/>
+                  <a:srgbClr val="C6C6C6"/>
                 </a:solidFill>
               </a:rPr>
               <a:t>1</a:t>
@@ -10057,7 +8218,7 @@
           <a:noFill/>
           <a:ln w="38100">
             <a:solidFill>
-              <a:schemeClr val="tx1"/>
+              <a:srgbClr val="C6C6C6"/>
             </a:solidFill>
           </a:ln>
         </p:spPr>
@@ -10085,12 +8246,11 @@
             <a:r>
               <a:rPr lang="de-DE" dirty="0">
                 <a:solidFill>
-                  <a:schemeClr val="tx1"/>
+                  <a:srgbClr val="C6C6C6"/>
                 </a:solidFill>
               </a:rPr>
               <a:t>Value</a:t>
             </a:r>
-            <a:endParaRPr lang="de-DE" dirty="0"/>
           </a:p>
         </p:txBody>
       </p:sp>
@@ -10119,7 +8279,7 @@
           <a:noFill/>
           <a:ln w="38100">
             <a:solidFill>
-              <a:schemeClr val="tx1"/>
+              <a:srgbClr val="C6C6C6"/>
             </a:solidFill>
           </a:ln>
         </p:spPr>
@@ -10147,7 +8307,7 @@
             <a:r>
               <a:rPr lang="de-DE" sz="2200" dirty="0">
                 <a:solidFill>
-                  <a:schemeClr val="tx1"/>
+                  <a:srgbClr val="C6C6C6"/>
                 </a:solidFill>
               </a:rPr>
               <a:t>Value Size</a:t>
@@ -10178,7 +8338,7 @@
           <a:noFill/>
           <a:ln w="38100">
             <a:solidFill>
-              <a:schemeClr val="tx1"/>
+              <a:srgbClr val="C6C6C6"/>
             </a:solidFill>
           </a:ln>
         </p:spPr>
@@ -10206,16 +8366,16 @@
             <a:r>
               <a:rPr lang="de-DE" dirty="0" err="1">
                 <a:solidFill>
-                  <a:schemeClr val="tx1"/>
+                  <a:srgbClr val="C6C6C6"/>
                 </a:solidFill>
               </a:rPr>
               <a:t>EndCharacter</a:t>
             </a:r>
-            <a:r>
-              <a:rPr lang="de-DE" dirty="0" err="1"/>
-              <a:t>S</a:t>
-            </a:r>
-            <a:endParaRPr lang="de-DE" dirty="0"/>
+            <a:endParaRPr lang="de-DE" dirty="0">
+              <a:solidFill>
+                <a:srgbClr val="C6C6C6"/>
+              </a:solidFill>
+            </a:endParaRPr>
           </a:p>
         </p:txBody>
       </p:sp>
@@ -10242,7 +8402,7 @@
           <a:noFill/>
           <a:ln w="38100">
             <a:solidFill>
-              <a:schemeClr val="tx1"/>
+              <a:srgbClr val="C6C6C6"/>
             </a:solidFill>
           </a:ln>
         </p:spPr>
@@ -10270,7 +8430,7 @@
             <a:r>
               <a:rPr lang="de-DE" sz="3200" dirty="0">
                 <a:solidFill>
-                  <a:schemeClr val="tx1"/>
+                  <a:srgbClr val="C6C6C6"/>
                 </a:solidFill>
               </a:rPr>
               <a:t>1</a:t>
@@ -10301,7 +8461,7 @@
           <a:noFill/>
           <a:ln w="38100">
             <a:solidFill>
-              <a:schemeClr val="tx1"/>
+              <a:srgbClr val="C6C6C6"/>
             </a:solidFill>
           </a:ln>
         </p:spPr>
@@ -10329,12 +8489,11 @@
             <a:r>
               <a:rPr lang="de-DE" dirty="0">
                 <a:solidFill>
-                  <a:schemeClr val="tx1"/>
+                  <a:srgbClr val="C6C6C6"/>
                 </a:solidFill>
               </a:rPr>
               <a:t>Größe in Bytes</a:t>
             </a:r>
-            <a:endParaRPr lang="de-DE" dirty="0"/>
           </a:p>
         </p:txBody>
       </p:sp>
@@ -10361,7 +8520,7 @@
           <a:noFill/>
           <a:ln w="38100">
             <a:solidFill>
-              <a:schemeClr val="tx1"/>
+              <a:srgbClr val="C6C6C6"/>
             </a:solidFill>
           </a:ln>
         </p:spPr>
@@ -10389,12 +8548,11 @@
             <a:r>
               <a:rPr lang="de-DE" dirty="0">
                 <a:solidFill>
-                  <a:schemeClr val="tx1"/>
+                  <a:srgbClr val="C6C6C6"/>
                 </a:solidFill>
               </a:rPr>
               <a:t>Anweisung</a:t>
             </a:r>
-            <a:endParaRPr lang="de-DE" dirty="0"/>
           </a:p>
         </p:txBody>
       </p:sp>
@@ -10402,6 +8560,1346 @@
     <p:extLst>
       <p:ext uri="{BB962C8B-B14F-4D97-AF65-F5344CB8AC3E}">
         <p14:creationId xmlns:p14="http://schemas.microsoft.com/office/powerpoint/2010/main" val="2665419230"/>
+      </p:ext>
+    </p:extLst>
+  </p:cSld>
+  <p:clrMapOvr>
+    <a:masterClrMapping/>
+  </p:clrMapOvr>
+</p:sld>
+</file>
+
+<file path=ppt/slides/slide9.xml><?xml version="1.0" encoding="utf-8"?>
+<p:sld xmlns:a="http://schemas.openxmlformats.org/drawingml/2006/main" xmlns:r="http://schemas.openxmlformats.org/officeDocument/2006/relationships" xmlns:p="http://schemas.openxmlformats.org/presentationml/2006/main">
+  <p:cSld>
+    <p:bg>
+      <p:bgPr>
+        <a:solidFill>
+          <a:srgbClr val="2B2B2B"/>
+        </a:solidFill>
+        <a:effectLst/>
+      </p:bgPr>
+    </p:bg>
+    <p:spTree>
+      <p:nvGrpSpPr>
+        <p:cNvPr id="1" name=""/>
+        <p:cNvGrpSpPr/>
+        <p:nvPr/>
+      </p:nvGrpSpPr>
+      <p:grpSpPr>
+        <a:xfrm>
+          <a:off x="0" y="0"/>
+          <a:ext cx="0" cy="0"/>
+          <a:chOff x="0" y="0"/>
+          <a:chExt cx="0" cy="0"/>
+        </a:xfrm>
+      </p:grpSpPr>
+      <p:sp>
+        <p:nvSpPr>
+          <p:cNvPr id="4" name="Rechteck: abgerundete Ecken 3">
+            <a:extLst>
+              <a:ext uri="{FF2B5EF4-FFF2-40B4-BE49-F238E27FC236}">
+                <a16:creationId xmlns:a16="http://schemas.microsoft.com/office/drawing/2014/main" id="{A78B71E2-0ACC-D372-09CC-F48A502EBC0F}"/>
+              </a:ext>
+            </a:extLst>
+          </p:cNvPr>
+          <p:cNvSpPr/>
+          <p:nvPr/>
+        </p:nvSpPr>
+        <p:spPr>
+          <a:xfrm>
+            <a:off x="1618827" y="1801705"/>
+            <a:ext cx="3205421" cy="633114"/>
+          </a:xfrm>
+          <a:prstGeom prst="roundRect">
+            <a:avLst/>
+          </a:prstGeom>
+          <a:noFill/>
+          <a:ln w="38100">
+            <a:solidFill>
+              <a:srgbClr val="C6C6C6"/>
+            </a:solidFill>
+          </a:ln>
+        </p:spPr>
+        <p:style>
+          <a:lnRef idx="2">
+            <a:schemeClr val="accent1">
+              <a:shade val="50000"/>
+            </a:schemeClr>
+          </a:lnRef>
+          <a:fillRef idx="1">
+            <a:schemeClr val="accent1"/>
+          </a:fillRef>
+          <a:effectRef idx="0">
+            <a:schemeClr val="accent1"/>
+          </a:effectRef>
+          <a:fontRef idx="minor">
+            <a:schemeClr val="lt1"/>
+          </a:fontRef>
+        </p:style>
+        <p:txBody>
+          <a:bodyPr rtlCol="0" anchor="ctr"/>
+          <a:lstStyle/>
+          <a:p>
+            <a:pPr algn="ctr"/>
+            <a:r>
+              <a:rPr lang="de-DE" dirty="0" err="1">
+                <a:solidFill>
+                  <a:srgbClr val="C6C6C6"/>
+                </a:solidFill>
+              </a:rPr>
+              <a:t>StartCharacterS</a:t>
+            </a:r>
+            <a:endParaRPr lang="de-DE" dirty="0">
+              <a:solidFill>
+                <a:srgbClr val="C6C6C6"/>
+              </a:solidFill>
+            </a:endParaRPr>
+          </a:p>
+        </p:txBody>
+      </p:sp>
+      <p:sp>
+        <p:nvSpPr>
+          <p:cNvPr id="5" name="Rechteck: abgerundete Ecken 4">
+            <a:extLst>
+              <a:ext uri="{FF2B5EF4-FFF2-40B4-BE49-F238E27FC236}">
+                <a16:creationId xmlns:a16="http://schemas.microsoft.com/office/drawing/2014/main" id="{6261D5BD-C9A7-405E-15E6-42C3AFA6857C}"/>
+              </a:ext>
+            </a:extLst>
+          </p:cNvPr>
+          <p:cNvSpPr/>
+          <p:nvPr/>
+        </p:nvSpPr>
+        <p:spPr>
+          <a:xfrm>
+            <a:off x="489636" y="1801706"/>
+            <a:ext cx="878577" cy="633113"/>
+          </a:xfrm>
+          <a:prstGeom prst="roundRect">
+            <a:avLst/>
+          </a:prstGeom>
+          <a:noFill/>
+          <a:ln w="38100">
+            <a:solidFill>
+              <a:srgbClr val="C6C6C6"/>
+            </a:solidFill>
+          </a:ln>
+        </p:spPr>
+        <p:style>
+          <a:lnRef idx="2">
+            <a:schemeClr val="accent1">
+              <a:shade val="50000"/>
+            </a:schemeClr>
+          </a:lnRef>
+          <a:fillRef idx="1">
+            <a:schemeClr val="accent1"/>
+          </a:fillRef>
+          <a:effectRef idx="0">
+            <a:schemeClr val="accent1"/>
+          </a:effectRef>
+          <a:fontRef idx="minor">
+            <a:schemeClr val="lt1"/>
+          </a:fontRef>
+        </p:style>
+        <p:txBody>
+          <a:bodyPr rtlCol="0" anchor="ctr"/>
+          <a:lstStyle/>
+          <a:p>
+            <a:pPr algn="ctr"/>
+            <a:r>
+              <a:rPr lang="de-DE" sz="3200" dirty="0">
+                <a:solidFill>
+                  <a:srgbClr val="C6C6C6"/>
+                </a:solidFill>
+              </a:rPr>
+              <a:t>1</a:t>
+            </a:r>
+          </a:p>
+        </p:txBody>
+      </p:sp>
+      <p:sp>
+        <p:nvSpPr>
+          <p:cNvPr id="6" name="Rechteck: abgerundete Ecken 5">
+            <a:extLst>
+              <a:ext uri="{FF2B5EF4-FFF2-40B4-BE49-F238E27FC236}">
+                <a16:creationId xmlns:a16="http://schemas.microsoft.com/office/drawing/2014/main" id="{9D3A0BBD-69F6-68E4-F6C0-68B64B5C8878}"/>
+              </a:ext>
+            </a:extLst>
+          </p:cNvPr>
+          <p:cNvSpPr/>
+          <p:nvPr/>
+        </p:nvSpPr>
+        <p:spPr>
+          <a:xfrm>
+            <a:off x="1618827" y="2545836"/>
+            <a:ext cx="3205421" cy="633114"/>
+          </a:xfrm>
+          <a:prstGeom prst="roundRect">
+            <a:avLst/>
+          </a:prstGeom>
+          <a:noFill/>
+          <a:ln w="38100">
+            <a:solidFill>
+              <a:srgbClr val="C6C6C6"/>
+            </a:solidFill>
+          </a:ln>
+        </p:spPr>
+        <p:style>
+          <a:lnRef idx="2">
+            <a:schemeClr val="accent1">
+              <a:shade val="50000"/>
+            </a:schemeClr>
+          </a:lnRef>
+          <a:fillRef idx="1">
+            <a:schemeClr val="accent1"/>
+          </a:fillRef>
+          <a:effectRef idx="0">
+            <a:schemeClr val="accent1"/>
+          </a:effectRef>
+          <a:fontRef idx="minor">
+            <a:schemeClr val="lt1"/>
+          </a:fontRef>
+        </p:style>
+        <p:txBody>
+          <a:bodyPr rtlCol="0" anchor="ctr"/>
+          <a:lstStyle/>
+          <a:p>
+            <a:pPr algn="ctr"/>
+            <a:r>
+              <a:rPr lang="de-DE" dirty="0">
+                <a:solidFill>
+                  <a:srgbClr val="C6C6C6"/>
+                </a:solidFill>
+              </a:rPr>
+              <a:t>Request ID</a:t>
+            </a:r>
+          </a:p>
+        </p:txBody>
+      </p:sp>
+      <p:sp>
+        <p:nvSpPr>
+          <p:cNvPr id="7" name="Rechteck: abgerundete Ecken 6">
+            <a:extLst>
+              <a:ext uri="{FF2B5EF4-FFF2-40B4-BE49-F238E27FC236}">
+                <a16:creationId xmlns:a16="http://schemas.microsoft.com/office/drawing/2014/main" id="{323A2A98-2CBD-F760-F0AF-1C386931691A}"/>
+              </a:ext>
+            </a:extLst>
+          </p:cNvPr>
+          <p:cNvSpPr/>
+          <p:nvPr/>
+        </p:nvSpPr>
+        <p:spPr>
+          <a:xfrm>
+            <a:off x="489636" y="2545837"/>
+            <a:ext cx="878577" cy="633113"/>
+          </a:xfrm>
+          <a:prstGeom prst="roundRect">
+            <a:avLst/>
+          </a:prstGeom>
+          <a:noFill/>
+          <a:ln w="38100">
+            <a:solidFill>
+              <a:srgbClr val="C6C6C6"/>
+            </a:solidFill>
+          </a:ln>
+        </p:spPr>
+        <p:style>
+          <a:lnRef idx="2">
+            <a:schemeClr val="accent1">
+              <a:shade val="50000"/>
+            </a:schemeClr>
+          </a:lnRef>
+          <a:fillRef idx="1">
+            <a:schemeClr val="accent1"/>
+          </a:fillRef>
+          <a:effectRef idx="0">
+            <a:schemeClr val="accent1"/>
+          </a:effectRef>
+          <a:fontRef idx="minor">
+            <a:schemeClr val="lt1"/>
+          </a:fontRef>
+        </p:style>
+        <p:txBody>
+          <a:bodyPr rtlCol="0" anchor="ctr"/>
+          <a:lstStyle/>
+          <a:p>
+            <a:pPr algn="ctr"/>
+            <a:r>
+              <a:rPr lang="de-DE" sz="3200" dirty="0">
+                <a:solidFill>
+                  <a:srgbClr val="C6C6C6"/>
+                </a:solidFill>
+              </a:rPr>
+              <a:t>1</a:t>
+            </a:r>
+          </a:p>
+        </p:txBody>
+      </p:sp>
+      <p:sp>
+        <p:nvSpPr>
+          <p:cNvPr id="8" name="Rechteck: abgerundete Ecken 7">
+            <a:extLst>
+              <a:ext uri="{FF2B5EF4-FFF2-40B4-BE49-F238E27FC236}">
+                <a16:creationId xmlns:a16="http://schemas.microsoft.com/office/drawing/2014/main" id="{AFFED479-E31A-C40C-C461-87E25167C518}"/>
+              </a:ext>
+            </a:extLst>
+          </p:cNvPr>
+          <p:cNvSpPr/>
+          <p:nvPr/>
+        </p:nvSpPr>
+        <p:spPr>
+          <a:xfrm>
+            <a:off x="1618827" y="3289967"/>
+            <a:ext cx="3205421" cy="633114"/>
+          </a:xfrm>
+          <a:prstGeom prst="roundRect">
+            <a:avLst/>
+          </a:prstGeom>
+          <a:noFill/>
+          <a:ln w="38100">
+            <a:solidFill>
+              <a:srgbClr val="C6C6C6"/>
+            </a:solidFill>
+          </a:ln>
+        </p:spPr>
+        <p:style>
+          <a:lnRef idx="2">
+            <a:schemeClr val="accent1">
+              <a:shade val="50000"/>
+            </a:schemeClr>
+          </a:lnRef>
+          <a:fillRef idx="1">
+            <a:schemeClr val="accent1"/>
+          </a:fillRef>
+          <a:effectRef idx="0">
+            <a:schemeClr val="accent1"/>
+          </a:effectRef>
+          <a:fontRef idx="minor">
+            <a:schemeClr val="lt1"/>
+          </a:fontRef>
+        </p:style>
+        <p:txBody>
+          <a:bodyPr rtlCol="0" anchor="ctr"/>
+          <a:lstStyle/>
+          <a:p>
+            <a:pPr algn="ctr"/>
+            <a:r>
+              <a:rPr lang="de-DE" dirty="0">
+                <a:solidFill>
+                  <a:srgbClr val="C6C6C6"/>
+                </a:solidFill>
+              </a:rPr>
+              <a:t>Value Size (in </a:t>
+            </a:r>
+            <a:r>
+              <a:rPr lang="de-DE" dirty="0" err="1">
+                <a:solidFill>
+                  <a:srgbClr val="C6C6C6"/>
+                </a:solidFill>
+              </a:rPr>
+              <a:t>bytes</a:t>
+            </a:r>
+            <a:r>
+              <a:rPr lang="de-DE" dirty="0">
+                <a:solidFill>
+                  <a:srgbClr val="C6C6C6"/>
+                </a:solidFill>
+              </a:rPr>
+              <a:t>)</a:t>
+            </a:r>
+          </a:p>
+        </p:txBody>
+      </p:sp>
+      <p:sp>
+        <p:nvSpPr>
+          <p:cNvPr id="9" name="Rechteck: abgerundete Ecken 8">
+            <a:extLst>
+              <a:ext uri="{FF2B5EF4-FFF2-40B4-BE49-F238E27FC236}">
+                <a16:creationId xmlns:a16="http://schemas.microsoft.com/office/drawing/2014/main" id="{8687227A-7EF6-E404-4BB6-BF2640FEDD3E}"/>
+              </a:ext>
+            </a:extLst>
+          </p:cNvPr>
+          <p:cNvSpPr/>
+          <p:nvPr/>
+        </p:nvSpPr>
+        <p:spPr>
+          <a:xfrm>
+            <a:off x="489636" y="3289968"/>
+            <a:ext cx="878577" cy="633113"/>
+          </a:xfrm>
+          <a:prstGeom prst="roundRect">
+            <a:avLst/>
+          </a:prstGeom>
+          <a:noFill/>
+          <a:ln w="38100">
+            <a:solidFill>
+              <a:srgbClr val="C6C6C6"/>
+            </a:solidFill>
+          </a:ln>
+        </p:spPr>
+        <p:style>
+          <a:lnRef idx="2">
+            <a:schemeClr val="accent1">
+              <a:shade val="50000"/>
+            </a:schemeClr>
+          </a:lnRef>
+          <a:fillRef idx="1">
+            <a:schemeClr val="accent1"/>
+          </a:fillRef>
+          <a:effectRef idx="0">
+            <a:schemeClr val="accent1"/>
+          </a:effectRef>
+          <a:fontRef idx="minor">
+            <a:schemeClr val="lt1"/>
+          </a:fontRef>
+        </p:style>
+        <p:txBody>
+          <a:bodyPr rtlCol="0" anchor="ctr"/>
+          <a:lstStyle/>
+          <a:p>
+            <a:pPr algn="ctr"/>
+            <a:r>
+              <a:rPr lang="de-DE" sz="3200" dirty="0">
+                <a:solidFill>
+                  <a:srgbClr val="C6C6C6"/>
+                </a:solidFill>
+              </a:rPr>
+              <a:t>1</a:t>
+            </a:r>
+          </a:p>
+        </p:txBody>
+      </p:sp>
+      <p:sp>
+        <p:nvSpPr>
+          <p:cNvPr id="10" name="Rechteck: abgerundete Ecken 9">
+            <a:extLst>
+              <a:ext uri="{FF2B5EF4-FFF2-40B4-BE49-F238E27FC236}">
+                <a16:creationId xmlns:a16="http://schemas.microsoft.com/office/drawing/2014/main" id="{DFF47EDD-8476-8D71-B47C-8CF352F692E0}"/>
+              </a:ext>
+            </a:extLst>
+          </p:cNvPr>
+          <p:cNvSpPr/>
+          <p:nvPr/>
+        </p:nvSpPr>
+        <p:spPr>
+          <a:xfrm>
+            <a:off x="1618826" y="4030435"/>
+            <a:ext cx="3205421" cy="633114"/>
+          </a:xfrm>
+          <a:prstGeom prst="roundRect">
+            <a:avLst/>
+          </a:prstGeom>
+          <a:noFill/>
+          <a:ln w="38100">
+            <a:solidFill>
+              <a:srgbClr val="C6C6C6"/>
+            </a:solidFill>
+          </a:ln>
+        </p:spPr>
+        <p:style>
+          <a:lnRef idx="2">
+            <a:schemeClr val="accent1">
+              <a:shade val="50000"/>
+            </a:schemeClr>
+          </a:lnRef>
+          <a:fillRef idx="1">
+            <a:schemeClr val="accent1"/>
+          </a:fillRef>
+          <a:effectRef idx="0">
+            <a:schemeClr val="accent1"/>
+          </a:effectRef>
+          <a:fontRef idx="minor">
+            <a:schemeClr val="lt1"/>
+          </a:fontRef>
+        </p:style>
+        <p:txBody>
+          <a:bodyPr rtlCol="0" anchor="ctr"/>
+          <a:lstStyle/>
+          <a:p>
+            <a:pPr algn="ctr"/>
+            <a:r>
+              <a:rPr lang="de-DE" dirty="0" err="1">
+                <a:solidFill>
+                  <a:srgbClr val="C6C6C6"/>
+                </a:solidFill>
+              </a:rPr>
+              <a:t>InstructionS</a:t>
+            </a:r>
+            <a:endParaRPr lang="de-DE" dirty="0">
+              <a:solidFill>
+                <a:srgbClr val="C6C6C6"/>
+              </a:solidFill>
+            </a:endParaRPr>
+          </a:p>
+        </p:txBody>
+      </p:sp>
+      <p:sp>
+        <p:nvSpPr>
+          <p:cNvPr id="11" name="Rechteck: abgerundete Ecken 10">
+            <a:extLst>
+              <a:ext uri="{FF2B5EF4-FFF2-40B4-BE49-F238E27FC236}">
+                <a16:creationId xmlns:a16="http://schemas.microsoft.com/office/drawing/2014/main" id="{C16C6221-A5A4-9A9E-DD84-DAAB96791346}"/>
+              </a:ext>
+            </a:extLst>
+          </p:cNvPr>
+          <p:cNvSpPr/>
+          <p:nvPr/>
+        </p:nvSpPr>
+        <p:spPr>
+          <a:xfrm>
+            <a:off x="489636" y="4028451"/>
+            <a:ext cx="878577" cy="633113"/>
+          </a:xfrm>
+          <a:prstGeom prst="roundRect">
+            <a:avLst/>
+          </a:prstGeom>
+          <a:noFill/>
+          <a:ln w="38100">
+            <a:solidFill>
+              <a:srgbClr val="C6C6C6"/>
+            </a:solidFill>
+          </a:ln>
+        </p:spPr>
+        <p:style>
+          <a:lnRef idx="2">
+            <a:schemeClr val="accent1">
+              <a:shade val="50000"/>
+            </a:schemeClr>
+          </a:lnRef>
+          <a:fillRef idx="1">
+            <a:schemeClr val="accent1"/>
+          </a:fillRef>
+          <a:effectRef idx="0">
+            <a:schemeClr val="accent1"/>
+          </a:effectRef>
+          <a:fontRef idx="minor">
+            <a:schemeClr val="lt1"/>
+          </a:fontRef>
+        </p:style>
+        <p:txBody>
+          <a:bodyPr rtlCol="0" anchor="ctr"/>
+          <a:lstStyle/>
+          <a:p>
+            <a:pPr algn="ctr"/>
+            <a:r>
+              <a:rPr lang="de-DE" sz="3200" dirty="0">
+                <a:solidFill>
+                  <a:srgbClr val="C6C6C6"/>
+                </a:solidFill>
+              </a:rPr>
+              <a:t>1</a:t>
+            </a:r>
+          </a:p>
+        </p:txBody>
+      </p:sp>
+      <p:sp>
+        <p:nvSpPr>
+          <p:cNvPr id="12" name="Rechteck: abgerundete Ecken 11">
+            <a:extLst>
+              <a:ext uri="{FF2B5EF4-FFF2-40B4-BE49-F238E27FC236}">
+                <a16:creationId xmlns:a16="http://schemas.microsoft.com/office/drawing/2014/main" id="{E2FA0AE1-6AAE-33B8-9F96-D2C57D7FBCCE}"/>
+              </a:ext>
+            </a:extLst>
+          </p:cNvPr>
+          <p:cNvSpPr/>
+          <p:nvPr/>
+        </p:nvSpPr>
+        <p:spPr>
+          <a:xfrm>
+            <a:off x="1618824" y="4770903"/>
+            <a:ext cx="3205421" cy="633114"/>
+          </a:xfrm>
+          <a:prstGeom prst="roundRect">
+            <a:avLst/>
+          </a:prstGeom>
+          <a:noFill/>
+          <a:ln w="38100">
+            <a:solidFill>
+              <a:srgbClr val="C6C6C6"/>
+            </a:solidFill>
+          </a:ln>
+        </p:spPr>
+        <p:style>
+          <a:lnRef idx="2">
+            <a:schemeClr val="accent1">
+              <a:shade val="50000"/>
+            </a:schemeClr>
+          </a:lnRef>
+          <a:fillRef idx="1">
+            <a:schemeClr val="accent1"/>
+          </a:fillRef>
+          <a:effectRef idx="0">
+            <a:schemeClr val="accent1"/>
+          </a:effectRef>
+          <a:fontRef idx="minor">
+            <a:schemeClr val="lt1"/>
+          </a:fontRef>
+        </p:style>
+        <p:txBody>
+          <a:bodyPr rtlCol="0" anchor="ctr"/>
+          <a:lstStyle/>
+          <a:p>
+            <a:pPr algn="ctr"/>
+            <a:r>
+              <a:rPr lang="de-DE" dirty="0">
+                <a:solidFill>
+                  <a:srgbClr val="C6C6C6"/>
+                </a:solidFill>
+              </a:rPr>
+              <a:t>Value</a:t>
+            </a:r>
+          </a:p>
+        </p:txBody>
+      </p:sp>
+      <p:sp>
+        <p:nvSpPr>
+          <p:cNvPr id="13" name="Rechteck: abgerundete Ecken 12">
+            <a:extLst>
+              <a:ext uri="{FF2B5EF4-FFF2-40B4-BE49-F238E27FC236}">
+                <a16:creationId xmlns:a16="http://schemas.microsoft.com/office/drawing/2014/main" id="{337C0DAB-D27F-F86C-2F7B-B0ABE610F25A}"/>
+              </a:ext>
+            </a:extLst>
+          </p:cNvPr>
+          <p:cNvSpPr/>
+          <p:nvPr/>
+        </p:nvSpPr>
+        <p:spPr>
+          <a:xfrm>
+            <a:off x="489635" y="4770904"/>
+            <a:ext cx="878578" cy="633113"/>
+          </a:xfrm>
+          <a:prstGeom prst="roundRect">
+            <a:avLst>
+              <a:gd name="adj" fmla="val 17737"/>
+            </a:avLst>
+          </a:prstGeom>
+          <a:noFill/>
+          <a:ln w="38100">
+            <a:solidFill>
+              <a:srgbClr val="C6C6C6"/>
+            </a:solidFill>
+          </a:ln>
+        </p:spPr>
+        <p:style>
+          <a:lnRef idx="2">
+            <a:schemeClr val="accent1">
+              <a:shade val="50000"/>
+            </a:schemeClr>
+          </a:lnRef>
+          <a:fillRef idx="1">
+            <a:schemeClr val="accent1"/>
+          </a:fillRef>
+          <a:effectRef idx="0">
+            <a:schemeClr val="accent1"/>
+          </a:effectRef>
+          <a:fontRef idx="minor">
+            <a:schemeClr val="lt1"/>
+          </a:fontRef>
+        </p:style>
+        <p:txBody>
+          <a:bodyPr rtlCol="0" anchor="ctr"/>
+          <a:lstStyle/>
+          <a:p>
+            <a:pPr algn="ctr"/>
+            <a:r>
+              <a:rPr lang="de-DE" sz="2200" dirty="0">
+                <a:solidFill>
+                  <a:srgbClr val="C6C6C6"/>
+                </a:solidFill>
+              </a:rPr>
+              <a:t>Value Size</a:t>
+            </a:r>
+          </a:p>
+        </p:txBody>
+      </p:sp>
+      <p:sp>
+        <p:nvSpPr>
+          <p:cNvPr id="14" name="Rechteck: abgerundete Ecken 13">
+            <a:extLst>
+              <a:ext uri="{FF2B5EF4-FFF2-40B4-BE49-F238E27FC236}">
+                <a16:creationId xmlns:a16="http://schemas.microsoft.com/office/drawing/2014/main" id="{B708E0CD-20C1-0CF0-C545-6F84643679B8}"/>
+              </a:ext>
+            </a:extLst>
+          </p:cNvPr>
+          <p:cNvSpPr/>
+          <p:nvPr/>
+        </p:nvSpPr>
+        <p:spPr>
+          <a:xfrm>
+            <a:off x="1618823" y="5518697"/>
+            <a:ext cx="3205422" cy="633114"/>
+          </a:xfrm>
+          <a:prstGeom prst="roundRect">
+            <a:avLst/>
+          </a:prstGeom>
+          <a:noFill/>
+          <a:ln w="38100">
+            <a:solidFill>
+              <a:srgbClr val="C6C6C6"/>
+            </a:solidFill>
+          </a:ln>
+        </p:spPr>
+        <p:style>
+          <a:lnRef idx="2">
+            <a:schemeClr val="accent1">
+              <a:shade val="50000"/>
+            </a:schemeClr>
+          </a:lnRef>
+          <a:fillRef idx="1">
+            <a:schemeClr val="accent1"/>
+          </a:fillRef>
+          <a:effectRef idx="0">
+            <a:schemeClr val="accent1"/>
+          </a:effectRef>
+          <a:fontRef idx="minor">
+            <a:schemeClr val="lt1"/>
+          </a:fontRef>
+        </p:style>
+        <p:txBody>
+          <a:bodyPr rtlCol="0" anchor="ctr"/>
+          <a:lstStyle/>
+          <a:p>
+            <a:pPr algn="ctr"/>
+            <a:r>
+              <a:rPr lang="de-DE" dirty="0" err="1">
+                <a:solidFill>
+                  <a:srgbClr val="C6C6C6"/>
+                </a:solidFill>
+              </a:rPr>
+              <a:t>EndCharacterS</a:t>
+            </a:r>
+            <a:endParaRPr lang="de-DE" dirty="0">
+              <a:solidFill>
+                <a:srgbClr val="C6C6C6"/>
+              </a:solidFill>
+            </a:endParaRPr>
+          </a:p>
+        </p:txBody>
+      </p:sp>
+      <p:sp>
+        <p:nvSpPr>
+          <p:cNvPr id="15" name="Rechteck: abgerundete Ecken 14">
+            <a:extLst>
+              <a:ext uri="{FF2B5EF4-FFF2-40B4-BE49-F238E27FC236}">
+                <a16:creationId xmlns:a16="http://schemas.microsoft.com/office/drawing/2014/main" id="{B3CF6E63-C75C-6F5B-B401-BDA0A00EB6D0}"/>
+              </a:ext>
+            </a:extLst>
+          </p:cNvPr>
+          <p:cNvSpPr/>
+          <p:nvPr/>
+        </p:nvSpPr>
+        <p:spPr>
+          <a:xfrm>
+            <a:off x="489635" y="5518698"/>
+            <a:ext cx="878577" cy="633113"/>
+          </a:xfrm>
+          <a:prstGeom prst="roundRect">
+            <a:avLst/>
+          </a:prstGeom>
+          <a:noFill/>
+          <a:ln w="38100">
+            <a:solidFill>
+              <a:srgbClr val="C6C6C6"/>
+            </a:solidFill>
+          </a:ln>
+        </p:spPr>
+        <p:style>
+          <a:lnRef idx="2">
+            <a:schemeClr val="accent1">
+              <a:shade val="50000"/>
+            </a:schemeClr>
+          </a:lnRef>
+          <a:fillRef idx="1">
+            <a:schemeClr val="accent1"/>
+          </a:fillRef>
+          <a:effectRef idx="0">
+            <a:schemeClr val="accent1"/>
+          </a:effectRef>
+          <a:fontRef idx="minor">
+            <a:schemeClr val="lt1"/>
+          </a:fontRef>
+        </p:style>
+        <p:txBody>
+          <a:bodyPr rtlCol="0" anchor="ctr"/>
+          <a:lstStyle/>
+          <a:p>
+            <a:pPr algn="ctr"/>
+            <a:r>
+              <a:rPr lang="de-DE" sz="3200" dirty="0">
+                <a:solidFill>
+                  <a:srgbClr val="C6C6C6"/>
+                </a:solidFill>
+              </a:rPr>
+              <a:t>1</a:t>
+            </a:r>
+          </a:p>
+        </p:txBody>
+      </p:sp>
+      <p:sp>
+        <p:nvSpPr>
+          <p:cNvPr id="16" name="Rechteck: abgerundete Ecken 15">
+            <a:extLst>
+              <a:ext uri="{FF2B5EF4-FFF2-40B4-BE49-F238E27FC236}">
+                <a16:creationId xmlns:a16="http://schemas.microsoft.com/office/drawing/2014/main" id="{623CEF63-9DFB-E4B7-7B4E-8EFE1A35BEAF}"/>
+              </a:ext>
+            </a:extLst>
+          </p:cNvPr>
+          <p:cNvSpPr/>
+          <p:nvPr/>
+        </p:nvSpPr>
+        <p:spPr>
+          <a:xfrm>
+            <a:off x="5744885" y="1801705"/>
+            <a:ext cx="1374987" cy="633113"/>
+          </a:xfrm>
+          <a:prstGeom prst="roundRect">
+            <a:avLst/>
+          </a:prstGeom>
+          <a:noFill/>
+          <a:ln w="38100">
+            <a:solidFill>
+              <a:srgbClr val="C6C6C6"/>
+            </a:solidFill>
+          </a:ln>
+        </p:spPr>
+        <p:style>
+          <a:lnRef idx="2">
+            <a:schemeClr val="accent1">
+              <a:shade val="50000"/>
+            </a:schemeClr>
+          </a:lnRef>
+          <a:fillRef idx="1">
+            <a:schemeClr val="accent1"/>
+          </a:fillRef>
+          <a:effectRef idx="0">
+            <a:schemeClr val="accent1"/>
+          </a:effectRef>
+          <a:fontRef idx="minor">
+            <a:schemeClr val="lt1"/>
+          </a:fontRef>
+        </p:style>
+        <p:txBody>
+          <a:bodyPr rtlCol="0" anchor="ctr"/>
+          <a:lstStyle/>
+          <a:p>
+            <a:pPr algn="ctr"/>
+            <a:r>
+              <a:rPr lang="de-DE" sz="3200" dirty="0">
+                <a:solidFill>
+                  <a:srgbClr val="C6C6C6"/>
+                </a:solidFill>
+              </a:rPr>
+              <a:t>&lt; (60)</a:t>
+            </a:r>
+          </a:p>
+        </p:txBody>
+      </p:sp>
+      <p:sp>
+        <p:nvSpPr>
+          <p:cNvPr id="24" name="Rechteck: abgerundete Ecken 23">
+            <a:extLst>
+              <a:ext uri="{FF2B5EF4-FFF2-40B4-BE49-F238E27FC236}">
+                <a16:creationId xmlns:a16="http://schemas.microsoft.com/office/drawing/2014/main" id="{9CFA5687-7749-F3AF-6379-5992264E4DDE}"/>
+              </a:ext>
+            </a:extLst>
+          </p:cNvPr>
+          <p:cNvSpPr/>
+          <p:nvPr/>
+        </p:nvSpPr>
+        <p:spPr>
+          <a:xfrm>
+            <a:off x="411742" y="906872"/>
+            <a:ext cx="1034364" cy="633114"/>
+          </a:xfrm>
+          <a:prstGeom prst="roundRect">
+            <a:avLst/>
+          </a:prstGeom>
+          <a:noFill/>
+          <a:ln w="38100">
+            <a:solidFill>
+              <a:srgbClr val="C6C6C6"/>
+            </a:solidFill>
+          </a:ln>
+        </p:spPr>
+        <p:style>
+          <a:lnRef idx="2">
+            <a:schemeClr val="accent1">
+              <a:shade val="50000"/>
+            </a:schemeClr>
+          </a:lnRef>
+          <a:fillRef idx="1">
+            <a:schemeClr val="accent1"/>
+          </a:fillRef>
+          <a:effectRef idx="0">
+            <a:schemeClr val="accent1"/>
+          </a:effectRef>
+          <a:fontRef idx="minor">
+            <a:schemeClr val="lt1"/>
+          </a:fontRef>
+        </p:style>
+        <p:txBody>
+          <a:bodyPr rtlCol="0" anchor="ctr"/>
+          <a:lstStyle/>
+          <a:p>
+            <a:pPr algn="ctr"/>
+            <a:r>
+              <a:rPr lang="de-DE" dirty="0">
+                <a:solidFill>
+                  <a:srgbClr val="C6C6C6"/>
+                </a:solidFill>
+              </a:rPr>
+              <a:t>Größe in Bytes</a:t>
+            </a:r>
+          </a:p>
+        </p:txBody>
+      </p:sp>
+      <p:sp>
+        <p:nvSpPr>
+          <p:cNvPr id="27" name="Rechteck: abgerundete Ecken 26">
+            <a:extLst>
+              <a:ext uri="{FF2B5EF4-FFF2-40B4-BE49-F238E27FC236}">
+                <a16:creationId xmlns:a16="http://schemas.microsoft.com/office/drawing/2014/main" id="{99CA01E8-7BAB-2B01-2F2D-8E641058B9C4}"/>
+              </a:ext>
+            </a:extLst>
+          </p:cNvPr>
+          <p:cNvSpPr/>
+          <p:nvPr/>
+        </p:nvSpPr>
+        <p:spPr>
+          <a:xfrm>
+            <a:off x="2534042" y="906872"/>
+            <a:ext cx="1374987" cy="633114"/>
+          </a:xfrm>
+          <a:prstGeom prst="roundRect">
+            <a:avLst/>
+          </a:prstGeom>
+          <a:noFill/>
+          <a:ln w="38100">
+            <a:solidFill>
+              <a:srgbClr val="C6C6C6"/>
+            </a:solidFill>
+          </a:ln>
+        </p:spPr>
+        <p:style>
+          <a:lnRef idx="2">
+            <a:schemeClr val="accent1">
+              <a:shade val="50000"/>
+            </a:schemeClr>
+          </a:lnRef>
+          <a:fillRef idx="1">
+            <a:schemeClr val="accent1"/>
+          </a:fillRef>
+          <a:effectRef idx="0">
+            <a:schemeClr val="accent1"/>
+          </a:effectRef>
+          <a:fontRef idx="minor">
+            <a:schemeClr val="lt1"/>
+          </a:fontRef>
+        </p:style>
+        <p:txBody>
+          <a:bodyPr rtlCol="0" anchor="ctr"/>
+          <a:lstStyle/>
+          <a:p>
+            <a:pPr algn="ctr"/>
+            <a:r>
+              <a:rPr lang="de-DE" dirty="0">
+                <a:solidFill>
+                  <a:srgbClr val="C6C6C6"/>
+                </a:solidFill>
+              </a:rPr>
+              <a:t>Anweisung</a:t>
+            </a:r>
+          </a:p>
+        </p:txBody>
+      </p:sp>
+      <p:sp>
+        <p:nvSpPr>
+          <p:cNvPr id="28" name="Rechteck: abgerundete Ecken 27">
+            <a:extLst>
+              <a:ext uri="{FF2B5EF4-FFF2-40B4-BE49-F238E27FC236}">
+                <a16:creationId xmlns:a16="http://schemas.microsoft.com/office/drawing/2014/main" id="{D6BB014E-E7C5-183B-9E46-736094659F99}"/>
+              </a:ext>
+            </a:extLst>
+          </p:cNvPr>
+          <p:cNvSpPr/>
+          <p:nvPr/>
+        </p:nvSpPr>
+        <p:spPr>
+          <a:xfrm>
+            <a:off x="5744884" y="906872"/>
+            <a:ext cx="1374987" cy="633114"/>
+          </a:xfrm>
+          <a:prstGeom prst="roundRect">
+            <a:avLst/>
+          </a:prstGeom>
+          <a:noFill/>
+          <a:ln w="38100">
+            <a:solidFill>
+              <a:srgbClr val="C6C6C6"/>
+            </a:solidFill>
+          </a:ln>
+        </p:spPr>
+        <p:style>
+          <a:lnRef idx="2">
+            <a:schemeClr val="accent1">
+              <a:shade val="50000"/>
+            </a:schemeClr>
+          </a:lnRef>
+          <a:fillRef idx="1">
+            <a:schemeClr val="accent1"/>
+          </a:fillRef>
+          <a:effectRef idx="0">
+            <a:schemeClr val="accent1"/>
+          </a:effectRef>
+          <a:fontRef idx="minor">
+            <a:schemeClr val="lt1"/>
+          </a:fontRef>
+        </p:style>
+        <p:txBody>
+          <a:bodyPr rtlCol="0" anchor="ctr"/>
+          <a:lstStyle/>
+          <a:p>
+            <a:pPr algn="ctr"/>
+            <a:r>
+              <a:rPr lang="de-DE" dirty="0">
+                <a:solidFill>
+                  <a:srgbClr val="C6C6C6"/>
+                </a:solidFill>
+              </a:rPr>
+              <a:t>Print-Befehl</a:t>
+            </a:r>
+          </a:p>
+        </p:txBody>
+      </p:sp>
+      <p:sp>
+        <p:nvSpPr>
+          <p:cNvPr id="29" name="Rechteck: abgerundete Ecken 28">
+            <a:extLst>
+              <a:ext uri="{FF2B5EF4-FFF2-40B4-BE49-F238E27FC236}">
+                <a16:creationId xmlns:a16="http://schemas.microsoft.com/office/drawing/2014/main" id="{C6D7780E-CF5C-F779-2169-B6068696AC18}"/>
+              </a:ext>
+            </a:extLst>
+          </p:cNvPr>
+          <p:cNvSpPr/>
+          <p:nvPr/>
+        </p:nvSpPr>
+        <p:spPr>
+          <a:xfrm>
+            <a:off x="5744885" y="2545837"/>
+            <a:ext cx="1374987" cy="633113"/>
+          </a:xfrm>
+          <a:prstGeom prst="roundRect">
+            <a:avLst/>
+          </a:prstGeom>
+          <a:noFill/>
+          <a:ln w="38100">
+            <a:solidFill>
+              <a:srgbClr val="C6C6C6"/>
+            </a:solidFill>
+          </a:ln>
+        </p:spPr>
+        <p:style>
+          <a:lnRef idx="2">
+            <a:schemeClr val="accent1">
+              <a:shade val="50000"/>
+            </a:schemeClr>
+          </a:lnRef>
+          <a:fillRef idx="1">
+            <a:schemeClr val="accent1"/>
+          </a:fillRef>
+          <a:effectRef idx="0">
+            <a:schemeClr val="accent1"/>
+          </a:effectRef>
+          <a:fontRef idx="minor">
+            <a:schemeClr val="lt1"/>
+          </a:fontRef>
+        </p:style>
+        <p:txBody>
+          <a:bodyPr rtlCol="0" anchor="ctr"/>
+          <a:lstStyle/>
+          <a:p>
+            <a:pPr algn="ctr"/>
+            <a:r>
+              <a:rPr lang="de-DE" sz="3200" dirty="0">
+                <a:solidFill>
+                  <a:srgbClr val="C6C6C6"/>
+                </a:solidFill>
+              </a:rPr>
+              <a:t>☺ (1)</a:t>
+            </a:r>
+          </a:p>
+        </p:txBody>
+      </p:sp>
+      <p:sp>
+        <p:nvSpPr>
+          <p:cNvPr id="30" name="Rechteck: abgerundete Ecken 29">
+            <a:extLst>
+              <a:ext uri="{FF2B5EF4-FFF2-40B4-BE49-F238E27FC236}">
+                <a16:creationId xmlns:a16="http://schemas.microsoft.com/office/drawing/2014/main" id="{58F6890D-A508-8D09-87F3-3AB3D4C75C50}"/>
+              </a:ext>
+            </a:extLst>
+          </p:cNvPr>
+          <p:cNvSpPr/>
+          <p:nvPr/>
+        </p:nvSpPr>
+        <p:spPr>
+          <a:xfrm>
+            <a:off x="5744884" y="3289968"/>
+            <a:ext cx="1374987" cy="633113"/>
+          </a:xfrm>
+          <a:prstGeom prst="roundRect">
+            <a:avLst/>
+          </a:prstGeom>
+          <a:noFill/>
+          <a:ln w="38100">
+            <a:solidFill>
+              <a:srgbClr val="C6C6C6"/>
+            </a:solidFill>
+          </a:ln>
+        </p:spPr>
+        <p:style>
+          <a:lnRef idx="2">
+            <a:schemeClr val="accent1">
+              <a:shade val="50000"/>
+            </a:schemeClr>
+          </a:lnRef>
+          <a:fillRef idx="1">
+            <a:schemeClr val="accent1"/>
+          </a:fillRef>
+          <a:effectRef idx="0">
+            <a:schemeClr val="accent1"/>
+          </a:effectRef>
+          <a:fontRef idx="minor">
+            <a:schemeClr val="lt1"/>
+          </a:fontRef>
+        </p:style>
+        <p:txBody>
+          <a:bodyPr rtlCol="0" anchor="ctr"/>
+          <a:lstStyle/>
+          <a:p>
+            <a:pPr algn="ctr"/>
+            <a:r>
+              <a:rPr lang="de-DE" sz="3200" dirty="0">
+                <a:solidFill>
+                  <a:srgbClr val="C6C6C6"/>
+                </a:solidFill>
+              </a:rPr>
+              <a:t> (13)</a:t>
+            </a:r>
+          </a:p>
+        </p:txBody>
+      </p:sp>
+      <p:sp>
+        <p:nvSpPr>
+          <p:cNvPr id="31" name="Rechteck: abgerundete Ecken 30">
+            <a:extLst>
+              <a:ext uri="{FF2B5EF4-FFF2-40B4-BE49-F238E27FC236}">
+                <a16:creationId xmlns:a16="http://schemas.microsoft.com/office/drawing/2014/main" id="{84D5ED8A-1840-E682-E0D0-C6A6702FA08A}"/>
+              </a:ext>
+            </a:extLst>
+          </p:cNvPr>
+          <p:cNvSpPr/>
+          <p:nvPr/>
+        </p:nvSpPr>
+        <p:spPr>
+          <a:xfrm>
+            <a:off x="5718445" y="4028451"/>
+            <a:ext cx="1374987" cy="633113"/>
+          </a:xfrm>
+          <a:prstGeom prst="roundRect">
+            <a:avLst/>
+          </a:prstGeom>
+          <a:noFill/>
+          <a:ln w="38100">
+            <a:solidFill>
+              <a:srgbClr val="C6C6C6"/>
+            </a:solidFill>
+          </a:ln>
+        </p:spPr>
+        <p:style>
+          <a:lnRef idx="2">
+            <a:schemeClr val="accent1">
+              <a:shade val="50000"/>
+            </a:schemeClr>
+          </a:lnRef>
+          <a:fillRef idx="1">
+            <a:schemeClr val="accent1"/>
+          </a:fillRef>
+          <a:effectRef idx="0">
+            <a:schemeClr val="accent1"/>
+          </a:effectRef>
+          <a:fontRef idx="minor">
+            <a:schemeClr val="lt1"/>
+          </a:fontRef>
+        </p:style>
+        <p:txBody>
+          <a:bodyPr rtlCol="0" anchor="ctr"/>
+          <a:lstStyle/>
+          <a:p>
+            <a:pPr algn="ctr"/>
+            <a:r>
+              <a:rPr lang="de-DE" sz="3200" dirty="0">
+                <a:solidFill>
+                  <a:srgbClr val="C6C6C6"/>
+                </a:solidFill>
+              </a:rPr>
+              <a:t>l (108)</a:t>
+            </a:r>
+          </a:p>
+        </p:txBody>
+      </p:sp>
+      <p:sp>
+        <p:nvSpPr>
+          <p:cNvPr id="32" name="Rechteck: abgerundete Ecken 31">
+            <a:extLst>
+              <a:ext uri="{FF2B5EF4-FFF2-40B4-BE49-F238E27FC236}">
+                <a16:creationId xmlns:a16="http://schemas.microsoft.com/office/drawing/2014/main" id="{1AA218FD-BC1B-643C-D314-80D9BC97EAF5}"/>
+              </a:ext>
+            </a:extLst>
+          </p:cNvPr>
+          <p:cNvSpPr/>
+          <p:nvPr/>
+        </p:nvSpPr>
+        <p:spPr>
+          <a:xfrm>
+            <a:off x="5718444" y="4766934"/>
+            <a:ext cx="1374987" cy="633113"/>
+          </a:xfrm>
+          <a:prstGeom prst="roundRect">
+            <a:avLst/>
+          </a:prstGeom>
+          <a:noFill/>
+          <a:ln w="38100">
+            <a:solidFill>
+              <a:srgbClr val="C6C6C6"/>
+            </a:solidFill>
+          </a:ln>
+        </p:spPr>
+        <p:style>
+          <a:lnRef idx="2">
+            <a:schemeClr val="accent1">
+              <a:shade val="50000"/>
+            </a:schemeClr>
+          </a:lnRef>
+          <a:fillRef idx="1">
+            <a:schemeClr val="accent1"/>
+          </a:fillRef>
+          <a:effectRef idx="0">
+            <a:schemeClr val="accent1"/>
+          </a:effectRef>
+          <a:fontRef idx="minor">
+            <a:schemeClr val="lt1"/>
+          </a:fontRef>
+        </p:style>
+        <p:txBody>
+          <a:bodyPr rtlCol="0" anchor="ctr"/>
+          <a:lstStyle/>
+          <a:p>
+            <a:pPr algn="ctr"/>
+            <a:r>
+              <a:rPr lang="de-DE" sz="2200" dirty="0">
+                <a:solidFill>
+                  <a:srgbClr val="C6C6C6"/>
+                </a:solidFill>
+              </a:rPr>
+              <a:t>Hello World</a:t>
+            </a:r>
+          </a:p>
+        </p:txBody>
+      </p:sp>
+      <p:sp>
+        <p:nvSpPr>
+          <p:cNvPr id="33" name="Rechteck: abgerundete Ecken 32">
+            <a:extLst>
+              <a:ext uri="{FF2B5EF4-FFF2-40B4-BE49-F238E27FC236}">
+                <a16:creationId xmlns:a16="http://schemas.microsoft.com/office/drawing/2014/main" id="{BDD620A1-D662-3158-6BF6-AD4647FA2D64}"/>
+              </a:ext>
+            </a:extLst>
+          </p:cNvPr>
+          <p:cNvSpPr/>
+          <p:nvPr/>
+        </p:nvSpPr>
+        <p:spPr>
+          <a:xfrm>
+            <a:off x="5718443" y="5524158"/>
+            <a:ext cx="1374987" cy="633113"/>
+          </a:xfrm>
+          <a:prstGeom prst="roundRect">
+            <a:avLst/>
+          </a:prstGeom>
+          <a:noFill/>
+          <a:ln w="38100">
+            <a:solidFill>
+              <a:srgbClr val="C6C6C6"/>
+            </a:solidFill>
+          </a:ln>
+        </p:spPr>
+        <p:style>
+          <a:lnRef idx="2">
+            <a:schemeClr val="accent1">
+              <a:shade val="50000"/>
+            </a:schemeClr>
+          </a:lnRef>
+          <a:fillRef idx="1">
+            <a:schemeClr val="accent1"/>
+          </a:fillRef>
+          <a:effectRef idx="0">
+            <a:schemeClr val="accent1"/>
+          </a:effectRef>
+          <a:fontRef idx="minor">
+            <a:schemeClr val="lt1"/>
+          </a:fontRef>
+        </p:style>
+        <p:txBody>
+          <a:bodyPr rtlCol="0" anchor="ctr"/>
+          <a:lstStyle/>
+          <a:p>
+            <a:pPr algn="ctr"/>
+            <a:r>
+              <a:rPr lang="de-DE" sz="3200" dirty="0">
+                <a:solidFill>
+                  <a:srgbClr val="C6C6C6"/>
+                </a:solidFill>
+              </a:rPr>
+              <a:t>&gt; (62)</a:t>
+            </a:r>
+          </a:p>
+        </p:txBody>
+      </p:sp>
+      <p:pic>
+        <p:nvPicPr>
+          <p:cNvPr id="40" name="Grafik 39">
+            <a:extLst>
+              <a:ext uri="{FF2B5EF4-FFF2-40B4-BE49-F238E27FC236}">
+                <a16:creationId xmlns:a16="http://schemas.microsoft.com/office/drawing/2014/main" id="{8C1E098F-6522-86EA-5EBF-D4EFC2362F1C}"/>
+              </a:ext>
+            </a:extLst>
+          </p:cNvPr>
+          <p:cNvPicPr>
+            <a:picLocks noChangeAspect="1"/>
+          </p:cNvPicPr>
+          <p:nvPr/>
+        </p:nvPicPr>
+        <p:blipFill>
+          <a:blip r:embed="rId2"/>
+          <a:stretch>
+            <a:fillRect/>
+          </a:stretch>
+        </p:blipFill>
+        <p:spPr>
+          <a:xfrm>
+            <a:off x="7413636" y="906872"/>
+            <a:ext cx="4625741" cy="685859"/>
+          </a:xfrm>
+          <a:prstGeom prst="rect">
+            <a:avLst/>
+          </a:prstGeom>
+        </p:spPr>
+      </p:pic>
+    </p:spTree>
+    <p:extLst>
+      <p:ext uri="{BB962C8B-B14F-4D97-AF65-F5344CB8AC3E}">
+        <p14:creationId xmlns:p14="http://schemas.microsoft.com/office/powerpoint/2010/main" val="4031229439"/>
       </p:ext>
     </p:extLst>
   </p:cSld>

--- a/Präsentation/Pyduino_Präsentation.pptx
+++ b/Präsentation/Pyduino_Präsentation.pptx
@@ -6,22 +6,23 @@
   </p:sldMasterIdLst>
   <p:sldIdLst>
     <p:sldId id="256" r:id="rId2"/>
-    <p:sldId id="270" r:id="rId3"/>
-    <p:sldId id="271" r:id="rId4"/>
-    <p:sldId id="272" r:id="rId5"/>
-    <p:sldId id="257" r:id="rId6"/>
-    <p:sldId id="274" r:id="rId7"/>
-    <p:sldId id="264" r:id="rId8"/>
-    <p:sldId id="260" r:id="rId9"/>
-    <p:sldId id="263" r:id="rId10"/>
-    <p:sldId id="261" r:id="rId11"/>
-    <p:sldId id="262" r:id="rId12"/>
-    <p:sldId id="265" r:id="rId13"/>
-    <p:sldId id="266" r:id="rId14"/>
-    <p:sldId id="267" r:id="rId15"/>
-    <p:sldId id="268" r:id="rId16"/>
-    <p:sldId id="269" r:id="rId17"/>
-    <p:sldId id="273" r:id="rId18"/>
+    <p:sldId id="275" r:id="rId3"/>
+    <p:sldId id="270" r:id="rId4"/>
+    <p:sldId id="271" r:id="rId5"/>
+    <p:sldId id="272" r:id="rId6"/>
+    <p:sldId id="257" r:id="rId7"/>
+    <p:sldId id="274" r:id="rId8"/>
+    <p:sldId id="264" r:id="rId9"/>
+    <p:sldId id="260" r:id="rId10"/>
+    <p:sldId id="263" r:id="rId11"/>
+    <p:sldId id="261" r:id="rId12"/>
+    <p:sldId id="262" r:id="rId13"/>
+    <p:sldId id="267" r:id="rId14"/>
+    <p:sldId id="268" r:id="rId15"/>
+    <p:sldId id="269" r:id="rId16"/>
+    <p:sldId id="265" r:id="rId17"/>
+    <p:sldId id="266" r:id="rId18"/>
+    <p:sldId id="273" r:id="rId19"/>
   </p:sldIdLst>
   <p:sldSz cx="12192000" cy="6858000"/>
   <p:notesSz cx="6858000" cy="9144000"/>
@@ -275,7 +276,7 @@
           <a:p>
             <a:fld id="{57C2ADC8-E08E-42BC-8B3F-BEE8B0D2554E}" type="datetimeFigureOut">
               <a:rPr lang="de-DE" smtClean="0"/>
-              <a:t>28.02.2023</a:t>
+              <a:t>01.03.2023</a:t>
             </a:fld>
             <a:endParaRPr lang="de-DE"/>
           </a:p>
@@ -473,7 +474,7 @@
           <a:p>
             <a:fld id="{57C2ADC8-E08E-42BC-8B3F-BEE8B0D2554E}" type="datetimeFigureOut">
               <a:rPr lang="de-DE" smtClean="0"/>
-              <a:t>28.02.2023</a:t>
+              <a:t>01.03.2023</a:t>
             </a:fld>
             <a:endParaRPr lang="de-DE"/>
           </a:p>
@@ -681,7 +682,7 @@
           <a:p>
             <a:fld id="{57C2ADC8-E08E-42BC-8B3F-BEE8B0D2554E}" type="datetimeFigureOut">
               <a:rPr lang="de-DE" smtClean="0"/>
-              <a:t>28.02.2023</a:t>
+              <a:t>01.03.2023</a:t>
             </a:fld>
             <a:endParaRPr lang="de-DE"/>
           </a:p>
@@ -879,7 +880,7 @@
           <a:p>
             <a:fld id="{57C2ADC8-E08E-42BC-8B3F-BEE8B0D2554E}" type="datetimeFigureOut">
               <a:rPr lang="de-DE" smtClean="0"/>
-              <a:t>28.02.2023</a:t>
+              <a:t>01.03.2023</a:t>
             </a:fld>
             <a:endParaRPr lang="de-DE"/>
           </a:p>
@@ -1154,7 +1155,7 @@
           <a:p>
             <a:fld id="{57C2ADC8-E08E-42BC-8B3F-BEE8B0D2554E}" type="datetimeFigureOut">
               <a:rPr lang="de-DE" smtClean="0"/>
-              <a:t>28.02.2023</a:t>
+              <a:t>01.03.2023</a:t>
             </a:fld>
             <a:endParaRPr lang="de-DE"/>
           </a:p>
@@ -1419,7 +1420,7 @@
           <a:p>
             <a:fld id="{57C2ADC8-E08E-42BC-8B3F-BEE8B0D2554E}" type="datetimeFigureOut">
               <a:rPr lang="de-DE" smtClean="0"/>
-              <a:t>28.02.2023</a:t>
+              <a:t>01.03.2023</a:t>
             </a:fld>
             <a:endParaRPr lang="de-DE"/>
           </a:p>
@@ -1831,7 +1832,7 @@
           <a:p>
             <a:fld id="{57C2ADC8-E08E-42BC-8B3F-BEE8B0D2554E}" type="datetimeFigureOut">
               <a:rPr lang="de-DE" smtClean="0"/>
-              <a:t>28.02.2023</a:t>
+              <a:t>01.03.2023</a:t>
             </a:fld>
             <a:endParaRPr lang="de-DE"/>
           </a:p>
@@ -1972,7 +1973,7 @@
           <a:p>
             <a:fld id="{57C2ADC8-E08E-42BC-8B3F-BEE8B0D2554E}" type="datetimeFigureOut">
               <a:rPr lang="de-DE" smtClean="0"/>
-              <a:t>28.02.2023</a:t>
+              <a:t>01.03.2023</a:t>
             </a:fld>
             <a:endParaRPr lang="de-DE"/>
           </a:p>
@@ -2085,7 +2086,7 @@
           <a:p>
             <a:fld id="{57C2ADC8-E08E-42BC-8B3F-BEE8B0D2554E}" type="datetimeFigureOut">
               <a:rPr lang="de-DE" smtClean="0"/>
-              <a:t>28.02.2023</a:t>
+              <a:t>01.03.2023</a:t>
             </a:fld>
             <a:endParaRPr lang="de-DE"/>
           </a:p>
@@ -2396,7 +2397,7 @@
           <a:p>
             <a:fld id="{57C2ADC8-E08E-42BC-8B3F-BEE8B0D2554E}" type="datetimeFigureOut">
               <a:rPr lang="de-DE" smtClean="0"/>
-              <a:t>28.02.2023</a:t>
+              <a:t>01.03.2023</a:t>
             </a:fld>
             <a:endParaRPr lang="de-DE"/>
           </a:p>
@@ -2684,7 +2685,7 @@
           <a:p>
             <a:fld id="{57C2ADC8-E08E-42BC-8B3F-BEE8B0D2554E}" type="datetimeFigureOut">
               <a:rPr lang="de-DE" smtClean="0"/>
-              <a:t>28.02.2023</a:t>
+              <a:t>01.03.2023</a:t>
             </a:fld>
             <a:endParaRPr lang="de-DE"/>
           </a:p>
@@ -2925,7 +2926,7 @@
           <a:p>
             <a:fld id="{57C2ADC8-E08E-42BC-8B3F-BEE8B0D2554E}" type="datetimeFigureOut">
               <a:rPr lang="de-DE" smtClean="0"/>
-              <a:t>28.02.2023</a:t>
+              <a:t>01.03.2023</a:t>
             </a:fld>
             <a:endParaRPr lang="de-DE"/>
           </a:p>
@@ -4190,10 +4191,10 @@
       </p:sp>
       <p:sp>
         <p:nvSpPr>
-          <p:cNvPr id="24" name="Rechteck: abgerundete Ecken 23">
-            <a:extLst>
-              <a:ext uri="{FF2B5EF4-FFF2-40B4-BE49-F238E27FC236}">
-                <a16:creationId xmlns:a16="http://schemas.microsoft.com/office/drawing/2014/main" id="{9CFA5687-7749-F3AF-6379-5992264E4DDE}"/>
+          <p:cNvPr id="16" name="Rechteck: abgerundete Ecken 15">
+            <a:extLst>
+              <a:ext uri="{FF2B5EF4-FFF2-40B4-BE49-F238E27FC236}">
+                <a16:creationId xmlns:a16="http://schemas.microsoft.com/office/drawing/2014/main" id="{623CEF63-9DFB-E4B7-7B4E-8EFE1A35BEAF}"/>
               </a:ext>
             </a:extLst>
           </p:cNvPr>
@@ -4202,8 +4203,8 @@
         </p:nvSpPr>
         <p:spPr>
           <a:xfrm>
-            <a:off x="411742" y="906872"/>
-            <a:ext cx="1034364" cy="633114"/>
+            <a:off x="5744885" y="1801705"/>
+            <a:ext cx="1374987" cy="633113"/>
           </a:xfrm>
           <a:prstGeom prst="roundRect">
             <a:avLst/>
@@ -4237,22 +4238,22 @@
           <a:p>
             <a:pPr algn="ctr"/>
             <a:r>
-              <a:rPr lang="de-DE" dirty="0">
-                <a:solidFill>
-                  <a:srgbClr val="C6C6C6"/>
-                </a:solidFill>
-              </a:rPr>
-              <a:t>Größe in Bytes</a:t>
-            </a:r>
-          </a:p>
-        </p:txBody>
-      </p:sp>
-      <p:sp>
-        <p:nvSpPr>
-          <p:cNvPr id="27" name="Rechteck: abgerundete Ecken 26">
-            <a:extLst>
-              <a:ext uri="{FF2B5EF4-FFF2-40B4-BE49-F238E27FC236}">
-                <a16:creationId xmlns:a16="http://schemas.microsoft.com/office/drawing/2014/main" id="{99CA01E8-7BAB-2B01-2F2D-8E641058B9C4}"/>
+              <a:rPr lang="de-DE" sz="3200" dirty="0">
+                <a:solidFill>
+                  <a:srgbClr val="C6C6C6"/>
+                </a:solidFill>
+              </a:rPr>
+              <a:t>&lt; (60)</a:t>
+            </a:r>
+          </a:p>
+        </p:txBody>
+      </p:sp>
+      <p:sp>
+        <p:nvSpPr>
+          <p:cNvPr id="24" name="Rechteck: abgerundete Ecken 23">
+            <a:extLst>
+              <a:ext uri="{FF2B5EF4-FFF2-40B4-BE49-F238E27FC236}">
+                <a16:creationId xmlns:a16="http://schemas.microsoft.com/office/drawing/2014/main" id="{9CFA5687-7749-F3AF-6379-5992264E4DDE}"/>
               </a:ext>
             </a:extLst>
           </p:cNvPr>
@@ -4261,8 +4262,8 @@
         </p:nvSpPr>
         <p:spPr>
           <a:xfrm>
-            <a:off x="2534042" y="906872"/>
-            <a:ext cx="1374987" cy="633114"/>
+            <a:off x="411742" y="906872"/>
+            <a:ext cx="1034364" cy="633114"/>
           </a:xfrm>
           <a:prstGeom prst="roundRect">
             <a:avLst/>
@@ -4301,17 +4302,17 @@
                   <a:srgbClr val="C6C6C6"/>
                 </a:solidFill>
               </a:rPr>
-              <a:t>Anweisung</a:t>
-            </a:r>
-          </a:p>
-        </p:txBody>
-      </p:sp>
-      <p:sp>
-        <p:nvSpPr>
-          <p:cNvPr id="34" name="Rechteck: abgerundete Ecken 33">
-            <a:extLst>
-              <a:ext uri="{FF2B5EF4-FFF2-40B4-BE49-F238E27FC236}">
-                <a16:creationId xmlns:a16="http://schemas.microsoft.com/office/drawing/2014/main" id="{972F04B0-44CB-C7BC-D2EE-77B99E944CB1}"/>
+              <a:t>Größe in Bytes</a:t>
+            </a:r>
+          </a:p>
+        </p:txBody>
+      </p:sp>
+      <p:sp>
+        <p:nvSpPr>
+          <p:cNvPr id="27" name="Rechteck: abgerundete Ecken 26">
+            <a:extLst>
+              <a:ext uri="{FF2B5EF4-FFF2-40B4-BE49-F238E27FC236}">
+                <a16:creationId xmlns:a16="http://schemas.microsoft.com/office/drawing/2014/main" id="{99CA01E8-7BAB-2B01-2F2D-8E641058B9C4}"/>
               </a:ext>
             </a:extLst>
           </p:cNvPr>
@@ -4320,7 +4321,7 @@
         </p:nvSpPr>
         <p:spPr>
           <a:xfrm>
-            <a:off x="5744883" y="906872"/>
+            <a:off x="2534042" y="906872"/>
             <a:ext cx="1374987" cy="633114"/>
           </a:xfrm>
           <a:prstGeom prst="roundRect">
@@ -4360,17 +4361,17 @@
                   <a:srgbClr val="C6C6C6"/>
                 </a:solidFill>
               </a:rPr>
-              <a:t>Funktions-aufruf</a:t>
-            </a:r>
-          </a:p>
-        </p:txBody>
-      </p:sp>
-      <p:sp>
-        <p:nvSpPr>
-          <p:cNvPr id="35" name="Rechteck: abgerundete Ecken 34">
-            <a:extLst>
-              <a:ext uri="{FF2B5EF4-FFF2-40B4-BE49-F238E27FC236}">
-                <a16:creationId xmlns:a16="http://schemas.microsoft.com/office/drawing/2014/main" id="{46B6CE22-3E02-3D72-9033-5E812CF1271B}"/>
+              <a:t>Anweisung</a:t>
+            </a:r>
+          </a:p>
+        </p:txBody>
+      </p:sp>
+      <p:sp>
+        <p:nvSpPr>
+          <p:cNvPr id="28" name="Rechteck: abgerundete Ecken 27">
+            <a:extLst>
+              <a:ext uri="{FF2B5EF4-FFF2-40B4-BE49-F238E27FC236}">
+                <a16:creationId xmlns:a16="http://schemas.microsoft.com/office/drawing/2014/main" id="{D6BB014E-E7C5-183B-9E46-736094659F99}"/>
               </a:ext>
             </a:extLst>
           </p:cNvPr>
@@ -4379,8 +4380,8 @@
         </p:nvSpPr>
         <p:spPr>
           <a:xfrm>
-            <a:off x="5744884" y="1801705"/>
-            <a:ext cx="1374987" cy="633113"/>
+            <a:off x="5744884" y="906872"/>
+            <a:ext cx="1374987" cy="633114"/>
           </a:xfrm>
           <a:prstGeom prst="roundRect">
             <a:avLst/>
@@ -4414,22 +4415,22 @@
           <a:p>
             <a:pPr algn="ctr"/>
             <a:r>
-              <a:rPr lang="de-DE" sz="3000" dirty="0">
-                <a:solidFill>
-                  <a:srgbClr val="C6C6C6"/>
-                </a:solidFill>
-              </a:rPr>
-              <a:t>&lt; (60)</a:t>
-            </a:r>
-          </a:p>
-        </p:txBody>
-      </p:sp>
-      <p:sp>
-        <p:nvSpPr>
-          <p:cNvPr id="36" name="Rechteck: abgerundete Ecken 35">
-            <a:extLst>
-              <a:ext uri="{FF2B5EF4-FFF2-40B4-BE49-F238E27FC236}">
-                <a16:creationId xmlns:a16="http://schemas.microsoft.com/office/drawing/2014/main" id="{E9DF7C98-A498-AA96-9E23-723063895460}"/>
+              <a:rPr lang="de-DE" dirty="0">
+                <a:solidFill>
+                  <a:srgbClr val="C6C6C6"/>
+                </a:solidFill>
+              </a:rPr>
+              <a:t>Print-Befehl</a:t>
+            </a:r>
+          </a:p>
+        </p:txBody>
+      </p:sp>
+      <p:sp>
+        <p:nvSpPr>
+          <p:cNvPr id="29" name="Rechteck: abgerundete Ecken 28">
+            <a:extLst>
+              <a:ext uri="{FF2B5EF4-FFF2-40B4-BE49-F238E27FC236}">
+                <a16:creationId xmlns:a16="http://schemas.microsoft.com/office/drawing/2014/main" id="{C6D7780E-CF5C-F779-2169-B6068696AC18}"/>
               </a:ext>
             </a:extLst>
           </p:cNvPr>
@@ -4438,7 +4439,7 @@
         </p:nvSpPr>
         <p:spPr>
           <a:xfrm>
-            <a:off x="5744884" y="2545837"/>
+            <a:off x="5744885" y="2545837"/>
             <a:ext cx="1374987" cy="633113"/>
           </a:xfrm>
           <a:prstGeom prst="roundRect">
@@ -4473,7 +4474,7 @@
           <a:p>
             <a:pPr algn="ctr"/>
             <a:r>
-              <a:rPr lang="de-DE" sz="3000" dirty="0">
+              <a:rPr lang="de-DE" sz="3200" dirty="0">
                 <a:solidFill>
                   <a:srgbClr val="C6C6C6"/>
                 </a:solidFill>
@@ -4485,10 +4486,10 @@
       </p:sp>
       <p:sp>
         <p:nvSpPr>
-          <p:cNvPr id="37" name="Rechteck: abgerundete Ecken 36">
-            <a:extLst>
-              <a:ext uri="{FF2B5EF4-FFF2-40B4-BE49-F238E27FC236}">
-                <a16:creationId xmlns:a16="http://schemas.microsoft.com/office/drawing/2014/main" id="{016C40B4-F327-EEE1-3145-2885F452F514}"/>
+          <p:cNvPr id="30" name="Rechteck: abgerundete Ecken 29">
+            <a:extLst>
+              <a:ext uri="{FF2B5EF4-FFF2-40B4-BE49-F238E27FC236}">
+                <a16:creationId xmlns:a16="http://schemas.microsoft.com/office/drawing/2014/main" id="{58F6890D-A508-8D09-87F3-3AB3D4C75C50}"/>
               </a:ext>
             </a:extLst>
           </p:cNvPr>
@@ -4497,7 +4498,7 @@
         </p:nvSpPr>
         <p:spPr>
           <a:xfrm>
-            <a:off x="5744883" y="3289968"/>
+            <a:off x="5744884" y="3289968"/>
             <a:ext cx="1374987" cy="633113"/>
           </a:xfrm>
           <a:prstGeom prst="roundRect">
@@ -4532,22 +4533,22 @@
           <a:p>
             <a:pPr algn="ctr"/>
             <a:r>
-              <a:rPr lang="de-DE" sz="3000" dirty="0">
-                <a:solidFill>
-                  <a:srgbClr val="C6C6C6"/>
-                </a:solidFill>
-              </a:rPr>
-              <a:t> (9)</a:t>
-            </a:r>
-          </a:p>
-        </p:txBody>
-      </p:sp>
-      <p:sp>
-        <p:nvSpPr>
-          <p:cNvPr id="38" name="Rechteck: abgerundete Ecken 37">
-            <a:extLst>
-              <a:ext uri="{FF2B5EF4-FFF2-40B4-BE49-F238E27FC236}">
-                <a16:creationId xmlns:a16="http://schemas.microsoft.com/office/drawing/2014/main" id="{03CACE08-56A2-6E92-17FF-67D33B58433F}"/>
+              <a:rPr lang="de-DE" sz="3200" dirty="0">
+                <a:solidFill>
+                  <a:srgbClr val="C6C6C6"/>
+                </a:solidFill>
+              </a:rPr>
+              <a:t> (13)</a:t>
+            </a:r>
+          </a:p>
+        </p:txBody>
+      </p:sp>
+      <p:sp>
+        <p:nvSpPr>
+          <p:cNvPr id="31" name="Rechteck: abgerundete Ecken 30">
+            <a:extLst>
+              <a:ext uri="{FF2B5EF4-FFF2-40B4-BE49-F238E27FC236}">
+                <a16:creationId xmlns:a16="http://schemas.microsoft.com/office/drawing/2014/main" id="{84D5ED8A-1840-E682-E0D0-C6A6702FA08A}"/>
               </a:ext>
             </a:extLst>
           </p:cNvPr>
@@ -4556,129 +4557,7 @@
         </p:nvSpPr>
         <p:spPr>
           <a:xfrm>
-            <a:off x="5744883" y="4028451"/>
-            <a:ext cx="1374987" cy="633113"/>
-          </a:xfrm>
-          <a:prstGeom prst="roundRect">
-            <a:avLst>
-              <a:gd name="adj" fmla="val 13457"/>
-            </a:avLst>
-          </a:prstGeom>
-          <a:noFill/>
-          <a:ln w="38100">
-            <a:solidFill>
-              <a:srgbClr val="C6C6C6"/>
-            </a:solidFill>
-          </a:ln>
-        </p:spPr>
-        <p:style>
-          <a:lnRef idx="2">
-            <a:schemeClr val="accent1">
-              <a:shade val="50000"/>
-            </a:schemeClr>
-          </a:lnRef>
-          <a:fillRef idx="1">
-            <a:schemeClr val="accent1"/>
-          </a:fillRef>
-          <a:effectRef idx="0">
-            <a:schemeClr val="accent1"/>
-          </a:effectRef>
-          <a:fontRef idx="minor">
-            <a:schemeClr val="lt1"/>
-          </a:fontRef>
-        </p:style>
-        <p:txBody>
-          <a:bodyPr rtlCol="0" anchor="ctr"/>
-          <a:lstStyle/>
-          <a:p>
-            <a:pPr algn="ctr"/>
-            <a:r>
-              <a:rPr lang="de-DE" sz="3000" dirty="0">
-                <a:solidFill>
-                  <a:srgbClr val="C6C6C6"/>
-                </a:solidFill>
-              </a:rPr>
-              <a:t>m(109)</a:t>
-            </a:r>
-          </a:p>
-        </p:txBody>
-      </p:sp>
-      <p:sp>
-        <p:nvSpPr>
-          <p:cNvPr id="2" name="Rechteck: abgerundete Ecken 1">
-            <a:extLst>
-              <a:ext uri="{FF2B5EF4-FFF2-40B4-BE49-F238E27FC236}">
-                <a16:creationId xmlns:a16="http://schemas.microsoft.com/office/drawing/2014/main" id="{3C73CDCF-0C6B-8BBC-A0A6-9BE50E5526A4}"/>
-              </a:ext>
-            </a:extLst>
-          </p:cNvPr>
-          <p:cNvSpPr/>
-          <p:nvPr/>
-        </p:nvSpPr>
-        <p:spPr>
-          <a:xfrm>
-            <a:off x="5744883" y="4770903"/>
-            <a:ext cx="6304877" cy="633113"/>
-          </a:xfrm>
-          <a:prstGeom prst="roundRect">
-            <a:avLst>
-              <a:gd name="adj" fmla="val 13457"/>
-            </a:avLst>
-          </a:prstGeom>
-          <a:noFill/>
-          <a:ln w="38100">
-            <a:solidFill>
-              <a:srgbClr val="C6C6C6"/>
-            </a:solidFill>
-          </a:ln>
-        </p:spPr>
-        <p:style>
-          <a:lnRef idx="2">
-            <a:schemeClr val="accent1">
-              <a:shade val="50000"/>
-            </a:schemeClr>
-          </a:lnRef>
-          <a:fillRef idx="1">
-            <a:schemeClr val="accent1"/>
-          </a:fillRef>
-          <a:effectRef idx="0">
-            <a:schemeClr val="accent1"/>
-          </a:effectRef>
-          <a:fontRef idx="minor">
-            <a:schemeClr val="lt1"/>
-          </a:fontRef>
-        </p:style>
-        <p:txBody>
-          <a:bodyPr rtlCol="0" anchor="ctr"/>
-          <a:lstStyle/>
-          <a:p>
-            <a:pPr algn="ctr"/>
-            <a:r>
-              <a:rPr lang="de-DE" sz="3000" dirty="0">
-                <a:solidFill>
-                  <a:srgbClr val="C6C6C6"/>
-                </a:solidFill>
-              </a:rPr>
-              <a:t>(0) | (20) (174) (41) (66) | (0) (1) (0) (0)</a:t>
-            </a:r>
-          </a:p>
-        </p:txBody>
-      </p:sp>
-      <p:sp>
-        <p:nvSpPr>
-          <p:cNvPr id="3" name="Rechteck: abgerundete Ecken 2">
-            <a:extLst>
-              <a:ext uri="{FF2B5EF4-FFF2-40B4-BE49-F238E27FC236}">
-                <a16:creationId xmlns:a16="http://schemas.microsoft.com/office/drawing/2014/main" id="{4B959154-A804-1283-A863-B575C6D47F76}"/>
-              </a:ext>
-            </a:extLst>
-          </p:cNvPr>
-          <p:cNvSpPr/>
-          <p:nvPr/>
-        </p:nvSpPr>
-        <p:spPr>
-          <a:xfrm>
-            <a:off x="5744882" y="5518698"/>
+            <a:off x="5718445" y="4028451"/>
             <a:ext cx="1374987" cy="633113"/>
           </a:xfrm>
           <a:prstGeom prst="roundRect">
@@ -4713,7 +4592,125 @@
           <a:p>
             <a:pPr algn="ctr"/>
             <a:r>
-              <a:rPr lang="de-DE" sz="3000" dirty="0">
+              <a:rPr lang="de-DE" sz="3200" dirty="0">
+                <a:solidFill>
+                  <a:srgbClr val="C6C6C6"/>
+                </a:solidFill>
+              </a:rPr>
+              <a:t>l (108)</a:t>
+            </a:r>
+          </a:p>
+        </p:txBody>
+      </p:sp>
+      <p:sp>
+        <p:nvSpPr>
+          <p:cNvPr id="32" name="Rechteck: abgerundete Ecken 31">
+            <a:extLst>
+              <a:ext uri="{FF2B5EF4-FFF2-40B4-BE49-F238E27FC236}">
+                <a16:creationId xmlns:a16="http://schemas.microsoft.com/office/drawing/2014/main" id="{1AA218FD-BC1B-643C-D314-80D9BC97EAF5}"/>
+              </a:ext>
+            </a:extLst>
+          </p:cNvPr>
+          <p:cNvSpPr/>
+          <p:nvPr/>
+        </p:nvSpPr>
+        <p:spPr>
+          <a:xfrm>
+            <a:off x="5718444" y="4766934"/>
+            <a:ext cx="1374987" cy="633113"/>
+          </a:xfrm>
+          <a:prstGeom prst="roundRect">
+            <a:avLst/>
+          </a:prstGeom>
+          <a:noFill/>
+          <a:ln w="38100">
+            <a:solidFill>
+              <a:srgbClr val="C6C6C6"/>
+            </a:solidFill>
+          </a:ln>
+        </p:spPr>
+        <p:style>
+          <a:lnRef idx="2">
+            <a:schemeClr val="accent1">
+              <a:shade val="50000"/>
+            </a:schemeClr>
+          </a:lnRef>
+          <a:fillRef idx="1">
+            <a:schemeClr val="accent1"/>
+          </a:fillRef>
+          <a:effectRef idx="0">
+            <a:schemeClr val="accent1"/>
+          </a:effectRef>
+          <a:fontRef idx="minor">
+            <a:schemeClr val="lt1"/>
+          </a:fontRef>
+        </p:style>
+        <p:txBody>
+          <a:bodyPr rtlCol="0" anchor="ctr"/>
+          <a:lstStyle/>
+          <a:p>
+            <a:pPr algn="ctr"/>
+            <a:r>
+              <a:rPr lang="de-DE" sz="2200" dirty="0">
+                <a:solidFill>
+                  <a:srgbClr val="C6C6C6"/>
+                </a:solidFill>
+              </a:rPr>
+              <a:t>Hello World</a:t>
+            </a:r>
+          </a:p>
+        </p:txBody>
+      </p:sp>
+      <p:sp>
+        <p:nvSpPr>
+          <p:cNvPr id="33" name="Rechteck: abgerundete Ecken 32">
+            <a:extLst>
+              <a:ext uri="{FF2B5EF4-FFF2-40B4-BE49-F238E27FC236}">
+                <a16:creationId xmlns:a16="http://schemas.microsoft.com/office/drawing/2014/main" id="{BDD620A1-D662-3158-6BF6-AD4647FA2D64}"/>
+              </a:ext>
+            </a:extLst>
+          </p:cNvPr>
+          <p:cNvSpPr/>
+          <p:nvPr/>
+        </p:nvSpPr>
+        <p:spPr>
+          <a:xfrm>
+            <a:off x="5718443" y="5524158"/>
+            <a:ext cx="1374987" cy="633113"/>
+          </a:xfrm>
+          <a:prstGeom prst="roundRect">
+            <a:avLst/>
+          </a:prstGeom>
+          <a:noFill/>
+          <a:ln w="38100">
+            <a:solidFill>
+              <a:srgbClr val="C6C6C6"/>
+            </a:solidFill>
+          </a:ln>
+        </p:spPr>
+        <p:style>
+          <a:lnRef idx="2">
+            <a:schemeClr val="accent1">
+              <a:shade val="50000"/>
+            </a:schemeClr>
+          </a:lnRef>
+          <a:fillRef idx="1">
+            <a:schemeClr val="accent1"/>
+          </a:fillRef>
+          <a:effectRef idx="0">
+            <a:schemeClr val="accent1"/>
+          </a:effectRef>
+          <a:fontRef idx="minor">
+            <a:schemeClr val="lt1"/>
+          </a:fontRef>
+        </p:style>
+        <p:txBody>
+          <a:bodyPr rtlCol="0" anchor="ctr"/>
+          <a:lstStyle/>
+          <a:p>
+            <a:pPr algn="ctr"/>
+            <a:r>
+              <a:rPr lang="de-DE" sz="3200" dirty="0">
                 <a:solidFill>
                   <a:srgbClr val="C6C6C6"/>
                 </a:solidFill>
@@ -4725,10 +4722,10 @@
       </p:sp>
       <p:pic>
         <p:nvPicPr>
-          <p:cNvPr id="18" name="Grafik 17">
-            <a:extLst>
-              <a:ext uri="{FF2B5EF4-FFF2-40B4-BE49-F238E27FC236}">
-                <a16:creationId xmlns:a16="http://schemas.microsoft.com/office/drawing/2014/main" id="{89508751-645B-FF46-8486-1F6C5E83FFCE}"/>
+          <p:cNvPr id="40" name="Grafik 39">
+            <a:extLst>
+              <a:ext uri="{FF2B5EF4-FFF2-40B4-BE49-F238E27FC236}">
+                <a16:creationId xmlns:a16="http://schemas.microsoft.com/office/drawing/2014/main" id="{8C1E098F-6522-86EA-5EBF-D4EFC2362F1C}"/>
               </a:ext>
             </a:extLst>
           </p:cNvPr>
@@ -4737,15 +4734,16 @@
           </p:cNvPicPr>
           <p:nvPr/>
         </p:nvPicPr>
-        <p:blipFill rotWithShape="1">
+        <p:blipFill>
           <a:blip r:embed="rId2"/>
-          <a:srcRect r="6975"/>
-          <a:stretch/>
+          <a:stretch>
+            <a:fillRect/>
+          </a:stretch>
         </p:blipFill>
         <p:spPr>
           <a:xfrm>
-            <a:off x="7451706" y="849297"/>
-            <a:ext cx="4412504" cy="3587183"/>
+            <a:off x="7413636" y="906872"/>
+            <a:ext cx="4625741" cy="685859"/>
           </a:xfrm>
           <a:prstGeom prst="rect">
             <a:avLst/>
@@ -4755,7 +4753,7 @@
     </p:spTree>
     <p:extLst>
       <p:ext uri="{BB962C8B-B14F-4D97-AF65-F5344CB8AC3E}">
-        <p14:creationId xmlns:p14="http://schemas.microsoft.com/office/powerpoint/2010/main" val="2339392420"/>
+        <p14:creationId xmlns:p14="http://schemas.microsoft.com/office/powerpoint/2010/main" val="4031229439"/>
       </p:ext>
     </p:extLst>
   </p:cSld>
@@ -4844,7 +4842,7 @@
                   <a:srgbClr val="C6C6C6"/>
                 </a:solidFill>
               </a:rPr>
-              <a:t>ResponseStartCharacterS</a:t>
+              <a:t>StartCharacterS</a:t>
             </a:r>
             <a:endParaRPr lang="de-DE" dirty="0">
               <a:solidFill>
@@ -4927,7 +4925,7 @@
         </p:nvSpPr>
         <p:spPr>
           <a:xfrm>
-            <a:off x="1618825" y="2691001"/>
+            <a:off x="1618827" y="2545836"/>
             <a:ext cx="3205421" cy="633114"/>
           </a:xfrm>
           <a:prstGeom prst="roundRect">
@@ -4986,7 +4984,7 @@
         </p:nvSpPr>
         <p:spPr>
           <a:xfrm>
-            <a:off x="489634" y="2691002"/>
+            <a:off x="489636" y="2545837"/>
             <a:ext cx="878577" cy="633113"/>
           </a:xfrm>
           <a:prstGeom prst="roundRect">
@@ -5045,7 +5043,7 @@
         </p:nvSpPr>
         <p:spPr>
           <a:xfrm>
-            <a:off x="1618825" y="3580297"/>
+            <a:off x="1618827" y="3289967"/>
             <a:ext cx="3205421" cy="633114"/>
           </a:xfrm>
           <a:prstGeom prst="roundRect">
@@ -5085,7 +5083,7 @@
                   <a:srgbClr val="C6C6C6"/>
                 </a:solidFill>
               </a:rPr>
-              <a:t>Response Size (in </a:t>
+              <a:t>Value Size (in </a:t>
             </a:r>
             <a:r>
               <a:rPr lang="de-DE" dirty="0" err="1">
@@ -5120,7 +5118,7 @@
         </p:nvSpPr>
         <p:spPr>
           <a:xfrm>
-            <a:off x="489634" y="3580298"/>
+            <a:off x="489636" y="3289968"/>
             <a:ext cx="878577" cy="633113"/>
           </a:xfrm>
           <a:prstGeom prst="roundRect">
@@ -5167,10 +5165,10 @@
       </p:sp>
       <p:sp>
         <p:nvSpPr>
-          <p:cNvPr id="12" name="Rechteck: abgerundete Ecken 11">
-            <a:extLst>
-              <a:ext uri="{FF2B5EF4-FFF2-40B4-BE49-F238E27FC236}">
-                <a16:creationId xmlns:a16="http://schemas.microsoft.com/office/drawing/2014/main" id="{E2FA0AE1-6AAE-33B8-9F96-D2C57D7FBCCE}"/>
+          <p:cNvPr id="10" name="Rechteck: abgerundete Ecken 9">
+            <a:extLst>
+              <a:ext uri="{FF2B5EF4-FFF2-40B4-BE49-F238E27FC236}">
+                <a16:creationId xmlns:a16="http://schemas.microsoft.com/office/drawing/2014/main" id="{DFF47EDD-8476-8D71-B47C-8CF352F692E0}"/>
               </a:ext>
             </a:extLst>
           </p:cNvPr>
@@ -5179,7 +5177,7 @@
         </p:nvSpPr>
         <p:spPr>
           <a:xfrm>
-            <a:off x="1618825" y="4469593"/>
+            <a:off x="1618826" y="4030435"/>
             <a:ext cx="3205421" cy="633114"/>
           </a:xfrm>
           <a:prstGeom prst="roundRect">
@@ -5219,7 +5217,7 @@
                   <a:srgbClr val="C6C6C6"/>
                 </a:solidFill>
               </a:rPr>
-              <a:t>Respose</a:t>
+              <a:t>InstructionS</a:t>
             </a:r>
             <a:endParaRPr lang="de-DE" dirty="0">
               <a:solidFill>
@@ -5231,10 +5229,10 @@
       </p:sp>
       <p:sp>
         <p:nvSpPr>
-          <p:cNvPr id="13" name="Rechteck: abgerundete Ecken 12">
-            <a:extLst>
-              <a:ext uri="{FF2B5EF4-FFF2-40B4-BE49-F238E27FC236}">
-                <a16:creationId xmlns:a16="http://schemas.microsoft.com/office/drawing/2014/main" id="{337C0DAB-D27F-F86C-2F7B-B0ABE610F25A}"/>
+          <p:cNvPr id="11" name="Rechteck: abgerundete Ecken 10">
+            <a:extLst>
+              <a:ext uri="{FF2B5EF4-FFF2-40B4-BE49-F238E27FC236}">
+                <a16:creationId xmlns:a16="http://schemas.microsoft.com/office/drawing/2014/main" id="{C16C6221-A5A4-9A9E-DD84-DAAB96791346}"/>
               </a:ext>
             </a:extLst>
           </p:cNvPr>
@@ -5243,7 +5241,125 @@
         </p:nvSpPr>
         <p:spPr>
           <a:xfrm>
-            <a:off x="489636" y="4469594"/>
+            <a:off x="489636" y="4028451"/>
+            <a:ext cx="878577" cy="633113"/>
+          </a:xfrm>
+          <a:prstGeom prst="roundRect">
+            <a:avLst/>
+          </a:prstGeom>
+          <a:noFill/>
+          <a:ln w="38100">
+            <a:solidFill>
+              <a:srgbClr val="C6C6C6"/>
+            </a:solidFill>
+          </a:ln>
+        </p:spPr>
+        <p:style>
+          <a:lnRef idx="2">
+            <a:schemeClr val="accent1">
+              <a:shade val="50000"/>
+            </a:schemeClr>
+          </a:lnRef>
+          <a:fillRef idx="1">
+            <a:schemeClr val="accent1"/>
+          </a:fillRef>
+          <a:effectRef idx="0">
+            <a:schemeClr val="accent1"/>
+          </a:effectRef>
+          <a:fontRef idx="minor">
+            <a:schemeClr val="lt1"/>
+          </a:fontRef>
+        </p:style>
+        <p:txBody>
+          <a:bodyPr rtlCol="0" anchor="ctr"/>
+          <a:lstStyle/>
+          <a:p>
+            <a:pPr algn="ctr"/>
+            <a:r>
+              <a:rPr lang="de-DE" sz="3200" dirty="0">
+                <a:solidFill>
+                  <a:srgbClr val="C6C6C6"/>
+                </a:solidFill>
+              </a:rPr>
+              <a:t>1</a:t>
+            </a:r>
+          </a:p>
+        </p:txBody>
+      </p:sp>
+      <p:sp>
+        <p:nvSpPr>
+          <p:cNvPr id="12" name="Rechteck: abgerundete Ecken 11">
+            <a:extLst>
+              <a:ext uri="{FF2B5EF4-FFF2-40B4-BE49-F238E27FC236}">
+                <a16:creationId xmlns:a16="http://schemas.microsoft.com/office/drawing/2014/main" id="{E2FA0AE1-6AAE-33B8-9F96-D2C57D7FBCCE}"/>
+              </a:ext>
+            </a:extLst>
+          </p:cNvPr>
+          <p:cNvSpPr/>
+          <p:nvPr/>
+        </p:nvSpPr>
+        <p:spPr>
+          <a:xfrm>
+            <a:off x="1618824" y="4770903"/>
+            <a:ext cx="3205421" cy="633114"/>
+          </a:xfrm>
+          <a:prstGeom prst="roundRect">
+            <a:avLst/>
+          </a:prstGeom>
+          <a:noFill/>
+          <a:ln w="38100">
+            <a:solidFill>
+              <a:srgbClr val="C6C6C6"/>
+            </a:solidFill>
+          </a:ln>
+        </p:spPr>
+        <p:style>
+          <a:lnRef idx="2">
+            <a:schemeClr val="accent1">
+              <a:shade val="50000"/>
+            </a:schemeClr>
+          </a:lnRef>
+          <a:fillRef idx="1">
+            <a:schemeClr val="accent1"/>
+          </a:fillRef>
+          <a:effectRef idx="0">
+            <a:schemeClr val="accent1"/>
+          </a:effectRef>
+          <a:fontRef idx="minor">
+            <a:schemeClr val="lt1"/>
+          </a:fontRef>
+        </p:style>
+        <p:txBody>
+          <a:bodyPr rtlCol="0" anchor="ctr"/>
+          <a:lstStyle/>
+          <a:p>
+            <a:pPr algn="ctr"/>
+            <a:r>
+              <a:rPr lang="de-DE" dirty="0">
+                <a:solidFill>
+                  <a:srgbClr val="C6C6C6"/>
+                </a:solidFill>
+              </a:rPr>
+              <a:t>Value</a:t>
+            </a:r>
+          </a:p>
+        </p:txBody>
+      </p:sp>
+      <p:sp>
+        <p:nvSpPr>
+          <p:cNvPr id="13" name="Rechteck: abgerundete Ecken 12">
+            <a:extLst>
+              <a:ext uri="{FF2B5EF4-FFF2-40B4-BE49-F238E27FC236}">
+                <a16:creationId xmlns:a16="http://schemas.microsoft.com/office/drawing/2014/main" id="{337C0DAB-D27F-F86C-2F7B-B0ABE610F25A}"/>
+              </a:ext>
+            </a:extLst>
+          </p:cNvPr>
+          <p:cNvSpPr/>
+          <p:nvPr/>
+        </p:nvSpPr>
+        <p:spPr>
+          <a:xfrm>
+            <a:off x="489635" y="4770904"/>
             <a:ext cx="878578" cy="633113"/>
           </a:xfrm>
           <a:prstGeom prst="roundRect">
@@ -5304,7 +5420,7 @@
         </p:nvSpPr>
         <p:spPr>
           <a:xfrm>
-            <a:off x="1618825" y="5358889"/>
+            <a:off x="1618823" y="5518697"/>
             <a:ext cx="3205422" cy="633114"/>
           </a:xfrm>
           <a:prstGeom prst="roundRect">
@@ -5344,7 +5460,7 @@
                   <a:srgbClr val="C6C6C6"/>
                 </a:solidFill>
               </a:rPr>
-              <a:t>ResponseEndCharacterS</a:t>
+              <a:t>EndCharacterS</a:t>
             </a:r>
             <a:endParaRPr lang="de-DE" dirty="0">
               <a:solidFill>
@@ -5368,7 +5484,7 @@
         </p:nvSpPr>
         <p:spPr>
           <a:xfrm>
-            <a:off x="489636" y="5358889"/>
+            <a:off x="489635" y="5518698"/>
             <a:ext cx="878577" cy="633113"/>
           </a:xfrm>
           <a:prstGeom prst="roundRect">
@@ -5526,7 +5642,7 @@
                   <a:srgbClr val="C6C6C6"/>
                 </a:solidFill>
               </a:rPr>
-              <a:t>Antwort</a:t>
+              <a:t>Anweisung</a:t>
             </a:r>
           </a:p>
         </p:txBody>
@@ -5545,8 +5661,8 @@
         </p:nvSpPr>
         <p:spPr>
           <a:xfrm>
-            <a:off x="5508432" y="906872"/>
-            <a:ext cx="1847881" cy="633114"/>
+            <a:off x="5744883" y="906872"/>
+            <a:ext cx="1374987" cy="633114"/>
           </a:xfrm>
           <a:prstGeom prst="roundRect">
             <a:avLst/>
@@ -5580,20 +5696,12 @@
           <a:p>
             <a:pPr algn="ctr"/>
             <a:r>
-              <a:rPr lang="de-DE" dirty="0" err="1">
-                <a:solidFill>
-                  <a:srgbClr val="C6C6C6"/>
-                </a:solidFill>
-              </a:rPr>
-              <a:t>Anwort</a:t>
-            </a:r>
-            <a:r>
               <a:rPr lang="de-DE" dirty="0">
                 <a:solidFill>
                   <a:srgbClr val="C6C6C6"/>
                 </a:solidFill>
               </a:rPr>
-              <a:t> auf den Funktionsaufruf</a:t>
+              <a:t>Funktions-aufruf</a:t>
             </a:r>
           </a:p>
         </p:txBody>
@@ -5612,7 +5720,7 @@
         </p:nvSpPr>
         <p:spPr>
           <a:xfrm>
-            <a:off x="5744881" y="1801705"/>
+            <a:off x="5744884" y="1801705"/>
             <a:ext cx="1374987" cy="633113"/>
           </a:xfrm>
           <a:prstGeom prst="roundRect">
@@ -5652,7 +5760,7 @@
                   <a:srgbClr val="C6C6C6"/>
                 </a:solidFill>
               </a:rPr>
-              <a:t>? (63)</a:t>
+              <a:t>&lt; (60)</a:t>
             </a:r>
           </a:p>
         </p:txBody>
@@ -5671,7 +5779,7 @@
         </p:nvSpPr>
         <p:spPr>
           <a:xfrm>
-            <a:off x="5744880" y="2693174"/>
+            <a:off x="5744884" y="2545837"/>
             <a:ext cx="1374987" cy="633113"/>
           </a:xfrm>
           <a:prstGeom prst="roundRect">
@@ -5730,7 +5838,7 @@
         </p:nvSpPr>
         <p:spPr>
           <a:xfrm>
-            <a:off x="5744880" y="3588006"/>
+            <a:off x="5744883" y="3289968"/>
             <a:ext cx="1374987" cy="633113"/>
           </a:xfrm>
           <a:prstGeom prst="roundRect">
@@ -5770,17 +5878,17 @@
                   <a:srgbClr val="C6C6C6"/>
                 </a:solidFill>
               </a:rPr>
-              <a:t>♦ (4)</a:t>
-            </a:r>
-          </a:p>
-        </p:txBody>
-      </p:sp>
-      <p:sp>
-        <p:nvSpPr>
-          <p:cNvPr id="2" name="Rechteck: abgerundete Ecken 1">
-            <a:extLst>
-              <a:ext uri="{FF2B5EF4-FFF2-40B4-BE49-F238E27FC236}">
-                <a16:creationId xmlns:a16="http://schemas.microsoft.com/office/drawing/2014/main" id="{3C73CDCF-0C6B-8BBC-A0A6-9BE50E5526A4}"/>
+              <a:t> (9)</a:t>
+            </a:r>
+          </a:p>
+        </p:txBody>
+      </p:sp>
+      <p:sp>
+        <p:nvSpPr>
+          <p:cNvPr id="38" name="Rechteck: abgerundete Ecken 37">
+            <a:extLst>
+              <a:ext uri="{FF2B5EF4-FFF2-40B4-BE49-F238E27FC236}">
+                <a16:creationId xmlns:a16="http://schemas.microsoft.com/office/drawing/2014/main" id="{03CACE08-56A2-6E92-17FF-67D33B58433F}"/>
               </a:ext>
             </a:extLst>
           </p:cNvPr>
@@ -5789,8 +5897,8 @@
         </p:nvSpPr>
         <p:spPr>
           <a:xfrm>
-            <a:off x="5733783" y="4469594"/>
-            <a:ext cx="3298458" cy="633113"/>
+            <a:off x="5744883" y="4028451"/>
+            <a:ext cx="1374987" cy="633113"/>
           </a:xfrm>
           <a:prstGeom prst="roundRect">
             <a:avLst>
@@ -5831,17 +5939,17 @@
                   <a:srgbClr val="C6C6C6"/>
                 </a:solidFill>
               </a:rPr>
-              <a:t>(20) (174) (41) (62)</a:t>
-            </a:r>
-          </a:p>
-        </p:txBody>
-      </p:sp>
-      <p:sp>
-        <p:nvSpPr>
-          <p:cNvPr id="3" name="Rechteck: abgerundete Ecken 2">
-            <a:extLst>
-              <a:ext uri="{FF2B5EF4-FFF2-40B4-BE49-F238E27FC236}">
-                <a16:creationId xmlns:a16="http://schemas.microsoft.com/office/drawing/2014/main" id="{4B959154-A804-1283-A863-B575C6D47F76}"/>
+              <a:t>m(109)</a:t>
+            </a:r>
+          </a:p>
+        </p:txBody>
+      </p:sp>
+      <p:sp>
+        <p:nvSpPr>
+          <p:cNvPr id="2" name="Rechteck: abgerundete Ecken 1">
+            <a:extLst>
+              <a:ext uri="{FF2B5EF4-FFF2-40B4-BE49-F238E27FC236}">
+                <a16:creationId xmlns:a16="http://schemas.microsoft.com/office/drawing/2014/main" id="{3C73CDCF-0C6B-8BBC-A0A6-9BE50E5526A4}"/>
               </a:ext>
             </a:extLst>
           </p:cNvPr>
@@ -5850,7 +5958,68 @@
         </p:nvSpPr>
         <p:spPr>
           <a:xfrm>
-            <a:off x="5744880" y="5358889"/>
+            <a:off x="5744883" y="4770903"/>
+            <a:ext cx="6304877" cy="633113"/>
+          </a:xfrm>
+          <a:prstGeom prst="roundRect">
+            <a:avLst>
+              <a:gd name="adj" fmla="val 13457"/>
+            </a:avLst>
+          </a:prstGeom>
+          <a:noFill/>
+          <a:ln w="38100">
+            <a:solidFill>
+              <a:srgbClr val="C6C6C6"/>
+            </a:solidFill>
+          </a:ln>
+        </p:spPr>
+        <p:style>
+          <a:lnRef idx="2">
+            <a:schemeClr val="accent1">
+              <a:shade val="50000"/>
+            </a:schemeClr>
+          </a:lnRef>
+          <a:fillRef idx="1">
+            <a:schemeClr val="accent1"/>
+          </a:fillRef>
+          <a:effectRef idx="0">
+            <a:schemeClr val="accent1"/>
+          </a:effectRef>
+          <a:fontRef idx="minor">
+            <a:schemeClr val="lt1"/>
+          </a:fontRef>
+        </p:style>
+        <p:txBody>
+          <a:bodyPr rtlCol="0" anchor="ctr"/>
+          <a:lstStyle/>
+          <a:p>
+            <a:pPr algn="ctr"/>
+            <a:r>
+              <a:rPr lang="de-DE" sz="3000" dirty="0">
+                <a:solidFill>
+                  <a:srgbClr val="C6C6C6"/>
+                </a:solidFill>
+              </a:rPr>
+              <a:t>(0) | (20) (174) (41) (66) | (0) (1) (0) (0)</a:t>
+            </a:r>
+          </a:p>
+        </p:txBody>
+      </p:sp>
+      <p:sp>
+        <p:nvSpPr>
+          <p:cNvPr id="3" name="Rechteck: abgerundete Ecken 2">
+            <a:extLst>
+              <a:ext uri="{FF2B5EF4-FFF2-40B4-BE49-F238E27FC236}">
+                <a16:creationId xmlns:a16="http://schemas.microsoft.com/office/drawing/2014/main" id="{4B959154-A804-1283-A863-B575C6D47F76}"/>
+              </a:ext>
+            </a:extLst>
+          </p:cNvPr>
+          <p:cNvSpPr/>
+          <p:nvPr/>
+        </p:nvSpPr>
+        <p:spPr>
+          <a:xfrm>
+            <a:off x="5744882" y="5518698"/>
             <a:ext cx="1374987" cy="633113"/>
           </a:xfrm>
           <a:prstGeom prst="roundRect">
@@ -5916,7 +6085,7 @@
         </p:blipFill>
         <p:spPr>
           <a:xfrm>
-            <a:off x="7451706" y="641226"/>
+            <a:off x="7451706" y="849297"/>
             <a:ext cx="4412504" cy="3587183"/>
           </a:xfrm>
           <a:prstGeom prst="rect">
@@ -5927,7 +6096,7 @@
     </p:spTree>
     <p:extLst>
       <p:ext uri="{BB962C8B-B14F-4D97-AF65-F5344CB8AC3E}">
-        <p14:creationId xmlns:p14="http://schemas.microsoft.com/office/powerpoint/2010/main" val="1693353005"/>
+        <p14:creationId xmlns:p14="http://schemas.microsoft.com/office/powerpoint/2010/main" val="2339392420"/>
       </p:ext>
     </p:extLst>
   </p:cSld>
@@ -5962,39 +6131,1144 @@
           <a:chExt cx="0" cy="0"/>
         </a:xfrm>
       </p:grpSpPr>
+      <p:sp>
+        <p:nvSpPr>
+          <p:cNvPr id="4" name="Rechteck: abgerundete Ecken 3">
+            <a:extLst>
+              <a:ext uri="{FF2B5EF4-FFF2-40B4-BE49-F238E27FC236}">
+                <a16:creationId xmlns:a16="http://schemas.microsoft.com/office/drawing/2014/main" id="{A78B71E2-0ACC-D372-09CC-F48A502EBC0F}"/>
+              </a:ext>
+            </a:extLst>
+          </p:cNvPr>
+          <p:cNvSpPr/>
+          <p:nvPr/>
+        </p:nvSpPr>
+        <p:spPr>
+          <a:xfrm>
+            <a:off x="1618827" y="1801705"/>
+            <a:ext cx="3205421" cy="633114"/>
+          </a:xfrm>
+          <a:prstGeom prst="roundRect">
+            <a:avLst/>
+          </a:prstGeom>
+          <a:noFill/>
+          <a:ln w="38100">
+            <a:solidFill>
+              <a:srgbClr val="C6C6C6"/>
+            </a:solidFill>
+          </a:ln>
+        </p:spPr>
+        <p:style>
+          <a:lnRef idx="2">
+            <a:schemeClr val="accent1">
+              <a:shade val="50000"/>
+            </a:schemeClr>
+          </a:lnRef>
+          <a:fillRef idx="1">
+            <a:schemeClr val="accent1"/>
+          </a:fillRef>
+          <a:effectRef idx="0">
+            <a:schemeClr val="accent1"/>
+          </a:effectRef>
+          <a:fontRef idx="minor">
+            <a:schemeClr val="lt1"/>
+          </a:fontRef>
+        </p:style>
+        <p:txBody>
+          <a:bodyPr rtlCol="0" anchor="ctr"/>
+          <a:lstStyle/>
+          <a:p>
+            <a:pPr algn="ctr"/>
+            <a:r>
+              <a:rPr lang="de-DE" dirty="0" err="1">
+                <a:solidFill>
+                  <a:srgbClr val="C6C6C6"/>
+                </a:solidFill>
+              </a:rPr>
+              <a:t>ResponseStartCharacterS</a:t>
+            </a:r>
+            <a:endParaRPr lang="de-DE" dirty="0">
+              <a:solidFill>
+                <a:srgbClr val="C6C6C6"/>
+              </a:solidFill>
+            </a:endParaRPr>
+          </a:p>
+        </p:txBody>
+      </p:sp>
+      <p:sp>
+        <p:nvSpPr>
+          <p:cNvPr id="5" name="Rechteck: abgerundete Ecken 4">
+            <a:extLst>
+              <a:ext uri="{FF2B5EF4-FFF2-40B4-BE49-F238E27FC236}">
+                <a16:creationId xmlns:a16="http://schemas.microsoft.com/office/drawing/2014/main" id="{6261D5BD-C9A7-405E-15E6-42C3AFA6857C}"/>
+              </a:ext>
+            </a:extLst>
+          </p:cNvPr>
+          <p:cNvSpPr/>
+          <p:nvPr/>
+        </p:nvSpPr>
+        <p:spPr>
+          <a:xfrm>
+            <a:off x="489636" y="1801706"/>
+            <a:ext cx="878577" cy="633113"/>
+          </a:xfrm>
+          <a:prstGeom prst="roundRect">
+            <a:avLst/>
+          </a:prstGeom>
+          <a:noFill/>
+          <a:ln w="38100">
+            <a:solidFill>
+              <a:srgbClr val="C6C6C6"/>
+            </a:solidFill>
+          </a:ln>
+        </p:spPr>
+        <p:style>
+          <a:lnRef idx="2">
+            <a:schemeClr val="accent1">
+              <a:shade val="50000"/>
+            </a:schemeClr>
+          </a:lnRef>
+          <a:fillRef idx="1">
+            <a:schemeClr val="accent1"/>
+          </a:fillRef>
+          <a:effectRef idx="0">
+            <a:schemeClr val="accent1"/>
+          </a:effectRef>
+          <a:fontRef idx="minor">
+            <a:schemeClr val="lt1"/>
+          </a:fontRef>
+        </p:style>
+        <p:txBody>
+          <a:bodyPr rtlCol="0" anchor="ctr"/>
+          <a:lstStyle/>
+          <a:p>
+            <a:pPr algn="ctr"/>
+            <a:r>
+              <a:rPr lang="de-DE" sz="3200" dirty="0">
+                <a:solidFill>
+                  <a:srgbClr val="C6C6C6"/>
+                </a:solidFill>
+              </a:rPr>
+              <a:t>1</a:t>
+            </a:r>
+          </a:p>
+        </p:txBody>
+      </p:sp>
+      <p:sp>
+        <p:nvSpPr>
+          <p:cNvPr id="6" name="Rechteck: abgerundete Ecken 5">
+            <a:extLst>
+              <a:ext uri="{FF2B5EF4-FFF2-40B4-BE49-F238E27FC236}">
+                <a16:creationId xmlns:a16="http://schemas.microsoft.com/office/drawing/2014/main" id="{9D3A0BBD-69F6-68E4-F6C0-68B64B5C8878}"/>
+              </a:ext>
+            </a:extLst>
+          </p:cNvPr>
+          <p:cNvSpPr/>
+          <p:nvPr/>
+        </p:nvSpPr>
+        <p:spPr>
+          <a:xfrm>
+            <a:off x="1618825" y="2691001"/>
+            <a:ext cx="3205421" cy="633114"/>
+          </a:xfrm>
+          <a:prstGeom prst="roundRect">
+            <a:avLst/>
+          </a:prstGeom>
+          <a:noFill/>
+          <a:ln w="38100">
+            <a:solidFill>
+              <a:srgbClr val="C6C6C6"/>
+            </a:solidFill>
+          </a:ln>
+        </p:spPr>
+        <p:style>
+          <a:lnRef idx="2">
+            <a:schemeClr val="accent1">
+              <a:shade val="50000"/>
+            </a:schemeClr>
+          </a:lnRef>
+          <a:fillRef idx="1">
+            <a:schemeClr val="accent1"/>
+          </a:fillRef>
+          <a:effectRef idx="0">
+            <a:schemeClr val="accent1"/>
+          </a:effectRef>
+          <a:fontRef idx="minor">
+            <a:schemeClr val="lt1"/>
+          </a:fontRef>
+        </p:style>
+        <p:txBody>
+          <a:bodyPr rtlCol="0" anchor="ctr"/>
+          <a:lstStyle/>
+          <a:p>
+            <a:pPr algn="ctr"/>
+            <a:r>
+              <a:rPr lang="de-DE" dirty="0">
+                <a:solidFill>
+                  <a:srgbClr val="C6C6C6"/>
+                </a:solidFill>
+              </a:rPr>
+              <a:t>Request ID</a:t>
+            </a:r>
+          </a:p>
+        </p:txBody>
+      </p:sp>
+      <p:sp>
+        <p:nvSpPr>
+          <p:cNvPr id="7" name="Rechteck: abgerundete Ecken 6">
+            <a:extLst>
+              <a:ext uri="{FF2B5EF4-FFF2-40B4-BE49-F238E27FC236}">
+                <a16:creationId xmlns:a16="http://schemas.microsoft.com/office/drawing/2014/main" id="{323A2A98-2CBD-F760-F0AF-1C386931691A}"/>
+              </a:ext>
+            </a:extLst>
+          </p:cNvPr>
+          <p:cNvSpPr/>
+          <p:nvPr/>
+        </p:nvSpPr>
+        <p:spPr>
+          <a:xfrm>
+            <a:off x="489634" y="2691002"/>
+            <a:ext cx="878577" cy="633113"/>
+          </a:xfrm>
+          <a:prstGeom prst="roundRect">
+            <a:avLst/>
+          </a:prstGeom>
+          <a:noFill/>
+          <a:ln w="38100">
+            <a:solidFill>
+              <a:srgbClr val="C6C6C6"/>
+            </a:solidFill>
+          </a:ln>
+        </p:spPr>
+        <p:style>
+          <a:lnRef idx="2">
+            <a:schemeClr val="accent1">
+              <a:shade val="50000"/>
+            </a:schemeClr>
+          </a:lnRef>
+          <a:fillRef idx="1">
+            <a:schemeClr val="accent1"/>
+          </a:fillRef>
+          <a:effectRef idx="0">
+            <a:schemeClr val="accent1"/>
+          </a:effectRef>
+          <a:fontRef idx="minor">
+            <a:schemeClr val="lt1"/>
+          </a:fontRef>
+        </p:style>
+        <p:txBody>
+          <a:bodyPr rtlCol="0" anchor="ctr"/>
+          <a:lstStyle/>
+          <a:p>
+            <a:pPr algn="ctr"/>
+            <a:r>
+              <a:rPr lang="de-DE" sz="3200" dirty="0">
+                <a:solidFill>
+                  <a:srgbClr val="C6C6C6"/>
+                </a:solidFill>
+              </a:rPr>
+              <a:t>1</a:t>
+            </a:r>
+          </a:p>
+        </p:txBody>
+      </p:sp>
+      <p:sp>
+        <p:nvSpPr>
+          <p:cNvPr id="8" name="Rechteck: abgerundete Ecken 7">
+            <a:extLst>
+              <a:ext uri="{FF2B5EF4-FFF2-40B4-BE49-F238E27FC236}">
+                <a16:creationId xmlns:a16="http://schemas.microsoft.com/office/drawing/2014/main" id="{AFFED479-E31A-C40C-C461-87E25167C518}"/>
+              </a:ext>
+            </a:extLst>
+          </p:cNvPr>
+          <p:cNvSpPr/>
+          <p:nvPr/>
+        </p:nvSpPr>
+        <p:spPr>
+          <a:xfrm>
+            <a:off x="1618825" y="3580297"/>
+            <a:ext cx="3205421" cy="633114"/>
+          </a:xfrm>
+          <a:prstGeom prst="roundRect">
+            <a:avLst/>
+          </a:prstGeom>
+          <a:noFill/>
+          <a:ln w="38100">
+            <a:solidFill>
+              <a:srgbClr val="C6C6C6"/>
+            </a:solidFill>
+          </a:ln>
+        </p:spPr>
+        <p:style>
+          <a:lnRef idx="2">
+            <a:schemeClr val="accent1">
+              <a:shade val="50000"/>
+            </a:schemeClr>
+          </a:lnRef>
+          <a:fillRef idx="1">
+            <a:schemeClr val="accent1"/>
+          </a:fillRef>
+          <a:effectRef idx="0">
+            <a:schemeClr val="accent1"/>
+          </a:effectRef>
+          <a:fontRef idx="minor">
+            <a:schemeClr val="lt1"/>
+          </a:fontRef>
+        </p:style>
+        <p:txBody>
+          <a:bodyPr rtlCol="0" anchor="ctr"/>
+          <a:lstStyle/>
+          <a:p>
+            <a:pPr algn="ctr"/>
+            <a:r>
+              <a:rPr lang="de-DE" dirty="0">
+                <a:solidFill>
+                  <a:srgbClr val="C6C6C6"/>
+                </a:solidFill>
+              </a:rPr>
+              <a:t>Response Size (in </a:t>
+            </a:r>
+            <a:r>
+              <a:rPr lang="de-DE" dirty="0" err="1">
+                <a:solidFill>
+                  <a:srgbClr val="C6C6C6"/>
+                </a:solidFill>
+              </a:rPr>
+              <a:t>bytes</a:t>
+            </a:r>
+            <a:r>
+              <a:rPr lang="de-DE" dirty="0">
+                <a:solidFill>
+                  <a:srgbClr val="C6C6C6"/>
+                </a:solidFill>
+              </a:rPr>
+              <a:t>)</a:t>
+            </a:r>
+          </a:p>
+        </p:txBody>
+      </p:sp>
+      <p:sp>
+        <p:nvSpPr>
+          <p:cNvPr id="9" name="Rechteck: abgerundete Ecken 8">
+            <a:extLst>
+              <a:ext uri="{FF2B5EF4-FFF2-40B4-BE49-F238E27FC236}">
+                <a16:creationId xmlns:a16="http://schemas.microsoft.com/office/drawing/2014/main" id="{8687227A-7EF6-E404-4BB6-BF2640FEDD3E}"/>
+              </a:ext>
+            </a:extLst>
+          </p:cNvPr>
+          <p:cNvSpPr/>
+          <p:nvPr/>
+        </p:nvSpPr>
+        <p:spPr>
+          <a:xfrm>
+            <a:off x="489634" y="3580298"/>
+            <a:ext cx="878577" cy="633113"/>
+          </a:xfrm>
+          <a:prstGeom prst="roundRect">
+            <a:avLst/>
+          </a:prstGeom>
+          <a:noFill/>
+          <a:ln w="38100">
+            <a:solidFill>
+              <a:srgbClr val="C6C6C6"/>
+            </a:solidFill>
+          </a:ln>
+        </p:spPr>
+        <p:style>
+          <a:lnRef idx="2">
+            <a:schemeClr val="accent1">
+              <a:shade val="50000"/>
+            </a:schemeClr>
+          </a:lnRef>
+          <a:fillRef idx="1">
+            <a:schemeClr val="accent1"/>
+          </a:fillRef>
+          <a:effectRef idx="0">
+            <a:schemeClr val="accent1"/>
+          </a:effectRef>
+          <a:fontRef idx="minor">
+            <a:schemeClr val="lt1"/>
+          </a:fontRef>
+        </p:style>
+        <p:txBody>
+          <a:bodyPr rtlCol="0" anchor="ctr"/>
+          <a:lstStyle/>
+          <a:p>
+            <a:pPr algn="ctr"/>
+            <a:r>
+              <a:rPr lang="de-DE" sz="3200" dirty="0">
+                <a:solidFill>
+                  <a:srgbClr val="C6C6C6"/>
+                </a:solidFill>
+              </a:rPr>
+              <a:t>1</a:t>
+            </a:r>
+          </a:p>
+        </p:txBody>
+      </p:sp>
+      <p:sp>
+        <p:nvSpPr>
+          <p:cNvPr id="12" name="Rechteck: abgerundete Ecken 11">
+            <a:extLst>
+              <a:ext uri="{FF2B5EF4-FFF2-40B4-BE49-F238E27FC236}">
+                <a16:creationId xmlns:a16="http://schemas.microsoft.com/office/drawing/2014/main" id="{E2FA0AE1-6AAE-33B8-9F96-D2C57D7FBCCE}"/>
+              </a:ext>
+            </a:extLst>
+          </p:cNvPr>
+          <p:cNvSpPr/>
+          <p:nvPr/>
+        </p:nvSpPr>
+        <p:spPr>
+          <a:xfrm>
+            <a:off x="1618825" y="4469593"/>
+            <a:ext cx="3205421" cy="633114"/>
+          </a:xfrm>
+          <a:prstGeom prst="roundRect">
+            <a:avLst/>
+          </a:prstGeom>
+          <a:noFill/>
+          <a:ln w="38100">
+            <a:solidFill>
+              <a:srgbClr val="C6C6C6"/>
+            </a:solidFill>
+          </a:ln>
+        </p:spPr>
+        <p:style>
+          <a:lnRef idx="2">
+            <a:schemeClr val="accent1">
+              <a:shade val="50000"/>
+            </a:schemeClr>
+          </a:lnRef>
+          <a:fillRef idx="1">
+            <a:schemeClr val="accent1"/>
+          </a:fillRef>
+          <a:effectRef idx="0">
+            <a:schemeClr val="accent1"/>
+          </a:effectRef>
+          <a:fontRef idx="minor">
+            <a:schemeClr val="lt1"/>
+          </a:fontRef>
+        </p:style>
+        <p:txBody>
+          <a:bodyPr rtlCol="0" anchor="ctr"/>
+          <a:lstStyle/>
+          <a:p>
+            <a:pPr algn="ctr"/>
+            <a:r>
+              <a:rPr lang="de-DE" dirty="0" err="1">
+                <a:solidFill>
+                  <a:srgbClr val="C6C6C6"/>
+                </a:solidFill>
+              </a:rPr>
+              <a:t>Respose</a:t>
+            </a:r>
+            <a:endParaRPr lang="de-DE" dirty="0">
+              <a:solidFill>
+                <a:srgbClr val="C6C6C6"/>
+              </a:solidFill>
+            </a:endParaRPr>
+          </a:p>
+        </p:txBody>
+      </p:sp>
+      <p:sp>
+        <p:nvSpPr>
+          <p:cNvPr id="13" name="Rechteck: abgerundete Ecken 12">
+            <a:extLst>
+              <a:ext uri="{FF2B5EF4-FFF2-40B4-BE49-F238E27FC236}">
+                <a16:creationId xmlns:a16="http://schemas.microsoft.com/office/drawing/2014/main" id="{337C0DAB-D27F-F86C-2F7B-B0ABE610F25A}"/>
+              </a:ext>
+            </a:extLst>
+          </p:cNvPr>
+          <p:cNvSpPr/>
+          <p:nvPr/>
+        </p:nvSpPr>
+        <p:spPr>
+          <a:xfrm>
+            <a:off x="489636" y="4469594"/>
+            <a:ext cx="878578" cy="633113"/>
+          </a:xfrm>
+          <a:prstGeom prst="roundRect">
+            <a:avLst>
+              <a:gd name="adj" fmla="val 17737"/>
+            </a:avLst>
+          </a:prstGeom>
+          <a:noFill/>
+          <a:ln w="38100">
+            <a:solidFill>
+              <a:srgbClr val="C6C6C6"/>
+            </a:solidFill>
+          </a:ln>
+        </p:spPr>
+        <p:style>
+          <a:lnRef idx="2">
+            <a:schemeClr val="accent1">
+              <a:shade val="50000"/>
+            </a:schemeClr>
+          </a:lnRef>
+          <a:fillRef idx="1">
+            <a:schemeClr val="accent1"/>
+          </a:fillRef>
+          <a:effectRef idx="0">
+            <a:schemeClr val="accent1"/>
+          </a:effectRef>
+          <a:fontRef idx="minor">
+            <a:schemeClr val="lt1"/>
+          </a:fontRef>
+        </p:style>
+        <p:txBody>
+          <a:bodyPr rtlCol="0" anchor="ctr"/>
+          <a:lstStyle/>
+          <a:p>
+            <a:pPr algn="ctr"/>
+            <a:r>
+              <a:rPr lang="de-DE" sz="2200" dirty="0">
+                <a:solidFill>
+                  <a:srgbClr val="C6C6C6"/>
+                </a:solidFill>
+              </a:rPr>
+              <a:t>Value Size</a:t>
+            </a:r>
+          </a:p>
+        </p:txBody>
+      </p:sp>
+      <p:sp>
+        <p:nvSpPr>
+          <p:cNvPr id="14" name="Rechteck: abgerundete Ecken 13">
+            <a:extLst>
+              <a:ext uri="{FF2B5EF4-FFF2-40B4-BE49-F238E27FC236}">
+                <a16:creationId xmlns:a16="http://schemas.microsoft.com/office/drawing/2014/main" id="{B708E0CD-20C1-0CF0-C545-6F84643679B8}"/>
+              </a:ext>
+            </a:extLst>
+          </p:cNvPr>
+          <p:cNvSpPr/>
+          <p:nvPr/>
+        </p:nvSpPr>
+        <p:spPr>
+          <a:xfrm>
+            <a:off x="1618825" y="5358889"/>
+            <a:ext cx="3205422" cy="633114"/>
+          </a:xfrm>
+          <a:prstGeom prst="roundRect">
+            <a:avLst/>
+          </a:prstGeom>
+          <a:noFill/>
+          <a:ln w="38100">
+            <a:solidFill>
+              <a:srgbClr val="C6C6C6"/>
+            </a:solidFill>
+          </a:ln>
+        </p:spPr>
+        <p:style>
+          <a:lnRef idx="2">
+            <a:schemeClr val="accent1">
+              <a:shade val="50000"/>
+            </a:schemeClr>
+          </a:lnRef>
+          <a:fillRef idx="1">
+            <a:schemeClr val="accent1"/>
+          </a:fillRef>
+          <a:effectRef idx="0">
+            <a:schemeClr val="accent1"/>
+          </a:effectRef>
+          <a:fontRef idx="minor">
+            <a:schemeClr val="lt1"/>
+          </a:fontRef>
+        </p:style>
+        <p:txBody>
+          <a:bodyPr rtlCol="0" anchor="ctr"/>
+          <a:lstStyle/>
+          <a:p>
+            <a:pPr algn="ctr"/>
+            <a:r>
+              <a:rPr lang="de-DE" dirty="0" err="1">
+                <a:solidFill>
+                  <a:srgbClr val="C6C6C6"/>
+                </a:solidFill>
+              </a:rPr>
+              <a:t>ResponseEndCharacterS</a:t>
+            </a:r>
+            <a:endParaRPr lang="de-DE" dirty="0">
+              <a:solidFill>
+                <a:srgbClr val="C6C6C6"/>
+              </a:solidFill>
+            </a:endParaRPr>
+          </a:p>
+        </p:txBody>
+      </p:sp>
+      <p:sp>
+        <p:nvSpPr>
+          <p:cNvPr id="15" name="Rechteck: abgerundete Ecken 14">
+            <a:extLst>
+              <a:ext uri="{FF2B5EF4-FFF2-40B4-BE49-F238E27FC236}">
+                <a16:creationId xmlns:a16="http://schemas.microsoft.com/office/drawing/2014/main" id="{B3CF6E63-C75C-6F5B-B401-BDA0A00EB6D0}"/>
+              </a:ext>
+            </a:extLst>
+          </p:cNvPr>
+          <p:cNvSpPr/>
+          <p:nvPr/>
+        </p:nvSpPr>
+        <p:spPr>
+          <a:xfrm>
+            <a:off x="489636" y="5358889"/>
+            <a:ext cx="878577" cy="633113"/>
+          </a:xfrm>
+          <a:prstGeom prst="roundRect">
+            <a:avLst/>
+          </a:prstGeom>
+          <a:noFill/>
+          <a:ln w="38100">
+            <a:solidFill>
+              <a:srgbClr val="C6C6C6"/>
+            </a:solidFill>
+          </a:ln>
+        </p:spPr>
+        <p:style>
+          <a:lnRef idx="2">
+            <a:schemeClr val="accent1">
+              <a:shade val="50000"/>
+            </a:schemeClr>
+          </a:lnRef>
+          <a:fillRef idx="1">
+            <a:schemeClr val="accent1"/>
+          </a:fillRef>
+          <a:effectRef idx="0">
+            <a:schemeClr val="accent1"/>
+          </a:effectRef>
+          <a:fontRef idx="minor">
+            <a:schemeClr val="lt1"/>
+          </a:fontRef>
+        </p:style>
+        <p:txBody>
+          <a:bodyPr rtlCol="0" anchor="ctr"/>
+          <a:lstStyle/>
+          <a:p>
+            <a:pPr algn="ctr"/>
+            <a:r>
+              <a:rPr lang="de-DE" sz="3200" dirty="0">
+                <a:solidFill>
+                  <a:srgbClr val="C6C6C6"/>
+                </a:solidFill>
+              </a:rPr>
+              <a:t>1</a:t>
+            </a:r>
+          </a:p>
+        </p:txBody>
+      </p:sp>
+      <p:sp>
+        <p:nvSpPr>
+          <p:cNvPr id="24" name="Rechteck: abgerundete Ecken 23">
+            <a:extLst>
+              <a:ext uri="{FF2B5EF4-FFF2-40B4-BE49-F238E27FC236}">
+                <a16:creationId xmlns:a16="http://schemas.microsoft.com/office/drawing/2014/main" id="{9CFA5687-7749-F3AF-6379-5992264E4DDE}"/>
+              </a:ext>
+            </a:extLst>
+          </p:cNvPr>
+          <p:cNvSpPr/>
+          <p:nvPr/>
+        </p:nvSpPr>
+        <p:spPr>
+          <a:xfrm>
+            <a:off x="411742" y="906872"/>
+            <a:ext cx="1034364" cy="633114"/>
+          </a:xfrm>
+          <a:prstGeom prst="roundRect">
+            <a:avLst/>
+          </a:prstGeom>
+          <a:noFill/>
+          <a:ln w="38100">
+            <a:solidFill>
+              <a:srgbClr val="C6C6C6"/>
+            </a:solidFill>
+          </a:ln>
+        </p:spPr>
+        <p:style>
+          <a:lnRef idx="2">
+            <a:schemeClr val="accent1">
+              <a:shade val="50000"/>
+            </a:schemeClr>
+          </a:lnRef>
+          <a:fillRef idx="1">
+            <a:schemeClr val="accent1"/>
+          </a:fillRef>
+          <a:effectRef idx="0">
+            <a:schemeClr val="accent1"/>
+          </a:effectRef>
+          <a:fontRef idx="minor">
+            <a:schemeClr val="lt1"/>
+          </a:fontRef>
+        </p:style>
+        <p:txBody>
+          <a:bodyPr rtlCol="0" anchor="ctr"/>
+          <a:lstStyle/>
+          <a:p>
+            <a:pPr algn="ctr"/>
+            <a:r>
+              <a:rPr lang="de-DE" dirty="0">
+                <a:solidFill>
+                  <a:srgbClr val="C6C6C6"/>
+                </a:solidFill>
+              </a:rPr>
+              <a:t>Größe in Bytes</a:t>
+            </a:r>
+          </a:p>
+        </p:txBody>
+      </p:sp>
+      <p:sp>
+        <p:nvSpPr>
+          <p:cNvPr id="27" name="Rechteck: abgerundete Ecken 26">
+            <a:extLst>
+              <a:ext uri="{FF2B5EF4-FFF2-40B4-BE49-F238E27FC236}">
+                <a16:creationId xmlns:a16="http://schemas.microsoft.com/office/drawing/2014/main" id="{99CA01E8-7BAB-2B01-2F2D-8E641058B9C4}"/>
+              </a:ext>
+            </a:extLst>
+          </p:cNvPr>
+          <p:cNvSpPr/>
+          <p:nvPr/>
+        </p:nvSpPr>
+        <p:spPr>
+          <a:xfrm>
+            <a:off x="2534042" y="906872"/>
+            <a:ext cx="1374987" cy="633114"/>
+          </a:xfrm>
+          <a:prstGeom prst="roundRect">
+            <a:avLst/>
+          </a:prstGeom>
+          <a:noFill/>
+          <a:ln w="38100">
+            <a:solidFill>
+              <a:srgbClr val="C6C6C6"/>
+            </a:solidFill>
+          </a:ln>
+        </p:spPr>
+        <p:style>
+          <a:lnRef idx="2">
+            <a:schemeClr val="accent1">
+              <a:shade val="50000"/>
+            </a:schemeClr>
+          </a:lnRef>
+          <a:fillRef idx="1">
+            <a:schemeClr val="accent1"/>
+          </a:fillRef>
+          <a:effectRef idx="0">
+            <a:schemeClr val="accent1"/>
+          </a:effectRef>
+          <a:fontRef idx="minor">
+            <a:schemeClr val="lt1"/>
+          </a:fontRef>
+        </p:style>
+        <p:txBody>
+          <a:bodyPr rtlCol="0" anchor="ctr"/>
+          <a:lstStyle/>
+          <a:p>
+            <a:pPr algn="ctr"/>
+            <a:r>
+              <a:rPr lang="de-DE" dirty="0">
+                <a:solidFill>
+                  <a:srgbClr val="C6C6C6"/>
+                </a:solidFill>
+              </a:rPr>
+              <a:t>Antwort</a:t>
+            </a:r>
+          </a:p>
+        </p:txBody>
+      </p:sp>
+      <p:sp>
+        <p:nvSpPr>
+          <p:cNvPr id="34" name="Rechteck: abgerundete Ecken 33">
+            <a:extLst>
+              <a:ext uri="{FF2B5EF4-FFF2-40B4-BE49-F238E27FC236}">
+                <a16:creationId xmlns:a16="http://schemas.microsoft.com/office/drawing/2014/main" id="{972F04B0-44CB-C7BC-D2EE-77B99E944CB1}"/>
+              </a:ext>
+            </a:extLst>
+          </p:cNvPr>
+          <p:cNvSpPr/>
+          <p:nvPr/>
+        </p:nvSpPr>
+        <p:spPr>
+          <a:xfrm>
+            <a:off x="5508432" y="906872"/>
+            <a:ext cx="1847881" cy="633114"/>
+          </a:xfrm>
+          <a:prstGeom prst="roundRect">
+            <a:avLst/>
+          </a:prstGeom>
+          <a:noFill/>
+          <a:ln w="38100">
+            <a:solidFill>
+              <a:srgbClr val="C6C6C6"/>
+            </a:solidFill>
+          </a:ln>
+        </p:spPr>
+        <p:style>
+          <a:lnRef idx="2">
+            <a:schemeClr val="accent1">
+              <a:shade val="50000"/>
+            </a:schemeClr>
+          </a:lnRef>
+          <a:fillRef idx="1">
+            <a:schemeClr val="accent1"/>
+          </a:fillRef>
+          <a:effectRef idx="0">
+            <a:schemeClr val="accent1"/>
+          </a:effectRef>
+          <a:fontRef idx="minor">
+            <a:schemeClr val="lt1"/>
+          </a:fontRef>
+        </p:style>
+        <p:txBody>
+          <a:bodyPr rtlCol="0" anchor="ctr"/>
+          <a:lstStyle/>
+          <a:p>
+            <a:pPr algn="ctr"/>
+            <a:r>
+              <a:rPr lang="de-DE" dirty="0" err="1">
+                <a:solidFill>
+                  <a:srgbClr val="C6C6C6"/>
+                </a:solidFill>
+              </a:rPr>
+              <a:t>Anwort</a:t>
+            </a:r>
+            <a:r>
+              <a:rPr lang="de-DE" dirty="0">
+                <a:solidFill>
+                  <a:srgbClr val="C6C6C6"/>
+                </a:solidFill>
+              </a:rPr>
+              <a:t> auf den Funktionsaufruf</a:t>
+            </a:r>
+          </a:p>
+        </p:txBody>
+      </p:sp>
+      <p:sp>
+        <p:nvSpPr>
+          <p:cNvPr id="35" name="Rechteck: abgerundete Ecken 34">
+            <a:extLst>
+              <a:ext uri="{FF2B5EF4-FFF2-40B4-BE49-F238E27FC236}">
+                <a16:creationId xmlns:a16="http://schemas.microsoft.com/office/drawing/2014/main" id="{46B6CE22-3E02-3D72-9033-5E812CF1271B}"/>
+              </a:ext>
+            </a:extLst>
+          </p:cNvPr>
+          <p:cNvSpPr/>
+          <p:nvPr/>
+        </p:nvSpPr>
+        <p:spPr>
+          <a:xfrm>
+            <a:off x="5744881" y="1801705"/>
+            <a:ext cx="1374987" cy="633113"/>
+          </a:xfrm>
+          <a:prstGeom prst="roundRect">
+            <a:avLst/>
+          </a:prstGeom>
+          <a:noFill/>
+          <a:ln w="38100">
+            <a:solidFill>
+              <a:srgbClr val="C6C6C6"/>
+            </a:solidFill>
+          </a:ln>
+        </p:spPr>
+        <p:style>
+          <a:lnRef idx="2">
+            <a:schemeClr val="accent1">
+              <a:shade val="50000"/>
+            </a:schemeClr>
+          </a:lnRef>
+          <a:fillRef idx="1">
+            <a:schemeClr val="accent1"/>
+          </a:fillRef>
+          <a:effectRef idx="0">
+            <a:schemeClr val="accent1"/>
+          </a:effectRef>
+          <a:fontRef idx="minor">
+            <a:schemeClr val="lt1"/>
+          </a:fontRef>
+        </p:style>
+        <p:txBody>
+          <a:bodyPr rtlCol="0" anchor="ctr"/>
+          <a:lstStyle/>
+          <a:p>
+            <a:pPr algn="ctr"/>
+            <a:r>
+              <a:rPr lang="de-DE" sz="3000" dirty="0">
+                <a:solidFill>
+                  <a:srgbClr val="C6C6C6"/>
+                </a:solidFill>
+              </a:rPr>
+              <a:t>? (63)</a:t>
+            </a:r>
+          </a:p>
+        </p:txBody>
+      </p:sp>
+      <p:sp>
+        <p:nvSpPr>
+          <p:cNvPr id="36" name="Rechteck: abgerundete Ecken 35">
+            <a:extLst>
+              <a:ext uri="{FF2B5EF4-FFF2-40B4-BE49-F238E27FC236}">
+                <a16:creationId xmlns:a16="http://schemas.microsoft.com/office/drawing/2014/main" id="{E9DF7C98-A498-AA96-9E23-723063895460}"/>
+              </a:ext>
+            </a:extLst>
+          </p:cNvPr>
+          <p:cNvSpPr/>
+          <p:nvPr/>
+        </p:nvSpPr>
+        <p:spPr>
+          <a:xfrm>
+            <a:off x="5744880" y="2693174"/>
+            <a:ext cx="1374987" cy="633113"/>
+          </a:xfrm>
+          <a:prstGeom prst="roundRect">
+            <a:avLst/>
+          </a:prstGeom>
+          <a:noFill/>
+          <a:ln w="38100">
+            <a:solidFill>
+              <a:srgbClr val="C6C6C6"/>
+            </a:solidFill>
+          </a:ln>
+        </p:spPr>
+        <p:style>
+          <a:lnRef idx="2">
+            <a:schemeClr val="accent1">
+              <a:shade val="50000"/>
+            </a:schemeClr>
+          </a:lnRef>
+          <a:fillRef idx="1">
+            <a:schemeClr val="accent1"/>
+          </a:fillRef>
+          <a:effectRef idx="0">
+            <a:schemeClr val="accent1"/>
+          </a:effectRef>
+          <a:fontRef idx="minor">
+            <a:schemeClr val="lt1"/>
+          </a:fontRef>
+        </p:style>
+        <p:txBody>
+          <a:bodyPr rtlCol="0" anchor="ctr"/>
+          <a:lstStyle/>
+          <a:p>
+            <a:pPr algn="ctr"/>
+            <a:r>
+              <a:rPr lang="de-DE" sz="3000" dirty="0">
+                <a:solidFill>
+                  <a:srgbClr val="C6C6C6"/>
+                </a:solidFill>
+              </a:rPr>
+              <a:t>☺ (1)</a:t>
+            </a:r>
+          </a:p>
+        </p:txBody>
+      </p:sp>
+      <p:sp>
+        <p:nvSpPr>
+          <p:cNvPr id="37" name="Rechteck: abgerundete Ecken 36">
+            <a:extLst>
+              <a:ext uri="{FF2B5EF4-FFF2-40B4-BE49-F238E27FC236}">
+                <a16:creationId xmlns:a16="http://schemas.microsoft.com/office/drawing/2014/main" id="{016C40B4-F327-EEE1-3145-2885F452F514}"/>
+              </a:ext>
+            </a:extLst>
+          </p:cNvPr>
+          <p:cNvSpPr/>
+          <p:nvPr/>
+        </p:nvSpPr>
+        <p:spPr>
+          <a:xfrm>
+            <a:off x="5744880" y="3588006"/>
+            <a:ext cx="1374987" cy="633113"/>
+          </a:xfrm>
+          <a:prstGeom prst="roundRect">
+            <a:avLst/>
+          </a:prstGeom>
+          <a:noFill/>
+          <a:ln w="38100">
+            <a:solidFill>
+              <a:srgbClr val="C6C6C6"/>
+            </a:solidFill>
+          </a:ln>
+        </p:spPr>
+        <p:style>
+          <a:lnRef idx="2">
+            <a:schemeClr val="accent1">
+              <a:shade val="50000"/>
+            </a:schemeClr>
+          </a:lnRef>
+          <a:fillRef idx="1">
+            <a:schemeClr val="accent1"/>
+          </a:fillRef>
+          <a:effectRef idx="0">
+            <a:schemeClr val="accent1"/>
+          </a:effectRef>
+          <a:fontRef idx="minor">
+            <a:schemeClr val="lt1"/>
+          </a:fontRef>
+        </p:style>
+        <p:txBody>
+          <a:bodyPr rtlCol="0" anchor="ctr"/>
+          <a:lstStyle/>
+          <a:p>
+            <a:pPr algn="ctr"/>
+            <a:r>
+              <a:rPr lang="de-DE" sz="3000" dirty="0">
+                <a:solidFill>
+                  <a:srgbClr val="C6C6C6"/>
+                </a:solidFill>
+              </a:rPr>
+              <a:t>♦ (4)</a:t>
+            </a:r>
+          </a:p>
+        </p:txBody>
+      </p:sp>
+      <p:sp>
+        <p:nvSpPr>
+          <p:cNvPr id="2" name="Rechteck: abgerundete Ecken 1">
+            <a:extLst>
+              <a:ext uri="{FF2B5EF4-FFF2-40B4-BE49-F238E27FC236}">
+                <a16:creationId xmlns:a16="http://schemas.microsoft.com/office/drawing/2014/main" id="{3C73CDCF-0C6B-8BBC-A0A6-9BE50E5526A4}"/>
+              </a:ext>
+            </a:extLst>
+          </p:cNvPr>
+          <p:cNvSpPr/>
+          <p:nvPr/>
+        </p:nvSpPr>
+        <p:spPr>
+          <a:xfrm>
+            <a:off x="5733783" y="4469594"/>
+            <a:ext cx="3298458" cy="633113"/>
+          </a:xfrm>
+          <a:prstGeom prst="roundRect">
+            <a:avLst>
+              <a:gd name="adj" fmla="val 13457"/>
+            </a:avLst>
+          </a:prstGeom>
+          <a:noFill/>
+          <a:ln w="38100">
+            <a:solidFill>
+              <a:srgbClr val="C6C6C6"/>
+            </a:solidFill>
+          </a:ln>
+        </p:spPr>
+        <p:style>
+          <a:lnRef idx="2">
+            <a:schemeClr val="accent1">
+              <a:shade val="50000"/>
+            </a:schemeClr>
+          </a:lnRef>
+          <a:fillRef idx="1">
+            <a:schemeClr val="accent1"/>
+          </a:fillRef>
+          <a:effectRef idx="0">
+            <a:schemeClr val="accent1"/>
+          </a:effectRef>
+          <a:fontRef idx="minor">
+            <a:schemeClr val="lt1"/>
+          </a:fontRef>
+        </p:style>
+        <p:txBody>
+          <a:bodyPr rtlCol="0" anchor="ctr"/>
+          <a:lstStyle/>
+          <a:p>
+            <a:pPr algn="ctr"/>
+            <a:r>
+              <a:rPr lang="de-DE" sz="3000" dirty="0">
+                <a:solidFill>
+                  <a:srgbClr val="C6C6C6"/>
+                </a:solidFill>
+              </a:rPr>
+              <a:t>(20) (174) (41) (62)</a:t>
+            </a:r>
+          </a:p>
+        </p:txBody>
+      </p:sp>
+      <p:sp>
+        <p:nvSpPr>
+          <p:cNvPr id="3" name="Rechteck: abgerundete Ecken 2">
+            <a:extLst>
+              <a:ext uri="{FF2B5EF4-FFF2-40B4-BE49-F238E27FC236}">
+                <a16:creationId xmlns:a16="http://schemas.microsoft.com/office/drawing/2014/main" id="{4B959154-A804-1283-A863-B575C6D47F76}"/>
+              </a:ext>
+            </a:extLst>
+          </p:cNvPr>
+          <p:cNvSpPr/>
+          <p:nvPr/>
+        </p:nvSpPr>
+        <p:spPr>
+          <a:xfrm>
+            <a:off x="5744880" y="5358889"/>
+            <a:ext cx="1374987" cy="633113"/>
+          </a:xfrm>
+          <a:prstGeom prst="roundRect">
+            <a:avLst/>
+          </a:prstGeom>
+          <a:noFill/>
+          <a:ln w="38100">
+            <a:solidFill>
+              <a:srgbClr val="C6C6C6"/>
+            </a:solidFill>
+          </a:ln>
+        </p:spPr>
+        <p:style>
+          <a:lnRef idx="2">
+            <a:schemeClr val="accent1">
+              <a:shade val="50000"/>
+            </a:schemeClr>
+          </a:lnRef>
+          <a:fillRef idx="1">
+            <a:schemeClr val="accent1"/>
+          </a:fillRef>
+          <a:effectRef idx="0">
+            <a:schemeClr val="accent1"/>
+          </a:effectRef>
+          <a:fontRef idx="minor">
+            <a:schemeClr val="lt1"/>
+          </a:fontRef>
+        </p:style>
+        <p:txBody>
+          <a:bodyPr rtlCol="0" anchor="ctr"/>
+          <a:lstStyle/>
+          <a:p>
+            <a:pPr algn="ctr"/>
+            <a:r>
+              <a:rPr lang="de-DE" sz="3000" dirty="0">
+                <a:solidFill>
+                  <a:srgbClr val="C6C6C6"/>
+                </a:solidFill>
+              </a:rPr>
+              <a:t>&gt; (62)</a:t>
+            </a:r>
+          </a:p>
+        </p:txBody>
+      </p:sp>
       <p:pic>
         <p:nvPicPr>
-          <p:cNvPr id="5" name="Inhaltsplatzhalter 4">
-            <a:extLst>
-              <a:ext uri="{FF2B5EF4-FFF2-40B4-BE49-F238E27FC236}">
-                <a16:creationId xmlns:a16="http://schemas.microsoft.com/office/drawing/2014/main" id="{218136B5-0ED7-44B9-19DF-4855B492F8BB}"/>
+          <p:cNvPr id="18" name="Grafik 17">
+            <a:extLst>
+              <a:ext uri="{FF2B5EF4-FFF2-40B4-BE49-F238E27FC236}">
+                <a16:creationId xmlns:a16="http://schemas.microsoft.com/office/drawing/2014/main" id="{89508751-645B-FF46-8486-1F6C5E83FFCE}"/>
               </a:ext>
             </a:extLst>
           </p:cNvPr>
           <p:cNvPicPr>
-            <a:picLocks noGrp="1" noChangeAspect="1"/>
+            <a:picLocks noChangeAspect="1"/>
           </p:cNvPicPr>
-          <p:nvPr>
-            <p:ph idx="1"/>
-          </p:nvPr>
+          <p:nvPr/>
         </p:nvPicPr>
-        <p:blipFill>
+        <p:blipFill rotWithShape="1">
           <a:blip r:embed="rId2"/>
-          <a:stretch>
-            <a:fillRect/>
-          </a:stretch>
+          <a:srcRect r="6975"/>
+          <a:stretch/>
         </p:blipFill>
         <p:spPr>
           <a:xfrm>
-            <a:off x="1213250" y="0"/>
-            <a:ext cx="4930163" cy="6906574"/>
-          </a:xfrm>
+            <a:off x="7451706" y="641226"/>
+            <a:ext cx="4412504" cy="3587183"/>
+          </a:xfrm>
+          <a:prstGeom prst="rect">
+            <a:avLst/>
+          </a:prstGeom>
         </p:spPr>
       </p:pic>
     </p:spTree>
     <p:extLst>
       <p:ext uri="{BB962C8B-B14F-4D97-AF65-F5344CB8AC3E}">
-        <p14:creationId xmlns:p14="http://schemas.microsoft.com/office/powerpoint/2010/main" val="2999168719"/>
+        <p14:creationId xmlns:p14="http://schemas.microsoft.com/office/powerpoint/2010/main" val="1693353005"/>
       </p:ext>
     </p:extLst>
   </p:cSld>
@@ -6029,148 +7303,64 @@
           <a:chExt cx="0" cy="0"/>
         </a:xfrm>
       </p:grpSpPr>
-      <p:pic>
-        <p:nvPicPr>
-          <p:cNvPr id="5" name="Inhaltsplatzhalter 4">
-            <a:extLst>
-              <a:ext uri="{FF2B5EF4-FFF2-40B4-BE49-F238E27FC236}">
-                <a16:creationId xmlns:a16="http://schemas.microsoft.com/office/drawing/2014/main" id="{218136B5-0ED7-44B9-19DF-4855B492F8BB}"/>
-              </a:ext>
-            </a:extLst>
-          </p:cNvPr>
-          <p:cNvPicPr>
-            <a:picLocks noGrp="1" noChangeAspect="1"/>
-          </p:cNvPicPr>
+      <p:sp>
+        <p:nvSpPr>
+          <p:cNvPr id="4" name="Inhaltsplatzhalter 3">
+            <a:extLst>
+              <a:ext uri="{FF2B5EF4-FFF2-40B4-BE49-F238E27FC236}">
+                <a16:creationId xmlns:a16="http://schemas.microsoft.com/office/drawing/2014/main" id="{414B97A8-43E2-878E-E2DD-26A87BDD1ACE}"/>
+              </a:ext>
+            </a:extLst>
+          </p:cNvPr>
+          <p:cNvSpPr>
+            <a:spLocks noGrp="1"/>
+          </p:cNvSpPr>
           <p:nvPr>
             <p:ph idx="1"/>
           </p:nvPr>
+        </p:nvSpPr>
+        <p:spPr/>
+        <p:txBody>
+          <a:bodyPr/>
+          <a:lstStyle/>
+          <a:p>
+            <a:endParaRPr lang="de-DE"/>
+          </a:p>
+        </p:txBody>
+      </p:sp>
+      <p:pic>
+        <p:nvPicPr>
+          <p:cNvPr id="9" name="Grafik 8">
+            <a:extLst>
+              <a:ext uri="{FF2B5EF4-FFF2-40B4-BE49-F238E27FC236}">
+                <a16:creationId xmlns:a16="http://schemas.microsoft.com/office/drawing/2014/main" id="{CF111528-DC2E-4160-6C41-BAA2E07366D8}"/>
+              </a:ext>
+            </a:extLst>
+          </p:cNvPr>
+          <p:cNvPicPr>
+            <a:picLocks noChangeAspect="1"/>
+          </p:cNvPicPr>
+          <p:nvPr/>
         </p:nvPicPr>
-        <p:blipFill>
+        <p:blipFill rotWithShape="1">
           <a:blip r:embed="rId2"/>
-          <a:stretch>
-            <a:fillRect/>
-          </a:stretch>
+          <a:srcRect l="701"/>
+          <a:stretch/>
         </p:blipFill>
         <p:spPr>
           <a:xfrm>
-            <a:off x="1213250" y="0"/>
-            <a:ext cx="4930163" cy="6906574"/>
-          </a:xfrm>
-        </p:spPr>
-      </p:pic>
-      <p:sp>
-        <p:nvSpPr>
-          <p:cNvPr id="2" name="Textfeld 1">
-            <a:extLst>
-              <a:ext uri="{FF2B5EF4-FFF2-40B4-BE49-F238E27FC236}">
-                <a16:creationId xmlns:a16="http://schemas.microsoft.com/office/drawing/2014/main" id="{F1496AD2-81E2-B8FD-C652-B5CC7CD2F755}"/>
-              </a:ext>
-            </a:extLst>
-          </p:cNvPr>
-          <p:cNvSpPr txBox="1"/>
-          <p:nvPr/>
-        </p:nvSpPr>
-        <p:spPr>
-          <a:xfrm>
-            <a:off x="6114143" y="1322832"/>
-            <a:ext cx="4864607" cy="923330"/>
+            <a:off x="702975" y="0"/>
+            <a:ext cx="10786049" cy="6858000"/>
           </a:xfrm>
           <a:prstGeom prst="rect">
             <a:avLst/>
           </a:prstGeom>
-          <a:noFill/>
-        </p:spPr>
-        <p:txBody>
-          <a:bodyPr wrap="square" rtlCol="0">
-            <a:spAutoFit/>
-          </a:bodyPr>
-          <a:lstStyle/>
-          <a:p>
-            <a:r>
-              <a:rPr lang="de-DE" dirty="0">
-                <a:solidFill>
-                  <a:srgbClr val="C6C6C6"/>
-                </a:solidFill>
-              </a:rPr>
-              <a:t>Funktionsaufruf direkt auf dem PC: </a:t>
-            </a:r>
-            <a:r>
-              <a:rPr lang="de-DE" b="1" dirty="0">
-                <a:solidFill>
-                  <a:srgbClr val="C6C6C6"/>
-                </a:solidFill>
-              </a:rPr>
-              <a:t>444 </a:t>
-            </a:r>
-            <a:r>
-              <a:rPr lang="de-DE" b="1" dirty="0" err="1">
-                <a:solidFill>
-                  <a:srgbClr val="C6C6C6"/>
-                </a:solidFill>
-              </a:rPr>
-              <a:t>ms</a:t>
-            </a:r>
-            <a:endParaRPr lang="de-DE" b="1" dirty="0">
-              <a:solidFill>
-                <a:srgbClr val="C6C6C6"/>
-              </a:solidFill>
-            </a:endParaRPr>
-          </a:p>
-          <a:p>
-            <a:r>
-              <a:rPr lang="de-DE" dirty="0">
-                <a:solidFill>
-                  <a:srgbClr val="C6C6C6"/>
-                </a:solidFill>
-              </a:rPr>
-              <a:t>Funktionsaufruf vom Arduino auf den PC: </a:t>
-            </a:r>
-            <a:r>
-              <a:rPr lang="de-DE" b="1" dirty="0">
-                <a:solidFill>
-                  <a:srgbClr val="C6C6C6"/>
-                </a:solidFill>
-              </a:rPr>
-              <a:t>447 </a:t>
-            </a:r>
-            <a:r>
-              <a:rPr lang="de-DE" b="1" dirty="0" err="1">
-                <a:solidFill>
-                  <a:srgbClr val="C6C6C6"/>
-                </a:solidFill>
-              </a:rPr>
-              <a:t>ms</a:t>
-            </a:r>
-            <a:endParaRPr lang="de-DE" b="1" dirty="0">
-              <a:solidFill>
-                <a:srgbClr val="C6C6C6"/>
-              </a:solidFill>
-            </a:endParaRPr>
-          </a:p>
-          <a:p>
-            <a:r>
-              <a:rPr lang="de-DE" dirty="0">
-                <a:solidFill>
-                  <a:srgbClr val="C6C6C6"/>
-                </a:solidFill>
-              </a:rPr>
-              <a:t>Funktionsaufruf auf dem Arduino: </a:t>
-            </a:r>
-            <a:r>
-              <a:rPr lang="de-DE" b="1" dirty="0">
-                <a:solidFill>
-                  <a:srgbClr val="C6C6C6"/>
-                </a:solidFill>
-              </a:rPr>
-              <a:t>ca. 28 min</a:t>
-            </a:r>
-          </a:p>
-        </p:txBody>
-      </p:sp>
+        </p:spPr>
+      </p:pic>
     </p:spTree>
     <p:extLst>
       <p:ext uri="{BB962C8B-B14F-4D97-AF65-F5344CB8AC3E}">
-        <p14:creationId xmlns:p14="http://schemas.microsoft.com/office/powerpoint/2010/main" val="4186693174"/>
+        <p14:creationId xmlns:p14="http://schemas.microsoft.com/office/powerpoint/2010/main" val="481390626"/>
       </p:ext>
     </p:extLst>
   </p:cSld>
@@ -6232,10 +7422,10 @@
       </p:sp>
       <p:pic>
         <p:nvPicPr>
-          <p:cNvPr id="9" name="Grafik 8">
-            <a:extLst>
-              <a:ext uri="{FF2B5EF4-FFF2-40B4-BE49-F238E27FC236}">
-                <a16:creationId xmlns:a16="http://schemas.microsoft.com/office/drawing/2014/main" id="{CF111528-DC2E-4160-6C41-BAA2E07366D8}"/>
+          <p:cNvPr id="3" name="Grafik 2">
+            <a:extLst>
+              <a:ext uri="{FF2B5EF4-FFF2-40B4-BE49-F238E27FC236}">
+                <a16:creationId xmlns:a16="http://schemas.microsoft.com/office/drawing/2014/main" id="{974E32CA-8C0D-2E1A-DBF9-0285CC91B873}"/>
               </a:ext>
             </a:extLst>
           </p:cNvPr>
@@ -6246,13 +7436,13 @@
         </p:nvPicPr>
         <p:blipFill rotWithShape="1">
           <a:blip r:embed="rId2"/>
-          <a:srcRect l="701"/>
+          <a:srcRect l="900"/>
           <a:stretch/>
         </p:blipFill>
         <p:spPr>
           <a:xfrm>
-            <a:off x="702975" y="0"/>
-            <a:ext cx="10786049" cy="6858000"/>
+            <a:off x="713733" y="0"/>
+            <a:ext cx="10764534" cy="6858000"/>
           </a:xfrm>
           <a:prstGeom prst="rect">
             <a:avLst/>
@@ -6262,7 +7452,7 @@
     </p:spTree>
     <p:extLst>
       <p:ext uri="{BB962C8B-B14F-4D97-AF65-F5344CB8AC3E}">
-        <p14:creationId xmlns:p14="http://schemas.microsoft.com/office/powerpoint/2010/main" val="481390626"/>
+        <p14:creationId xmlns:p14="http://schemas.microsoft.com/office/powerpoint/2010/main" val="3303009876"/>
       </p:ext>
     </p:extLst>
   </p:cSld>
@@ -6324,10 +7514,10 @@
       </p:sp>
       <p:pic>
         <p:nvPicPr>
-          <p:cNvPr id="3" name="Grafik 2">
-            <a:extLst>
-              <a:ext uri="{FF2B5EF4-FFF2-40B4-BE49-F238E27FC236}">
-                <a16:creationId xmlns:a16="http://schemas.microsoft.com/office/drawing/2014/main" id="{974E32CA-8C0D-2E1A-DBF9-0285CC91B873}"/>
+          <p:cNvPr id="5" name="Grafik 4">
+            <a:extLst>
+              <a:ext uri="{FF2B5EF4-FFF2-40B4-BE49-F238E27FC236}">
+                <a16:creationId xmlns:a16="http://schemas.microsoft.com/office/drawing/2014/main" id="{A47080B9-9197-6E8C-16F3-CF560BFF1376}"/>
               </a:ext>
             </a:extLst>
           </p:cNvPr>
@@ -6354,7 +7544,7 @@
     </p:spTree>
     <p:extLst>
       <p:ext uri="{BB962C8B-B14F-4D97-AF65-F5344CB8AC3E}">
-        <p14:creationId xmlns:p14="http://schemas.microsoft.com/office/powerpoint/2010/main" val="3303009876"/>
+        <p14:creationId xmlns:p14="http://schemas.microsoft.com/office/powerpoint/2010/main" val="2203242814"/>
       </p:ext>
     </p:extLst>
   </p:cSld>
@@ -6389,64 +7579,39 @@
           <a:chExt cx="0" cy="0"/>
         </a:xfrm>
       </p:grpSpPr>
-      <p:sp>
-        <p:nvSpPr>
-          <p:cNvPr id="4" name="Inhaltsplatzhalter 3">
-            <a:extLst>
-              <a:ext uri="{FF2B5EF4-FFF2-40B4-BE49-F238E27FC236}">
-                <a16:creationId xmlns:a16="http://schemas.microsoft.com/office/drawing/2014/main" id="{414B97A8-43E2-878E-E2DD-26A87BDD1ACE}"/>
-              </a:ext>
-            </a:extLst>
-          </p:cNvPr>
-          <p:cNvSpPr>
-            <a:spLocks noGrp="1"/>
-          </p:cNvSpPr>
+      <p:pic>
+        <p:nvPicPr>
+          <p:cNvPr id="5" name="Inhaltsplatzhalter 4">
+            <a:extLst>
+              <a:ext uri="{FF2B5EF4-FFF2-40B4-BE49-F238E27FC236}">
+                <a16:creationId xmlns:a16="http://schemas.microsoft.com/office/drawing/2014/main" id="{218136B5-0ED7-44B9-19DF-4855B492F8BB}"/>
+              </a:ext>
+            </a:extLst>
+          </p:cNvPr>
+          <p:cNvPicPr>
+            <a:picLocks noGrp="1" noChangeAspect="1"/>
+          </p:cNvPicPr>
           <p:nvPr>
             <p:ph idx="1"/>
           </p:nvPr>
-        </p:nvSpPr>
-        <p:spPr/>
-        <p:txBody>
-          <a:bodyPr/>
-          <a:lstStyle/>
-          <a:p>
-            <a:endParaRPr lang="de-DE"/>
-          </a:p>
-        </p:txBody>
-      </p:sp>
-      <p:pic>
-        <p:nvPicPr>
-          <p:cNvPr id="5" name="Grafik 4">
-            <a:extLst>
-              <a:ext uri="{FF2B5EF4-FFF2-40B4-BE49-F238E27FC236}">
-                <a16:creationId xmlns:a16="http://schemas.microsoft.com/office/drawing/2014/main" id="{A47080B9-9197-6E8C-16F3-CF560BFF1376}"/>
-              </a:ext>
-            </a:extLst>
-          </p:cNvPr>
-          <p:cNvPicPr>
-            <a:picLocks noChangeAspect="1"/>
-          </p:cNvPicPr>
-          <p:nvPr/>
         </p:nvPicPr>
-        <p:blipFill rotWithShape="1">
+        <p:blipFill>
           <a:blip r:embed="rId2"/>
-          <a:srcRect l="900"/>
-          <a:stretch/>
+          <a:stretch>
+            <a:fillRect/>
+          </a:stretch>
         </p:blipFill>
         <p:spPr>
           <a:xfrm>
-            <a:off x="713733" y="0"/>
-            <a:ext cx="10764534" cy="6858000"/>
-          </a:xfrm>
-          <a:prstGeom prst="rect">
-            <a:avLst/>
-          </a:prstGeom>
+            <a:off x="1213250" y="0"/>
+            <a:ext cx="4930163" cy="6906574"/>
+          </a:xfrm>
         </p:spPr>
       </p:pic>
     </p:spTree>
     <p:extLst>
       <p:ext uri="{BB962C8B-B14F-4D97-AF65-F5344CB8AC3E}">
-        <p14:creationId xmlns:p14="http://schemas.microsoft.com/office/powerpoint/2010/main" val="2203242814"/>
+        <p14:creationId xmlns:p14="http://schemas.microsoft.com/office/powerpoint/2010/main" val="2999168719"/>
       </p:ext>
     </p:extLst>
   </p:cSld>
@@ -6457,6 +7622,182 @@
 </file>
 
 <file path=ppt/slides/slide17.xml><?xml version="1.0" encoding="utf-8"?>
+<p:sld xmlns:a="http://schemas.openxmlformats.org/drawingml/2006/main" xmlns:r="http://schemas.openxmlformats.org/officeDocument/2006/relationships" xmlns:p="http://schemas.openxmlformats.org/presentationml/2006/main">
+  <p:cSld>
+    <p:bg>
+      <p:bgPr>
+        <a:solidFill>
+          <a:srgbClr val="2B2B2B"/>
+        </a:solidFill>
+        <a:effectLst/>
+      </p:bgPr>
+    </p:bg>
+    <p:spTree>
+      <p:nvGrpSpPr>
+        <p:cNvPr id="1" name=""/>
+        <p:cNvGrpSpPr/>
+        <p:nvPr/>
+      </p:nvGrpSpPr>
+      <p:grpSpPr>
+        <a:xfrm>
+          <a:off x="0" y="0"/>
+          <a:ext cx="0" cy="0"/>
+          <a:chOff x="0" y="0"/>
+          <a:chExt cx="0" cy="0"/>
+        </a:xfrm>
+      </p:grpSpPr>
+      <p:pic>
+        <p:nvPicPr>
+          <p:cNvPr id="5" name="Inhaltsplatzhalter 4">
+            <a:extLst>
+              <a:ext uri="{FF2B5EF4-FFF2-40B4-BE49-F238E27FC236}">
+                <a16:creationId xmlns:a16="http://schemas.microsoft.com/office/drawing/2014/main" id="{218136B5-0ED7-44B9-19DF-4855B492F8BB}"/>
+              </a:ext>
+            </a:extLst>
+          </p:cNvPr>
+          <p:cNvPicPr>
+            <a:picLocks noGrp="1" noChangeAspect="1"/>
+          </p:cNvPicPr>
+          <p:nvPr>
+            <p:ph idx="1"/>
+          </p:nvPr>
+        </p:nvPicPr>
+        <p:blipFill>
+          <a:blip r:embed="rId2"/>
+          <a:stretch>
+            <a:fillRect/>
+          </a:stretch>
+        </p:blipFill>
+        <p:spPr>
+          <a:xfrm>
+            <a:off x="1213250" y="0"/>
+            <a:ext cx="4930163" cy="6906574"/>
+          </a:xfrm>
+        </p:spPr>
+      </p:pic>
+      <p:sp>
+        <p:nvSpPr>
+          <p:cNvPr id="2" name="Textfeld 1">
+            <a:extLst>
+              <a:ext uri="{FF2B5EF4-FFF2-40B4-BE49-F238E27FC236}">
+                <a16:creationId xmlns:a16="http://schemas.microsoft.com/office/drawing/2014/main" id="{F1496AD2-81E2-B8FD-C652-B5CC7CD2F755}"/>
+              </a:ext>
+            </a:extLst>
+          </p:cNvPr>
+          <p:cNvSpPr txBox="1"/>
+          <p:nvPr/>
+        </p:nvSpPr>
+        <p:spPr>
+          <a:xfrm>
+            <a:off x="6114143" y="1322832"/>
+            <a:ext cx="4864607" cy="923330"/>
+          </a:xfrm>
+          <a:prstGeom prst="rect">
+            <a:avLst/>
+          </a:prstGeom>
+          <a:noFill/>
+        </p:spPr>
+        <p:txBody>
+          <a:bodyPr wrap="square" rtlCol="0">
+            <a:spAutoFit/>
+          </a:bodyPr>
+          <a:lstStyle/>
+          <a:p>
+            <a:r>
+              <a:rPr lang="de-DE" dirty="0">
+                <a:solidFill>
+                  <a:srgbClr val="C6C6C6"/>
+                </a:solidFill>
+              </a:rPr>
+              <a:t>Funktionsaufruf direkt auf dem PC: </a:t>
+            </a:r>
+            <a:r>
+              <a:rPr lang="de-DE" b="1" dirty="0">
+                <a:solidFill>
+                  <a:srgbClr val="C6C6C6"/>
+                </a:solidFill>
+              </a:rPr>
+              <a:t>444 </a:t>
+            </a:r>
+            <a:r>
+              <a:rPr lang="de-DE" b="1" dirty="0" err="1">
+                <a:solidFill>
+                  <a:srgbClr val="C6C6C6"/>
+                </a:solidFill>
+              </a:rPr>
+              <a:t>ms</a:t>
+            </a:r>
+            <a:endParaRPr lang="de-DE" b="1" dirty="0">
+              <a:solidFill>
+                <a:srgbClr val="C6C6C6"/>
+              </a:solidFill>
+            </a:endParaRPr>
+          </a:p>
+          <a:p>
+            <a:r>
+              <a:rPr lang="de-DE" dirty="0">
+                <a:solidFill>
+                  <a:srgbClr val="C6C6C6"/>
+                </a:solidFill>
+              </a:rPr>
+              <a:t>Funktionsaufruf vom Arduino auf den PC: </a:t>
+            </a:r>
+            <a:r>
+              <a:rPr lang="de-DE" b="1" dirty="0">
+                <a:solidFill>
+                  <a:srgbClr val="C6C6C6"/>
+                </a:solidFill>
+              </a:rPr>
+              <a:t>447 </a:t>
+            </a:r>
+            <a:r>
+              <a:rPr lang="de-DE" b="1" dirty="0" err="1">
+                <a:solidFill>
+                  <a:srgbClr val="C6C6C6"/>
+                </a:solidFill>
+              </a:rPr>
+              <a:t>ms</a:t>
+            </a:r>
+            <a:endParaRPr lang="de-DE" b="1" dirty="0">
+              <a:solidFill>
+                <a:srgbClr val="C6C6C6"/>
+              </a:solidFill>
+            </a:endParaRPr>
+          </a:p>
+          <a:p>
+            <a:r>
+              <a:rPr lang="de-DE" dirty="0">
+                <a:solidFill>
+                  <a:srgbClr val="C6C6C6"/>
+                </a:solidFill>
+              </a:rPr>
+              <a:t>Funktionsaufruf auf dem Arduino: </a:t>
+            </a:r>
+            <a:r>
+              <a:rPr lang="de-DE" b="1" dirty="0">
+                <a:solidFill>
+                  <a:srgbClr val="C6C6C6"/>
+                </a:solidFill>
+              </a:rPr>
+              <a:t>ca. 28 min</a:t>
+            </a:r>
+          </a:p>
+        </p:txBody>
+      </p:sp>
+    </p:spTree>
+    <p:extLst>
+      <p:ext uri="{BB962C8B-B14F-4D97-AF65-F5344CB8AC3E}">
+        <p14:creationId xmlns:p14="http://schemas.microsoft.com/office/powerpoint/2010/main" val="4186693174"/>
+      </p:ext>
+    </p:extLst>
+  </p:cSld>
+  <p:clrMapOvr>
+    <a:masterClrMapping/>
+  </p:clrMapOvr>
+</p:sld>
+</file>
+
+<file path=ppt/slides/slide18.xml><?xml version="1.0" encoding="utf-8"?>
 <p:sld xmlns:a="http://schemas.openxmlformats.org/drawingml/2006/main" xmlns:r="http://schemas.openxmlformats.org/officeDocument/2006/relationships" xmlns:p="http://schemas.openxmlformats.org/presentationml/2006/main">
   <p:cSld>
     <p:bg>
@@ -6720,39 +8061,650 @@
           <a:chExt cx="0" cy="0"/>
         </a:xfrm>
       </p:grpSpPr>
-      <p:pic>
-        <p:nvPicPr>
-          <p:cNvPr id="3" name="Grafik 2">
-            <a:extLst>
-              <a:ext uri="{FF2B5EF4-FFF2-40B4-BE49-F238E27FC236}">
-                <a16:creationId xmlns:a16="http://schemas.microsoft.com/office/drawing/2014/main" id="{B20E3907-4053-C79A-CD9C-1D3A5FAB6845}"/>
-              </a:ext>
-            </a:extLst>
-          </p:cNvPr>
-          <p:cNvPicPr>
-            <a:picLocks noChangeAspect="1"/>
-          </p:cNvPicPr>
+      <p:sp>
+        <p:nvSpPr>
+          <p:cNvPr id="4" name="Rechteck: abgerundete Ecken 3">
+            <a:extLst>
+              <a:ext uri="{FF2B5EF4-FFF2-40B4-BE49-F238E27FC236}">
+                <a16:creationId xmlns:a16="http://schemas.microsoft.com/office/drawing/2014/main" id="{C83392EE-0939-6D32-FD78-883908A635E5}"/>
+              </a:ext>
+            </a:extLst>
+          </p:cNvPr>
+          <p:cNvSpPr/>
           <p:nvPr/>
-        </p:nvPicPr>
-        <p:blipFill rotWithShape="1">
-          <a:blip r:embed="rId2"/>
-          <a:srcRect l="886" t="2798"/>
-          <a:stretch/>
-        </p:blipFill>
-        <p:spPr>
-          <a:xfrm>
-            <a:off x="2432736" y="1551221"/>
-            <a:ext cx="7326527" cy="3755557"/>
-          </a:xfrm>
-          <a:prstGeom prst="rect">
+        </p:nvSpPr>
+        <p:spPr>
+          <a:xfrm>
+            <a:off x="4537934" y="462579"/>
+            <a:ext cx="3116131" cy="720763"/>
+          </a:xfrm>
+          <a:prstGeom prst="roundRect">
             <a:avLst/>
           </a:prstGeom>
-        </p:spPr>
-      </p:pic>
+          <a:noFill/>
+          <a:ln w="38100">
+            <a:solidFill>
+              <a:srgbClr val="C6C6C6"/>
+            </a:solidFill>
+          </a:ln>
+        </p:spPr>
+        <p:style>
+          <a:lnRef idx="2">
+            <a:schemeClr val="accent1">
+              <a:shade val="50000"/>
+            </a:schemeClr>
+          </a:lnRef>
+          <a:fillRef idx="1">
+            <a:schemeClr val="accent1"/>
+          </a:fillRef>
+          <a:effectRef idx="0">
+            <a:schemeClr val="accent1"/>
+          </a:effectRef>
+          <a:fontRef idx="minor">
+            <a:schemeClr val="lt1"/>
+          </a:fontRef>
+        </p:style>
+        <p:txBody>
+          <a:bodyPr rtlCol="0" anchor="ctr"/>
+          <a:lstStyle/>
+          <a:p>
+            <a:pPr algn="ctr"/>
+            <a:r>
+              <a:rPr lang="de-DE" sz="2400" dirty="0">
+                <a:solidFill>
+                  <a:srgbClr val="C6C6C6"/>
+                </a:solidFill>
+              </a:rPr>
+              <a:t>Pyduino Programm</a:t>
+            </a:r>
+          </a:p>
+        </p:txBody>
+      </p:sp>
+      <p:sp>
+        <p:nvSpPr>
+          <p:cNvPr id="5" name="Rechteck: abgerundete Ecken 4">
+            <a:extLst>
+              <a:ext uri="{FF2B5EF4-FFF2-40B4-BE49-F238E27FC236}">
+                <a16:creationId xmlns:a16="http://schemas.microsoft.com/office/drawing/2014/main" id="{566FE852-6B61-5E56-1DB6-9B32701D78C9}"/>
+              </a:ext>
+            </a:extLst>
+          </p:cNvPr>
+          <p:cNvSpPr/>
+          <p:nvPr/>
+        </p:nvSpPr>
+        <p:spPr>
+          <a:xfrm>
+            <a:off x="4537934" y="1737359"/>
+            <a:ext cx="3116131" cy="720763"/>
+          </a:xfrm>
+          <a:prstGeom prst="roundRect">
+            <a:avLst/>
+          </a:prstGeom>
+          <a:noFill/>
+          <a:ln w="38100">
+            <a:solidFill>
+              <a:srgbClr val="C6C6C6"/>
+            </a:solidFill>
+          </a:ln>
+        </p:spPr>
+        <p:style>
+          <a:lnRef idx="2">
+            <a:schemeClr val="accent1">
+              <a:shade val="50000"/>
+            </a:schemeClr>
+          </a:lnRef>
+          <a:fillRef idx="1">
+            <a:schemeClr val="accent1"/>
+          </a:fillRef>
+          <a:effectRef idx="0">
+            <a:schemeClr val="accent1"/>
+          </a:effectRef>
+          <a:fontRef idx="minor">
+            <a:schemeClr val="lt1"/>
+          </a:fontRef>
+        </p:style>
+        <p:txBody>
+          <a:bodyPr rtlCol="0" anchor="ctr"/>
+          <a:lstStyle/>
+          <a:p>
+            <a:pPr algn="ctr"/>
+            <a:r>
+              <a:rPr lang="de-DE" sz="2400" dirty="0" err="1">
+                <a:solidFill>
+                  <a:srgbClr val="C6C6C6"/>
+                </a:solidFill>
+              </a:rPr>
+              <a:t>Tokenizer</a:t>
+            </a:r>
+            <a:endParaRPr lang="de-DE" sz="2400" dirty="0">
+              <a:solidFill>
+                <a:srgbClr val="C6C6C6"/>
+              </a:solidFill>
+            </a:endParaRPr>
+          </a:p>
+        </p:txBody>
+      </p:sp>
+      <p:sp>
+        <p:nvSpPr>
+          <p:cNvPr id="6" name="Rechteck: abgerundete Ecken 5">
+            <a:extLst>
+              <a:ext uri="{FF2B5EF4-FFF2-40B4-BE49-F238E27FC236}">
+                <a16:creationId xmlns:a16="http://schemas.microsoft.com/office/drawing/2014/main" id="{0ED89D0E-7031-BE19-6379-9B9C5C0383EF}"/>
+              </a:ext>
+            </a:extLst>
+          </p:cNvPr>
+          <p:cNvSpPr/>
+          <p:nvPr/>
+        </p:nvSpPr>
+        <p:spPr>
+          <a:xfrm>
+            <a:off x="4537934" y="3015725"/>
+            <a:ext cx="3116131" cy="720763"/>
+          </a:xfrm>
+          <a:prstGeom prst="roundRect">
+            <a:avLst/>
+          </a:prstGeom>
+          <a:noFill/>
+          <a:ln w="38100">
+            <a:solidFill>
+              <a:srgbClr val="C6C6C6"/>
+            </a:solidFill>
+          </a:ln>
+        </p:spPr>
+        <p:style>
+          <a:lnRef idx="2">
+            <a:schemeClr val="accent1">
+              <a:shade val="50000"/>
+            </a:schemeClr>
+          </a:lnRef>
+          <a:fillRef idx="1">
+            <a:schemeClr val="accent1"/>
+          </a:fillRef>
+          <a:effectRef idx="0">
+            <a:schemeClr val="accent1"/>
+          </a:effectRef>
+          <a:fontRef idx="minor">
+            <a:schemeClr val="lt1"/>
+          </a:fontRef>
+        </p:style>
+        <p:txBody>
+          <a:bodyPr rtlCol="0" anchor="ctr"/>
+          <a:lstStyle/>
+          <a:p>
+            <a:pPr algn="ctr"/>
+            <a:r>
+              <a:rPr lang="de-DE" sz="2400" dirty="0">
+                <a:solidFill>
+                  <a:srgbClr val="C6C6C6"/>
+                </a:solidFill>
+              </a:rPr>
+              <a:t>Transpiler</a:t>
+            </a:r>
+          </a:p>
+        </p:txBody>
+      </p:sp>
+      <p:sp>
+        <p:nvSpPr>
+          <p:cNvPr id="7" name="Rechteck: abgerundete Ecken 6">
+            <a:extLst>
+              <a:ext uri="{FF2B5EF4-FFF2-40B4-BE49-F238E27FC236}">
+                <a16:creationId xmlns:a16="http://schemas.microsoft.com/office/drawing/2014/main" id="{D67FA7F1-9460-B8AA-3C57-CA47E325A7A9}"/>
+              </a:ext>
+            </a:extLst>
+          </p:cNvPr>
+          <p:cNvSpPr/>
+          <p:nvPr/>
+        </p:nvSpPr>
+        <p:spPr>
+          <a:xfrm>
+            <a:off x="2700169" y="4294091"/>
+            <a:ext cx="3116131" cy="720763"/>
+          </a:xfrm>
+          <a:prstGeom prst="roundRect">
+            <a:avLst/>
+          </a:prstGeom>
+          <a:noFill/>
+          <a:ln w="38100">
+            <a:solidFill>
+              <a:srgbClr val="C6C6C6"/>
+            </a:solidFill>
+          </a:ln>
+        </p:spPr>
+        <p:style>
+          <a:lnRef idx="2">
+            <a:schemeClr val="accent1">
+              <a:shade val="50000"/>
+            </a:schemeClr>
+          </a:lnRef>
+          <a:fillRef idx="1">
+            <a:schemeClr val="accent1"/>
+          </a:fillRef>
+          <a:effectRef idx="0">
+            <a:schemeClr val="accent1"/>
+          </a:effectRef>
+          <a:fontRef idx="minor">
+            <a:schemeClr val="lt1"/>
+          </a:fontRef>
+        </p:style>
+        <p:txBody>
+          <a:bodyPr rtlCol="0" anchor="ctr"/>
+          <a:lstStyle/>
+          <a:p>
+            <a:pPr algn="ctr"/>
+            <a:r>
+              <a:rPr lang="de-DE" sz="2400" dirty="0">
+                <a:solidFill>
+                  <a:srgbClr val="C6C6C6"/>
+                </a:solidFill>
+              </a:rPr>
+              <a:t>C++ Compiler</a:t>
+            </a:r>
+          </a:p>
+        </p:txBody>
+      </p:sp>
+      <p:sp>
+        <p:nvSpPr>
+          <p:cNvPr id="8" name="Rechteck: abgerundete Ecken 7">
+            <a:extLst>
+              <a:ext uri="{FF2B5EF4-FFF2-40B4-BE49-F238E27FC236}">
+                <a16:creationId xmlns:a16="http://schemas.microsoft.com/office/drawing/2014/main" id="{4BF5E2C9-9076-DE10-0DCF-3D490FF04867}"/>
+              </a:ext>
+            </a:extLst>
+          </p:cNvPr>
+          <p:cNvSpPr/>
+          <p:nvPr/>
+        </p:nvSpPr>
+        <p:spPr>
+          <a:xfrm>
+            <a:off x="6375699" y="4294091"/>
+            <a:ext cx="3116131" cy="720763"/>
+          </a:xfrm>
+          <a:prstGeom prst="roundRect">
+            <a:avLst/>
+          </a:prstGeom>
+          <a:noFill/>
+          <a:ln w="38100">
+            <a:solidFill>
+              <a:srgbClr val="C6C6C6"/>
+            </a:solidFill>
+          </a:ln>
+        </p:spPr>
+        <p:style>
+          <a:lnRef idx="2">
+            <a:schemeClr val="accent1">
+              <a:shade val="50000"/>
+            </a:schemeClr>
+          </a:lnRef>
+          <a:fillRef idx="1">
+            <a:schemeClr val="accent1"/>
+          </a:fillRef>
+          <a:effectRef idx="0">
+            <a:schemeClr val="accent1"/>
+          </a:effectRef>
+          <a:fontRef idx="minor">
+            <a:schemeClr val="lt1"/>
+          </a:fontRef>
+        </p:style>
+        <p:txBody>
+          <a:bodyPr rtlCol="0" anchor="ctr"/>
+          <a:lstStyle/>
+          <a:p>
+            <a:pPr algn="ctr"/>
+            <a:r>
+              <a:rPr lang="de-DE" sz="2400" dirty="0">
+                <a:solidFill>
+                  <a:srgbClr val="C6C6C6"/>
+                </a:solidFill>
+              </a:rPr>
+              <a:t>Arduino Compiler</a:t>
+            </a:r>
+          </a:p>
+        </p:txBody>
+      </p:sp>
+      <p:sp>
+        <p:nvSpPr>
+          <p:cNvPr id="9" name="Rechteck: abgerundete Ecken 8">
+            <a:extLst>
+              <a:ext uri="{FF2B5EF4-FFF2-40B4-BE49-F238E27FC236}">
+                <a16:creationId xmlns:a16="http://schemas.microsoft.com/office/drawing/2014/main" id="{ABAF663E-86D4-B359-A00F-70CB75D89A3B}"/>
+              </a:ext>
+            </a:extLst>
+          </p:cNvPr>
+          <p:cNvSpPr/>
+          <p:nvPr/>
+        </p:nvSpPr>
+        <p:spPr>
+          <a:xfrm>
+            <a:off x="2700169" y="5568871"/>
+            <a:ext cx="3116131" cy="720763"/>
+          </a:xfrm>
+          <a:prstGeom prst="roundRect">
+            <a:avLst/>
+          </a:prstGeom>
+          <a:noFill/>
+          <a:ln w="38100">
+            <a:solidFill>
+              <a:srgbClr val="C6C6C6"/>
+            </a:solidFill>
+          </a:ln>
+        </p:spPr>
+        <p:style>
+          <a:lnRef idx="2">
+            <a:schemeClr val="accent1">
+              <a:shade val="50000"/>
+            </a:schemeClr>
+          </a:lnRef>
+          <a:fillRef idx="1">
+            <a:schemeClr val="accent1"/>
+          </a:fillRef>
+          <a:effectRef idx="0">
+            <a:schemeClr val="accent1"/>
+          </a:effectRef>
+          <a:fontRef idx="minor">
+            <a:schemeClr val="lt1"/>
+          </a:fontRef>
+        </p:style>
+        <p:txBody>
+          <a:bodyPr rtlCol="0" anchor="ctr"/>
+          <a:lstStyle/>
+          <a:p>
+            <a:pPr algn="ctr"/>
+            <a:r>
+              <a:rPr lang="de-DE" sz="2400" dirty="0">
+                <a:solidFill>
+                  <a:srgbClr val="C6C6C6"/>
+                </a:solidFill>
+              </a:rPr>
+              <a:t>Ausführen auf PC</a:t>
+            </a:r>
+          </a:p>
+        </p:txBody>
+      </p:sp>
+      <p:sp>
+        <p:nvSpPr>
+          <p:cNvPr id="10" name="Rechteck: abgerundete Ecken 9">
+            <a:extLst>
+              <a:ext uri="{FF2B5EF4-FFF2-40B4-BE49-F238E27FC236}">
+                <a16:creationId xmlns:a16="http://schemas.microsoft.com/office/drawing/2014/main" id="{04A44BBA-CBE8-E6F2-DABE-A0B4A9F2FB9F}"/>
+              </a:ext>
+            </a:extLst>
+          </p:cNvPr>
+          <p:cNvSpPr/>
+          <p:nvPr/>
+        </p:nvSpPr>
+        <p:spPr>
+          <a:xfrm>
+            <a:off x="6375698" y="5568871"/>
+            <a:ext cx="3116131" cy="720763"/>
+          </a:xfrm>
+          <a:prstGeom prst="roundRect">
+            <a:avLst/>
+          </a:prstGeom>
+          <a:noFill/>
+          <a:ln w="38100">
+            <a:solidFill>
+              <a:srgbClr val="C6C6C6"/>
+            </a:solidFill>
+          </a:ln>
+        </p:spPr>
+        <p:style>
+          <a:lnRef idx="2">
+            <a:schemeClr val="accent1">
+              <a:shade val="50000"/>
+            </a:schemeClr>
+          </a:lnRef>
+          <a:fillRef idx="1">
+            <a:schemeClr val="accent1"/>
+          </a:fillRef>
+          <a:effectRef idx="0">
+            <a:schemeClr val="accent1"/>
+          </a:effectRef>
+          <a:fontRef idx="minor">
+            <a:schemeClr val="lt1"/>
+          </a:fontRef>
+        </p:style>
+        <p:txBody>
+          <a:bodyPr rtlCol="0" anchor="ctr"/>
+          <a:lstStyle/>
+          <a:p>
+            <a:pPr algn="ctr"/>
+            <a:r>
+              <a:rPr lang="de-DE" sz="2400" dirty="0">
+                <a:solidFill>
+                  <a:srgbClr val="C6C6C6"/>
+                </a:solidFill>
+              </a:rPr>
+              <a:t>Hochladen auf Arduino</a:t>
+            </a:r>
+          </a:p>
+        </p:txBody>
+      </p:sp>
+      <p:cxnSp>
+        <p:nvCxnSpPr>
+          <p:cNvPr id="12" name="Gerade Verbindung mit Pfeil 11">
+            <a:extLst>
+              <a:ext uri="{FF2B5EF4-FFF2-40B4-BE49-F238E27FC236}">
+                <a16:creationId xmlns:a16="http://schemas.microsoft.com/office/drawing/2014/main" id="{D81C8FEE-4B88-8D80-2705-102F4440083C}"/>
+              </a:ext>
+            </a:extLst>
+          </p:cNvPr>
+          <p:cNvCxnSpPr>
+            <a:cxnSpLocks/>
+            <a:stCxn id="4" idx="2"/>
+            <a:endCxn id="5" idx="0"/>
+          </p:cNvCxnSpPr>
+          <p:nvPr/>
+        </p:nvCxnSpPr>
+        <p:spPr>
+          <a:xfrm>
+            <a:off x="6096000" y="1183342"/>
+            <a:ext cx="0" cy="554017"/>
+          </a:xfrm>
+          <a:prstGeom prst="straightConnector1">
+            <a:avLst/>
+          </a:prstGeom>
+          <a:ln w="38100">
+            <a:solidFill>
+              <a:srgbClr val="C6C6C6"/>
+            </a:solidFill>
+            <a:tailEnd type="triangle"/>
+          </a:ln>
+        </p:spPr>
+        <p:style>
+          <a:lnRef idx="1">
+            <a:schemeClr val="accent1"/>
+          </a:lnRef>
+          <a:fillRef idx="0">
+            <a:schemeClr val="accent1"/>
+          </a:fillRef>
+          <a:effectRef idx="0">
+            <a:schemeClr val="accent1"/>
+          </a:effectRef>
+          <a:fontRef idx="minor">
+            <a:schemeClr val="tx1"/>
+          </a:fontRef>
+        </p:style>
+      </p:cxnSp>
+      <p:cxnSp>
+        <p:nvCxnSpPr>
+          <p:cNvPr id="14" name="Gerade Verbindung mit Pfeil 13">
+            <a:extLst>
+              <a:ext uri="{FF2B5EF4-FFF2-40B4-BE49-F238E27FC236}">
+                <a16:creationId xmlns:a16="http://schemas.microsoft.com/office/drawing/2014/main" id="{65F4079A-EEEB-54C9-7B75-AE6F3F40CE29}"/>
+              </a:ext>
+            </a:extLst>
+          </p:cNvPr>
+          <p:cNvCxnSpPr>
+            <a:cxnSpLocks/>
+          </p:cNvCxnSpPr>
+          <p:nvPr/>
+        </p:nvCxnSpPr>
+        <p:spPr>
+          <a:xfrm>
+            <a:off x="6122894" y="2461708"/>
+            <a:ext cx="0" cy="554017"/>
+          </a:xfrm>
+          <a:prstGeom prst="straightConnector1">
+            <a:avLst/>
+          </a:prstGeom>
+          <a:ln w="38100">
+            <a:solidFill>
+              <a:srgbClr val="C6C6C6"/>
+            </a:solidFill>
+            <a:tailEnd type="triangle"/>
+          </a:ln>
+        </p:spPr>
+        <p:style>
+          <a:lnRef idx="1">
+            <a:schemeClr val="accent1"/>
+          </a:lnRef>
+          <a:fillRef idx="0">
+            <a:schemeClr val="accent1"/>
+          </a:fillRef>
+          <a:effectRef idx="0">
+            <a:schemeClr val="accent1"/>
+          </a:effectRef>
+          <a:fontRef idx="minor">
+            <a:schemeClr val="tx1"/>
+          </a:fontRef>
+        </p:style>
+      </p:cxnSp>
+      <p:cxnSp>
+        <p:nvCxnSpPr>
+          <p:cNvPr id="15" name="Gerade Verbindung mit Pfeil 14">
+            <a:extLst>
+              <a:ext uri="{FF2B5EF4-FFF2-40B4-BE49-F238E27FC236}">
+                <a16:creationId xmlns:a16="http://schemas.microsoft.com/office/drawing/2014/main" id="{282B58D8-246D-7132-A09D-01356A2795E2}"/>
+              </a:ext>
+            </a:extLst>
+          </p:cNvPr>
+          <p:cNvCxnSpPr>
+            <a:cxnSpLocks/>
+          </p:cNvCxnSpPr>
+          <p:nvPr/>
+        </p:nvCxnSpPr>
+        <p:spPr>
+          <a:xfrm>
+            <a:off x="7942729" y="5014854"/>
+            <a:ext cx="0" cy="554017"/>
+          </a:xfrm>
+          <a:prstGeom prst="straightConnector1">
+            <a:avLst/>
+          </a:prstGeom>
+          <a:ln w="38100">
+            <a:solidFill>
+              <a:srgbClr val="C6C6C6"/>
+            </a:solidFill>
+            <a:tailEnd type="triangle"/>
+          </a:ln>
+        </p:spPr>
+        <p:style>
+          <a:lnRef idx="1">
+            <a:schemeClr val="accent1"/>
+          </a:lnRef>
+          <a:fillRef idx="0">
+            <a:schemeClr val="accent1"/>
+          </a:fillRef>
+          <a:effectRef idx="0">
+            <a:schemeClr val="accent1"/>
+          </a:effectRef>
+          <a:fontRef idx="minor">
+            <a:schemeClr val="tx1"/>
+          </a:fontRef>
+        </p:style>
+      </p:cxnSp>
+      <p:cxnSp>
+        <p:nvCxnSpPr>
+          <p:cNvPr id="16" name="Gerade Verbindung mit Pfeil 15">
+            <a:extLst>
+              <a:ext uri="{FF2B5EF4-FFF2-40B4-BE49-F238E27FC236}">
+                <a16:creationId xmlns:a16="http://schemas.microsoft.com/office/drawing/2014/main" id="{BC83763F-02A6-39BB-A86D-EE8F55D9CF6F}"/>
+              </a:ext>
+            </a:extLst>
+          </p:cNvPr>
+          <p:cNvCxnSpPr>
+            <a:cxnSpLocks/>
+          </p:cNvCxnSpPr>
+          <p:nvPr/>
+        </p:nvCxnSpPr>
+        <p:spPr>
+          <a:xfrm>
+            <a:off x="7083910" y="3736488"/>
+            <a:ext cx="0" cy="554017"/>
+          </a:xfrm>
+          <a:prstGeom prst="straightConnector1">
+            <a:avLst/>
+          </a:prstGeom>
+          <a:ln w="38100">
+            <a:solidFill>
+              <a:srgbClr val="C6C6C6"/>
+            </a:solidFill>
+            <a:tailEnd type="triangle"/>
+          </a:ln>
+        </p:spPr>
+        <p:style>
+          <a:lnRef idx="1">
+            <a:schemeClr val="accent1"/>
+          </a:lnRef>
+          <a:fillRef idx="0">
+            <a:schemeClr val="accent1"/>
+          </a:fillRef>
+          <a:effectRef idx="0">
+            <a:schemeClr val="accent1"/>
+          </a:effectRef>
+          <a:fontRef idx="minor">
+            <a:schemeClr val="tx1"/>
+          </a:fontRef>
+        </p:style>
+      </p:cxnSp>
+      <p:cxnSp>
+        <p:nvCxnSpPr>
+          <p:cNvPr id="17" name="Gerade Verbindung mit Pfeil 16">
+            <a:extLst>
+              <a:ext uri="{FF2B5EF4-FFF2-40B4-BE49-F238E27FC236}">
+                <a16:creationId xmlns:a16="http://schemas.microsoft.com/office/drawing/2014/main" id="{360EA965-C22A-ED7B-08DD-E925BE6F6393}"/>
+              </a:ext>
+            </a:extLst>
+          </p:cNvPr>
+          <p:cNvCxnSpPr>
+            <a:cxnSpLocks/>
+          </p:cNvCxnSpPr>
+          <p:nvPr/>
+        </p:nvCxnSpPr>
+        <p:spPr>
+          <a:xfrm>
+            <a:off x="5106297" y="3736488"/>
+            <a:ext cx="0" cy="554017"/>
+          </a:xfrm>
+          <a:prstGeom prst="straightConnector1">
+            <a:avLst/>
+          </a:prstGeom>
+          <a:ln w="38100">
+            <a:solidFill>
+              <a:srgbClr val="C6C6C6"/>
+            </a:solidFill>
+            <a:tailEnd type="triangle"/>
+          </a:ln>
+        </p:spPr>
+        <p:style>
+          <a:lnRef idx="1">
+            <a:schemeClr val="accent1"/>
+          </a:lnRef>
+          <a:fillRef idx="0">
+            <a:schemeClr val="accent1"/>
+          </a:fillRef>
+          <a:effectRef idx="0">
+            <a:schemeClr val="accent1"/>
+          </a:effectRef>
+          <a:fontRef idx="minor">
+            <a:schemeClr val="tx1"/>
+          </a:fontRef>
+        </p:style>
+      </p:cxnSp>
     </p:spTree>
     <p:extLst>
       <p:ext uri="{BB962C8B-B14F-4D97-AF65-F5344CB8AC3E}">
-        <p14:creationId xmlns:p14="http://schemas.microsoft.com/office/powerpoint/2010/main" val="1293611290"/>
+        <p14:creationId xmlns:p14="http://schemas.microsoft.com/office/powerpoint/2010/main" val="2501689651"/>
       </p:ext>
     </p:extLst>
   </p:cSld>
@@ -6792,7 +8744,7 @@
           <p:cNvPr id="3" name="Grafik 2">
             <a:extLst>
               <a:ext uri="{FF2B5EF4-FFF2-40B4-BE49-F238E27FC236}">
-                <a16:creationId xmlns:a16="http://schemas.microsoft.com/office/drawing/2014/main" id="{F39F427A-43E3-A203-80CB-9D5A582CE741}"/>
+                <a16:creationId xmlns:a16="http://schemas.microsoft.com/office/drawing/2014/main" id="{B20E3907-4053-C79A-CD9C-1D3A5FAB6845}"/>
               </a:ext>
             </a:extLst>
           </p:cNvPr>
@@ -6803,42 +8755,13 @@
         </p:nvPicPr>
         <p:blipFill rotWithShape="1">
           <a:blip r:embed="rId2"/>
-          <a:srcRect b="1349"/>
+          <a:srcRect l="886" t="2798"/>
           <a:stretch/>
         </p:blipFill>
         <p:spPr>
           <a:xfrm>
-            <a:off x="0" y="30185"/>
-            <a:ext cx="5246825" cy="6035335"/>
-          </a:xfrm>
-          <a:prstGeom prst="rect">
-            <a:avLst/>
-          </a:prstGeom>
-        </p:spPr>
-      </p:pic>
-      <p:pic>
-        <p:nvPicPr>
-          <p:cNvPr id="5" name="Grafik 4">
-            <a:extLst>
-              <a:ext uri="{FF2B5EF4-FFF2-40B4-BE49-F238E27FC236}">
-                <a16:creationId xmlns:a16="http://schemas.microsoft.com/office/drawing/2014/main" id="{D344296D-A4F8-8A7D-A831-90745A63C2F9}"/>
-              </a:ext>
-            </a:extLst>
-          </p:cNvPr>
-          <p:cNvPicPr>
-            <a:picLocks noChangeAspect="1"/>
-          </p:cNvPicPr>
-          <p:nvPr/>
-        </p:nvPicPr>
-        <p:blipFill rotWithShape="1">
-          <a:blip r:embed="rId3"/>
-          <a:srcRect r="5159" b="2281"/>
-          <a:stretch/>
-        </p:blipFill>
-        <p:spPr>
-          <a:xfrm>
-            <a:off x="4975504" y="0"/>
-            <a:ext cx="6751940" cy="6454140"/>
+            <a:off x="2432736" y="1551221"/>
+            <a:ext cx="7326527" cy="3755557"/>
           </a:xfrm>
           <a:prstGeom prst="rect">
             <a:avLst/>
@@ -6848,7 +8771,7 @@
     </p:spTree>
     <p:extLst>
       <p:ext uri="{BB962C8B-B14F-4D97-AF65-F5344CB8AC3E}">
-        <p14:creationId xmlns:p14="http://schemas.microsoft.com/office/powerpoint/2010/main" val="1262214237"/>
+        <p14:creationId xmlns:p14="http://schemas.microsoft.com/office/powerpoint/2010/main" val="1293611290"/>
       </p:ext>
     </p:extLst>
   </p:cSld>
@@ -6885,10 +8808,10 @@
       </p:grpSpPr>
       <p:pic>
         <p:nvPicPr>
-          <p:cNvPr id="4" name="Grafik 3">
-            <a:extLst>
-              <a:ext uri="{FF2B5EF4-FFF2-40B4-BE49-F238E27FC236}">
-                <a16:creationId xmlns:a16="http://schemas.microsoft.com/office/drawing/2014/main" id="{E523976A-76A0-924C-D67F-84519C12C0E0}"/>
+          <p:cNvPr id="3" name="Grafik 2">
+            <a:extLst>
+              <a:ext uri="{FF2B5EF4-FFF2-40B4-BE49-F238E27FC236}">
+                <a16:creationId xmlns:a16="http://schemas.microsoft.com/office/drawing/2014/main" id="{F39F427A-43E3-A203-80CB-9D5A582CE741}"/>
               </a:ext>
             </a:extLst>
           </p:cNvPr>
@@ -6897,16 +8820,44 @@
           </p:cNvPicPr>
           <p:nvPr/>
         </p:nvPicPr>
-        <p:blipFill>
+        <p:blipFill rotWithShape="1">
           <a:blip r:embed="rId2"/>
-          <a:stretch>
-            <a:fillRect/>
-          </a:stretch>
+          <a:srcRect b="1349"/>
+          <a:stretch/>
         </p:blipFill>
         <p:spPr>
           <a:xfrm>
-            <a:off x="2971529" y="323581"/>
-            <a:ext cx="6248942" cy="6210838"/>
+            <a:off x="0" y="30185"/>
+            <a:ext cx="5246825" cy="6035335"/>
+          </a:xfrm>
+          <a:prstGeom prst="rect">
+            <a:avLst/>
+          </a:prstGeom>
+        </p:spPr>
+      </p:pic>
+      <p:pic>
+        <p:nvPicPr>
+          <p:cNvPr id="5" name="Grafik 4">
+            <a:extLst>
+              <a:ext uri="{FF2B5EF4-FFF2-40B4-BE49-F238E27FC236}">
+                <a16:creationId xmlns:a16="http://schemas.microsoft.com/office/drawing/2014/main" id="{D344296D-A4F8-8A7D-A831-90745A63C2F9}"/>
+              </a:ext>
+            </a:extLst>
+          </p:cNvPr>
+          <p:cNvPicPr>
+            <a:picLocks noChangeAspect="1"/>
+          </p:cNvPicPr>
+          <p:nvPr/>
+        </p:nvPicPr>
+        <p:blipFill rotWithShape="1">
+          <a:blip r:embed="rId3"/>
+          <a:srcRect r="5159" b="2281"/>
+          <a:stretch/>
+        </p:blipFill>
+        <p:spPr>
+          <a:xfrm>
+            <a:off x="4975504" y="0"/>
+            <a:ext cx="6751940" cy="6454140"/>
           </a:xfrm>
           <a:prstGeom prst="rect">
             <a:avLst/>
@@ -6916,7 +8867,7 @@
     </p:spTree>
     <p:extLst>
       <p:ext uri="{BB962C8B-B14F-4D97-AF65-F5344CB8AC3E}">
-        <p14:creationId xmlns:p14="http://schemas.microsoft.com/office/powerpoint/2010/main" val="3656950882"/>
+        <p14:creationId xmlns:p14="http://schemas.microsoft.com/office/powerpoint/2010/main" val="1262214237"/>
       </p:ext>
     </p:extLst>
   </p:cSld>
@@ -6951,89 +8902,40 @@
           <a:chExt cx="0" cy="0"/>
         </a:xfrm>
       </p:grpSpPr>
-      <p:sp>
-        <p:nvSpPr>
-          <p:cNvPr id="2" name="Titel 1">
-            <a:extLst>
-              <a:ext uri="{FF2B5EF4-FFF2-40B4-BE49-F238E27FC236}">
-                <a16:creationId xmlns:a16="http://schemas.microsoft.com/office/drawing/2014/main" id="{58E05B99-798C-C0FF-4C3F-5386AF78CBD5}"/>
-              </a:ext>
-            </a:extLst>
-          </p:cNvPr>
-          <p:cNvSpPr>
-            <a:spLocks noGrp="1"/>
-          </p:cNvSpPr>
-          <p:nvPr>
-            <p:ph type="title"/>
-          </p:nvPr>
-        </p:nvSpPr>
-        <p:spPr>
-          <a:xfrm>
-            <a:off x="0" y="0"/>
-            <a:ext cx="10515600" cy="1325563"/>
-          </a:xfrm>
-        </p:spPr>
-        <p:txBody>
-          <a:bodyPr/>
-          <a:lstStyle/>
-          <a:p>
-            <a:r>
-              <a:rPr lang="de-DE" dirty="0" err="1">
-                <a:solidFill>
-                  <a:srgbClr val="C6C6C6"/>
-                </a:solidFill>
-              </a:rPr>
-              <a:t>Tokenizer</a:t>
-            </a:r>
-            <a:endParaRPr lang="de-DE" dirty="0">
-              <a:solidFill>
-                <a:srgbClr val="C6C6C6"/>
-              </a:solidFill>
-            </a:endParaRPr>
-          </a:p>
-        </p:txBody>
-      </p:sp>
       <p:pic>
         <p:nvPicPr>
-          <p:cNvPr id="11" name="Inhaltsplatzhalter 10">
-            <a:extLst>
-              <a:ext uri="{FF2B5EF4-FFF2-40B4-BE49-F238E27FC236}">
-                <a16:creationId xmlns:a16="http://schemas.microsoft.com/office/drawing/2014/main" id="{A86BAE69-513E-2B1B-F39B-623499C5DAA6}"/>
+          <p:cNvPr id="4" name="Grafik 3">
+            <a:extLst>
+              <a:ext uri="{FF2B5EF4-FFF2-40B4-BE49-F238E27FC236}">
+                <a16:creationId xmlns:a16="http://schemas.microsoft.com/office/drawing/2014/main" id="{E523976A-76A0-924C-D67F-84519C12C0E0}"/>
               </a:ext>
             </a:extLst>
           </p:cNvPr>
           <p:cNvPicPr>
-            <a:picLocks noGrp="1" noChangeAspect="1"/>
+            <a:picLocks noChangeAspect="1"/>
           </p:cNvPicPr>
-          <p:nvPr>
-            <p:ph idx="1"/>
-          </p:nvPr>
+          <p:nvPr/>
         </p:nvPicPr>
-        <p:blipFill rotWithShape="1">
-          <a:blip r:embed="rId2">
-            <a:extLst>
-              <a:ext uri="{28A0092B-C50C-407E-A947-70E740481C1C}">
-                <a14:useLocalDpi xmlns:a14="http://schemas.microsoft.com/office/drawing/2010/main" val="0"/>
-              </a:ext>
-              <a:ext uri="{96DAC541-7B7A-43D3-8B79-37D633B846F1}">
-                <asvg:svgBlip xmlns:asvg="http://schemas.microsoft.com/office/drawing/2016/SVG/main" r:embed="rId3"/>
-              </a:ext>
-            </a:extLst>
-          </a:blip>
-          <a:srcRect l="2214"/>
-          <a:stretch/>
+        <p:blipFill>
+          <a:blip r:embed="rId2"/>
+          <a:stretch>
+            <a:fillRect/>
+          </a:stretch>
         </p:blipFill>
         <p:spPr>
           <a:xfrm>
-            <a:off x="1384753" y="365125"/>
-            <a:ext cx="9422493" cy="6562842"/>
-          </a:xfrm>
+            <a:off x="2971529" y="323581"/>
+            <a:ext cx="6248942" cy="6210838"/>
+          </a:xfrm>
+          <a:prstGeom prst="rect">
+            <a:avLst/>
+          </a:prstGeom>
         </p:spPr>
       </p:pic>
     </p:spTree>
     <p:extLst>
       <p:ext uri="{BB962C8B-B14F-4D97-AF65-F5344CB8AC3E}">
-        <p14:creationId xmlns:p14="http://schemas.microsoft.com/office/powerpoint/2010/main" val="1279087460"/>
+        <p14:creationId xmlns:p14="http://schemas.microsoft.com/office/powerpoint/2010/main" val="3656950882"/>
       </p:ext>
     </p:extLst>
   </p:cSld>
@@ -7095,22 +8997,27 @@
           <a:lstStyle/>
           <a:p>
             <a:r>
-              <a:rPr lang="de-DE" dirty="0">
-                <a:solidFill>
-                  <a:srgbClr val="C6C6C6"/>
-                </a:solidFill>
-              </a:rPr>
-              <a:t>Transpiler</a:t>
-            </a:r>
+              <a:rPr lang="de-DE" dirty="0" err="1">
+                <a:solidFill>
+                  <a:srgbClr val="C6C6C6"/>
+                </a:solidFill>
+              </a:rPr>
+              <a:t>Tokenizer</a:t>
+            </a:r>
+            <a:endParaRPr lang="de-DE" dirty="0">
+              <a:solidFill>
+                <a:srgbClr val="C6C6C6"/>
+              </a:solidFill>
+            </a:endParaRPr>
           </a:p>
         </p:txBody>
       </p:sp>
       <p:pic>
         <p:nvPicPr>
-          <p:cNvPr id="10" name="Inhaltsplatzhalter 9">
-            <a:extLst>
-              <a:ext uri="{FF2B5EF4-FFF2-40B4-BE49-F238E27FC236}">
-                <a16:creationId xmlns:a16="http://schemas.microsoft.com/office/drawing/2014/main" id="{30430AFC-61EA-B229-C82E-2802BB16B27E}"/>
+          <p:cNvPr id="11" name="Inhaltsplatzhalter 10">
+            <a:extLst>
+              <a:ext uri="{FF2B5EF4-FFF2-40B4-BE49-F238E27FC236}">
+                <a16:creationId xmlns:a16="http://schemas.microsoft.com/office/drawing/2014/main" id="{A86BAE69-513E-2B1B-F39B-623499C5DAA6}"/>
               </a:ext>
             </a:extLst>
           </p:cNvPr>
@@ -7121,7 +9028,7 @@
             <p:ph idx="1"/>
           </p:nvPr>
         </p:nvPicPr>
-        <p:blipFill>
+        <p:blipFill rotWithShape="1">
           <a:blip r:embed="rId2">
             <a:extLst>
               <a:ext uri="{28A0092B-C50C-407E-A947-70E740481C1C}">
@@ -7132,21 +9039,20 @@
               </a:ext>
             </a:extLst>
           </a:blip>
-          <a:stretch>
-            <a:fillRect/>
-          </a:stretch>
+          <a:srcRect l="2214"/>
+          <a:stretch/>
         </p:blipFill>
         <p:spPr>
           <a:xfrm>
-            <a:off x="1417084" y="0"/>
-            <a:ext cx="9357832" cy="6977063"/>
+            <a:off x="1384753" y="365125"/>
+            <a:ext cx="9422493" cy="6562842"/>
           </a:xfrm>
         </p:spPr>
       </p:pic>
     </p:spTree>
     <p:extLst>
       <p:ext uri="{BB962C8B-B14F-4D97-AF65-F5344CB8AC3E}">
-        <p14:creationId xmlns:p14="http://schemas.microsoft.com/office/powerpoint/2010/main" val="2382948717"/>
+        <p14:creationId xmlns:p14="http://schemas.microsoft.com/office/powerpoint/2010/main" val="1279087460"/>
       </p:ext>
     </p:extLst>
   </p:cSld>
@@ -7181,488 +9087,85 @@
           <a:chExt cx="0" cy="0"/>
         </a:xfrm>
       </p:grpSpPr>
+      <p:sp>
+        <p:nvSpPr>
+          <p:cNvPr id="2" name="Titel 1">
+            <a:extLst>
+              <a:ext uri="{FF2B5EF4-FFF2-40B4-BE49-F238E27FC236}">
+                <a16:creationId xmlns:a16="http://schemas.microsoft.com/office/drawing/2014/main" id="{58E05B99-798C-C0FF-4C3F-5386AF78CBD5}"/>
+              </a:ext>
+            </a:extLst>
+          </p:cNvPr>
+          <p:cNvSpPr>
+            <a:spLocks noGrp="1"/>
+          </p:cNvSpPr>
+          <p:nvPr>
+            <p:ph type="title"/>
+          </p:nvPr>
+        </p:nvSpPr>
+        <p:spPr>
+          <a:xfrm>
+            <a:off x="0" y="0"/>
+            <a:ext cx="10515600" cy="1325563"/>
+          </a:xfrm>
+        </p:spPr>
+        <p:txBody>
+          <a:bodyPr/>
+          <a:lstStyle/>
+          <a:p>
+            <a:r>
+              <a:rPr lang="de-DE" dirty="0">
+                <a:solidFill>
+                  <a:srgbClr val="C6C6C6"/>
+                </a:solidFill>
+              </a:rPr>
+              <a:t>Transpiler</a:t>
+            </a:r>
+          </a:p>
+        </p:txBody>
+      </p:sp>
       <p:pic>
         <p:nvPicPr>
-          <p:cNvPr id="4" name="Grafik 3">
-            <a:extLst>
-              <a:ext uri="{FF2B5EF4-FFF2-40B4-BE49-F238E27FC236}">
-                <a16:creationId xmlns:a16="http://schemas.microsoft.com/office/drawing/2014/main" id="{FC9A8E48-5995-EB61-EA6D-CCECC28D1A43}"/>
+          <p:cNvPr id="10" name="Inhaltsplatzhalter 9">
+            <a:extLst>
+              <a:ext uri="{FF2B5EF4-FFF2-40B4-BE49-F238E27FC236}">
+                <a16:creationId xmlns:a16="http://schemas.microsoft.com/office/drawing/2014/main" id="{30430AFC-61EA-B229-C82E-2802BB16B27E}"/>
               </a:ext>
             </a:extLst>
           </p:cNvPr>
           <p:cNvPicPr>
-            <a:picLocks noChangeAspect="1"/>
+            <a:picLocks noGrp="1" noChangeAspect="1"/>
           </p:cNvPicPr>
-          <p:nvPr/>
+          <p:nvPr>
+            <p:ph idx="1"/>
+          </p:nvPr>
         </p:nvPicPr>
-        <p:blipFill rotWithShape="1">
-          <a:blip r:embed="rId2"/>
-          <a:srcRect t="19886" r="22224"/>
-          <a:stretch/>
+        <p:blipFill>
+          <a:blip r:embed="rId2">
+            <a:extLst>
+              <a:ext uri="{28A0092B-C50C-407E-A947-70E740481C1C}">
+                <a14:useLocalDpi xmlns:a14="http://schemas.microsoft.com/office/drawing/2010/main" val="0"/>
+              </a:ext>
+              <a:ext uri="{96DAC541-7B7A-43D3-8B79-37D633B846F1}">
+                <asvg:svgBlip xmlns:asvg="http://schemas.microsoft.com/office/drawing/2016/SVG/main" r:embed="rId3"/>
+              </a:ext>
+            </a:extLst>
+          </a:blip>
+          <a:stretch>
+            <a:fillRect/>
+          </a:stretch>
         </p:blipFill>
         <p:spPr>
           <a:xfrm>
-            <a:off x="124403" y="317828"/>
-            <a:ext cx="11943194" cy="1164337"/>
-          </a:xfrm>
-          <a:prstGeom prst="rect">
-            <a:avLst/>
-          </a:prstGeom>
+            <a:off x="1417084" y="0"/>
+            <a:ext cx="9357832" cy="6977063"/>
+          </a:xfrm>
         </p:spPr>
       </p:pic>
-      <p:sp>
-        <p:nvSpPr>
-          <p:cNvPr id="5" name="Rechteck: abgerundete Ecken 4">
-            <a:extLst>
-              <a:ext uri="{FF2B5EF4-FFF2-40B4-BE49-F238E27FC236}">
-                <a16:creationId xmlns:a16="http://schemas.microsoft.com/office/drawing/2014/main" id="{46052D0D-8016-046D-A06E-5373C450AED8}"/>
-              </a:ext>
-            </a:extLst>
-          </p:cNvPr>
-          <p:cNvSpPr/>
-          <p:nvPr/>
-        </p:nvSpPr>
-        <p:spPr>
-          <a:xfrm>
-            <a:off x="132286" y="1706386"/>
-            <a:ext cx="1310260" cy="945931"/>
-          </a:xfrm>
-          <a:prstGeom prst="roundRect">
-            <a:avLst>
-              <a:gd name="adj" fmla="val 15652"/>
-            </a:avLst>
-          </a:prstGeom>
-          <a:noFill/>
-          <a:ln w="38100">
-            <a:solidFill>
-              <a:srgbClr val="C6C6C6"/>
-            </a:solidFill>
-          </a:ln>
-        </p:spPr>
-        <p:style>
-          <a:lnRef idx="2">
-            <a:schemeClr val="accent1">
-              <a:shade val="50000"/>
-            </a:schemeClr>
-          </a:lnRef>
-          <a:fillRef idx="1">
-            <a:schemeClr val="accent1"/>
-          </a:fillRef>
-          <a:effectRef idx="0">
-            <a:schemeClr val="accent1"/>
-          </a:effectRef>
-          <a:fontRef idx="minor">
-            <a:schemeClr val="lt1"/>
-          </a:fontRef>
-        </p:style>
-        <p:txBody>
-          <a:bodyPr lIns="36000" rIns="36000" rtlCol="0" anchor="ctr"/>
-          <a:lstStyle/>
-          <a:p>
-            <a:pPr algn="ctr"/>
-            <a:r>
-              <a:rPr lang="de-DE" sz="2000" dirty="0" err="1">
-                <a:solidFill>
-                  <a:srgbClr val="C6C6C6"/>
-                </a:solidFill>
-              </a:rPr>
-              <a:t>Datatype</a:t>
-            </a:r>
-            <a:r>
-              <a:rPr lang="de-DE" sz="2000" dirty="0">
-                <a:solidFill>
-                  <a:srgbClr val="C6C6C6"/>
-                </a:solidFill>
-              </a:rPr>
-              <a:t>. INT</a:t>
-            </a:r>
-          </a:p>
-        </p:txBody>
-      </p:sp>
-      <p:sp>
-        <p:nvSpPr>
-          <p:cNvPr id="6" name="Rechteck: abgerundete Ecken 5">
-            <a:extLst>
-              <a:ext uri="{FF2B5EF4-FFF2-40B4-BE49-F238E27FC236}">
-                <a16:creationId xmlns:a16="http://schemas.microsoft.com/office/drawing/2014/main" id="{178268DF-44A8-1EF7-70ED-0906835798DB}"/>
-              </a:ext>
-            </a:extLst>
-          </p:cNvPr>
-          <p:cNvSpPr/>
-          <p:nvPr/>
-        </p:nvSpPr>
-        <p:spPr>
-          <a:xfrm>
-            <a:off x="1556845" y="1706383"/>
-            <a:ext cx="1690852" cy="945931"/>
-          </a:xfrm>
-          <a:prstGeom prst="roundRect">
-            <a:avLst>
-              <a:gd name="adj" fmla="val 17500"/>
-            </a:avLst>
-          </a:prstGeom>
-          <a:noFill/>
-          <a:ln w="38100">
-            <a:solidFill>
-              <a:srgbClr val="C6C6C6"/>
-            </a:solidFill>
-          </a:ln>
-        </p:spPr>
-        <p:style>
-          <a:lnRef idx="2">
-            <a:schemeClr val="accent1">
-              <a:shade val="50000"/>
-            </a:schemeClr>
-          </a:lnRef>
-          <a:fillRef idx="1">
-            <a:schemeClr val="accent1"/>
-          </a:fillRef>
-          <a:effectRef idx="0">
-            <a:schemeClr val="accent1"/>
-          </a:effectRef>
-          <a:fontRef idx="minor">
-            <a:schemeClr val="lt1"/>
-          </a:fontRef>
-        </p:style>
-        <p:txBody>
-          <a:bodyPr lIns="36000" rIns="36000" rtlCol="0" anchor="ctr"/>
-          <a:lstStyle/>
-          <a:p>
-            <a:pPr algn="ctr"/>
-            <a:r>
-              <a:rPr lang="de-DE" sz="2000" dirty="0">
-                <a:solidFill>
-                  <a:srgbClr val="C6C6C6"/>
-                </a:solidFill>
-              </a:rPr>
-              <a:t>Word. IDENTIFIER(x)</a:t>
-            </a:r>
-          </a:p>
-        </p:txBody>
-      </p:sp>
-      <p:sp>
-        <p:nvSpPr>
-          <p:cNvPr id="7" name="Rechteck: abgerundete Ecken 6">
-            <a:extLst>
-              <a:ext uri="{FF2B5EF4-FFF2-40B4-BE49-F238E27FC236}">
-                <a16:creationId xmlns:a16="http://schemas.microsoft.com/office/drawing/2014/main" id="{ED325871-6DAD-B0CF-DEF5-421A5F92F805}"/>
-              </a:ext>
-            </a:extLst>
-          </p:cNvPr>
-          <p:cNvSpPr/>
-          <p:nvPr/>
-        </p:nvSpPr>
-        <p:spPr>
-          <a:xfrm>
-            <a:off x="3361996" y="1694662"/>
-            <a:ext cx="1403132" cy="945931"/>
-          </a:xfrm>
-          <a:prstGeom prst="roundRect">
-            <a:avLst>
-              <a:gd name="adj" fmla="val 17500"/>
-            </a:avLst>
-          </a:prstGeom>
-          <a:noFill/>
-          <a:ln w="38100">
-            <a:solidFill>
-              <a:srgbClr val="C6C6C6"/>
-            </a:solidFill>
-          </a:ln>
-        </p:spPr>
-        <p:style>
-          <a:lnRef idx="2">
-            <a:schemeClr val="accent1">
-              <a:shade val="50000"/>
-            </a:schemeClr>
-          </a:lnRef>
-          <a:fillRef idx="1">
-            <a:schemeClr val="accent1"/>
-          </a:fillRef>
-          <a:effectRef idx="0">
-            <a:schemeClr val="accent1"/>
-          </a:effectRef>
-          <a:fontRef idx="minor">
-            <a:schemeClr val="lt1"/>
-          </a:fontRef>
-        </p:style>
-        <p:txBody>
-          <a:bodyPr lIns="36000" rIns="36000" rtlCol="0" anchor="ctr"/>
-          <a:lstStyle/>
-          <a:p>
-            <a:pPr algn="ctr"/>
-            <a:r>
-              <a:rPr lang="de-DE" sz="2000" dirty="0">
-                <a:solidFill>
-                  <a:srgbClr val="C6C6C6"/>
-                </a:solidFill>
-              </a:rPr>
-              <a:t>Separator. ASSIGN</a:t>
-            </a:r>
-          </a:p>
-        </p:txBody>
-      </p:sp>
-      <p:sp>
-        <p:nvSpPr>
-          <p:cNvPr id="8" name="Rechteck: abgerundete Ecken 7">
-            <a:extLst>
-              <a:ext uri="{FF2B5EF4-FFF2-40B4-BE49-F238E27FC236}">
-                <a16:creationId xmlns:a16="http://schemas.microsoft.com/office/drawing/2014/main" id="{D565FAA1-BD31-0FA8-AC48-040C9DBAFA67}"/>
-              </a:ext>
-            </a:extLst>
-          </p:cNvPr>
-          <p:cNvSpPr/>
-          <p:nvPr/>
-        </p:nvSpPr>
-        <p:spPr>
-          <a:xfrm>
-            <a:off x="4879427" y="1706383"/>
-            <a:ext cx="4102976" cy="945931"/>
-          </a:xfrm>
-          <a:prstGeom prst="roundRect">
-            <a:avLst>
-              <a:gd name="adj" fmla="val 17500"/>
-            </a:avLst>
-          </a:prstGeom>
-          <a:noFill/>
-          <a:ln w="38100">
-            <a:solidFill>
-              <a:srgbClr val="C6C6C6"/>
-            </a:solidFill>
-          </a:ln>
-        </p:spPr>
-        <p:style>
-          <a:lnRef idx="2">
-            <a:schemeClr val="accent1">
-              <a:shade val="50000"/>
-            </a:schemeClr>
-          </a:lnRef>
-          <a:fillRef idx="1">
-            <a:schemeClr val="accent1"/>
-          </a:fillRef>
-          <a:effectRef idx="0">
-            <a:schemeClr val="accent1"/>
-          </a:effectRef>
-          <a:fontRef idx="minor">
-            <a:schemeClr val="lt1"/>
-          </a:fontRef>
-        </p:style>
-        <p:txBody>
-          <a:bodyPr lIns="36000" rIns="36000" rtlCol="0" anchor="ctr"/>
-          <a:lstStyle/>
-          <a:p>
-            <a:pPr algn="ctr"/>
-            <a:r>
-              <a:rPr lang="de-DE" sz="2000" dirty="0" err="1">
-                <a:solidFill>
-                  <a:srgbClr val="C6C6C6"/>
-                </a:solidFill>
-              </a:rPr>
-              <a:t>Brackets.ROUND</a:t>
-            </a:r>
-            <a:r>
-              <a:rPr lang="de-DE" sz="2000" dirty="0">
-                <a:solidFill>
-                  <a:srgbClr val="C6C6C6"/>
-                </a:solidFill>
-              </a:rPr>
-              <a:t>(</a:t>
-            </a:r>
-            <a:r>
-              <a:rPr lang="de-DE" sz="2000" dirty="0" err="1">
-                <a:solidFill>
-                  <a:srgbClr val="C6C6C6"/>
-                </a:solidFill>
-              </a:rPr>
-              <a:t>Word.VALUE</a:t>
-            </a:r>
-            <a:r>
-              <a:rPr lang="de-DE" sz="2000" dirty="0">
-                <a:solidFill>
-                  <a:srgbClr val="C6C6C6"/>
-                </a:solidFill>
-              </a:rPr>
-              <a:t>(2), </a:t>
-            </a:r>
-            <a:r>
-              <a:rPr lang="de-DE" sz="2000" dirty="0" err="1">
-                <a:solidFill>
-                  <a:srgbClr val="C6C6C6"/>
-                </a:solidFill>
-              </a:rPr>
-              <a:t>MathOperator.PLUS</a:t>
-            </a:r>
-            <a:r>
-              <a:rPr lang="de-DE" sz="2000" dirty="0">
-                <a:solidFill>
-                  <a:srgbClr val="C6C6C6"/>
-                </a:solidFill>
-              </a:rPr>
-              <a:t>, </a:t>
-            </a:r>
-            <a:r>
-              <a:rPr lang="de-DE" sz="2000" dirty="0" err="1">
-                <a:solidFill>
-                  <a:srgbClr val="C6C6C6"/>
-                </a:solidFill>
-              </a:rPr>
-              <a:t>Word.VALUE</a:t>
-            </a:r>
-            <a:r>
-              <a:rPr lang="de-DE" sz="2000" dirty="0">
-                <a:solidFill>
-                  <a:srgbClr val="C6C6C6"/>
-                </a:solidFill>
-              </a:rPr>
-              <a:t>(2))</a:t>
-            </a:r>
-          </a:p>
-        </p:txBody>
-      </p:sp>
-      <p:sp>
-        <p:nvSpPr>
-          <p:cNvPr id="9" name="Rechteck: abgerundete Ecken 8">
-            <a:extLst>
-              <a:ext uri="{FF2B5EF4-FFF2-40B4-BE49-F238E27FC236}">
-                <a16:creationId xmlns:a16="http://schemas.microsoft.com/office/drawing/2014/main" id="{FDFD6979-D1AA-E4F1-6668-F13F2C800F34}"/>
-              </a:ext>
-            </a:extLst>
-          </p:cNvPr>
-          <p:cNvSpPr/>
-          <p:nvPr/>
-        </p:nvSpPr>
-        <p:spPr>
-          <a:xfrm>
-            <a:off x="9100643" y="1706383"/>
-            <a:ext cx="1694795" cy="945931"/>
-          </a:xfrm>
-          <a:prstGeom prst="roundRect">
-            <a:avLst>
-              <a:gd name="adj" fmla="val 18333"/>
-            </a:avLst>
-          </a:prstGeom>
-          <a:noFill/>
-          <a:ln w="38100">
-            <a:solidFill>
-              <a:srgbClr val="C6C6C6"/>
-            </a:solidFill>
-          </a:ln>
-        </p:spPr>
-        <p:style>
-          <a:lnRef idx="2">
-            <a:schemeClr val="accent1">
-              <a:shade val="50000"/>
-            </a:schemeClr>
-          </a:lnRef>
-          <a:fillRef idx="1">
-            <a:schemeClr val="accent1"/>
-          </a:fillRef>
-          <a:effectRef idx="0">
-            <a:schemeClr val="accent1"/>
-          </a:effectRef>
-          <a:fontRef idx="minor">
-            <a:schemeClr val="lt1"/>
-          </a:fontRef>
-        </p:style>
-        <p:txBody>
-          <a:bodyPr lIns="0" rIns="36000" rtlCol="0" anchor="ctr"/>
-          <a:lstStyle/>
-          <a:p>
-            <a:pPr algn="ctr"/>
-            <a:r>
-              <a:rPr lang="de-DE" sz="2000" dirty="0" err="1">
-                <a:solidFill>
-                  <a:srgbClr val="C6C6C6"/>
-                </a:solidFill>
-              </a:rPr>
-              <a:t>MathOperator</a:t>
-            </a:r>
-            <a:r>
-              <a:rPr lang="de-DE" sz="2000" dirty="0">
-                <a:solidFill>
-                  <a:srgbClr val="C6C6C6"/>
-                </a:solidFill>
-              </a:rPr>
-              <a:t>.</a:t>
-            </a:r>
-          </a:p>
-          <a:p>
-            <a:pPr algn="ctr"/>
-            <a:r>
-              <a:rPr lang="de-DE" sz="2000" dirty="0">
-                <a:solidFill>
-                  <a:srgbClr val="C6C6C6"/>
-                </a:solidFill>
-              </a:rPr>
-              <a:t>MULTIPLY</a:t>
-            </a:r>
-          </a:p>
-        </p:txBody>
-      </p:sp>
-      <p:sp>
-        <p:nvSpPr>
-          <p:cNvPr id="10" name="Rechteck: abgerundete Ecken 9">
-            <a:extLst>
-              <a:ext uri="{FF2B5EF4-FFF2-40B4-BE49-F238E27FC236}">
-                <a16:creationId xmlns:a16="http://schemas.microsoft.com/office/drawing/2014/main" id="{5593702D-224E-A3E3-C9DF-73D6F699B7BF}"/>
-              </a:ext>
-            </a:extLst>
-          </p:cNvPr>
-          <p:cNvSpPr/>
-          <p:nvPr/>
-        </p:nvSpPr>
-        <p:spPr>
-          <a:xfrm>
-            <a:off x="10921561" y="1706383"/>
-            <a:ext cx="1146036" cy="945931"/>
-          </a:xfrm>
-          <a:prstGeom prst="roundRect">
-            <a:avLst>
-              <a:gd name="adj" fmla="val 17500"/>
-            </a:avLst>
-          </a:prstGeom>
-          <a:noFill/>
-          <a:ln w="38100">
-            <a:solidFill>
-              <a:srgbClr val="C6C6C6"/>
-            </a:solidFill>
-          </a:ln>
-        </p:spPr>
-        <p:style>
-          <a:lnRef idx="2">
-            <a:schemeClr val="accent1">
-              <a:shade val="50000"/>
-            </a:schemeClr>
-          </a:lnRef>
-          <a:fillRef idx="1">
-            <a:schemeClr val="accent1"/>
-          </a:fillRef>
-          <a:effectRef idx="0">
-            <a:schemeClr val="accent1"/>
-          </a:effectRef>
-          <a:fontRef idx="minor">
-            <a:schemeClr val="lt1"/>
-          </a:fontRef>
-        </p:style>
-        <p:txBody>
-          <a:bodyPr lIns="0" rIns="0" rtlCol="0" anchor="ctr"/>
-          <a:lstStyle/>
-          <a:p>
-            <a:pPr algn="ctr"/>
-            <a:r>
-              <a:rPr lang="de-DE" sz="2000" dirty="0">
-                <a:solidFill>
-                  <a:srgbClr val="C6C6C6"/>
-                </a:solidFill>
-              </a:rPr>
-              <a:t>Word. VALUE(4)</a:t>
-            </a:r>
-          </a:p>
-        </p:txBody>
-      </p:sp>
     </p:spTree>
     <p:extLst>
       <p:ext uri="{BB962C8B-B14F-4D97-AF65-F5344CB8AC3E}">
-        <p14:creationId xmlns:p14="http://schemas.microsoft.com/office/powerpoint/2010/main" val="2260661457"/>
+        <p14:creationId xmlns:p14="http://schemas.microsoft.com/office/powerpoint/2010/main" val="2382948717"/>
       </p:ext>
     </p:extLst>
   </p:cSld>
@@ -7697,12 +9200,41 @@
           <a:chExt cx="0" cy="0"/>
         </a:xfrm>
       </p:grpSpPr>
-      <p:sp>
-        <p:nvSpPr>
-          <p:cNvPr id="4" name="Rechteck: abgerundete Ecken 3">
-            <a:extLst>
-              <a:ext uri="{FF2B5EF4-FFF2-40B4-BE49-F238E27FC236}">
-                <a16:creationId xmlns:a16="http://schemas.microsoft.com/office/drawing/2014/main" id="{A78B71E2-0ACC-D372-09CC-F48A502EBC0F}"/>
+      <p:pic>
+        <p:nvPicPr>
+          <p:cNvPr id="4" name="Grafik 3">
+            <a:extLst>
+              <a:ext uri="{FF2B5EF4-FFF2-40B4-BE49-F238E27FC236}">
+                <a16:creationId xmlns:a16="http://schemas.microsoft.com/office/drawing/2014/main" id="{FC9A8E48-5995-EB61-EA6D-CCECC28D1A43}"/>
+              </a:ext>
+            </a:extLst>
+          </p:cNvPr>
+          <p:cNvPicPr>
+            <a:picLocks noChangeAspect="1"/>
+          </p:cNvPicPr>
+          <p:nvPr/>
+        </p:nvPicPr>
+        <p:blipFill rotWithShape="1">
+          <a:blip r:embed="rId2"/>
+          <a:srcRect t="19886" r="22224"/>
+          <a:stretch/>
+        </p:blipFill>
+        <p:spPr>
+          <a:xfrm>
+            <a:off x="124403" y="317828"/>
+            <a:ext cx="11943194" cy="1164337"/>
+          </a:xfrm>
+          <a:prstGeom prst="rect">
+            <a:avLst/>
+          </a:prstGeom>
+        </p:spPr>
+      </p:pic>
+      <p:sp>
+        <p:nvSpPr>
+          <p:cNvPr id="5" name="Rechteck: abgerundete Ecken 4">
+            <a:extLst>
+              <a:ext uri="{FF2B5EF4-FFF2-40B4-BE49-F238E27FC236}">
+                <a16:creationId xmlns:a16="http://schemas.microsoft.com/office/drawing/2014/main" id="{46052D0D-8016-046D-A06E-5373C450AED8}"/>
               </a:ext>
             </a:extLst>
           </p:cNvPr>
@@ -7711,569 +9243,12 @@
         </p:nvSpPr>
         <p:spPr>
           <a:xfrm>
-            <a:off x="1618827" y="1801705"/>
-            <a:ext cx="3205421" cy="633114"/>
-          </a:xfrm>
-          <a:prstGeom prst="roundRect">
-            <a:avLst/>
-          </a:prstGeom>
-          <a:noFill/>
-          <a:ln w="38100">
-            <a:solidFill>
-              <a:srgbClr val="C6C6C6"/>
-            </a:solidFill>
-          </a:ln>
-        </p:spPr>
-        <p:style>
-          <a:lnRef idx="2">
-            <a:schemeClr val="accent1">
-              <a:shade val="50000"/>
-            </a:schemeClr>
-          </a:lnRef>
-          <a:fillRef idx="1">
-            <a:schemeClr val="accent1"/>
-          </a:fillRef>
-          <a:effectRef idx="0">
-            <a:schemeClr val="accent1"/>
-          </a:effectRef>
-          <a:fontRef idx="minor">
-            <a:schemeClr val="lt1"/>
-          </a:fontRef>
-        </p:style>
-        <p:txBody>
-          <a:bodyPr rtlCol="0" anchor="ctr"/>
-          <a:lstStyle/>
-          <a:p>
-            <a:pPr algn="ctr"/>
-            <a:r>
-              <a:rPr lang="de-DE" dirty="0" err="1">
-                <a:solidFill>
-                  <a:srgbClr val="C6C6C6"/>
-                </a:solidFill>
-              </a:rPr>
-              <a:t>StartCharacter</a:t>
-            </a:r>
-            <a:endParaRPr lang="de-DE" dirty="0">
-              <a:solidFill>
-                <a:srgbClr val="C6C6C6"/>
-              </a:solidFill>
-            </a:endParaRPr>
-          </a:p>
-        </p:txBody>
-      </p:sp>
-      <p:sp>
-        <p:nvSpPr>
-          <p:cNvPr id="5" name="Rechteck: abgerundete Ecken 4">
-            <a:extLst>
-              <a:ext uri="{FF2B5EF4-FFF2-40B4-BE49-F238E27FC236}">
-                <a16:creationId xmlns:a16="http://schemas.microsoft.com/office/drawing/2014/main" id="{6261D5BD-C9A7-405E-15E6-42C3AFA6857C}"/>
-              </a:ext>
-            </a:extLst>
-          </p:cNvPr>
-          <p:cNvSpPr/>
-          <p:nvPr/>
-        </p:nvSpPr>
-        <p:spPr>
-          <a:xfrm>
-            <a:off x="489636" y="1801706"/>
-            <a:ext cx="878577" cy="633113"/>
-          </a:xfrm>
-          <a:prstGeom prst="roundRect">
-            <a:avLst/>
-          </a:prstGeom>
-          <a:noFill/>
-          <a:ln w="38100">
-            <a:solidFill>
-              <a:srgbClr val="C6C6C6"/>
-            </a:solidFill>
-          </a:ln>
-        </p:spPr>
-        <p:style>
-          <a:lnRef idx="2">
-            <a:schemeClr val="accent1">
-              <a:shade val="50000"/>
-            </a:schemeClr>
-          </a:lnRef>
-          <a:fillRef idx="1">
-            <a:schemeClr val="accent1"/>
-          </a:fillRef>
-          <a:effectRef idx="0">
-            <a:schemeClr val="accent1"/>
-          </a:effectRef>
-          <a:fontRef idx="minor">
-            <a:schemeClr val="lt1"/>
-          </a:fontRef>
-        </p:style>
-        <p:txBody>
-          <a:bodyPr rtlCol="0" anchor="ctr"/>
-          <a:lstStyle/>
-          <a:p>
-            <a:pPr algn="ctr"/>
-            <a:r>
-              <a:rPr lang="de-DE" sz="3200" dirty="0">
-                <a:solidFill>
-                  <a:srgbClr val="C6C6C6"/>
-                </a:solidFill>
-              </a:rPr>
-              <a:t>1</a:t>
-            </a:r>
-          </a:p>
-        </p:txBody>
-      </p:sp>
-      <p:sp>
-        <p:nvSpPr>
-          <p:cNvPr id="6" name="Rechteck: abgerundete Ecken 5">
-            <a:extLst>
-              <a:ext uri="{FF2B5EF4-FFF2-40B4-BE49-F238E27FC236}">
-                <a16:creationId xmlns:a16="http://schemas.microsoft.com/office/drawing/2014/main" id="{9D3A0BBD-69F6-68E4-F6C0-68B64B5C8878}"/>
-              </a:ext>
-            </a:extLst>
-          </p:cNvPr>
-          <p:cNvSpPr/>
-          <p:nvPr/>
-        </p:nvSpPr>
-        <p:spPr>
-          <a:xfrm>
-            <a:off x="1618827" y="2545836"/>
-            <a:ext cx="3205421" cy="633114"/>
-          </a:xfrm>
-          <a:prstGeom prst="roundRect">
-            <a:avLst/>
-          </a:prstGeom>
-          <a:noFill/>
-          <a:ln w="38100">
-            <a:solidFill>
-              <a:srgbClr val="C6C6C6"/>
-            </a:solidFill>
-          </a:ln>
-        </p:spPr>
-        <p:style>
-          <a:lnRef idx="2">
-            <a:schemeClr val="accent1">
-              <a:shade val="50000"/>
-            </a:schemeClr>
-          </a:lnRef>
-          <a:fillRef idx="1">
-            <a:schemeClr val="accent1"/>
-          </a:fillRef>
-          <a:effectRef idx="0">
-            <a:schemeClr val="accent1"/>
-          </a:effectRef>
-          <a:fontRef idx="minor">
-            <a:schemeClr val="lt1"/>
-          </a:fontRef>
-        </p:style>
-        <p:txBody>
-          <a:bodyPr rtlCol="0" anchor="ctr"/>
-          <a:lstStyle/>
-          <a:p>
-            <a:pPr algn="ctr"/>
-            <a:r>
-              <a:rPr lang="de-DE" dirty="0">
-                <a:solidFill>
-                  <a:srgbClr val="C6C6C6"/>
-                </a:solidFill>
-              </a:rPr>
-              <a:t>Request ID</a:t>
-            </a:r>
-          </a:p>
-        </p:txBody>
-      </p:sp>
-      <p:sp>
-        <p:nvSpPr>
-          <p:cNvPr id="7" name="Rechteck: abgerundete Ecken 6">
-            <a:extLst>
-              <a:ext uri="{FF2B5EF4-FFF2-40B4-BE49-F238E27FC236}">
-                <a16:creationId xmlns:a16="http://schemas.microsoft.com/office/drawing/2014/main" id="{323A2A98-2CBD-F760-F0AF-1C386931691A}"/>
-              </a:ext>
-            </a:extLst>
-          </p:cNvPr>
-          <p:cNvSpPr/>
-          <p:nvPr/>
-        </p:nvSpPr>
-        <p:spPr>
-          <a:xfrm>
-            <a:off x="489636" y="2545837"/>
-            <a:ext cx="878577" cy="633113"/>
-          </a:xfrm>
-          <a:prstGeom prst="roundRect">
-            <a:avLst/>
-          </a:prstGeom>
-          <a:noFill/>
-          <a:ln w="38100">
-            <a:solidFill>
-              <a:srgbClr val="C6C6C6"/>
-            </a:solidFill>
-          </a:ln>
-        </p:spPr>
-        <p:style>
-          <a:lnRef idx="2">
-            <a:schemeClr val="accent1">
-              <a:shade val="50000"/>
-            </a:schemeClr>
-          </a:lnRef>
-          <a:fillRef idx="1">
-            <a:schemeClr val="accent1"/>
-          </a:fillRef>
-          <a:effectRef idx="0">
-            <a:schemeClr val="accent1"/>
-          </a:effectRef>
-          <a:fontRef idx="minor">
-            <a:schemeClr val="lt1"/>
-          </a:fontRef>
-        </p:style>
-        <p:txBody>
-          <a:bodyPr rtlCol="0" anchor="ctr"/>
-          <a:lstStyle/>
-          <a:p>
-            <a:pPr algn="ctr"/>
-            <a:r>
-              <a:rPr lang="de-DE" sz="3200" dirty="0">
-                <a:solidFill>
-                  <a:srgbClr val="C6C6C6"/>
-                </a:solidFill>
-              </a:rPr>
-              <a:t>1</a:t>
-            </a:r>
-          </a:p>
-        </p:txBody>
-      </p:sp>
-      <p:sp>
-        <p:nvSpPr>
-          <p:cNvPr id="8" name="Rechteck: abgerundete Ecken 7">
-            <a:extLst>
-              <a:ext uri="{FF2B5EF4-FFF2-40B4-BE49-F238E27FC236}">
-                <a16:creationId xmlns:a16="http://schemas.microsoft.com/office/drawing/2014/main" id="{AFFED479-E31A-C40C-C461-87E25167C518}"/>
-              </a:ext>
-            </a:extLst>
-          </p:cNvPr>
-          <p:cNvSpPr/>
-          <p:nvPr/>
-        </p:nvSpPr>
-        <p:spPr>
-          <a:xfrm>
-            <a:off x="1618827" y="3289967"/>
-            <a:ext cx="3205421" cy="633114"/>
-          </a:xfrm>
-          <a:prstGeom prst="roundRect">
-            <a:avLst/>
-          </a:prstGeom>
-          <a:noFill/>
-          <a:ln w="38100">
-            <a:solidFill>
-              <a:srgbClr val="C6C6C6"/>
-            </a:solidFill>
-          </a:ln>
-        </p:spPr>
-        <p:style>
-          <a:lnRef idx="2">
-            <a:schemeClr val="accent1">
-              <a:shade val="50000"/>
-            </a:schemeClr>
-          </a:lnRef>
-          <a:fillRef idx="1">
-            <a:schemeClr val="accent1"/>
-          </a:fillRef>
-          <a:effectRef idx="0">
-            <a:schemeClr val="accent1"/>
-          </a:effectRef>
-          <a:fontRef idx="minor">
-            <a:schemeClr val="lt1"/>
-          </a:fontRef>
-        </p:style>
-        <p:txBody>
-          <a:bodyPr rtlCol="0" anchor="ctr"/>
-          <a:lstStyle/>
-          <a:p>
-            <a:pPr algn="ctr"/>
-            <a:r>
-              <a:rPr lang="de-DE" dirty="0">
-                <a:solidFill>
-                  <a:srgbClr val="C6C6C6"/>
-                </a:solidFill>
-              </a:rPr>
-              <a:t>Value Size (in </a:t>
-            </a:r>
-            <a:r>
-              <a:rPr lang="de-DE" dirty="0" err="1">
-                <a:solidFill>
-                  <a:srgbClr val="C6C6C6"/>
-                </a:solidFill>
-              </a:rPr>
-              <a:t>bytes</a:t>
-            </a:r>
-            <a:r>
-              <a:rPr lang="de-DE" dirty="0">
-                <a:solidFill>
-                  <a:srgbClr val="C6C6C6"/>
-                </a:solidFill>
-              </a:rPr>
-              <a:t>)</a:t>
-            </a:r>
-          </a:p>
-        </p:txBody>
-      </p:sp>
-      <p:sp>
-        <p:nvSpPr>
-          <p:cNvPr id="9" name="Rechteck: abgerundete Ecken 8">
-            <a:extLst>
-              <a:ext uri="{FF2B5EF4-FFF2-40B4-BE49-F238E27FC236}">
-                <a16:creationId xmlns:a16="http://schemas.microsoft.com/office/drawing/2014/main" id="{8687227A-7EF6-E404-4BB6-BF2640FEDD3E}"/>
-              </a:ext>
-            </a:extLst>
-          </p:cNvPr>
-          <p:cNvSpPr/>
-          <p:nvPr/>
-        </p:nvSpPr>
-        <p:spPr>
-          <a:xfrm>
-            <a:off x="489636" y="3289968"/>
-            <a:ext cx="878577" cy="633113"/>
-          </a:xfrm>
-          <a:prstGeom prst="roundRect">
-            <a:avLst/>
-          </a:prstGeom>
-          <a:noFill/>
-          <a:ln w="38100">
-            <a:solidFill>
-              <a:srgbClr val="C6C6C6"/>
-            </a:solidFill>
-          </a:ln>
-        </p:spPr>
-        <p:style>
-          <a:lnRef idx="2">
-            <a:schemeClr val="accent1">
-              <a:shade val="50000"/>
-            </a:schemeClr>
-          </a:lnRef>
-          <a:fillRef idx="1">
-            <a:schemeClr val="accent1"/>
-          </a:fillRef>
-          <a:effectRef idx="0">
-            <a:schemeClr val="accent1"/>
-          </a:effectRef>
-          <a:fontRef idx="minor">
-            <a:schemeClr val="lt1"/>
-          </a:fontRef>
-        </p:style>
-        <p:txBody>
-          <a:bodyPr rtlCol="0" anchor="ctr"/>
-          <a:lstStyle/>
-          <a:p>
-            <a:pPr algn="ctr"/>
-            <a:r>
-              <a:rPr lang="de-DE" sz="3200" dirty="0">
-                <a:solidFill>
-                  <a:srgbClr val="C6C6C6"/>
-                </a:solidFill>
-              </a:rPr>
-              <a:t>1</a:t>
-            </a:r>
-          </a:p>
-        </p:txBody>
-      </p:sp>
-      <p:sp>
-        <p:nvSpPr>
-          <p:cNvPr id="10" name="Rechteck: abgerundete Ecken 9">
-            <a:extLst>
-              <a:ext uri="{FF2B5EF4-FFF2-40B4-BE49-F238E27FC236}">
-                <a16:creationId xmlns:a16="http://schemas.microsoft.com/office/drawing/2014/main" id="{DFF47EDD-8476-8D71-B47C-8CF352F692E0}"/>
-              </a:ext>
-            </a:extLst>
-          </p:cNvPr>
-          <p:cNvSpPr/>
-          <p:nvPr/>
-        </p:nvSpPr>
-        <p:spPr>
-          <a:xfrm>
-            <a:off x="1618826" y="4030435"/>
-            <a:ext cx="3205421" cy="633114"/>
-          </a:xfrm>
-          <a:prstGeom prst="roundRect">
-            <a:avLst/>
-          </a:prstGeom>
-          <a:noFill/>
-          <a:ln w="38100">
-            <a:solidFill>
-              <a:srgbClr val="C6C6C6"/>
-            </a:solidFill>
-          </a:ln>
-        </p:spPr>
-        <p:style>
-          <a:lnRef idx="2">
-            <a:schemeClr val="accent1">
-              <a:shade val="50000"/>
-            </a:schemeClr>
-          </a:lnRef>
-          <a:fillRef idx="1">
-            <a:schemeClr val="accent1"/>
-          </a:fillRef>
-          <a:effectRef idx="0">
-            <a:schemeClr val="accent1"/>
-          </a:effectRef>
-          <a:fontRef idx="minor">
-            <a:schemeClr val="lt1"/>
-          </a:fontRef>
-        </p:style>
-        <p:txBody>
-          <a:bodyPr rtlCol="0" anchor="ctr"/>
-          <a:lstStyle/>
-          <a:p>
-            <a:pPr algn="ctr"/>
-            <a:r>
-              <a:rPr lang="de-DE" dirty="0" err="1">
-                <a:solidFill>
-                  <a:srgbClr val="C6C6C6"/>
-                </a:solidFill>
-              </a:rPr>
-              <a:t>InstructionS</a:t>
-            </a:r>
-            <a:endParaRPr lang="de-DE" dirty="0">
-              <a:solidFill>
-                <a:srgbClr val="C6C6C6"/>
-              </a:solidFill>
-            </a:endParaRPr>
-          </a:p>
-        </p:txBody>
-      </p:sp>
-      <p:sp>
-        <p:nvSpPr>
-          <p:cNvPr id="11" name="Rechteck: abgerundete Ecken 10">
-            <a:extLst>
-              <a:ext uri="{FF2B5EF4-FFF2-40B4-BE49-F238E27FC236}">
-                <a16:creationId xmlns:a16="http://schemas.microsoft.com/office/drawing/2014/main" id="{C16C6221-A5A4-9A9E-DD84-DAAB96791346}"/>
-              </a:ext>
-            </a:extLst>
-          </p:cNvPr>
-          <p:cNvSpPr/>
-          <p:nvPr/>
-        </p:nvSpPr>
-        <p:spPr>
-          <a:xfrm>
-            <a:off x="489636" y="4028451"/>
-            <a:ext cx="878577" cy="633113"/>
-          </a:xfrm>
-          <a:prstGeom prst="roundRect">
-            <a:avLst/>
-          </a:prstGeom>
-          <a:noFill/>
-          <a:ln w="38100">
-            <a:solidFill>
-              <a:srgbClr val="C6C6C6"/>
-            </a:solidFill>
-          </a:ln>
-        </p:spPr>
-        <p:style>
-          <a:lnRef idx="2">
-            <a:schemeClr val="accent1">
-              <a:shade val="50000"/>
-            </a:schemeClr>
-          </a:lnRef>
-          <a:fillRef idx="1">
-            <a:schemeClr val="accent1"/>
-          </a:fillRef>
-          <a:effectRef idx="0">
-            <a:schemeClr val="accent1"/>
-          </a:effectRef>
-          <a:fontRef idx="minor">
-            <a:schemeClr val="lt1"/>
-          </a:fontRef>
-        </p:style>
-        <p:txBody>
-          <a:bodyPr rtlCol="0" anchor="ctr"/>
-          <a:lstStyle/>
-          <a:p>
-            <a:pPr algn="ctr"/>
-            <a:r>
-              <a:rPr lang="de-DE" sz="3200" dirty="0">
-                <a:solidFill>
-                  <a:srgbClr val="C6C6C6"/>
-                </a:solidFill>
-              </a:rPr>
-              <a:t>1</a:t>
-            </a:r>
-          </a:p>
-        </p:txBody>
-      </p:sp>
-      <p:sp>
-        <p:nvSpPr>
-          <p:cNvPr id="12" name="Rechteck: abgerundete Ecken 11">
-            <a:extLst>
-              <a:ext uri="{FF2B5EF4-FFF2-40B4-BE49-F238E27FC236}">
-                <a16:creationId xmlns:a16="http://schemas.microsoft.com/office/drawing/2014/main" id="{E2FA0AE1-6AAE-33B8-9F96-D2C57D7FBCCE}"/>
-              </a:ext>
-            </a:extLst>
-          </p:cNvPr>
-          <p:cNvSpPr/>
-          <p:nvPr/>
-        </p:nvSpPr>
-        <p:spPr>
-          <a:xfrm>
-            <a:off x="1618824" y="4770903"/>
-            <a:ext cx="3205421" cy="633114"/>
-          </a:xfrm>
-          <a:prstGeom prst="roundRect">
-            <a:avLst/>
-          </a:prstGeom>
-          <a:noFill/>
-          <a:ln w="38100">
-            <a:solidFill>
-              <a:srgbClr val="C6C6C6"/>
-            </a:solidFill>
-          </a:ln>
-        </p:spPr>
-        <p:style>
-          <a:lnRef idx="2">
-            <a:schemeClr val="accent1">
-              <a:shade val="50000"/>
-            </a:schemeClr>
-          </a:lnRef>
-          <a:fillRef idx="1">
-            <a:schemeClr val="accent1"/>
-          </a:fillRef>
-          <a:effectRef idx="0">
-            <a:schemeClr val="accent1"/>
-          </a:effectRef>
-          <a:fontRef idx="minor">
-            <a:schemeClr val="lt1"/>
-          </a:fontRef>
-        </p:style>
-        <p:txBody>
-          <a:bodyPr rtlCol="0" anchor="ctr"/>
-          <a:lstStyle/>
-          <a:p>
-            <a:pPr algn="ctr"/>
-            <a:r>
-              <a:rPr lang="de-DE" dirty="0">
-                <a:solidFill>
-                  <a:srgbClr val="C6C6C6"/>
-                </a:solidFill>
-              </a:rPr>
-              <a:t>Value</a:t>
-            </a:r>
-          </a:p>
-        </p:txBody>
-      </p:sp>
-      <p:sp>
-        <p:nvSpPr>
-          <p:cNvPr id="13" name="Rechteck: abgerundete Ecken 12">
-            <a:extLst>
-              <a:ext uri="{FF2B5EF4-FFF2-40B4-BE49-F238E27FC236}">
-                <a16:creationId xmlns:a16="http://schemas.microsoft.com/office/drawing/2014/main" id="{337C0DAB-D27F-F86C-2F7B-B0ABE610F25A}"/>
-              </a:ext>
-            </a:extLst>
-          </p:cNvPr>
-          <p:cNvSpPr/>
-          <p:nvPr/>
-        </p:nvSpPr>
-        <p:spPr>
-          <a:xfrm>
-            <a:off x="489635" y="4770904"/>
-            <a:ext cx="878578" cy="633113"/>
+            <a:off x="132286" y="1706386"/>
+            <a:ext cx="1310260" cy="945931"/>
           </a:xfrm>
           <a:prstGeom prst="roundRect">
             <a:avLst>
-              <a:gd name="adj" fmla="val 17737"/>
+              <a:gd name="adj" fmla="val 15652"/>
             </a:avLst>
           </a:prstGeom>
           <a:noFill/>
@@ -8300,27 +9275,35 @@
           </a:fontRef>
         </p:style>
         <p:txBody>
-          <a:bodyPr rtlCol="0" anchor="ctr"/>
+          <a:bodyPr lIns="36000" rIns="36000" rtlCol="0" anchor="ctr"/>
           <a:lstStyle/>
           <a:p>
             <a:pPr algn="ctr"/>
             <a:r>
-              <a:rPr lang="de-DE" sz="2200" dirty="0">
-                <a:solidFill>
-                  <a:srgbClr val="C6C6C6"/>
-                </a:solidFill>
-              </a:rPr>
-              <a:t>Value Size</a:t>
-            </a:r>
-          </a:p>
-        </p:txBody>
-      </p:sp>
-      <p:sp>
-        <p:nvSpPr>
-          <p:cNvPr id="14" name="Rechteck: abgerundete Ecken 13">
-            <a:extLst>
-              <a:ext uri="{FF2B5EF4-FFF2-40B4-BE49-F238E27FC236}">
-                <a16:creationId xmlns:a16="http://schemas.microsoft.com/office/drawing/2014/main" id="{B708E0CD-20C1-0CF0-C545-6F84643679B8}"/>
+              <a:rPr lang="de-DE" sz="2000" dirty="0" err="1">
+                <a:solidFill>
+                  <a:srgbClr val="C6C6C6"/>
+                </a:solidFill>
+              </a:rPr>
+              <a:t>Datatype</a:t>
+            </a:r>
+            <a:r>
+              <a:rPr lang="de-DE" sz="2000" dirty="0">
+                <a:solidFill>
+                  <a:srgbClr val="C6C6C6"/>
+                </a:solidFill>
+              </a:rPr>
+              <a:t>. INT</a:t>
+            </a:r>
+          </a:p>
+        </p:txBody>
+      </p:sp>
+      <p:sp>
+        <p:nvSpPr>
+          <p:cNvPr id="6" name="Rechteck: abgerundete Ecken 5">
+            <a:extLst>
+              <a:ext uri="{FF2B5EF4-FFF2-40B4-BE49-F238E27FC236}">
+                <a16:creationId xmlns:a16="http://schemas.microsoft.com/office/drawing/2014/main" id="{178268DF-44A8-1EF7-70ED-0906835798DB}"/>
               </a:ext>
             </a:extLst>
           </p:cNvPr>
@@ -8329,11 +9312,13 @@
         </p:nvSpPr>
         <p:spPr>
           <a:xfrm>
-            <a:off x="1618823" y="5518697"/>
-            <a:ext cx="3205422" cy="633114"/>
+            <a:off x="1556845" y="1706383"/>
+            <a:ext cx="1690852" cy="945931"/>
           </a:xfrm>
           <a:prstGeom prst="roundRect">
-            <a:avLst/>
+            <a:avLst>
+              <a:gd name="adj" fmla="val 17500"/>
+            </a:avLst>
           </a:prstGeom>
           <a:noFill/>
           <a:ln w="38100">
@@ -8359,32 +9344,27 @@
           </a:fontRef>
         </p:style>
         <p:txBody>
-          <a:bodyPr rtlCol="0" anchor="ctr"/>
+          <a:bodyPr lIns="36000" rIns="36000" rtlCol="0" anchor="ctr"/>
           <a:lstStyle/>
           <a:p>
             <a:pPr algn="ctr"/>
             <a:r>
-              <a:rPr lang="de-DE" dirty="0" err="1">
-                <a:solidFill>
-                  <a:srgbClr val="C6C6C6"/>
-                </a:solidFill>
-              </a:rPr>
-              <a:t>EndCharacter</a:t>
-            </a:r>
-            <a:endParaRPr lang="de-DE" dirty="0">
-              <a:solidFill>
-                <a:srgbClr val="C6C6C6"/>
-              </a:solidFill>
-            </a:endParaRPr>
-          </a:p>
-        </p:txBody>
-      </p:sp>
-      <p:sp>
-        <p:nvSpPr>
-          <p:cNvPr id="15" name="Rechteck: abgerundete Ecken 14">
-            <a:extLst>
-              <a:ext uri="{FF2B5EF4-FFF2-40B4-BE49-F238E27FC236}">
-                <a16:creationId xmlns:a16="http://schemas.microsoft.com/office/drawing/2014/main" id="{B3CF6E63-C75C-6F5B-B401-BDA0A00EB6D0}"/>
+              <a:rPr lang="de-DE" sz="2000" dirty="0">
+                <a:solidFill>
+                  <a:srgbClr val="C6C6C6"/>
+                </a:solidFill>
+              </a:rPr>
+              <a:t>Word. IDENTIFIER(x)</a:t>
+            </a:r>
+          </a:p>
+        </p:txBody>
+      </p:sp>
+      <p:sp>
+        <p:nvSpPr>
+          <p:cNvPr id="7" name="Rechteck: abgerundete Ecken 6">
+            <a:extLst>
+              <a:ext uri="{FF2B5EF4-FFF2-40B4-BE49-F238E27FC236}">
+                <a16:creationId xmlns:a16="http://schemas.microsoft.com/office/drawing/2014/main" id="{ED325871-6DAD-B0CF-DEF5-421A5F92F805}"/>
               </a:ext>
             </a:extLst>
           </p:cNvPr>
@@ -8393,11 +9373,13 @@
         </p:nvSpPr>
         <p:spPr>
           <a:xfrm>
-            <a:off x="489635" y="5518698"/>
-            <a:ext cx="878577" cy="633113"/>
+            <a:off x="3361996" y="1694662"/>
+            <a:ext cx="1403132" cy="945931"/>
           </a:xfrm>
           <a:prstGeom prst="roundRect">
-            <a:avLst/>
+            <a:avLst>
+              <a:gd name="adj" fmla="val 17500"/>
+            </a:avLst>
           </a:prstGeom>
           <a:noFill/>
           <a:ln w="38100">
@@ -8423,27 +9405,27 @@
           </a:fontRef>
         </p:style>
         <p:txBody>
-          <a:bodyPr rtlCol="0" anchor="ctr"/>
+          <a:bodyPr lIns="36000" rIns="36000" rtlCol="0" anchor="ctr"/>
           <a:lstStyle/>
           <a:p>
             <a:pPr algn="ctr"/>
             <a:r>
-              <a:rPr lang="de-DE" sz="3200" dirty="0">
-                <a:solidFill>
-                  <a:srgbClr val="C6C6C6"/>
-                </a:solidFill>
-              </a:rPr>
-              <a:t>1</a:t>
-            </a:r>
-          </a:p>
-        </p:txBody>
-      </p:sp>
-      <p:sp>
-        <p:nvSpPr>
-          <p:cNvPr id="24" name="Rechteck: abgerundete Ecken 23">
-            <a:extLst>
-              <a:ext uri="{FF2B5EF4-FFF2-40B4-BE49-F238E27FC236}">
-                <a16:creationId xmlns:a16="http://schemas.microsoft.com/office/drawing/2014/main" id="{9CFA5687-7749-F3AF-6379-5992264E4DDE}"/>
+              <a:rPr lang="de-DE" sz="2000" dirty="0">
+                <a:solidFill>
+                  <a:srgbClr val="C6C6C6"/>
+                </a:solidFill>
+              </a:rPr>
+              <a:t>Separator. ASSIGN</a:t>
+            </a:r>
+          </a:p>
+        </p:txBody>
+      </p:sp>
+      <p:sp>
+        <p:nvSpPr>
+          <p:cNvPr id="8" name="Rechteck: abgerundete Ecken 7">
+            <a:extLst>
+              <a:ext uri="{FF2B5EF4-FFF2-40B4-BE49-F238E27FC236}">
+                <a16:creationId xmlns:a16="http://schemas.microsoft.com/office/drawing/2014/main" id="{D565FAA1-BD31-0FA8-AC48-040C9DBAFA67}"/>
               </a:ext>
             </a:extLst>
           </p:cNvPr>
@@ -8452,11 +9434,13 @@
         </p:nvSpPr>
         <p:spPr>
           <a:xfrm>
-            <a:off x="411742" y="906872"/>
-            <a:ext cx="1034364" cy="633114"/>
+            <a:off x="4879427" y="1706383"/>
+            <a:ext cx="4102976" cy="945931"/>
           </a:xfrm>
           <a:prstGeom prst="roundRect">
-            <a:avLst/>
+            <a:avLst>
+              <a:gd name="adj" fmla="val 17500"/>
+            </a:avLst>
           </a:prstGeom>
           <a:noFill/>
           <a:ln w="38100">
@@ -8482,27 +9466,83 @@
           </a:fontRef>
         </p:style>
         <p:txBody>
-          <a:bodyPr rtlCol="0" anchor="ctr"/>
+          <a:bodyPr lIns="36000" rIns="36000" rtlCol="0" anchor="ctr"/>
           <a:lstStyle/>
           <a:p>
             <a:pPr algn="ctr"/>
             <a:r>
-              <a:rPr lang="de-DE" dirty="0">
-                <a:solidFill>
-                  <a:srgbClr val="C6C6C6"/>
-                </a:solidFill>
-              </a:rPr>
-              <a:t>Größe in Bytes</a:t>
-            </a:r>
-          </a:p>
-        </p:txBody>
-      </p:sp>
-      <p:sp>
-        <p:nvSpPr>
-          <p:cNvPr id="27" name="Rechteck: abgerundete Ecken 26">
-            <a:extLst>
-              <a:ext uri="{FF2B5EF4-FFF2-40B4-BE49-F238E27FC236}">
-                <a16:creationId xmlns:a16="http://schemas.microsoft.com/office/drawing/2014/main" id="{99CA01E8-7BAB-2B01-2F2D-8E641058B9C4}"/>
+              <a:rPr lang="de-DE" sz="2000" dirty="0" err="1">
+                <a:solidFill>
+                  <a:srgbClr val="C6C6C6"/>
+                </a:solidFill>
+              </a:rPr>
+              <a:t>Brackets.ROUND</a:t>
+            </a:r>
+            <a:r>
+              <a:rPr lang="de-DE" sz="2000" dirty="0">
+                <a:solidFill>
+                  <a:srgbClr val="C6C6C6"/>
+                </a:solidFill>
+              </a:rPr>
+              <a:t>(</a:t>
+            </a:r>
+            <a:r>
+              <a:rPr lang="de-DE" sz="2000" dirty="0" err="1">
+                <a:solidFill>
+                  <a:srgbClr val="C6C6C6"/>
+                </a:solidFill>
+              </a:rPr>
+              <a:t>Word.VALUE</a:t>
+            </a:r>
+            <a:r>
+              <a:rPr lang="de-DE" sz="2000" dirty="0">
+                <a:solidFill>
+                  <a:srgbClr val="C6C6C6"/>
+                </a:solidFill>
+              </a:rPr>
+              <a:t>(2), </a:t>
+            </a:r>
+            <a:r>
+              <a:rPr lang="de-DE" sz="2000" dirty="0" err="1">
+                <a:solidFill>
+                  <a:srgbClr val="C6C6C6"/>
+                </a:solidFill>
+              </a:rPr>
+              <a:t>MathOperator.PLUS</a:t>
+            </a:r>
+            <a:r>
+              <a:rPr lang="de-DE" sz="2000" dirty="0">
+                <a:solidFill>
+                  <a:srgbClr val="C6C6C6"/>
+                </a:solidFill>
+              </a:rPr>
+              <a:t>, </a:t>
+            </a:r>
+            <a:r>
+              <a:rPr lang="de-DE" sz="2000" dirty="0" err="1">
+                <a:solidFill>
+                  <a:srgbClr val="C6C6C6"/>
+                </a:solidFill>
+              </a:rPr>
+              <a:t>Word.VALUE</a:t>
+            </a:r>
+            <a:r>
+              <a:rPr lang="de-DE" sz="2000" dirty="0">
+                <a:solidFill>
+                  <a:srgbClr val="C6C6C6"/>
+                </a:solidFill>
+              </a:rPr>
+              <a:t>(2))</a:t>
+            </a:r>
+          </a:p>
+        </p:txBody>
+      </p:sp>
+      <p:sp>
+        <p:nvSpPr>
+          <p:cNvPr id="9" name="Rechteck: abgerundete Ecken 8">
+            <a:extLst>
+              <a:ext uri="{FF2B5EF4-FFF2-40B4-BE49-F238E27FC236}">
+                <a16:creationId xmlns:a16="http://schemas.microsoft.com/office/drawing/2014/main" id="{FDFD6979-D1AA-E4F1-6668-F13F2C800F34}"/>
               </a:ext>
             </a:extLst>
           </p:cNvPr>
@@ -8511,11 +9551,13 @@
         </p:nvSpPr>
         <p:spPr>
           <a:xfrm>
-            <a:off x="2534042" y="906872"/>
-            <a:ext cx="1374987" cy="633114"/>
+            <a:off x="9100643" y="1706383"/>
+            <a:ext cx="1694795" cy="945931"/>
           </a:xfrm>
           <a:prstGeom prst="roundRect">
-            <a:avLst/>
+            <a:avLst>
+              <a:gd name="adj" fmla="val 18333"/>
+            </a:avLst>
           </a:prstGeom>
           <a:noFill/>
           <a:ln w="38100">
@@ -8541,17 +9583,97 @@
           </a:fontRef>
         </p:style>
         <p:txBody>
-          <a:bodyPr rtlCol="0" anchor="ctr"/>
+          <a:bodyPr lIns="0" rIns="36000" rtlCol="0" anchor="ctr"/>
           <a:lstStyle/>
           <a:p>
             <a:pPr algn="ctr"/>
             <a:r>
-              <a:rPr lang="de-DE" dirty="0">
-                <a:solidFill>
-                  <a:srgbClr val="C6C6C6"/>
-                </a:solidFill>
-              </a:rPr>
-              <a:t>Anweisung</a:t>
+              <a:rPr lang="de-DE" sz="2000" dirty="0" err="1">
+                <a:solidFill>
+                  <a:srgbClr val="C6C6C6"/>
+                </a:solidFill>
+              </a:rPr>
+              <a:t>MathOperator</a:t>
+            </a:r>
+            <a:r>
+              <a:rPr lang="de-DE" sz="2000" dirty="0">
+                <a:solidFill>
+                  <a:srgbClr val="C6C6C6"/>
+                </a:solidFill>
+              </a:rPr>
+              <a:t>.</a:t>
+            </a:r>
+          </a:p>
+          <a:p>
+            <a:pPr algn="ctr"/>
+            <a:r>
+              <a:rPr lang="de-DE" sz="2000" dirty="0">
+                <a:solidFill>
+                  <a:srgbClr val="C6C6C6"/>
+                </a:solidFill>
+              </a:rPr>
+              <a:t>MULTIPLY</a:t>
+            </a:r>
+          </a:p>
+        </p:txBody>
+      </p:sp>
+      <p:sp>
+        <p:nvSpPr>
+          <p:cNvPr id="10" name="Rechteck: abgerundete Ecken 9">
+            <a:extLst>
+              <a:ext uri="{FF2B5EF4-FFF2-40B4-BE49-F238E27FC236}">
+                <a16:creationId xmlns:a16="http://schemas.microsoft.com/office/drawing/2014/main" id="{5593702D-224E-A3E3-C9DF-73D6F699B7BF}"/>
+              </a:ext>
+            </a:extLst>
+          </p:cNvPr>
+          <p:cNvSpPr/>
+          <p:nvPr/>
+        </p:nvSpPr>
+        <p:spPr>
+          <a:xfrm>
+            <a:off x="10921561" y="1706383"/>
+            <a:ext cx="1146036" cy="945931"/>
+          </a:xfrm>
+          <a:prstGeom prst="roundRect">
+            <a:avLst>
+              <a:gd name="adj" fmla="val 17500"/>
+            </a:avLst>
+          </a:prstGeom>
+          <a:noFill/>
+          <a:ln w="38100">
+            <a:solidFill>
+              <a:srgbClr val="C6C6C6"/>
+            </a:solidFill>
+          </a:ln>
+        </p:spPr>
+        <p:style>
+          <a:lnRef idx="2">
+            <a:schemeClr val="accent1">
+              <a:shade val="50000"/>
+            </a:schemeClr>
+          </a:lnRef>
+          <a:fillRef idx="1">
+            <a:schemeClr val="accent1"/>
+          </a:fillRef>
+          <a:effectRef idx="0">
+            <a:schemeClr val="accent1"/>
+          </a:effectRef>
+          <a:fontRef idx="minor">
+            <a:schemeClr val="lt1"/>
+          </a:fontRef>
+        </p:style>
+        <p:txBody>
+          <a:bodyPr lIns="0" rIns="0" rtlCol="0" anchor="ctr"/>
+          <a:lstStyle/>
+          <a:p>
+            <a:pPr algn="ctr"/>
+            <a:r>
+              <a:rPr lang="de-DE" sz="2000" dirty="0">
+                <a:solidFill>
+                  <a:srgbClr val="C6C6C6"/>
+                </a:solidFill>
+              </a:rPr>
+              <a:t>Word. VALUE(4)</a:t>
             </a:r>
           </a:p>
         </p:txBody>
@@ -8559,7 +9681,7 @@
     </p:spTree>
     <p:extLst>
       <p:ext uri="{BB962C8B-B14F-4D97-AF65-F5344CB8AC3E}">
-        <p14:creationId xmlns:p14="http://schemas.microsoft.com/office/powerpoint/2010/main" val="2665419230"/>
+        <p14:creationId xmlns:p14="http://schemas.microsoft.com/office/powerpoint/2010/main" val="2260661457"/>
       </p:ext>
     </p:extLst>
   </p:cSld>
@@ -8648,7 +9770,7 @@
                   <a:srgbClr val="C6C6C6"/>
                 </a:solidFill>
               </a:rPr>
-              <a:t>StartCharacterS</a:t>
+              <a:t>StartCharacter</a:t>
             </a:r>
             <a:endParaRPr lang="de-DE" dirty="0">
               <a:solidFill>
@@ -9266,7 +10388,7 @@
                   <a:srgbClr val="C6C6C6"/>
                 </a:solidFill>
               </a:rPr>
-              <a:t>EndCharacterS</a:t>
+              <a:t>EndCharacter</a:t>
             </a:r>
             <a:endParaRPr lang="de-DE" dirty="0">
               <a:solidFill>
@@ -9337,10 +10459,10 @@
       </p:sp>
       <p:sp>
         <p:nvSpPr>
-          <p:cNvPr id="16" name="Rechteck: abgerundete Ecken 15">
-            <a:extLst>
-              <a:ext uri="{FF2B5EF4-FFF2-40B4-BE49-F238E27FC236}">
-                <a16:creationId xmlns:a16="http://schemas.microsoft.com/office/drawing/2014/main" id="{623CEF63-9DFB-E4B7-7B4E-8EFE1A35BEAF}"/>
+          <p:cNvPr id="24" name="Rechteck: abgerundete Ecken 23">
+            <a:extLst>
+              <a:ext uri="{FF2B5EF4-FFF2-40B4-BE49-F238E27FC236}">
+                <a16:creationId xmlns:a16="http://schemas.microsoft.com/office/drawing/2014/main" id="{9CFA5687-7749-F3AF-6379-5992264E4DDE}"/>
               </a:ext>
             </a:extLst>
           </p:cNvPr>
@@ -9349,8 +10471,8 @@
         </p:nvSpPr>
         <p:spPr>
           <a:xfrm>
-            <a:off x="5744885" y="1801705"/>
-            <a:ext cx="1374987" cy="633113"/>
+            <a:off x="411742" y="906872"/>
+            <a:ext cx="1034364" cy="633114"/>
           </a:xfrm>
           <a:prstGeom prst="roundRect">
             <a:avLst/>
@@ -9384,22 +10506,22 @@
           <a:p>
             <a:pPr algn="ctr"/>
             <a:r>
-              <a:rPr lang="de-DE" sz="3200" dirty="0">
-                <a:solidFill>
-                  <a:srgbClr val="C6C6C6"/>
-                </a:solidFill>
-              </a:rPr>
-              <a:t>&lt; (60)</a:t>
-            </a:r>
-          </a:p>
-        </p:txBody>
-      </p:sp>
-      <p:sp>
-        <p:nvSpPr>
-          <p:cNvPr id="24" name="Rechteck: abgerundete Ecken 23">
-            <a:extLst>
-              <a:ext uri="{FF2B5EF4-FFF2-40B4-BE49-F238E27FC236}">
-                <a16:creationId xmlns:a16="http://schemas.microsoft.com/office/drawing/2014/main" id="{9CFA5687-7749-F3AF-6379-5992264E4DDE}"/>
+              <a:rPr lang="de-DE" dirty="0">
+                <a:solidFill>
+                  <a:srgbClr val="C6C6C6"/>
+                </a:solidFill>
+              </a:rPr>
+              <a:t>Größe in Bytes</a:t>
+            </a:r>
+          </a:p>
+        </p:txBody>
+      </p:sp>
+      <p:sp>
+        <p:nvSpPr>
+          <p:cNvPr id="27" name="Rechteck: abgerundete Ecken 26">
+            <a:extLst>
+              <a:ext uri="{FF2B5EF4-FFF2-40B4-BE49-F238E27FC236}">
+                <a16:creationId xmlns:a16="http://schemas.microsoft.com/office/drawing/2014/main" id="{99CA01E8-7BAB-2B01-2F2D-8E641058B9C4}"/>
               </a:ext>
             </a:extLst>
           </p:cNvPr>
@@ -9408,8 +10530,8 @@
         </p:nvSpPr>
         <p:spPr>
           <a:xfrm>
-            <a:off x="411742" y="906872"/>
-            <a:ext cx="1034364" cy="633114"/>
+            <a:off x="2534042" y="906872"/>
+            <a:ext cx="1374987" cy="633114"/>
           </a:xfrm>
           <a:prstGeom prst="roundRect">
             <a:avLst/>
@@ -9448,458 +10570,15 @@
                   <a:srgbClr val="C6C6C6"/>
                 </a:solidFill>
               </a:rPr>
-              <a:t>Größe in Bytes</a:t>
-            </a:r>
-          </a:p>
-        </p:txBody>
-      </p:sp>
-      <p:sp>
-        <p:nvSpPr>
-          <p:cNvPr id="27" name="Rechteck: abgerundete Ecken 26">
-            <a:extLst>
-              <a:ext uri="{FF2B5EF4-FFF2-40B4-BE49-F238E27FC236}">
-                <a16:creationId xmlns:a16="http://schemas.microsoft.com/office/drawing/2014/main" id="{99CA01E8-7BAB-2B01-2F2D-8E641058B9C4}"/>
-              </a:ext>
-            </a:extLst>
-          </p:cNvPr>
-          <p:cNvSpPr/>
-          <p:nvPr/>
-        </p:nvSpPr>
-        <p:spPr>
-          <a:xfrm>
-            <a:off x="2534042" y="906872"/>
-            <a:ext cx="1374987" cy="633114"/>
-          </a:xfrm>
-          <a:prstGeom prst="roundRect">
-            <a:avLst/>
-          </a:prstGeom>
-          <a:noFill/>
-          <a:ln w="38100">
-            <a:solidFill>
-              <a:srgbClr val="C6C6C6"/>
-            </a:solidFill>
-          </a:ln>
-        </p:spPr>
-        <p:style>
-          <a:lnRef idx="2">
-            <a:schemeClr val="accent1">
-              <a:shade val="50000"/>
-            </a:schemeClr>
-          </a:lnRef>
-          <a:fillRef idx="1">
-            <a:schemeClr val="accent1"/>
-          </a:fillRef>
-          <a:effectRef idx="0">
-            <a:schemeClr val="accent1"/>
-          </a:effectRef>
-          <a:fontRef idx="minor">
-            <a:schemeClr val="lt1"/>
-          </a:fontRef>
-        </p:style>
-        <p:txBody>
-          <a:bodyPr rtlCol="0" anchor="ctr"/>
-          <a:lstStyle/>
-          <a:p>
-            <a:pPr algn="ctr"/>
-            <a:r>
-              <a:rPr lang="de-DE" dirty="0">
-                <a:solidFill>
-                  <a:srgbClr val="C6C6C6"/>
-                </a:solidFill>
-              </a:rPr>
               <a:t>Anweisung</a:t>
             </a:r>
           </a:p>
         </p:txBody>
       </p:sp>
-      <p:sp>
-        <p:nvSpPr>
-          <p:cNvPr id="28" name="Rechteck: abgerundete Ecken 27">
-            <a:extLst>
-              <a:ext uri="{FF2B5EF4-FFF2-40B4-BE49-F238E27FC236}">
-                <a16:creationId xmlns:a16="http://schemas.microsoft.com/office/drawing/2014/main" id="{D6BB014E-E7C5-183B-9E46-736094659F99}"/>
-              </a:ext>
-            </a:extLst>
-          </p:cNvPr>
-          <p:cNvSpPr/>
-          <p:nvPr/>
-        </p:nvSpPr>
-        <p:spPr>
-          <a:xfrm>
-            <a:off x="5744884" y="906872"/>
-            <a:ext cx="1374987" cy="633114"/>
-          </a:xfrm>
-          <a:prstGeom prst="roundRect">
-            <a:avLst/>
-          </a:prstGeom>
-          <a:noFill/>
-          <a:ln w="38100">
-            <a:solidFill>
-              <a:srgbClr val="C6C6C6"/>
-            </a:solidFill>
-          </a:ln>
-        </p:spPr>
-        <p:style>
-          <a:lnRef idx="2">
-            <a:schemeClr val="accent1">
-              <a:shade val="50000"/>
-            </a:schemeClr>
-          </a:lnRef>
-          <a:fillRef idx="1">
-            <a:schemeClr val="accent1"/>
-          </a:fillRef>
-          <a:effectRef idx="0">
-            <a:schemeClr val="accent1"/>
-          </a:effectRef>
-          <a:fontRef idx="minor">
-            <a:schemeClr val="lt1"/>
-          </a:fontRef>
-        </p:style>
-        <p:txBody>
-          <a:bodyPr rtlCol="0" anchor="ctr"/>
-          <a:lstStyle/>
-          <a:p>
-            <a:pPr algn="ctr"/>
-            <a:r>
-              <a:rPr lang="de-DE" dirty="0">
-                <a:solidFill>
-                  <a:srgbClr val="C6C6C6"/>
-                </a:solidFill>
-              </a:rPr>
-              <a:t>Print-Befehl</a:t>
-            </a:r>
-          </a:p>
-        </p:txBody>
-      </p:sp>
-      <p:sp>
-        <p:nvSpPr>
-          <p:cNvPr id="29" name="Rechteck: abgerundete Ecken 28">
-            <a:extLst>
-              <a:ext uri="{FF2B5EF4-FFF2-40B4-BE49-F238E27FC236}">
-                <a16:creationId xmlns:a16="http://schemas.microsoft.com/office/drawing/2014/main" id="{C6D7780E-CF5C-F779-2169-B6068696AC18}"/>
-              </a:ext>
-            </a:extLst>
-          </p:cNvPr>
-          <p:cNvSpPr/>
-          <p:nvPr/>
-        </p:nvSpPr>
-        <p:spPr>
-          <a:xfrm>
-            <a:off x="5744885" y="2545837"/>
-            <a:ext cx="1374987" cy="633113"/>
-          </a:xfrm>
-          <a:prstGeom prst="roundRect">
-            <a:avLst/>
-          </a:prstGeom>
-          <a:noFill/>
-          <a:ln w="38100">
-            <a:solidFill>
-              <a:srgbClr val="C6C6C6"/>
-            </a:solidFill>
-          </a:ln>
-        </p:spPr>
-        <p:style>
-          <a:lnRef idx="2">
-            <a:schemeClr val="accent1">
-              <a:shade val="50000"/>
-            </a:schemeClr>
-          </a:lnRef>
-          <a:fillRef idx="1">
-            <a:schemeClr val="accent1"/>
-          </a:fillRef>
-          <a:effectRef idx="0">
-            <a:schemeClr val="accent1"/>
-          </a:effectRef>
-          <a:fontRef idx="minor">
-            <a:schemeClr val="lt1"/>
-          </a:fontRef>
-        </p:style>
-        <p:txBody>
-          <a:bodyPr rtlCol="0" anchor="ctr"/>
-          <a:lstStyle/>
-          <a:p>
-            <a:pPr algn="ctr"/>
-            <a:r>
-              <a:rPr lang="de-DE" sz="3200" dirty="0">
-                <a:solidFill>
-                  <a:srgbClr val="C6C6C6"/>
-                </a:solidFill>
-              </a:rPr>
-              <a:t>☺ (1)</a:t>
-            </a:r>
-          </a:p>
-        </p:txBody>
-      </p:sp>
-      <p:sp>
-        <p:nvSpPr>
-          <p:cNvPr id="30" name="Rechteck: abgerundete Ecken 29">
-            <a:extLst>
-              <a:ext uri="{FF2B5EF4-FFF2-40B4-BE49-F238E27FC236}">
-                <a16:creationId xmlns:a16="http://schemas.microsoft.com/office/drawing/2014/main" id="{58F6890D-A508-8D09-87F3-3AB3D4C75C50}"/>
-              </a:ext>
-            </a:extLst>
-          </p:cNvPr>
-          <p:cNvSpPr/>
-          <p:nvPr/>
-        </p:nvSpPr>
-        <p:spPr>
-          <a:xfrm>
-            <a:off x="5744884" y="3289968"/>
-            <a:ext cx="1374987" cy="633113"/>
-          </a:xfrm>
-          <a:prstGeom prst="roundRect">
-            <a:avLst/>
-          </a:prstGeom>
-          <a:noFill/>
-          <a:ln w="38100">
-            <a:solidFill>
-              <a:srgbClr val="C6C6C6"/>
-            </a:solidFill>
-          </a:ln>
-        </p:spPr>
-        <p:style>
-          <a:lnRef idx="2">
-            <a:schemeClr val="accent1">
-              <a:shade val="50000"/>
-            </a:schemeClr>
-          </a:lnRef>
-          <a:fillRef idx="1">
-            <a:schemeClr val="accent1"/>
-          </a:fillRef>
-          <a:effectRef idx="0">
-            <a:schemeClr val="accent1"/>
-          </a:effectRef>
-          <a:fontRef idx="minor">
-            <a:schemeClr val="lt1"/>
-          </a:fontRef>
-        </p:style>
-        <p:txBody>
-          <a:bodyPr rtlCol="0" anchor="ctr"/>
-          <a:lstStyle/>
-          <a:p>
-            <a:pPr algn="ctr"/>
-            <a:r>
-              <a:rPr lang="de-DE" sz="3200" dirty="0">
-                <a:solidFill>
-                  <a:srgbClr val="C6C6C6"/>
-                </a:solidFill>
-              </a:rPr>
-              <a:t> (13)</a:t>
-            </a:r>
-          </a:p>
-        </p:txBody>
-      </p:sp>
-      <p:sp>
-        <p:nvSpPr>
-          <p:cNvPr id="31" name="Rechteck: abgerundete Ecken 30">
-            <a:extLst>
-              <a:ext uri="{FF2B5EF4-FFF2-40B4-BE49-F238E27FC236}">
-                <a16:creationId xmlns:a16="http://schemas.microsoft.com/office/drawing/2014/main" id="{84D5ED8A-1840-E682-E0D0-C6A6702FA08A}"/>
-              </a:ext>
-            </a:extLst>
-          </p:cNvPr>
-          <p:cNvSpPr/>
-          <p:nvPr/>
-        </p:nvSpPr>
-        <p:spPr>
-          <a:xfrm>
-            <a:off x="5718445" y="4028451"/>
-            <a:ext cx="1374987" cy="633113"/>
-          </a:xfrm>
-          <a:prstGeom prst="roundRect">
-            <a:avLst/>
-          </a:prstGeom>
-          <a:noFill/>
-          <a:ln w="38100">
-            <a:solidFill>
-              <a:srgbClr val="C6C6C6"/>
-            </a:solidFill>
-          </a:ln>
-        </p:spPr>
-        <p:style>
-          <a:lnRef idx="2">
-            <a:schemeClr val="accent1">
-              <a:shade val="50000"/>
-            </a:schemeClr>
-          </a:lnRef>
-          <a:fillRef idx="1">
-            <a:schemeClr val="accent1"/>
-          </a:fillRef>
-          <a:effectRef idx="0">
-            <a:schemeClr val="accent1"/>
-          </a:effectRef>
-          <a:fontRef idx="minor">
-            <a:schemeClr val="lt1"/>
-          </a:fontRef>
-        </p:style>
-        <p:txBody>
-          <a:bodyPr rtlCol="0" anchor="ctr"/>
-          <a:lstStyle/>
-          <a:p>
-            <a:pPr algn="ctr"/>
-            <a:r>
-              <a:rPr lang="de-DE" sz="3200" dirty="0">
-                <a:solidFill>
-                  <a:srgbClr val="C6C6C6"/>
-                </a:solidFill>
-              </a:rPr>
-              <a:t>l (108)</a:t>
-            </a:r>
-          </a:p>
-        </p:txBody>
-      </p:sp>
-      <p:sp>
-        <p:nvSpPr>
-          <p:cNvPr id="32" name="Rechteck: abgerundete Ecken 31">
-            <a:extLst>
-              <a:ext uri="{FF2B5EF4-FFF2-40B4-BE49-F238E27FC236}">
-                <a16:creationId xmlns:a16="http://schemas.microsoft.com/office/drawing/2014/main" id="{1AA218FD-BC1B-643C-D314-80D9BC97EAF5}"/>
-              </a:ext>
-            </a:extLst>
-          </p:cNvPr>
-          <p:cNvSpPr/>
-          <p:nvPr/>
-        </p:nvSpPr>
-        <p:spPr>
-          <a:xfrm>
-            <a:off x="5718444" y="4766934"/>
-            <a:ext cx="1374987" cy="633113"/>
-          </a:xfrm>
-          <a:prstGeom prst="roundRect">
-            <a:avLst/>
-          </a:prstGeom>
-          <a:noFill/>
-          <a:ln w="38100">
-            <a:solidFill>
-              <a:srgbClr val="C6C6C6"/>
-            </a:solidFill>
-          </a:ln>
-        </p:spPr>
-        <p:style>
-          <a:lnRef idx="2">
-            <a:schemeClr val="accent1">
-              <a:shade val="50000"/>
-            </a:schemeClr>
-          </a:lnRef>
-          <a:fillRef idx="1">
-            <a:schemeClr val="accent1"/>
-          </a:fillRef>
-          <a:effectRef idx="0">
-            <a:schemeClr val="accent1"/>
-          </a:effectRef>
-          <a:fontRef idx="minor">
-            <a:schemeClr val="lt1"/>
-          </a:fontRef>
-        </p:style>
-        <p:txBody>
-          <a:bodyPr rtlCol="0" anchor="ctr"/>
-          <a:lstStyle/>
-          <a:p>
-            <a:pPr algn="ctr"/>
-            <a:r>
-              <a:rPr lang="de-DE" sz="2200" dirty="0">
-                <a:solidFill>
-                  <a:srgbClr val="C6C6C6"/>
-                </a:solidFill>
-              </a:rPr>
-              <a:t>Hello World</a:t>
-            </a:r>
-          </a:p>
-        </p:txBody>
-      </p:sp>
-      <p:sp>
-        <p:nvSpPr>
-          <p:cNvPr id="33" name="Rechteck: abgerundete Ecken 32">
-            <a:extLst>
-              <a:ext uri="{FF2B5EF4-FFF2-40B4-BE49-F238E27FC236}">
-                <a16:creationId xmlns:a16="http://schemas.microsoft.com/office/drawing/2014/main" id="{BDD620A1-D662-3158-6BF6-AD4647FA2D64}"/>
-              </a:ext>
-            </a:extLst>
-          </p:cNvPr>
-          <p:cNvSpPr/>
-          <p:nvPr/>
-        </p:nvSpPr>
-        <p:spPr>
-          <a:xfrm>
-            <a:off x="5718443" y="5524158"/>
-            <a:ext cx="1374987" cy="633113"/>
-          </a:xfrm>
-          <a:prstGeom prst="roundRect">
-            <a:avLst/>
-          </a:prstGeom>
-          <a:noFill/>
-          <a:ln w="38100">
-            <a:solidFill>
-              <a:srgbClr val="C6C6C6"/>
-            </a:solidFill>
-          </a:ln>
-        </p:spPr>
-        <p:style>
-          <a:lnRef idx="2">
-            <a:schemeClr val="accent1">
-              <a:shade val="50000"/>
-            </a:schemeClr>
-          </a:lnRef>
-          <a:fillRef idx="1">
-            <a:schemeClr val="accent1"/>
-          </a:fillRef>
-          <a:effectRef idx="0">
-            <a:schemeClr val="accent1"/>
-          </a:effectRef>
-          <a:fontRef idx="minor">
-            <a:schemeClr val="lt1"/>
-          </a:fontRef>
-        </p:style>
-        <p:txBody>
-          <a:bodyPr rtlCol="0" anchor="ctr"/>
-          <a:lstStyle/>
-          <a:p>
-            <a:pPr algn="ctr"/>
-            <a:r>
-              <a:rPr lang="de-DE" sz="3200" dirty="0">
-                <a:solidFill>
-                  <a:srgbClr val="C6C6C6"/>
-                </a:solidFill>
-              </a:rPr>
-              <a:t>&gt; (62)</a:t>
-            </a:r>
-          </a:p>
-        </p:txBody>
-      </p:sp>
-      <p:pic>
-        <p:nvPicPr>
-          <p:cNvPr id="40" name="Grafik 39">
-            <a:extLst>
-              <a:ext uri="{FF2B5EF4-FFF2-40B4-BE49-F238E27FC236}">
-                <a16:creationId xmlns:a16="http://schemas.microsoft.com/office/drawing/2014/main" id="{8C1E098F-6522-86EA-5EBF-D4EFC2362F1C}"/>
-              </a:ext>
-            </a:extLst>
-          </p:cNvPr>
-          <p:cNvPicPr>
-            <a:picLocks noChangeAspect="1"/>
-          </p:cNvPicPr>
-          <p:nvPr/>
-        </p:nvPicPr>
-        <p:blipFill>
-          <a:blip r:embed="rId2"/>
-          <a:stretch>
-            <a:fillRect/>
-          </a:stretch>
-        </p:blipFill>
-        <p:spPr>
-          <a:xfrm>
-            <a:off x="7413636" y="906872"/>
-            <a:ext cx="4625741" cy="685859"/>
-          </a:xfrm>
-          <a:prstGeom prst="rect">
-            <a:avLst/>
-          </a:prstGeom>
-        </p:spPr>
-      </p:pic>
     </p:spTree>
     <p:extLst>
       <p:ext uri="{BB962C8B-B14F-4D97-AF65-F5344CB8AC3E}">
-        <p14:creationId xmlns:p14="http://schemas.microsoft.com/office/powerpoint/2010/main" val="4031229439"/>
+        <p14:creationId xmlns:p14="http://schemas.microsoft.com/office/powerpoint/2010/main" val="2665419230"/>
       </p:ext>
     </p:extLst>
   </p:cSld>

--- a/Präsentation/Pyduino_Präsentation.pptx
+++ b/Präsentation/Pyduino_Präsentation.pptx
@@ -8701,6 +8701,50 @@
           </a:fontRef>
         </p:style>
       </p:cxnSp>
+      <p:cxnSp>
+        <p:nvCxnSpPr>
+          <p:cNvPr id="2" name="Gerade Verbindung mit Pfeil 1">
+            <a:extLst>
+              <a:ext uri="{FF2B5EF4-FFF2-40B4-BE49-F238E27FC236}">
+                <a16:creationId xmlns:a16="http://schemas.microsoft.com/office/drawing/2014/main" id="{8F8EE6A0-5CE2-19E3-1A34-1E8FCB188921}"/>
+              </a:ext>
+            </a:extLst>
+          </p:cNvPr>
+          <p:cNvCxnSpPr>
+            <a:cxnSpLocks/>
+          </p:cNvCxnSpPr>
+          <p:nvPr/>
+        </p:nvCxnSpPr>
+        <p:spPr>
+          <a:xfrm>
+            <a:off x="4262431" y="5014854"/>
+            <a:ext cx="0" cy="554017"/>
+          </a:xfrm>
+          <a:prstGeom prst="straightConnector1">
+            <a:avLst/>
+          </a:prstGeom>
+          <a:ln w="38100">
+            <a:solidFill>
+              <a:srgbClr val="C6C6C6"/>
+            </a:solidFill>
+            <a:tailEnd type="triangle"/>
+          </a:ln>
+        </p:spPr>
+        <p:style>
+          <a:lnRef idx="1">
+            <a:schemeClr val="accent1"/>
+          </a:lnRef>
+          <a:fillRef idx="0">
+            <a:schemeClr val="accent1"/>
+          </a:fillRef>
+          <a:effectRef idx="0">
+            <a:schemeClr val="accent1"/>
+          </a:effectRef>
+          <a:fontRef idx="minor">
+            <a:schemeClr val="tx1"/>
+          </a:fontRef>
+        </p:style>
+      </p:cxnSp>
     </p:spTree>
     <p:extLst>
       <p:ext uri="{BB962C8B-B14F-4D97-AF65-F5344CB8AC3E}">

--- a/Präsentation/Pyduino_Präsentation.pptx
+++ b/Präsentation/Pyduino_Präsentation.pptx
@@ -7961,17 +7961,17 @@
                   <a:srgbClr val="C6C6C6"/>
                 </a:solidFill>
               </a:rPr>
+              <a:t>Eigene IDE</a:t>
+            </a:r>
+          </a:p>
+          <a:p>
+            <a:r>
+              <a:rPr lang="de-DE" dirty="0">
+                <a:solidFill>
+                  <a:srgbClr val="C6C6C6"/>
+                </a:solidFill>
+              </a:rPr>
               <a:t>Linux support</a:t>
-            </a:r>
-          </a:p>
-          <a:p>
-            <a:r>
-              <a:rPr lang="de-DE" dirty="0">
-                <a:solidFill>
-                  <a:srgbClr val="C6C6C6"/>
-                </a:solidFill>
-              </a:rPr>
-              <a:t>Eigene IDE</a:t>
             </a:r>
           </a:p>
           <a:p>

--- a/Präsentation/Pyduino_Präsentation.pptx
+++ b/Präsentation/Pyduino_Präsentation.pptx
@@ -276,7 +276,7 @@
           <a:p>
             <a:fld id="{57C2ADC8-E08E-42BC-8B3F-BEE8B0D2554E}" type="datetimeFigureOut">
               <a:rPr lang="de-DE" smtClean="0"/>
-              <a:t>01.03.2023</a:t>
+              <a:t>22.03.2023</a:t>
             </a:fld>
             <a:endParaRPr lang="de-DE"/>
           </a:p>
@@ -474,7 +474,7 @@
           <a:p>
             <a:fld id="{57C2ADC8-E08E-42BC-8B3F-BEE8B0D2554E}" type="datetimeFigureOut">
               <a:rPr lang="de-DE" smtClean="0"/>
-              <a:t>01.03.2023</a:t>
+              <a:t>22.03.2023</a:t>
             </a:fld>
             <a:endParaRPr lang="de-DE"/>
           </a:p>
@@ -682,7 +682,7 @@
           <a:p>
             <a:fld id="{57C2ADC8-E08E-42BC-8B3F-BEE8B0D2554E}" type="datetimeFigureOut">
               <a:rPr lang="de-DE" smtClean="0"/>
-              <a:t>01.03.2023</a:t>
+              <a:t>22.03.2023</a:t>
             </a:fld>
             <a:endParaRPr lang="de-DE"/>
           </a:p>
@@ -880,7 +880,7 @@
           <a:p>
             <a:fld id="{57C2ADC8-E08E-42BC-8B3F-BEE8B0D2554E}" type="datetimeFigureOut">
               <a:rPr lang="de-DE" smtClean="0"/>
-              <a:t>01.03.2023</a:t>
+              <a:t>22.03.2023</a:t>
             </a:fld>
             <a:endParaRPr lang="de-DE"/>
           </a:p>
@@ -1155,7 +1155,7 @@
           <a:p>
             <a:fld id="{57C2ADC8-E08E-42BC-8B3F-BEE8B0D2554E}" type="datetimeFigureOut">
               <a:rPr lang="de-DE" smtClean="0"/>
-              <a:t>01.03.2023</a:t>
+              <a:t>22.03.2023</a:t>
             </a:fld>
             <a:endParaRPr lang="de-DE"/>
           </a:p>
@@ -1420,7 +1420,7 @@
           <a:p>
             <a:fld id="{57C2ADC8-E08E-42BC-8B3F-BEE8B0D2554E}" type="datetimeFigureOut">
               <a:rPr lang="de-DE" smtClean="0"/>
-              <a:t>01.03.2023</a:t>
+              <a:t>22.03.2023</a:t>
             </a:fld>
             <a:endParaRPr lang="de-DE"/>
           </a:p>
@@ -1832,7 +1832,7 @@
           <a:p>
             <a:fld id="{57C2ADC8-E08E-42BC-8B3F-BEE8B0D2554E}" type="datetimeFigureOut">
               <a:rPr lang="de-DE" smtClean="0"/>
-              <a:t>01.03.2023</a:t>
+              <a:t>22.03.2023</a:t>
             </a:fld>
             <a:endParaRPr lang="de-DE"/>
           </a:p>
@@ -1973,7 +1973,7 @@
           <a:p>
             <a:fld id="{57C2ADC8-E08E-42BC-8B3F-BEE8B0D2554E}" type="datetimeFigureOut">
               <a:rPr lang="de-DE" smtClean="0"/>
-              <a:t>01.03.2023</a:t>
+              <a:t>22.03.2023</a:t>
             </a:fld>
             <a:endParaRPr lang="de-DE"/>
           </a:p>
@@ -2086,7 +2086,7 @@
           <a:p>
             <a:fld id="{57C2ADC8-E08E-42BC-8B3F-BEE8B0D2554E}" type="datetimeFigureOut">
               <a:rPr lang="de-DE" smtClean="0"/>
-              <a:t>01.03.2023</a:t>
+              <a:t>22.03.2023</a:t>
             </a:fld>
             <a:endParaRPr lang="de-DE"/>
           </a:p>
@@ -2397,7 +2397,7 @@
           <a:p>
             <a:fld id="{57C2ADC8-E08E-42BC-8B3F-BEE8B0D2554E}" type="datetimeFigureOut">
               <a:rPr lang="de-DE" smtClean="0"/>
-              <a:t>01.03.2023</a:t>
+              <a:t>22.03.2023</a:t>
             </a:fld>
             <a:endParaRPr lang="de-DE"/>
           </a:p>
@@ -2685,7 +2685,7 @@
           <a:p>
             <a:fld id="{57C2ADC8-E08E-42BC-8B3F-BEE8B0D2554E}" type="datetimeFigureOut">
               <a:rPr lang="de-DE" smtClean="0"/>
-              <a:t>01.03.2023</a:t>
+              <a:t>22.03.2023</a:t>
             </a:fld>
             <a:endParaRPr lang="de-DE"/>
           </a:p>
@@ -2926,7 +2926,7 @@
           <a:p>
             <a:fld id="{57C2ADC8-E08E-42BC-8B3F-BEE8B0D2554E}" type="datetimeFigureOut">
               <a:rPr lang="de-DE" smtClean="0"/>
-              <a:t>01.03.2023</a:t>
+              <a:t>22.03.2023</a:t>
             </a:fld>
             <a:endParaRPr lang="de-DE"/>
           </a:p>
@@ -3502,7 +3502,7 @@
                   <a:srgbClr val="C6C6C6"/>
                 </a:solidFill>
               </a:rPr>
-              <a:t>StartCharacterS</a:t>
+              <a:t>StartCharacter</a:t>
             </a:r>
             <a:endParaRPr lang="de-DE" dirty="0">
               <a:solidFill>
@@ -3877,7 +3877,7 @@
                   <a:srgbClr val="C6C6C6"/>
                 </a:solidFill>
               </a:rPr>
-              <a:t>InstructionS</a:t>
+              <a:t>Instruction</a:t>
             </a:r>
             <a:endParaRPr lang="de-DE" dirty="0">
               <a:solidFill>
@@ -4120,7 +4120,7 @@
                   <a:srgbClr val="C6C6C6"/>
                 </a:solidFill>
               </a:rPr>
-              <a:t>EndCharacterS</a:t>
+              <a:t>EndCharacter</a:t>
             </a:r>
             <a:endParaRPr lang="de-DE" dirty="0">
               <a:solidFill>
@@ -4842,7 +4842,7 @@
                   <a:srgbClr val="C6C6C6"/>
                 </a:solidFill>
               </a:rPr>
-              <a:t>StartCharacterS</a:t>
+              <a:t>StartCharacter</a:t>
             </a:r>
             <a:endParaRPr lang="de-DE" dirty="0">
               <a:solidFill>
@@ -5217,7 +5217,7 @@
                   <a:srgbClr val="C6C6C6"/>
                 </a:solidFill>
               </a:rPr>
-              <a:t>InstructionS</a:t>
+              <a:t>Instruction</a:t>
             </a:r>
             <a:endParaRPr lang="de-DE" dirty="0">
               <a:solidFill>
@@ -6185,7 +6185,7 @@
                   <a:srgbClr val="C6C6C6"/>
                 </a:solidFill>
               </a:rPr>
-              <a:t>ResponseStartCharacterS</a:t>
+              <a:t>ResponseStartCharacter</a:t>
             </a:r>
             <a:endParaRPr lang="de-DE" dirty="0">
               <a:solidFill>
@@ -6685,7 +6685,7 @@
                   <a:srgbClr val="C6C6C6"/>
                 </a:solidFill>
               </a:rPr>
-              <a:t>ResponseEndCharacterS</a:t>
+              <a:t>ResponseEndCharacter</a:t>
             </a:r>
             <a:endParaRPr lang="de-DE" dirty="0">
               <a:solidFill>
@@ -9544,7 +9544,7 @@
                   <a:srgbClr val="C6C6C6"/>
                 </a:solidFill>
               </a:rPr>
-              <a:t>(2), </a:t>
+              <a:t>(42), </a:t>
             </a:r>
             <a:r>
               <a:rPr lang="de-DE" sz="2000" dirty="0" err="1">
@@ -9717,7 +9717,7 @@
                   <a:srgbClr val="C6C6C6"/>
                 </a:solidFill>
               </a:rPr>
-              <a:t>Word. VALUE(4)</a:t>
+              <a:t>Word. VALUE(3)</a:t>
             </a:r>
           </a:p>
         </p:txBody>
@@ -10189,7 +10189,7 @@
                   <a:srgbClr val="C6C6C6"/>
                 </a:solidFill>
               </a:rPr>
-              <a:t>InstructionS</a:t>
+              <a:t>Instruction</a:t>
             </a:r>
             <a:endParaRPr lang="de-DE" dirty="0">
               <a:solidFill>

--- a/Präsentation/Pyduino_Präsentation.pptx
+++ b/Präsentation/Pyduino_Präsentation.pptx
@@ -22,7 +22,8 @@
     <p:sldId id="269" r:id="rId16"/>
     <p:sldId id="265" r:id="rId17"/>
     <p:sldId id="266" r:id="rId18"/>
-    <p:sldId id="273" r:id="rId19"/>
+    <p:sldId id="276" r:id="rId19"/>
+    <p:sldId id="273" r:id="rId20"/>
   </p:sldIdLst>
   <p:sldSz cx="12192000" cy="6858000"/>
   <p:notesSz cx="6858000" cy="9144000"/>
@@ -7822,6 +7823,227 @@
           <a:chExt cx="0" cy="0"/>
         </a:xfrm>
       </p:grpSpPr>
+      <p:pic>
+        <p:nvPicPr>
+          <p:cNvPr id="5" name="Inhaltsplatzhalter 4">
+            <a:extLst>
+              <a:ext uri="{FF2B5EF4-FFF2-40B4-BE49-F238E27FC236}">
+                <a16:creationId xmlns:a16="http://schemas.microsoft.com/office/drawing/2014/main" id="{218136B5-0ED7-44B9-19DF-4855B492F8BB}"/>
+              </a:ext>
+            </a:extLst>
+          </p:cNvPr>
+          <p:cNvPicPr>
+            <a:picLocks noGrp="1" noChangeAspect="1"/>
+          </p:cNvPicPr>
+          <p:nvPr>
+            <p:ph idx="1"/>
+          </p:nvPr>
+        </p:nvPicPr>
+        <p:blipFill>
+          <a:blip r:embed="rId2"/>
+          <a:stretch>
+            <a:fillRect/>
+          </a:stretch>
+        </p:blipFill>
+        <p:spPr>
+          <a:xfrm>
+            <a:off x="1213250" y="0"/>
+            <a:ext cx="4930163" cy="6906574"/>
+          </a:xfrm>
+        </p:spPr>
+      </p:pic>
+      <p:sp>
+        <p:nvSpPr>
+          <p:cNvPr id="2" name="Textfeld 1">
+            <a:extLst>
+              <a:ext uri="{FF2B5EF4-FFF2-40B4-BE49-F238E27FC236}">
+                <a16:creationId xmlns:a16="http://schemas.microsoft.com/office/drawing/2014/main" id="{F1496AD2-81E2-B8FD-C652-B5CC7CD2F755}"/>
+              </a:ext>
+            </a:extLst>
+          </p:cNvPr>
+          <p:cNvSpPr txBox="1"/>
+          <p:nvPr/>
+        </p:nvSpPr>
+        <p:spPr>
+          <a:xfrm>
+            <a:off x="6114143" y="1322832"/>
+            <a:ext cx="4864607" cy="1754326"/>
+          </a:xfrm>
+          <a:prstGeom prst="rect">
+            <a:avLst/>
+          </a:prstGeom>
+          <a:noFill/>
+        </p:spPr>
+        <p:txBody>
+          <a:bodyPr wrap="square" rtlCol="0">
+            <a:spAutoFit/>
+          </a:bodyPr>
+          <a:lstStyle/>
+          <a:p>
+            <a:r>
+              <a:rPr lang="de-DE" dirty="0">
+                <a:solidFill>
+                  <a:srgbClr val="C6C6C6"/>
+                </a:solidFill>
+              </a:rPr>
+              <a:t>Funktionsaufruf direkt auf dem PC: </a:t>
+            </a:r>
+            <a:r>
+              <a:rPr lang="de-DE" b="1" dirty="0">
+                <a:solidFill>
+                  <a:srgbClr val="C6C6C6"/>
+                </a:solidFill>
+              </a:rPr>
+              <a:t>444 </a:t>
+            </a:r>
+            <a:r>
+              <a:rPr lang="de-DE" b="1" dirty="0" err="1">
+                <a:solidFill>
+                  <a:srgbClr val="C6C6C6"/>
+                </a:solidFill>
+              </a:rPr>
+              <a:t>ms</a:t>
+            </a:r>
+            <a:endParaRPr lang="de-DE" b="1" dirty="0">
+              <a:solidFill>
+                <a:srgbClr val="C6C6C6"/>
+              </a:solidFill>
+            </a:endParaRPr>
+          </a:p>
+          <a:p>
+            <a:r>
+              <a:rPr lang="de-DE" dirty="0">
+                <a:solidFill>
+                  <a:srgbClr val="C6C6C6"/>
+                </a:solidFill>
+              </a:rPr>
+              <a:t>Funktionsaufruf vom Arduino auf den PC: </a:t>
+            </a:r>
+            <a:r>
+              <a:rPr lang="de-DE" b="1" dirty="0">
+                <a:solidFill>
+                  <a:srgbClr val="C6C6C6"/>
+                </a:solidFill>
+              </a:rPr>
+              <a:t>447 </a:t>
+            </a:r>
+            <a:r>
+              <a:rPr lang="de-DE" b="1" dirty="0" err="1">
+                <a:solidFill>
+                  <a:srgbClr val="C6C6C6"/>
+                </a:solidFill>
+              </a:rPr>
+              <a:t>ms</a:t>
+            </a:r>
+            <a:endParaRPr lang="de-DE" b="1" dirty="0">
+              <a:solidFill>
+                <a:srgbClr val="C6C6C6"/>
+              </a:solidFill>
+            </a:endParaRPr>
+          </a:p>
+          <a:p>
+            <a:r>
+              <a:rPr lang="de-DE" dirty="0">
+                <a:solidFill>
+                  <a:srgbClr val="C6C6C6"/>
+                </a:solidFill>
+              </a:rPr>
+              <a:t>Funktionsaufruf auf dem Arduino: </a:t>
+            </a:r>
+            <a:r>
+              <a:rPr lang="de-DE" b="1" dirty="0">
+                <a:solidFill>
+                  <a:srgbClr val="C6C6C6"/>
+                </a:solidFill>
+              </a:rPr>
+              <a:t>ca. 28 min</a:t>
+            </a:r>
+          </a:p>
+          <a:p>
+            <a:endParaRPr lang="de-DE" b="1" dirty="0">
+              <a:solidFill>
+                <a:srgbClr val="C6C6C6"/>
+              </a:solidFill>
+            </a:endParaRPr>
+          </a:p>
+          <a:p>
+            <a:r>
+              <a:rPr lang="de-DE" dirty="0">
+                <a:solidFill>
+                  <a:srgbClr val="C6C6C6"/>
+                </a:solidFill>
+              </a:rPr>
+              <a:t>In C implementiert auf dem PC:  </a:t>
+            </a:r>
+            <a:br>
+              <a:rPr lang="de-DE" dirty="0">
+                <a:solidFill>
+                  <a:srgbClr val="C6C6C6"/>
+                </a:solidFill>
+              </a:rPr>
+            </a:br>
+            <a:r>
+              <a:rPr lang="de-DE" dirty="0">
+                <a:solidFill>
+                  <a:srgbClr val="C6C6C6"/>
+                </a:solidFill>
+              </a:rPr>
+              <a:t>In </a:t>
+            </a:r>
+            <a:r>
+              <a:rPr lang="de-DE">
+                <a:solidFill>
+                  <a:srgbClr val="C6C6C6"/>
+                </a:solidFill>
+              </a:rPr>
+              <a:t>Python implementiert auf dem PC:</a:t>
+            </a:r>
+            <a:endParaRPr lang="de-DE" dirty="0">
+              <a:solidFill>
+                <a:srgbClr val="C6C6C6"/>
+              </a:solidFill>
+            </a:endParaRPr>
+          </a:p>
+        </p:txBody>
+      </p:sp>
+    </p:spTree>
+    <p:extLst>
+      <p:ext uri="{BB962C8B-B14F-4D97-AF65-F5344CB8AC3E}">
+        <p14:creationId xmlns:p14="http://schemas.microsoft.com/office/powerpoint/2010/main" val="292500192"/>
+      </p:ext>
+    </p:extLst>
+  </p:cSld>
+  <p:clrMapOvr>
+    <a:masterClrMapping/>
+  </p:clrMapOvr>
+</p:sld>
+</file>
+
+<file path=ppt/slides/slide19.xml><?xml version="1.0" encoding="utf-8"?>
+<p:sld xmlns:a="http://schemas.openxmlformats.org/drawingml/2006/main" xmlns:r="http://schemas.openxmlformats.org/officeDocument/2006/relationships" xmlns:p="http://schemas.openxmlformats.org/presentationml/2006/main">
+  <p:cSld>
+    <p:bg>
+      <p:bgPr>
+        <a:solidFill>
+          <a:srgbClr val="2B2B2B"/>
+        </a:solidFill>
+        <a:effectLst/>
+      </p:bgPr>
+    </p:bg>
+    <p:spTree>
+      <p:nvGrpSpPr>
+        <p:cNvPr id="1" name=""/>
+        <p:cNvGrpSpPr/>
+        <p:nvPr/>
+      </p:nvGrpSpPr>
+      <p:grpSpPr>
+        <a:xfrm>
+          <a:off x="0" y="0"/>
+          <a:ext cx="0" cy="0"/>
+          <a:chOff x="0" y="0"/>
+          <a:chExt cx="0" cy="0"/>
+        </a:xfrm>
+      </p:grpSpPr>
       <p:sp>
         <p:nvSpPr>
           <p:cNvPr id="2" name="Titel 1">
@@ -7975,11 +8197,14 @@
             </a:r>
           </a:p>
           <a:p>
-            <a:endParaRPr lang="de-DE" dirty="0">
-              <a:solidFill>
-                <a:srgbClr val="C6C6C6"/>
-              </a:solidFill>
-            </a:endParaRPr>
+            <a:r>
+              <a:rPr lang="de-DE" dirty="0">
+                <a:solidFill>
+                  <a:srgbClr val="C6C6C6"/>
+                </a:solidFill>
+              </a:rPr>
+              <a:t>Ausführliche Dokumentation</a:t>
+            </a:r>
           </a:p>
           <a:p>
             <a:endParaRPr lang="de-DE" dirty="0">

--- a/Präsentation/Pyduino_Präsentation.pptx
+++ b/Präsentation/Pyduino_Präsentation.pptx
@@ -23,7 +23,9 @@
     <p:sldId id="265" r:id="rId17"/>
     <p:sldId id="266" r:id="rId18"/>
     <p:sldId id="276" r:id="rId19"/>
-    <p:sldId id="273" r:id="rId20"/>
+    <p:sldId id="277" r:id="rId20"/>
+    <p:sldId id="278" r:id="rId21"/>
+    <p:sldId id="273" r:id="rId22"/>
   </p:sldIdLst>
   <p:sldSz cx="12192000" cy="6858000"/>
   <p:notesSz cx="6858000" cy="9144000"/>
@@ -277,7 +279,7 @@
           <a:p>
             <a:fld id="{57C2ADC8-E08E-42BC-8B3F-BEE8B0D2554E}" type="datetimeFigureOut">
               <a:rPr lang="de-DE" smtClean="0"/>
-              <a:t>22.03.2023</a:t>
+              <a:t>23.03.2023</a:t>
             </a:fld>
             <a:endParaRPr lang="de-DE"/>
           </a:p>
@@ -475,7 +477,7 @@
           <a:p>
             <a:fld id="{57C2ADC8-E08E-42BC-8B3F-BEE8B0D2554E}" type="datetimeFigureOut">
               <a:rPr lang="de-DE" smtClean="0"/>
-              <a:t>22.03.2023</a:t>
+              <a:t>23.03.2023</a:t>
             </a:fld>
             <a:endParaRPr lang="de-DE"/>
           </a:p>
@@ -683,7 +685,7 @@
           <a:p>
             <a:fld id="{57C2ADC8-E08E-42BC-8B3F-BEE8B0D2554E}" type="datetimeFigureOut">
               <a:rPr lang="de-DE" smtClean="0"/>
-              <a:t>22.03.2023</a:t>
+              <a:t>23.03.2023</a:t>
             </a:fld>
             <a:endParaRPr lang="de-DE"/>
           </a:p>
@@ -881,7 +883,7 @@
           <a:p>
             <a:fld id="{57C2ADC8-E08E-42BC-8B3F-BEE8B0D2554E}" type="datetimeFigureOut">
               <a:rPr lang="de-DE" smtClean="0"/>
-              <a:t>22.03.2023</a:t>
+              <a:t>23.03.2023</a:t>
             </a:fld>
             <a:endParaRPr lang="de-DE"/>
           </a:p>
@@ -1156,7 +1158,7 @@
           <a:p>
             <a:fld id="{57C2ADC8-E08E-42BC-8B3F-BEE8B0D2554E}" type="datetimeFigureOut">
               <a:rPr lang="de-DE" smtClean="0"/>
-              <a:t>22.03.2023</a:t>
+              <a:t>23.03.2023</a:t>
             </a:fld>
             <a:endParaRPr lang="de-DE"/>
           </a:p>
@@ -1421,7 +1423,7 @@
           <a:p>
             <a:fld id="{57C2ADC8-E08E-42BC-8B3F-BEE8B0D2554E}" type="datetimeFigureOut">
               <a:rPr lang="de-DE" smtClean="0"/>
-              <a:t>22.03.2023</a:t>
+              <a:t>23.03.2023</a:t>
             </a:fld>
             <a:endParaRPr lang="de-DE"/>
           </a:p>
@@ -1833,7 +1835,7 @@
           <a:p>
             <a:fld id="{57C2ADC8-E08E-42BC-8B3F-BEE8B0D2554E}" type="datetimeFigureOut">
               <a:rPr lang="de-DE" smtClean="0"/>
-              <a:t>22.03.2023</a:t>
+              <a:t>23.03.2023</a:t>
             </a:fld>
             <a:endParaRPr lang="de-DE"/>
           </a:p>
@@ -1974,7 +1976,7 @@
           <a:p>
             <a:fld id="{57C2ADC8-E08E-42BC-8B3F-BEE8B0D2554E}" type="datetimeFigureOut">
               <a:rPr lang="de-DE" smtClean="0"/>
-              <a:t>22.03.2023</a:t>
+              <a:t>23.03.2023</a:t>
             </a:fld>
             <a:endParaRPr lang="de-DE"/>
           </a:p>
@@ -2087,7 +2089,7 @@
           <a:p>
             <a:fld id="{57C2ADC8-E08E-42BC-8B3F-BEE8B0D2554E}" type="datetimeFigureOut">
               <a:rPr lang="de-DE" smtClean="0"/>
-              <a:t>22.03.2023</a:t>
+              <a:t>23.03.2023</a:t>
             </a:fld>
             <a:endParaRPr lang="de-DE"/>
           </a:p>
@@ -2398,7 +2400,7 @@
           <a:p>
             <a:fld id="{57C2ADC8-E08E-42BC-8B3F-BEE8B0D2554E}" type="datetimeFigureOut">
               <a:rPr lang="de-DE" smtClean="0"/>
-              <a:t>22.03.2023</a:t>
+              <a:t>23.03.2023</a:t>
             </a:fld>
             <a:endParaRPr lang="de-DE"/>
           </a:p>
@@ -2686,7 +2688,7 @@
           <a:p>
             <a:fld id="{57C2ADC8-E08E-42BC-8B3F-BEE8B0D2554E}" type="datetimeFigureOut">
               <a:rPr lang="de-DE" smtClean="0"/>
-              <a:t>22.03.2023</a:t>
+              <a:t>23.03.2023</a:t>
             </a:fld>
             <a:endParaRPr lang="de-DE"/>
           </a:p>
@@ -2927,7 +2929,7 @@
           <a:p>
             <a:fld id="{57C2ADC8-E08E-42BC-8B3F-BEE8B0D2554E}" type="datetimeFigureOut">
               <a:rPr lang="de-DE" smtClean="0"/>
-              <a:t>22.03.2023</a:t>
+              <a:t>23.03.2023</a:t>
             </a:fld>
             <a:endParaRPr lang="de-DE"/>
           </a:p>
@@ -8044,57 +8046,61 @@
           <a:chExt cx="0" cy="0"/>
         </a:xfrm>
       </p:grpSpPr>
-      <p:sp>
-        <p:nvSpPr>
-          <p:cNvPr id="2" name="Titel 1">
-            <a:extLst>
-              <a:ext uri="{FF2B5EF4-FFF2-40B4-BE49-F238E27FC236}">
-                <a16:creationId xmlns:a16="http://schemas.microsoft.com/office/drawing/2014/main" id="{FBCFB6EF-4632-6F9B-6E43-F2A43DC08005}"/>
-              </a:ext>
-            </a:extLst>
-          </p:cNvPr>
-          <p:cNvSpPr>
-            <a:spLocks noGrp="1"/>
-          </p:cNvSpPr>
-          <p:nvPr>
-            <p:ph type="title"/>
-          </p:nvPr>
-        </p:nvSpPr>
-        <p:spPr/>
-        <p:txBody>
-          <a:bodyPr/>
-          <a:lstStyle/>
-          <a:p>
-            <a:r>
-              <a:rPr lang="de-DE" dirty="0">
-                <a:solidFill>
-                  <a:srgbClr val="C6C6C6"/>
-                </a:solidFill>
-              </a:rPr>
-              <a:t>Ausblick</a:t>
-            </a:r>
-          </a:p>
-        </p:txBody>
-      </p:sp>
-      <p:sp>
-        <p:nvSpPr>
-          <p:cNvPr id="3" name="Inhaltsplatzhalter 2">
-            <a:extLst>
-              <a:ext uri="{FF2B5EF4-FFF2-40B4-BE49-F238E27FC236}">
-                <a16:creationId xmlns:a16="http://schemas.microsoft.com/office/drawing/2014/main" id="{4B49AF34-D785-351C-0741-87B27049BA88}"/>
-              </a:ext>
-            </a:extLst>
-          </p:cNvPr>
-          <p:cNvSpPr>
-            <a:spLocks noGrp="1"/>
-          </p:cNvSpPr>
+      <p:pic>
+        <p:nvPicPr>
+          <p:cNvPr id="5" name="Inhaltsplatzhalter 4">
+            <a:extLst>
+              <a:ext uri="{FF2B5EF4-FFF2-40B4-BE49-F238E27FC236}">
+                <a16:creationId xmlns:a16="http://schemas.microsoft.com/office/drawing/2014/main" id="{218136B5-0ED7-44B9-19DF-4855B492F8BB}"/>
+              </a:ext>
+            </a:extLst>
+          </p:cNvPr>
+          <p:cNvPicPr>
+            <a:picLocks noGrp="1" noChangeAspect="1"/>
+          </p:cNvPicPr>
           <p:nvPr>
             <p:ph idx="1"/>
           </p:nvPr>
-        </p:nvSpPr>
-        <p:spPr/>
-        <p:txBody>
-          <a:bodyPr/>
+        </p:nvPicPr>
+        <p:blipFill>
+          <a:blip r:embed="rId2"/>
+          <a:stretch>
+            <a:fillRect/>
+          </a:stretch>
+        </p:blipFill>
+        <p:spPr>
+          <a:xfrm>
+            <a:off x="1213250" y="0"/>
+            <a:ext cx="4930163" cy="6906574"/>
+          </a:xfrm>
+        </p:spPr>
+      </p:pic>
+      <p:sp>
+        <p:nvSpPr>
+          <p:cNvPr id="2" name="Textfeld 1">
+            <a:extLst>
+              <a:ext uri="{FF2B5EF4-FFF2-40B4-BE49-F238E27FC236}">
+                <a16:creationId xmlns:a16="http://schemas.microsoft.com/office/drawing/2014/main" id="{F1496AD2-81E2-B8FD-C652-B5CC7CD2F755}"/>
+              </a:ext>
+            </a:extLst>
+          </p:cNvPr>
+          <p:cNvSpPr txBox="1"/>
+          <p:nvPr/>
+        </p:nvSpPr>
+        <p:spPr>
+          <a:xfrm>
+            <a:off x="6114143" y="1322832"/>
+            <a:ext cx="4864607" cy="1754326"/>
+          </a:xfrm>
+          <a:prstGeom prst="rect">
+            <a:avLst/>
+          </a:prstGeom>
+          <a:noFill/>
+        </p:spPr>
+        <p:txBody>
+          <a:bodyPr wrap="square" rtlCol="0">
+            <a:spAutoFit/>
+          </a:bodyPr>
           <a:lstStyle/>
           <a:p>
             <a:r>
@@ -8103,155 +8109,117 @@
                   <a:srgbClr val="C6C6C6"/>
                 </a:solidFill>
               </a:rPr>
-              <a:t>Mehr Features:</a:t>
-            </a:r>
-          </a:p>
-          <a:p>
-            <a:pPr lvl="1"/>
-            <a:r>
-              <a:rPr lang="de-DE" dirty="0">
-                <a:solidFill>
-                  <a:srgbClr val="C6C6C6"/>
-                </a:solidFill>
-              </a:rPr>
-              <a:t>Datentypen (z.B. Listen etc.)</a:t>
-            </a:r>
-          </a:p>
-          <a:p>
-            <a:pPr lvl="1"/>
-            <a:r>
-              <a:rPr lang="de-DE" dirty="0">
-                <a:solidFill>
-                  <a:srgbClr val="C6C6C6"/>
-                </a:solidFill>
-              </a:rPr>
-              <a:t>Features von Python und Arduino (z.B. Builtins, Bibliotheken)</a:t>
-            </a:r>
-          </a:p>
-          <a:p>
-            <a:pPr lvl="1"/>
-            <a:r>
-              <a:rPr lang="de-DE" dirty="0">
-                <a:solidFill>
-                  <a:srgbClr val="C6C6C6"/>
-                </a:solidFill>
-              </a:rPr>
-              <a:t>Objektorientierung (Klassen, Vererbung)</a:t>
-            </a:r>
-          </a:p>
-          <a:p>
-            <a:pPr lvl="1"/>
-            <a:r>
-              <a:rPr lang="de-DE" dirty="0">
-                <a:solidFill>
-                  <a:srgbClr val="C6C6C6"/>
-                </a:solidFill>
-              </a:rPr>
-              <a:t>Asynchrone Anfragen und Funktionsaufrufe</a:t>
-            </a:r>
-          </a:p>
-          <a:p>
-            <a:r>
-              <a:rPr lang="de-DE" dirty="0">
-                <a:solidFill>
-                  <a:srgbClr val="C6C6C6"/>
-                </a:solidFill>
-              </a:rPr>
-              <a:t>Optimierung von </a:t>
-            </a:r>
-            <a:r>
-              <a:rPr lang="de-DE" dirty="0" err="1">
-                <a:solidFill>
-                  <a:srgbClr val="C6C6C6"/>
-                </a:solidFill>
-              </a:rPr>
-              <a:t>Compilieren</a:t>
-            </a:r>
-            <a:r>
-              <a:rPr lang="de-DE" dirty="0">
-                <a:solidFill>
-                  <a:srgbClr val="C6C6C6"/>
-                </a:solidFill>
-              </a:rPr>
-              <a:t> und hochladen</a:t>
-            </a:r>
-          </a:p>
-          <a:p>
-            <a:r>
-              <a:rPr lang="de-DE" dirty="0">
-                <a:solidFill>
-                  <a:srgbClr val="C6C6C6"/>
-                </a:solidFill>
-              </a:rPr>
-              <a:t>Eigene IDE</a:t>
-            </a:r>
-          </a:p>
-          <a:p>
-            <a:r>
-              <a:rPr lang="de-DE" dirty="0">
-                <a:solidFill>
-                  <a:srgbClr val="C6C6C6"/>
-                </a:solidFill>
-              </a:rPr>
-              <a:t>Linux support</a:t>
-            </a:r>
-          </a:p>
-          <a:p>
-            <a:r>
-              <a:rPr lang="de-DE" dirty="0">
-                <a:solidFill>
-                  <a:srgbClr val="C6C6C6"/>
-                </a:solidFill>
-              </a:rPr>
-              <a:t>Ausführliche Dokumentation</a:t>
-            </a:r>
-          </a:p>
-          <a:p>
-            <a:endParaRPr lang="de-DE" dirty="0">
+              <a:t>Funktionsaufruf direkt auf dem PC: </a:t>
+            </a:r>
+            <a:r>
+              <a:rPr lang="de-DE" b="1" dirty="0">
+                <a:solidFill>
+                  <a:srgbClr val="C6C6C6"/>
+                </a:solidFill>
+              </a:rPr>
+              <a:t>444 </a:t>
+            </a:r>
+            <a:r>
+              <a:rPr lang="de-DE" b="1" dirty="0" err="1">
+                <a:solidFill>
+                  <a:srgbClr val="C6C6C6"/>
+                </a:solidFill>
+              </a:rPr>
+              <a:t>ms</a:t>
+            </a:r>
+            <a:endParaRPr lang="de-DE" b="1" dirty="0">
               <a:solidFill>
                 <a:srgbClr val="C6C6C6"/>
               </a:solidFill>
             </a:endParaRPr>
           </a:p>
           <a:p>
-            <a:pPr lvl="1"/>
-            <a:endParaRPr lang="de-DE" dirty="0">
+            <a:r>
+              <a:rPr lang="de-DE" dirty="0">
+                <a:solidFill>
+                  <a:srgbClr val="C6C6C6"/>
+                </a:solidFill>
+              </a:rPr>
+              <a:t>Funktionsaufruf vom Arduino auf den PC: </a:t>
+            </a:r>
+            <a:r>
+              <a:rPr lang="de-DE" b="1" dirty="0">
+                <a:solidFill>
+                  <a:srgbClr val="C6C6C6"/>
+                </a:solidFill>
+              </a:rPr>
+              <a:t>447 </a:t>
+            </a:r>
+            <a:r>
+              <a:rPr lang="de-DE" b="1" dirty="0" err="1">
+                <a:solidFill>
+                  <a:srgbClr val="C6C6C6"/>
+                </a:solidFill>
+              </a:rPr>
+              <a:t>ms</a:t>
+            </a:r>
+            <a:endParaRPr lang="de-DE" b="1" dirty="0">
               <a:solidFill>
                 <a:srgbClr val="C6C6C6"/>
               </a:solidFill>
             </a:endParaRPr>
           </a:p>
           <a:p>
-            <a:pPr lvl="1"/>
-            <a:endParaRPr lang="de-DE" dirty="0">
+            <a:r>
+              <a:rPr lang="de-DE" dirty="0">
+                <a:solidFill>
+                  <a:srgbClr val="C6C6C6"/>
+                </a:solidFill>
+              </a:rPr>
+              <a:t>Funktionsaufruf auf dem Arduino: </a:t>
+            </a:r>
+            <a:r>
+              <a:rPr lang="de-DE" b="1" dirty="0">
+                <a:solidFill>
+                  <a:srgbClr val="C6C6C6"/>
+                </a:solidFill>
+              </a:rPr>
+              <a:t>ca. 28 min</a:t>
+            </a:r>
+          </a:p>
+          <a:p>
+            <a:endParaRPr lang="de-DE" b="1" dirty="0">
               <a:solidFill>
                 <a:srgbClr val="C6C6C6"/>
               </a:solidFill>
             </a:endParaRPr>
           </a:p>
           <a:p>
-            <a:pPr marL="457200" lvl="1" indent="0">
-              <a:buNone/>
-            </a:pPr>
-            <a:endParaRPr lang="de-DE" dirty="0">
-              <a:solidFill>
-                <a:srgbClr val="C6C6C6"/>
-              </a:solidFill>
-            </a:endParaRPr>
-          </a:p>
-          <a:p>
-            <a:endParaRPr lang="de-DE" dirty="0">
-              <a:solidFill>
-                <a:srgbClr val="C6C6C6"/>
-              </a:solidFill>
-            </a:endParaRPr>
+            <a:r>
+              <a:rPr lang="de-DE" dirty="0">
+                <a:solidFill>
+                  <a:srgbClr val="C6C6C6"/>
+                </a:solidFill>
+              </a:rPr>
+              <a:t>In C implementiert auf dem PC:  </a:t>
+            </a:r>
+            <a:br>
+              <a:rPr lang="de-DE" dirty="0">
+                <a:solidFill>
+                  <a:srgbClr val="C6C6C6"/>
+                </a:solidFill>
+              </a:rPr>
+            </a:br>
+            <a:r>
+              <a:rPr lang="de-DE" dirty="0">
+                <a:solidFill>
+                  <a:srgbClr val="C6C6C6"/>
+                </a:solidFill>
+              </a:rPr>
+              <a:t>In Python implementiert auf dem PC:</a:t>
+            </a:r>
           </a:p>
         </p:txBody>
       </p:sp>
     </p:spTree>
     <p:extLst>
       <p:ext uri="{BB962C8B-B14F-4D97-AF65-F5344CB8AC3E}">
-        <p14:creationId xmlns:p14="http://schemas.microsoft.com/office/powerpoint/2010/main" val="868426615"/>
+        <p14:creationId xmlns:p14="http://schemas.microsoft.com/office/powerpoint/2010/main" val="2954527662"/>
       </p:ext>
     </p:extLst>
   </p:cSld>
@@ -8974,6 +8942,354 @@
     <p:extLst>
       <p:ext uri="{BB962C8B-B14F-4D97-AF65-F5344CB8AC3E}">
         <p14:creationId xmlns:p14="http://schemas.microsoft.com/office/powerpoint/2010/main" val="2501689651"/>
+      </p:ext>
+    </p:extLst>
+  </p:cSld>
+  <p:clrMapOvr>
+    <a:masterClrMapping/>
+  </p:clrMapOvr>
+</p:sld>
+</file>
+
+<file path=ppt/slides/slide20.xml><?xml version="1.0" encoding="utf-8"?>
+<p:sld xmlns:a="http://schemas.openxmlformats.org/drawingml/2006/main" xmlns:r="http://schemas.openxmlformats.org/officeDocument/2006/relationships" xmlns:p="http://schemas.openxmlformats.org/presentationml/2006/main">
+  <p:cSld>
+    <p:bg>
+      <p:bgPr>
+        <a:solidFill>
+          <a:srgbClr val="2B2B2B"/>
+        </a:solidFill>
+        <a:effectLst/>
+      </p:bgPr>
+    </p:bg>
+    <p:spTree>
+      <p:nvGrpSpPr>
+        <p:cNvPr id="1" name=""/>
+        <p:cNvGrpSpPr/>
+        <p:nvPr/>
+      </p:nvGrpSpPr>
+      <p:grpSpPr>
+        <a:xfrm>
+          <a:off x="0" y="0"/>
+          <a:ext cx="0" cy="0"/>
+          <a:chOff x="0" y="0"/>
+          <a:chExt cx="0" cy="0"/>
+        </a:xfrm>
+      </p:grpSpPr>
+      <p:pic>
+        <p:nvPicPr>
+          <p:cNvPr id="7" name="Grafik 6">
+            <a:extLst>
+              <a:ext uri="{FF2B5EF4-FFF2-40B4-BE49-F238E27FC236}">
+                <a16:creationId xmlns:a16="http://schemas.microsoft.com/office/drawing/2014/main" id="{B8911B11-9C8C-A63E-76AC-5313ECF70912}"/>
+              </a:ext>
+            </a:extLst>
+          </p:cNvPr>
+          <p:cNvPicPr>
+            <a:picLocks noChangeAspect="1"/>
+          </p:cNvPicPr>
+          <p:nvPr/>
+        </p:nvPicPr>
+        <p:blipFill rotWithShape="1">
+          <a:blip r:embed="rId2"/>
+          <a:srcRect t="19886" r="22224"/>
+          <a:stretch/>
+        </p:blipFill>
+        <p:spPr>
+          <a:xfrm>
+            <a:off x="124403" y="230188"/>
+            <a:ext cx="11943194" cy="1164337"/>
+          </a:xfrm>
+          <a:prstGeom prst="rect">
+            <a:avLst/>
+          </a:prstGeom>
+        </p:spPr>
+      </p:pic>
+      <p:pic>
+        <p:nvPicPr>
+          <p:cNvPr id="12" name="Grafik 11">
+            <a:extLst>
+              <a:ext uri="{FF2B5EF4-FFF2-40B4-BE49-F238E27FC236}">
+                <a16:creationId xmlns:a16="http://schemas.microsoft.com/office/drawing/2014/main" id="{4A9F303D-67F1-F996-EE7B-51624EF2BF38}"/>
+              </a:ext>
+            </a:extLst>
+          </p:cNvPr>
+          <p:cNvPicPr>
+            <a:picLocks noChangeAspect="1"/>
+          </p:cNvPicPr>
+          <p:nvPr/>
+        </p:nvPicPr>
+        <p:blipFill>
+          <a:blip r:embed="rId3">
+            <a:extLst>
+              <a:ext uri="{28A0092B-C50C-407E-A947-70E740481C1C}">
+                <a14:useLocalDpi xmlns:a14="http://schemas.microsoft.com/office/drawing/2010/main" val="0"/>
+              </a:ext>
+              <a:ext uri="{96DAC541-7B7A-43D3-8B79-37D633B846F1}">
+                <asvg:svgBlip xmlns:asvg="http://schemas.microsoft.com/office/drawing/2016/SVG/main" r:embed="rId4"/>
+              </a:ext>
+            </a:extLst>
+          </a:blip>
+          <a:stretch>
+            <a:fillRect/>
+          </a:stretch>
+        </p:blipFill>
+        <p:spPr>
+          <a:xfrm>
+            <a:off x="2454897" y="954694"/>
+            <a:ext cx="8448675" cy="6457950"/>
+          </a:xfrm>
+          <a:prstGeom prst="rect">
+            <a:avLst/>
+          </a:prstGeom>
+        </p:spPr>
+      </p:pic>
+    </p:spTree>
+    <p:extLst>
+      <p:ext uri="{BB962C8B-B14F-4D97-AF65-F5344CB8AC3E}">
+        <p14:creationId xmlns:p14="http://schemas.microsoft.com/office/powerpoint/2010/main" val="811435848"/>
+      </p:ext>
+    </p:extLst>
+  </p:cSld>
+  <p:clrMapOvr>
+    <a:masterClrMapping/>
+  </p:clrMapOvr>
+</p:sld>
+</file>
+
+<file path=ppt/slides/slide21.xml><?xml version="1.0" encoding="utf-8"?>
+<p:sld xmlns:a="http://schemas.openxmlformats.org/drawingml/2006/main" xmlns:r="http://schemas.openxmlformats.org/officeDocument/2006/relationships" xmlns:p="http://schemas.openxmlformats.org/presentationml/2006/main">
+  <p:cSld>
+    <p:bg>
+      <p:bgPr>
+        <a:solidFill>
+          <a:srgbClr val="2B2B2B"/>
+        </a:solidFill>
+        <a:effectLst/>
+      </p:bgPr>
+    </p:bg>
+    <p:spTree>
+      <p:nvGrpSpPr>
+        <p:cNvPr id="1" name=""/>
+        <p:cNvGrpSpPr/>
+        <p:nvPr/>
+      </p:nvGrpSpPr>
+      <p:grpSpPr>
+        <a:xfrm>
+          <a:off x="0" y="0"/>
+          <a:ext cx="0" cy="0"/>
+          <a:chOff x="0" y="0"/>
+          <a:chExt cx="0" cy="0"/>
+        </a:xfrm>
+      </p:grpSpPr>
+      <p:sp>
+        <p:nvSpPr>
+          <p:cNvPr id="2" name="Titel 1">
+            <a:extLst>
+              <a:ext uri="{FF2B5EF4-FFF2-40B4-BE49-F238E27FC236}">
+                <a16:creationId xmlns:a16="http://schemas.microsoft.com/office/drawing/2014/main" id="{FBCFB6EF-4632-6F9B-6E43-F2A43DC08005}"/>
+              </a:ext>
+            </a:extLst>
+          </p:cNvPr>
+          <p:cNvSpPr>
+            <a:spLocks noGrp="1"/>
+          </p:cNvSpPr>
+          <p:nvPr>
+            <p:ph type="title"/>
+          </p:nvPr>
+        </p:nvSpPr>
+        <p:spPr/>
+        <p:txBody>
+          <a:bodyPr/>
+          <a:lstStyle/>
+          <a:p>
+            <a:r>
+              <a:rPr lang="de-DE" dirty="0">
+                <a:solidFill>
+                  <a:srgbClr val="C6C6C6"/>
+                </a:solidFill>
+              </a:rPr>
+              <a:t>Ausblick</a:t>
+            </a:r>
+          </a:p>
+        </p:txBody>
+      </p:sp>
+      <p:sp>
+        <p:nvSpPr>
+          <p:cNvPr id="3" name="Inhaltsplatzhalter 2">
+            <a:extLst>
+              <a:ext uri="{FF2B5EF4-FFF2-40B4-BE49-F238E27FC236}">
+                <a16:creationId xmlns:a16="http://schemas.microsoft.com/office/drawing/2014/main" id="{4B49AF34-D785-351C-0741-87B27049BA88}"/>
+              </a:ext>
+            </a:extLst>
+          </p:cNvPr>
+          <p:cNvSpPr>
+            <a:spLocks noGrp="1"/>
+          </p:cNvSpPr>
+          <p:nvPr>
+            <p:ph idx="1"/>
+          </p:nvPr>
+        </p:nvSpPr>
+        <p:spPr/>
+        <p:txBody>
+          <a:bodyPr/>
+          <a:lstStyle/>
+          <a:p>
+            <a:r>
+              <a:rPr lang="de-DE" dirty="0">
+                <a:solidFill>
+                  <a:srgbClr val="C6C6C6"/>
+                </a:solidFill>
+              </a:rPr>
+              <a:t>Mehr Features:</a:t>
+            </a:r>
+          </a:p>
+          <a:p>
+            <a:pPr lvl="1"/>
+            <a:r>
+              <a:rPr lang="de-DE" dirty="0">
+                <a:solidFill>
+                  <a:srgbClr val="C6C6C6"/>
+                </a:solidFill>
+              </a:rPr>
+              <a:t>Datentypen (z.B. Listen etc.)</a:t>
+            </a:r>
+          </a:p>
+          <a:p>
+            <a:pPr lvl="1"/>
+            <a:r>
+              <a:rPr lang="de-DE" dirty="0">
+                <a:solidFill>
+                  <a:srgbClr val="C6C6C6"/>
+                </a:solidFill>
+              </a:rPr>
+              <a:t>Features von Python und Arduino (z.B. Builtins, Bibliotheken)</a:t>
+            </a:r>
+          </a:p>
+          <a:p>
+            <a:pPr lvl="1"/>
+            <a:r>
+              <a:rPr lang="de-DE" dirty="0">
+                <a:solidFill>
+                  <a:srgbClr val="C6C6C6"/>
+                </a:solidFill>
+              </a:rPr>
+              <a:t>Objektorientierung (Klassen, Vererbung)</a:t>
+            </a:r>
+          </a:p>
+          <a:p>
+            <a:pPr lvl="1"/>
+            <a:r>
+              <a:rPr lang="de-DE" dirty="0">
+                <a:solidFill>
+                  <a:srgbClr val="C6C6C6"/>
+                </a:solidFill>
+              </a:rPr>
+              <a:t>Asynchrone Anfragen und Funktionsaufrufe</a:t>
+            </a:r>
+          </a:p>
+          <a:p>
+            <a:r>
+              <a:rPr lang="de-DE" dirty="0">
+                <a:solidFill>
+                  <a:srgbClr val="C6C6C6"/>
+                </a:solidFill>
+              </a:rPr>
+              <a:t>Optimierung von </a:t>
+            </a:r>
+            <a:r>
+              <a:rPr lang="de-DE" dirty="0" err="1">
+                <a:solidFill>
+                  <a:srgbClr val="C6C6C6"/>
+                </a:solidFill>
+              </a:rPr>
+              <a:t>Compilieren</a:t>
+            </a:r>
+            <a:r>
+              <a:rPr lang="de-DE" dirty="0">
+                <a:solidFill>
+                  <a:srgbClr val="C6C6C6"/>
+                </a:solidFill>
+              </a:rPr>
+              <a:t> und hochladen</a:t>
+            </a:r>
+          </a:p>
+          <a:p>
+            <a:r>
+              <a:rPr lang="de-DE" dirty="0">
+                <a:solidFill>
+                  <a:srgbClr val="C6C6C6"/>
+                </a:solidFill>
+              </a:rPr>
+              <a:t>Eigene IDE</a:t>
+            </a:r>
+          </a:p>
+          <a:p>
+            <a:r>
+              <a:rPr lang="de-DE" dirty="0">
+                <a:solidFill>
+                  <a:srgbClr val="C6C6C6"/>
+                </a:solidFill>
+              </a:rPr>
+              <a:t>Linux support</a:t>
+            </a:r>
+          </a:p>
+          <a:p>
+            <a:r>
+              <a:rPr lang="de-DE" dirty="0">
+                <a:solidFill>
+                  <a:srgbClr val="C6C6C6"/>
+                </a:solidFill>
+              </a:rPr>
+              <a:t>Ausführliche Dokumentation</a:t>
+            </a:r>
+          </a:p>
+          <a:p>
+            <a:endParaRPr lang="de-DE" dirty="0">
+              <a:solidFill>
+                <a:srgbClr val="C6C6C6"/>
+              </a:solidFill>
+            </a:endParaRPr>
+          </a:p>
+          <a:p>
+            <a:pPr lvl="1"/>
+            <a:endParaRPr lang="de-DE" dirty="0">
+              <a:solidFill>
+                <a:srgbClr val="C6C6C6"/>
+              </a:solidFill>
+            </a:endParaRPr>
+          </a:p>
+          <a:p>
+            <a:pPr lvl="1"/>
+            <a:endParaRPr lang="de-DE" dirty="0">
+              <a:solidFill>
+                <a:srgbClr val="C6C6C6"/>
+              </a:solidFill>
+            </a:endParaRPr>
+          </a:p>
+          <a:p>
+            <a:pPr marL="457200" lvl="1" indent="0">
+              <a:buNone/>
+            </a:pPr>
+            <a:endParaRPr lang="de-DE" dirty="0">
+              <a:solidFill>
+                <a:srgbClr val="C6C6C6"/>
+              </a:solidFill>
+            </a:endParaRPr>
+          </a:p>
+          <a:p>
+            <a:endParaRPr lang="de-DE" dirty="0">
+              <a:solidFill>
+                <a:srgbClr val="C6C6C6"/>
+              </a:solidFill>
+            </a:endParaRPr>
+          </a:p>
+        </p:txBody>
+      </p:sp>
+    </p:spTree>
+    <p:extLst>
+      <p:ext uri="{BB962C8B-B14F-4D97-AF65-F5344CB8AC3E}">
+        <p14:creationId xmlns:p14="http://schemas.microsoft.com/office/powerpoint/2010/main" val="868426615"/>
       </p:ext>
     </p:extLst>
   </p:cSld>

--- a/Präsentation/Pyduino_Präsentation.pptx
+++ b/Präsentation/Pyduino_Präsentation.pptx
@@ -279,7 +279,7 @@
           <a:p>
             <a:fld id="{57C2ADC8-E08E-42BC-8B3F-BEE8B0D2554E}" type="datetimeFigureOut">
               <a:rPr lang="de-DE" smtClean="0"/>
-              <a:t>23.03.2023</a:t>
+              <a:t>24.03.2023</a:t>
             </a:fld>
             <a:endParaRPr lang="de-DE"/>
           </a:p>
@@ -477,7 +477,7 @@
           <a:p>
             <a:fld id="{57C2ADC8-E08E-42BC-8B3F-BEE8B0D2554E}" type="datetimeFigureOut">
               <a:rPr lang="de-DE" smtClean="0"/>
-              <a:t>23.03.2023</a:t>
+              <a:t>24.03.2023</a:t>
             </a:fld>
             <a:endParaRPr lang="de-DE"/>
           </a:p>
@@ -685,7 +685,7 @@
           <a:p>
             <a:fld id="{57C2ADC8-E08E-42BC-8B3F-BEE8B0D2554E}" type="datetimeFigureOut">
               <a:rPr lang="de-DE" smtClean="0"/>
-              <a:t>23.03.2023</a:t>
+              <a:t>24.03.2023</a:t>
             </a:fld>
             <a:endParaRPr lang="de-DE"/>
           </a:p>
@@ -883,7 +883,7 @@
           <a:p>
             <a:fld id="{57C2ADC8-E08E-42BC-8B3F-BEE8B0D2554E}" type="datetimeFigureOut">
               <a:rPr lang="de-DE" smtClean="0"/>
-              <a:t>23.03.2023</a:t>
+              <a:t>24.03.2023</a:t>
             </a:fld>
             <a:endParaRPr lang="de-DE"/>
           </a:p>
@@ -1158,7 +1158,7 @@
           <a:p>
             <a:fld id="{57C2ADC8-E08E-42BC-8B3F-BEE8B0D2554E}" type="datetimeFigureOut">
               <a:rPr lang="de-DE" smtClean="0"/>
-              <a:t>23.03.2023</a:t>
+              <a:t>24.03.2023</a:t>
             </a:fld>
             <a:endParaRPr lang="de-DE"/>
           </a:p>
@@ -1423,7 +1423,7 @@
           <a:p>
             <a:fld id="{57C2ADC8-E08E-42BC-8B3F-BEE8B0D2554E}" type="datetimeFigureOut">
               <a:rPr lang="de-DE" smtClean="0"/>
-              <a:t>23.03.2023</a:t>
+              <a:t>24.03.2023</a:t>
             </a:fld>
             <a:endParaRPr lang="de-DE"/>
           </a:p>
@@ -1835,7 +1835,7 @@
           <a:p>
             <a:fld id="{57C2ADC8-E08E-42BC-8B3F-BEE8B0D2554E}" type="datetimeFigureOut">
               <a:rPr lang="de-DE" smtClean="0"/>
-              <a:t>23.03.2023</a:t>
+              <a:t>24.03.2023</a:t>
             </a:fld>
             <a:endParaRPr lang="de-DE"/>
           </a:p>
@@ -1976,7 +1976,7 @@
           <a:p>
             <a:fld id="{57C2ADC8-E08E-42BC-8B3F-BEE8B0D2554E}" type="datetimeFigureOut">
               <a:rPr lang="de-DE" smtClean="0"/>
-              <a:t>23.03.2023</a:t>
+              <a:t>24.03.2023</a:t>
             </a:fld>
             <a:endParaRPr lang="de-DE"/>
           </a:p>
@@ -2089,7 +2089,7 @@
           <a:p>
             <a:fld id="{57C2ADC8-E08E-42BC-8B3F-BEE8B0D2554E}" type="datetimeFigureOut">
               <a:rPr lang="de-DE" smtClean="0"/>
-              <a:t>23.03.2023</a:t>
+              <a:t>24.03.2023</a:t>
             </a:fld>
             <a:endParaRPr lang="de-DE"/>
           </a:p>
@@ -2400,7 +2400,7 @@
           <a:p>
             <a:fld id="{57C2ADC8-E08E-42BC-8B3F-BEE8B0D2554E}" type="datetimeFigureOut">
               <a:rPr lang="de-DE" smtClean="0"/>
-              <a:t>23.03.2023</a:t>
+              <a:t>24.03.2023</a:t>
             </a:fld>
             <a:endParaRPr lang="de-DE"/>
           </a:p>
@@ -2688,7 +2688,7 @@
           <a:p>
             <a:fld id="{57C2ADC8-E08E-42BC-8B3F-BEE8B0D2554E}" type="datetimeFigureOut">
               <a:rPr lang="de-DE" smtClean="0"/>
-              <a:t>23.03.2023</a:t>
+              <a:t>24.03.2023</a:t>
             </a:fld>
             <a:endParaRPr lang="de-DE"/>
           </a:p>
@@ -2929,7 +2929,7 @@
           <a:p>
             <a:fld id="{57C2ADC8-E08E-42BC-8B3F-BEE8B0D2554E}" type="datetimeFigureOut">
               <a:rPr lang="de-DE" smtClean="0"/>
-              <a:t>23.03.2023</a:t>
+              <a:t>24.03.2023</a:t>
             </a:fld>
             <a:endParaRPr lang="de-DE"/>
           </a:p>
@@ -5463,7 +5463,7 @@
                   <a:srgbClr val="C6C6C6"/>
                 </a:solidFill>
               </a:rPr>
-              <a:t>EndCharacterS</a:t>
+              <a:t>EndCharacter</a:t>
             </a:r>
             <a:endParaRPr lang="de-DE" dirty="0">
               <a:solidFill>
@@ -6558,18 +6558,13 @@
           <a:p>
             <a:pPr algn="ctr"/>
             <a:r>
-              <a:rPr lang="de-DE" dirty="0" err="1">
-                <a:solidFill>
-                  <a:srgbClr val="C6C6C6"/>
-                </a:solidFill>
-              </a:rPr>
-              <a:t>Respose</a:t>
-            </a:r>
-            <a:endParaRPr lang="de-DE" dirty="0">
-              <a:solidFill>
-                <a:srgbClr val="C6C6C6"/>
-              </a:solidFill>
-            </a:endParaRPr>
+              <a:rPr lang="de-DE" dirty="0">
+                <a:solidFill>
+                  <a:srgbClr val="C6C6C6"/>
+                </a:solidFill>
+              </a:rPr>
+              <a:t>Response</a:t>
+            </a:r>
           </a:p>
         </p:txBody>
       </p:sp>
@@ -6924,20 +6919,12 @@
           <a:p>
             <a:pPr algn="ctr"/>
             <a:r>
-              <a:rPr lang="de-DE" dirty="0" err="1">
-                <a:solidFill>
-                  <a:srgbClr val="C6C6C6"/>
-                </a:solidFill>
-              </a:rPr>
-              <a:t>Anwort</a:t>
-            </a:r>
-            <a:r>
               <a:rPr lang="de-DE" dirty="0">
                 <a:solidFill>
                   <a:srgbClr val="C6C6C6"/>
                 </a:solidFill>
               </a:rPr>
-              <a:t> auf den Funktionsaufruf</a:t>
+              <a:t>Antwort auf den Funktionsaufruf</a:t>
             </a:r>
           </a:p>
         </p:txBody>

--- a/Präsentation/Pyduino_Präsentation.pptx
+++ b/Präsentation/Pyduino_Präsentation.pptx
@@ -279,7 +279,7 @@
           <a:p>
             <a:fld id="{57C2ADC8-E08E-42BC-8B3F-BEE8B0D2554E}" type="datetimeFigureOut">
               <a:rPr lang="de-DE" smtClean="0"/>
-              <a:t>24.03.2023</a:t>
+              <a:t>25.03.2023</a:t>
             </a:fld>
             <a:endParaRPr lang="de-DE"/>
           </a:p>
@@ -477,7 +477,7 @@
           <a:p>
             <a:fld id="{57C2ADC8-E08E-42BC-8B3F-BEE8B0D2554E}" type="datetimeFigureOut">
               <a:rPr lang="de-DE" smtClean="0"/>
-              <a:t>24.03.2023</a:t>
+              <a:t>25.03.2023</a:t>
             </a:fld>
             <a:endParaRPr lang="de-DE"/>
           </a:p>
@@ -685,7 +685,7 @@
           <a:p>
             <a:fld id="{57C2ADC8-E08E-42BC-8B3F-BEE8B0D2554E}" type="datetimeFigureOut">
               <a:rPr lang="de-DE" smtClean="0"/>
-              <a:t>24.03.2023</a:t>
+              <a:t>25.03.2023</a:t>
             </a:fld>
             <a:endParaRPr lang="de-DE"/>
           </a:p>
@@ -883,7 +883,7 @@
           <a:p>
             <a:fld id="{57C2ADC8-E08E-42BC-8B3F-BEE8B0D2554E}" type="datetimeFigureOut">
               <a:rPr lang="de-DE" smtClean="0"/>
-              <a:t>24.03.2023</a:t>
+              <a:t>25.03.2023</a:t>
             </a:fld>
             <a:endParaRPr lang="de-DE"/>
           </a:p>
@@ -1158,7 +1158,7 @@
           <a:p>
             <a:fld id="{57C2ADC8-E08E-42BC-8B3F-BEE8B0D2554E}" type="datetimeFigureOut">
               <a:rPr lang="de-DE" smtClean="0"/>
-              <a:t>24.03.2023</a:t>
+              <a:t>25.03.2023</a:t>
             </a:fld>
             <a:endParaRPr lang="de-DE"/>
           </a:p>
@@ -1423,7 +1423,7 @@
           <a:p>
             <a:fld id="{57C2ADC8-E08E-42BC-8B3F-BEE8B0D2554E}" type="datetimeFigureOut">
               <a:rPr lang="de-DE" smtClean="0"/>
-              <a:t>24.03.2023</a:t>
+              <a:t>25.03.2023</a:t>
             </a:fld>
             <a:endParaRPr lang="de-DE"/>
           </a:p>
@@ -1835,7 +1835,7 @@
           <a:p>
             <a:fld id="{57C2ADC8-E08E-42BC-8B3F-BEE8B0D2554E}" type="datetimeFigureOut">
               <a:rPr lang="de-DE" smtClean="0"/>
-              <a:t>24.03.2023</a:t>
+              <a:t>25.03.2023</a:t>
             </a:fld>
             <a:endParaRPr lang="de-DE"/>
           </a:p>
@@ -1976,7 +1976,7 @@
           <a:p>
             <a:fld id="{57C2ADC8-E08E-42BC-8B3F-BEE8B0D2554E}" type="datetimeFigureOut">
               <a:rPr lang="de-DE" smtClean="0"/>
-              <a:t>24.03.2023</a:t>
+              <a:t>25.03.2023</a:t>
             </a:fld>
             <a:endParaRPr lang="de-DE"/>
           </a:p>
@@ -2089,7 +2089,7 @@
           <a:p>
             <a:fld id="{57C2ADC8-E08E-42BC-8B3F-BEE8B0D2554E}" type="datetimeFigureOut">
               <a:rPr lang="de-DE" smtClean="0"/>
-              <a:t>24.03.2023</a:t>
+              <a:t>25.03.2023</a:t>
             </a:fld>
             <a:endParaRPr lang="de-DE"/>
           </a:p>
@@ -2400,7 +2400,7 @@
           <a:p>
             <a:fld id="{57C2ADC8-E08E-42BC-8B3F-BEE8B0D2554E}" type="datetimeFigureOut">
               <a:rPr lang="de-DE" smtClean="0"/>
-              <a:t>24.03.2023</a:t>
+              <a:t>25.03.2023</a:t>
             </a:fld>
             <a:endParaRPr lang="de-DE"/>
           </a:p>
@@ -2688,7 +2688,7 @@
           <a:p>
             <a:fld id="{57C2ADC8-E08E-42BC-8B3F-BEE8B0D2554E}" type="datetimeFigureOut">
               <a:rPr lang="de-DE" smtClean="0"/>
-              <a:t>24.03.2023</a:t>
+              <a:t>25.03.2023</a:t>
             </a:fld>
             <a:endParaRPr lang="de-DE"/>
           </a:p>
@@ -2929,7 +2929,7 @@
           <a:p>
             <a:fld id="{57C2ADC8-E08E-42BC-8B3F-BEE8B0D2554E}" type="datetimeFigureOut">
               <a:rPr lang="de-DE" smtClean="0"/>
-              <a:t>24.03.2023</a:t>
+              <a:t>25.03.2023</a:t>
             </a:fld>
             <a:endParaRPr lang="de-DE"/>
           </a:p>
@@ -8185,6 +8185,22 @@
               </a:rPr>
               <a:t>In C implementiert auf dem PC:  </a:t>
             </a:r>
+            <a:r>
+              <a:rPr lang="de-DE" b="1" dirty="0">
+                <a:solidFill>
+                  <a:srgbClr val="C6C6C6"/>
+                </a:solidFill>
+              </a:rPr>
+              <a:t>437 </a:t>
+            </a:r>
+            <a:r>
+              <a:rPr lang="de-DE" b="1" dirty="0" err="1">
+                <a:solidFill>
+                  <a:srgbClr val="C6C6C6"/>
+                </a:solidFill>
+              </a:rPr>
+              <a:t>ms</a:t>
+            </a:r>
             <a:br>
               <a:rPr lang="de-DE" dirty="0">
                 <a:solidFill>
@@ -8198,7 +8214,15 @@
                   <a:srgbClr val="C6C6C6"/>
                 </a:solidFill>
               </a:rPr>
-              <a:t>In Python implementiert auf dem PC:</a:t>
+              <a:t>In Python implementiert auf dem PC: </a:t>
+            </a:r>
+            <a:r>
+              <a:rPr lang="de-DE" b="1" dirty="0">
+                <a:solidFill>
+                  <a:srgbClr val="C6C6C6"/>
+                </a:solidFill>
+              </a:rPr>
+              <a:t>17 s</a:t>
             </a:r>
           </a:p>
         </p:txBody>
